--- a/진행사항.pptx
+++ b/진행사항.pptx
@@ -5,7 +5,7 @@
     <p:sldMasterId id="2147483660" r:id="rId1"/>
   </p:sldMasterIdLst>
   <p:notesMasterIdLst>
-    <p:notesMasterId r:id="rId16"/>
+    <p:notesMasterId r:id="rId19"/>
   </p:notesMasterIdLst>
   <p:sldIdLst>
     <p:sldId id="281" r:id="rId2"/>
@@ -20,8 +20,11 @@
     <p:sldId id="306" r:id="rId11"/>
     <p:sldId id="307" r:id="rId12"/>
     <p:sldId id="305" r:id="rId13"/>
-    <p:sldId id="304" r:id="rId14"/>
-    <p:sldId id="303" r:id="rId15"/>
+    <p:sldId id="309" r:id="rId14"/>
+    <p:sldId id="310" r:id="rId15"/>
+    <p:sldId id="311" r:id="rId16"/>
+    <p:sldId id="304" r:id="rId17"/>
+    <p:sldId id="303" r:id="rId18"/>
   </p:sldIdLst>
   <p:sldSz cx="9144000" cy="6858000" type="screen4x3"/>
   <p:notesSz cx="6858000" cy="9144000"/>
@@ -221,7 +224,7 @@
           <a:p>
             <a:fld id="{174CF4B6-C8D6-438C-8B7D-E8AF3EC6F65B}" type="datetimeFigureOut">
               <a:rPr lang="ko-KR" altLang="en-US" smtClean="0"/>
-              <a:t>2018-05-23</a:t>
+              <a:t>2018-05-24</a:t>
             </a:fld>
             <a:endParaRPr lang="ko-KR" altLang="en-US"/>
           </a:p>
@@ -657,7 +660,7 @@
           <a:p>
             <a:fld id="{997C0C2C-FB57-479D-BE7F-6EC34BF7043C}" type="datetime1">
               <a:rPr lang="en-US" altLang="ko-KR" smtClean="0"/>
-              <a:t>5/23/2018</a:t>
+              <a:t>5/24/2018</a:t>
             </a:fld>
             <a:endParaRPr lang="en-US" dirty="0"/>
           </a:p>
@@ -988,7 +991,7 @@
           <a:p>
             <a:fld id="{047308E6-C353-4980-BC35-3BA553F61D46}" type="datetime1">
               <a:rPr lang="en-US" altLang="ko-KR" smtClean="0"/>
-              <a:t>5/23/2018</a:t>
+              <a:t>5/24/2018</a:t>
             </a:fld>
             <a:endParaRPr lang="en-US" dirty="0"/>
           </a:p>
@@ -1168,7 +1171,7 @@
           <a:p>
             <a:fld id="{925E33ED-602B-46D4-AC4E-A3EC8D1FE08B}" type="datetime1">
               <a:rPr lang="en-US" altLang="ko-KR" smtClean="0"/>
-              <a:t>5/23/2018</a:t>
+              <a:t>5/24/2018</a:t>
             </a:fld>
             <a:endParaRPr lang="en-US" dirty="0"/>
           </a:p>
@@ -1338,7 +1341,7 @@
           <a:p>
             <a:fld id="{CDCA6F40-FDE7-4477-94C1-42AFCA093BA3}" type="datetime1">
               <a:rPr lang="en-US" altLang="ko-KR" smtClean="0"/>
-              <a:t>5/23/2018</a:t>
+              <a:t>5/24/2018</a:t>
             </a:fld>
             <a:endParaRPr lang="en-US" dirty="0"/>
           </a:p>
@@ -1616,7 +1619,7 @@
           <a:p>
             <a:fld id="{E5AD4DDD-EA1C-4615-97C2-D68EC457B4CF}" type="datetime1">
               <a:rPr lang="en-US" altLang="ko-KR" smtClean="0"/>
-              <a:t>5/23/2018</a:t>
+              <a:t>5/24/2018</a:t>
             </a:fld>
             <a:endParaRPr lang="en-US" dirty="0"/>
           </a:p>
@@ -2067,7 +2070,7 @@
           <a:p>
             <a:fld id="{CA0F03C5-1E3C-44BE-9E2F-087D284D2C5D}" type="datetime1">
               <a:rPr lang="en-US" altLang="ko-KR" smtClean="0"/>
-              <a:t>5/23/2018</a:t>
+              <a:t>5/24/2018</a:t>
             </a:fld>
             <a:endParaRPr lang="en-US" dirty="0"/>
           </a:p>
@@ -2544,7 +2547,7 @@
           <a:p>
             <a:fld id="{23CB4308-201A-4967-870E-1ACB91AA6D8E}" type="datetime1">
               <a:rPr lang="en-US" altLang="ko-KR" smtClean="0"/>
-              <a:t>5/23/2018</a:t>
+              <a:t>5/24/2018</a:t>
             </a:fld>
             <a:endParaRPr lang="en-US" dirty="0"/>
           </a:p>
@@ -2662,7 +2665,7 @@
           <a:p>
             <a:fld id="{2AE391EA-DA61-4C24-8C9E-58C8105C0CDC}" type="datetime1">
               <a:rPr lang="en-US" altLang="ko-KR" smtClean="0"/>
-              <a:t>5/23/2018</a:t>
+              <a:t>5/24/2018</a:t>
             </a:fld>
             <a:endParaRPr lang="en-US" dirty="0"/>
           </a:p>
@@ -2757,7 +2760,7 @@
           <a:p>
             <a:fld id="{14CF23BC-FE77-4485-B606-6CBA74C5D36E}" type="datetime1">
               <a:rPr lang="en-US" altLang="ko-KR" smtClean="0"/>
-              <a:t>5/23/2018</a:t>
+              <a:t>5/24/2018</a:t>
             </a:fld>
             <a:endParaRPr lang="en-US" dirty="0"/>
           </a:p>
@@ -3105,7 +3108,7 @@
           <a:p>
             <a:fld id="{808D6C14-1859-4DDA-AD38-00DE62AE1826}" type="datetime1">
               <a:rPr lang="en-US" altLang="ko-KR" smtClean="0"/>
-              <a:t>5/23/2018</a:t>
+              <a:t>5/24/2018</a:t>
             </a:fld>
             <a:endParaRPr lang="en-US" dirty="0"/>
           </a:p>
@@ -3534,7 +3537,7 @@
           <a:p>
             <a:fld id="{AE734E95-C037-429B-8B5F-D0FAB25DE16C}" type="datetime1">
               <a:rPr lang="en-US" altLang="ko-KR" smtClean="0"/>
-              <a:t>5/23/2018</a:t>
+              <a:t>5/24/2018</a:t>
             </a:fld>
             <a:endParaRPr lang="en-US" dirty="0"/>
           </a:p>
@@ -3851,7 +3854,7 @@
           <a:p>
             <a:fld id="{E0770D22-4CCF-46DD-9D25-F19CC4764808}" type="datetime1">
               <a:rPr lang="en-US" altLang="ko-KR" smtClean="0"/>
-              <a:t>5/23/2018</a:t>
+              <a:t>5/24/2018</a:t>
             </a:fld>
             <a:endParaRPr lang="en-US" dirty="0"/>
           </a:p>
@@ -7710,7 +7713,7 @@
             </a:endParaRPr>
           </a:p>
           <a:p>
-            <a:pPr marL="987552" lvl="1" indent="-457200">
+            <a:pPr marL="1444752" lvl="2" indent="-457200">
               <a:lnSpc>
                 <a:spcPct val="160000"/>
               </a:lnSpc>
@@ -7718,7 +7721,7 @@
               <a:buAutoNum type="alphaUcPeriod"/>
             </a:pPr>
             <a:r>
-              <a:rPr lang="ko-KR" altLang="en-US" sz="1750" dirty="0" err="1">
+              <a:rPr lang="en-US" altLang="ko-KR" sz="1550" dirty="0">
                 <a:solidFill>
                   <a:schemeClr val="tx1">
                     <a:lumMod val="95000"/>
@@ -7735,9 +7738,285 @@
                 <a:latin typeface="맑은 고딕" panose="020B0503020000020004" pitchFamily="50" charset="-127"/>
                 <a:ea typeface="맑은 고딕" panose="020B0503020000020004" pitchFamily="50" charset="-127"/>
               </a:rPr>
-              <a:t>방어구</a:t>
+              <a:t>Sword</a:t>
             </a:r>
-            <a:endParaRPr lang="en-US" altLang="ko-KR" sz="1750" dirty="0">
+          </a:p>
+          <a:p>
+            <a:pPr marL="1901952" lvl="3" indent="-457200">
+              <a:lnSpc>
+                <a:spcPct val="160000"/>
+              </a:lnSpc>
+              <a:buFont typeface="+mj-lt"/>
+              <a:buAutoNum type="alphaUcPeriod"/>
+            </a:pPr>
+            <a:r>
+              <a:rPr lang="en-US" altLang="ko-KR" sz="1550" strike="sngStrike" dirty="0">
+                <a:solidFill>
+                  <a:schemeClr val="tx1">
+                    <a:lumMod val="95000"/>
+                    <a:lumOff val="5000"/>
+                  </a:schemeClr>
+                </a:solidFill>
+                <a:effectLst>
+                  <a:outerShdw blurRad="38100" dist="38100" dir="2700000" algn="tl">
+                    <a:srgbClr val="000000">
+                      <a:alpha val="43137"/>
+                    </a:srgbClr>
+                  </a:outerShdw>
+                </a:effectLst>
+                <a:latin typeface="맑은 고딕" panose="020B0503020000020004" pitchFamily="50" charset="-127"/>
+                <a:ea typeface="맑은 고딕" panose="020B0503020000020004" pitchFamily="50" charset="-127"/>
+              </a:rPr>
+              <a:t>Mace</a:t>
+            </a:r>
+          </a:p>
+          <a:p>
+            <a:pPr marL="1901952" lvl="3" indent="-457200">
+              <a:lnSpc>
+                <a:spcPct val="160000"/>
+              </a:lnSpc>
+              <a:buFont typeface="+mj-lt"/>
+              <a:buAutoNum type="alphaUcPeriod"/>
+            </a:pPr>
+            <a:r>
+              <a:rPr lang="en-US" altLang="ko-KR" sz="1550" strike="sngStrike" dirty="0">
+                <a:solidFill>
+                  <a:schemeClr val="tx1">
+                    <a:lumMod val="95000"/>
+                    <a:lumOff val="5000"/>
+                  </a:schemeClr>
+                </a:solidFill>
+                <a:effectLst>
+                  <a:outerShdw blurRad="38100" dist="38100" dir="2700000" algn="tl">
+                    <a:srgbClr val="000000">
+                      <a:alpha val="43137"/>
+                    </a:srgbClr>
+                  </a:outerShdw>
+                </a:effectLst>
+                <a:latin typeface="맑은 고딕" panose="020B0503020000020004" pitchFamily="50" charset="-127"/>
+                <a:ea typeface="맑은 고딕" panose="020B0503020000020004" pitchFamily="50" charset="-127"/>
+              </a:rPr>
+              <a:t>BF Sword (</a:t>
+            </a:r>
+            <a:r>
+              <a:rPr lang="ko-KR" altLang="en-US" sz="1550" strike="sngStrike" dirty="0">
+                <a:solidFill>
+                  <a:schemeClr val="tx1">
+                    <a:lumMod val="95000"/>
+                    <a:lumOff val="5000"/>
+                  </a:schemeClr>
+                </a:solidFill>
+                <a:effectLst>
+                  <a:outerShdw blurRad="38100" dist="38100" dir="2700000" algn="tl">
+                    <a:srgbClr val="000000">
+                      <a:alpha val="43137"/>
+                    </a:srgbClr>
+                  </a:outerShdw>
+                </a:effectLst>
+                <a:latin typeface="맑은 고딕" panose="020B0503020000020004" pitchFamily="50" charset="-127"/>
+                <a:ea typeface="맑은 고딕" panose="020B0503020000020004" pitchFamily="50" charset="-127"/>
+              </a:rPr>
+              <a:t>기획서상 </a:t>
+            </a:r>
+            <a:r>
+              <a:rPr lang="ko-KR" altLang="en-US" sz="1550" strike="sngStrike" dirty="0" err="1">
+                <a:solidFill>
+                  <a:schemeClr val="tx1">
+                    <a:lumMod val="95000"/>
+                    <a:lumOff val="5000"/>
+                  </a:schemeClr>
+                </a:solidFill>
+                <a:effectLst>
+                  <a:outerShdw blurRad="38100" dist="38100" dir="2700000" algn="tl">
+                    <a:srgbClr val="000000">
+                      <a:alpha val="43137"/>
+                    </a:srgbClr>
+                  </a:outerShdw>
+                </a:effectLst>
+                <a:latin typeface="맑은 고딕" panose="020B0503020000020004" pitchFamily="50" charset="-127"/>
+                <a:ea typeface="맑은 고딕" panose="020B0503020000020004" pitchFamily="50" charset="-127"/>
+              </a:rPr>
+              <a:t>브로드</a:t>
+            </a:r>
+            <a:r>
+              <a:rPr lang="ko-KR" altLang="en-US" sz="1550" strike="sngStrike" dirty="0">
+                <a:solidFill>
+                  <a:schemeClr val="tx1">
+                    <a:lumMod val="95000"/>
+                    <a:lumOff val="5000"/>
+                  </a:schemeClr>
+                </a:solidFill>
+                <a:effectLst>
+                  <a:outerShdw blurRad="38100" dist="38100" dir="2700000" algn="tl">
+                    <a:srgbClr val="000000">
+                      <a:alpha val="43137"/>
+                    </a:srgbClr>
+                  </a:outerShdw>
+                </a:effectLst>
+                <a:latin typeface="맑은 고딕" panose="020B0503020000020004" pitchFamily="50" charset="-127"/>
+                <a:ea typeface="맑은 고딕" panose="020B0503020000020004" pitchFamily="50" charset="-127"/>
+              </a:rPr>
+              <a:t> </a:t>
+            </a:r>
+            <a:r>
+              <a:rPr lang="ko-KR" altLang="en-US" sz="1550" strike="sngStrike" dirty="0" err="1">
+                <a:solidFill>
+                  <a:schemeClr val="tx1">
+                    <a:lumMod val="95000"/>
+                    <a:lumOff val="5000"/>
+                  </a:schemeClr>
+                </a:solidFill>
+                <a:effectLst>
+                  <a:outerShdw blurRad="38100" dist="38100" dir="2700000" algn="tl">
+                    <a:srgbClr val="000000">
+                      <a:alpha val="43137"/>
+                    </a:srgbClr>
+                  </a:outerShdw>
+                </a:effectLst>
+                <a:latin typeface="맑은 고딕" panose="020B0503020000020004" pitchFamily="50" charset="-127"/>
+                <a:ea typeface="맑은 고딕" panose="020B0503020000020004" pitchFamily="50" charset="-127"/>
+              </a:rPr>
+              <a:t>소드</a:t>
+            </a:r>
+            <a:r>
+              <a:rPr lang="en-US" altLang="ko-KR" sz="1550" strike="sngStrike" dirty="0">
+                <a:solidFill>
+                  <a:schemeClr val="tx1">
+                    <a:lumMod val="95000"/>
+                    <a:lumOff val="5000"/>
+                  </a:schemeClr>
+                </a:solidFill>
+                <a:effectLst>
+                  <a:outerShdw blurRad="38100" dist="38100" dir="2700000" algn="tl">
+                    <a:srgbClr val="000000">
+                      <a:alpha val="43137"/>
+                    </a:srgbClr>
+                  </a:outerShdw>
+                </a:effectLst>
+                <a:latin typeface="맑은 고딕" panose="020B0503020000020004" pitchFamily="50" charset="-127"/>
+                <a:ea typeface="맑은 고딕" panose="020B0503020000020004" pitchFamily="50" charset="-127"/>
+              </a:rPr>
+              <a:t>)</a:t>
+            </a:r>
+          </a:p>
+          <a:p>
+            <a:pPr marL="1901952" lvl="3" indent="-457200">
+              <a:lnSpc>
+                <a:spcPct val="160000"/>
+              </a:lnSpc>
+              <a:buFont typeface="+mj-lt"/>
+              <a:buAutoNum type="alphaUcPeriod"/>
+            </a:pPr>
+            <a:r>
+              <a:rPr lang="en-US" altLang="ko-KR" sz="1550" strike="sngStrike" dirty="0" err="1">
+                <a:solidFill>
+                  <a:schemeClr val="tx1">
+                    <a:lumMod val="95000"/>
+                    <a:lumOff val="5000"/>
+                  </a:schemeClr>
+                </a:solidFill>
+                <a:effectLst>
+                  <a:outerShdw blurRad="38100" dist="38100" dir="2700000" algn="tl">
+                    <a:srgbClr val="000000">
+                      <a:alpha val="43137"/>
+                    </a:srgbClr>
+                  </a:outerShdw>
+                </a:effectLst>
+                <a:latin typeface="맑은 고딕" panose="020B0503020000020004" pitchFamily="50" charset="-127"/>
+                <a:ea typeface="맑은 고딕" panose="020B0503020000020004" pitchFamily="50" charset="-127"/>
+              </a:rPr>
+              <a:t>Estoc</a:t>
+            </a:r>
+            <a:r>
+              <a:rPr lang="en-US" altLang="ko-KR" sz="1550" strike="sngStrike" dirty="0">
+                <a:solidFill>
+                  <a:schemeClr val="tx1">
+                    <a:lumMod val="95000"/>
+                    <a:lumOff val="5000"/>
+                  </a:schemeClr>
+                </a:solidFill>
+                <a:effectLst>
+                  <a:outerShdw blurRad="38100" dist="38100" dir="2700000" algn="tl">
+                    <a:srgbClr val="000000">
+                      <a:alpha val="43137"/>
+                    </a:srgbClr>
+                  </a:outerShdw>
+                </a:effectLst>
+                <a:latin typeface="맑은 고딕" panose="020B0503020000020004" pitchFamily="50" charset="-127"/>
+                <a:ea typeface="맑은 고딕" panose="020B0503020000020004" pitchFamily="50" charset="-127"/>
+              </a:rPr>
+              <a:t>  (</a:t>
+            </a:r>
+            <a:r>
+              <a:rPr lang="ko-KR" altLang="en-US" sz="1550" strike="sngStrike" dirty="0">
+                <a:solidFill>
+                  <a:schemeClr val="tx1">
+                    <a:lumMod val="95000"/>
+                    <a:lumOff val="5000"/>
+                  </a:schemeClr>
+                </a:solidFill>
+                <a:effectLst>
+                  <a:outerShdw blurRad="38100" dist="38100" dir="2700000" algn="tl">
+                    <a:srgbClr val="000000">
+                      <a:alpha val="43137"/>
+                    </a:srgbClr>
+                  </a:outerShdw>
+                </a:effectLst>
+                <a:latin typeface="맑은 고딕" panose="020B0503020000020004" pitchFamily="50" charset="-127"/>
+                <a:ea typeface="맑은 고딕" panose="020B0503020000020004" pitchFamily="50" charset="-127"/>
+              </a:rPr>
+              <a:t>덤으로 제작</a:t>
+            </a:r>
+            <a:r>
+              <a:rPr lang="en-US" altLang="ko-KR" sz="1550" strike="sngStrike" dirty="0">
+                <a:solidFill>
+                  <a:schemeClr val="tx1">
+                    <a:lumMod val="95000"/>
+                    <a:lumOff val="5000"/>
+                  </a:schemeClr>
+                </a:solidFill>
+                <a:effectLst>
+                  <a:outerShdw blurRad="38100" dist="38100" dir="2700000" algn="tl">
+                    <a:srgbClr val="000000">
+                      <a:alpha val="43137"/>
+                    </a:srgbClr>
+                  </a:outerShdw>
+                </a:effectLst>
+                <a:latin typeface="맑은 고딕" panose="020B0503020000020004" pitchFamily="50" charset="-127"/>
+                <a:ea typeface="맑은 고딕" panose="020B0503020000020004" pitchFamily="50" charset="-127"/>
+              </a:rPr>
+              <a:t>)</a:t>
+            </a:r>
+          </a:p>
+          <a:p>
+            <a:pPr marL="1901952" lvl="3" indent="-457200">
+              <a:lnSpc>
+                <a:spcPct val="160000"/>
+              </a:lnSpc>
+              <a:buFont typeface="+mj-lt"/>
+              <a:buAutoNum type="alphaUcPeriod"/>
+            </a:pPr>
+            <a:r>
+              <a:rPr lang="ko-KR" altLang="en-US" sz="1550" strike="sngStrike" dirty="0">
+                <a:solidFill>
+                  <a:schemeClr val="tx1">
+                    <a:lumMod val="95000"/>
+                    <a:lumOff val="5000"/>
+                  </a:schemeClr>
+                </a:solidFill>
+                <a:effectLst>
+                  <a:outerShdw blurRad="38100" dist="38100" dir="2700000" algn="tl">
+                    <a:srgbClr val="000000">
+                      <a:alpha val="43137"/>
+                    </a:srgbClr>
+                  </a:outerShdw>
+                </a:effectLst>
+                <a:latin typeface="맑은 고딕" panose="020B0503020000020004" pitchFamily="50" charset="-127"/>
+                <a:ea typeface="맑은 고딕" panose="020B0503020000020004" pitchFamily="50" charset="-127"/>
+              </a:rPr>
+              <a:t>양날 톱</a:t>
+            </a:r>
+            <a:endParaRPr lang="en-US" altLang="ko-KR" sz="1550" strike="sngStrike" dirty="0">
               <a:solidFill>
                 <a:schemeClr val="tx1">
                   <a:lumMod val="95000"/>
@@ -7756,7 +8035,7 @@
             </a:endParaRPr>
           </a:p>
           <a:p>
-            <a:pPr marL="457200" indent="-457200">
+            <a:pPr marL="1901952" lvl="3" indent="-457200">
               <a:lnSpc>
                 <a:spcPct val="160000"/>
               </a:lnSpc>
@@ -7764,7 +8043,7 @@
               <a:buAutoNum type="alphaUcPeriod"/>
             </a:pPr>
             <a:r>
-              <a:rPr lang="en-US" altLang="ko-KR" sz="1750" dirty="0">
+              <a:rPr lang="ko-KR" altLang="en-US" sz="1550" dirty="0" err="1">
                 <a:solidFill>
                   <a:schemeClr val="tx1">
                     <a:lumMod val="95000"/>
@@ -7781,85 +8060,7 @@
                 <a:latin typeface="맑은 고딕" panose="020B0503020000020004" pitchFamily="50" charset="-127"/>
                 <a:ea typeface="맑은 고딕" panose="020B0503020000020004" pitchFamily="50" charset="-127"/>
               </a:rPr>
-              <a:t>AI</a:t>
-            </a:r>
-          </a:p>
-          <a:p>
-            <a:pPr marL="987552" lvl="1" indent="-457200">
-              <a:lnSpc>
-                <a:spcPct val="160000"/>
-              </a:lnSpc>
-              <a:buFont typeface="+mj-lt"/>
-              <a:buAutoNum type="alphaUcPeriod"/>
-            </a:pPr>
-            <a:r>
-              <a:rPr lang="ko-KR" altLang="en-US" sz="1750" dirty="0">
-                <a:solidFill>
-                  <a:schemeClr val="tx1">
-                    <a:lumMod val="95000"/>
-                    <a:lumOff val="5000"/>
-                  </a:schemeClr>
-                </a:solidFill>
-                <a:effectLst>
-                  <a:outerShdw blurRad="38100" dist="38100" dir="2700000" algn="tl">
-                    <a:srgbClr val="000000">
-                      <a:alpha val="43137"/>
-                    </a:srgbClr>
-                  </a:outerShdw>
-                </a:effectLst>
-                <a:latin typeface="맑은 고딕" panose="020B0503020000020004" pitchFamily="50" charset="-127"/>
-                <a:ea typeface="맑은 고딕" panose="020B0503020000020004" pitchFamily="50" charset="-127"/>
-              </a:rPr>
-              <a:t>중립 몬스터 </a:t>
-            </a:r>
-            <a:r>
-              <a:rPr lang="en-US" altLang="ko-KR" sz="1750" dirty="0">
-                <a:solidFill>
-                  <a:schemeClr val="tx1">
-                    <a:lumMod val="95000"/>
-                    <a:lumOff val="5000"/>
-                  </a:schemeClr>
-                </a:solidFill>
-                <a:effectLst>
-                  <a:outerShdw blurRad="38100" dist="38100" dir="2700000" algn="tl">
-                    <a:srgbClr val="000000">
-                      <a:alpha val="43137"/>
-                    </a:srgbClr>
-                  </a:outerShdw>
-                </a:effectLst>
-                <a:latin typeface="맑은 고딕" panose="020B0503020000020004" pitchFamily="50" charset="-127"/>
-                <a:ea typeface="맑은 고딕" panose="020B0503020000020004" pitchFamily="50" charset="-127"/>
-              </a:rPr>
-              <a:t>FSM</a:t>
-            </a:r>
-          </a:p>
-          <a:p>
-            <a:pPr marL="1444752" lvl="2" indent="-457200">
-              <a:lnSpc>
-                <a:spcPct val="160000"/>
-              </a:lnSpc>
-              <a:buFont typeface="+mj-lt"/>
-              <a:buAutoNum type="alphaUcPeriod"/>
-            </a:pPr>
-            <a:r>
-              <a:rPr lang="ko-KR" altLang="en-US" sz="1550" dirty="0">
-                <a:solidFill>
-                  <a:schemeClr val="tx1">
-                    <a:lumMod val="95000"/>
-                    <a:lumOff val="5000"/>
-                  </a:schemeClr>
-                </a:solidFill>
-                <a:effectLst>
-                  <a:outerShdw blurRad="38100" dist="38100" dir="2700000" algn="tl">
-                    <a:srgbClr val="000000">
-                      <a:alpha val="43137"/>
-                    </a:srgbClr>
-                  </a:outerShdw>
-                </a:effectLst>
-                <a:latin typeface="맑은 고딕" panose="020B0503020000020004" pitchFamily="50" charset="-127"/>
-                <a:ea typeface="맑은 고딕" panose="020B0503020000020004" pitchFamily="50" charset="-127"/>
-              </a:rPr>
-              <a:t>나단 작업 예정</a:t>
+              <a:t>사브르</a:t>
             </a:r>
             <a:endParaRPr lang="en-US" altLang="ko-KR" sz="1550" dirty="0">
               <a:solidFill>
@@ -7929,6 +8130,1562 @@
 </file>
 
 <file path=ppt/slides/slide13.xml><?xml version="1.0" encoding="utf-8"?>
+<p:sld xmlns:a="http://schemas.openxmlformats.org/drawingml/2006/main" xmlns:r="http://schemas.openxmlformats.org/officeDocument/2006/relationships" xmlns:p="http://schemas.openxmlformats.org/presentationml/2006/main">
+  <p:cSld>
+    <p:spTree>
+      <p:nvGrpSpPr>
+        <p:cNvPr id="1" name=""/>
+        <p:cNvGrpSpPr/>
+        <p:nvPr/>
+      </p:nvGrpSpPr>
+      <p:grpSpPr>
+        <a:xfrm>
+          <a:off x="0" y="0"/>
+          <a:ext cx="0" cy="0"/>
+          <a:chOff x="0" y="0"/>
+          <a:chExt cx="0" cy="0"/>
+        </a:xfrm>
+      </p:grpSpPr>
+      <p:sp>
+        <p:nvSpPr>
+          <p:cNvPr id="2" name="제목 1">
+            <a:extLst>
+              <a:ext uri="{FF2B5EF4-FFF2-40B4-BE49-F238E27FC236}">
+                <a16:creationId xmlns:a16="http://schemas.microsoft.com/office/drawing/2014/main" id="{1B2F03EE-71DD-491C-99CC-16E59ED95F65}"/>
+              </a:ext>
+            </a:extLst>
+          </p:cNvPr>
+          <p:cNvSpPr>
+            <a:spLocks noGrp="1"/>
+          </p:cNvSpPr>
+          <p:nvPr>
+            <p:ph type="title"/>
+          </p:nvPr>
+        </p:nvSpPr>
+        <p:spPr>
+          <a:xfrm>
+            <a:off x="1028700" y="651600"/>
+            <a:ext cx="7200900" cy="581025"/>
+          </a:xfrm>
+        </p:spPr>
+        <p:txBody>
+          <a:bodyPr>
+            <a:normAutofit/>
+          </a:bodyPr>
+          <a:lstStyle/>
+          <a:p>
+            <a:r>
+              <a:rPr lang="ko-KR" altLang="en-US" sz="3600" b="1" dirty="0">
+                <a:solidFill>
+                  <a:schemeClr val="tx1">
+                    <a:lumMod val="95000"/>
+                    <a:lumOff val="5000"/>
+                  </a:schemeClr>
+                </a:solidFill>
+                <a:latin typeface="맑은 고딕" panose="020B0503020000020004" pitchFamily="50" charset="-127"/>
+                <a:ea typeface="맑은 고딕" panose="020B0503020000020004" pitchFamily="50" charset="-127"/>
+              </a:rPr>
+              <a:t>보완 사항 및 앞으로 일정</a:t>
+            </a:r>
+            <a:r>
+              <a:rPr lang="en-US" altLang="ko-KR" sz="3600" b="1" dirty="0">
+                <a:solidFill>
+                  <a:schemeClr val="tx1">
+                    <a:lumMod val="95000"/>
+                    <a:lumOff val="5000"/>
+                  </a:schemeClr>
+                </a:solidFill>
+                <a:latin typeface="맑은 고딕" panose="020B0503020000020004" pitchFamily="50" charset="-127"/>
+                <a:ea typeface="맑은 고딕" panose="020B0503020000020004" pitchFamily="50" charset="-127"/>
+              </a:rPr>
+              <a:t>- </a:t>
+            </a:r>
+            <a:r>
+              <a:rPr lang="ko-KR" altLang="en-US" sz="3600" b="1" dirty="0">
+                <a:solidFill>
+                  <a:schemeClr val="tx1">
+                    <a:lumMod val="95000"/>
+                    <a:lumOff val="5000"/>
+                  </a:schemeClr>
+                </a:solidFill>
+                <a:latin typeface="맑은 고딕" panose="020B0503020000020004" pitchFamily="50" charset="-127"/>
+                <a:ea typeface="맑은 고딕" panose="020B0503020000020004" pitchFamily="50" charset="-127"/>
+              </a:rPr>
+              <a:t>이용선</a:t>
+            </a:r>
+          </a:p>
+        </p:txBody>
+      </p:sp>
+      <p:sp>
+        <p:nvSpPr>
+          <p:cNvPr id="5" name="내용 개체 틀 4">
+            <a:extLst>
+              <a:ext uri="{FF2B5EF4-FFF2-40B4-BE49-F238E27FC236}">
+                <a16:creationId xmlns:a16="http://schemas.microsoft.com/office/drawing/2014/main" id="{9FB52D98-533A-47D2-8523-BFFFB3E178F2}"/>
+              </a:ext>
+            </a:extLst>
+          </p:cNvPr>
+          <p:cNvSpPr>
+            <a:spLocks noGrp="1"/>
+          </p:cNvSpPr>
+          <p:nvPr>
+            <p:ph idx="1"/>
+          </p:nvPr>
+        </p:nvSpPr>
+        <p:spPr>
+          <a:xfrm>
+            <a:off x="1028700" y="1828626"/>
+            <a:ext cx="7200900" cy="4377774"/>
+          </a:xfrm>
+        </p:spPr>
+        <p:txBody>
+          <a:bodyPr>
+            <a:normAutofit/>
+          </a:bodyPr>
+          <a:lstStyle/>
+          <a:p>
+            <a:pPr marL="457200" indent="-457200">
+              <a:lnSpc>
+                <a:spcPct val="160000"/>
+              </a:lnSpc>
+              <a:buFont typeface="+mj-lt"/>
+              <a:buAutoNum type="alphaUcPeriod"/>
+            </a:pPr>
+            <a:r>
+              <a:rPr lang="ko-KR" altLang="en-US" sz="1750" dirty="0">
+                <a:solidFill>
+                  <a:schemeClr val="tx1">
+                    <a:lumMod val="95000"/>
+                    <a:lumOff val="5000"/>
+                  </a:schemeClr>
+                </a:solidFill>
+                <a:effectLst>
+                  <a:outerShdw blurRad="38100" dist="38100" dir="2700000" algn="tl">
+                    <a:srgbClr val="000000">
+                      <a:alpha val="43137"/>
+                    </a:srgbClr>
+                  </a:outerShdw>
+                </a:effectLst>
+                <a:latin typeface="맑은 고딕" panose="020B0503020000020004" pitchFamily="50" charset="-127"/>
+                <a:ea typeface="맑은 고딕" panose="020B0503020000020004" pitchFamily="50" charset="-127"/>
+              </a:rPr>
+              <a:t>모델링</a:t>
+            </a:r>
+            <a:endParaRPr lang="en-US" altLang="ko-KR" sz="1750" dirty="0">
+              <a:solidFill>
+                <a:schemeClr val="tx1">
+                  <a:lumMod val="95000"/>
+                  <a:lumOff val="5000"/>
+                </a:schemeClr>
+              </a:solidFill>
+              <a:effectLst>
+                <a:outerShdw blurRad="38100" dist="38100" dir="2700000" algn="tl">
+                  <a:srgbClr val="000000">
+                    <a:alpha val="43137"/>
+                  </a:srgbClr>
+                </a:outerShdw>
+              </a:effectLst>
+              <a:latin typeface="맑은 고딕" panose="020B0503020000020004" pitchFamily="50" charset="-127"/>
+              <a:ea typeface="맑은 고딕" panose="020B0503020000020004" pitchFamily="50" charset="-127"/>
+            </a:endParaRPr>
+          </a:p>
+          <a:p>
+            <a:pPr marL="987552" lvl="1" indent="-457200">
+              <a:lnSpc>
+                <a:spcPct val="160000"/>
+              </a:lnSpc>
+              <a:buFont typeface="+mj-lt"/>
+              <a:buAutoNum type="alphaUcPeriod"/>
+            </a:pPr>
+            <a:r>
+              <a:rPr lang="ko-KR" altLang="en-US" sz="1750" dirty="0">
+                <a:solidFill>
+                  <a:schemeClr val="tx1">
+                    <a:lumMod val="95000"/>
+                    <a:lumOff val="5000"/>
+                  </a:schemeClr>
+                </a:solidFill>
+                <a:effectLst>
+                  <a:outerShdw blurRad="38100" dist="38100" dir="2700000" algn="tl">
+                    <a:srgbClr val="000000">
+                      <a:alpha val="43137"/>
+                    </a:srgbClr>
+                  </a:outerShdw>
+                </a:effectLst>
+                <a:latin typeface="맑은 고딕" panose="020B0503020000020004" pitchFamily="50" charset="-127"/>
+                <a:ea typeface="맑은 고딕" panose="020B0503020000020004" pitchFamily="50" charset="-127"/>
+              </a:rPr>
+              <a:t>무기</a:t>
+            </a:r>
+            <a:endParaRPr lang="en-US" altLang="ko-KR" sz="1750" dirty="0">
+              <a:solidFill>
+                <a:schemeClr val="tx1">
+                  <a:lumMod val="95000"/>
+                  <a:lumOff val="5000"/>
+                </a:schemeClr>
+              </a:solidFill>
+              <a:effectLst>
+                <a:outerShdw blurRad="38100" dist="38100" dir="2700000" algn="tl">
+                  <a:srgbClr val="000000">
+                    <a:alpha val="43137"/>
+                  </a:srgbClr>
+                </a:outerShdw>
+              </a:effectLst>
+              <a:latin typeface="맑은 고딕" panose="020B0503020000020004" pitchFamily="50" charset="-127"/>
+              <a:ea typeface="맑은 고딕" panose="020B0503020000020004" pitchFamily="50" charset="-127"/>
+            </a:endParaRPr>
+          </a:p>
+          <a:p>
+            <a:pPr marL="1444752" lvl="2" indent="-457200">
+              <a:lnSpc>
+                <a:spcPct val="160000"/>
+              </a:lnSpc>
+              <a:buFont typeface="+mj-lt"/>
+              <a:buAutoNum type="alphaUcPeriod"/>
+            </a:pPr>
+            <a:r>
+              <a:rPr lang="en-US" altLang="ko-KR" sz="1550" dirty="0">
+                <a:solidFill>
+                  <a:schemeClr val="tx1">
+                    <a:lumMod val="95000"/>
+                    <a:lumOff val="5000"/>
+                  </a:schemeClr>
+                </a:solidFill>
+                <a:effectLst>
+                  <a:outerShdw blurRad="38100" dist="38100" dir="2700000" algn="tl">
+                    <a:srgbClr val="000000">
+                      <a:alpha val="43137"/>
+                    </a:srgbClr>
+                  </a:outerShdw>
+                </a:effectLst>
+                <a:latin typeface="맑은 고딕" panose="020B0503020000020004" pitchFamily="50" charset="-127"/>
+                <a:ea typeface="맑은 고딕" panose="020B0503020000020004" pitchFamily="50" charset="-127"/>
+              </a:rPr>
+              <a:t>Bow</a:t>
+            </a:r>
+          </a:p>
+          <a:p>
+            <a:pPr marL="1901952" lvl="3" indent="-457200">
+              <a:lnSpc>
+                <a:spcPct val="160000"/>
+              </a:lnSpc>
+              <a:buFont typeface="+mj-lt"/>
+              <a:buAutoNum type="alphaUcPeriod"/>
+            </a:pPr>
+            <a:r>
+              <a:rPr lang="ko-KR" altLang="en-US" sz="1550" dirty="0" err="1">
+                <a:solidFill>
+                  <a:schemeClr val="tx1">
+                    <a:lumMod val="95000"/>
+                    <a:lumOff val="5000"/>
+                  </a:schemeClr>
+                </a:solidFill>
+                <a:effectLst>
+                  <a:outerShdw blurRad="38100" dist="38100" dir="2700000" algn="tl">
+                    <a:srgbClr val="000000">
+                      <a:alpha val="43137"/>
+                    </a:srgbClr>
+                  </a:outerShdw>
+                </a:effectLst>
+                <a:latin typeface="맑은 고딕" panose="020B0503020000020004" pitchFamily="50" charset="-127"/>
+                <a:ea typeface="맑은 고딕" panose="020B0503020000020004" pitchFamily="50" charset="-127"/>
+              </a:rPr>
+              <a:t>컴파운드</a:t>
+            </a:r>
+            <a:r>
+              <a:rPr lang="ko-KR" altLang="en-US" sz="1550" dirty="0">
+                <a:solidFill>
+                  <a:schemeClr val="tx1">
+                    <a:lumMod val="95000"/>
+                    <a:lumOff val="5000"/>
+                  </a:schemeClr>
+                </a:solidFill>
+                <a:effectLst>
+                  <a:outerShdw blurRad="38100" dist="38100" dir="2700000" algn="tl">
+                    <a:srgbClr val="000000">
+                      <a:alpha val="43137"/>
+                    </a:srgbClr>
+                  </a:outerShdw>
+                </a:effectLst>
+                <a:latin typeface="맑은 고딕" panose="020B0503020000020004" pitchFamily="50" charset="-127"/>
+                <a:ea typeface="맑은 고딕" panose="020B0503020000020004" pitchFamily="50" charset="-127"/>
+              </a:rPr>
+              <a:t> 보우</a:t>
+            </a:r>
+            <a:endParaRPr lang="en-US" altLang="ko-KR" sz="1550" dirty="0">
+              <a:solidFill>
+                <a:schemeClr val="tx1">
+                  <a:lumMod val="95000"/>
+                  <a:lumOff val="5000"/>
+                </a:schemeClr>
+              </a:solidFill>
+              <a:effectLst>
+                <a:outerShdw blurRad="38100" dist="38100" dir="2700000" algn="tl">
+                  <a:srgbClr val="000000">
+                    <a:alpha val="43137"/>
+                  </a:srgbClr>
+                </a:outerShdw>
+              </a:effectLst>
+              <a:latin typeface="맑은 고딕" panose="020B0503020000020004" pitchFamily="50" charset="-127"/>
+              <a:ea typeface="맑은 고딕" panose="020B0503020000020004" pitchFamily="50" charset="-127"/>
+            </a:endParaRPr>
+          </a:p>
+          <a:p>
+            <a:pPr marL="1901952" lvl="3" indent="-457200">
+              <a:lnSpc>
+                <a:spcPct val="160000"/>
+              </a:lnSpc>
+              <a:buFont typeface="+mj-lt"/>
+              <a:buAutoNum type="alphaUcPeriod"/>
+            </a:pPr>
+            <a:r>
+              <a:rPr lang="ko-KR" altLang="en-US" sz="1550" dirty="0" err="1">
+                <a:solidFill>
+                  <a:schemeClr val="tx1">
+                    <a:lumMod val="95000"/>
+                    <a:lumOff val="5000"/>
+                  </a:schemeClr>
+                </a:solidFill>
+                <a:effectLst>
+                  <a:outerShdw blurRad="38100" dist="38100" dir="2700000" algn="tl">
+                    <a:srgbClr val="000000">
+                      <a:alpha val="43137"/>
+                    </a:srgbClr>
+                  </a:outerShdw>
+                </a:effectLst>
+                <a:latin typeface="맑은 고딕" panose="020B0503020000020004" pitchFamily="50" charset="-127"/>
+                <a:ea typeface="맑은 고딕" panose="020B0503020000020004" pitchFamily="50" charset="-127"/>
+              </a:rPr>
+              <a:t>비래골</a:t>
+            </a:r>
+            <a:endParaRPr lang="en-US" altLang="ko-KR" sz="1550" dirty="0">
+              <a:solidFill>
+                <a:schemeClr val="tx1">
+                  <a:lumMod val="95000"/>
+                  <a:lumOff val="5000"/>
+                </a:schemeClr>
+              </a:solidFill>
+              <a:effectLst>
+                <a:outerShdw blurRad="38100" dist="38100" dir="2700000" algn="tl">
+                  <a:srgbClr val="000000">
+                    <a:alpha val="43137"/>
+                  </a:srgbClr>
+                </a:outerShdw>
+              </a:effectLst>
+              <a:latin typeface="맑은 고딕" panose="020B0503020000020004" pitchFamily="50" charset="-127"/>
+              <a:ea typeface="맑은 고딕" panose="020B0503020000020004" pitchFamily="50" charset="-127"/>
+            </a:endParaRPr>
+          </a:p>
+          <a:p>
+            <a:pPr marL="1901952" lvl="3" indent="-457200">
+              <a:lnSpc>
+                <a:spcPct val="160000"/>
+              </a:lnSpc>
+              <a:buFont typeface="+mj-lt"/>
+              <a:buAutoNum type="alphaUcPeriod"/>
+            </a:pPr>
+            <a:r>
+              <a:rPr lang="ko-KR" altLang="en-US" sz="1550" dirty="0">
+                <a:solidFill>
+                  <a:schemeClr val="tx1">
+                    <a:lumMod val="95000"/>
+                    <a:lumOff val="5000"/>
+                  </a:schemeClr>
+                </a:solidFill>
+                <a:effectLst>
+                  <a:outerShdw blurRad="38100" dist="38100" dir="2700000" algn="tl">
+                    <a:srgbClr val="000000">
+                      <a:alpha val="43137"/>
+                    </a:srgbClr>
+                  </a:outerShdw>
+                </a:effectLst>
+                <a:latin typeface="맑은 고딕" panose="020B0503020000020004" pitchFamily="50" charset="-127"/>
+                <a:ea typeface="맑은 고딕" panose="020B0503020000020004" pitchFamily="50" charset="-127"/>
+              </a:rPr>
+              <a:t>바나나</a:t>
+            </a:r>
+            <a:endParaRPr lang="en-US" altLang="ko-KR" sz="1550" dirty="0">
+              <a:solidFill>
+                <a:schemeClr val="tx1">
+                  <a:lumMod val="95000"/>
+                  <a:lumOff val="5000"/>
+                </a:schemeClr>
+              </a:solidFill>
+              <a:effectLst>
+                <a:outerShdw blurRad="38100" dist="38100" dir="2700000" algn="tl">
+                  <a:srgbClr val="000000">
+                    <a:alpha val="43137"/>
+                  </a:srgbClr>
+                </a:outerShdw>
+              </a:effectLst>
+              <a:latin typeface="맑은 고딕" panose="020B0503020000020004" pitchFamily="50" charset="-127"/>
+              <a:ea typeface="맑은 고딕" panose="020B0503020000020004" pitchFamily="50" charset="-127"/>
+            </a:endParaRPr>
+          </a:p>
+          <a:p>
+            <a:pPr marL="1901952" lvl="3" indent="-457200">
+              <a:lnSpc>
+                <a:spcPct val="160000"/>
+              </a:lnSpc>
+              <a:buFont typeface="+mj-lt"/>
+              <a:buAutoNum type="alphaUcPeriod"/>
+            </a:pPr>
+            <a:r>
+              <a:rPr lang="ko-KR" altLang="en-US" sz="1550" dirty="0" err="1">
+                <a:solidFill>
+                  <a:schemeClr val="tx1">
+                    <a:lumMod val="95000"/>
+                    <a:lumOff val="5000"/>
+                  </a:schemeClr>
+                </a:solidFill>
+                <a:effectLst>
+                  <a:outerShdw blurRad="38100" dist="38100" dir="2700000" algn="tl">
+                    <a:srgbClr val="000000">
+                      <a:alpha val="43137"/>
+                    </a:srgbClr>
+                  </a:outerShdw>
+                </a:effectLst>
+                <a:latin typeface="맑은 고딕" panose="020B0503020000020004" pitchFamily="50" charset="-127"/>
+                <a:ea typeface="맑은 고딕" panose="020B0503020000020004" pitchFamily="50" charset="-127"/>
+              </a:rPr>
+              <a:t>아지노스의</a:t>
+            </a:r>
+            <a:r>
+              <a:rPr lang="ko-KR" altLang="en-US" sz="1550" dirty="0">
+                <a:solidFill>
+                  <a:schemeClr val="tx1">
+                    <a:lumMod val="95000"/>
+                    <a:lumOff val="5000"/>
+                  </a:schemeClr>
+                </a:solidFill>
+                <a:effectLst>
+                  <a:outerShdw blurRad="38100" dist="38100" dir="2700000" algn="tl">
+                    <a:srgbClr val="000000">
+                      <a:alpha val="43137"/>
+                    </a:srgbClr>
+                  </a:outerShdw>
+                </a:effectLst>
+                <a:latin typeface="맑은 고딕" panose="020B0503020000020004" pitchFamily="50" charset="-127"/>
+                <a:ea typeface="맑은 고딕" panose="020B0503020000020004" pitchFamily="50" charset="-127"/>
+              </a:rPr>
+              <a:t> </a:t>
+            </a:r>
+            <a:r>
+              <a:rPr lang="ko-KR" altLang="en-US" sz="1550" dirty="0" err="1">
+                <a:solidFill>
+                  <a:schemeClr val="tx1">
+                    <a:lumMod val="95000"/>
+                    <a:lumOff val="5000"/>
+                  </a:schemeClr>
+                </a:solidFill>
+                <a:effectLst>
+                  <a:outerShdw blurRad="38100" dist="38100" dir="2700000" algn="tl">
+                    <a:srgbClr val="000000">
+                      <a:alpha val="43137"/>
+                    </a:srgbClr>
+                  </a:outerShdw>
+                </a:effectLst>
+                <a:latin typeface="맑은 고딕" panose="020B0503020000020004" pitchFamily="50" charset="-127"/>
+                <a:ea typeface="맑은 고딕" panose="020B0503020000020004" pitchFamily="50" charset="-127"/>
+              </a:rPr>
+              <a:t>전투검</a:t>
+            </a:r>
+            <a:endParaRPr lang="en-US" altLang="ko-KR" sz="1550" dirty="0">
+              <a:solidFill>
+                <a:schemeClr val="tx1">
+                  <a:lumMod val="95000"/>
+                  <a:lumOff val="5000"/>
+                </a:schemeClr>
+              </a:solidFill>
+              <a:effectLst>
+                <a:outerShdw blurRad="38100" dist="38100" dir="2700000" algn="tl">
+                  <a:srgbClr val="000000">
+                    <a:alpha val="43137"/>
+                  </a:srgbClr>
+                </a:outerShdw>
+              </a:effectLst>
+              <a:latin typeface="맑은 고딕" panose="020B0503020000020004" pitchFamily="50" charset="-127"/>
+              <a:ea typeface="맑은 고딕" panose="020B0503020000020004" pitchFamily="50" charset="-127"/>
+            </a:endParaRPr>
+          </a:p>
+        </p:txBody>
+      </p:sp>
+      <p:sp>
+        <p:nvSpPr>
+          <p:cNvPr id="3" name="슬라이드 번호 개체 틀 2">
+            <a:extLst>
+              <a:ext uri="{FF2B5EF4-FFF2-40B4-BE49-F238E27FC236}">
+                <a16:creationId xmlns:a16="http://schemas.microsoft.com/office/drawing/2014/main" id="{36392628-7DF0-4B14-92FD-A5D98527D503}"/>
+              </a:ext>
+            </a:extLst>
+          </p:cNvPr>
+          <p:cNvSpPr>
+            <a:spLocks noGrp="1"/>
+          </p:cNvSpPr>
+          <p:nvPr>
+            <p:ph type="sldNum" sz="quarter" idx="12"/>
+          </p:nvPr>
+        </p:nvSpPr>
+        <p:spPr>
+          <a:xfrm>
+            <a:off x="7106400" y="6454800"/>
+            <a:ext cx="1198800" cy="403200"/>
+          </a:xfrm>
+        </p:spPr>
+        <p:txBody>
+          <a:bodyPr/>
+          <a:lstStyle/>
+          <a:p>
+            <a:fld id="{69E57DC2-970A-4B3E-BB1C-7A09969E49DF}" type="slidenum">
+              <a:rPr lang="en-US" smtClean="0"/>
+              <a:t>13</a:t>
+            </a:fld>
+            <a:endParaRPr lang="en-US" dirty="0"/>
+          </a:p>
+        </p:txBody>
+      </p:sp>
+    </p:spTree>
+    <p:extLst>
+      <p:ext uri="{BB962C8B-B14F-4D97-AF65-F5344CB8AC3E}">
+        <p14:creationId xmlns:p14="http://schemas.microsoft.com/office/powerpoint/2010/main" val="776511413"/>
+      </p:ext>
+    </p:extLst>
+  </p:cSld>
+  <p:clrMapOvr>
+    <a:masterClrMapping/>
+  </p:clrMapOvr>
+</p:sld>
+</file>
+
+<file path=ppt/slides/slide14.xml><?xml version="1.0" encoding="utf-8"?>
+<p:sld xmlns:a="http://schemas.openxmlformats.org/drawingml/2006/main" xmlns:r="http://schemas.openxmlformats.org/officeDocument/2006/relationships" xmlns:p="http://schemas.openxmlformats.org/presentationml/2006/main">
+  <p:cSld>
+    <p:spTree>
+      <p:nvGrpSpPr>
+        <p:cNvPr id="1" name=""/>
+        <p:cNvGrpSpPr/>
+        <p:nvPr/>
+      </p:nvGrpSpPr>
+      <p:grpSpPr>
+        <a:xfrm>
+          <a:off x="0" y="0"/>
+          <a:ext cx="0" cy="0"/>
+          <a:chOff x="0" y="0"/>
+          <a:chExt cx="0" cy="0"/>
+        </a:xfrm>
+      </p:grpSpPr>
+      <p:sp>
+        <p:nvSpPr>
+          <p:cNvPr id="2" name="제목 1">
+            <a:extLst>
+              <a:ext uri="{FF2B5EF4-FFF2-40B4-BE49-F238E27FC236}">
+                <a16:creationId xmlns:a16="http://schemas.microsoft.com/office/drawing/2014/main" id="{1B2F03EE-71DD-491C-99CC-16E59ED95F65}"/>
+              </a:ext>
+            </a:extLst>
+          </p:cNvPr>
+          <p:cNvSpPr>
+            <a:spLocks noGrp="1"/>
+          </p:cNvSpPr>
+          <p:nvPr>
+            <p:ph type="title"/>
+          </p:nvPr>
+        </p:nvSpPr>
+        <p:spPr>
+          <a:xfrm>
+            <a:off x="1028700" y="651600"/>
+            <a:ext cx="7200900" cy="581025"/>
+          </a:xfrm>
+        </p:spPr>
+        <p:txBody>
+          <a:bodyPr>
+            <a:normAutofit/>
+          </a:bodyPr>
+          <a:lstStyle/>
+          <a:p>
+            <a:r>
+              <a:rPr lang="ko-KR" altLang="en-US" sz="3600" b="1" dirty="0">
+                <a:solidFill>
+                  <a:schemeClr val="tx1">
+                    <a:lumMod val="95000"/>
+                    <a:lumOff val="5000"/>
+                  </a:schemeClr>
+                </a:solidFill>
+                <a:latin typeface="맑은 고딕" panose="020B0503020000020004" pitchFamily="50" charset="-127"/>
+                <a:ea typeface="맑은 고딕" panose="020B0503020000020004" pitchFamily="50" charset="-127"/>
+              </a:rPr>
+              <a:t>보완 사항 및 앞으로 일정</a:t>
+            </a:r>
+            <a:r>
+              <a:rPr lang="en-US" altLang="ko-KR" sz="3600" b="1" dirty="0">
+                <a:solidFill>
+                  <a:schemeClr val="tx1">
+                    <a:lumMod val="95000"/>
+                    <a:lumOff val="5000"/>
+                  </a:schemeClr>
+                </a:solidFill>
+                <a:latin typeface="맑은 고딕" panose="020B0503020000020004" pitchFamily="50" charset="-127"/>
+                <a:ea typeface="맑은 고딕" panose="020B0503020000020004" pitchFamily="50" charset="-127"/>
+              </a:rPr>
+              <a:t>- </a:t>
+            </a:r>
+            <a:r>
+              <a:rPr lang="ko-KR" altLang="en-US" sz="3600" b="1" dirty="0">
+                <a:solidFill>
+                  <a:schemeClr val="tx1">
+                    <a:lumMod val="95000"/>
+                    <a:lumOff val="5000"/>
+                  </a:schemeClr>
+                </a:solidFill>
+                <a:latin typeface="맑은 고딕" panose="020B0503020000020004" pitchFamily="50" charset="-127"/>
+                <a:ea typeface="맑은 고딕" panose="020B0503020000020004" pitchFamily="50" charset="-127"/>
+              </a:rPr>
+              <a:t>이용선</a:t>
+            </a:r>
+          </a:p>
+        </p:txBody>
+      </p:sp>
+      <p:sp>
+        <p:nvSpPr>
+          <p:cNvPr id="5" name="내용 개체 틀 4">
+            <a:extLst>
+              <a:ext uri="{FF2B5EF4-FFF2-40B4-BE49-F238E27FC236}">
+                <a16:creationId xmlns:a16="http://schemas.microsoft.com/office/drawing/2014/main" id="{9FB52D98-533A-47D2-8523-BFFFB3E178F2}"/>
+              </a:ext>
+            </a:extLst>
+          </p:cNvPr>
+          <p:cNvSpPr>
+            <a:spLocks noGrp="1"/>
+          </p:cNvSpPr>
+          <p:nvPr>
+            <p:ph idx="1"/>
+          </p:nvPr>
+        </p:nvSpPr>
+        <p:spPr>
+          <a:xfrm>
+            <a:off x="1028700" y="1828626"/>
+            <a:ext cx="7200900" cy="4377774"/>
+          </a:xfrm>
+        </p:spPr>
+        <p:txBody>
+          <a:bodyPr>
+            <a:normAutofit/>
+          </a:bodyPr>
+          <a:lstStyle/>
+          <a:p>
+            <a:pPr marL="457200" indent="-457200">
+              <a:lnSpc>
+                <a:spcPct val="160000"/>
+              </a:lnSpc>
+              <a:buFont typeface="+mj-lt"/>
+              <a:buAutoNum type="alphaUcPeriod"/>
+            </a:pPr>
+            <a:r>
+              <a:rPr lang="ko-KR" altLang="en-US" sz="1750" dirty="0">
+                <a:solidFill>
+                  <a:schemeClr val="tx1">
+                    <a:lumMod val="95000"/>
+                    <a:lumOff val="5000"/>
+                  </a:schemeClr>
+                </a:solidFill>
+                <a:effectLst>
+                  <a:outerShdw blurRad="38100" dist="38100" dir="2700000" algn="tl">
+                    <a:srgbClr val="000000">
+                      <a:alpha val="43137"/>
+                    </a:srgbClr>
+                  </a:outerShdw>
+                </a:effectLst>
+                <a:latin typeface="맑은 고딕" panose="020B0503020000020004" pitchFamily="50" charset="-127"/>
+                <a:ea typeface="맑은 고딕" panose="020B0503020000020004" pitchFamily="50" charset="-127"/>
+              </a:rPr>
+              <a:t>모델링</a:t>
+            </a:r>
+            <a:endParaRPr lang="en-US" altLang="ko-KR" sz="1750" dirty="0">
+              <a:solidFill>
+                <a:schemeClr val="tx1">
+                  <a:lumMod val="95000"/>
+                  <a:lumOff val="5000"/>
+                </a:schemeClr>
+              </a:solidFill>
+              <a:effectLst>
+                <a:outerShdw blurRad="38100" dist="38100" dir="2700000" algn="tl">
+                  <a:srgbClr val="000000">
+                    <a:alpha val="43137"/>
+                  </a:srgbClr>
+                </a:outerShdw>
+              </a:effectLst>
+              <a:latin typeface="맑은 고딕" panose="020B0503020000020004" pitchFamily="50" charset="-127"/>
+              <a:ea typeface="맑은 고딕" panose="020B0503020000020004" pitchFamily="50" charset="-127"/>
+            </a:endParaRPr>
+          </a:p>
+          <a:p>
+            <a:pPr marL="987552" lvl="1" indent="-457200">
+              <a:lnSpc>
+                <a:spcPct val="160000"/>
+              </a:lnSpc>
+              <a:buFont typeface="+mj-lt"/>
+              <a:buAutoNum type="alphaUcPeriod"/>
+            </a:pPr>
+            <a:r>
+              <a:rPr lang="ko-KR" altLang="en-US" sz="1750" dirty="0">
+                <a:solidFill>
+                  <a:schemeClr val="tx1">
+                    <a:lumMod val="95000"/>
+                    <a:lumOff val="5000"/>
+                  </a:schemeClr>
+                </a:solidFill>
+                <a:effectLst>
+                  <a:outerShdw blurRad="38100" dist="38100" dir="2700000" algn="tl">
+                    <a:srgbClr val="000000">
+                      <a:alpha val="43137"/>
+                    </a:srgbClr>
+                  </a:outerShdw>
+                </a:effectLst>
+                <a:latin typeface="맑은 고딕" panose="020B0503020000020004" pitchFamily="50" charset="-127"/>
+                <a:ea typeface="맑은 고딕" panose="020B0503020000020004" pitchFamily="50" charset="-127"/>
+              </a:rPr>
+              <a:t>무기</a:t>
+            </a:r>
+            <a:endParaRPr lang="en-US" altLang="ko-KR" sz="1750" dirty="0">
+              <a:solidFill>
+                <a:schemeClr val="tx1">
+                  <a:lumMod val="95000"/>
+                  <a:lumOff val="5000"/>
+                </a:schemeClr>
+              </a:solidFill>
+              <a:effectLst>
+                <a:outerShdw blurRad="38100" dist="38100" dir="2700000" algn="tl">
+                  <a:srgbClr val="000000">
+                    <a:alpha val="43137"/>
+                  </a:srgbClr>
+                </a:outerShdw>
+              </a:effectLst>
+              <a:latin typeface="맑은 고딕" panose="020B0503020000020004" pitchFamily="50" charset="-127"/>
+              <a:ea typeface="맑은 고딕" panose="020B0503020000020004" pitchFamily="50" charset="-127"/>
+            </a:endParaRPr>
+          </a:p>
+          <a:p>
+            <a:pPr marL="1444752" lvl="2" indent="-457200">
+              <a:lnSpc>
+                <a:spcPct val="160000"/>
+              </a:lnSpc>
+              <a:buFont typeface="+mj-lt"/>
+              <a:buAutoNum type="alphaUcPeriod"/>
+            </a:pPr>
+            <a:r>
+              <a:rPr lang="en-US" altLang="ko-KR" sz="1550" dirty="0">
+                <a:solidFill>
+                  <a:schemeClr val="tx1">
+                    <a:lumMod val="95000"/>
+                    <a:lumOff val="5000"/>
+                  </a:schemeClr>
+                </a:solidFill>
+                <a:effectLst>
+                  <a:outerShdw blurRad="38100" dist="38100" dir="2700000" algn="tl">
+                    <a:srgbClr val="000000">
+                      <a:alpha val="43137"/>
+                    </a:srgbClr>
+                  </a:outerShdw>
+                </a:effectLst>
+                <a:latin typeface="맑은 고딕" panose="020B0503020000020004" pitchFamily="50" charset="-127"/>
+                <a:ea typeface="맑은 고딕" panose="020B0503020000020004" pitchFamily="50" charset="-127"/>
+              </a:rPr>
+              <a:t>Staff</a:t>
+            </a:r>
+          </a:p>
+          <a:p>
+            <a:pPr marL="1901952" lvl="3" indent="-457200">
+              <a:lnSpc>
+                <a:spcPct val="160000"/>
+              </a:lnSpc>
+              <a:buFont typeface="+mj-lt"/>
+              <a:buAutoNum type="alphaUcPeriod"/>
+            </a:pPr>
+            <a:r>
+              <a:rPr lang="ko-KR" altLang="en-US" sz="1550" dirty="0">
+                <a:solidFill>
+                  <a:schemeClr val="tx1">
+                    <a:lumMod val="95000"/>
+                    <a:lumOff val="5000"/>
+                  </a:schemeClr>
+                </a:solidFill>
+                <a:effectLst>
+                  <a:outerShdw blurRad="38100" dist="38100" dir="2700000" algn="tl">
+                    <a:srgbClr val="000000">
+                      <a:alpha val="43137"/>
+                    </a:srgbClr>
+                  </a:outerShdw>
+                </a:effectLst>
+                <a:latin typeface="맑은 고딕" panose="020B0503020000020004" pitchFamily="50" charset="-127"/>
+                <a:ea typeface="맑은 고딕" panose="020B0503020000020004" pitchFamily="50" charset="-127"/>
+              </a:rPr>
+              <a:t>긴 지우개 연필</a:t>
+            </a:r>
+            <a:endParaRPr lang="en-US" altLang="ko-KR" sz="1550" dirty="0">
+              <a:solidFill>
+                <a:schemeClr val="tx1">
+                  <a:lumMod val="95000"/>
+                  <a:lumOff val="5000"/>
+                </a:schemeClr>
+              </a:solidFill>
+              <a:effectLst>
+                <a:outerShdw blurRad="38100" dist="38100" dir="2700000" algn="tl">
+                  <a:srgbClr val="000000">
+                    <a:alpha val="43137"/>
+                  </a:srgbClr>
+                </a:outerShdw>
+              </a:effectLst>
+              <a:latin typeface="맑은 고딕" panose="020B0503020000020004" pitchFamily="50" charset="-127"/>
+              <a:ea typeface="맑은 고딕" panose="020B0503020000020004" pitchFamily="50" charset="-127"/>
+            </a:endParaRPr>
+          </a:p>
+          <a:p>
+            <a:pPr marL="1901952" lvl="3" indent="-457200">
+              <a:lnSpc>
+                <a:spcPct val="160000"/>
+              </a:lnSpc>
+              <a:buFont typeface="+mj-lt"/>
+              <a:buAutoNum type="alphaUcPeriod"/>
+            </a:pPr>
+            <a:r>
+              <a:rPr lang="ko-KR" altLang="en-US" sz="1550" dirty="0">
+                <a:solidFill>
+                  <a:schemeClr val="tx1">
+                    <a:lumMod val="95000"/>
+                    <a:lumOff val="5000"/>
+                  </a:schemeClr>
+                </a:solidFill>
+                <a:effectLst>
+                  <a:outerShdw blurRad="38100" dist="38100" dir="2700000" algn="tl">
+                    <a:srgbClr val="000000">
+                      <a:alpha val="43137"/>
+                    </a:srgbClr>
+                  </a:outerShdw>
+                </a:effectLst>
+                <a:latin typeface="맑은 고딕" panose="020B0503020000020004" pitchFamily="50" charset="-127"/>
+                <a:ea typeface="맑은 고딕" panose="020B0503020000020004" pitchFamily="50" charset="-127"/>
+              </a:rPr>
+              <a:t>번개</a:t>
+            </a:r>
+            <a:endParaRPr lang="en-US" altLang="ko-KR" sz="1550" dirty="0">
+              <a:solidFill>
+                <a:schemeClr val="tx1">
+                  <a:lumMod val="95000"/>
+                  <a:lumOff val="5000"/>
+                </a:schemeClr>
+              </a:solidFill>
+              <a:effectLst>
+                <a:outerShdw blurRad="38100" dist="38100" dir="2700000" algn="tl">
+                  <a:srgbClr val="000000">
+                    <a:alpha val="43137"/>
+                  </a:srgbClr>
+                </a:outerShdw>
+              </a:effectLst>
+              <a:latin typeface="맑은 고딕" panose="020B0503020000020004" pitchFamily="50" charset="-127"/>
+              <a:ea typeface="맑은 고딕" panose="020B0503020000020004" pitchFamily="50" charset="-127"/>
+            </a:endParaRPr>
+          </a:p>
+          <a:p>
+            <a:pPr marL="1901952" lvl="3" indent="-457200">
+              <a:lnSpc>
+                <a:spcPct val="160000"/>
+              </a:lnSpc>
+              <a:buFont typeface="+mj-lt"/>
+              <a:buAutoNum type="alphaUcPeriod"/>
+            </a:pPr>
+            <a:r>
+              <a:rPr lang="ko-KR" altLang="en-US" sz="1550" dirty="0">
+                <a:solidFill>
+                  <a:schemeClr val="tx1">
+                    <a:lumMod val="95000"/>
+                    <a:lumOff val="5000"/>
+                  </a:schemeClr>
+                </a:solidFill>
+                <a:effectLst>
+                  <a:outerShdw blurRad="38100" dist="38100" dir="2700000" algn="tl">
+                    <a:srgbClr val="000000">
+                      <a:alpha val="43137"/>
+                    </a:srgbClr>
+                  </a:outerShdw>
+                </a:effectLst>
+                <a:latin typeface="맑은 고딕" panose="020B0503020000020004" pitchFamily="50" charset="-127"/>
+                <a:ea typeface="맑은 고딕" panose="020B0503020000020004" pitchFamily="50" charset="-127"/>
+              </a:rPr>
+              <a:t>시계탑</a:t>
+            </a:r>
+            <a:endParaRPr lang="en-US" altLang="ko-KR" sz="1550" dirty="0">
+              <a:solidFill>
+                <a:schemeClr val="tx1">
+                  <a:lumMod val="95000"/>
+                  <a:lumOff val="5000"/>
+                </a:schemeClr>
+              </a:solidFill>
+              <a:effectLst>
+                <a:outerShdw blurRad="38100" dist="38100" dir="2700000" algn="tl">
+                  <a:srgbClr val="000000">
+                    <a:alpha val="43137"/>
+                  </a:srgbClr>
+                </a:outerShdw>
+              </a:effectLst>
+              <a:latin typeface="맑은 고딕" panose="020B0503020000020004" pitchFamily="50" charset="-127"/>
+              <a:ea typeface="맑은 고딕" panose="020B0503020000020004" pitchFamily="50" charset="-127"/>
+            </a:endParaRPr>
+          </a:p>
+          <a:p>
+            <a:pPr marL="1901952" lvl="3" indent="-457200">
+              <a:lnSpc>
+                <a:spcPct val="160000"/>
+              </a:lnSpc>
+              <a:buFont typeface="+mj-lt"/>
+              <a:buAutoNum type="alphaUcPeriod"/>
+            </a:pPr>
+            <a:r>
+              <a:rPr lang="ko-KR" altLang="en-US" sz="1550" dirty="0" err="1">
+                <a:solidFill>
+                  <a:schemeClr val="tx1">
+                    <a:lumMod val="95000"/>
+                    <a:lumOff val="5000"/>
+                  </a:schemeClr>
+                </a:solidFill>
+                <a:effectLst>
+                  <a:outerShdw blurRad="38100" dist="38100" dir="2700000" algn="tl">
+                    <a:srgbClr val="000000">
+                      <a:alpha val="43137"/>
+                    </a:srgbClr>
+                  </a:outerShdw>
+                </a:effectLst>
+                <a:latin typeface="맑은 고딕" panose="020B0503020000020004" pitchFamily="50" charset="-127"/>
+                <a:ea typeface="맑은 고딕" panose="020B0503020000020004" pitchFamily="50" charset="-127"/>
+              </a:rPr>
+              <a:t>롤리팝</a:t>
+            </a:r>
+            <a:endParaRPr lang="en-US" altLang="ko-KR" sz="1550" dirty="0">
+              <a:solidFill>
+                <a:schemeClr val="tx1">
+                  <a:lumMod val="95000"/>
+                  <a:lumOff val="5000"/>
+                </a:schemeClr>
+              </a:solidFill>
+              <a:effectLst>
+                <a:outerShdw blurRad="38100" dist="38100" dir="2700000" algn="tl">
+                  <a:srgbClr val="000000">
+                    <a:alpha val="43137"/>
+                  </a:srgbClr>
+                </a:outerShdw>
+              </a:effectLst>
+              <a:latin typeface="맑은 고딕" panose="020B0503020000020004" pitchFamily="50" charset="-127"/>
+              <a:ea typeface="맑은 고딕" panose="020B0503020000020004" pitchFamily="50" charset="-127"/>
+            </a:endParaRPr>
+          </a:p>
+        </p:txBody>
+      </p:sp>
+      <p:sp>
+        <p:nvSpPr>
+          <p:cNvPr id="3" name="슬라이드 번호 개체 틀 2">
+            <a:extLst>
+              <a:ext uri="{FF2B5EF4-FFF2-40B4-BE49-F238E27FC236}">
+                <a16:creationId xmlns:a16="http://schemas.microsoft.com/office/drawing/2014/main" id="{36392628-7DF0-4B14-92FD-A5D98527D503}"/>
+              </a:ext>
+            </a:extLst>
+          </p:cNvPr>
+          <p:cNvSpPr>
+            <a:spLocks noGrp="1"/>
+          </p:cNvSpPr>
+          <p:nvPr>
+            <p:ph type="sldNum" sz="quarter" idx="12"/>
+          </p:nvPr>
+        </p:nvSpPr>
+        <p:spPr>
+          <a:xfrm>
+            <a:off x="7106400" y="6454800"/>
+            <a:ext cx="1198800" cy="403200"/>
+          </a:xfrm>
+        </p:spPr>
+        <p:txBody>
+          <a:bodyPr/>
+          <a:lstStyle/>
+          <a:p>
+            <a:fld id="{69E57DC2-970A-4B3E-BB1C-7A09969E49DF}" type="slidenum">
+              <a:rPr lang="en-US" smtClean="0"/>
+              <a:t>14</a:t>
+            </a:fld>
+            <a:endParaRPr lang="en-US" dirty="0"/>
+          </a:p>
+        </p:txBody>
+      </p:sp>
+    </p:spTree>
+    <p:extLst>
+      <p:ext uri="{BB962C8B-B14F-4D97-AF65-F5344CB8AC3E}">
+        <p14:creationId xmlns:p14="http://schemas.microsoft.com/office/powerpoint/2010/main" val="391164095"/>
+      </p:ext>
+    </p:extLst>
+  </p:cSld>
+  <p:clrMapOvr>
+    <a:masterClrMapping/>
+  </p:clrMapOvr>
+</p:sld>
+</file>
+
+<file path=ppt/slides/slide15.xml><?xml version="1.0" encoding="utf-8"?>
+<p:sld xmlns:a="http://schemas.openxmlformats.org/drawingml/2006/main" xmlns:r="http://schemas.openxmlformats.org/officeDocument/2006/relationships" xmlns:p="http://schemas.openxmlformats.org/presentationml/2006/main">
+  <p:cSld>
+    <p:spTree>
+      <p:nvGrpSpPr>
+        <p:cNvPr id="1" name=""/>
+        <p:cNvGrpSpPr/>
+        <p:nvPr/>
+      </p:nvGrpSpPr>
+      <p:grpSpPr>
+        <a:xfrm>
+          <a:off x="0" y="0"/>
+          <a:ext cx="0" cy="0"/>
+          <a:chOff x="0" y="0"/>
+          <a:chExt cx="0" cy="0"/>
+        </a:xfrm>
+      </p:grpSpPr>
+      <p:sp>
+        <p:nvSpPr>
+          <p:cNvPr id="2" name="제목 1">
+            <a:extLst>
+              <a:ext uri="{FF2B5EF4-FFF2-40B4-BE49-F238E27FC236}">
+                <a16:creationId xmlns:a16="http://schemas.microsoft.com/office/drawing/2014/main" id="{1B2F03EE-71DD-491C-99CC-16E59ED95F65}"/>
+              </a:ext>
+            </a:extLst>
+          </p:cNvPr>
+          <p:cNvSpPr>
+            <a:spLocks noGrp="1"/>
+          </p:cNvSpPr>
+          <p:nvPr>
+            <p:ph type="title"/>
+          </p:nvPr>
+        </p:nvSpPr>
+        <p:spPr>
+          <a:xfrm>
+            <a:off x="1028700" y="651600"/>
+            <a:ext cx="7200900" cy="581025"/>
+          </a:xfrm>
+        </p:spPr>
+        <p:txBody>
+          <a:bodyPr>
+            <a:normAutofit/>
+          </a:bodyPr>
+          <a:lstStyle/>
+          <a:p>
+            <a:r>
+              <a:rPr lang="ko-KR" altLang="en-US" sz="3600" b="1" dirty="0">
+                <a:solidFill>
+                  <a:schemeClr val="tx1">
+                    <a:lumMod val="95000"/>
+                    <a:lumOff val="5000"/>
+                  </a:schemeClr>
+                </a:solidFill>
+                <a:latin typeface="맑은 고딕" panose="020B0503020000020004" pitchFamily="50" charset="-127"/>
+                <a:ea typeface="맑은 고딕" panose="020B0503020000020004" pitchFamily="50" charset="-127"/>
+              </a:rPr>
+              <a:t>보완 사항 및 앞으로 일정</a:t>
+            </a:r>
+            <a:r>
+              <a:rPr lang="en-US" altLang="ko-KR" sz="3600" b="1" dirty="0">
+                <a:solidFill>
+                  <a:schemeClr val="tx1">
+                    <a:lumMod val="95000"/>
+                    <a:lumOff val="5000"/>
+                  </a:schemeClr>
+                </a:solidFill>
+                <a:latin typeface="맑은 고딕" panose="020B0503020000020004" pitchFamily="50" charset="-127"/>
+                <a:ea typeface="맑은 고딕" panose="020B0503020000020004" pitchFamily="50" charset="-127"/>
+              </a:rPr>
+              <a:t>- </a:t>
+            </a:r>
+            <a:r>
+              <a:rPr lang="ko-KR" altLang="en-US" sz="3600" b="1" dirty="0">
+                <a:solidFill>
+                  <a:schemeClr val="tx1">
+                    <a:lumMod val="95000"/>
+                    <a:lumOff val="5000"/>
+                  </a:schemeClr>
+                </a:solidFill>
+                <a:latin typeface="맑은 고딕" panose="020B0503020000020004" pitchFamily="50" charset="-127"/>
+                <a:ea typeface="맑은 고딕" panose="020B0503020000020004" pitchFamily="50" charset="-127"/>
+              </a:rPr>
+              <a:t>이용선</a:t>
+            </a:r>
+          </a:p>
+        </p:txBody>
+      </p:sp>
+      <p:sp>
+        <p:nvSpPr>
+          <p:cNvPr id="5" name="내용 개체 틀 4">
+            <a:extLst>
+              <a:ext uri="{FF2B5EF4-FFF2-40B4-BE49-F238E27FC236}">
+                <a16:creationId xmlns:a16="http://schemas.microsoft.com/office/drawing/2014/main" id="{9FB52D98-533A-47D2-8523-BFFFB3E178F2}"/>
+              </a:ext>
+            </a:extLst>
+          </p:cNvPr>
+          <p:cNvSpPr>
+            <a:spLocks noGrp="1"/>
+          </p:cNvSpPr>
+          <p:nvPr>
+            <p:ph idx="1"/>
+          </p:nvPr>
+        </p:nvSpPr>
+        <p:spPr>
+          <a:xfrm>
+            <a:off x="1028700" y="1828626"/>
+            <a:ext cx="7200900" cy="4377774"/>
+          </a:xfrm>
+        </p:spPr>
+        <p:txBody>
+          <a:bodyPr>
+            <a:normAutofit/>
+          </a:bodyPr>
+          <a:lstStyle/>
+          <a:p>
+            <a:pPr marL="457200" indent="-457200">
+              <a:lnSpc>
+                <a:spcPct val="160000"/>
+              </a:lnSpc>
+              <a:buFont typeface="+mj-lt"/>
+              <a:buAutoNum type="alphaUcPeriod"/>
+            </a:pPr>
+            <a:r>
+              <a:rPr lang="ko-KR" altLang="en-US" sz="1750" dirty="0">
+                <a:solidFill>
+                  <a:schemeClr val="tx1">
+                    <a:lumMod val="95000"/>
+                    <a:lumOff val="5000"/>
+                  </a:schemeClr>
+                </a:solidFill>
+                <a:effectLst>
+                  <a:outerShdw blurRad="38100" dist="38100" dir="2700000" algn="tl">
+                    <a:srgbClr val="000000">
+                      <a:alpha val="43137"/>
+                    </a:srgbClr>
+                  </a:outerShdw>
+                </a:effectLst>
+                <a:latin typeface="맑은 고딕" panose="020B0503020000020004" pitchFamily="50" charset="-127"/>
+                <a:ea typeface="맑은 고딕" panose="020B0503020000020004" pitchFamily="50" charset="-127"/>
+              </a:rPr>
+              <a:t>모델링</a:t>
+            </a:r>
+            <a:endParaRPr lang="en-US" altLang="ko-KR" sz="1750" dirty="0">
+              <a:solidFill>
+                <a:schemeClr val="tx1">
+                  <a:lumMod val="95000"/>
+                  <a:lumOff val="5000"/>
+                </a:schemeClr>
+              </a:solidFill>
+              <a:effectLst>
+                <a:outerShdw blurRad="38100" dist="38100" dir="2700000" algn="tl">
+                  <a:srgbClr val="000000">
+                    <a:alpha val="43137"/>
+                  </a:srgbClr>
+                </a:outerShdw>
+              </a:effectLst>
+              <a:latin typeface="맑은 고딕" panose="020B0503020000020004" pitchFamily="50" charset="-127"/>
+              <a:ea typeface="맑은 고딕" panose="020B0503020000020004" pitchFamily="50" charset="-127"/>
+            </a:endParaRPr>
+          </a:p>
+          <a:p>
+            <a:pPr marL="987552" lvl="1" indent="-457200">
+              <a:lnSpc>
+                <a:spcPct val="160000"/>
+              </a:lnSpc>
+              <a:buFont typeface="+mj-lt"/>
+              <a:buAutoNum type="alphaUcPeriod"/>
+            </a:pPr>
+            <a:r>
+              <a:rPr lang="ko-KR" altLang="en-US" sz="1750" dirty="0" err="1">
+                <a:solidFill>
+                  <a:schemeClr val="tx1">
+                    <a:lumMod val="95000"/>
+                    <a:lumOff val="5000"/>
+                  </a:schemeClr>
+                </a:solidFill>
+                <a:effectLst>
+                  <a:outerShdw blurRad="38100" dist="38100" dir="2700000" algn="tl">
+                    <a:srgbClr val="000000">
+                      <a:alpha val="43137"/>
+                    </a:srgbClr>
+                  </a:outerShdw>
+                </a:effectLst>
+                <a:latin typeface="맑은 고딕" panose="020B0503020000020004" pitchFamily="50" charset="-127"/>
+                <a:ea typeface="맑은 고딕" panose="020B0503020000020004" pitchFamily="50" charset="-127"/>
+              </a:rPr>
+              <a:t>방어구</a:t>
+            </a:r>
+            <a:endParaRPr lang="en-US" altLang="ko-KR" sz="1750" dirty="0">
+              <a:solidFill>
+                <a:schemeClr val="tx1">
+                  <a:lumMod val="95000"/>
+                  <a:lumOff val="5000"/>
+                </a:schemeClr>
+              </a:solidFill>
+              <a:effectLst>
+                <a:outerShdw blurRad="38100" dist="38100" dir="2700000" algn="tl">
+                  <a:srgbClr val="000000">
+                    <a:alpha val="43137"/>
+                  </a:srgbClr>
+                </a:outerShdw>
+              </a:effectLst>
+              <a:latin typeface="맑은 고딕" panose="020B0503020000020004" pitchFamily="50" charset="-127"/>
+              <a:ea typeface="맑은 고딕" panose="020B0503020000020004" pitchFamily="50" charset="-127"/>
+            </a:endParaRPr>
+          </a:p>
+          <a:p>
+            <a:pPr marL="1444752" lvl="2" indent="-457200">
+              <a:lnSpc>
+                <a:spcPct val="160000"/>
+              </a:lnSpc>
+              <a:buFont typeface="+mj-lt"/>
+              <a:buAutoNum type="alphaUcPeriod"/>
+            </a:pPr>
+            <a:r>
+              <a:rPr lang="en-US" altLang="ko-KR" sz="1550" dirty="0">
+                <a:solidFill>
+                  <a:schemeClr val="tx1">
+                    <a:lumMod val="95000"/>
+                    <a:lumOff val="5000"/>
+                  </a:schemeClr>
+                </a:solidFill>
+                <a:effectLst>
+                  <a:outerShdw blurRad="38100" dist="38100" dir="2700000" algn="tl">
+                    <a:srgbClr val="000000">
+                      <a:alpha val="43137"/>
+                    </a:srgbClr>
+                  </a:outerShdw>
+                </a:effectLst>
+                <a:latin typeface="맑은 고딕" panose="020B0503020000020004" pitchFamily="50" charset="-127"/>
+                <a:ea typeface="맑은 고딕" panose="020B0503020000020004" pitchFamily="50" charset="-127"/>
+              </a:rPr>
+              <a:t>Basic Armor</a:t>
+            </a:r>
+          </a:p>
+          <a:p>
+            <a:pPr marL="1444752" lvl="2" indent="-457200">
+              <a:lnSpc>
+                <a:spcPct val="160000"/>
+              </a:lnSpc>
+              <a:buFont typeface="+mj-lt"/>
+              <a:buAutoNum type="alphaUcPeriod"/>
+            </a:pPr>
+            <a:r>
+              <a:rPr lang="ko-KR" altLang="en-US" sz="1550" dirty="0">
+                <a:solidFill>
+                  <a:schemeClr val="tx1">
+                    <a:lumMod val="95000"/>
+                    <a:lumOff val="5000"/>
+                  </a:schemeClr>
+                </a:solidFill>
+                <a:effectLst>
+                  <a:outerShdw blurRad="38100" dist="38100" dir="2700000" algn="tl">
+                    <a:srgbClr val="000000">
+                      <a:alpha val="43137"/>
+                    </a:srgbClr>
+                  </a:outerShdw>
+                </a:effectLst>
+                <a:latin typeface="맑은 고딕" panose="020B0503020000020004" pitchFamily="50" charset="-127"/>
+                <a:ea typeface="맑은 고딕" panose="020B0503020000020004" pitchFamily="50" charset="-127"/>
+              </a:rPr>
+              <a:t>머리</a:t>
+            </a:r>
+            <a:endParaRPr lang="en-US" altLang="ko-KR" sz="1550" dirty="0">
+              <a:solidFill>
+                <a:schemeClr val="tx1">
+                  <a:lumMod val="95000"/>
+                  <a:lumOff val="5000"/>
+                </a:schemeClr>
+              </a:solidFill>
+              <a:effectLst>
+                <a:outerShdw blurRad="38100" dist="38100" dir="2700000" algn="tl">
+                  <a:srgbClr val="000000">
+                    <a:alpha val="43137"/>
+                  </a:srgbClr>
+                </a:outerShdw>
+              </a:effectLst>
+              <a:latin typeface="맑은 고딕" panose="020B0503020000020004" pitchFamily="50" charset="-127"/>
+              <a:ea typeface="맑은 고딕" panose="020B0503020000020004" pitchFamily="50" charset="-127"/>
+            </a:endParaRPr>
+          </a:p>
+          <a:p>
+            <a:pPr marL="1901952" lvl="3" indent="-457200">
+              <a:lnSpc>
+                <a:spcPct val="160000"/>
+              </a:lnSpc>
+              <a:buFont typeface="+mj-lt"/>
+              <a:buAutoNum type="alphaUcPeriod"/>
+            </a:pPr>
+            <a:r>
+              <a:rPr lang="ko-KR" altLang="en-US" sz="1550" dirty="0">
+                <a:solidFill>
+                  <a:schemeClr val="tx1">
+                    <a:lumMod val="95000"/>
+                    <a:lumOff val="5000"/>
+                  </a:schemeClr>
+                </a:solidFill>
+                <a:effectLst>
+                  <a:outerShdw blurRad="38100" dist="38100" dir="2700000" algn="tl">
+                    <a:srgbClr val="000000">
+                      <a:alpha val="43137"/>
+                    </a:srgbClr>
+                  </a:outerShdw>
+                </a:effectLst>
+                <a:latin typeface="맑은 고딕" panose="020B0503020000020004" pitchFamily="50" charset="-127"/>
+                <a:ea typeface="맑은 고딕" panose="020B0503020000020004" pitchFamily="50" charset="-127"/>
+              </a:rPr>
+              <a:t>헬멧</a:t>
+            </a:r>
+            <a:endParaRPr lang="en-US" altLang="ko-KR" sz="1550" dirty="0">
+              <a:solidFill>
+                <a:schemeClr val="tx1">
+                  <a:lumMod val="95000"/>
+                  <a:lumOff val="5000"/>
+                </a:schemeClr>
+              </a:solidFill>
+              <a:effectLst>
+                <a:outerShdw blurRad="38100" dist="38100" dir="2700000" algn="tl">
+                  <a:srgbClr val="000000">
+                    <a:alpha val="43137"/>
+                  </a:srgbClr>
+                </a:outerShdw>
+              </a:effectLst>
+              <a:latin typeface="맑은 고딕" panose="020B0503020000020004" pitchFamily="50" charset="-127"/>
+              <a:ea typeface="맑은 고딕" panose="020B0503020000020004" pitchFamily="50" charset="-127"/>
+            </a:endParaRPr>
+          </a:p>
+          <a:p>
+            <a:pPr marL="1901952" lvl="3" indent="-457200">
+              <a:lnSpc>
+                <a:spcPct val="160000"/>
+              </a:lnSpc>
+              <a:buFont typeface="+mj-lt"/>
+              <a:buAutoNum type="alphaUcPeriod"/>
+            </a:pPr>
+            <a:r>
+              <a:rPr lang="ko-KR" altLang="en-US" sz="1550" dirty="0">
+                <a:solidFill>
+                  <a:schemeClr val="tx1">
+                    <a:lumMod val="95000"/>
+                    <a:lumOff val="5000"/>
+                  </a:schemeClr>
+                </a:solidFill>
+                <a:effectLst>
+                  <a:outerShdw blurRad="38100" dist="38100" dir="2700000" algn="tl">
+                    <a:srgbClr val="000000">
+                      <a:alpha val="43137"/>
+                    </a:srgbClr>
+                  </a:outerShdw>
+                </a:effectLst>
+                <a:latin typeface="맑은 고딕" panose="020B0503020000020004" pitchFamily="50" charset="-127"/>
+                <a:ea typeface="맑은 고딕" panose="020B0503020000020004" pitchFamily="50" charset="-127"/>
+              </a:rPr>
+              <a:t>궁수모자</a:t>
+            </a:r>
+            <a:endParaRPr lang="en-US" altLang="ko-KR" sz="1550" dirty="0">
+              <a:solidFill>
+                <a:schemeClr val="tx1">
+                  <a:lumMod val="95000"/>
+                  <a:lumOff val="5000"/>
+                </a:schemeClr>
+              </a:solidFill>
+              <a:effectLst>
+                <a:outerShdw blurRad="38100" dist="38100" dir="2700000" algn="tl">
+                  <a:srgbClr val="000000">
+                    <a:alpha val="43137"/>
+                  </a:srgbClr>
+                </a:outerShdw>
+              </a:effectLst>
+              <a:latin typeface="맑은 고딕" panose="020B0503020000020004" pitchFamily="50" charset="-127"/>
+              <a:ea typeface="맑은 고딕" panose="020B0503020000020004" pitchFamily="50" charset="-127"/>
+            </a:endParaRPr>
+          </a:p>
+          <a:p>
+            <a:pPr marL="1901952" lvl="3" indent="-457200">
+              <a:lnSpc>
+                <a:spcPct val="160000"/>
+              </a:lnSpc>
+              <a:buFont typeface="+mj-lt"/>
+              <a:buAutoNum type="alphaUcPeriod"/>
+            </a:pPr>
+            <a:r>
+              <a:rPr lang="ko-KR" altLang="en-US" sz="1550" dirty="0">
+                <a:solidFill>
+                  <a:schemeClr val="tx1">
+                    <a:lumMod val="95000"/>
+                    <a:lumOff val="5000"/>
+                  </a:schemeClr>
+                </a:solidFill>
+                <a:effectLst>
+                  <a:outerShdw blurRad="38100" dist="38100" dir="2700000" algn="tl">
+                    <a:srgbClr val="000000">
+                      <a:alpha val="43137"/>
+                    </a:srgbClr>
+                  </a:outerShdw>
+                </a:effectLst>
+                <a:latin typeface="맑은 고딕" panose="020B0503020000020004" pitchFamily="50" charset="-127"/>
+                <a:ea typeface="맑은 고딕" panose="020B0503020000020004" pitchFamily="50" charset="-127"/>
+              </a:rPr>
+              <a:t>법사모자</a:t>
+            </a:r>
+            <a:endParaRPr lang="en-US" altLang="ko-KR" sz="1550" dirty="0">
+              <a:solidFill>
+                <a:schemeClr val="tx1">
+                  <a:lumMod val="95000"/>
+                  <a:lumOff val="5000"/>
+                </a:schemeClr>
+              </a:solidFill>
+              <a:effectLst>
+                <a:outerShdw blurRad="38100" dist="38100" dir="2700000" algn="tl">
+                  <a:srgbClr val="000000">
+                    <a:alpha val="43137"/>
+                  </a:srgbClr>
+                </a:outerShdw>
+              </a:effectLst>
+              <a:latin typeface="맑은 고딕" panose="020B0503020000020004" pitchFamily="50" charset="-127"/>
+              <a:ea typeface="맑은 고딕" panose="020B0503020000020004" pitchFamily="50" charset="-127"/>
+            </a:endParaRPr>
+          </a:p>
+          <a:p>
+            <a:pPr marL="1444752" lvl="2" indent="-457200">
+              <a:lnSpc>
+                <a:spcPct val="160000"/>
+              </a:lnSpc>
+              <a:buFont typeface="+mj-lt"/>
+              <a:buAutoNum type="alphaUcPeriod"/>
+            </a:pPr>
+            <a:r>
+              <a:rPr lang="ko-KR" altLang="en-US" sz="1550" dirty="0">
+                <a:solidFill>
+                  <a:schemeClr val="tx1">
+                    <a:lumMod val="95000"/>
+                    <a:lumOff val="5000"/>
+                  </a:schemeClr>
+                </a:solidFill>
+                <a:effectLst>
+                  <a:outerShdw blurRad="38100" dist="38100" dir="2700000" algn="tl">
+                    <a:srgbClr val="000000">
+                      <a:alpha val="43137"/>
+                    </a:srgbClr>
+                  </a:outerShdw>
+                </a:effectLst>
+                <a:latin typeface="맑은 고딕" panose="020B0503020000020004" pitchFamily="50" charset="-127"/>
+                <a:ea typeface="맑은 고딕" panose="020B0503020000020004" pitchFamily="50" charset="-127"/>
+              </a:rPr>
+              <a:t>그 외의 것</a:t>
+            </a:r>
+            <a:endParaRPr lang="en-US" altLang="ko-KR" sz="1550" dirty="0">
+              <a:solidFill>
+                <a:schemeClr val="tx1">
+                  <a:lumMod val="95000"/>
+                  <a:lumOff val="5000"/>
+                </a:schemeClr>
+              </a:solidFill>
+              <a:effectLst>
+                <a:outerShdw blurRad="38100" dist="38100" dir="2700000" algn="tl">
+                  <a:srgbClr val="000000">
+                    <a:alpha val="43137"/>
+                  </a:srgbClr>
+                </a:outerShdw>
+              </a:effectLst>
+              <a:latin typeface="맑은 고딕" panose="020B0503020000020004" pitchFamily="50" charset="-127"/>
+              <a:ea typeface="맑은 고딕" panose="020B0503020000020004" pitchFamily="50" charset="-127"/>
+            </a:endParaRPr>
+          </a:p>
+          <a:p>
+            <a:pPr marL="1901952" lvl="3" indent="-457200">
+              <a:lnSpc>
+                <a:spcPct val="160000"/>
+              </a:lnSpc>
+              <a:buFont typeface="+mj-lt"/>
+              <a:buAutoNum type="alphaUcPeriod"/>
+            </a:pPr>
+            <a:r>
+              <a:rPr lang="ko-KR" altLang="en-US" sz="1550" dirty="0">
+                <a:solidFill>
+                  <a:schemeClr val="tx1">
+                    <a:lumMod val="95000"/>
+                    <a:lumOff val="5000"/>
+                  </a:schemeClr>
+                </a:solidFill>
+                <a:effectLst>
+                  <a:outerShdw blurRad="38100" dist="38100" dir="2700000" algn="tl">
+                    <a:srgbClr val="000000">
+                      <a:alpha val="43137"/>
+                    </a:srgbClr>
+                  </a:outerShdw>
+                </a:effectLst>
+                <a:latin typeface="맑은 고딕" panose="020B0503020000020004" pitchFamily="50" charset="-127"/>
+                <a:ea typeface="맑은 고딕" panose="020B0503020000020004" pitchFamily="50" charset="-127"/>
+              </a:rPr>
+              <a:t>기획 없음</a:t>
+            </a:r>
+            <a:endParaRPr lang="en-US" altLang="ko-KR" sz="1550" dirty="0">
+              <a:solidFill>
+                <a:schemeClr val="tx1">
+                  <a:lumMod val="95000"/>
+                  <a:lumOff val="5000"/>
+                </a:schemeClr>
+              </a:solidFill>
+              <a:effectLst>
+                <a:outerShdw blurRad="38100" dist="38100" dir="2700000" algn="tl">
+                  <a:srgbClr val="000000">
+                    <a:alpha val="43137"/>
+                  </a:srgbClr>
+                </a:outerShdw>
+              </a:effectLst>
+              <a:latin typeface="맑은 고딕" panose="020B0503020000020004" pitchFamily="50" charset="-127"/>
+              <a:ea typeface="맑은 고딕" panose="020B0503020000020004" pitchFamily="50" charset="-127"/>
+            </a:endParaRPr>
+          </a:p>
+        </p:txBody>
+      </p:sp>
+      <p:sp>
+        <p:nvSpPr>
+          <p:cNvPr id="3" name="슬라이드 번호 개체 틀 2">
+            <a:extLst>
+              <a:ext uri="{FF2B5EF4-FFF2-40B4-BE49-F238E27FC236}">
+                <a16:creationId xmlns:a16="http://schemas.microsoft.com/office/drawing/2014/main" id="{36392628-7DF0-4B14-92FD-A5D98527D503}"/>
+              </a:ext>
+            </a:extLst>
+          </p:cNvPr>
+          <p:cNvSpPr>
+            <a:spLocks noGrp="1"/>
+          </p:cNvSpPr>
+          <p:nvPr>
+            <p:ph type="sldNum" sz="quarter" idx="12"/>
+          </p:nvPr>
+        </p:nvSpPr>
+        <p:spPr>
+          <a:xfrm>
+            <a:off x="7106400" y="6454800"/>
+            <a:ext cx="1198800" cy="403200"/>
+          </a:xfrm>
+        </p:spPr>
+        <p:txBody>
+          <a:bodyPr/>
+          <a:lstStyle/>
+          <a:p>
+            <a:fld id="{69E57DC2-970A-4B3E-BB1C-7A09969E49DF}" type="slidenum">
+              <a:rPr lang="en-US" smtClean="0"/>
+              <a:t>15</a:t>
+            </a:fld>
+            <a:endParaRPr lang="en-US" dirty="0"/>
+          </a:p>
+        </p:txBody>
+      </p:sp>
+    </p:spTree>
+    <p:extLst>
+      <p:ext uri="{BB962C8B-B14F-4D97-AF65-F5344CB8AC3E}">
+        <p14:creationId xmlns:p14="http://schemas.microsoft.com/office/powerpoint/2010/main" val="3898484190"/>
+      </p:ext>
+    </p:extLst>
+  </p:cSld>
+  <p:clrMapOvr>
+    <a:masterClrMapping/>
+  </p:clrMapOvr>
+</p:sld>
+</file>
+
+<file path=ppt/slides/slide16.xml><?xml version="1.0" encoding="utf-8"?>
 <p:sld xmlns:a="http://schemas.openxmlformats.org/drawingml/2006/main" xmlns:r="http://schemas.openxmlformats.org/officeDocument/2006/relationships" xmlns:p="http://schemas.openxmlformats.org/presentationml/2006/main">
   <p:cSld>
     <p:spTree>
@@ -8552,7 +10309,7 @@
           <a:p>
             <a:fld id="{69E57DC2-970A-4B3E-BB1C-7A09969E49DF}" type="slidenum">
               <a:rPr lang="en-US" smtClean="0"/>
-              <a:t>13</a:t>
+              <a:t>16</a:t>
             </a:fld>
             <a:endParaRPr lang="en-US" dirty="0"/>
           </a:p>
@@ -8571,7 +10328,7 @@
 </p:sld>
 </file>
 
-<file path=ppt/slides/slide14.xml><?xml version="1.0" encoding="utf-8"?>
+<file path=ppt/slides/slide17.xml><?xml version="1.0" encoding="utf-8"?>
 <p:sld xmlns:a="http://schemas.openxmlformats.org/drawingml/2006/main" xmlns:r="http://schemas.openxmlformats.org/officeDocument/2006/relationships" xmlns:p="http://schemas.openxmlformats.org/presentationml/2006/main">
   <p:cSld>
     <p:spTree>
@@ -8949,7 +10706,7 @@
           <a:p>
             <a:fld id="{69E57DC2-970A-4B3E-BB1C-7A09969E49DF}" type="slidenum">
               <a:rPr lang="en-US" smtClean="0"/>
-              <a:t>14</a:t>
+              <a:t>17</a:t>
             </a:fld>
             <a:endParaRPr lang="en-US" dirty="0"/>
           </a:p>
@@ -36939,7 +38696,7 @@
               <a:buAutoNum type="alphaUcPeriod"/>
             </a:pPr>
             <a:r>
-              <a:rPr lang="ko-KR" altLang="en-US" sz="1750" dirty="0">
+              <a:rPr lang="ko-KR" altLang="en-US" sz="1750" strike="sngStrike" dirty="0">
                 <a:solidFill>
                   <a:schemeClr val="tx1">
                     <a:lumMod val="95000"/>
@@ -36959,7 +38716,7 @@
               <a:t>아이콘 </a:t>
             </a:r>
             <a:r>
-              <a:rPr lang="en-US" altLang="ko-KR" sz="1750" dirty="0">
+              <a:rPr lang="en-US" altLang="ko-KR" sz="1750" strike="sngStrike" dirty="0">
                 <a:solidFill>
                   <a:schemeClr val="tx1">
                     <a:lumMod val="95000"/>
@@ -36979,7 +38736,7 @@
               <a:t>(Player </a:t>
             </a:r>
             <a:r>
-              <a:rPr lang="ko-KR" altLang="en-US" sz="1750" dirty="0">
+              <a:rPr lang="ko-KR" altLang="en-US" sz="1750" strike="sngStrike" dirty="0">
                 <a:solidFill>
                   <a:schemeClr val="tx1">
                     <a:lumMod val="95000"/>
@@ -36999,7 +38756,7 @@
               <a:t>팀 구별 </a:t>
             </a:r>
             <a:r>
-              <a:rPr lang="en-US" altLang="ko-KR" sz="1750" dirty="0">
+              <a:rPr lang="en-US" altLang="ko-KR" sz="1750" strike="sngStrike" dirty="0">
                 <a:solidFill>
                   <a:schemeClr val="tx1">
                     <a:lumMod val="95000"/>
@@ -37019,7 +38776,7 @@
               <a:t>/ </a:t>
             </a:r>
             <a:r>
-              <a:rPr lang="ko-KR" altLang="en-US" sz="1750" dirty="0">
+              <a:rPr lang="ko-KR" altLang="en-US" sz="1750" strike="sngStrike" dirty="0">
                 <a:solidFill>
                   <a:schemeClr val="tx1">
                     <a:lumMod val="95000"/>
@@ -37039,7 +38796,7 @@
               <a:t>색상</a:t>
             </a:r>
             <a:r>
-              <a:rPr lang="en-US" altLang="ko-KR" sz="1750" dirty="0">
+              <a:rPr lang="en-US" altLang="ko-KR" sz="1750" strike="sngStrike" dirty="0">
                 <a:solidFill>
                   <a:schemeClr val="tx1">
                     <a:lumMod val="95000"/>
@@ -37286,7 +39043,7 @@
               <a:buAutoNum type="alphaUcPeriod"/>
             </a:pPr>
             <a:r>
-              <a:rPr lang="ko-KR" altLang="en-US" sz="1750" dirty="0">
+              <a:rPr lang="ko-KR" altLang="en-US" sz="1750" strike="sngStrike" dirty="0">
                 <a:solidFill>
                   <a:schemeClr val="tx1">
                     <a:lumMod val="95000"/>
@@ -37306,7 +39063,7 @@
               <a:t>타워 아이콘 </a:t>
             </a:r>
             <a:r>
-              <a:rPr lang="en-US" altLang="ko-KR" sz="1750" dirty="0">
+              <a:rPr lang="en-US" altLang="ko-KR" sz="1750" strike="sngStrike" dirty="0">
                 <a:solidFill>
                   <a:schemeClr val="tx1">
                     <a:lumMod val="95000"/>
@@ -37326,7 +39083,7 @@
               <a:t>HP </a:t>
             </a:r>
             <a:r>
-              <a:rPr lang="ko-KR" altLang="en-US" sz="1750" dirty="0">
+              <a:rPr lang="ko-KR" altLang="en-US" sz="1750" strike="sngStrike" dirty="0">
                 <a:solidFill>
                   <a:schemeClr val="tx1">
                     <a:lumMod val="95000"/>
@@ -37345,7 +39102,7 @@
               </a:rPr>
               <a:t>게이지 처럼 처리</a:t>
             </a:r>
-            <a:endParaRPr lang="en-US" altLang="ko-KR" sz="1750" dirty="0">
+            <a:endParaRPr lang="en-US" altLang="ko-KR" sz="1750" strike="sngStrike" dirty="0">
               <a:solidFill>
                 <a:schemeClr val="tx1">
                   <a:lumMod val="95000"/>

--- a/진행사항.pptx
+++ b/진행사항.pptx
@@ -10945,7 +10945,7 @@
           <p:nvPr>
             <p:extLst>
               <p:ext uri="{D42A27DB-BD31-4B8C-83A1-F6EECF244321}">
-                <p14:modId xmlns:p14="http://schemas.microsoft.com/office/powerpoint/2010/main" val="2494770897"/>
+                <p14:modId xmlns:p14="http://schemas.microsoft.com/office/powerpoint/2010/main" val="3154100136"/>
               </p:ext>
             </p:extLst>
           </p:nvPr>
@@ -14419,6 +14419,15 @@
                       <a:headEnd type="none" w="med" len="med"/>
                       <a:tailEnd type="none" w="med" len="med"/>
                     </a:lnB>
+                    <a:lnBlToTr w="12700" cap="flat" cmpd="sng" algn="ctr">
+                      <a:solidFill>
+                        <a:schemeClr val="tx1"/>
+                      </a:solidFill>
+                      <a:prstDash val="solid"/>
+                      <a:round/>
+                      <a:headEnd type="none" w="med" len="med"/>
+                      <a:tailEnd type="none" w="med" len="med"/>
+                    </a:lnBlToTr>
                     <a:solidFill>
                       <a:srgbClr val="FFC000"/>
                     </a:solidFill>
@@ -14469,6 +14478,15 @@
                       <a:headEnd type="none" w="med" len="med"/>
                       <a:tailEnd type="none" w="med" len="med"/>
                     </a:lnB>
+                    <a:lnBlToTr w="12700" cap="flat" cmpd="sng" algn="ctr">
+                      <a:solidFill>
+                        <a:schemeClr val="tx1"/>
+                      </a:solidFill>
+                      <a:prstDash val="solid"/>
+                      <a:round/>
+                      <a:headEnd type="none" w="med" len="med"/>
+                      <a:tailEnd type="none" w="med" len="med"/>
+                    </a:lnBlToTr>
                     <a:solidFill>
                       <a:srgbClr val="FFC000"/>
                     </a:solidFill>
@@ -38168,7 +38186,7 @@
               <a:buAutoNum type="alphaUcPeriod"/>
             </a:pPr>
             <a:r>
-              <a:rPr lang="ko-KR" altLang="en-US" sz="1950" i="0" dirty="0">
+              <a:rPr lang="ko-KR" altLang="en-US" sz="1950" i="0" strike="sngStrike" dirty="0">
                 <a:solidFill>
                   <a:schemeClr val="tx1">
                     <a:lumMod val="95000"/>
@@ -38187,7 +38205,7 @@
               </a:rPr>
               <a:t>스케치 이펙트 적용</a:t>
             </a:r>
-            <a:endParaRPr lang="en-US" altLang="ko-KR" sz="1950" i="0" dirty="0">
+            <a:endParaRPr lang="en-US" altLang="ko-KR" sz="1950" i="0" strike="sngStrike" dirty="0">
               <a:solidFill>
                 <a:schemeClr val="tx1">
                   <a:lumMod val="95000"/>

--- a/진행사항.pptx
+++ b/진행사항.pptx
@@ -224,7 +224,7 @@
           <a:p>
             <a:fld id="{174CF4B6-C8D6-438C-8B7D-E8AF3EC6F65B}" type="datetimeFigureOut">
               <a:rPr lang="ko-KR" altLang="en-US" smtClean="0"/>
-              <a:t>2018-05-24</a:t>
+              <a:t>2018-05-29</a:t>
             </a:fld>
             <a:endParaRPr lang="ko-KR" altLang="en-US"/>
           </a:p>
@@ -660,7 +660,7 @@
           <a:p>
             <a:fld id="{997C0C2C-FB57-479D-BE7F-6EC34BF7043C}" type="datetime1">
               <a:rPr lang="en-US" altLang="ko-KR" smtClean="0"/>
-              <a:t>5/24/2018</a:t>
+              <a:t>5/29/2018</a:t>
             </a:fld>
             <a:endParaRPr lang="en-US" dirty="0"/>
           </a:p>
@@ -991,7 +991,7 @@
           <a:p>
             <a:fld id="{047308E6-C353-4980-BC35-3BA553F61D46}" type="datetime1">
               <a:rPr lang="en-US" altLang="ko-KR" smtClean="0"/>
-              <a:t>5/24/2018</a:t>
+              <a:t>5/29/2018</a:t>
             </a:fld>
             <a:endParaRPr lang="en-US" dirty="0"/>
           </a:p>
@@ -1171,7 +1171,7 @@
           <a:p>
             <a:fld id="{925E33ED-602B-46D4-AC4E-A3EC8D1FE08B}" type="datetime1">
               <a:rPr lang="en-US" altLang="ko-KR" smtClean="0"/>
-              <a:t>5/24/2018</a:t>
+              <a:t>5/29/2018</a:t>
             </a:fld>
             <a:endParaRPr lang="en-US" dirty="0"/>
           </a:p>
@@ -1341,7 +1341,7 @@
           <a:p>
             <a:fld id="{CDCA6F40-FDE7-4477-94C1-42AFCA093BA3}" type="datetime1">
               <a:rPr lang="en-US" altLang="ko-KR" smtClean="0"/>
-              <a:t>5/24/2018</a:t>
+              <a:t>5/29/2018</a:t>
             </a:fld>
             <a:endParaRPr lang="en-US" dirty="0"/>
           </a:p>
@@ -1619,7 +1619,7 @@
           <a:p>
             <a:fld id="{E5AD4DDD-EA1C-4615-97C2-D68EC457B4CF}" type="datetime1">
               <a:rPr lang="en-US" altLang="ko-KR" smtClean="0"/>
-              <a:t>5/24/2018</a:t>
+              <a:t>5/29/2018</a:t>
             </a:fld>
             <a:endParaRPr lang="en-US" dirty="0"/>
           </a:p>
@@ -2070,7 +2070,7 @@
           <a:p>
             <a:fld id="{CA0F03C5-1E3C-44BE-9E2F-087D284D2C5D}" type="datetime1">
               <a:rPr lang="en-US" altLang="ko-KR" smtClean="0"/>
-              <a:t>5/24/2018</a:t>
+              <a:t>5/29/2018</a:t>
             </a:fld>
             <a:endParaRPr lang="en-US" dirty="0"/>
           </a:p>
@@ -2547,7 +2547,7 @@
           <a:p>
             <a:fld id="{23CB4308-201A-4967-870E-1ACB91AA6D8E}" type="datetime1">
               <a:rPr lang="en-US" altLang="ko-KR" smtClean="0"/>
-              <a:t>5/24/2018</a:t>
+              <a:t>5/29/2018</a:t>
             </a:fld>
             <a:endParaRPr lang="en-US" dirty="0"/>
           </a:p>
@@ -2665,7 +2665,7 @@
           <a:p>
             <a:fld id="{2AE391EA-DA61-4C24-8C9E-58C8105C0CDC}" type="datetime1">
               <a:rPr lang="en-US" altLang="ko-KR" smtClean="0"/>
-              <a:t>5/24/2018</a:t>
+              <a:t>5/29/2018</a:t>
             </a:fld>
             <a:endParaRPr lang="en-US" dirty="0"/>
           </a:p>
@@ -2760,7 +2760,7 @@
           <a:p>
             <a:fld id="{14CF23BC-FE77-4485-B606-6CBA74C5D36E}" type="datetime1">
               <a:rPr lang="en-US" altLang="ko-KR" smtClean="0"/>
-              <a:t>5/24/2018</a:t>
+              <a:t>5/29/2018</a:t>
             </a:fld>
             <a:endParaRPr lang="en-US" dirty="0"/>
           </a:p>
@@ -3108,7 +3108,7 @@
           <a:p>
             <a:fld id="{808D6C14-1859-4DDA-AD38-00DE62AE1826}" type="datetime1">
               <a:rPr lang="en-US" altLang="ko-KR" smtClean="0"/>
-              <a:t>5/24/2018</a:t>
+              <a:t>5/29/2018</a:t>
             </a:fld>
             <a:endParaRPr lang="en-US" dirty="0"/>
           </a:p>
@@ -3537,7 +3537,7 @@
           <a:p>
             <a:fld id="{AE734E95-C037-429B-8B5F-D0FAB25DE16C}" type="datetime1">
               <a:rPr lang="en-US" altLang="ko-KR" smtClean="0"/>
-              <a:t>5/24/2018</a:t>
+              <a:t>5/29/2018</a:t>
             </a:fld>
             <a:endParaRPr lang="en-US" dirty="0"/>
           </a:p>
@@ -3854,7 +3854,7 @@
           <a:p>
             <a:fld id="{E0770D22-4CCF-46DD-9D25-F19CC4764808}" type="datetime1">
               <a:rPr lang="en-US" altLang="ko-KR" smtClean="0"/>
-              <a:t>5/24/2018</a:t>
+              <a:t>5/29/2018</a:t>
             </a:fld>
             <a:endParaRPr lang="en-US" dirty="0"/>
           </a:p>
@@ -6068,7 +6068,7 @@
         </p:spPr>
         <p:txBody>
           <a:bodyPr>
-            <a:normAutofit/>
+            <a:normAutofit lnSpcReduction="10000"/>
           </a:bodyPr>
           <a:lstStyle/>
           <a:p>
@@ -6544,6 +6544,35 @@
               <a:latin typeface="맑은 고딕" panose="020B0503020000020004" pitchFamily="50" charset="-127"/>
               <a:ea typeface="맑은 고딕" panose="020B0503020000020004" pitchFamily="50" charset="-127"/>
             </a:endParaRPr>
+          </a:p>
+          <a:p>
+            <a:pPr marL="873252" lvl="1" indent="-342900">
+              <a:lnSpc>
+                <a:spcPct val="160000"/>
+              </a:lnSpc>
+              <a:buFont typeface="+mj-lt"/>
+              <a:buAutoNum type="alphaUcPeriod"/>
+            </a:pPr>
+            <a:r>
+              <a:rPr lang="en-US" altLang="ko-KR" sz="1750" strike="sngStrike" dirty="0">
+                <a:solidFill>
+                  <a:schemeClr val="tx1">
+                    <a:lumMod val="95000"/>
+                    <a:lumOff val="5000"/>
+                  </a:schemeClr>
+                </a:solidFill>
+                <a:effectLst>
+                  <a:outerShdw blurRad="38100" dist="38100" dir="2700000" algn="tl">
+                    <a:srgbClr val="000000">
+                      <a:alpha val="43137"/>
+                    </a:srgbClr>
+                  </a:outerShdw>
+                </a:effectLst>
+                <a:latin typeface="맑은 고딕" panose="020B0503020000020004" pitchFamily="50" charset="-127"/>
+                <a:ea typeface="맑은 고딕" panose="020B0503020000020004" pitchFamily="50" charset="-127"/>
+              </a:rPr>
+              <a:t>HP, MP</a:t>
+            </a:r>
           </a:p>
         </p:txBody>
       </p:sp>
@@ -8901,7 +8930,7 @@
               <a:buAutoNum type="alphaUcPeriod"/>
             </a:pPr>
             <a:r>
-              <a:rPr lang="ko-KR" altLang="en-US" sz="1550" dirty="0">
+              <a:rPr lang="ko-KR" altLang="en-US" sz="1550" strike="sngStrike" dirty="0">
                 <a:solidFill>
                   <a:schemeClr val="tx1">
                     <a:lumMod val="95000"/>
@@ -8920,7 +8949,7 @@
               </a:rPr>
               <a:t>긴 지우개 연필</a:t>
             </a:r>
-            <a:endParaRPr lang="en-US" altLang="ko-KR" sz="1550" dirty="0">
+            <a:endParaRPr lang="en-US" altLang="ko-KR" sz="1550" strike="sngStrike" dirty="0">
               <a:solidFill>
                 <a:schemeClr val="tx1">
                   <a:lumMod val="95000"/>
@@ -8947,7 +8976,7 @@
               <a:buAutoNum type="alphaUcPeriod"/>
             </a:pPr>
             <a:r>
-              <a:rPr lang="ko-KR" altLang="en-US" sz="1550" dirty="0">
+              <a:rPr lang="ko-KR" altLang="en-US" sz="1550" strike="sngStrike" dirty="0">
                 <a:solidFill>
                   <a:schemeClr val="tx1">
                     <a:lumMod val="95000"/>
@@ -8966,7 +8995,7 @@
               </a:rPr>
               <a:t>번개</a:t>
             </a:r>
-            <a:endParaRPr lang="en-US" altLang="ko-KR" sz="1550" dirty="0">
+            <a:endParaRPr lang="en-US" altLang="ko-KR" sz="1550" strike="sngStrike" dirty="0">
               <a:solidFill>
                 <a:schemeClr val="tx1">
                   <a:lumMod val="95000"/>
@@ -9039,7 +9068,7 @@
               <a:buAutoNum type="alphaUcPeriod"/>
             </a:pPr>
             <a:r>
-              <a:rPr lang="ko-KR" altLang="en-US" sz="1550" dirty="0" err="1">
+              <a:rPr lang="ko-KR" altLang="en-US" sz="1550" strike="sngStrike" dirty="0">
                 <a:solidFill>
                   <a:schemeClr val="tx1">
                     <a:lumMod val="95000"/>
@@ -9058,7 +9087,7 @@
               </a:rPr>
               <a:t>롤리팝</a:t>
             </a:r>
-            <a:endParaRPr lang="en-US" altLang="ko-KR" sz="1550" dirty="0">
+            <a:endParaRPr lang="en-US" altLang="ko-KR" sz="1550" strike="sngStrike" dirty="0">
               <a:solidFill>
                 <a:schemeClr val="tx1">
                   <a:lumMod val="95000"/>

--- a/진행사항.pptx
+++ b/진행사항.pptx
@@ -224,7 +224,7 @@
           <a:p>
             <a:fld id="{174CF4B6-C8D6-438C-8B7D-E8AF3EC6F65B}" type="datetimeFigureOut">
               <a:rPr lang="ko-KR" altLang="en-US" smtClean="0"/>
-              <a:t>2018-05-29</a:t>
+              <a:t>2018-06-17</a:t>
             </a:fld>
             <a:endParaRPr lang="ko-KR" altLang="en-US"/>
           </a:p>
@@ -660,7 +660,7 @@
           <a:p>
             <a:fld id="{997C0C2C-FB57-479D-BE7F-6EC34BF7043C}" type="datetime1">
               <a:rPr lang="en-US" altLang="ko-KR" smtClean="0"/>
-              <a:t>5/29/2018</a:t>
+              <a:t>6/17/2018</a:t>
             </a:fld>
             <a:endParaRPr lang="en-US" dirty="0"/>
           </a:p>
@@ -991,7 +991,7 @@
           <a:p>
             <a:fld id="{047308E6-C353-4980-BC35-3BA553F61D46}" type="datetime1">
               <a:rPr lang="en-US" altLang="ko-KR" smtClean="0"/>
-              <a:t>5/29/2018</a:t>
+              <a:t>6/17/2018</a:t>
             </a:fld>
             <a:endParaRPr lang="en-US" dirty="0"/>
           </a:p>
@@ -1171,7 +1171,7 @@
           <a:p>
             <a:fld id="{925E33ED-602B-46D4-AC4E-A3EC8D1FE08B}" type="datetime1">
               <a:rPr lang="en-US" altLang="ko-KR" smtClean="0"/>
-              <a:t>5/29/2018</a:t>
+              <a:t>6/17/2018</a:t>
             </a:fld>
             <a:endParaRPr lang="en-US" dirty="0"/>
           </a:p>
@@ -1341,7 +1341,7 @@
           <a:p>
             <a:fld id="{CDCA6F40-FDE7-4477-94C1-42AFCA093BA3}" type="datetime1">
               <a:rPr lang="en-US" altLang="ko-KR" smtClean="0"/>
-              <a:t>5/29/2018</a:t>
+              <a:t>6/17/2018</a:t>
             </a:fld>
             <a:endParaRPr lang="en-US" dirty="0"/>
           </a:p>
@@ -1619,7 +1619,7 @@
           <a:p>
             <a:fld id="{E5AD4DDD-EA1C-4615-97C2-D68EC457B4CF}" type="datetime1">
               <a:rPr lang="en-US" altLang="ko-KR" smtClean="0"/>
-              <a:t>5/29/2018</a:t>
+              <a:t>6/17/2018</a:t>
             </a:fld>
             <a:endParaRPr lang="en-US" dirty="0"/>
           </a:p>
@@ -2070,7 +2070,7 @@
           <a:p>
             <a:fld id="{CA0F03C5-1E3C-44BE-9E2F-087D284D2C5D}" type="datetime1">
               <a:rPr lang="en-US" altLang="ko-KR" smtClean="0"/>
-              <a:t>5/29/2018</a:t>
+              <a:t>6/17/2018</a:t>
             </a:fld>
             <a:endParaRPr lang="en-US" dirty="0"/>
           </a:p>
@@ -2547,7 +2547,7 @@
           <a:p>
             <a:fld id="{23CB4308-201A-4967-870E-1ACB91AA6D8E}" type="datetime1">
               <a:rPr lang="en-US" altLang="ko-KR" smtClean="0"/>
-              <a:t>5/29/2018</a:t>
+              <a:t>6/17/2018</a:t>
             </a:fld>
             <a:endParaRPr lang="en-US" dirty="0"/>
           </a:p>
@@ -2665,7 +2665,7 @@
           <a:p>
             <a:fld id="{2AE391EA-DA61-4C24-8C9E-58C8105C0CDC}" type="datetime1">
               <a:rPr lang="en-US" altLang="ko-KR" smtClean="0"/>
-              <a:t>5/29/2018</a:t>
+              <a:t>6/17/2018</a:t>
             </a:fld>
             <a:endParaRPr lang="en-US" dirty="0"/>
           </a:p>
@@ -2760,7 +2760,7 @@
           <a:p>
             <a:fld id="{14CF23BC-FE77-4485-B606-6CBA74C5D36E}" type="datetime1">
               <a:rPr lang="en-US" altLang="ko-KR" smtClean="0"/>
-              <a:t>5/29/2018</a:t>
+              <a:t>6/17/2018</a:t>
             </a:fld>
             <a:endParaRPr lang="en-US" dirty="0"/>
           </a:p>
@@ -3108,7 +3108,7 @@
           <a:p>
             <a:fld id="{808D6C14-1859-4DDA-AD38-00DE62AE1826}" type="datetime1">
               <a:rPr lang="en-US" altLang="ko-KR" smtClean="0"/>
-              <a:t>5/29/2018</a:t>
+              <a:t>6/17/2018</a:t>
             </a:fld>
             <a:endParaRPr lang="en-US" dirty="0"/>
           </a:p>
@@ -3537,7 +3537,7 @@
           <a:p>
             <a:fld id="{AE734E95-C037-429B-8B5F-D0FAB25DE16C}" type="datetime1">
               <a:rPr lang="en-US" altLang="ko-KR" smtClean="0"/>
-              <a:t>5/29/2018</a:t>
+              <a:t>6/17/2018</a:t>
             </a:fld>
             <a:endParaRPr lang="en-US" dirty="0"/>
           </a:p>
@@ -3854,7 +3854,7 @@
           <a:p>
             <a:fld id="{E0770D22-4CCF-46DD-9D25-F19CC4764808}" type="datetime1">
               <a:rPr lang="en-US" altLang="ko-KR" smtClean="0"/>
-              <a:t>5/29/2018</a:t>
+              <a:t>6/17/2018</a:t>
             </a:fld>
             <a:endParaRPr lang="en-US" dirty="0"/>
           </a:p>
@@ -6068,7 +6068,7 @@
         </p:spPr>
         <p:txBody>
           <a:bodyPr>
-            <a:normAutofit lnSpcReduction="10000"/>
+            <a:normAutofit/>
           </a:bodyPr>
           <a:lstStyle/>
           <a:p>
@@ -6155,139 +6155,7 @@
               <a:buAutoNum type="alphaUcPeriod"/>
             </a:pPr>
             <a:r>
-              <a:rPr lang="en-US" altLang="ko-KR" sz="1550" dirty="0">
-                <a:solidFill>
-                  <a:schemeClr val="tx1">
-                    <a:lumMod val="95000"/>
-                    <a:lumOff val="5000"/>
-                  </a:schemeClr>
-                </a:solidFill>
-                <a:effectLst>
-                  <a:outerShdw blurRad="38100" dist="38100" dir="2700000" algn="tl">
-                    <a:srgbClr val="000000">
-                      <a:alpha val="43137"/>
-                    </a:srgbClr>
-                  </a:outerShdw>
-                </a:effectLst>
-                <a:latin typeface="맑은 고딕" panose="020B0503020000020004" pitchFamily="50" charset="-127"/>
-                <a:ea typeface="맑은 고딕" panose="020B0503020000020004" pitchFamily="50" charset="-127"/>
-              </a:rPr>
-              <a:t>HP </a:t>
-            </a:r>
-            <a:r>
-              <a:rPr lang="ko-KR" altLang="en-US" sz="1550" dirty="0">
-                <a:solidFill>
-                  <a:schemeClr val="tx1">
-                    <a:lumMod val="95000"/>
-                    <a:lumOff val="5000"/>
-                  </a:schemeClr>
-                </a:solidFill>
-                <a:effectLst>
-                  <a:outerShdw blurRad="38100" dist="38100" dir="2700000" algn="tl">
-                    <a:srgbClr val="000000">
-                      <a:alpha val="43137"/>
-                    </a:srgbClr>
-                  </a:outerShdw>
-                </a:effectLst>
-                <a:latin typeface="맑은 고딕" panose="020B0503020000020004" pitchFamily="50" charset="-127"/>
-                <a:ea typeface="맑은 고딕" panose="020B0503020000020004" pitchFamily="50" charset="-127"/>
-              </a:rPr>
-              <a:t>게이지</a:t>
-            </a:r>
-            <a:endParaRPr lang="en-US" altLang="ko-KR" sz="1550" dirty="0">
-              <a:solidFill>
-                <a:schemeClr val="tx1">
-                  <a:lumMod val="95000"/>
-                  <a:lumOff val="5000"/>
-                </a:schemeClr>
-              </a:solidFill>
-              <a:effectLst>
-                <a:outerShdw blurRad="38100" dist="38100" dir="2700000" algn="tl">
-                  <a:srgbClr val="000000">
-                    <a:alpha val="43137"/>
-                  </a:srgbClr>
-                </a:outerShdw>
-              </a:effectLst>
-              <a:latin typeface="맑은 고딕" panose="020B0503020000020004" pitchFamily="50" charset="-127"/>
-              <a:ea typeface="맑은 고딕" panose="020B0503020000020004" pitchFamily="50" charset="-127"/>
-            </a:endParaRPr>
-          </a:p>
-          <a:p>
-            <a:pPr marL="1330452" lvl="2" indent="-342900">
-              <a:lnSpc>
-                <a:spcPct val="160000"/>
-              </a:lnSpc>
-              <a:buFont typeface="+mj-lt"/>
-              <a:buAutoNum type="alphaUcPeriod"/>
-            </a:pPr>
-            <a:r>
-              <a:rPr lang="en-US" altLang="ko-KR" sz="1550" dirty="0">
-                <a:solidFill>
-                  <a:schemeClr val="tx1">
-                    <a:lumMod val="95000"/>
-                    <a:lumOff val="5000"/>
-                  </a:schemeClr>
-                </a:solidFill>
-                <a:effectLst>
-                  <a:outerShdw blurRad="38100" dist="38100" dir="2700000" algn="tl">
-                    <a:srgbClr val="000000">
-                      <a:alpha val="43137"/>
-                    </a:srgbClr>
-                  </a:outerShdw>
-                </a:effectLst>
-                <a:latin typeface="맑은 고딕" panose="020B0503020000020004" pitchFamily="50" charset="-127"/>
-                <a:ea typeface="맑은 고딕" panose="020B0503020000020004" pitchFamily="50" charset="-127"/>
-              </a:rPr>
-              <a:t>MP </a:t>
-            </a:r>
-            <a:r>
-              <a:rPr lang="ko-KR" altLang="en-US" sz="1550" dirty="0">
-                <a:solidFill>
-                  <a:schemeClr val="tx1">
-                    <a:lumMod val="95000"/>
-                    <a:lumOff val="5000"/>
-                  </a:schemeClr>
-                </a:solidFill>
-                <a:effectLst>
-                  <a:outerShdw blurRad="38100" dist="38100" dir="2700000" algn="tl">
-                    <a:srgbClr val="000000">
-                      <a:alpha val="43137"/>
-                    </a:srgbClr>
-                  </a:outerShdw>
-                </a:effectLst>
-                <a:latin typeface="맑은 고딕" panose="020B0503020000020004" pitchFamily="50" charset="-127"/>
-                <a:ea typeface="맑은 고딕" panose="020B0503020000020004" pitchFamily="50" charset="-127"/>
-              </a:rPr>
-              <a:t>게이지</a:t>
-            </a:r>
-            <a:endParaRPr lang="en-US" altLang="ko-KR" sz="1550" dirty="0">
-              <a:solidFill>
-                <a:schemeClr val="tx1">
-                  <a:lumMod val="95000"/>
-                  <a:lumOff val="5000"/>
-                </a:schemeClr>
-              </a:solidFill>
-              <a:effectLst>
-                <a:outerShdw blurRad="38100" dist="38100" dir="2700000" algn="tl">
-                  <a:srgbClr val="000000">
-                    <a:alpha val="43137"/>
-                  </a:srgbClr>
-                </a:outerShdw>
-              </a:effectLst>
-              <a:latin typeface="맑은 고딕" panose="020B0503020000020004" pitchFamily="50" charset="-127"/>
-              <a:ea typeface="맑은 고딕" panose="020B0503020000020004" pitchFamily="50" charset="-127"/>
-            </a:endParaRPr>
-          </a:p>
-          <a:p>
-            <a:pPr marL="1330452" lvl="2" indent="-342900">
-              <a:lnSpc>
-                <a:spcPct val="160000"/>
-              </a:lnSpc>
-              <a:buFont typeface="+mj-lt"/>
-              <a:buAutoNum type="alphaUcPeriod"/>
-            </a:pPr>
-            <a:r>
-              <a:rPr lang="ko-KR" altLang="en-US" sz="1550" dirty="0">
+              <a:rPr lang="ko-KR" altLang="en-US" sz="1550" strike="sngStrike" dirty="0">
                 <a:solidFill>
                   <a:schemeClr val="tx1">
                     <a:lumMod val="95000"/>
@@ -6306,7 +6174,7 @@
               </a:rPr>
               <a:t>스킬 아이콘</a:t>
             </a:r>
-            <a:endParaRPr lang="en-US" altLang="ko-KR" sz="1550" dirty="0">
+            <a:endParaRPr lang="en-US" altLang="ko-KR" sz="1550" strike="sngStrike" dirty="0">
               <a:solidFill>
                 <a:schemeClr val="tx1">
                   <a:lumMod val="95000"/>
@@ -6323,135 +6191,6 @@
               <a:latin typeface="맑은 고딕" panose="020B0503020000020004" pitchFamily="50" charset="-127"/>
               <a:ea typeface="맑은 고딕" panose="020B0503020000020004" pitchFamily="50" charset="-127"/>
             </a:endParaRPr>
-          </a:p>
-          <a:p>
-            <a:pPr marL="1330452" lvl="2" indent="-342900">
-              <a:lnSpc>
-                <a:spcPct val="160000"/>
-              </a:lnSpc>
-              <a:buFont typeface="+mj-lt"/>
-              <a:buAutoNum type="alphaUcPeriod"/>
-            </a:pPr>
-            <a:r>
-              <a:rPr lang="ko-KR" altLang="en-US" sz="1550" dirty="0">
-                <a:solidFill>
-                  <a:schemeClr val="tx1">
-                    <a:lumMod val="95000"/>
-                    <a:lumOff val="5000"/>
-                  </a:schemeClr>
-                </a:solidFill>
-                <a:effectLst>
-                  <a:outerShdw blurRad="38100" dist="38100" dir="2700000" algn="tl">
-                    <a:srgbClr val="000000">
-                      <a:alpha val="43137"/>
-                    </a:srgbClr>
-                  </a:outerShdw>
-                </a:effectLst>
-                <a:latin typeface="맑은 고딕" panose="020B0503020000020004" pitchFamily="50" charset="-127"/>
-                <a:ea typeface="맑은 고딕" panose="020B0503020000020004" pitchFamily="50" charset="-127"/>
-              </a:rPr>
-              <a:t>스킬 아이콘 </a:t>
-            </a:r>
-            <a:r>
-              <a:rPr lang="en-US" altLang="ko-KR" sz="1550" dirty="0">
-                <a:solidFill>
-                  <a:schemeClr val="tx1">
-                    <a:lumMod val="95000"/>
-                    <a:lumOff val="5000"/>
-                  </a:schemeClr>
-                </a:solidFill>
-                <a:effectLst>
-                  <a:outerShdw blurRad="38100" dist="38100" dir="2700000" algn="tl">
-                    <a:srgbClr val="000000">
-                      <a:alpha val="43137"/>
-                    </a:srgbClr>
-                  </a:outerShdw>
-                </a:effectLst>
-                <a:latin typeface="맑은 고딕" panose="020B0503020000020004" pitchFamily="50" charset="-127"/>
-                <a:ea typeface="맑은 고딕" panose="020B0503020000020004" pitchFamily="50" charset="-127"/>
-              </a:rPr>
-              <a:t>Set </a:t>
-            </a:r>
-            <a:r>
-              <a:rPr lang="ko-KR" altLang="en-US" sz="1550" dirty="0">
-                <a:solidFill>
-                  <a:schemeClr val="tx1">
-                    <a:lumMod val="95000"/>
-                    <a:lumOff val="5000"/>
-                  </a:schemeClr>
-                </a:solidFill>
-                <a:effectLst>
-                  <a:outerShdw blurRad="38100" dist="38100" dir="2700000" algn="tl">
-                    <a:srgbClr val="000000">
-                      <a:alpha val="43137"/>
-                    </a:srgbClr>
-                  </a:outerShdw>
-                </a:effectLst>
-                <a:latin typeface="맑은 고딕" panose="020B0503020000020004" pitchFamily="50" charset="-127"/>
-                <a:ea typeface="맑은 고딕" panose="020B0503020000020004" pitchFamily="50" charset="-127"/>
-              </a:rPr>
-              <a:t>변경</a:t>
-            </a:r>
-            <a:r>
-              <a:rPr lang="en-US" altLang="ko-KR" sz="1550" dirty="0">
-                <a:solidFill>
-                  <a:schemeClr val="tx1">
-                    <a:lumMod val="95000"/>
-                    <a:lumOff val="5000"/>
-                  </a:schemeClr>
-                </a:solidFill>
-                <a:effectLst>
-                  <a:outerShdw blurRad="38100" dist="38100" dir="2700000" algn="tl">
-                    <a:srgbClr val="000000">
-                      <a:alpha val="43137"/>
-                    </a:srgbClr>
-                  </a:outerShdw>
-                </a:effectLst>
-                <a:latin typeface="맑은 고딕" panose="020B0503020000020004" pitchFamily="50" charset="-127"/>
-                <a:ea typeface="맑은 고딕" panose="020B0503020000020004" pitchFamily="50" charset="-127"/>
-              </a:rPr>
-              <a:t>( </a:t>
-            </a:r>
-            <a:r>
-              <a:rPr lang="ko-KR" altLang="en-US" sz="1550" dirty="0">
-                <a:solidFill>
-                  <a:schemeClr val="tx1">
-                    <a:lumMod val="95000"/>
-                    <a:lumOff val="5000"/>
-                  </a:schemeClr>
-                </a:solidFill>
-                <a:effectLst>
-                  <a:outerShdw blurRad="38100" dist="38100" dir="2700000" algn="tl">
-                    <a:srgbClr val="000000">
-                      <a:alpha val="43137"/>
-                    </a:srgbClr>
-                  </a:outerShdw>
-                </a:effectLst>
-                <a:latin typeface="맑은 고딕" panose="020B0503020000020004" pitchFamily="50" charset="-127"/>
-                <a:ea typeface="맑은 고딕" panose="020B0503020000020004" pitchFamily="50" charset="-127"/>
-              </a:rPr>
-              <a:t>특성 선택 </a:t>
-            </a:r>
-            <a:r>
-              <a:rPr lang="en-US" altLang="ko-KR" sz="1550" dirty="0">
-                <a:solidFill>
-                  <a:schemeClr val="tx1">
-                    <a:lumMod val="95000"/>
-                    <a:lumOff val="5000"/>
-                  </a:schemeClr>
-                </a:solidFill>
-                <a:effectLst>
-                  <a:outerShdw blurRad="38100" dist="38100" dir="2700000" algn="tl">
-                    <a:srgbClr val="000000">
-                      <a:alpha val="43137"/>
-                    </a:srgbClr>
-                  </a:outerShdw>
-                </a:effectLst>
-                <a:latin typeface="맑은 고딕" panose="020B0503020000020004" pitchFamily="50" charset="-127"/>
-                <a:ea typeface="맑은 고딕" panose="020B0503020000020004" pitchFamily="50" charset="-127"/>
-              </a:rPr>
-              <a:t>)</a:t>
-            </a:r>
           </a:p>
           <a:p>
             <a:pPr marL="873252" lvl="1" indent="-342900">
@@ -6544,6 +6283,155 @@
               <a:latin typeface="맑은 고딕" panose="020B0503020000020004" pitchFamily="50" charset="-127"/>
               <a:ea typeface="맑은 고딕" panose="020B0503020000020004" pitchFamily="50" charset="-127"/>
             </a:endParaRPr>
+          </a:p>
+          <a:p>
+            <a:pPr marL="1330452" lvl="2" indent="-342900">
+              <a:lnSpc>
+                <a:spcPct val="160000"/>
+              </a:lnSpc>
+              <a:buFont typeface="+mj-lt"/>
+              <a:buAutoNum type="alphaUcPeriod"/>
+            </a:pPr>
+            <a:r>
+              <a:rPr lang="ko-KR" altLang="en-US" sz="1550" dirty="0">
+                <a:solidFill>
+                  <a:schemeClr val="tx1">
+                    <a:lumMod val="95000"/>
+                    <a:lumOff val="5000"/>
+                  </a:schemeClr>
+                </a:solidFill>
+                <a:effectLst>
+                  <a:outerShdw blurRad="38100" dist="38100" dir="2700000" algn="tl">
+                    <a:srgbClr val="000000">
+                      <a:alpha val="43137"/>
+                    </a:srgbClr>
+                  </a:outerShdw>
+                </a:effectLst>
+                <a:latin typeface="맑은 고딕" panose="020B0503020000020004" pitchFamily="50" charset="-127"/>
+                <a:ea typeface="맑은 고딕" panose="020B0503020000020004" pitchFamily="50" charset="-127"/>
+              </a:rPr>
+              <a:t>플레이어 </a:t>
+            </a:r>
+            <a:r>
+              <a:rPr lang="en-US" altLang="ko-KR" sz="1550" dirty="0">
+                <a:solidFill>
+                  <a:schemeClr val="tx1">
+                    <a:lumMod val="95000"/>
+                    <a:lumOff val="5000"/>
+                  </a:schemeClr>
+                </a:solidFill>
+                <a:effectLst>
+                  <a:outerShdw blurRad="38100" dist="38100" dir="2700000" algn="tl">
+                    <a:srgbClr val="000000">
+                      <a:alpha val="43137"/>
+                    </a:srgbClr>
+                  </a:outerShdw>
+                </a:effectLst>
+                <a:latin typeface="맑은 고딕" panose="020B0503020000020004" pitchFamily="50" charset="-127"/>
+                <a:ea typeface="맑은 고딕" panose="020B0503020000020004" pitchFamily="50" charset="-127"/>
+              </a:rPr>
+              <a:t>Icon(HP)</a:t>
+            </a:r>
+            <a:r>
+              <a:rPr lang="ko-KR" altLang="en-US" sz="1550" dirty="0">
+                <a:solidFill>
+                  <a:schemeClr val="tx1">
+                    <a:lumMod val="95000"/>
+                    <a:lumOff val="5000"/>
+                  </a:schemeClr>
+                </a:solidFill>
+                <a:effectLst>
+                  <a:outerShdw blurRad="38100" dist="38100" dir="2700000" algn="tl">
+                    <a:srgbClr val="000000">
+                      <a:alpha val="43137"/>
+                    </a:srgbClr>
+                  </a:outerShdw>
+                </a:effectLst>
+                <a:latin typeface="맑은 고딕" panose="020B0503020000020004" pitchFamily="50" charset="-127"/>
+                <a:ea typeface="맑은 고딕" panose="020B0503020000020004" pitchFamily="50" charset="-127"/>
+              </a:rPr>
+              <a:t>와 상호작용 </a:t>
+            </a:r>
+            <a:r>
+              <a:rPr lang="en-US" altLang="ko-KR" sz="1550" dirty="0">
+                <a:solidFill>
+                  <a:schemeClr val="tx1">
+                    <a:lumMod val="95000"/>
+                    <a:lumOff val="5000"/>
+                  </a:schemeClr>
+                </a:solidFill>
+                <a:effectLst>
+                  <a:outerShdw blurRad="38100" dist="38100" dir="2700000" algn="tl">
+                    <a:srgbClr val="000000">
+                      <a:alpha val="43137"/>
+                    </a:srgbClr>
+                  </a:outerShdw>
+                </a:effectLst>
+                <a:latin typeface="맑은 고딕" panose="020B0503020000020004" pitchFamily="50" charset="-127"/>
+                <a:ea typeface="맑은 고딕" panose="020B0503020000020004" pitchFamily="50" charset="-127"/>
+              </a:rPr>
+              <a:t>(</a:t>
+            </a:r>
+            <a:r>
+              <a:rPr lang="ko-KR" altLang="en-US" sz="1550" dirty="0" err="1">
+                <a:solidFill>
+                  <a:schemeClr val="tx1">
+                    <a:lumMod val="95000"/>
+                    <a:lumOff val="5000"/>
+                  </a:schemeClr>
+                </a:solidFill>
+                <a:effectLst>
+                  <a:outerShdw blurRad="38100" dist="38100" dir="2700000" algn="tl">
+                    <a:srgbClr val="000000">
+                      <a:alpha val="43137"/>
+                    </a:srgbClr>
+                  </a:outerShdw>
+                </a:effectLst>
+                <a:latin typeface="맑은 고딕" panose="020B0503020000020004" pitchFamily="50" charset="-127"/>
+                <a:ea typeface="맑은 고딕" panose="020B0503020000020004" pitchFamily="50" charset="-127"/>
+              </a:rPr>
+              <a:t>클릭시</a:t>
+            </a:r>
+            <a:r>
+              <a:rPr lang="ko-KR" altLang="en-US" sz="1550" dirty="0">
+                <a:solidFill>
+                  <a:schemeClr val="tx1">
+                    <a:lumMod val="95000"/>
+                    <a:lumOff val="5000"/>
+                  </a:schemeClr>
+                </a:solidFill>
+                <a:effectLst>
+                  <a:outerShdw blurRad="38100" dist="38100" dir="2700000" algn="tl">
+                    <a:srgbClr val="000000">
+                      <a:alpha val="43137"/>
+                    </a:srgbClr>
+                  </a:outerShdw>
+                </a:effectLst>
+                <a:latin typeface="맑은 고딕" panose="020B0503020000020004" pitchFamily="50" charset="-127"/>
+                <a:ea typeface="맑은 고딕" panose="020B0503020000020004" pitchFamily="50" charset="-127"/>
+              </a:rPr>
+              <a:t> 등장</a:t>
+            </a:r>
+            <a:r>
+              <a:rPr lang="en-US" altLang="ko-KR" sz="1550" dirty="0">
+                <a:solidFill>
+                  <a:schemeClr val="tx1">
+                    <a:lumMod val="95000"/>
+                    <a:lumOff val="5000"/>
+                  </a:schemeClr>
+                </a:solidFill>
+                <a:effectLst>
+                  <a:outerShdw blurRad="38100" dist="38100" dir="2700000" algn="tl">
+                    <a:srgbClr val="000000">
+                      <a:alpha val="43137"/>
+                    </a:srgbClr>
+                  </a:outerShdw>
+                </a:effectLst>
+                <a:latin typeface="맑은 고딕" panose="020B0503020000020004" pitchFamily="50" charset="-127"/>
+                <a:ea typeface="맑은 고딕" panose="020B0503020000020004" pitchFamily="50" charset="-127"/>
+              </a:rPr>
+              <a:t>)</a:t>
+            </a:r>
           </a:p>
           <a:p>
             <a:pPr marL="873252" lvl="1" indent="-342900">
@@ -8402,7 +8290,7 @@
               <a:buAutoNum type="alphaUcPeriod"/>
             </a:pPr>
             <a:r>
-              <a:rPr lang="ko-KR" altLang="en-US" sz="1550" dirty="0" err="1">
+              <a:rPr lang="ko-KR" altLang="en-US" sz="1550" strike="sngStrike" dirty="0">
                 <a:solidFill>
                   <a:schemeClr val="tx1">
                     <a:lumMod val="95000"/>
@@ -8419,29 +8307,9 @@
                 <a:latin typeface="맑은 고딕" panose="020B0503020000020004" pitchFamily="50" charset="-127"/>
                 <a:ea typeface="맑은 고딕" panose="020B0503020000020004" pitchFamily="50" charset="-127"/>
               </a:rPr>
-              <a:t>컴파운드</a:t>
+              <a:t>컴파운드 보우</a:t>
             </a:r>
-            <a:r>
-              <a:rPr lang="ko-KR" altLang="en-US" sz="1550" dirty="0">
-                <a:solidFill>
-                  <a:schemeClr val="tx1">
-                    <a:lumMod val="95000"/>
-                    <a:lumOff val="5000"/>
-                  </a:schemeClr>
-                </a:solidFill>
-                <a:effectLst>
-                  <a:outerShdw blurRad="38100" dist="38100" dir="2700000" algn="tl">
-                    <a:srgbClr val="000000">
-                      <a:alpha val="43137"/>
-                    </a:srgbClr>
-                  </a:outerShdw>
-                </a:effectLst>
-                <a:latin typeface="맑은 고딕" panose="020B0503020000020004" pitchFamily="50" charset="-127"/>
-                <a:ea typeface="맑은 고딕" panose="020B0503020000020004" pitchFamily="50" charset="-127"/>
-              </a:rPr>
-              <a:t> 보우</a:t>
-            </a:r>
-            <a:endParaRPr lang="en-US" altLang="ko-KR" sz="1550" dirty="0">
+            <a:endParaRPr lang="en-US" altLang="ko-KR" sz="1550" strike="sngStrike" dirty="0">
               <a:solidFill>
                 <a:schemeClr val="tx1">
                   <a:lumMod val="95000"/>
@@ -8468,7 +8336,7 @@
               <a:buAutoNum type="alphaUcPeriod"/>
             </a:pPr>
             <a:r>
-              <a:rPr lang="ko-KR" altLang="en-US" sz="1550" dirty="0" err="1">
+              <a:rPr lang="ko-KR" altLang="en-US" sz="1550" strike="sngStrike" dirty="0">
                 <a:solidFill>
                   <a:schemeClr val="tx1">
                     <a:lumMod val="95000"/>
@@ -8487,7 +8355,7 @@
               </a:rPr>
               <a:t>비래골</a:t>
             </a:r>
-            <a:endParaRPr lang="en-US" altLang="ko-KR" sz="1550" dirty="0">
+            <a:endParaRPr lang="en-US" altLang="ko-KR" sz="1550" strike="sngStrike" dirty="0">
               <a:solidFill>
                 <a:schemeClr val="tx1">
                   <a:lumMod val="95000"/>
@@ -8514,7 +8382,7 @@
               <a:buAutoNum type="alphaUcPeriod"/>
             </a:pPr>
             <a:r>
-              <a:rPr lang="ko-KR" altLang="en-US" sz="1550" dirty="0">
+              <a:rPr lang="ko-KR" altLang="en-US" sz="1550" strike="sngStrike" dirty="0">
                 <a:solidFill>
                   <a:schemeClr val="tx1">
                     <a:lumMod val="95000"/>
@@ -8533,7 +8401,7 @@
               </a:rPr>
               <a:t>바나나</a:t>
             </a:r>
-            <a:endParaRPr lang="en-US" altLang="ko-KR" sz="1550" dirty="0">
+            <a:endParaRPr lang="en-US" altLang="ko-KR" sz="1550" strike="sngStrike" dirty="0">
               <a:solidFill>
                 <a:schemeClr val="tx1">
                   <a:lumMod val="95000"/>
@@ -8560,7 +8428,7 @@
               <a:buAutoNum type="alphaUcPeriod"/>
             </a:pPr>
             <a:r>
-              <a:rPr lang="ko-KR" altLang="en-US" sz="1550" dirty="0" err="1">
+              <a:rPr lang="ko-KR" altLang="en-US" sz="1550" strike="sngStrike" dirty="0">
                 <a:solidFill>
                   <a:schemeClr val="tx1">
                     <a:lumMod val="95000"/>
@@ -8577,30 +8445,10 @@
                 <a:latin typeface="맑은 고딕" panose="020B0503020000020004" pitchFamily="50" charset="-127"/>
                 <a:ea typeface="맑은 고딕" panose="020B0503020000020004" pitchFamily="50" charset="-127"/>
               </a:rPr>
-              <a:t>아지노스의</a:t>
+              <a:t>아지노스의 </a:t>
             </a:r>
             <a:r>
-              <a:rPr lang="ko-KR" altLang="en-US" sz="1550" dirty="0">
-                <a:solidFill>
-                  <a:schemeClr val="tx1">
-                    <a:lumMod val="95000"/>
-                    <a:lumOff val="5000"/>
-                  </a:schemeClr>
-                </a:solidFill>
-                <a:effectLst>
-                  <a:outerShdw blurRad="38100" dist="38100" dir="2700000" algn="tl">
-                    <a:srgbClr val="000000">
-                      <a:alpha val="43137"/>
-                    </a:srgbClr>
-                  </a:outerShdw>
-                </a:effectLst>
-                <a:latin typeface="맑은 고딕" panose="020B0503020000020004" pitchFamily="50" charset="-127"/>
-                <a:ea typeface="맑은 고딕" panose="020B0503020000020004" pitchFamily="50" charset="-127"/>
-              </a:rPr>
-              <a:t> </a:t>
-            </a:r>
-            <a:r>
-              <a:rPr lang="ko-KR" altLang="en-US" sz="1550" dirty="0" err="1">
+              <a:rPr lang="ko-KR" altLang="en-US" sz="1550" strike="sngStrike" dirty="0" err="1">
                 <a:solidFill>
                   <a:schemeClr val="tx1">
                     <a:lumMod val="95000"/>
@@ -8619,7 +8467,7 @@
               </a:rPr>
               <a:t>전투검</a:t>
             </a:r>
-            <a:endParaRPr lang="en-US" altLang="ko-KR" sz="1550" dirty="0">
+            <a:endParaRPr lang="en-US" altLang="ko-KR" sz="1550" strike="sngStrike" dirty="0">
               <a:solidFill>
                 <a:schemeClr val="tx1">
                   <a:lumMod val="95000"/>
@@ -9022,7 +8870,7 @@
               <a:buAutoNum type="alphaUcPeriod"/>
             </a:pPr>
             <a:r>
-              <a:rPr lang="ko-KR" altLang="en-US" sz="1550" dirty="0">
+              <a:rPr lang="ko-KR" altLang="en-US" sz="1550" strike="sngStrike" dirty="0">
                 <a:solidFill>
                   <a:schemeClr val="tx1">
                     <a:lumMod val="95000"/>
@@ -9041,7 +8889,7 @@
               </a:rPr>
               <a:t>시계탑</a:t>
             </a:r>
-            <a:endParaRPr lang="en-US" altLang="ko-KR" sz="1550" dirty="0">
+            <a:endParaRPr lang="en-US" altLang="ko-KR" sz="1550" strike="sngStrike" dirty="0">
               <a:solidFill>
                 <a:schemeClr val="tx1">
                   <a:lumMod val="95000"/>
@@ -9369,7 +9217,7 @@
               <a:buAutoNum type="alphaUcPeriod"/>
             </a:pPr>
             <a:r>
-              <a:rPr lang="en-US" altLang="ko-KR" sz="1550" dirty="0">
+              <a:rPr lang="en-US" altLang="ko-KR" sz="1550" strike="sngStrike" dirty="0">
                 <a:solidFill>
                   <a:schemeClr val="tx1">
                     <a:lumMod val="95000"/>
@@ -38611,7 +38459,7 @@
               <a:buAutoNum type="alphaUcPeriod"/>
             </a:pPr>
             <a:r>
-              <a:rPr lang="ko-KR" altLang="en-US" sz="1750" i="0" dirty="0">
+              <a:rPr lang="ko-KR" altLang="en-US" sz="1750" i="0" strike="sngStrike" dirty="0">
                 <a:solidFill>
                   <a:schemeClr val="tx1">
                     <a:lumMod val="95000"/>
@@ -38630,7 +38478,7 @@
               </a:rPr>
               <a:t>우측 클릭 이동</a:t>
             </a:r>
-            <a:endParaRPr lang="en-US" altLang="ko-KR" sz="1750" i="0" dirty="0">
+            <a:endParaRPr lang="en-US" altLang="ko-KR" sz="1750" i="0" strike="sngStrike" dirty="0">
               <a:solidFill>
                 <a:schemeClr val="tx1">
                   <a:lumMod val="95000"/>
@@ -38872,7 +38720,7 @@
               <a:buAutoNum type="alphaUcPeriod"/>
             </a:pPr>
             <a:r>
-              <a:rPr lang="ko-KR" altLang="en-US" sz="1750" dirty="0">
+              <a:rPr lang="ko-KR" altLang="en-US" sz="1750" strike="sngStrike" dirty="0">
                 <a:solidFill>
                   <a:schemeClr val="tx1">
                     <a:lumMod val="95000"/>
@@ -38892,7 +38740,7 @@
               <a:t>아이콘 </a:t>
             </a:r>
             <a:r>
-              <a:rPr lang="en-US" altLang="ko-KR" sz="1750" dirty="0">
+              <a:rPr lang="en-US" altLang="ko-KR" sz="1750" strike="sngStrike" dirty="0">
                 <a:solidFill>
                   <a:schemeClr val="tx1">
                     <a:lumMod val="95000"/>
@@ -38912,7 +38760,7 @@
               <a:t>(Minion </a:t>
             </a:r>
             <a:r>
-              <a:rPr lang="ko-KR" altLang="en-US" sz="1750" dirty="0">
+              <a:rPr lang="ko-KR" altLang="en-US" sz="1750" strike="sngStrike" dirty="0">
                 <a:solidFill>
                   <a:schemeClr val="tx1">
                     <a:lumMod val="95000"/>
@@ -38932,7 +38780,7 @@
               <a:t>팀 구별 </a:t>
             </a:r>
             <a:r>
-              <a:rPr lang="en-US" altLang="ko-KR" sz="1750" dirty="0">
+              <a:rPr lang="en-US" altLang="ko-KR" sz="1750" strike="sngStrike" dirty="0">
                 <a:solidFill>
                   <a:schemeClr val="tx1">
                     <a:lumMod val="95000"/>
@@ -38952,7 +38800,7 @@
               <a:t>/ </a:t>
             </a:r>
             <a:r>
-              <a:rPr lang="ko-KR" altLang="en-US" sz="1750" dirty="0">
+              <a:rPr lang="ko-KR" altLang="en-US" sz="1750" strike="sngStrike" dirty="0">
                 <a:solidFill>
                   <a:schemeClr val="tx1">
                     <a:lumMod val="95000"/>
@@ -38972,7 +38820,7 @@
               <a:t>색상</a:t>
             </a:r>
             <a:r>
-              <a:rPr lang="en-US" altLang="ko-KR" sz="1750" dirty="0">
+              <a:rPr lang="en-US" altLang="ko-KR" sz="1750" strike="sngStrike" dirty="0">
                 <a:solidFill>
                   <a:schemeClr val="tx1">
                     <a:lumMod val="95000"/>

--- a/진행사항.pptx
+++ b/진행사항.pptx
@@ -224,7 +224,7 @@
           <a:p>
             <a:fld id="{174CF4B6-C8D6-438C-8B7D-E8AF3EC6F65B}" type="datetimeFigureOut">
               <a:rPr lang="ko-KR" altLang="en-US" smtClean="0"/>
-              <a:t>2018-06-17</a:t>
+              <a:t>2018-07-15</a:t>
             </a:fld>
             <a:endParaRPr lang="ko-KR" altLang="en-US"/>
           </a:p>
@@ -660,7 +660,7 @@
           <a:p>
             <a:fld id="{997C0C2C-FB57-479D-BE7F-6EC34BF7043C}" type="datetime1">
               <a:rPr lang="en-US" altLang="ko-KR" smtClean="0"/>
-              <a:t>6/17/2018</a:t>
+              <a:t>7/15/2018</a:t>
             </a:fld>
             <a:endParaRPr lang="en-US" dirty="0"/>
           </a:p>
@@ -991,7 +991,7 @@
           <a:p>
             <a:fld id="{047308E6-C353-4980-BC35-3BA553F61D46}" type="datetime1">
               <a:rPr lang="en-US" altLang="ko-KR" smtClean="0"/>
-              <a:t>6/17/2018</a:t>
+              <a:t>7/15/2018</a:t>
             </a:fld>
             <a:endParaRPr lang="en-US" dirty="0"/>
           </a:p>
@@ -1171,7 +1171,7 @@
           <a:p>
             <a:fld id="{925E33ED-602B-46D4-AC4E-A3EC8D1FE08B}" type="datetime1">
               <a:rPr lang="en-US" altLang="ko-KR" smtClean="0"/>
-              <a:t>6/17/2018</a:t>
+              <a:t>7/15/2018</a:t>
             </a:fld>
             <a:endParaRPr lang="en-US" dirty="0"/>
           </a:p>
@@ -1341,7 +1341,7 @@
           <a:p>
             <a:fld id="{CDCA6F40-FDE7-4477-94C1-42AFCA093BA3}" type="datetime1">
               <a:rPr lang="en-US" altLang="ko-KR" smtClean="0"/>
-              <a:t>6/17/2018</a:t>
+              <a:t>7/15/2018</a:t>
             </a:fld>
             <a:endParaRPr lang="en-US" dirty="0"/>
           </a:p>
@@ -1619,7 +1619,7 @@
           <a:p>
             <a:fld id="{E5AD4DDD-EA1C-4615-97C2-D68EC457B4CF}" type="datetime1">
               <a:rPr lang="en-US" altLang="ko-KR" smtClean="0"/>
-              <a:t>6/17/2018</a:t>
+              <a:t>7/15/2018</a:t>
             </a:fld>
             <a:endParaRPr lang="en-US" dirty="0"/>
           </a:p>
@@ -2070,7 +2070,7 @@
           <a:p>
             <a:fld id="{CA0F03C5-1E3C-44BE-9E2F-087D284D2C5D}" type="datetime1">
               <a:rPr lang="en-US" altLang="ko-KR" smtClean="0"/>
-              <a:t>6/17/2018</a:t>
+              <a:t>7/15/2018</a:t>
             </a:fld>
             <a:endParaRPr lang="en-US" dirty="0"/>
           </a:p>
@@ -2547,7 +2547,7 @@
           <a:p>
             <a:fld id="{23CB4308-201A-4967-870E-1ACB91AA6D8E}" type="datetime1">
               <a:rPr lang="en-US" altLang="ko-KR" smtClean="0"/>
-              <a:t>6/17/2018</a:t>
+              <a:t>7/15/2018</a:t>
             </a:fld>
             <a:endParaRPr lang="en-US" dirty="0"/>
           </a:p>
@@ -2665,7 +2665,7 @@
           <a:p>
             <a:fld id="{2AE391EA-DA61-4C24-8C9E-58C8105C0CDC}" type="datetime1">
               <a:rPr lang="en-US" altLang="ko-KR" smtClean="0"/>
-              <a:t>6/17/2018</a:t>
+              <a:t>7/15/2018</a:t>
             </a:fld>
             <a:endParaRPr lang="en-US" dirty="0"/>
           </a:p>
@@ -2760,7 +2760,7 @@
           <a:p>
             <a:fld id="{14CF23BC-FE77-4485-B606-6CBA74C5D36E}" type="datetime1">
               <a:rPr lang="en-US" altLang="ko-KR" smtClean="0"/>
-              <a:t>6/17/2018</a:t>
+              <a:t>7/15/2018</a:t>
             </a:fld>
             <a:endParaRPr lang="en-US" dirty="0"/>
           </a:p>
@@ -3108,7 +3108,7 @@
           <a:p>
             <a:fld id="{808D6C14-1859-4DDA-AD38-00DE62AE1826}" type="datetime1">
               <a:rPr lang="en-US" altLang="ko-KR" smtClean="0"/>
-              <a:t>6/17/2018</a:t>
+              <a:t>7/15/2018</a:t>
             </a:fld>
             <a:endParaRPr lang="en-US" dirty="0"/>
           </a:p>
@@ -3537,7 +3537,7 @@
           <a:p>
             <a:fld id="{AE734E95-C037-429B-8B5F-D0FAB25DE16C}" type="datetime1">
               <a:rPr lang="en-US" altLang="ko-KR" smtClean="0"/>
-              <a:t>6/17/2018</a:t>
+              <a:t>7/15/2018</a:t>
             </a:fld>
             <a:endParaRPr lang="en-US" dirty="0"/>
           </a:p>
@@ -3854,7 +3854,7 @@
           <a:p>
             <a:fld id="{E0770D22-4CCF-46DD-9D25-F19CC4764808}" type="datetime1">
               <a:rPr lang="en-US" altLang="ko-KR" smtClean="0"/>
-              <a:t>6/17/2018</a:t>
+              <a:t>7/15/2018</a:t>
             </a:fld>
             <a:endParaRPr lang="en-US" dirty="0"/>
           </a:p>
@@ -6434,6 +6434,52 @@
             </a:r>
           </a:p>
           <a:p>
+            <a:pPr marL="1330452" lvl="2" indent="-342900">
+              <a:lnSpc>
+                <a:spcPct val="160000"/>
+              </a:lnSpc>
+              <a:buFont typeface="+mj-lt"/>
+              <a:buAutoNum type="alphaUcPeriod"/>
+            </a:pPr>
+            <a:r>
+              <a:rPr lang="ko-KR" altLang="en-US" sz="1550" strike="sngStrike" dirty="0">
+                <a:solidFill>
+                  <a:schemeClr val="tx1">
+                    <a:lumMod val="95000"/>
+                    <a:lumOff val="5000"/>
+                  </a:schemeClr>
+                </a:solidFill>
+                <a:effectLst>
+                  <a:outerShdw blurRad="38100" dist="38100" dir="2700000" algn="tl">
+                    <a:srgbClr val="000000">
+                      <a:alpha val="43137"/>
+                    </a:srgbClr>
+                  </a:outerShdw>
+                </a:effectLst>
+                <a:latin typeface="맑은 고딕" panose="020B0503020000020004" pitchFamily="50" charset="-127"/>
+                <a:ea typeface="맑은 고딕" panose="020B0503020000020004" pitchFamily="50" charset="-127"/>
+              </a:rPr>
+              <a:t>선택된 특성 확인</a:t>
+            </a:r>
+            <a:endParaRPr lang="en-US" altLang="ko-KR" sz="1550" strike="sngStrike" dirty="0">
+              <a:solidFill>
+                <a:schemeClr val="tx1">
+                  <a:lumMod val="95000"/>
+                  <a:lumOff val="5000"/>
+                </a:schemeClr>
+              </a:solidFill>
+              <a:effectLst>
+                <a:outerShdw blurRad="38100" dist="38100" dir="2700000" algn="tl">
+                  <a:srgbClr val="000000">
+                    <a:alpha val="43137"/>
+                  </a:srgbClr>
+                </a:outerShdw>
+              </a:effectLst>
+              <a:latin typeface="맑은 고딕" panose="020B0503020000020004" pitchFamily="50" charset="-127"/>
+              <a:ea typeface="맑은 고딕" panose="020B0503020000020004" pitchFamily="50" charset="-127"/>
+            </a:endParaRPr>
+          </a:p>
+          <a:p>
             <a:pPr marL="873252" lvl="1" indent="-342900">
               <a:lnSpc>
                 <a:spcPct val="160000"/>
@@ -6622,7 +6668,7 @@
         </p:spPr>
         <p:txBody>
           <a:bodyPr>
-            <a:normAutofit lnSpcReduction="10000"/>
+            <a:normAutofit fontScale="92500" lnSpcReduction="10000"/>
           </a:bodyPr>
           <a:lstStyle/>
           <a:p>
@@ -6663,12 +6709,9 @@
               <a:buAutoNum type="alphaUcPeriod"/>
             </a:pPr>
             <a:r>
-              <a:rPr lang="ko-KR" altLang="en-US" sz="1750" i="0" dirty="0" err="1">
+              <a:rPr lang="ko-KR" altLang="en-US" sz="1750" i="0" strike="dblStrike" dirty="0" err="1">
                 <a:solidFill>
-                  <a:schemeClr val="tx1">
-                    <a:lumMod val="95000"/>
-                    <a:lumOff val="5000"/>
-                  </a:schemeClr>
+                  <a:srgbClr val="FF0000"/>
                 </a:solidFill>
                 <a:effectLst>
                   <a:outerShdw blurRad="38100" dist="38100" dir="2700000" algn="tl">
@@ -6682,12 +6725,120 @@
               </a:rPr>
               <a:t>스테이터스</a:t>
             </a:r>
-            <a:endParaRPr lang="en-US" altLang="ko-KR" sz="1750" i="0" dirty="0">
+            <a:r>
+              <a:rPr lang="ko-KR" altLang="en-US" sz="1750" i="0" dirty="0">
+                <a:solidFill>
+                  <a:srgbClr val="FF0000"/>
+                </a:solidFill>
+                <a:effectLst>
+                  <a:outerShdw blurRad="38100" dist="38100" dir="2700000" algn="tl">
+                    <a:srgbClr val="000000">
+                      <a:alpha val="43137"/>
+                    </a:srgbClr>
+                  </a:outerShdw>
+                </a:effectLst>
+                <a:latin typeface="맑은 고딕" panose="020B0503020000020004" pitchFamily="50" charset="-127"/>
+                <a:ea typeface="맑은 고딕" panose="020B0503020000020004" pitchFamily="50" charset="-127"/>
+              </a:rPr>
+              <a:t> </a:t>
+            </a:r>
+            <a:r>
+              <a:rPr lang="en-US" altLang="ko-KR" sz="1750" i="0" dirty="0">
+                <a:solidFill>
+                  <a:srgbClr val="FF0000"/>
+                </a:solidFill>
+                <a:effectLst>
+                  <a:outerShdw blurRad="38100" dist="38100" dir="2700000" algn="tl">
+                    <a:srgbClr val="000000">
+                      <a:alpha val="43137"/>
+                    </a:srgbClr>
+                  </a:outerShdw>
+                </a:effectLst>
+                <a:latin typeface="맑은 고딕" panose="020B0503020000020004" pitchFamily="50" charset="-127"/>
+                <a:ea typeface="맑은 고딕" panose="020B0503020000020004" pitchFamily="50" charset="-127"/>
+              </a:rPr>
+              <a:t>(</a:t>
+            </a:r>
+            <a:r>
+              <a:rPr lang="ko-KR" altLang="en-US" sz="1750" i="0" dirty="0">
+                <a:solidFill>
+                  <a:srgbClr val="FF0000"/>
+                </a:solidFill>
+                <a:effectLst>
+                  <a:outerShdw blurRad="38100" dist="38100" dir="2700000" algn="tl">
+                    <a:srgbClr val="000000">
+                      <a:alpha val="43137"/>
+                    </a:srgbClr>
+                  </a:outerShdw>
+                </a:effectLst>
+                <a:latin typeface="맑은 고딕" panose="020B0503020000020004" pitchFamily="50" charset="-127"/>
+                <a:ea typeface="맑은 고딕" panose="020B0503020000020004" pitchFamily="50" charset="-127"/>
+              </a:rPr>
+              <a:t>불필요 삭제</a:t>
+            </a:r>
+            <a:r>
+              <a:rPr lang="en-US" altLang="ko-KR" sz="1750" i="0" dirty="0">
+                <a:solidFill>
+                  <a:srgbClr val="FF0000"/>
+                </a:solidFill>
+                <a:effectLst>
+                  <a:outerShdw blurRad="38100" dist="38100" dir="2700000" algn="tl">
+                    <a:srgbClr val="000000">
+                      <a:alpha val="43137"/>
+                    </a:srgbClr>
+                  </a:outerShdw>
+                </a:effectLst>
+                <a:latin typeface="맑은 고딕" panose="020B0503020000020004" pitchFamily="50" charset="-127"/>
+                <a:ea typeface="맑은 고딕" panose="020B0503020000020004" pitchFamily="50" charset="-127"/>
+              </a:rPr>
+              <a:t>)</a:t>
+            </a:r>
+          </a:p>
+          <a:p>
+            <a:pPr marL="1444752" lvl="2" indent="-457200">
+              <a:lnSpc>
+                <a:spcPct val="160000"/>
+              </a:lnSpc>
+              <a:buFont typeface="+mj-lt"/>
+              <a:buAutoNum type="alphaUcPeriod"/>
+            </a:pPr>
+            <a:r>
+              <a:rPr lang="en-US" altLang="ko-KR" sz="1350" strike="dblStrike" dirty="0">
+                <a:solidFill>
+                  <a:srgbClr val="FF0000"/>
+                </a:solidFill>
+                <a:effectLst>
+                  <a:outerShdw blurRad="38100" dist="38100" dir="2700000" algn="tl">
+                    <a:srgbClr val="000000">
+                      <a:alpha val="43137"/>
+                    </a:srgbClr>
+                  </a:outerShdw>
+                </a:effectLst>
+                <a:latin typeface="맑은 고딕" panose="020B0503020000020004" pitchFamily="50" charset="-127"/>
+                <a:ea typeface="맑은 고딕" panose="020B0503020000020004" pitchFamily="50" charset="-127"/>
+              </a:rPr>
+              <a:t>HP</a:t>
+            </a:r>
+            <a:r>
+              <a:rPr lang="ko-KR" altLang="en-US" sz="1350" strike="dblStrike" dirty="0">
+                <a:solidFill>
+                  <a:srgbClr val="FF0000"/>
+                </a:solidFill>
+                <a:effectLst>
+                  <a:outerShdw blurRad="38100" dist="38100" dir="2700000" algn="tl">
+                    <a:srgbClr val="000000">
+                      <a:alpha val="43137"/>
+                    </a:srgbClr>
+                  </a:outerShdw>
+                </a:effectLst>
+                <a:latin typeface="맑은 고딕" panose="020B0503020000020004" pitchFamily="50" charset="-127"/>
+                <a:ea typeface="맑은 고딕" panose="020B0503020000020004" pitchFamily="50" charset="-127"/>
+              </a:rPr>
+              <a:t> 게이지</a:t>
+            </a:r>
+            <a:endParaRPr lang="en-US" altLang="ko-KR" sz="1350" strike="dblStrike" dirty="0">
               <a:solidFill>
-                <a:schemeClr val="tx1">
-                  <a:lumMod val="95000"/>
-                  <a:lumOff val="5000"/>
-                </a:schemeClr>
+                <a:srgbClr val="FF0000"/>
               </a:solidFill>
               <a:effectLst>
                 <a:outerShdw blurRad="38100" dist="38100" dir="2700000" algn="tl">
@@ -6709,12 +6860,9 @@
               <a:buAutoNum type="alphaUcPeriod"/>
             </a:pPr>
             <a:r>
-              <a:rPr lang="en-US" altLang="ko-KR" sz="1350" dirty="0">
+              <a:rPr lang="en-US" altLang="ko-KR" sz="1350" strike="dblStrike" dirty="0">
                 <a:solidFill>
-                  <a:schemeClr val="tx1">
-                    <a:lumMod val="95000"/>
-                    <a:lumOff val="5000"/>
-                  </a:schemeClr>
+                  <a:srgbClr val="FF0000"/>
                 </a:solidFill>
                 <a:effectLst>
                   <a:outerShdw blurRad="38100" dist="38100" dir="2700000" algn="tl">
@@ -6726,15 +6874,12 @@
                 <a:latin typeface="맑은 고딕" panose="020B0503020000020004" pitchFamily="50" charset="-127"/>
                 <a:ea typeface="맑은 고딕" panose="020B0503020000020004" pitchFamily="50" charset="-127"/>
               </a:rPr>
-              <a:t>HP</a:t>
+              <a:t>MP </a:t>
             </a:r>
             <a:r>
-              <a:rPr lang="ko-KR" altLang="en-US" sz="1350" dirty="0">
+              <a:rPr lang="ko-KR" altLang="en-US" sz="1350" strike="dblStrike" dirty="0">
                 <a:solidFill>
-                  <a:schemeClr val="tx1">
-                    <a:lumMod val="95000"/>
-                    <a:lumOff val="5000"/>
-                  </a:schemeClr>
+                  <a:srgbClr val="FF0000"/>
                 </a:solidFill>
                 <a:effectLst>
                   <a:outerShdw blurRad="38100" dist="38100" dir="2700000" algn="tl">
@@ -6746,14 +6891,11 @@
                 <a:latin typeface="맑은 고딕" panose="020B0503020000020004" pitchFamily="50" charset="-127"/>
                 <a:ea typeface="맑은 고딕" panose="020B0503020000020004" pitchFamily="50" charset="-127"/>
               </a:rPr>
-              <a:t> 게이지</a:t>
+              <a:t>게이지</a:t>
             </a:r>
-            <a:endParaRPr lang="en-US" altLang="ko-KR" sz="1350" dirty="0">
+            <a:endParaRPr lang="en-US" altLang="ko-KR" sz="1350" strike="dblStrike" dirty="0">
               <a:solidFill>
-                <a:schemeClr val="tx1">
-                  <a:lumMod val="95000"/>
-                  <a:lumOff val="5000"/>
-                </a:schemeClr>
+                <a:srgbClr val="FF0000"/>
               </a:solidFill>
               <a:effectLst>
                 <a:outerShdw blurRad="38100" dist="38100" dir="2700000" algn="tl">
@@ -6775,12 +6917,9 @@
               <a:buAutoNum type="alphaUcPeriod"/>
             </a:pPr>
             <a:r>
-              <a:rPr lang="en-US" altLang="ko-KR" sz="1350" dirty="0">
+              <a:rPr lang="ko-KR" altLang="en-US" sz="1350" strike="dblStrike" dirty="0" err="1">
                 <a:solidFill>
-                  <a:schemeClr val="tx1">
-                    <a:lumMod val="95000"/>
-                    <a:lumOff val="5000"/>
-                  </a:schemeClr>
+                  <a:srgbClr val="FF0000"/>
                 </a:solidFill>
                 <a:effectLst>
                   <a:outerShdw blurRad="38100" dist="38100" dir="2700000" algn="tl">
@@ -6792,15 +6931,12 @@
                 <a:latin typeface="맑은 고딕" panose="020B0503020000020004" pitchFamily="50" charset="-127"/>
                 <a:ea typeface="맑은 고딕" panose="020B0503020000020004" pitchFamily="50" charset="-127"/>
               </a:rPr>
-              <a:t>MP </a:t>
+              <a:t>스테이터스</a:t>
             </a:r>
             <a:r>
-              <a:rPr lang="ko-KR" altLang="en-US" sz="1350" dirty="0">
+              <a:rPr lang="ko-KR" altLang="en-US" sz="1350" strike="dblStrike" dirty="0">
                 <a:solidFill>
-                  <a:schemeClr val="tx1">
-                    <a:lumMod val="95000"/>
-                    <a:lumOff val="5000"/>
-                  </a:schemeClr>
+                  <a:srgbClr val="FF0000"/>
                 </a:solidFill>
                 <a:effectLst>
                   <a:outerShdw blurRad="38100" dist="38100" dir="2700000" algn="tl">
@@ -6812,14 +6948,11 @@
                 <a:latin typeface="맑은 고딕" panose="020B0503020000020004" pitchFamily="50" charset="-127"/>
                 <a:ea typeface="맑은 고딕" panose="020B0503020000020004" pitchFamily="50" charset="-127"/>
               </a:rPr>
-              <a:t>게이지</a:t>
+              <a:t> 값 출력</a:t>
             </a:r>
-            <a:endParaRPr lang="en-US" altLang="ko-KR" sz="1350" dirty="0">
+            <a:endParaRPr lang="en-US" altLang="ko-KR" sz="1350" strike="dblStrike" dirty="0">
               <a:solidFill>
-                <a:schemeClr val="tx1">
-                  <a:lumMod val="95000"/>
-                  <a:lumOff val="5000"/>
-                </a:schemeClr>
+                <a:srgbClr val="FF0000"/>
               </a:solidFill>
               <a:effectLst>
                 <a:outerShdw blurRad="38100" dist="38100" dir="2700000" algn="tl">
@@ -6841,7 +6974,152 @@
               <a:buAutoNum type="alphaUcPeriod"/>
             </a:pPr>
             <a:r>
-              <a:rPr lang="ko-KR" altLang="en-US" sz="1350" dirty="0" err="1">
+              <a:rPr lang="ko-KR" altLang="en-US" sz="1350" strike="dblStrike" dirty="0">
+                <a:solidFill>
+                  <a:srgbClr val="FF0000"/>
+                </a:solidFill>
+                <a:effectLst>
+                  <a:outerShdw blurRad="38100" dist="38100" dir="2700000" algn="tl">
+                    <a:srgbClr val="000000">
+                      <a:alpha val="43137"/>
+                    </a:srgbClr>
+                  </a:outerShdw>
+                </a:effectLst>
+                <a:latin typeface="맑은 고딕" panose="020B0503020000020004" pitchFamily="50" charset="-127"/>
+                <a:ea typeface="맑은 고딕" panose="020B0503020000020004" pitchFamily="50" charset="-127"/>
+              </a:rPr>
+              <a:t>얼굴 </a:t>
+            </a:r>
+            <a:r>
+              <a:rPr lang="ko-KR" altLang="en-US" sz="1350" strike="dblStrike" dirty="0" err="1">
+                <a:solidFill>
+                  <a:srgbClr val="FF0000"/>
+                </a:solidFill>
+                <a:effectLst>
+                  <a:outerShdw blurRad="38100" dist="38100" dir="2700000" algn="tl">
+                    <a:srgbClr val="000000">
+                      <a:alpha val="43137"/>
+                    </a:srgbClr>
+                  </a:outerShdw>
+                </a:effectLst>
+                <a:latin typeface="맑은 고딕" panose="020B0503020000020004" pitchFamily="50" charset="-127"/>
+                <a:ea typeface="맑은 고딕" panose="020B0503020000020004" pitchFamily="50" charset="-127"/>
+              </a:rPr>
+              <a:t>텍스쳐</a:t>
+            </a:r>
+            <a:r>
+              <a:rPr lang="ko-KR" altLang="en-US" sz="1350" strike="dblStrike" dirty="0">
+                <a:solidFill>
+                  <a:srgbClr val="FF0000"/>
+                </a:solidFill>
+                <a:effectLst>
+                  <a:outerShdw blurRad="38100" dist="38100" dir="2700000" algn="tl">
+                    <a:srgbClr val="000000">
+                      <a:alpha val="43137"/>
+                    </a:srgbClr>
+                  </a:outerShdw>
+                </a:effectLst>
+                <a:latin typeface="맑은 고딕" panose="020B0503020000020004" pitchFamily="50" charset="-127"/>
+                <a:ea typeface="맑은 고딕" panose="020B0503020000020004" pitchFamily="50" charset="-127"/>
+              </a:rPr>
+              <a:t> </a:t>
+            </a:r>
+            <a:r>
+              <a:rPr lang="en-US" altLang="ko-KR" sz="1350" strike="dblStrike" dirty="0">
+                <a:solidFill>
+                  <a:srgbClr val="FF0000"/>
+                </a:solidFill>
+                <a:effectLst>
+                  <a:outerShdw blurRad="38100" dist="38100" dir="2700000" algn="tl">
+                    <a:srgbClr val="000000">
+                      <a:alpha val="43137"/>
+                    </a:srgbClr>
+                  </a:outerShdw>
+                </a:effectLst>
+                <a:latin typeface="맑은 고딕" panose="020B0503020000020004" pitchFamily="50" charset="-127"/>
+                <a:ea typeface="맑은 고딕" panose="020B0503020000020004" pitchFamily="50" charset="-127"/>
+              </a:rPr>
+              <a:t>(</a:t>
+            </a:r>
+            <a:r>
+              <a:rPr lang="ko-KR" altLang="en-US" sz="1350" strike="dblStrike" dirty="0">
+                <a:solidFill>
+                  <a:srgbClr val="FF0000"/>
+                </a:solidFill>
+                <a:effectLst>
+                  <a:outerShdw blurRad="38100" dist="38100" dir="2700000" algn="tl">
+                    <a:srgbClr val="000000">
+                      <a:alpha val="43137"/>
+                    </a:srgbClr>
+                  </a:outerShdw>
+                </a:effectLst>
+                <a:latin typeface="맑은 고딕" panose="020B0503020000020004" pitchFamily="50" charset="-127"/>
+                <a:ea typeface="맑은 고딕" panose="020B0503020000020004" pitchFamily="50" charset="-127"/>
+              </a:rPr>
+              <a:t>선택된 오브젝트의 </a:t>
+            </a:r>
+            <a:r>
+              <a:rPr lang="en-US" altLang="ko-KR" sz="1350" strike="dblStrike" dirty="0">
+                <a:solidFill>
+                  <a:srgbClr val="FF0000"/>
+                </a:solidFill>
+                <a:effectLst>
+                  <a:outerShdw blurRad="38100" dist="38100" dir="2700000" algn="tl">
+                    <a:srgbClr val="000000">
+                      <a:alpha val="43137"/>
+                    </a:srgbClr>
+                  </a:outerShdw>
+                </a:effectLst>
+                <a:latin typeface="맑은 고딕" panose="020B0503020000020004" pitchFamily="50" charset="-127"/>
+                <a:ea typeface="맑은 고딕" panose="020B0503020000020004" pitchFamily="50" charset="-127"/>
+              </a:rPr>
+              <a:t>Front </a:t>
+            </a:r>
+            <a:r>
+              <a:rPr lang="ko-KR" altLang="en-US" sz="1350" strike="dblStrike" dirty="0">
+                <a:solidFill>
+                  <a:srgbClr val="FF0000"/>
+                </a:solidFill>
+                <a:effectLst>
+                  <a:outerShdw blurRad="38100" dist="38100" dir="2700000" algn="tl">
+                    <a:srgbClr val="000000">
+                      <a:alpha val="43137"/>
+                    </a:srgbClr>
+                  </a:outerShdw>
+                </a:effectLst>
+                <a:latin typeface="맑은 고딕" panose="020B0503020000020004" pitchFamily="50" charset="-127"/>
+                <a:ea typeface="맑은 고딕" panose="020B0503020000020004" pitchFamily="50" charset="-127"/>
+              </a:rPr>
+              <a:t>샷 정보 </a:t>
+            </a:r>
+            <a:r>
+              <a:rPr lang="en-US" altLang="ko-KR" sz="1350" strike="dblStrike" dirty="0">
+                <a:solidFill>
+                  <a:srgbClr val="FF0000"/>
+                </a:solidFill>
+                <a:effectLst>
+                  <a:outerShdw blurRad="38100" dist="38100" dir="2700000" algn="tl">
+                    <a:srgbClr val="000000">
+                      <a:alpha val="43137"/>
+                    </a:srgbClr>
+                  </a:outerShdw>
+                </a:effectLst>
+                <a:latin typeface="맑은 고딕" panose="020B0503020000020004" pitchFamily="50" charset="-127"/>
+                <a:ea typeface="맑은 고딕" panose="020B0503020000020004" pitchFamily="50" charset="-127"/>
+              </a:rPr>
+              <a:t>)</a:t>
+            </a:r>
+          </a:p>
+          <a:p>
+            <a:pPr marL="987552" lvl="1" indent="-457200">
+              <a:lnSpc>
+                <a:spcPct val="160000"/>
+              </a:lnSpc>
+              <a:buFont typeface="+mj-lt"/>
+              <a:buAutoNum type="alphaUcPeriod"/>
+            </a:pPr>
+            <a:r>
+              <a:rPr lang="en-US" altLang="ko-KR" sz="1550" strike="sngStrike" dirty="0">
                 <a:solidFill>
                   <a:schemeClr val="tx1">
                     <a:lumMod val="95000"/>
@@ -6858,10 +7136,10 @@
                 <a:latin typeface="맑은 고딕" panose="020B0503020000020004" pitchFamily="50" charset="-127"/>
                 <a:ea typeface="맑은 고딕" panose="020B0503020000020004" pitchFamily="50" charset="-127"/>
               </a:rPr>
-              <a:t>스테이터스</a:t>
+              <a:t>KDA, </a:t>
             </a:r>
             <a:r>
-              <a:rPr lang="ko-KR" altLang="en-US" sz="1350" dirty="0">
+              <a:rPr lang="ko-KR" altLang="en-US" sz="1550" strike="sngStrike" dirty="0">
                 <a:solidFill>
                   <a:schemeClr val="tx1">
                     <a:lumMod val="95000"/>
@@ -6878,36 +7156,10 @@
                 <a:latin typeface="맑은 고딕" panose="020B0503020000020004" pitchFamily="50" charset="-127"/>
                 <a:ea typeface="맑은 고딕" panose="020B0503020000020004" pitchFamily="50" charset="-127"/>
               </a:rPr>
-              <a:t> 값 출력</a:t>
+              <a:t>시간</a:t>
             </a:r>
-            <a:endParaRPr lang="en-US" altLang="ko-KR" sz="1350" dirty="0">
-              <a:solidFill>
-                <a:schemeClr val="tx1">
-                  <a:lumMod val="95000"/>
-                  <a:lumOff val="5000"/>
-                </a:schemeClr>
-              </a:solidFill>
-              <a:effectLst>
-                <a:outerShdw blurRad="38100" dist="38100" dir="2700000" algn="tl">
-                  <a:srgbClr val="000000">
-                    <a:alpha val="43137"/>
-                  </a:srgbClr>
-                </a:outerShdw>
-              </a:effectLst>
-              <a:latin typeface="맑은 고딕" panose="020B0503020000020004" pitchFamily="50" charset="-127"/>
-              <a:ea typeface="맑은 고딕" panose="020B0503020000020004" pitchFamily="50" charset="-127"/>
-            </a:endParaRPr>
-          </a:p>
-          <a:p>
-            <a:pPr marL="1444752" lvl="2" indent="-457200">
-              <a:lnSpc>
-                <a:spcPct val="160000"/>
-              </a:lnSpc>
-              <a:buFont typeface="+mj-lt"/>
-              <a:buAutoNum type="alphaUcPeriod"/>
-            </a:pPr>
             <a:r>
-              <a:rPr lang="ko-KR" altLang="en-US" sz="1350" dirty="0">
+              <a:rPr lang="en-US" altLang="ko-KR" sz="1550" strike="sngStrike" dirty="0">
                 <a:solidFill>
                   <a:schemeClr val="tx1">
                     <a:lumMod val="95000"/>
@@ -6924,10 +7176,10 @@
                 <a:latin typeface="맑은 고딕" panose="020B0503020000020004" pitchFamily="50" charset="-127"/>
                 <a:ea typeface="맑은 고딕" panose="020B0503020000020004" pitchFamily="50" charset="-127"/>
               </a:rPr>
-              <a:t>얼굴 </a:t>
+              <a:t>, </a:t>
             </a:r>
             <a:r>
-              <a:rPr lang="ko-KR" altLang="en-US" sz="1350" dirty="0" err="1">
+              <a:rPr lang="ko-KR" altLang="en-US" sz="1550" strike="sngStrike" dirty="0">
                 <a:solidFill>
                   <a:schemeClr val="tx1">
                     <a:lumMod val="95000"/>
@@ -6944,10 +7196,10 @@
                 <a:latin typeface="맑은 고딕" panose="020B0503020000020004" pitchFamily="50" charset="-127"/>
                 <a:ea typeface="맑은 고딕" panose="020B0503020000020004" pitchFamily="50" charset="-127"/>
               </a:rPr>
-              <a:t>텍스쳐</a:t>
+              <a:t>팀 전체 </a:t>
             </a:r>
             <a:r>
-              <a:rPr lang="ko-KR" altLang="en-US" sz="1350" dirty="0">
+              <a:rPr lang="ko-KR" altLang="en-US" sz="1550" strike="sngStrike" dirty="0" err="1">
                 <a:solidFill>
                   <a:schemeClr val="tx1">
                     <a:lumMod val="95000"/>
@@ -6964,10 +7216,30 @@
                 <a:latin typeface="맑은 고딕" panose="020B0503020000020004" pitchFamily="50" charset="-127"/>
                 <a:ea typeface="맑은 고딕" panose="020B0503020000020004" pitchFamily="50" charset="-127"/>
               </a:rPr>
-              <a:t> </a:t>
+              <a:t>킬수</a:t>
             </a:r>
             <a:r>
-              <a:rPr lang="en-US" altLang="ko-KR" sz="1350" dirty="0">
+              <a:rPr lang="ko-KR" altLang="en-US" sz="1550" strike="sngStrike" dirty="0">
+                <a:solidFill>
+                  <a:schemeClr val="tx1">
+                    <a:lumMod val="95000"/>
+                    <a:lumOff val="5000"/>
+                  </a:schemeClr>
+                </a:solidFill>
+                <a:effectLst>
+                  <a:outerShdw blurRad="38100" dist="38100" dir="2700000" algn="tl">
+                    <a:srgbClr val="000000">
+                      <a:alpha val="43137"/>
+                    </a:srgbClr>
+                  </a:outerShdw>
+                </a:effectLst>
+                <a:latin typeface="맑은 고딕" panose="020B0503020000020004" pitchFamily="50" charset="-127"/>
+                <a:ea typeface="맑은 고딕" panose="020B0503020000020004" pitchFamily="50" charset="-127"/>
+              </a:rPr>
+              <a:t> 표시 </a:t>
+            </a:r>
+            <a:r>
+              <a:rPr lang="en-US" altLang="ko-KR" sz="1550" dirty="0">
                 <a:solidFill>
                   <a:schemeClr val="tx1">
                     <a:lumMod val="95000"/>
@@ -6987,7 +7259,7 @@
               <a:t>(</a:t>
             </a:r>
             <a:r>
-              <a:rPr lang="ko-KR" altLang="en-US" sz="1350" dirty="0">
+              <a:rPr lang="ko-KR" altLang="en-US" sz="1550" dirty="0">
                 <a:solidFill>
                   <a:schemeClr val="tx1">
                     <a:lumMod val="95000"/>
@@ -7004,50 +7276,10 @@
                 <a:latin typeface="맑은 고딕" panose="020B0503020000020004" pitchFamily="50" charset="-127"/>
                 <a:ea typeface="맑은 고딕" panose="020B0503020000020004" pitchFamily="50" charset="-127"/>
               </a:rPr>
-              <a:t>선택된 오브젝트의 </a:t>
+              <a:t>필요 추가</a:t>
             </a:r>
             <a:r>
-              <a:rPr lang="en-US" altLang="ko-KR" sz="1350" dirty="0">
-                <a:solidFill>
-                  <a:schemeClr val="tx1">
-                    <a:lumMod val="95000"/>
-                    <a:lumOff val="5000"/>
-                  </a:schemeClr>
-                </a:solidFill>
-                <a:effectLst>
-                  <a:outerShdw blurRad="38100" dist="38100" dir="2700000" algn="tl">
-                    <a:srgbClr val="000000">
-                      <a:alpha val="43137"/>
-                    </a:srgbClr>
-                  </a:outerShdw>
-                </a:effectLst>
-                <a:latin typeface="맑은 고딕" panose="020B0503020000020004" pitchFamily="50" charset="-127"/>
-                <a:ea typeface="맑은 고딕" panose="020B0503020000020004" pitchFamily="50" charset="-127"/>
-              </a:rPr>
-              <a:t>Front </a:t>
-            </a:r>
-            <a:r>
-              <a:rPr lang="ko-KR" altLang="en-US" sz="1350" dirty="0">
-                <a:solidFill>
-                  <a:schemeClr val="tx1">
-                    <a:lumMod val="95000"/>
-                    <a:lumOff val="5000"/>
-                  </a:schemeClr>
-                </a:solidFill>
-                <a:effectLst>
-                  <a:outerShdw blurRad="38100" dist="38100" dir="2700000" algn="tl">
-                    <a:srgbClr val="000000">
-                      <a:alpha val="43137"/>
-                    </a:srgbClr>
-                  </a:outerShdw>
-                </a:effectLst>
-                <a:latin typeface="맑은 고딕" panose="020B0503020000020004" pitchFamily="50" charset="-127"/>
-                <a:ea typeface="맑은 고딕" panose="020B0503020000020004" pitchFamily="50" charset="-127"/>
-              </a:rPr>
-              <a:t>샷 정보 </a:t>
-            </a:r>
-            <a:r>
-              <a:rPr lang="en-US" altLang="ko-KR" sz="1350" dirty="0">
+              <a:rPr lang="en-US" altLang="ko-KR" sz="1550" dirty="0">
                 <a:solidFill>
                   <a:schemeClr val="tx1">
                     <a:lumMod val="95000"/>
@@ -7960,7 +8192,7 @@
               <a:buAutoNum type="alphaUcPeriod"/>
             </a:pPr>
             <a:r>
-              <a:rPr lang="ko-KR" altLang="en-US" sz="1550" dirty="0" err="1">
+              <a:rPr lang="ko-KR" altLang="en-US" sz="1550" strike="sngStrike" dirty="0">
                 <a:solidFill>
                   <a:schemeClr val="tx1">
                     <a:lumMod val="95000"/>
@@ -7979,7 +8211,7 @@
               </a:rPr>
               <a:t>사브르</a:t>
             </a:r>
-            <a:endParaRPr lang="en-US" altLang="ko-KR" sz="1550" dirty="0">
+            <a:endParaRPr lang="en-US" altLang="ko-KR" sz="1550" strike="sngStrike" dirty="0">
               <a:solidFill>
                 <a:schemeClr val="tx1">
                   <a:lumMod val="95000"/>
@@ -9107,13 +9339,13 @@
         </p:nvSpPr>
         <p:spPr>
           <a:xfrm>
-            <a:off x="1028700" y="1828626"/>
-            <a:ext cx="7200900" cy="4377774"/>
+            <a:off x="1028700" y="1232625"/>
+            <a:ext cx="7200900" cy="4973775"/>
           </a:xfrm>
         </p:spPr>
         <p:txBody>
           <a:bodyPr>
-            <a:normAutofit/>
+            <a:normAutofit fontScale="92500"/>
           </a:bodyPr>
           <a:lstStyle/>
           <a:p>
@@ -9125,7 +9357,7 @@
               <a:buAutoNum type="alphaUcPeriod"/>
             </a:pPr>
             <a:r>
-              <a:rPr lang="ko-KR" altLang="en-US" sz="1750" dirty="0">
+              <a:rPr lang="ko-KR" altLang="en-US" sz="900" dirty="0">
                 <a:solidFill>
                   <a:schemeClr val="tx1">
                     <a:lumMod val="95000"/>
@@ -9144,7 +9376,7 @@
               </a:rPr>
               <a:t>모델링</a:t>
             </a:r>
-            <a:endParaRPr lang="en-US" altLang="ko-KR" sz="1750" dirty="0">
+            <a:endParaRPr lang="en-US" altLang="ko-KR" sz="900" dirty="0">
               <a:solidFill>
                 <a:schemeClr val="tx1">
                   <a:lumMod val="95000"/>
@@ -9171,7 +9403,7 @@
               <a:buAutoNum type="alphaUcPeriod"/>
             </a:pPr>
             <a:r>
-              <a:rPr lang="ko-KR" altLang="en-US" sz="1750" dirty="0" err="1">
+              <a:rPr lang="ko-KR" altLang="en-US" sz="900" dirty="0" err="1">
                 <a:solidFill>
                   <a:schemeClr val="tx1">
                     <a:lumMod val="95000"/>
@@ -9190,7 +9422,7 @@
               </a:rPr>
               <a:t>방어구</a:t>
             </a:r>
-            <a:endParaRPr lang="en-US" altLang="ko-KR" sz="1750" dirty="0">
+            <a:endParaRPr lang="en-US" altLang="ko-KR" sz="900" dirty="0">
               <a:solidFill>
                 <a:schemeClr val="tx1">
                   <a:lumMod val="95000"/>
@@ -9217,7 +9449,7 @@
               <a:buAutoNum type="alphaUcPeriod"/>
             </a:pPr>
             <a:r>
-              <a:rPr lang="en-US" altLang="ko-KR" sz="1550" strike="sngStrike" dirty="0">
+              <a:rPr lang="en-US" altLang="ko-KR" sz="800" strike="sngStrike" dirty="0">
                 <a:solidFill>
                   <a:schemeClr val="tx1">
                     <a:lumMod val="95000"/>
@@ -9246,7 +9478,7 @@
               <a:buAutoNum type="alphaUcPeriod"/>
             </a:pPr>
             <a:r>
-              <a:rPr lang="ko-KR" altLang="en-US" sz="1550" dirty="0">
+              <a:rPr lang="ko-KR" altLang="en-US" sz="800" strike="sngStrike" dirty="0" err="1">
                 <a:solidFill>
                   <a:schemeClr val="tx1">
                     <a:lumMod val="95000"/>
@@ -9263,36 +9495,10 @@
                 <a:latin typeface="맑은 고딕" panose="020B0503020000020004" pitchFamily="50" charset="-127"/>
                 <a:ea typeface="맑은 고딕" panose="020B0503020000020004" pitchFamily="50" charset="-127"/>
               </a:rPr>
-              <a:t>머리</a:t>
+              <a:t>철견갑</a:t>
             </a:r>
-            <a:endParaRPr lang="en-US" altLang="ko-KR" sz="1550" dirty="0">
-              <a:solidFill>
-                <a:schemeClr val="tx1">
-                  <a:lumMod val="95000"/>
-                  <a:lumOff val="5000"/>
-                </a:schemeClr>
-              </a:solidFill>
-              <a:effectLst>
-                <a:outerShdw blurRad="38100" dist="38100" dir="2700000" algn="tl">
-                  <a:srgbClr val="000000">
-                    <a:alpha val="43137"/>
-                  </a:srgbClr>
-                </a:outerShdw>
-              </a:effectLst>
-              <a:latin typeface="맑은 고딕" panose="020B0503020000020004" pitchFamily="50" charset="-127"/>
-              <a:ea typeface="맑은 고딕" panose="020B0503020000020004" pitchFamily="50" charset="-127"/>
-            </a:endParaRPr>
-          </a:p>
-          <a:p>
-            <a:pPr marL="1901952" lvl="3" indent="-457200">
-              <a:lnSpc>
-                <a:spcPct val="160000"/>
-              </a:lnSpc>
-              <a:buFont typeface="+mj-lt"/>
-              <a:buAutoNum type="alphaUcPeriod"/>
-            </a:pPr>
             <a:r>
-              <a:rPr lang="ko-KR" altLang="en-US" sz="1550" dirty="0">
+              <a:rPr lang="ko-KR" altLang="en-US" sz="800" strike="sngStrike" dirty="0">
                 <a:solidFill>
                   <a:schemeClr val="tx1">
                     <a:lumMod val="95000"/>
@@ -9309,36 +9515,10 @@
                 <a:latin typeface="맑은 고딕" panose="020B0503020000020004" pitchFamily="50" charset="-127"/>
                 <a:ea typeface="맑은 고딕" panose="020B0503020000020004" pitchFamily="50" charset="-127"/>
               </a:rPr>
-              <a:t>헬멧</a:t>
+              <a:t> </a:t>
             </a:r>
-            <a:endParaRPr lang="en-US" altLang="ko-KR" sz="1550" dirty="0">
-              <a:solidFill>
-                <a:schemeClr val="tx1">
-                  <a:lumMod val="95000"/>
-                  <a:lumOff val="5000"/>
-                </a:schemeClr>
-              </a:solidFill>
-              <a:effectLst>
-                <a:outerShdw blurRad="38100" dist="38100" dir="2700000" algn="tl">
-                  <a:srgbClr val="000000">
-                    <a:alpha val="43137"/>
-                  </a:srgbClr>
-                </a:outerShdw>
-              </a:effectLst>
-              <a:latin typeface="맑은 고딕" panose="020B0503020000020004" pitchFamily="50" charset="-127"/>
-              <a:ea typeface="맑은 고딕" panose="020B0503020000020004" pitchFamily="50" charset="-127"/>
-            </a:endParaRPr>
-          </a:p>
-          <a:p>
-            <a:pPr marL="1901952" lvl="3" indent="-457200">
-              <a:lnSpc>
-                <a:spcPct val="160000"/>
-              </a:lnSpc>
-              <a:buFont typeface="+mj-lt"/>
-              <a:buAutoNum type="alphaUcPeriod"/>
-            </a:pPr>
             <a:r>
-              <a:rPr lang="ko-KR" altLang="en-US" sz="1550" dirty="0">
+              <a:rPr lang="en-US" altLang="ko-KR" sz="800" strike="sngStrike" dirty="0">
                 <a:solidFill>
                   <a:schemeClr val="tx1">
                     <a:lumMod val="95000"/>
@@ -9355,36 +9535,10 @@
                 <a:latin typeface="맑은 고딕" panose="020B0503020000020004" pitchFamily="50" charset="-127"/>
                 <a:ea typeface="맑은 고딕" panose="020B0503020000020004" pitchFamily="50" charset="-127"/>
               </a:rPr>
-              <a:t>궁수모자</a:t>
+              <a:t>(</a:t>
             </a:r>
-            <a:endParaRPr lang="en-US" altLang="ko-KR" sz="1550" dirty="0">
-              <a:solidFill>
-                <a:schemeClr val="tx1">
-                  <a:lumMod val="95000"/>
-                  <a:lumOff val="5000"/>
-                </a:schemeClr>
-              </a:solidFill>
-              <a:effectLst>
-                <a:outerShdw blurRad="38100" dist="38100" dir="2700000" algn="tl">
-                  <a:srgbClr val="000000">
-                    <a:alpha val="43137"/>
-                  </a:srgbClr>
-                </a:outerShdw>
-              </a:effectLst>
-              <a:latin typeface="맑은 고딕" panose="020B0503020000020004" pitchFamily="50" charset="-127"/>
-              <a:ea typeface="맑은 고딕" panose="020B0503020000020004" pitchFamily="50" charset="-127"/>
-            </a:endParaRPr>
-          </a:p>
-          <a:p>
-            <a:pPr marL="1901952" lvl="3" indent="-457200">
-              <a:lnSpc>
-                <a:spcPct val="160000"/>
-              </a:lnSpc>
-              <a:buFont typeface="+mj-lt"/>
-              <a:buAutoNum type="alphaUcPeriod"/>
-            </a:pPr>
             <a:r>
-              <a:rPr lang="ko-KR" altLang="en-US" sz="1550" dirty="0">
+              <a:rPr lang="ko-KR" altLang="en-US" sz="800" strike="sngStrike" dirty="0">
                 <a:solidFill>
                   <a:schemeClr val="tx1">
                     <a:lumMod val="95000"/>
@@ -9401,9 +9555,98 @@
                 <a:latin typeface="맑은 고딕" panose="020B0503020000020004" pitchFamily="50" charset="-127"/>
                 <a:ea typeface="맑은 고딕" panose="020B0503020000020004" pitchFamily="50" charset="-127"/>
               </a:rPr>
-              <a:t>법사모자</a:t>
+              <a:t>모델링</a:t>
             </a:r>
-            <a:endParaRPr lang="en-US" altLang="ko-KR" sz="1550" dirty="0">
+            <a:r>
+              <a:rPr lang="en-US" altLang="ko-KR" sz="800" strike="sngStrike" dirty="0">
+                <a:solidFill>
+                  <a:schemeClr val="tx1">
+                    <a:lumMod val="95000"/>
+                    <a:lumOff val="5000"/>
+                  </a:schemeClr>
+                </a:solidFill>
+                <a:effectLst>
+                  <a:outerShdw blurRad="38100" dist="38100" dir="2700000" algn="tl">
+                    <a:srgbClr val="000000">
+                      <a:alpha val="43137"/>
+                    </a:srgbClr>
+                  </a:outerShdw>
+                </a:effectLst>
+                <a:latin typeface="맑은 고딕" panose="020B0503020000020004" pitchFamily="50" charset="-127"/>
+                <a:ea typeface="맑은 고딕" panose="020B0503020000020004" pitchFamily="50" charset="-127"/>
+              </a:rPr>
+              <a:t>, </a:t>
+            </a:r>
+            <a:r>
+              <a:rPr lang="ko-KR" altLang="en-US" sz="800" dirty="0">
+                <a:solidFill>
+                  <a:schemeClr val="tx1">
+                    <a:lumMod val="95000"/>
+                    <a:lumOff val="5000"/>
+                  </a:schemeClr>
+                </a:solidFill>
+                <a:effectLst>
+                  <a:outerShdw blurRad="38100" dist="38100" dir="2700000" algn="tl">
+                    <a:srgbClr val="000000">
+                      <a:alpha val="43137"/>
+                    </a:srgbClr>
+                  </a:outerShdw>
+                </a:effectLst>
+                <a:latin typeface="맑은 고딕" panose="020B0503020000020004" pitchFamily="50" charset="-127"/>
+                <a:ea typeface="맑은 고딕" panose="020B0503020000020004" pitchFamily="50" charset="-127"/>
+              </a:rPr>
+              <a:t>텍스처</a:t>
+            </a:r>
+            <a:r>
+              <a:rPr lang="en-US" altLang="ko-KR" sz="800" strike="sngStrike" dirty="0">
+                <a:solidFill>
+                  <a:schemeClr val="tx1">
+                    <a:lumMod val="95000"/>
+                    <a:lumOff val="5000"/>
+                  </a:schemeClr>
+                </a:solidFill>
+                <a:effectLst>
+                  <a:outerShdw blurRad="38100" dist="38100" dir="2700000" algn="tl">
+                    <a:srgbClr val="000000">
+                      <a:alpha val="43137"/>
+                    </a:srgbClr>
+                  </a:outerShdw>
+                </a:effectLst>
+                <a:latin typeface="맑은 고딕" panose="020B0503020000020004" pitchFamily="50" charset="-127"/>
+                <a:ea typeface="맑은 고딕" panose="020B0503020000020004" pitchFamily="50" charset="-127"/>
+              </a:rPr>
+              <a:t>)</a:t>
+            </a:r>
+          </a:p>
+          <a:p>
+            <a:pPr marL="1444752" lvl="2" indent="-457200">
+              <a:lnSpc>
+                <a:spcPct val="160000"/>
+              </a:lnSpc>
+              <a:buFont typeface="+mj-lt"/>
+              <a:buAutoNum type="alphaUcPeriod"/>
+            </a:pPr>
+            <a:r>
+              <a:rPr lang="ko-KR" altLang="en-US" sz="800" dirty="0">
+                <a:solidFill>
+                  <a:schemeClr val="tx1">
+                    <a:lumMod val="95000"/>
+                    <a:lumOff val="5000"/>
+                  </a:schemeClr>
+                </a:solidFill>
+                <a:effectLst>
+                  <a:outerShdw blurRad="38100" dist="38100" dir="2700000" algn="tl">
+                    <a:srgbClr val="000000">
+                      <a:alpha val="43137"/>
+                    </a:srgbClr>
+                  </a:outerShdw>
+                </a:effectLst>
+                <a:latin typeface="맑은 고딕" panose="020B0503020000020004" pitchFamily="50" charset="-127"/>
+                <a:ea typeface="맑은 고딕" panose="020B0503020000020004" pitchFamily="50" charset="-127"/>
+              </a:rPr>
+              <a:t>방탄조끼</a:t>
+            </a:r>
+            <a:endParaRPr lang="en-US" altLang="ko-KR" sz="800" dirty="0">
               <a:solidFill>
                 <a:schemeClr val="tx1">
                   <a:lumMod val="95000"/>
@@ -9430,7 +9673,7 @@
               <a:buAutoNum type="alphaUcPeriod"/>
             </a:pPr>
             <a:r>
-              <a:rPr lang="ko-KR" altLang="en-US" sz="1550" dirty="0">
+              <a:rPr lang="ko-KR" altLang="en-US" sz="800" dirty="0" err="1">
                 <a:solidFill>
                   <a:schemeClr val="tx1">
                     <a:lumMod val="95000"/>
@@ -9447,9 +9690,49 @@
                 <a:latin typeface="맑은 고딕" panose="020B0503020000020004" pitchFamily="50" charset="-127"/>
                 <a:ea typeface="맑은 고딕" panose="020B0503020000020004" pitchFamily="50" charset="-127"/>
               </a:rPr>
-              <a:t>그 외의 것</a:t>
+              <a:t>저스트</a:t>
             </a:r>
-            <a:endParaRPr lang="en-US" altLang="ko-KR" sz="1550" dirty="0">
+            <a:r>
+              <a:rPr lang="ko-KR" altLang="en-US" sz="800" dirty="0">
+                <a:solidFill>
+                  <a:schemeClr val="tx1">
+                    <a:lumMod val="95000"/>
+                    <a:lumOff val="5000"/>
+                  </a:schemeClr>
+                </a:solidFill>
+                <a:effectLst>
+                  <a:outerShdw blurRad="38100" dist="38100" dir="2700000" algn="tl">
+                    <a:srgbClr val="000000">
+                      <a:alpha val="43137"/>
+                    </a:srgbClr>
+                  </a:outerShdw>
+                </a:effectLst>
+                <a:latin typeface="맑은 고딕" panose="020B0503020000020004" pitchFamily="50" charset="-127"/>
+                <a:ea typeface="맑은 고딕" panose="020B0503020000020004" pitchFamily="50" charset="-127"/>
+              </a:rPr>
+              <a:t> </a:t>
+            </a:r>
+            <a:r>
+              <a:rPr lang="ko-KR" altLang="en-US" sz="800" dirty="0" err="1">
+                <a:solidFill>
+                  <a:schemeClr val="tx1">
+                    <a:lumMod val="95000"/>
+                    <a:lumOff val="5000"/>
+                  </a:schemeClr>
+                </a:solidFill>
+                <a:effectLst>
+                  <a:outerShdw blurRad="38100" dist="38100" dir="2700000" algn="tl">
+                    <a:srgbClr val="000000">
+                      <a:alpha val="43137"/>
+                    </a:srgbClr>
+                  </a:outerShdw>
+                </a:effectLst>
+                <a:latin typeface="맑은 고딕" panose="020B0503020000020004" pitchFamily="50" charset="-127"/>
+                <a:ea typeface="맑은 고딕" panose="020B0503020000020004" pitchFamily="50" charset="-127"/>
+              </a:rPr>
+              <a:t>두잇</a:t>
+            </a:r>
+            <a:endParaRPr lang="en-US" altLang="ko-KR" sz="800" dirty="0">
               <a:solidFill>
                 <a:schemeClr val="tx1">
                   <a:lumMod val="95000"/>
@@ -9468,7 +9751,7 @@
             </a:endParaRPr>
           </a:p>
           <a:p>
-            <a:pPr marL="1901952" lvl="3" indent="-457200">
+            <a:pPr marL="1444752" lvl="2" indent="-457200">
               <a:lnSpc>
                 <a:spcPct val="160000"/>
               </a:lnSpc>
@@ -9476,7 +9759,7 @@
               <a:buAutoNum type="alphaUcPeriod"/>
             </a:pPr>
             <a:r>
-              <a:rPr lang="ko-KR" altLang="en-US" sz="1550" dirty="0">
+              <a:rPr lang="ko-KR" altLang="en-US" sz="800" dirty="0">
                 <a:solidFill>
                   <a:schemeClr val="tx1">
                     <a:lumMod val="95000"/>
@@ -9493,9 +9776,581 @@
                 <a:latin typeface="맑은 고딕" panose="020B0503020000020004" pitchFamily="50" charset="-127"/>
                 <a:ea typeface="맑은 고딕" panose="020B0503020000020004" pitchFamily="50" charset="-127"/>
               </a:rPr>
-              <a:t>기획 없음</a:t>
+              <a:t>구급상자</a:t>
             </a:r>
-            <a:endParaRPr lang="en-US" altLang="ko-KR" sz="1550" dirty="0">
+            <a:endParaRPr lang="en-US" altLang="ko-KR" sz="800" dirty="0">
+              <a:solidFill>
+                <a:schemeClr val="tx1">
+                  <a:lumMod val="95000"/>
+                  <a:lumOff val="5000"/>
+                </a:schemeClr>
+              </a:solidFill>
+              <a:effectLst>
+                <a:outerShdw blurRad="38100" dist="38100" dir="2700000" algn="tl">
+                  <a:srgbClr val="000000">
+                    <a:alpha val="43137"/>
+                  </a:srgbClr>
+                </a:outerShdw>
+              </a:effectLst>
+              <a:latin typeface="맑은 고딕" panose="020B0503020000020004" pitchFamily="50" charset="-127"/>
+              <a:ea typeface="맑은 고딕" panose="020B0503020000020004" pitchFamily="50" charset="-127"/>
+            </a:endParaRPr>
+          </a:p>
+          <a:p>
+            <a:pPr marL="1444752" lvl="2" indent="-457200">
+              <a:lnSpc>
+                <a:spcPct val="160000"/>
+              </a:lnSpc>
+              <a:buFont typeface="+mj-lt"/>
+              <a:buAutoNum type="alphaUcPeriod"/>
+            </a:pPr>
+            <a:r>
+              <a:rPr lang="ko-KR" altLang="en-US" sz="800" dirty="0">
+                <a:solidFill>
+                  <a:schemeClr val="tx1">
+                    <a:lumMod val="95000"/>
+                    <a:lumOff val="5000"/>
+                  </a:schemeClr>
+                </a:solidFill>
+                <a:effectLst>
+                  <a:outerShdw blurRad="38100" dist="38100" dir="2700000" algn="tl">
+                    <a:srgbClr val="000000">
+                      <a:alpha val="43137"/>
+                    </a:srgbClr>
+                  </a:outerShdw>
+                </a:effectLst>
+                <a:latin typeface="맑은 고딕" panose="020B0503020000020004" pitchFamily="50" charset="-127"/>
+                <a:ea typeface="맑은 고딕" panose="020B0503020000020004" pitchFamily="50" charset="-127"/>
+              </a:rPr>
+              <a:t>머플러</a:t>
+            </a:r>
+            <a:endParaRPr lang="en-US" altLang="ko-KR" sz="800" dirty="0">
+              <a:solidFill>
+                <a:schemeClr val="tx1">
+                  <a:lumMod val="95000"/>
+                  <a:lumOff val="5000"/>
+                </a:schemeClr>
+              </a:solidFill>
+              <a:effectLst>
+                <a:outerShdw blurRad="38100" dist="38100" dir="2700000" algn="tl">
+                  <a:srgbClr val="000000">
+                    <a:alpha val="43137"/>
+                  </a:srgbClr>
+                </a:outerShdw>
+              </a:effectLst>
+              <a:latin typeface="맑은 고딕" panose="020B0503020000020004" pitchFamily="50" charset="-127"/>
+              <a:ea typeface="맑은 고딕" panose="020B0503020000020004" pitchFamily="50" charset="-127"/>
+            </a:endParaRPr>
+          </a:p>
+          <a:p>
+            <a:pPr marL="1444752" lvl="2" indent="-457200">
+              <a:lnSpc>
+                <a:spcPct val="160000"/>
+              </a:lnSpc>
+              <a:buFont typeface="+mj-lt"/>
+              <a:buAutoNum type="alphaUcPeriod"/>
+            </a:pPr>
+            <a:r>
+              <a:rPr lang="ko-KR" altLang="en-US" sz="800" dirty="0">
+                <a:solidFill>
+                  <a:schemeClr val="tx1">
+                    <a:lumMod val="95000"/>
+                    <a:lumOff val="5000"/>
+                  </a:schemeClr>
+                </a:solidFill>
+                <a:effectLst>
+                  <a:outerShdw blurRad="38100" dist="38100" dir="2700000" algn="tl">
+                    <a:srgbClr val="000000">
+                      <a:alpha val="43137"/>
+                    </a:srgbClr>
+                  </a:outerShdw>
+                </a:effectLst>
+                <a:latin typeface="맑은 고딕" panose="020B0503020000020004" pitchFamily="50" charset="-127"/>
+                <a:ea typeface="맑은 고딕" panose="020B0503020000020004" pitchFamily="50" charset="-127"/>
+              </a:rPr>
+              <a:t>링크의 옷</a:t>
+            </a:r>
+            <a:endParaRPr lang="en-US" altLang="ko-KR" sz="800" dirty="0">
+              <a:solidFill>
+                <a:schemeClr val="tx1">
+                  <a:lumMod val="95000"/>
+                  <a:lumOff val="5000"/>
+                </a:schemeClr>
+              </a:solidFill>
+              <a:effectLst>
+                <a:outerShdw blurRad="38100" dist="38100" dir="2700000" algn="tl">
+                  <a:srgbClr val="000000">
+                    <a:alpha val="43137"/>
+                  </a:srgbClr>
+                </a:outerShdw>
+              </a:effectLst>
+              <a:latin typeface="맑은 고딕" panose="020B0503020000020004" pitchFamily="50" charset="-127"/>
+              <a:ea typeface="맑은 고딕" panose="020B0503020000020004" pitchFamily="50" charset="-127"/>
+            </a:endParaRPr>
+          </a:p>
+          <a:p>
+            <a:pPr marL="1444752" lvl="2" indent="-457200">
+              <a:lnSpc>
+                <a:spcPct val="160000"/>
+              </a:lnSpc>
+              <a:buFont typeface="+mj-lt"/>
+              <a:buAutoNum type="alphaUcPeriod"/>
+            </a:pPr>
+            <a:r>
+              <a:rPr lang="ko-KR" altLang="en-US" sz="800" dirty="0" err="1">
+                <a:solidFill>
+                  <a:schemeClr val="tx1">
+                    <a:lumMod val="95000"/>
+                    <a:lumOff val="5000"/>
+                  </a:schemeClr>
+                </a:solidFill>
+                <a:effectLst>
+                  <a:outerShdw blurRad="38100" dist="38100" dir="2700000" algn="tl">
+                    <a:srgbClr val="000000">
+                      <a:alpha val="43137"/>
+                    </a:srgbClr>
+                  </a:outerShdw>
+                </a:effectLst>
+                <a:latin typeface="맑은 고딕" panose="020B0503020000020004" pitchFamily="50" charset="-127"/>
+                <a:ea typeface="맑은 고딕" panose="020B0503020000020004" pitchFamily="50" charset="-127"/>
+              </a:rPr>
+              <a:t>삼선슬리퍼</a:t>
+            </a:r>
+            <a:endParaRPr lang="en-US" altLang="ko-KR" sz="800" dirty="0">
+              <a:solidFill>
+                <a:schemeClr val="tx1">
+                  <a:lumMod val="95000"/>
+                  <a:lumOff val="5000"/>
+                </a:schemeClr>
+              </a:solidFill>
+              <a:effectLst>
+                <a:outerShdw blurRad="38100" dist="38100" dir="2700000" algn="tl">
+                  <a:srgbClr val="000000">
+                    <a:alpha val="43137"/>
+                  </a:srgbClr>
+                </a:outerShdw>
+              </a:effectLst>
+              <a:latin typeface="맑은 고딕" panose="020B0503020000020004" pitchFamily="50" charset="-127"/>
+              <a:ea typeface="맑은 고딕" panose="020B0503020000020004" pitchFamily="50" charset="-127"/>
+            </a:endParaRPr>
+          </a:p>
+          <a:p>
+            <a:pPr marL="1444752" lvl="2" indent="-457200">
+              <a:lnSpc>
+                <a:spcPct val="160000"/>
+              </a:lnSpc>
+              <a:buFont typeface="+mj-lt"/>
+              <a:buAutoNum type="alphaUcPeriod"/>
+            </a:pPr>
+            <a:r>
+              <a:rPr lang="ko-KR" altLang="en-US" sz="800" dirty="0" err="1">
+                <a:solidFill>
+                  <a:schemeClr val="tx1">
+                    <a:lumMod val="95000"/>
+                    <a:lumOff val="5000"/>
+                  </a:schemeClr>
+                </a:solidFill>
+                <a:effectLst>
+                  <a:outerShdw blurRad="38100" dist="38100" dir="2700000" algn="tl">
+                    <a:srgbClr val="000000">
+                      <a:alpha val="43137"/>
+                    </a:srgbClr>
+                  </a:outerShdw>
+                </a:effectLst>
+                <a:latin typeface="맑은 고딕" panose="020B0503020000020004" pitchFamily="50" charset="-127"/>
+                <a:ea typeface="맑은 고딕" panose="020B0503020000020004" pitchFamily="50" charset="-127"/>
+              </a:rPr>
+              <a:t>크로스헤어</a:t>
+            </a:r>
+            <a:endParaRPr lang="en-US" altLang="ko-KR" sz="800" dirty="0">
+              <a:solidFill>
+                <a:schemeClr val="tx1">
+                  <a:lumMod val="95000"/>
+                  <a:lumOff val="5000"/>
+                </a:schemeClr>
+              </a:solidFill>
+              <a:effectLst>
+                <a:outerShdw blurRad="38100" dist="38100" dir="2700000" algn="tl">
+                  <a:srgbClr val="000000">
+                    <a:alpha val="43137"/>
+                  </a:srgbClr>
+                </a:outerShdw>
+              </a:effectLst>
+              <a:latin typeface="맑은 고딕" panose="020B0503020000020004" pitchFamily="50" charset="-127"/>
+              <a:ea typeface="맑은 고딕" panose="020B0503020000020004" pitchFamily="50" charset="-127"/>
+            </a:endParaRPr>
+          </a:p>
+          <a:p>
+            <a:pPr marL="1444752" lvl="2" indent="-457200">
+              <a:lnSpc>
+                <a:spcPct val="160000"/>
+              </a:lnSpc>
+              <a:buFont typeface="+mj-lt"/>
+              <a:buAutoNum type="alphaUcPeriod"/>
+            </a:pPr>
+            <a:r>
+              <a:rPr lang="ko-KR" altLang="en-US" sz="800" dirty="0" err="1">
+                <a:solidFill>
+                  <a:schemeClr val="tx1">
+                    <a:lumMod val="95000"/>
+                    <a:lumOff val="5000"/>
+                  </a:schemeClr>
+                </a:solidFill>
+                <a:effectLst>
+                  <a:outerShdw blurRad="38100" dist="38100" dir="2700000" algn="tl">
+                    <a:srgbClr val="000000">
+                      <a:alpha val="43137"/>
+                    </a:srgbClr>
+                  </a:outerShdw>
+                </a:effectLst>
+                <a:latin typeface="맑은 고딕" panose="020B0503020000020004" pitchFamily="50" charset="-127"/>
+                <a:ea typeface="맑은 고딕" panose="020B0503020000020004" pitchFamily="50" charset="-127"/>
+              </a:rPr>
+              <a:t>샤삭</a:t>
+            </a:r>
+            <a:endParaRPr lang="en-US" altLang="ko-KR" sz="800" dirty="0">
+              <a:solidFill>
+                <a:schemeClr val="tx1">
+                  <a:lumMod val="95000"/>
+                  <a:lumOff val="5000"/>
+                </a:schemeClr>
+              </a:solidFill>
+              <a:effectLst>
+                <a:outerShdw blurRad="38100" dist="38100" dir="2700000" algn="tl">
+                  <a:srgbClr val="000000">
+                    <a:alpha val="43137"/>
+                  </a:srgbClr>
+                </a:outerShdw>
+              </a:effectLst>
+              <a:latin typeface="맑은 고딕" panose="020B0503020000020004" pitchFamily="50" charset="-127"/>
+              <a:ea typeface="맑은 고딕" panose="020B0503020000020004" pitchFamily="50" charset="-127"/>
+            </a:endParaRPr>
+          </a:p>
+          <a:p>
+            <a:pPr marL="1444752" lvl="2" indent="-457200">
+              <a:lnSpc>
+                <a:spcPct val="160000"/>
+              </a:lnSpc>
+              <a:buFont typeface="+mj-lt"/>
+              <a:buAutoNum type="alphaUcPeriod"/>
+            </a:pPr>
+            <a:r>
+              <a:rPr lang="ko-KR" altLang="en-US" sz="800" dirty="0">
+                <a:solidFill>
+                  <a:schemeClr val="tx1">
+                    <a:lumMod val="95000"/>
+                    <a:lumOff val="5000"/>
+                  </a:schemeClr>
+                </a:solidFill>
+                <a:effectLst>
+                  <a:outerShdw blurRad="38100" dist="38100" dir="2700000" algn="tl">
+                    <a:srgbClr val="000000">
+                      <a:alpha val="43137"/>
+                    </a:srgbClr>
+                  </a:outerShdw>
+                </a:effectLst>
+                <a:latin typeface="맑은 고딕" panose="020B0503020000020004" pitchFamily="50" charset="-127"/>
+                <a:ea typeface="맑은 고딕" panose="020B0503020000020004" pitchFamily="50" charset="-127"/>
+              </a:rPr>
+              <a:t>모기 코스튬</a:t>
+            </a:r>
+            <a:endParaRPr lang="en-US" altLang="ko-KR" sz="800" dirty="0">
+              <a:solidFill>
+                <a:schemeClr val="tx1">
+                  <a:lumMod val="95000"/>
+                  <a:lumOff val="5000"/>
+                </a:schemeClr>
+              </a:solidFill>
+              <a:effectLst>
+                <a:outerShdw blurRad="38100" dist="38100" dir="2700000" algn="tl">
+                  <a:srgbClr val="000000">
+                    <a:alpha val="43137"/>
+                  </a:srgbClr>
+                </a:outerShdw>
+              </a:effectLst>
+              <a:latin typeface="맑은 고딕" panose="020B0503020000020004" pitchFamily="50" charset="-127"/>
+              <a:ea typeface="맑은 고딕" panose="020B0503020000020004" pitchFamily="50" charset="-127"/>
+            </a:endParaRPr>
+          </a:p>
+          <a:p>
+            <a:pPr marL="1444752" lvl="2" indent="-457200">
+              <a:lnSpc>
+                <a:spcPct val="160000"/>
+              </a:lnSpc>
+              <a:buFont typeface="+mj-lt"/>
+              <a:buAutoNum type="alphaUcPeriod"/>
+            </a:pPr>
+            <a:r>
+              <a:rPr lang="ko-KR" altLang="en-US" sz="800" dirty="0">
+                <a:solidFill>
+                  <a:schemeClr val="tx1">
+                    <a:lumMod val="95000"/>
+                    <a:lumOff val="5000"/>
+                  </a:schemeClr>
+                </a:solidFill>
+                <a:effectLst>
+                  <a:outerShdw blurRad="38100" dist="38100" dir="2700000" algn="tl">
+                    <a:srgbClr val="000000">
+                      <a:alpha val="43137"/>
+                    </a:srgbClr>
+                  </a:outerShdw>
+                </a:effectLst>
+                <a:latin typeface="맑은 고딕" panose="020B0503020000020004" pitchFamily="50" charset="-127"/>
+                <a:ea typeface="맑은 고딕" panose="020B0503020000020004" pitchFamily="50" charset="-127"/>
+              </a:rPr>
+              <a:t>스프링</a:t>
+            </a:r>
+            <a:endParaRPr lang="en-US" altLang="ko-KR" sz="800" dirty="0">
+              <a:solidFill>
+                <a:schemeClr val="tx1">
+                  <a:lumMod val="95000"/>
+                  <a:lumOff val="5000"/>
+                </a:schemeClr>
+              </a:solidFill>
+              <a:effectLst>
+                <a:outerShdw blurRad="38100" dist="38100" dir="2700000" algn="tl">
+                  <a:srgbClr val="000000">
+                    <a:alpha val="43137"/>
+                  </a:srgbClr>
+                </a:outerShdw>
+              </a:effectLst>
+              <a:latin typeface="맑은 고딕" panose="020B0503020000020004" pitchFamily="50" charset="-127"/>
+              <a:ea typeface="맑은 고딕" panose="020B0503020000020004" pitchFamily="50" charset="-127"/>
+            </a:endParaRPr>
+          </a:p>
+          <a:p>
+            <a:pPr marL="1444752" lvl="2" indent="-457200">
+              <a:lnSpc>
+                <a:spcPct val="160000"/>
+              </a:lnSpc>
+              <a:buFont typeface="+mj-lt"/>
+              <a:buAutoNum type="alphaUcPeriod"/>
+            </a:pPr>
+            <a:r>
+              <a:rPr lang="ko-KR" altLang="en-US" sz="800" dirty="0" err="1">
+                <a:solidFill>
+                  <a:schemeClr val="tx1">
+                    <a:lumMod val="95000"/>
+                    <a:lumOff val="5000"/>
+                  </a:schemeClr>
+                </a:solidFill>
+                <a:effectLst>
+                  <a:outerShdw blurRad="38100" dist="38100" dir="2700000" algn="tl">
+                    <a:srgbClr val="000000">
+                      <a:alpha val="43137"/>
+                    </a:srgbClr>
+                  </a:outerShdw>
+                </a:effectLst>
+                <a:latin typeface="맑은 고딕" panose="020B0503020000020004" pitchFamily="50" charset="-127"/>
+                <a:ea typeface="맑은 고딕" panose="020B0503020000020004" pitchFamily="50" charset="-127"/>
+              </a:rPr>
+              <a:t>수혈팩</a:t>
+            </a:r>
+            <a:endParaRPr lang="en-US" altLang="ko-KR" sz="800" dirty="0">
+              <a:solidFill>
+                <a:schemeClr val="tx1">
+                  <a:lumMod val="95000"/>
+                  <a:lumOff val="5000"/>
+                </a:schemeClr>
+              </a:solidFill>
+              <a:effectLst>
+                <a:outerShdw blurRad="38100" dist="38100" dir="2700000" algn="tl">
+                  <a:srgbClr val="000000">
+                    <a:alpha val="43137"/>
+                  </a:srgbClr>
+                </a:outerShdw>
+              </a:effectLst>
+              <a:latin typeface="맑은 고딕" panose="020B0503020000020004" pitchFamily="50" charset="-127"/>
+              <a:ea typeface="맑은 고딕" panose="020B0503020000020004" pitchFamily="50" charset="-127"/>
+            </a:endParaRPr>
+          </a:p>
+          <a:p>
+            <a:pPr marL="1444752" lvl="2" indent="-457200">
+              <a:lnSpc>
+                <a:spcPct val="160000"/>
+              </a:lnSpc>
+              <a:buFont typeface="+mj-lt"/>
+              <a:buAutoNum type="alphaUcPeriod"/>
+            </a:pPr>
+            <a:r>
+              <a:rPr lang="ko-KR" altLang="en-US" sz="800" dirty="0" err="1">
+                <a:solidFill>
+                  <a:schemeClr val="tx1">
+                    <a:lumMod val="95000"/>
+                    <a:lumOff val="5000"/>
+                  </a:schemeClr>
+                </a:solidFill>
+                <a:effectLst>
+                  <a:outerShdw blurRad="38100" dist="38100" dir="2700000" algn="tl">
+                    <a:srgbClr val="000000">
+                      <a:alpha val="43137"/>
+                    </a:srgbClr>
+                  </a:outerShdw>
+                </a:effectLst>
+                <a:latin typeface="맑은 고딕" panose="020B0503020000020004" pitchFamily="50" charset="-127"/>
+                <a:ea typeface="맑은 고딕" panose="020B0503020000020004" pitchFamily="50" charset="-127"/>
+              </a:rPr>
+              <a:t>뿔테</a:t>
+            </a:r>
+            <a:r>
+              <a:rPr lang="ko-KR" altLang="en-US" sz="800" dirty="0">
+                <a:solidFill>
+                  <a:schemeClr val="tx1">
+                    <a:lumMod val="95000"/>
+                    <a:lumOff val="5000"/>
+                  </a:schemeClr>
+                </a:solidFill>
+                <a:effectLst>
+                  <a:outerShdw blurRad="38100" dist="38100" dir="2700000" algn="tl">
+                    <a:srgbClr val="000000">
+                      <a:alpha val="43137"/>
+                    </a:srgbClr>
+                  </a:outerShdw>
+                </a:effectLst>
+                <a:latin typeface="맑은 고딕" panose="020B0503020000020004" pitchFamily="50" charset="-127"/>
+                <a:ea typeface="맑은 고딕" panose="020B0503020000020004" pitchFamily="50" charset="-127"/>
+              </a:rPr>
+              <a:t> 안경</a:t>
+            </a:r>
+            <a:endParaRPr lang="en-US" altLang="ko-KR" sz="800" dirty="0">
+              <a:solidFill>
+                <a:schemeClr val="tx1">
+                  <a:lumMod val="95000"/>
+                  <a:lumOff val="5000"/>
+                </a:schemeClr>
+              </a:solidFill>
+              <a:effectLst>
+                <a:outerShdw blurRad="38100" dist="38100" dir="2700000" algn="tl">
+                  <a:srgbClr val="000000">
+                    <a:alpha val="43137"/>
+                  </a:srgbClr>
+                </a:outerShdw>
+              </a:effectLst>
+              <a:latin typeface="맑은 고딕" panose="020B0503020000020004" pitchFamily="50" charset="-127"/>
+              <a:ea typeface="맑은 고딕" panose="020B0503020000020004" pitchFamily="50" charset="-127"/>
+            </a:endParaRPr>
+          </a:p>
+          <a:p>
+            <a:pPr marL="1444752" lvl="2" indent="-457200">
+              <a:lnSpc>
+                <a:spcPct val="160000"/>
+              </a:lnSpc>
+              <a:buFont typeface="+mj-lt"/>
+              <a:buAutoNum type="alphaUcPeriod"/>
+            </a:pPr>
+            <a:r>
+              <a:rPr lang="ko-KR" altLang="en-US" sz="800" dirty="0" err="1">
+                <a:solidFill>
+                  <a:schemeClr val="tx1">
+                    <a:lumMod val="95000"/>
+                    <a:lumOff val="5000"/>
+                  </a:schemeClr>
+                </a:solidFill>
+                <a:effectLst>
+                  <a:outerShdw blurRad="38100" dist="38100" dir="2700000" algn="tl">
+                    <a:srgbClr val="000000">
+                      <a:alpha val="43137"/>
+                    </a:srgbClr>
+                  </a:outerShdw>
+                </a:effectLst>
+                <a:latin typeface="맑은 고딕" panose="020B0503020000020004" pitchFamily="50" charset="-127"/>
+                <a:ea typeface="맑은 고딕" panose="020B0503020000020004" pitchFamily="50" charset="-127"/>
+              </a:rPr>
+              <a:t>썬그라스</a:t>
+            </a:r>
+            <a:endParaRPr lang="en-US" altLang="ko-KR" sz="800" dirty="0">
+              <a:solidFill>
+                <a:schemeClr val="tx1">
+                  <a:lumMod val="95000"/>
+                  <a:lumOff val="5000"/>
+                </a:schemeClr>
+              </a:solidFill>
+              <a:effectLst>
+                <a:outerShdw blurRad="38100" dist="38100" dir="2700000" algn="tl">
+                  <a:srgbClr val="000000">
+                    <a:alpha val="43137"/>
+                  </a:srgbClr>
+                </a:outerShdw>
+              </a:effectLst>
+              <a:latin typeface="맑은 고딕" panose="020B0503020000020004" pitchFamily="50" charset="-127"/>
+              <a:ea typeface="맑은 고딕" panose="020B0503020000020004" pitchFamily="50" charset="-127"/>
+            </a:endParaRPr>
+          </a:p>
+          <a:p>
+            <a:pPr marL="1444752" lvl="2" indent="-457200">
+              <a:lnSpc>
+                <a:spcPct val="160000"/>
+              </a:lnSpc>
+              <a:buFont typeface="+mj-lt"/>
+              <a:buAutoNum type="alphaUcPeriod"/>
+            </a:pPr>
+            <a:r>
+              <a:rPr lang="ko-KR" altLang="en-US" sz="800" dirty="0">
+                <a:solidFill>
+                  <a:schemeClr val="tx1">
+                    <a:lumMod val="95000"/>
+                    <a:lumOff val="5000"/>
+                  </a:schemeClr>
+                </a:solidFill>
+                <a:effectLst>
+                  <a:outerShdw blurRad="38100" dist="38100" dir="2700000" algn="tl">
+                    <a:srgbClr val="000000">
+                      <a:alpha val="43137"/>
+                    </a:srgbClr>
+                  </a:outerShdw>
+                </a:effectLst>
+                <a:latin typeface="맑은 고딕" panose="020B0503020000020004" pitchFamily="50" charset="-127"/>
+                <a:ea typeface="맑은 고딕" panose="020B0503020000020004" pitchFamily="50" charset="-127"/>
+              </a:rPr>
+              <a:t>장난감 태엽</a:t>
+            </a:r>
+            <a:endParaRPr lang="en-US" altLang="ko-KR" sz="800" dirty="0">
+              <a:solidFill>
+                <a:schemeClr val="tx1">
+                  <a:lumMod val="95000"/>
+                  <a:lumOff val="5000"/>
+                </a:schemeClr>
+              </a:solidFill>
+              <a:effectLst>
+                <a:outerShdw blurRad="38100" dist="38100" dir="2700000" algn="tl">
+                  <a:srgbClr val="000000">
+                    <a:alpha val="43137"/>
+                  </a:srgbClr>
+                </a:outerShdw>
+              </a:effectLst>
+              <a:latin typeface="맑은 고딕" panose="020B0503020000020004" pitchFamily="50" charset="-127"/>
+              <a:ea typeface="맑은 고딕" panose="020B0503020000020004" pitchFamily="50" charset="-127"/>
+            </a:endParaRPr>
+          </a:p>
+          <a:p>
+            <a:pPr marL="1444752" lvl="2" indent="-457200">
+              <a:lnSpc>
+                <a:spcPct val="160000"/>
+              </a:lnSpc>
+              <a:buFont typeface="+mj-lt"/>
+              <a:buAutoNum type="alphaUcPeriod"/>
+            </a:pPr>
+            <a:r>
+              <a:rPr lang="ko-KR" altLang="en-US" sz="800" dirty="0">
+                <a:solidFill>
+                  <a:schemeClr val="tx1">
+                    <a:lumMod val="95000"/>
+                    <a:lumOff val="5000"/>
+                  </a:schemeClr>
+                </a:solidFill>
+                <a:effectLst>
+                  <a:outerShdw blurRad="38100" dist="38100" dir="2700000" algn="tl">
+                    <a:srgbClr val="000000">
+                      <a:alpha val="43137"/>
+                    </a:srgbClr>
+                  </a:outerShdw>
+                </a:effectLst>
+                <a:latin typeface="맑은 고딕" panose="020B0503020000020004" pitchFamily="50" charset="-127"/>
+                <a:ea typeface="맑은 고딕" panose="020B0503020000020004" pitchFamily="50" charset="-127"/>
+              </a:rPr>
+              <a:t>소프트콘</a:t>
+            </a:r>
+            <a:endParaRPr lang="en-US" altLang="ko-KR" sz="800" dirty="0">
               <a:solidFill>
                 <a:schemeClr val="tx1">
                   <a:lumMod val="95000"/>
@@ -9777,7 +10632,7 @@
               <a:buAutoNum type="alphaUcPeriod"/>
             </a:pPr>
             <a:r>
-              <a:rPr lang="ko-KR" altLang="en-US" sz="1550" dirty="0">
+              <a:rPr lang="ko-KR" altLang="en-US" sz="1550" strike="sngStrike" dirty="0">
                 <a:solidFill>
                   <a:schemeClr val="tx1">
                     <a:lumMod val="95000"/>
@@ -9797,7 +10652,7 @@
               <a:t>숫자 빌보드 </a:t>
             </a:r>
             <a:r>
-              <a:rPr lang="en-US" altLang="ko-KR" sz="1550" dirty="0">
+              <a:rPr lang="en-US" altLang="ko-KR" sz="1550" strike="sngStrike" dirty="0">
                 <a:solidFill>
                   <a:schemeClr val="tx1">
                     <a:lumMod val="95000"/>
@@ -9817,7 +10672,7 @@
               <a:t>(</a:t>
             </a:r>
             <a:r>
-              <a:rPr lang="ko-KR" altLang="en-US" sz="1550" dirty="0">
+              <a:rPr lang="ko-KR" altLang="en-US" sz="1550" strike="sngStrike" dirty="0">
                 <a:solidFill>
                   <a:schemeClr val="tx1">
                     <a:lumMod val="95000"/>
@@ -9834,10 +10689,50 @@
                 <a:latin typeface="맑은 고딕" panose="020B0503020000020004" pitchFamily="50" charset="-127"/>
                 <a:ea typeface="맑은 고딕" panose="020B0503020000020004" pitchFamily="50" charset="-127"/>
               </a:rPr>
-              <a:t>데미지 용도</a:t>
+              <a:t>데미지</a:t>
             </a:r>
             <a:r>
-              <a:rPr lang="en-US" altLang="ko-KR" sz="1550" dirty="0">
+              <a:rPr lang="en-US" altLang="ko-KR" sz="1550" strike="sngStrike" dirty="0">
+                <a:solidFill>
+                  <a:schemeClr val="tx1">
+                    <a:lumMod val="95000"/>
+                    <a:lumOff val="5000"/>
+                  </a:schemeClr>
+                </a:solidFill>
+                <a:effectLst>
+                  <a:outerShdw blurRad="38100" dist="38100" dir="2700000" algn="tl">
+                    <a:srgbClr val="000000">
+                      <a:alpha val="43137"/>
+                    </a:srgbClr>
+                  </a:outerShdw>
+                </a:effectLst>
+                <a:latin typeface="맑은 고딕" panose="020B0503020000020004" pitchFamily="50" charset="-127"/>
+                <a:ea typeface="맑은 고딕" panose="020B0503020000020004" pitchFamily="50" charset="-127"/>
+              </a:rPr>
+              <a:t>, KDA, </a:t>
+            </a:r>
+            <a:r>
+              <a:rPr lang="ko-KR" altLang="en-US" sz="1550" strike="sngStrike" dirty="0">
+                <a:solidFill>
+                  <a:schemeClr val="tx1">
+                    <a:lumMod val="95000"/>
+                    <a:lumOff val="5000"/>
+                  </a:schemeClr>
+                </a:solidFill>
+                <a:effectLst>
+                  <a:outerShdw blurRad="38100" dist="38100" dir="2700000" algn="tl">
+                    <a:srgbClr val="000000">
+                      <a:alpha val="43137"/>
+                    </a:srgbClr>
+                  </a:outerShdw>
+                </a:effectLst>
+                <a:latin typeface="맑은 고딕" panose="020B0503020000020004" pitchFamily="50" charset="-127"/>
+                <a:ea typeface="맑은 고딕" panose="020B0503020000020004" pitchFamily="50" charset="-127"/>
+              </a:rPr>
+              <a:t>시간</a:t>
+            </a:r>
+            <a:r>
+              <a:rPr lang="en-US" altLang="ko-KR" sz="1550" strike="sngStrike" dirty="0">
                 <a:solidFill>
                   <a:schemeClr val="tx1">
                     <a:lumMod val="95000"/>
@@ -9945,52 +10840,6 @@
               </a:rPr>
               <a:t>)</a:t>
             </a:r>
-          </a:p>
-          <a:p>
-            <a:pPr marL="1444752" lvl="2" indent="-457200">
-              <a:lnSpc>
-                <a:spcPct val="160000"/>
-              </a:lnSpc>
-              <a:buFont typeface="+mj-lt"/>
-              <a:buAutoNum type="alphaUcPeriod"/>
-            </a:pPr>
-            <a:r>
-              <a:rPr lang="ko-KR" altLang="en-US" sz="1550" dirty="0">
-                <a:solidFill>
-                  <a:schemeClr val="tx1">
-                    <a:lumMod val="95000"/>
-                    <a:lumOff val="5000"/>
-                  </a:schemeClr>
-                </a:solidFill>
-                <a:effectLst>
-                  <a:outerShdw blurRad="38100" dist="38100" dir="2700000" algn="tl">
-                    <a:srgbClr val="000000">
-                      <a:alpha val="43137"/>
-                    </a:srgbClr>
-                  </a:outerShdw>
-                </a:effectLst>
-                <a:latin typeface="맑은 고딕" panose="020B0503020000020004" pitchFamily="50" charset="-127"/>
-                <a:ea typeface="맑은 고딕" panose="020B0503020000020004" pitchFamily="50" charset="-127"/>
-              </a:rPr>
-              <a:t>이거 이외에는 빌보드 이펙트로는 잘 모르겠음</a:t>
-            </a:r>
-            <a:endParaRPr lang="en-US" altLang="ko-KR" sz="1550" dirty="0">
-              <a:solidFill>
-                <a:schemeClr val="tx1">
-                  <a:lumMod val="95000"/>
-                  <a:lumOff val="5000"/>
-                </a:schemeClr>
-              </a:solidFill>
-              <a:effectLst>
-                <a:outerShdw blurRad="38100" dist="38100" dir="2700000" algn="tl">
-                  <a:srgbClr val="000000">
-                    <a:alpha val="43137"/>
-                  </a:srgbClr>
-                </a:outerShdw>
-              </a:effectLst>
-              <a:latin typeface="맑은 고딕" panose="020B0503020000020004" pitchFamily="50" charset="-127"/>
-              <a:ea typeface="맑은 고딕" panose="020B0503020000020004" pitchFamily="50" charset="-127"/>
-            </a:endParaRPr>
           </a:p>
           <a:p>
             <a:pPr marL="457200" indent="-457200">

--- a/진행사항.pptx
+++ b/진행사항.pptx
@@ -224,7 +224,7 @@
           <a:p>
             <a:fld id="{174CF4B6-C8D6-438C-8B7D-E8AF3EC6F65B}" type="datetimeFigureOut">
               <a:rPr lang="ko-KR" altLang="en-US" smtClean="0"/>
-              <a:t>2018-07-15</a:t>
+              <a:t>2018-07-16</a:t>
             </a:fld>
             <a:endParaRPr lang="ko-KR" altLang="en-US"/>
           </a:p>
@@ -660,7 +660,7 @@
           <a:p>
             <a:fld id="{997C0C2C-FB57-479D-BE7F-6EC34BF7043C}" type="datetime1">
               <a:rPr lang="en-US" altLang="ko-KR" smtClean="0"/>
-              <a:t>7/15/2018</a:t>
+              <a:t>7/16/2018</a:t>
             </a:fld>
             <a:endParaRPr lang="en-US" dirty="0"/>
           </a:p>
@@ -991,7 +991,7 @@
           <a:p>
             <a:fld id="{047308E6-C353-4980-BC35-3BA553F61D46}" type="datetime1">
               <a:rPr lang="en-US" altLang="ko-KR" smtClean="0"/>
-              <a:t>7/15/2018</a:t>
+              <a:t>7/16/2018</a:t>
             </a:fld>
             <a:endParaRPr lang="en-US" dirty="0"/>
           </a:p>
@@ -1171,7 +1171,7 @@
           <a:p>
             <a:fld id="{925E33ED-602B-46D4-AC4E-A3EC8D1FE08B}" type="datetime1">
               <a:rPr lang="en-US" altLang="ko-KR" smtClean="0"/>
-              <a:t>7/15/2018</a:t>
+              <a:t>7/16/2018</a:t>
             </a:fld>
             <a:endParaRPr lang="en-US" dirty="0"/>
           </a:p>
@@ -1341,7 +1341,7 @@
           <a:p>
             <a:fld id="{CDCA6F40-FDE7-4477-94C1-42AFCA093BA3}" type="datetime1">
               <a:rPr lang="en-US" altLang="ko-KR" smtClean="0"/>
-              <a:t>7/15/2018</a:t>
+              <a:t>7/16/2018</a:t>
             </a:fld>
             <a:endParaRPr lang="en-US" dirty="0"/>
           </a:p>
@@ -1619,7 +1619,7 @@
           <a:p>
             <a:fld id="{E5AD4DDD-EA1C-4615-97C2-D68EC457B4CF}" type="datetime1">
               <a:rPr lang="en-US" altLang="ko-KR" smtClean="0"/>
-              <a:t>7/15/2018</a:t>
+              <a:t>7/16/2018</a:t>
             </a:fld>
             <a:endParaRPr lang="en-US" dirty="0"/>
           </a:p>
@@ -2070,7 +2070,7 @@
           <a:p>
             <a:fld id="{CA0F03C5-1E3C-44BE-9E2F-087D284D2C5D}" type="datetime1">
               <a:rPr lang="en-US" altLang="ko-KR" smtClean="0"/>
-              <a:t>7/15/2018</a:t>
+              <a:t>7/16/2018</a:t>
             </a:fld>
             <a:endParaRPr lang="en-US" dirty="0"/>
           </a:p>
@@ -2547,7 +2547,7 @@
           <a:p>
             <a:fld id="{23CB4308-201A-4967-870E-1ACB91AA6D8E}" type="datetime1">
               <a:rPr lang="en-US" altLang="ko-KR" smtClean="0"/>
-              <a:t>7/15/2018</a:t>
+              <a:t>7/16/2018</a:t>
             </a:fld>
             <a:endParaRPr lang="en-US" dirty="0"/>
           </a:p>
@@ -2665,7 +2665,7 @@
           <a:p>
             <a:fld id="{2AE391EA-DA61-4C24-8C9E-58C8105C0CDC}" type="datetime1">
               <a:rPr lang="en-US" altLang="ko-KR" smtClean="0"/>
-              <a:t>7/15/2018</a:t>
+              <a:t>7/16/2018</a:t>
             </a:fld>
             <a:endParaRPr lang="en-US" dirty="0"/>
           </a:p>
@@ -2760,7 +2760,7 @@
           <a:p>
             <a:fld id="{14CF23BC-FE77-4485-B606-6CBA74C5D36E}" type="datetime1">
               <a:rPr lang="en-US" altLang="ko-KR" smtClean="0"/>
-              <a:t>7/15/2018</a:t>
+              <a:t>7/16/2018</a:t>
             </a:fld>
             <a:endParaRPr lang="en-US" dirty="0"/>
           </a:p>
@@ -3108,7 +3108,7 @@
           <a:p>
             <a:fld id="{808D6C14-1859-4DDA-AD38-00DE62AE1826}" type="datetime1">
               <a:rPr lang="en-US" altLang="ko-KR" smtClean="0"/>
-              <a:t>7/15/2018</a:t>
+              <a:t>7/16/2018</a:t>
             </a:fld>
             <a:endParaRPr lang="en-US" dirty="0"/>
           </a:p>
@@ -3537,7 +3537,7 @@
           <a:p>
             <a:fld id="{AE734E95-C037-429B-8B5F-D0FAB25DE16C}" type="datetime1">
               <a:rPr lang="en-US" altLang="ko-KR" smtClean="0"/>
-              <a:t>7/15/2018</a:t>
+              <a:t>7/16/2018</a:t>
             </a:fld>
             <a:endParaRPr lang="en-US" dirty="0"/>
           </a:p>
@@ -3854,7 +3854,7 @@
           <a:p>
             <a:fld id="{E0770D22-4CCF-46DD-9D25-F19CC4764808}" type="datetime1">
               <a:rPr lang="en-US" altLang="ko-KR" smtClean="0"/>
-              <a:t>7/15/2018</a:t>
+              <a:t>7/16/2018</a:t>
             </a:fld>
             <a:endParaRPr lang="en-US" dirty="0"/>
           </a:p>
@@ -9627,7 +9627,7 @@
               <a:buAutoNum type="alphaUcPeriod"/>
             </a:pPr>
             <a:r>
-              <a:rPr lang="ko-KR" altLang="en-US" sz="800" dirty="0">
+              <a:rPr lang="ko-KR" altLang="en-US" sz="800" strike="sngStrike" dirty="0">
                 <a:solidFill>
                   <a:schemeClr val="tx1">
                     <a:lumMod val="95000"/>
@@ -9646,7 +9646,7 @@
               </a:rPr>
               <a:t>방탄조끼</a:t>
             </a:r>
-            <a:endParaRPr lang="en-US" altLang="ko-KR" sz="800" dirty="0">
+            <a:endParaRPr lang="en-US" altLang="ko-KR" sz="800" strike="sngStrike" dirty="0">
               <a:solidFill>
                 <a:schemeClr val="tx1">
                   <a:lumMod val="95000"/>
@@ -9759,7 +9759,7 @@
               <a:buAutoNum type="alphaUcPeriod"/>
             </a:pPr>
             <a:r>
-              <a:rPr lang="ko-KR" altLang="en-US" sz="800" dirty="0">
+              <a:rPr lang="ko-KR" altLang="en-US" sz="800" strike="sngStrike" dirty="0">
                 <a:solidFill>
                   <a:schemeClr val="tx1">
                     <a:lumMod val="95000"/>
@@ -9778,7 +9778,7 @@
               </a:rPr>
               <a:t>구급상자</a:t>
             </a:r>
-            <a:endParaRPr lang="en-US" altLang="ko-KR" sz="800" dirty="0">
+            <a:endParaRPr lang="en-US" altLang="ko-KR" sz="800" strike="sngStrike" dirty="0">
               <a:solidFill>
                 <a:schemeClr val="tx1">
                   <a:lumMod val="95000"/>
@@ -39354,7 +39354,7 @@
               <a:buAutoNum type="alphaUcPeriod"/>
             </a:pPr>
             <a:r>
-              <a:rPr lang="ko-KR" altLang="en-US" sz="1750" dirty="0">
+              <a:rPr lang="ko-KR" altLang="en-US" sz="1750" strike="dblStrike" dirty="0">
                 <a:solidFill>
                   <a:schemeClr val="tx1">
                     <a:lumMod val="95000"/>
@@ -39374,7 +39374,7 @@
               <a:t>우측 클릭 이동 길 </a:t>
             </a:r>
             <a:r>
-              <a:rPr lang="ko-KR" altLang="en-US" sz="1750" dirty="0" err="1">
+              <a:rPr lang="ko-KR" altLang="en-US" sz="1750" strike="dblStrike" dirty="0" err="1">
                 <a:solidFill>
                   <a:schemeClr val="tx1">
                     <a:lumMod val="95000"/>
@@ -39394,7 +39394,7 @@
               <a:t>미니맵</a:t>
             </a:r>
             <a:r>
-              <a:rPr lang="ko-KR" altLang="en-US" sz="1750" dirty="0">
+              <a:rPr lang="ko-KR" altLang="en-US" sz="1750" strike="dblStrike" dirty="0">
                 <a:solidFill>
                   <a:schemeClr val="tx1">
                     <a:lumMod val="95000"/>
@@ -39411,25 +39411,68 @@
                 <a:latin typeface="맑은 고딕" panose="020B0503020000020004" pitchFamily="50" charset="-127"/>
                 <a:ea typeface="맑은 고딕" panose="020B0503020000020004" pitchFamily="50" charset="-127"/>
               </a:rPr>
-              <a:t> 표시</a:t>
+              <a:t> 표시 </a:t>
             </a:r>
-            <a:endParaRPr lang="en-US" altLang="ko-KR" sz="1750" dirty="0">
-              <a:solidFill>
-                <a:schemeClr val="tx1">
-                  <a:lumMod val="95000"/>
-                  <a:lumOff val="5000"/>
-                </a:schemeClr>
-              </a:solidFill>
-              <a:effectLst>
-                <a:outerShdw blurRad="38100" dist="38100" dir="2700000" algn="tl">
-                  <a:srgbClr val="000000">
-                    <a:alpha val="43137"/>
-                  </a:srgbClr>
-                </a:outerShdw>
-              </a:effectLst>
-              <a:latin typeface="맑은 고딕" panose="020B0503020000020004" pitchFamily="50" charset="-127"/>
-              <a:ea typeface="맑은 고딕" panose="020B0503020000020004" pitchFamily="50" charset="-127"/>
-            </a:endParaRPr>
+            <a:r>
+              <a:rPr lang="en-US" altLang="ko-KR" sz="1750" strike="dblStrike" dirty="0">
+                <a:solidFill>
+                  <a:schemeClr val="tx1">
+                    <a:lumMod val="95000"/>
+                    <a:lumOff val="5000"/>
+                  </a:schemeClr>
+                </a:solidFill>
+                <a:effectLst>
+                  <a:outerShdw blurRad="38100" dist="38100" dir="2700000" algn="tl">
+                    <a:srgbClr val="000000">
+                      <a:alpha val="43137"/>
+                    </a:srgbClr>
+                  </a:outerShdw>
+                </a:effectLst>
+                <a:latin typeface="맑은 고딕" panose="020B0503020000020004" pitchFamily="50" charset="-127"/>
+                <a:ea typeface="맑은 고딕" panose="020B0503020000020004" pitchFamily="50" charset="-127"/>
+              </a:rPr>
+              <a:t>(</a:t>
+            </a:r>
+            <a:r>
+              <a:rPr lang="ko-KR" altLang="en-US" sz="1750" strike="dblStrike" dirty="0">
+                <a:solidFill>
+                  <a:schemeClr val="tx1">
+                    <a:lumMod val="95000"/>
+                    <a:lumOff val="5000"/>
+                  </a:schemeClr>
+                </a:solidFill>
+                <a:effectLst>
+                  <a:outerShdw blurRad="38100" dist="38100" dir="2700000" algn="tl">
+                    <a:srgbClr val="000000">
+                      <a:alpha val="43137"/>
+                    </a:srgbClr>
+                  </a:outerShdw>
+                </a:effectLst>
+                <a:latin typeface="맑은 고딕" panose="020B0503020000020004" pitchFamily="50" charset="-127"/>
+                <a:ea typeface="맑은 고딕" panose="020B0503020000020004" pitchFamily="50" charset="-127"/>
+              </a:rPr>
+              <a:t>일단 보류</a:t>
+            </a:r>
+            <a:r>
+              <a:rPr lang="en-US" altLang="ko-KR" sz="1750" strike="dblStrike" dirty="0">
+                <a:solidFill>
+                  <a:schemeClr val="tx1">
+                    <a:lumMod val="95000"/>
+                    <a:lumOff val="5000"/>
+                  </a:schemeClr>
+                </a:solidFill>
+                <a:effectLst>
+                  <a:outerShdw blurRad="38100" dist="38100" dir="2700000" algn="tl">
+                    <a:srgbClr val="000000">
+                      <a:alpha val="43137"/>
+                    </a:srgbClr>
+                  </a:outerShdw>
+                </a:effectLst>
+                <a:latin typeface="맑은 고딕" panose="020B0503020000020004" pitchFamily="50" charset="-127"/>
+                <a:ea typeface="맑은 고딕" panose="020B0503020000020004" pitchFamily="50" charset="-127"/>
+              </a:rPr>
+              <a:t>)</a:t>
+            </a:r>
           </a:p>
           <a:p>
             <a:pPr marL="1330452" lvl="2" indent="-342900">

--- a/진행사항.pptx
+++ b/진행사항.pptx
@@ -5,7 +5,7 @@
     <p:sldMasterId id="2147483660" r:id="rId1"/>
   </p:sldMasterIdLst>
   <p:notesMasterIdLst>
-    <p:notesMasterId r:id="rId19"/>
+    <p:notesMasterId r:id="rId20"/>
   </p:notesMasterIdLst>
   <p:sldIdLst>
     <p:sldId id="281" r:id="rId2"/>
@@ -16,15 +16,16 @@
     <p:sldId id="299" r:id="rId7"/>
     <p:sldId id="290" r:id="rId8"/>
     <p:sldId id="301" r:id="rId9"/>
-    <p:sldId id="302" r:id="rId10"/>
-    <p:sldId id="306" r:id="rId11"/>
-    <p:sldId id="307" r:id="rId12"/>
-    <p:sldId id="305" r:id="rId13"/>
-    <p:sldId id="309" r:id="rId14"/>
-    <p:sldId id="310" r:id="rId15"/>
-    <p:sldId id="311" r:id="rId16"/>
-    <p:sldId id="304" r:id="rId17"/>
-    <p:sldId id="303" r:id="rId18"/>
+    <p:sldId id="312" r:id="rId10"/>
+    <p:sldId id="302" r:id="rId11"/>
+    <p:sldId id="306" r:id="rId12"/>
+    <p:sldId id="307" r:id="rId13"/>
+    <p:sldId id="305" r:id="rId14"/>
+    <p:sldId id="309" r:id="rId15"/>
+    <p:sldId id="310" r:id="rId16"/>
+    <p:sldId id="311" r:id="rId17"/>
+    <p:sldId id="304" r:id="rId18"/>
+    <p:sldId id="303" r:id="rId19"/>
   </p:sldIdLst>
   <p:sldSz cx="9144000" cy="6858000" type="screen4x3"/>
   <p:notesSz cx="6858000" cy="9144000"/>
@@ -6101,6 +6102,852 @@
             </a:r>
           </a:p>
           <a:p>
+            <a:pPr marL="987552" lvl="1" indent="-457200">
+              <a:lnSpc>
+                <a:spcPct val="160000"/>
+              </a:lnSpc>
+              <a:buFont typeface="+mj-lt"/>
+              <a:buAutoNum type="alphaUcPeriod"/>
+            </a:pPr>
+            <a:r>
+              <a:rPr lang="ko-KR" altLang="en-US" sz="1950" i="0" dirty="0" err="1">
+                <a:solidFill>
+                  <a:schemeClr val="tx1">
+                    <a:lumMod val="95000"/>
+                    <a:lumOff val="5000"/>
+                  </a:schemeClr>
+                </a:solidFill>
+                <a:effectLst>
+                  <a:outerShdw blurRad="38100" dist="38100" dir="2700000" algn="tl">
+                    <a:srgbClr val="000000">
+                      <a:alpha val="43137"/>
+                    </a:srgbClr>
+                  </a:outerShdw>
+                </a:effectLst>
+                <a:latin typeface="맑은 고딕" panose="020B0503020000020004" pitchFamily="50" charset="-127"/>
+                <a:ea typeface="맑은 고딕" panose="020B0503020000020004" pitchFamily="50" charset="-127"/>
+              </a:rPr>
+              <a:t>미니맵</a:t>
+            </a:r>
+            <a:endParaRPr lang="en-US" altLang="ko-KR" sz="1950" i="0" dirty="0">
+              <a:solidFill>
+                <a:schemeClr val="tx1">
+                  <a:lumMod val="95000"/>
+                  <a:lumOff val="5000"/>
+                </a:schemeClr>
+              </a:solidFill>
+              <a:effectLst>
+                <a:outerShdw blurRad="38100" dist="38100" dir="2700000" algn="tl">
+                  <a:srgbClr val="000000">
+                    <a:alpha val="43137"/>
+                  </a:srgbClr>
+                </a:outerShdw>
+              </a:effectLst>
+              <a:latin typeface="맑은 고딕" panose="020B0503020000020004" pitchFamily="50" charset="-127"/>
+              <a:ea typeface="맑은 고딕" panose="020B0503020000020004" pitchFamily="50" charset="-127"/>
+            </a:endParaRPr>
+          </a:p>
+          <a:p>
+            <a:pPr marL="1330452" lvl="2" indent="-342900">
+              <a:lnSpc>
+                <a:spcPct val="160000"/>
+              </a:lnSpc>
+              <a:buFont typeface="+mj-lt"/>
+              <a:buAutoNum type="alphaUcPeriod"/>
+            </a:pPr>
+            <a:r>
+              <a:rPr lang="ko-KR" altLang="en-US" sz="1750" i="0" strike="sngStrike" dirty="0">
+                <a:solidFill>
+                  <a:schemeClr val="tx1">
+                    <a:lumMod val="95000"/>
+                    <a:lumOff val="5000"/>
+                  </a:schemeClr>
+                </a:solidFill>
+                <a:effectLst>
+                  <a:outerShdw blurRad="38100" dist="38100" dir="2700000" algn="tl">
+                    <a:srgbClr val="000000">
+                      <a:alpha val="43137"/>
+                    </a:srgbClr>
+                  </a:outerShdw>
+                </a:effectLst>
+                <a:latin typeface="맑은 고딕" panose="020B0503020000020004" pitchFamily="50" charset="-127"/>
+                <a:ea typeface="맑은 고딕" panose="020B0503020000020004" pitchFamily="50" charset="-127"/>
+              </a:rPr>
+              <a:t>우측 클릭 이동</a:t>
+            </a:r>
+            <a:endParaRPr lang="en-US" altLang="ko-KR" sz="1750" i="0" strike="sngStrike" dirty="0">
+              <a:solidFill>
+                <a:schemeClr val="tx1">
+                  <a:lumMod val="95000"/>
+                  <a:lumOff val="5000"/>
+                </a:schemeClr>
+              </a:solidFill>
+              <a:effectLst>
+                <a:outerShdw blurRad="38100" dist="38100" dir="2700000" algn="tl">
+                  <a:srgbClr val="000000">
+                    <a:alpha val="43137"/>
+                  </a:srgbClr>
+                </a:outerShdw>
+              </a:effectLst>
+              <a:latin typeface="맑은 고딕" panose="020B0503020000020004" pitchFamily="50" charset="-127"/>
+              <a:ea typeface="맑은 고딕" panose="020B0503020000020004" pitchFamily="50" charset="-127"/>
+            </a:endParaRPr>
+          </a:p>
+          <a:p>
+            <a:pPr marL="1330452" lvl="2" indent="-342900">
+              <a:lnSpc>
+                <a:spcPct val="160000"/>
+              </a:lnSpc>
+              <a:buFont typeface="+mj-lt"/>
+              <a:buAutoNum type="alphaUcPeriod"/>
+            </a:pPr>
+            <a:r>
+              <a:rPr lang="ko-KR" altLang="en-US" sz="1750" strike="dblStrike" dirty="0">
+                <a:solidFill>
+                  <a:schemeClr val="tx1">
+                    <a:lumMod val="95000"/>
+                    <a:lumOff val="5000"/>
+                  </a:schemeClr>
+                </a:solidFill>
+                <a:effectLst>
+                  <a:outerShdw blurRad="38100" dist="38100" dir="2700000" algn="tl">
+                    <a:srgbClr val="000000">
+                      <a:alpha val="43137"/>
+                    </a:srgbClr>
+                  </a:outerShdw>
+                </a:effectLst>
+                <a:latin typeface="맑은 고딕" panose="020B0503020000020004" pitchFamily="50" charset="-127"/>
+                <a:ea typeface="맑은 고딕" panose="020B0503020000020004" pitchFamily="50" charset="-127"/>
+              </a:rPr>
+              <a:t>우측 클릭 이동 길 </a:t>
+            </a:r>
+            <a:r>
+              <a:rPr lang="ko-KR" altLang="en-US" sz="1750" strike="dblStrike" dirty="0" err="1">
+                <a:solidFill>
+                  <a:schemeClr val="tx1">
+                    <a:lumMod val="95000"/>
+                    <a:lumOff val="5000"/>
+                  </a:schemeClr>
+                </a:solidFill>
+                <a:effectLst>
+                  <a:outerShdw blurRad="38100" dist="38100" dir="2700000" algn="tl">
+                    <a:srgbClr val="000000">
+                      <a:alpha val="43137"/>
+                    </a:srgbClr>
+                  </a:outerShdw>
+                </a:effectLst>
+                <a:latin typeface="맑은 고딕" panose="020B0503020000020004" pitchFamily="50" charset="-127"/>
+                <a:ea typeface="맑은 고딕" panose="020B0503020000020004" pitchFamily="50" charset="-127"/>
+              </a:rPr>
+              <a:t>미니맵</a:t>
+            </a:r>
+            <a:r>
+              <a:rPr lang="ko-KR" altLang="en-US" sz="1750" strike="dblStrike" dirty="0">
+                <a:solidFill>
+                  <a:schemeClr val="tx1">
+                    <a:lumMod val="95000"/>
+                    <a:lumOff val="5000"/>
+                  </a:schemeClr>
+                </a:solidFill>
+                <a:effectLst>
+                  <a:outerShdw blurRad="38100" dist="38100" dir="2700000" algn="tl">
+                    <a:srgbClr val="000000">
+                      <a:alpha val="43137"/>
+                    </a:srgbClr>
+                  </a:outerShdw>
+                </a:effectLst>
+                <a:latin typeface="맑은 고딕" panose="020B0503020000020004" pitchFamily="50" charset="-127"/>
+                <a:ea typeface="맑은 고딕" panose="020B0503020000020004" pitchFamily="50" charset="-127"/>
+              </a:rPr>
+              <a:t> 표시 </a:t>
+            </a:r>
+            <a:r>
+              <a:rPr lang="en-US" altLang="ko-KR" sz="1750" strike="dblStrike" dirty="0">
+                <a:solidFill>
+                  <a:schemeClr val="tx1">
+                    <a:lumMod val="95000"/>
+                    <a:lumOff val="5000"/>
+                  </a:schemeClr>
+                </a:solidFill>
+                <a:effectLst>
+                  <a:outerShdw blurRad="38100" dist="38100" dir="2700000" algn="tl">
+                    <a:srgbClr val="000000">
+                      <a:alpha val="43137"/>
+                    </a:srgbClr>
+                  </a:outerShdw>
+                </a:effectLst>
+                <a:latin typeface="맑은 고딕" panose="020B0503020000020004" pitchFamily="50" charset="-127"/>
+                <a:ea typeface="맑은 고딕" panose="020B0503020000020004" pitchFamily="50" charset="-127"/>
+              </a:rPr>
+              <a:t>(</a:t>
+            </a:r>
+            <a:r>
+              <a:rPr lang="ko-KR" altLang="en-US" sz="1750" strike="dblStrike" dirty="0">
+                <a:solidFill>
+                  <a:schemeClr val="tx1">
+                    <a:lumMod val="95000"/>
+                    <a:lumOff val="5000"/>
+                  </a:schemeClr>
+                </a:solidFill>
+                <a:effectLst>
+                  <a:outerShdw blurRad="38100" dist="38100" dir="2700000" algn="tl">
+                    <a:srgbClr val="000000">
+                      <a:alpha val="43137"/>
+                    </a:srgbClr>
+                  </a:outerShdw>
+                </a:effectLst>
+                <a:latin typeface="맑은 고딕" panose="020B0503020000020004" pitchFamily="50" charset="-127"/>
+                <a:ea typeface="맑은 고딕" panose="020B0503020000020004" pitchFamily="50" charset="-127"/>
+              </a:rPr>
+              <a:t>일단 보류</a:t>
+            </a:r>
+            <a:r>
+              <a:rPr lang="en-US" altLang="ko-KR" sz="1750" strike="dblStrike" dirty="0">
+                <a:solidFill>
+                  <a:schemeClr val="tx1">
+                    <a:lumMod val="95000"/>
+                    <a:lumOff val="5000"/>
+                  </a:schemeClr>
+                </a:solidFill>
+                <a:effectLst>
+                  <a:outerShdw blurRad="38100" dist="38100" dir="2700000" algn="tl">
+                    <a:srgbClr val="000000">
+                      <a:alpha val="43137"/>
+                    </a:srgbClr>
+                  </a:outerShdw>
+                </a:effectLst>
+                <a:latin typeface="맑은 고딕" panose="020B0503020000020004" pitchFamily="50" charset="-127"/>
+                <a:ea typeface="맑은 고딕" panose="020B0503020000020004" pitchFamily="50" charset="-127"/>
+              </a:rPr>
+              <a:t>)</a:t>
+            </a:r>
+          </a:p>
+          <a:p>
+            <a:pPr marL="1330452" lvl="2" indent="-342900">
+              <a:lnSpc>
+                <a:spcPct val="160000"/>
+              </a:lnSpc>
+              <a:buFont typeface="+mj-lt"/>
+              <a:buAutoNum type="alphaUcPeriod"/>
+            </a:pPr>
+            <a:r>
+              <a:rPr lang="ko-KR" altLang="en-US" sz="1750" strike="sngStrike" dirty="0">
+                <a:solidFill>
+                  <a:schemeClr val="tx1">
+                    <a:lumMod val="95000"/>
+                    <a:lumOff val="5000"/>
+                  </a:schemeClr>
+                </a:solidFill>
+                <a:effectLst>
+                  <a:outerShdw blurRad="38100" dist="38100" dir="2700000" algn="tl">
+                    <a:srgbClr val="000000">
+                      <a:alpha val="43137"/>
+                    </a:srgbClr>
+                  </a:outerShdw>
+                </a:effectLst>
+                <a:latin typeface="맑은 고딕" panose="020B0503020000020004" pitchFamily="50" charset="-127"/>
+                <a:ea typeface="맑은 고딕" panose="020B0503020000020004" pitchFamily="50" charset="-127"/>
+              </a:rPr>
+              <a:t>아이콘 </a:t>
+            </a:r>
+            <a:r>
+              <a:rPr lang="en-US" altLang="ko-KR" sz="1750" strike="sngStrike" dirty="0">
+                <a:solidFill>
+                  <a:schemeClr val="tx1">
+                    <a:lumMod val="95000"/>
+                    <a:lumOff val="5000"/>
+                  </a:schemeClr>
+                </a:solidFill>
+                <a:effectLst>
+                  <a:outerShdw blurRad="38100" dist="38100" dir="2700000" algn="tl">
+                    <a:srgbClr val="000000">
+                      <a:alpha val="43137"/>
+                    </a:srgbClr>
+                  </a:outerShdw>
+                </a:effectLst>
+                <a:latin typeface="맑은 고딕" panose="020B0503020000020004" pitchFamily="50" charset="-127"/>
+                <a:ea typeface="맑은 고딕" panose="020B0503020000020004" pitchFamily="50" charset="-127"/>
+              </a:rPr>
+              <a:t>(Player </a:t>
+            </a:r>
+            <a:r>
+              <a:rPr lang="ko-KR" altLang="en-US" sz="1750" strike="sngStrike" dirty="0">
+                <a:solidFill>
+                  <a:schemeClr val="tx1">
+                    <a:lumMod val="95000"/>
+                    <a:lumOff val="5000"/>
+                  </a:schemeClr>
+                </a:solidFill>
+                <a:effectLst>
+                  <a:outerShdw blurRad="38100" dist="38100" dir="2700000" algn="tl">
+                    <a:srgbClr val="000000">
+                      <a:alpha val="43137"/>
+                    </a:srgbClr>
+                  </a:outerShdw>
+                </a:effectLst>
+                <a:latin typeface="맑은 고딕" panose="020B0503020000020004" pitchFamily="50" charset="-127"/>
+                <a:ea typeface="맑은 고딕" panose="020B0503020000020004" pitchFamily="50" charset="-127"/>
+              </a:rPr>
+              <a:t>팀 구별 </a:t>
+            </a:r>
+            <a:r>
+              <a:rPr lang="en-US" altLang="ko-KR" sz="1750" strike="sngStrike" dirty="0">
+                <a:solidFill>
+                  <a:schemeClr val="tx1">
+                    <a:lumMod val="95000"/>
+                    <a:lumOff val="5000"/>
+                  </a:schemeClr>
+                </a:solidFill>
+                <a:effectLst>
+                  <a:outerShdw blurRad="38100" dist="38100" dir="2700000" algn="tl">
+                    <a:srgbClr val="000000">
+                      <a:alpha val="43137"/>
+                    </a:srgbClr>
+                  </a:outerShdw>
+                </a:effectLst>
+                <a:latin typeface="맑은 고딕" panose="020B0503020000020004" pitchFamily="50" charset="-127"/>
+                <a:ea typeface="맑은 고딕" panose="020B0503020000020004" pitchFamily="50" charset="-127"/>
+              </a:rPr>
+              <a:t>/ </a:t>
+            </a:r>
+            <a:r>
+              <a:rPr lang="ko-KR" altLang="en-US" sz="1750" strike="sngStrike" dirty="0">
+                <a:solidFill>
+                  <a:schemeClr val="tx1">
+                    <a:lumMod val="95000"/>
+                    <a:lumOff val="5000"/>
+                  </a:schemeClr>
+                </a:solidFill>
+                <a:effectLst>
+                  <a:outerShdw blurRad="38100" dist="38100" dir="2700000" algn="tl">
+                    <a:srgbClr val="000000">
+                      <a:alpha val="43137"/>
+                    </a:srgbClr>
+                  </a:outerShdw>
+                </a:effectLst>
+                <a:latin typeface="맑은 고딕" panose="020B0503020000020004" pitchFamily="50" charset="-127"/>
+                <a:ea typeface="맑은 고딕" panose="020B0503020000020004" pitchFamily="50" charset="-127"/>
+              </a:rPr>
+              <a:t>색상</a:t>
+            </a:r>
+            <a:r>
+              <a:rPr lang="en-US" altLang="ko-KR" sz="1750" strike="sngStrike" dirty="0">
+                <a:solidFill>
+                  <a:schemeClr val="tx1">
+                    <a:lumMod val="95000"/>
+                    <a:lumOff val="5000"/>
+                  </a:schemeClr>
+                </a:solidFill>
+                <a:effectLst>
+                  <a:outerShdw blurRad="38100" dist="38100" dir="2700000" algn="tl">
+                    <a:srgbClr val="000000">
+                      <a:alpha val="43137"/>
+                    </a:srgbClr>
+                  </a:outerShdw>
+                </a:effectLst>
+                <a:latin typeface="맑은 고딕" panose="020B0503020000020004" pitchFamily="50" charset="-127"/>
+                <a:ea typeface="맑은 고딕" panose="020B0503020000020004" pitchFamily="50" charset="-127"/>
+              </a:rPr>
+              <a:t>)</a:t>
+            </a:r>
+          </a:p>
+          <a:p>
+            <a:pPr marL="1330452" lvl="2" indent="-342900">
+              <a:lnSpc>
+                <a:spcPct val="160000"/>
+              </a:lnSpc>
+              <a:buFont typeface="+mj-lt"/>
+              <a:buAutoNum type="alphaUcPeriod"/>
+            </a:pPr>
+            <a:r>
+              <a:rPr lang="ko-KR" altLang="en-US" sz="1750" strike="sngStrike" dirty="0">
+                <a:solidFill>
+                  <a:schemeClr val="tx1">
+                    <a:lumMod val="95000"/>
+                    <a:lumOff val="5000"/>
+                  </a:schemeClr>
+                </a:solidFill>
+                <a:effectLst>
+                  <a:outerShdw blurRad="38100" dist="38100" dir="2700000" algn="tl">
+                    <a:srgbClr val="000000">
+                      <a:alpha val="43137"/>
+                    </a:srgbClr>
+                  </a:outerShdw>
+                </a:effectLst>
+                <a:latin typeface="맑은 고딕" panose="020B0503020000020004" pitchFamily="50" charset="-127"/>
+                <a:ea typeface="맑은 고딕" panose="020B0503020000020004" pitchFamily="50" charset="-127"/>
+              </a:rPr>
+              <a:t>아이콘 </a:t>
+            </a:r>
+            <a:r>
+              <a:rPr lang="en-US" altLang="ko-KR" sz="1750" strike="sngStrike" dirty="0">
+                <a:solidFill>
+                  <a:schemeClr val="tx1">
+                    <a:lumMod val="95000"/>
+                    <a:lumOff val="5000"/>
+                  </a:schemeClr>
+                </a:solidFill>
+                <a:effectLst>
+                  <a:outerShdw blurRad="38100" dist="38100" dir="2700000" algn="tl">
+                    <a:srgbClr val="000000">
+                      <a:alpha val="43137"/>
+                    </a:srgbClr>
+                  </a:outerShdw>
+                </a:effectLst>
+                <a:latin typeface="맑은 고딕" panose="020B0503020000020004" pitchFamily="50" charset="-127"/>
+                <a:ea typeface="맑은 고딕" panose="020B0503020000020004" pitchFamily="50" charset="-127"/>
+              </a:rPr>
+              <a:t>(Minion </a:t>
+            </a:r>
+            <a:r>
+              <a:rPr lang="ko-KR" altLang="en-US" sz="1750" strike="sngStrike" dirty="0">
+                <a:solidFill>
+                  <a:schemeClr val="tx1">
+                    <a:lumMod val="95000"/>
+                    <a:lumOff val="5000"/>
+                  </a:schemeClr>
+                </a:solidFill>
+                <a:effectLst>
+                  <a:outerShdw blurRad="38100" dist="38100" dir="2700000" algn="tl">
+                    <a:srgbClr val="000000">
+                      <a:alpha val="43137"/>
+                    </a:srgbClr>
+                  </a:outerShdw>
+                </a:effectLst>
+                <a:latin typeface="맑은 고딕" panose="020B0503020000020004" pitchFamily="50" charset="-127"/>
+                <a:ea typeface="맑은 고딕" panose="020B0503020000020004" pitchFamily="50" charset="-127"/>
+              </a:rPr>
+              <a:t>팀 구별 </a:t>
+            </a:r>
+            <a:r>
+              <a:rPr lang="en-US" altLang="ko-KR" sz="1750" strike="sngStrike" dirty="0">
+                <a:solidFill>
+                  <a:schemeClr val="tx1">
+                    <a:lumMod val="95000"/>
+                    <a:lumOff val="5000"/>
+                  </a:schemeClr>
+                </a:solidFill>
+                <a:effectLst>
+                  <a:outerShdw blurRad="38100" dist="38100" dir="2700000" algn="tl">
+                    <a:srgbClr val="000000">
+                      <a:alpha val="43137"/>
+                    </a:srgbClr>
+                  </a:outerShdw>
+                </a:effectLst>
+                <a:latin typeface="맑은 고딕" panose="020B0503020000020004" pitchFamily="50" charset="-127"/>
+                <a:ea typeface="맑은 고딕" panose="020B0503020000020004" pitchFamily="50" charset="-127"/>
+              </a:rPr>
+              <a:t>/ </a:t>
+            </a:r>
+            <a:r>
+              <a:rPr lang="ko-KR" altLang="en-US" sz="1750" strike="sngStrike" dirty="0">
+                <a:solidFill>
+                  <a:schemeClr val="tx1">
+                    <a:lumMod val="95000"/>
+                    <a:lumOff val="5000"/>
+                  </a:schemeClr>
+                </a:solidFill>
+                <a:effectLst>
+                  <a:outerShdw blurRad="38100" dist="38100" dir="2700000" algn="tl">
+                    <a:srgbClr val="000000">
+                      <a:alpha val="43137"/>
+                    </a:srgbClr>
+                  </a:outerShdw>
+                </a:effectLst>
+                <a:latin typeface="맑은 고딕" panose="020B0503020000020004" pitchFamily="50" charset="-127"/>
+                <a:ea typeface="맑은 고딕" panose="020B0503020000020004" pitchFamily="50" charset="-127"/>
+              </a:rPr>
+              <a:t>색상</a:t>
+            </a:r>
+            <a:r>
+              <a:rPr lang="en-US" altLang="ko-KR" sz="1750" strike="sngStrike" dirty="0">
+                <a:solidFill>
+                  <a:schemeClr val="tx1">
+                    <a:lumMod val="95000"/>
+                    <a:lumOff val="5000"/>
+                  </a:schemeClr>
+                </a:solidFill>
+                <a:effectLst>
+                  <a:outerShdw blurRad="38100" dist="38100" dir="2700000" algn="tl">
+                    <a:srgbClr val="000000">
+                      <a:alpha val="43137"/>
+                    </a:srgbClr>
+                  </a:outerShdw>
+                </a:effectLst>
+                <a:latin typeface="맑은 고딕" panose="020B0503020000020004" pitchFamily="50" charset="-127"/>
+                <a:ea typeface="맑은 고딕" panose="020B0503020000020004" pitchFamily="50" charset="-127"/>
+              </a:rPr>
+              <a:t>)</a:t>
+            </a:r>
+          </a:p>
+          <a:p>
+            <a:pPr marL="1330452" lvl="2" indent="-342900">
+              <a:lnSpc>
+                <a:spcPct val="160000"/>
+              </a:lnSpc>
+              <a:buFont typeface="+mj-lt"/>
+              <a:buAutoNum type="alphaUcPeriod"/>
+            </a:pPr>
+            <a:r>
+              <a:rPr lang="ko-KR" altLang="en-US" sz="1750" dirty="0">
+                <a:solidFill>
+                  <a:schemeClr val="tx1">
+                    <a:lumMod val="95000"/>
+                    <a:lumOff val="5000"/>
+                  </a:schemeClr>
+                </a:solidFill>
+                <a:effectLst>
+                  <a:outerShdw blurRad="38100" dist="38100" dir="2700000" algn="tl">
+                    <a:srgbClr val="000000">
+                      <a:alpha val="43137"/>
+                    </a:srgbClr>
+                  </a:outerShdw>
+                </a:effectLst>
+                <a:latin typeface="맑은 고딕" panose="020B0503020000020004" pitchFamily="50" charset="-127"/>
+                <a:ea typeface="맑은 고딕" panose="020B0503020000020004" pitchFamily="50" charset="-127"/>
+              </a:rPr>
+              <a:t>아이콘 </a:t>
+            </a:r>
+            <a:r>
+              <a:rPr lang="en-US" altLang="ko-KR" sz="1750" dirty="0">
+                <a:solidFill>
+                  <a:schemeClr val="tx1">
+                    <a:lumMod val="95000"/>
+                    <a:lumOff val="5000"/>
+                  </a:schemeClr>
+                </a:solidFill>
+                <a:effectLst>
+                  <a:outerShdw blurRad="38100" dist="38100" dir="2700000" algn="tl">
+                    <a:srgbClr val="000000">
+                      <a:alpha val="43137"/>
+                    </a:srgbClr>
+                  </a:outerShdw>
+                </a:effectLst>
+                <a:latin typeface="맑은 고딕" panose="020B0503020000020004" pitchFamily="50" charset="-127"/>
+                <a:ea typeface="맑은 고딕" panose="020B0503020000020004" pitchFamily="50" charset="-127"/>
+              </a:rPr>
+              <a:t>(</a:t>
+            </a:r>
+            <a:r>
+              <a:rPr lang="ko-KR" altLang="en-US" sz="1750" dirty="0">
+                <a:solidFill>
+                  <a:schemeClr val="tx1">
+                    <a:lumMod val="95000"/>
+                    <a:lumOff val="5000"/>
+                  </a:schemeClr>
+                </a:solidFill>
+                <a:effectLst>
+                  <a:outerShdw blurRad="38100" dist="38100" dir="2700000" algn="tl">
+                    <a:srgbClr val="000000">
+                      <a:alpha val="43137"/>
+                    </a:srgbClr>
+                  </a:outerShdw>
+                </a:effectLst>
+                <a:latin typeface="맑은 고딕" panose="020B0503020000020004" pitchFamily="50" charset="-127"/>
+                <a:ea typeface="맑은 고딕" panose="020B0503020000020004" pitchFamily="50" charset="-127"/>
+              </a:rPr>
+              <a:t>정글 몬스터</a:t>
+            </a:r>
+            <a:r>
+              <a:rPr lang="en-US" altLang="ko-KR" sz="1750" dirty="0">
+                <a:solidFill>
+                  <a:schemeClr val="tx1">
+                    <a:lumMod val="95000"/>
+                    <a:lumOff val="5000"/>
+                  </a:schemeClr>
+                </a:solidFill>
+                <a:effectLst>
+                  <a:outerShdw blurRad="38100" dist="38100" dir="2700000" algn="tl">
+                    <a:srgbClr val="000000">
+                      <a:alpha val="43137"/>
+                    </a:srgbClr>
+                  </a:outerShdw>
+                </a:effectLst>
+                <a:latin typeface="맑은 고딕" panose="020B0503020000020004" pitchFamily="50" charset="-127"/>
+                <a:ea typeface="맑은 고딕" panose="020B0503020000020004" pitchFamily="50" charset="-127"/>
+              </a:rPr>
+              <a:t>)</a:t>
+            </a:r>
+          </a:p>
+          <a:p>
+            <a:pPr marL="1330452" lvl="2" indent="-342900">
+              <a:lnSpc>
+                <a:spcPct val="160000"/>
+              </a:lnSpc>
+              <a:buFont typeface="+mj-lt"/>
+              <a:buAutoNum type="alphaUcPeriod"/>
+            </a:pPr>
+            <a:r>
+              <a:rPr lang="ko-KR" altLang="en-US" sz="1750" strike="sngStrike" dirty="0">
+                <a:solidFill>
+                  <a:schemeClr val="tx1">
+                    <a:lumMod val="95000"/>
+                    <a:lumOff val="5000"/>
+                  </a:schemeClr>
+                </a:solidFill>
+                <a:effectLst>
+                  <a:outerShdw blurRad="38100" dist="38100" dir="2700000" algn="tl">
+                    <a:srgbClr val="000000">
+                      <a:alpha val="43137"/>
+                    </a:srgbClr>
+                  </a:outerShdw>
+                </a:effectLst>
+                <a:latin typeface="맑은 고딕" panose="020B0503020000020004" pitchFamily="50" charset="-127"/>
+                <a:ea typeface="맑은 고딕" panose="020B0503020000020004" pitchFamily="50" charset="-127"/>
+              </a:rPr>
+              <a:t>타워 아이콘 </a:t>
+            </a:r>
+            <a:r>
+              <a:rPr lang="en-US" altLang="ko-KR" sz="1750" strike="sngStrike" dirty="0">
+                <a:solidFill>
+                  <a:schemeClr val="tx1">
+                    <a:lumMod val="95000"/>
+                    <a:lumOff val="5000"/>
+                  </a:schemeClr>
+                </a:solidFill>
+                <a:effectLst>
+                  <a:outerShdw blurRad="38100" dist="38100" dir="2700000" algn="tl">
+                    <a:srgbClr val="000000">
+                      <a:alpha val="43137"/>
+                    </a:srgbClr>
+                  </a:outerShdw>
+                </a:effectLst>
+                <a:latin typeface="맑은 고딕" panose="020B0503020000020004" pitchFamily="50" charset="-127"/>
+                <a:ea typeface="맑은 고딕" panose="020B0503020000020004" pitchFamily="50" charset="-127"/>
+              </a:rPr>
+              <a:t>HP </a:t>
+            </a:r>
+            <a:r>
+              <a:rPr lang="ko-KR" altLang="en-US" sz="1750" strike="sngStrike" dirty="0">
+                <a:solidFill>
+                  <a:schemeClr val="tx1">
+                    <a:lumMod val="95000"/>
+                    <a:lumOff val="5000"/>
+                  </a:schemeClr>
+                </a:solidFill>
+                <a:effectLst>
+                  <a:outerShdw blurRad="38100" dist="38100" dir="2700000" algn="tl">
+                    <a:srgbClr val="000000">
+                      <a:alpha val="43137"/>
+                    </a:srgbClr>
+                  </a:outerShdw>
+                </a:effectLst>
+                <a:latin typeface="맑은 고딕" panose="020B0503020000020004" pitchFamily="50" charset="-127"/>
+                <a:ea typeface="맑은 고딕" panose="020B0503020000020004" pitchFamily="50" charset="-127"/>
+              </a:rPr>
+              <a:t>게이지 처럼 처리</a:t>
+            </a:r>
+            <a:endParaRPr lang="en-US" altLang="ko-KR" sz="1750" strike="sngStrike" dirty="0">
+              <a:solidFill>
+                <a:schemeClr val="tx1">
+                  <a:lumMod val="95000"/>
+                  <a:lumOff val="5000"/>
+                </a:schemeClr>
+              </a:solidFill>
+              <a:effectLst>
+                <a:outerShdw blurRad="38100" dist="38100" dir="2700000" algn="tl">
+                  <a:srgbClr val="000000">
+                    <a:alpha val="43137"/>
+                  </a:srgbClr>
+                </a:outerShdw>
+              </a:effectLst>
+              <a:latin typeface="맑은 고딕" panose="020B0503020000020004" pitchFamily="50" charset="-127"/>
+              <a:ea typeface="맑은 고딕" panose="020B0503020000020004" pitchFamily="50" charset="-127"/>
+            </a:endParaRPr>
+          </a:p>
+        </p:txBody>
+      </p:sp>
+      <p:sp>
+        <p:nvSpPr>
+          <p:cNvPr id="3" name="슬라이드 번호 개체 틀 2">
+            <a:extLst>
+              <a:ext uri="{FF2B5EF4-FFF2-40B4-BE49-F238E27FC236}">
+                <a16:creationId xmlns:a16="http://schemas.microsoft.com/office/drawing/2014/main" id="{36392628-7DF0-4B14-92FD-A5D98527D503}"/>
+              </a:ext>
+            </a:extLst>
+          </p:cNvPr>
+          <p:cNvSpPr>
+            <a:spLocks noGrp="1"/>
+          </p:cNvSpPr>
+          <p:nvPr>
+            <p:ph type="sldNum" sz="quarter" idx="12"/>
+          </p:nvPr>
+        </p:nvSpPr>
+        <p:spPr>
+          <a:xfrm>
+            <a:off x="7106400" y="6454800"/>
+            <a:ext cx="1198800" cy="403200"/>
+          </a:xfrm>
+        </p:spPr>
+        <p:txBody>
+          <a:bodyPr/>
+          <a:lstStyle/>
+          <a:p>
+            <a:fld id="{69E57DC2-970A-4B3E-BB1C-7A09969E49DF}" type="slidenum">
+              <a:rPr lang="en-US" smtClean="0"/>
+              <a:t>10</a:t>
+            </a:fld>
+            <a:endParaRPr lang="en-US" dirty="0"/>
+          </a:p>
+        </p:txBody>
+      </p:sp>
+    </p:spTree>
+    <p:extLst>
+      <p:ext uri="{BB962C8B-B14F-4D97-AF65-F5344CB8AC3E}">
+        <p14:creationId xmlns:p14="http://schemas.microsoft.com/office/powerpoint/2010/main" val="1316857700"/>
+      </p:ext>
+    </p:extLst>
+  </p:cSld>
+  <p:clrMapOvr>
+    <a:masterClrMapping/>
+  </p:clrMapOvr>
+</p:sld>
+</file>
+
+<file path=ppt/slides/slide11.xml><?xml version="1.0" encoding="utf-8"?>
+<p:sld xmlns:a="http://schemas.openxmlformats.org/drawingml/2006/main" xmlns:r="http://schemas.openxmlformats.org/officeDocument/2006/relationships" xmlns:p="http://schemas.openxmlformats.org/presentationml/2006/main">
+  <p:cSld>
+    <p:spTree>
+      <p:nvGrpSpPr>
+        <p:cNvPr id="1" name=""/>
+        <p:cNvGrpSpPr/>
+        <p:nvPr/>
+      </p:nvGrpSpPr>
+      <p:grpSpPr>
+        <a:xfrm>
+          <a:off x="0" y="0"/>
+          <a:ext cx="0" cy="0"/>
+          <a:chOff x="0" y="0"/>
+          <a:chExt cx="0" cy="0"/>
+        </a:xfrm>
+      </p:grpSpPr>
+      <p:sp>
+        <p:nvSpPr>
+          <p:cNvPr id="2" name="제목 1">
+            <a:extLst>
+              <a:ext uri="{FF2B5EF4-FFF2-40B4-BE49-F238E27FC236}">
+                <a16:creationId xmlns:a16="http://schemas.microsoft.com/office/drawing/2014/main" id="{1B2F03EE-71DD-491C-99CC-16E59ED95F65}"/>
+              </a:ext>
+            </a:extLst>
+          </p:cNvPr>
+          <p:cNvSpPr>
+            <a:spLocks noGrp="1"/>
+          </p:cNvSpPr>
+          <p:nvPr>
+            <p:ph type="title"/>
+          </p:nvPr>
+        </p:nvSpPr>
+        <p:spPr>
+          <a:xfrm>
+            <a:off x="1028700" y="651600"/>
+            <a:ext cx="7200900" cy="581025"/>
+          </a:xfrm>
+        </p:spPr>
+        <p:txBody>
+          <a:bodyPr>
+            <a:normAutofit/>
+          </a:bodyPr>
+          <a:lstStyle/>
+          <a:p>
+            <a:r>
+              <a:rPr lang="ko-KR" altLang="en-US" sz="3600" b="1" dirty="0">
+                <a:solidFill>
+                  <a:schemeClr val="tx1">
+                    <a:lumMod val="95000"/>
+                    <a:lumOff val="5000"/>
+                  </a:schemeClr>
+                </a:solidFill>
+                <a:latin typeface="맑은 고딕" panose="020B0503020000020004" pitchFamily="50" charset="-127"/>
+                <a:ea typeface="맑은 고딕" panose="020B0503020000020004" pitchFamily="50" charset="-127"/>
+              </a:rPr>
+              <a:t>보완 사항 및 앞으로 일정</a:t>
+            </a:r>
+            <a:r>
+              <a:rPr lang="en-US" altLang="ko-KR" sz="3600" b="1" dirty="0">
+                <a:solidFill>
+                  <a:schemeClr val="tx1">
+                    <a:lumMod val="95000"/>
+                    <a:lumOff val="5000"/>
+                  </a:schemeClr>
+                </a:solidFill>
+                <a:latin typeface="맑은 고딕" panose="020B0503020000020004" pitchFamily="50" charset="-127"/>
+                <a:ea typeface="맑은 고딕" panose="020B0503020000020004" pitchFamily="50" charset="-127"/>
+              </a:rPr>
+              <a:t>- </a:t>
+            </a:r>
+            <a:r>
+              <a:rPr lang="ko-KR" altLang="en-US" sz="3600" b="1" dirty="0">
+                <a:solidFill>
+                  <a:schemeClr val="tx1">
+                    <a:lumMod val="95000"/>
+                    <a:lumOff val="5000"/>
+                  </a:schemeClr>
+                </a:solidFill>
+                <a:latin typeface="맑은 고딕" panose="020B0503020000020004" pitchFamily="50" charset="-127"/>
+                <a:ea typeface="맑은 고딕" panose="020B0503020000020004" pitchFamily="50" charset="-127"/>
+              </a:rPr>
+              <a:t>이용선</a:t>
+            </a:r>
+          </a:p>
+        </p:txBody>
+      </p:sp>
+      <p:sp>
+        <p:nvSpPr>
+          <p:cNvPr id="5" name="내용 개체 틀 4">
+            <a:extLst>
+              <a:ext uri="{FF2B5EF4-FFF2-40B4-BE49-F238E27FC236}">
+                <a16:creationId xmlns:a16="http://schemas.microsoft.com/office/drawing/2014/main" id="{9FB52D98-533A-47D2-8523-BFFFB3E178F2}"/>
+              </a:ext>
+            </a:extLst>
+          </p:cNvPr>
+          <p:cNvSpPr>
+            <a:spLocks noGrp="1"/>
+          </p:cNvSpPr>
+          <p:nvPr>
+            <p:ph idx="1"/>
+          </p:nvPr>
+        </p:nvSpPr>
+        <p:spPr>
+          <a:xfrm>
+            <a:off x="1028700" y="1828626"/>
+            <a:ext cx="7200900" cy="4377774"/>
+          </a:xfrm>
+        </p:spPr>
+        <p:txBody>
+          <a:bodyPr>
+            <a:normAutofit/>
+          </a:bodyPr>
+          <a:lstStyle/>
+          <a:p>
+            <a:pPr marL="457200" indent="-457200">
+              <a:lnSpc>
+                <a:spcPct val="160000"/>
+              </a:lnSpc>
+              <a:buFont typeface="+mj-lt"/>
+              <a:buAutoNum type="alphaUcPeriod"/>
+            </a:pPr>
+            <a:r>
+              <a:rPr lang="en-US" altLang="ko-KR" sz="1950" i="0" dirty="0">
+                <a:solidFill>
+                  <a:schemeClr val="tx1">
+                    <a:lumMod val="95000"/>
+                    <a:lumOff val="5000"/>
+                  </a:schemeClr>
+                </a:solidFill>
+                <a:effectLst>
+                  <a:outerShdw blurRad="38100" dist="38100" dir="2700000" algn="tl">
+                    <a:srgbClr val="000000">
+                      <a:alpha val="43137"/>
+                    </a:srgbClr>
+                  </a:outerShdw>
+                </a:effectLst>
+                <a:latin typeface="맑은 고딕" panose="020B0503020000020004" pitchFamily="50" charset="-127"/>
+                <a:ea typeface="맑은 고딕" panose="020B0503020000020004" pitchFamily="50" charset="-127"/>
+              </a:rPr>
+              <a:t>UI</a:t>
+            </a:r>
+          </a:p>
+          <a:p>
             <a:pPr marL="873252" lvl="1" indent="-342900">
               <a:lnSpc>
                 <a:spcPct val="160000"/>
@@ -6538,7 +7385,7 @@
           <a:p>
             <a:fld id="{69E57DC2-970A-4B3E-BB1C-7A09969E49DF}" type="slidenum">
               <a:rPr lang="en-US" smtClean="0"/>
-              <a:t>10</a:t>
+              <a:t>11</a:t>
             </a:fld>
             <a:endParaRPr lang="en-US" dirty="0"/>
           </a:p>
@@ -6557,7 +7404,7 @@
 </p:sld>
 </file>
 
-<file path=ppt/slides/slide11.xml><?xml version="1.0" encoding="utf-8"?>
+<file path=ppt/slides/slide12.xml><?xml version="1.0" encoding="utf-8"?>
 <p:sld xmlns:a="http://schemas.openxmlformats.org/drawingml/2006/main" xmlns:r="http://schemas.openxmlformats.org/officeDocument/2006/relationships" xmlns:p="http://schemas.openxmlformats.org/presentationml/2006/main">
   <p:cSld>
     <p:spTree>
@@ -7636,7 +8483,7 @@
           <a:p>
             <a:fld id="{69E57DC2-970A-4B3E-BB1C-7A09969E49DF}" type="slidenum">
               <a:rPr lang="en-US" smtClean="0"/>
-              <a:t>11</a:t>
+              <a:t>12</a:t>
             </a:fld>
             <a:endParaRPr lang="en-US" dirty="0"/>
           </a:p>
@@ -7655,7 +8502,7 @@
 </p:sld>
 </file>
 
-<file path=ppt/slides/slide12.xml><?xml version="1.0" encoding="utf-8"?>
+<file path=ppt/slides/slide13.xml><?xml version="1.0" encoding="utf-8"?>
 <p:sld xmlns:a="http://schemas.openxmlformats.org/drawingml/2006/main" xmlns:r="http://schemas.openxmlformats.org/officeDocument/2006/relationships" xmlns:p="http://schemas.openxmlformats.org/presentationml/2006/main">
   <p:cSld>
     <p:spTree>
@@ -8259,7 +9106,7 @@
           <a:p>
             <a:fld id="{69E57DC2-970A-4B3E-BB1C-7A09969E49DF}" type="slidenum">
               <a:rPr lang="en-US" smtClean="0"/>
-              <a:t>12</a:t>
+              <a:t>13</a:t>
             </a:fld>
             <a:endParaRPr lang="en-US" dirty="0"/>
           </a:p>
@@ -8278,7 +9125,7 @@
 </p:sld>
 </file>
 
-<file path=ppt/slides/slide13.xml><?xml version="1.0" encoding="utf-8"?>
+<file path=ppt/slides/slide14.xml><?xml version="1.0" encoding="utf-8"?>
 <p:sld xmlns:a="http://schemas.openxmlformats.org/drawingml/2006/main" xmlns:r="http://schemas.openxmlformats.org/officeDocument/2006/relationships" xmlns:p="http://schemas.openxmlformats.org/presentationml/2006/main">
   <p:cSld>
     <p:spTree>
@@ -8747,7 +9594,7 @@
           <a:p>
             <a:fld id="{69E57DC2-970A-4B3E-BB1C-7A09969E49DF}" type="slidenum">
               <a:rPr lang="en-US" smtClean="0"/>
-              <a:t>13</a:t>
+              <a:t>14</a:t>
             </a:fld>
             <a:endParaRPr lang="en-US" dirty="0"/>
           </a:p>
@@ -8766,7 +9613,7 @@
 </p:sld>
 </file>
 
-<file path=ppt/slides/slide14.xml><?xml version="1.0" encoding="utf-8"?>
+<file path=ppt/slides/slide15.xml><?xml version="1.0" encoding="utf-8"?>
 <p:sld xmlns:a="http://schemas.openxmlformats.org/drawingml/2006/main" xmlns:r="http://schemas.openxmlformats.org/officeDocument/2006/relationships" xmlns:p="http://schemas.openxmlformats.org/presentationml/2006/main">
   <p:cSld>
     <p:spTree>
@@ -9215,7 +10062,7 @@
           <a:p>
             <a:fld id="{69E57DC2-970A-4B3E-BB1C-7A09969E49DF}" type="slidenum">
               <a:rPr lang="en-US" smtClean="0"/>
-              <a:t>14</a:t>
+              <a:t>15</a:t>
             </a:fld>
             <a:endParaRPr lang="en-US" dirty="0"/>
           </a:p>
@@ -9234,7 +10081,7 @@
 </p:sld>
 </file>
 
-<file path=ppt/slides/slide15.xml><?xml version="1.0" encoding="utf-8"?>
+<file path=ppt/slides/slide16.xml><?xml version="1.0" encoding="utf-8"?>
 <p:sld xmlns:a="http://schemas.openxmlformats.org/drawingml/2006/main" xmlns:r="http://schemas.openxmlformats.org/officeDocument/2006/relationships" xmlns:p="http://schemas.openxmlformats.org/presentationml/2006/main">
   <p:cSld>
     <p:spTree>
@@ -10398,7 +11245,7 @@
           <a:p>
             <a:fld id="{69E57DC2-970A-4B3E-BB1C-7A09969E49DF}" type="slidenum">
               <a:rPr lang="en-US" smtClean="0"/>
-              <a:t>15</a:t>
+              <a:t>16</a:t>
             </a:fld>
             <a:endParaRPr lang="en-US" dirty="0"/>
           </a:p>
@@ -10417,7 +11264,7 @@
 </p:sld>
 </file>
 
-<file path=ppt/slides/slide16.xml><?xml version="1.0" encoding="utf-8"?>
+<file path=ppt/slides/slide17.xml><?xml version="1.0" encoding="utf-8"?>
 <p:sld xmlns:a="http://schemas.openxmlformats.org/drawingml/2006/main" xmlns:r="http://schemas.openxmlformats.org/officeDocument/2006/relationships" xmlns:p="http://schemas.openxmlformats.org/presentationml/2006/main">
   <p:cSld>
     <p:spTree>
@@ -11035,7 +11882,7 @@
           <a:p>
             <a:fld id="{69E57DC2-970A-4B3E-BB1C-7A09969E49DF}" type="slidenum">
               <a:rPr lang="en-US" smtClean="0"/>
-              <a:t>16</a:t>
+              <a:t>17</a:t>
             </a:fld>
             <a:endParaRPr lang="en-US" dirty="0"/>
           </a:p>
@@ -11054,7 +11901,7 @@
 </p:sld>
 </file>
 
-<file path=ppt/slides/slide17.xml><?xml version="1.0" encoding="utf-8"?>
+<file path=ppt/slides/slide18.xml><?xml version="1.0" encoding="utf-8"?>
 <p:sld xmlns:a="http://schemas.openxmlformats.org/drawingml/2006/main" xmlns:r="http://schemas.openxmlformats.org/officeDocument/2006/relationships" xmlns:p="http://schemas.openxmlformats.org/presentationml/2006/main">
   <p:cSld>
     <p:spTree>
@@ -11432,7 +12279,7 @@
           <a:p>
             <a:fld id="{69E57DC2-970A-4B3E-BB1C-7A09969E49DF}" type="slidenum">
               <a:rPr lang="en-US" smtClean="0"/>
-              <a:t>17</a:t>
+              <a:t>18</a:t>
             </a:fld>
             <a:endParaRPr lang="en-US" dirty="0"/>
           </a:p>
@@ -11671,7 +12518,7 @@
           <p:nvPr>
             <p:extLst>
               <p:ext uri="{D42A27DB-BD31-4B8C-83A1-F6EECF244321}">
-                <p14:modId xmlns:p14="http://schemas.microsoft.com/office/powerpoint/2010/main" val="3154100136"/>
+                <p14:modId xmlns:p14="http://schemas.microsoft.com/office/powerpoint/2010/main" val="1757869731"/>
               </p:ext>
             </p:extLst>
           </p:nvPr>
@@ -15263,6 +16110,15 @@
                       <a:headEnd type="none" w="med" len="med"/>
                       <a:tailEnd type="none" w="med" len="med"/>
                     </a:lnB>
+                    <a:lnBlToTr w="12700" cap="flat" cmpd="sng" algn="ctr">
+                      <a:solidFill>
+                        <a:schemeClr val="tx1"/>
+                      </a:solidFill>
+                      <a:prstDash val="solid"/>
+                      <a:round/>
+                      <a:headEnd type="none" w="med" len="med"/>
+                      <a:tailEnd type="none" w="med" len="med"/>
+                    </a:lnBlToTr>
                     <a:solidFill>
                       <a:srgbClr val="FFC000"/>
                     </a:solidFill>
@@ -15313,6 +16169,15 @@
                       <a:headEnd type="none" w="med" len="med"/>
                       <a:tailEnd type="none" w="med" len="med"/>
                     </a:lnB>
+                    <a:lnBlToTr w="12700" cap="flat" cmpd="sng" algn="ctr">
+                      <a:solidFill>
+                        <a:schemeClr val="tx1"/>
+                      </a:solidFill>
+                      <a:prstDash val="solid"/>
+                      <a:round/>
+                      <a:headEnd type="none" w="med" len="med"/>
+                      <a:tailEnd type="none" w="med" len="med"/>
+                    </a:lnBlToTr>
                     <a:solidFill>
                       <a:srgbClr val="FFC000"/>
                     </a:solidFill>
@@ -15363,6 +16228,15 @@
                       <a:headEnd type="none" w="med" len="med"/>
                       <a:tailEnd type="none" w="med" len="med"/>
                     </a:lnB>
+                    <a:lnBlToTr w="12700" cap="flat" cmpd="sng" algn="ctr">
+                      <a:solidFill>
+                        <a:schemeClr val="tx1"/>
+                      </a:solidFill>
+                      <a:prstDash val="solid"/>
+                      <a:round/>
+                      <a:headEnd type="none" w="med" len="med"/>
+                      <a:tailEnd type="none" w="med" len="med"/>
+                    </a:lnBlToTr>
                     <a:solidFill>
                       <a:srgbClr val="FFC000"/>
                     </a:solidFill>
@@ -15413,6 +16287,15 @@
                       <a:headEnd type="none" w="med" len="med"/>
                       <a:tailEnd type="none" w="med" len="med"/>
                     </a:lnB>
+                    <a:lnBlToTr w="12700" cap="flat" cmpd="sng" algn="ctr">
+                      <a:solidFill>
+                        <a:schemeClr val="tx1"/>
+                      </a:solidFill>
+                      <a:prstDash val="solid"/>
+                      <a:round/>
+                      <a:headEnd type="none" w="med" len="med"/>
+                      <a:tailEnd type="none" w="med" len="med"/>
+                    </a:lnBlToTr>
                     <a:solidFill>
                       <a:srgbClr val="FFC000"/>
                     </a:solidFill>
@@ -15463,6 +16346,15 @@
                       <a:headEnd type="none" w="med" len="med"/>
                       <a:tailEnd type="none" w="med" len="med"/>
                     </a:lnB>
+                    <a:lnBlToTr w="12700" cap="flat" cmpd="sng" algn="ctr">
+                      <a:solidFill>
+                        <a:schemeClr val="tx1"/>
+                      </a:solidFill>
+                      <a:prstDash val="solid"/>
+                      <a:round/>
+                      <a:headEnd type="none" w="med" len="med"/>
+                      <a:tailEnd type="none" w="med" len="med"/>
+                    </a:lnBlToTr>
                     <a:solidFill>
                       <a:srgbClr val="FFC000"/>
                     </a:solidFill>
@@ -15513,6 +16405,15 @@
                       <a:headEnd type="none" w="med" len="med"/>
                       <a:tailEnd type="none" w="med" len="med"/>
                     </a:lnB>
+                    <a:lnBlToTr w="12700" cap="flat" cmpd="sng" algn="ctr">
+                      <a:solidFill>
+                        <a:schemeClr val="tx1"/>
+                      </a:solidFill>
+                      <a:prstDash val="solid"/>
+                      <a:round/>
+                      <a:headEnd type="none" w="med" len="med"/>
+                      <a:tailEnd type="none" w="med" len="med"/>
+                    </a:lnBlToTr>
                     <a:solidFill>
                       <a:srgbClr val="FFC000"/>
                     </a:solidFill>
@@ -38410,7 +39311,7 @@
         </p:spPr>
         <p:txBody>
           <a:bodyPr>
-            <a:normAutofit lnSpcReduction="10000"/>
+            <a:normAutofit fontScale="92500" lnSpcReduction="20000"/>
           </a:bodyPr>
           <a:lstStyle/>
           <a:p>
@@ -38654,7 +39555,7 @@
               <a:buAutoNum type="alphaUcPeriod"/>
             </a:pPr>
             <a:r>
-              <a:rPr lang="ko-KR" altLang="en-US" sz="1950" dirty="0">
+              <a:rPr lang="ko-KR" altLang="en-US" sz="1950" strike="sngStrike" dirty="0">
                 <a:solidFill>
                   <a:schemeClr val="tx1">
                     <a:lumMod val="95000"/>
@@ -38674,7 +39575,7 @@
               <a:t>지형 생성</a:t>
             </a:r>
             <a:r>
-              <a:rPr lang="en-US" altLang="ko-KR" sz="1950" dirty="0">
+              <a:rPr lang="en-US" altLang="ko-KR" sz="1950" strike="sngStrike" dirty="0">
                 <a:solidFill>
                   <a:schemeClr val="tx1">
                     <a:lumMod val="95000"/>
@@ -38694,7 +39595,7 @@
               <a:t>, </a:t>
             </a:r>
             <a:r>
-              <a:rPr lang="ko-KR" altLang="en-US" sz="1950" dirty="0" err="1">
+              <a:rPr lang="ko-KR" altLang="en-US" sz="1950" strike="sngStrike" dirty="0" err="1">
                 <a:solidFill>
                   <a:schemeClr val="tx1">
                     <a:lumMod val="95000"/>
@@ -38714,6 +39615,52 @@
               <a:t>랜더링</a:t>
             </a:r>
             <a:r>
+              <a:rPr lang="ko-KR" altLang="en-US" sz="1950" strike="sngStrike" dirty="0">
+                <a:solidFill>
+                  <a:schemeClr val="tx1">
+                    <a:lumMod val="95000"/>
+                    <a:lumOff val="5000"/>
+                  </a:schemeClr>
+                </a:solidFill>
+                <a:effectLst>
+                  <a:outerShdw blurRad="38100" dist="38100" dir="2700000" algn="tl">
+                    <a:srgbClr val="000000">
+                      <a:alpha val="43137"/>
+                    </a:srgbClr>
+                  </a:outerShdw>
+                </a:effectLst>
+                <a:latin typeface="맑은 고딕" panose="020B0503020000020004" pitchFamily="50" charset="-127"/>
+                <a:ea typeface="맑은 고딕" panose="020B0503020000020004" pitchFamily="50" charset="-127"/>
+              </a:rPr>
+              <a:t> 방법 변경</a:t>
+            </a:r>
+            <a:endParaRPr lang="en-US" altLang="ko-KR" sz="1950" strike="sngStrike" dirty="0">
+              <a:solidFill>
+                <a:schemeClr val="tx1">
+                  <a:lumMod val="95000"/>
+                  <a:lumOff val="5000"/>
+                </a:schemeClr>
+              </a:solidFill>
+              <a:effectLst>
+                <a:outerShdw blurRad="38100" dist="38100" dir="2700000" algn="tl">
+                  <a:srgbClr val="000000">
+                    <a:alpha val="43137"/>
+                  </a:srgbClr>
+                </a:outerShdw>
+              </a:effectLst>
+              <a:latin typeface="맑은 고딕" panose="020B0503020000020004" pitchFamily="50" charset="-127"/>
+              <a:ea typeface="맑은 고딕" panose="020B0503020000020004" pitchFamily="50" charset="-127"/>
+            </a:endParaRPr>
+          </a:p>
+          <a:p>
+            <a:pPr marL="457200" indent="-457200">
+              <a:lnSpc>
+                <a:spcPct val="160000"/>
+              </a:lnSpc>
+              <a:buFont typeface="+mj-lt"/>
+              <a:buAutoNum type="alphaUcPeriod"/>
+            </a:pPr>
+            <a:r>
               <a:rPr lang="ko-KR" altLang="en-US" sz="1950" dirty="0">
                 <a:solidFill>
                   <a:schemeClr val="tx1">
@@ -38731,7 +39678,47 @@
                 <a:latin typeface="맑은 고딕" panose="020B0503020000020004" pitchFamily="50" charset="-127"/>
                 <a:ea typeface="맑은 고딕" panose="020B0503020000020004" pitchFamily="50" charset="-127"/>
               </a:rPr>
-              <a:t> 방법 변경</a:t>
+              <a:t>라인 몬스터 </a:t>
+            </a:r>
+            <a:r>
+              <a:rPr lang="en-US" altLang="ko-KR" sz="1950" dirty="0">
+                <a:solidFill>
+                  <a:schemeClr val="tx1">
+                    <a:lumMod val="95000"/>
+                    <a:lumOff val="5000"/>
+                  </a:schemeClr>
+                </a:solidFill>
+                <a:effectLst>
+                  <a:outerShdw blurRad="38100" dist="38100" dir="2700000" algn="tl">
+                    <a:srgbClr val="000000">
+                      <a:alpha val="43137"/>
+                    </a:srgbClr>
+                  </a:outerShdw>
+                </a:effectLst>
+                <a:latin typeface="맑은 고딕" panose="020B0503020000020004" pitchFamily="50" charset="-127"/>
+                <a:ea typeface="맑은 고딕" panose="020B0503020000020004" pitchFamily="50" charset="-127"/>
+              </a:rPr>
+              <a:t>FSM </a:t>
+            </a:r>
+            <a:r>
+              <a:rPr lang="ko-KR" altLang="en-US" sz="1950" dirty="0">
+                <a:solidFill>
+                  <a:schemeClr val="tx1">
+                    <a:lumMod val="95000"/>
+                    <a:lumOff val="5000"/>
+                  </a:schemeClr>
+                </a:solidFill>
+                <a:effectLst>
+                  <a:outerShdw blurRad="38100" dist="38100" dir="2700000" algn="tl">
+                    <a:srgbClr val="000000">
+                      <a:alpha val="43137"/>
+                    </a:srgbClr>
+                  </a:outerShdw>
+                </a:effectLst>
+                <a:latin typeface="맑은 고딕" panose="020B0503020000020004" pitchFamily="50" charset="-127"/>
+                <a:ea typeface="맑은 고딕" panose="020B0503020000020004" pitchFamily="50" charset="-127"/>
+              </a:rPr>
+              <a:t>개선</a:t>
             </a:r>
             <a:endParaRPr lang="en-US" altLang="ko-KR" sz="1950" dirty="0">
               <a:solidFill>
@@ -38958,7 +39945,7 @@
               <a:buAutoNum type="alphaUcPeriod"/>
             </a:pPr>
             <a:r>
-              <a:rPr lang="ko-KR" altLang="en-US" sz="1950" i="0" dirty="0">
+              <a:rPr lang="ko-KR" altLang="en-US" sz="1950" i="0" strike="sngStrike" dirty="0">
                 <a:solidFill>
                   <a:schemeClr val="tx1">
                     <a:lumMod val="95000"/>
@@ -38977,23 +39964,66 @@
               </a:rPr>
               <a:t>전장의 안개 적용</a:t>
             </a:r>
-            <a:endParaRPr lang="en-US" altLang="ko-KR" sz="1950" i="0" dirty="0">
-              <a:solidFill>
-                <a:schemeClr val="tx1">
-                  <a:lumMod val="95000"/>
-                  <a:lumOff val="5000"/>
-                </a:schemeClr>
-              </a:solidFill>
-              <a:effectLst>
-                <a:outerShdw blurRad="38100" dist="38100" dir="2700000" algn="tl">
-                  <a:srgbClr val="000000">
-                    <a:alpha val="43137"/>
-                  </a:srgbClr>
-                </a:outerShdw>
-              </a:effectLst>
-              <a:latin typeface="맑은 고딕" panose="020B0503020000020004" pitchFamily="50" charset="-127"/>
-              <a:ea typeface="맑은 고딕" panose="020B0503020000020004" pitchFamily="50" charset="-127"/>
-            </a:endParaRPr>
+            <a:r>
+              <a:rPr lang="en-US" altLang="ko-KR" sz="1950" i="0" strike="sngStrike" dirty="0">
+                <a:solidFill>
+                  <a:schemeClr val="tx1">
+                    <a:lumMod val="95000"/>
+                    <a:lumOff val="5000"/>
+                  </a:schemeClr>
+                </a:solidFill>
+                <a:effectLst>
+                  <a:outerShdw blurRad="38100" dist="38100" dir="2700000" algn="tl">
+                    <a:srgbClr val="000000">
+                      <a:alpha val="43137"/>
+                    </a:srgbClr>
+                  </a:outerShdw>
+                </a:effectLst>
+                <a:latin typeface="맑은 고딕" panose="020B0503020000020004" pitchFamily="50" charset="-127"/>
+                <a:ea typeface="맑은 고딕" panose="020B0503020000020004" pitchFamily="50" charset="-127"/>
+              </a:rPr>
+              <a:t>(</a:t>
+            </a:r>
+            <a:r>
+              <a:rPr lang="ko-KR" altLang="en-US" sz="1950" i="0" strike="sngStrike" dirty="0" err="1">
+                <a:solidFill>
+                  <a:schemeClr val="tx1">
+                    <a:lumMod val="95000"/>
+                    <a:lumOff val="5000"/>
+                  </a:schemeClr>
+                </a:solidFill>
+                <a:effectLst>
+                  <a:outerShdw blurRad="38100" dist="38100" dir="2700000" algn="tl">
+                    <a:srgbClr val="000000">
+                      <a:alpha val="43137"/>
+                    </a:srgbClr>
+                  </a:outerShdw>
+                </a:effectLst>
+                <a:latin typeface="맑은 고딕" panose="020B0503020000020004" pitchFamily="50" charset="-127"/>
+                <a:ea typeface="맑은 고딕" panose="020B0503020000020004" pitchFamily="50" charset="-127"/>
+              </a:rPr>
+              <a:t>정휘현</a:t>
+            </a:r>
+            <a:r>
+              <a:rPr lang="en-US" altLang="ko-KR" sz="1950" i="0" strike="sngStrike" dirty="0">
+                <a:solidFill>
+                  <a:schemeClr val="tx1">
+                    <a:lumMod val="95000"/>
+                    <a:lumOff val="5000"/>
+                  </a:schemeClr>
+                </a:solidFill>
+                <a:effectLst>
+                  <a:outerShdw blurRad="38100" dist="38100" dir="2700000" algn="tl">
+                    <a:srgbClr val="000000">
+                      <a:alpha val="43137"/>
+                    </a:srgbClr>
+                  </a:outerShdw>
+                </a:effectLst>
+                <a:latin typeface="맑은 고딕" panose="020B0503020000020004" pitchFamily="50" charset="-127"/>
+                <a:ea typeface="맑은 고딕" panose="020B0503020000020004" pitchFamily="50" charset="-127"/>
+              </a:rPr>
+              <a:t>)</a:t>
+            </a:r>
           </a:p>
           <a:p>
             <a:pPr marL="457200" indent="-457200">
@@ -39004,7 +40034,7 @@
               <a:buAutoNum type="alphaUcPeriod"/>
             </a:pPr>
             <a:r>
-              <a:rPr lang="ko-KR" altLang="en-US" sz="1950" dirty="0" err="1">
+              <a:rPr lang="ko-KR" altLang="en-US" sz="1950" strike="sngStrike" dirty="0" err="1">
                 <a:solidFill>
                   <a:schemeClr val="tx1">
                     <a:lumMod val="95000"/>
@@ -39024,7 +40054,7 @@
               <a:t>부쉬</a:t>
             </a:r>
             <a:r>
-              <a:rPr lang="ko-KR" altLang="en-US" sz="1950" dirty="0">
+              <a:rPr lang="ko-KR" altLang="en-US" sz="1950" strike="sngStrike" dirty="0">
                 <a:solidFill>
                   <a:schemeClr val="tx1">
                     <a:lumMod val="95000"/>
@@ -39043,7 +40073,67 @@
               </a:rPr>
               <a:t> 제작 및 적용</a:t>
             </a:r>
-            <a:endParaRPr lang="en-US" altLang="ko-KR" sz="1950" i="0" dirty="0">
+            <a:r>
+              <a:rPr lang="en-US" altLang="ko-KR" sz="1950" strike="sngStrike" dirty="0">
+                <a:solidFill>
+                  <a:schemeClr val="tx1">
+                    <a:lumMod val="95000"/>
+                    <a:lumOff val="5000"/>
+                  </a:schemeClr>
+                </a:solidFill>
+                <a:effectLst>
+                  <a:outerShdw blurRad="38100" dist="38100" dir="2700000" algn="tl">
+                    <a:srgbClr val="000000">
+                      <a:alpha val="43137"/>
+                    </a:srgbClr>
+                  </a:outerShdw>
+                </a:effectLst>
+                <a:latin typeface="맑은 고딕" panose="020B0503020000020004" pitchFamily="50" charset="-127"/>
+                <a:ea typeface="맑은 고딕" panose="020B0503020000020004" pitchFamily="50" charset="-127"/>
+              </a:rPr>
+              <a:t>(</a:t>
+            </a:r>
+            <a:r>
+              <a:rPr lang="ko-KR" altLang="en-US" sz="1950" strike="sngStrike" dirty="0">
+                <a:solidFill>
+                  <a:schemeClr val="tx1">
+                    <a:lumMod val="95000"/>
+                    <a:lumOff val="5000"/>
+                  </a:schemeClr>
+                </a:solidFill>
+                <a:effectLst>
+                  <a:outerShdw blurRad="38100" dist="38100" dir="2700000" algn="tl">
+                    <a:srgbClr val="000000">
+                      <a:alpha val="43137"/>
+                    </a:srgbClr>
+                  </a:outerShdw>
+                </a:effectLst>
+                <a:latin typeface="맑은 고딕" panose="020B0503020000020004" pitchFamily="50" charset="-127"/>
+                <a:ea typeface="맑은 고딕" panose="020B0503020000020004" pitchFamily="50" charset="-127"/>
+              </a:rPr>
+              <a:t>기간 내 적용 불가 일정 제거</a:t>
+            </a:r>
+            <a:r>
+              <a:rPr lang="en-US" altLang="ko-KR" sz="1950" strike="sngStrike" dirty="0">
+                <a:solidFill>
+                  <a:schemeClr val="tx1">
+                    <a:lumMod val="95000"/>
+                    <a:lumOff val="5000"/>
+                  </a:schemeClr>
+                </a:solidFill>
+                <a:effectLst>
+                  <a:outerShdw blurRad="38100" dist="38100" dir="2700000" algn="tl">
+                    <a:srgbClr val="000000">
+                      <a:alpha val="43137"/>
+                    </a:srgbClr>
+                  </a:outerShdw>
+                </a:effectLst>
+                <a:latin typeface="맑은 고딕" panose="020B0503020000020004" pitchFamily="50" charset="-127"/>
+                <a:ea typeface="맑은 고딕" panose="020B0503020000020004" pitchFamily="50" charset="-127"/>
+              </a:rPr>
+              <a:t>)</a:t>
+            </a:r>
+            <a:endParaRPr lang="en-US" altLang="ko-KR" sz="1950" i="0" strike="sngStrike" dirty="0">
               <a:solidFill>
                 <a:schemeClr val="tx1">
                   <a:lumMod val="95000"/>
@@ -39182,7 +40272,7 @@
               <a:t>- </a:t>
             </a:r>
             <a:r>
-              <a:rPr lang="ko-KR" altLang="en-US" sz="3600" b="1" dirty="0">
+              <a:rPr lang="ko-KR" altLang="en-US" sz="3600" b="1" dirty="0" err="1">
                 <a:solidFill>
                   <a:schemeClr val="tx1">
                     <a:lumMod val="95000"/>
@@ -39192,8 +40282,18 @@
                 <a:latin typeface="맑은 고딕" panose="020B0503020000020004" pitchFamily="50" charset="-127"/>
                 <a:ea typeface="맑은 고딕" panose="020B0503020000020004" pitchFamily="50" charset="-127"/>
               </a:rPr>
-              <a:t>이용선</a:t>
+              <a:t>김나단</a:t>
             </a:r>
+            <a:endParaRPr lang="ko-KR" altLang="en-US" sz="3600" b="1" dirty="0">
+              <a:solidFill>
+                <a:schemeClr val="tx1">
+                  <a:lumMod val="95000"/>
+                  <a:lumOff val="5000"/>
+                </a:schemeClr>
+              </a:solidFill>
+              <a:latin typeface="맑은 고딕" panose="020B0503020000020004" pitchFamily="50" charset="-127"/>
+              <a:ea typeface="맑은 고딕" panose="020B0503020000020004" pitchFamily="50" charset="-127"/>
+            </a:endParaRPr>
           </a:p>
         </p:txBody>
       </p:sp>
@@ -39216,7 +40316,7 @@
         <p:spPr>
           <a:xfrm>
             <a:off x="1028700" y="1828626"/>
-            <a:ext cx="7200900" cy="4377774"/>
+            <a:ext cx="7200900" cy="4876974"/>
           </a:xfrm>
         </p:spPr>
         <p:txBody>
@@ -39233,7 +40333,7 @@
               <a:buAutoNum type="alphaUcPeriod"/>
             </a:pPr>
             <a:r>
-              <a:rPr lang="en-US" altLang="ko-KR" sz="1950" i="0" dirty="0">
+              <a:rPr lang="ko-KR" altLang="en-US" sz="1950" dirty="0">
                 <a:solidFill>
                   <a:schemeClr val="tx1">
                     <a:lumMod val="95000"/>
@@ -39250,19 +40350,10 @@
                 <a:latin typeface="맑은 고딕" panose="020B0503020000020004" pitchFamily="50" charset="-127"/>
                 <a:ea typeface="맑은 고딕" panose="020B0503020000020004" pitchFamily="50" charset="-127"/>
               </a:rPr>
-              <a:t>UI</a:t>
+              <a:t>중립 몬스터 </a:t>
             </a:r>
-          </a:p>
-          <a:p>
-            <a:pPr marL="987552" lvl="1" indent="-457200">
-              <a:lnSpc>
-                <a:spcPct val="160000"/>
-              </a:lnSpc>
-              <a:buFont typeface="+mj-lt"/>
-              <a:buAutoNum type="alphaUcPeriod"/>
-            </a:pPr>
             <a:r>
-              <a:rPr lang="ko-KR" altLang="en-US" sz="1950" i="0" dirty="0" err="1">
+              <a:rPr lang="en-US" altLang="ko-KR" sz="1950" dirty="0">
                 <a:solidFill>
                   <a:schemeClr val="tx1">
                     <a:lumMod val="95000"/>
@@ -39279,9 +40370,29 @@
                 <a:latin typeface="맑은 고딕" panose="020B0503020000020004" pitchFamily="50" charset="-127"/>
                 <a:ea typeface="맑은 고딕" panose="020B0503020000020004" pitchFamily="50" charset="-127"/>
               </a:rPr>
-              <a:t>미니맵</a:t>
+              <a:t>FSM </a:t>
             </a:r>
-            <a:endParaRPr lang="en-US" altLang="ko-KR" sz="1950" i="0" dirty="0">
+            <a:r>
+              <a:rPr lang="ko-KR" altLang="en-US" sz="1950" dirty="0">
+                <a:solidFill>
+                  <a:schemeClr val="tx1">
+                    <a:lumMod val="95000"/>
+                    <a:lumOff val="5000"/>
+                  </a:schemeClr>
+                </a:solidFill>
+                <a:effectLst>
+                  <a:outerShdw blurRad="38100" dist="38100" dir="2700000" algn="tl">
+                    <a:srgbClr val="000000">
+                      <a:alpha val="43137"/>
+                    </a:srgbClr>
+                  </a:outerShdw>
+                </a:effectLst>
+                <a:latin typeface="맑은 고딕" panose="020B0503020000020004" pitchFamily="50" charset="-127"/>
+                <a:ea typeface="맑은 고딕" panose="020B0503020000020004" pitchFamily="50" charset="-127"/>
+              </a:rPr>
+              <a:t>제작</a:t>
+            </a:r>
+            <a:endParaRPr lang="en-US" altLang="ko-KR" sz="1950" dirty="0">
               <a:solidFill>
                 <a:schemeClr val="tx1">
                   <a:lumMod val="95000"/>
@@ -39300,7 +40411,7 @@
             </a:endParaRPr>
           </a:p>
           <a:p>
-            <a:pPr marL="1330452" lvl="2" indent="-342900">
+            <a:pPr marL="987552" lvl="1" indent="-457200">
               <a:lnSpc>
                 <a:spcPct val="160000"/>
               </a:lnSpc>
@@ -39308,7 +40419,7 @@
               <a:buAutoNum type="alphaUcPeriod"/>
             </a:pPr>
             <a:r>
-              <a:rPr lang="ko-KR" altLang="en-US" sz="1750" i="0" strike="sngStrike" dirty="0">
+              <a:rPr lang="ko-KR" altLang="en-US" sz="1950" dirty="0" err="1">
                 <a:solidFill>
                   <a:schemeClr val="tx1">
                     <a:lumMod val="95000"/>
@@ -39325,9 +40436,98 @@
                 <a:latin typeface="맑은 고딕" panose="020B0503020000020004" pitchFamily="50" charset="-127"/>
                 <a:ea typeface="맑은 고딕" panose="020B0503020000020004" pitchFamily="50" charset="-127"/>
               </a:rPr>
-              <a:t>우측 클릭 이동</a:t>
+              <a:t>로이더</a:t>
             </a:r>
-            <a:endParaRPr lang="en-US" altLang="ko-KR" sz="1750" i="0" strike="sngStrike" dirty="0">
+            <a:r>
+              <a:rPr lang="ko-KR" altLang="en-US" sz="1950" dirty="0">
+                <a:solidFill>
+                  <a:schemeClr val="tx1">
+                    <a:lumMod val="95000"/>
+                    <a:lumOff val="5000"/>
+                  </a:schemeClr>
+                </a:solidFill>
+                <a:effectLst>
+                  <a:outerShdw blurRad="38100" dist="38100" dir="2700000" algn="tl">
+                    <a:srgbClr val="000000">
+                      <a:alpha val="43137"/>
+                    </a:srgbClr>
+                  </a:outerShdw>
+                </a:effectLst>
+                <a:latin typeface="맑은 고딕" panose="020B0503020000020004" pitchFamily="50" charset="-127"/>
+                <a:ea typeface="맑은 고딕" panose="020B0503020000020004" pitchFamily="50" charset="-127"/>
+              </a:rPr>
+              <a:t> 근접 공격 </a:t>
+            </a:r>
+            <a:r>
+              <a:rPr lang="en-US" altLang="ko-KR" sz="1950" dirty="0">
+                <a:solidFill>
+                  <a:schemeClr val="tx1">
+                    <a:lumMod val="95000"/>
+                    <a:lumOff val="5000"/>
+                  </a:schemeClr>
+                </a:solidFill>
+                <a:effectLst>
+                  <a:outerShdw blurRad="38100" dist="38100" dir="2700000" algn="tl">
+                    <a:srgbClr val="000000">
+                      <a:alpha val="43137"/>
+                    </a:srgbClr>
+                  </a:outerShdw>
+                </a:effectLst>
+                <a:latin typeface="맑은 고딕" panose="020B0503020000020004" pitchFamily="50" charset="-127"/>
+                <a:ea typeface="맑은 고딕" panose="020B0503020000020004" pitchFamily="50" charset="-127"/>
+              </a:rPr>
+              <a:t>FSM</a:t>
+            </a:r>
+          </a:p>
+          <a:p>
+            <a:pPr marL="987552" lvl="1" indent="-457200">
+              <a:lnSpc>
+                <a:spcPct val="160000"/>
+              </a:lnSpc>
+              <a:buFont typeface="+mj-lt"/>
+              <a:buAutoNum type="alphaUcPeriod"/>
+            </a:pPr>
+            <a:r>
+              <a:rPr lang="ko-KR" altLang="en-US" sz="1950" dirty="0" err="1">
+                <a:solidFill>
+                  <a:schemeClr val="tx1">
+                    <a:lumMod val="95000"/>
+                    <a:lumOff val="5000"/>
+                  </a:schemeClr>
+                </a:solidFill>
+                <a:effectLst>
+                  <a:outerShdw blurRad="38100" dist="38100" dir="2700000" algn="tl">
+                    <a:srgbClr val="000000">
+                      <a:alpha val="43137"/>
+                    </a:srgbClr>
+                  </a:outerShdw>
+                </a:effectLst>
+                <a:latin typeface="맑은 고딕" panose="020B0503020000020004" pitchFamily="50" charset="-127"/>
+                <a:ea typeface="맑은 고딕" panose="020B0503020000020004" pitchFamily="50" charset="-127"/>
+              </a:rPr>
+              <a:t>로이더</a:t>
+            </a:r>
+            <a:r>
+              <a:rPr lang="ko-KR" altLang="en-US" sz="1950" dirty="0">
+                <a:solidFill>
+                  <a:schemeClr val="tx1">
+                    <a:lumMod val="95000"/>
+                    <a:lumOff val="5000"/>
+                  </a:schemeClr>
+                </a:solidFill>
+                <a:effectLst>
+                  <a:outerShdw blurRad="38100" dist="38100" dir="2700000" algn="tl">
+                    <a:srgbClr val="000000">
+                      <a:alpha val="43137"/>
+                    </a:srgbClr>
+                  </a:outerShdw>
+                </a:effectLst>
+                <a:latin typeface="맑은 고딕" panose="020B0503020000020004" pitchFamily="50" charset="-127"/>
+                <a:ea typeface="맑은 고딕" panose="020B0503020000020004" pitchFamily="50" charset="-127"/>
+              </a:rPr>
+              <a:t> 원거리 공격 상태 추가</a:t>
+            </a:r>
+            <a:endParaRPr lang="en-US" altLang="ko-KR" sz="1950" dirty="0">
               <a:solidFill>
                 <a:schemeClr val="tx1">
                   <a:lumMod val="95000"/>
@@ -39346,7 +40546,7 @@
             </a:endParaRPr>
           </a:p>
           <a:p>
-            <a:pPr marL="1330452" lvl="2" indent="-342900">
+            <a:pPr marL="987552" lvl="1" indent="-457200">
               <a:lnSpc>
                 <a:spcPct val="160000"/>
               </a:lnSpc>
@@ -39354,7 +40554,7 @@
               <a:buAutoNum type="alphaUcPeriod"/>
             </a:pPr>
             <a:r>
-              <a:rPr lang="ko-KR" altLang="en-US" sz="1750" strike="dblStrike" dirty="0">
+              <a:rPr lang="ko-KR" altLang="en-US" sz="1950" dirty="0" err="1">
                 <a:solidFill>
                   <a:schemeClr val="tx1">
                     <a:lumMod val="95000"/>
@@ -39371,10 +40571,10 @@
                 <a:latin typeface="맑은 고딕" panose="020B0503020000020004" pitchFamily="50" charset="-127"/>
                 <a:ea typeface="맑은 고딕" panose="020B0503020000020004" pitchFamily="50" charset="-127"/>
               </a:rPr>
-              <a:t>우측 클릭 이동 길 </a:t>
+              <a:t>로이더</a:t>
             </a:r>
             <a:r>
-              <a:rPr lang="ko-KR" altLang="en-US" sz="1750" strike="dblStrike" dirty="0" err="1">
+              <a:rPr lang="ko-KR" altLang="en-US" sz="1950" dirty="0">
                 <a:solidFill>
                   <a:schemeClr val="tx1">
                     <a:lumMod val="95000"/>
@@ -39391,10 +40591,10 @@
                 <a:latin typeface="맑은 고딕" panose="020B0503020000020004" pitchFamily="50" charset="-127"/>
                 <a:ea typeface="맑은 고딕" panose="020B0503020000020004" pitchFamily="50" charset="-127"/>
               </a:rPr>
-              <a:t>미니맵</a:t>
+              <a:t> 점령 후 </a:t>
             </a:r>
             <a:r>
-              <a:rPr lang="ko-KR" altLang="en-US" sz="1750" strike="dblStrike" dirty="0">
+              <a:rPr lang="en-US" altLang="ko-KR" sz="1950" dirty="0">
                 <a:solidFill>
                   <a:schemeClr val="tx1">
                     <a:lumMod val="95000"/>
@@ -39411,10 +40611,10 @@
                 <a:latin typeface="맑은 고딕" panose="020B0503020000020004" pitchFamily="50" charset="-127"/>
                 <a:ea typeface="맑은 고딕" panose="020B0503020000020004" pitchFamily="50" charset="-127"/>
               </a:rPr>
-              <a:t> 표시 </a:t>
+              <a:t>FSM </a:t>
             </a:r>
             <a:r>
-              <a:rPr lang="en-US" altLang="ko-KR" sz="1750" strike="dblStrike" dirty="0">
+              <a:rPr lang="ko-KR" altLang="en-US" sz="1950" dirty="0">
                 <a:solidFill>
                   <a:schemeClr val="tx1">
                     <a:lumMod val="95000"/>
@@ -39431,10 +40631,36 @@
                 <a:latin typeface="맑은 고딕" panose="020B0503020000020004" pitchFamily="50" charset="-127"/>
                 <a:ea typeface="맑은 고딕" panose="020B0503020000020004" pitchFamily="50" charset="-127"/>
               </a:rPr>
-              <a:t>(</a:t>
+              <a:t>변화 적용</a:t>
             </a:r>
+            <a:endParaRPr lang="en-US" altLang="ko-KR" sz="1950" dirty="0">
+              <a:solidFill>
+                <a:schemeClr val="tx1">
+                  <a:lumMod val="95000"/>
+                  <a:lumOff val="5000"/>
+                </a:schemeClr>
+              </a:solidFill>
+              <a:effectLst>
+                <a:outerShdw blurRad="38100" dist="38100" dir="2700000" algn="tl">
+                  <a:srgbClr val="000000">
+                    <a:alpha val="43137"/>
+                  </a:srgbClr>
+                </a:outerShdw>
+              </a:effectLst>
+              <a:latin typeface="맑은 고딕" panose="020B0503020000020004" pitchFamily="50" charset="-127"/>
+              <a:ea typeface="맑은 고딕" panose="020B0503020000020004" pitchFamily="50" charset="-127"/>
+            </a:endParaRPr>
+          </a:p>
+          <a:p>
+            <a:pPr marL="987552" lvl="1" indent="-457200">
+              <a:lnSpc>
+                <a:spcPct val="160000"/>
+              </a:lnSpc>
+              <a:buFont typeface="+mj-lt"/>
+              <a:buAutoNum type="alphaUcPeriod"/>
+            </a:pPr>
             <a:r>
-              <a:rPr lang="ko-KR" altLang="en-US" sz="1750" strike="dblStrike" dirty="0">
+              <a:rPr lang="ko-KR" altLang="en-US" sz="1950" dirty="0" err="1">
                 <a:solidFill>
                   <a:schemeClr val="tx1">
                     <a:lumMod val="95000"/>
@@ -39451,10 +40677,10 @@
                 <a:latin typeface="맑은 고딕" panose="020B0503020000020004" pitchFamily="50" charset="-127"/>
                 <a:ea typeface="맑은 고딕" panose="020B0503020000020004" pitchFamily="50" charset="-127"/>
               </a:rPr>
-              <a:t>일단 보류</a:t>
+              <a:t>수호골램</a:t>
             </a:r>
             <a:r>
-              <a:rPr lang="en-US" altLang="ko-KR" sz="1750" strike="dblStrike" dirty="0">
+              <a:rPr lang="ko-KR" altLang="en-US" sz="1950" dirty="0">
                 <a:solidFill>
                   <a:schemeClr val="tx1">
                     <a:lumMod val="95000"/>
@@ -39471,19 +40697,10 @@
                 <a:latin typeface="맑은 고딕" panose="020B0503020000020004" pitchFamily="50" charset="-127"/>
                 <a:ea typeface="맑은 고딕" panose="020B0503020000020004" pitchFamily="50" charset="-127"/>
               </a:rPr>
-              <a:t>)</a:t>
+              <a:t> 기본 </a:t>
             </a:r>
-          </a:p>
-          <a:p>
-            <a:pPr marL="1330452" lvl="2" indent="-342900">
-              <a:lnSpc>
-                <a:spcPct val="160000"/>
-              </a:lnSpc>
-              <a:buFont typeface="+mj-lt"/>
-              <a:buAutoNum type="alphaUcPeriod"/>
-            </a:pPr>
             <a:r>
-              <a:rPr lang="ko-KR" altLang="en-US" sz="1750" strike="sngStrike" dirty="0">
+              <a:rPr lang="en-US" altLang="ko-KR" sz="1950" dirty="0">
                 <a:solidFill>
                   <a:schemeClr val="tx1">
                     <a:lumMod val="95000"/>
@@ -39500,10 +40717,19 @@
                 <a:latin typeface="맑은 고딕" panose="020B0503020000020004" pitchFamily="50" charset="-127"/>
                 <a:ea typeface="맑은 고딕" panose="020B0503020000020004" pitchFamily="50" charset="-127"/>
               </a:rPr>
-              <a:t>아이콘 </a:t>
+              <a:t>FSM</a:t>
             </a:r>
+          </a:p>
+          <a:p>
+            <a:pPr marL="987552" lvl="1" indent="-457200">
+              <a:lnSpc>
+                <a:spcPct val="160000"/>
+              </a:lnSpc>
+              <a:buFont typeface="+mj-lt"/>
+              <a:buAutoNum type="alphaUcPeriod"/>
+            </a:pPr>
             <a:r>
-              <a:rPr lang="en-US" altLang="ko-KR" sz="1750" strike="sngStrike" dirty="0">
+              <a:rPr lang="ko-KR" altLang="en-US" sz="1950" dirty="0" err="1">
                 <a:solidFill>
                   <a:schemeClr val="tx1">
                     <a:lumMod val="95000"/>
@@ -39520,10 +40746,10 @@
                 <a:latin typeface="맑은 고딕" panose="020B0503020000020004" pitchFamily="50" charset="-127"/>
                 <a:ea typeface="맑은 고딕" panose="020B0503020000020004" pitchFamily="50" charset="-127"/>
               </a:rPr>
-              <a:t>(Player </a:t>
+              <a:t>수호골램</a:t>
             </a:r>
             <a:r>
-              <a:rPr lang="ko-KR" altLang="en-US" sz="1750" strike="sngStrike" dirty="0">
+              <a:rPr lang="ko-KR" altLang="en-US" sz="1950" dirty="0">
                 <a:solidFill>
                   <a:schemeClr val="tx1">
                     <a:lumMod val="95000"/>
@@ -39540,10 +40766,36 @@
                 <a:latin typeface="맑은 고딕" panose="020B0503020000020004" pitchFamily="50" charset="-127"/>
                 <a:ea typeface="맑은 고딕" panose="020B0503020000020004" pitchFamily="50" charset="-127"/>
               </a:rPr>
-              <a:t>팀 구별 </a:t>
+              <a:t> 특수 공격 상태 추가</a:t>
             </a:r>
+            <a:endParaRPr lang="en-US" altLang="ko-KR" sz="1950" dirty="0">
+              <a:solidFill>
+                <a:schemeClr val="tx1">
+                  <a:lumMod val="95000"/>
+                  <a:lumOff val="5000"/>
+                </a:schemeClr>
+              </a:solidFill>
+              <a:effectLst>
+                <a:outerShdw blurRad="38100" dist="38100" dir="2700000" algn="tl">
+                  <a:srgbClr val="000000">
+                    <a:alpha val="43137"/>
+                  </a:srgbClr>
+                </a:outerShdw>
+              </a:effectLst>
+              <a:latin typeface="맑은 고딕" panose="020B0503020000020004" pitchFamily="50" charset="-127"/>
+              <a:ea typeface="맑은 고딕" panose="020B0503020000020004" pitchFamily="50" charset="-127"/>
+            </a:endParaRPr>
+          </a:p>
+          <a:p>
+            <a:pPr marL="987552" lvl="1" indent="-457200">
+              <a:lnSpc>
+                <a:spcPct val="160000"/>
+              </a:lnSpc>
+              <a:buFont typeface="+mj-lt"/>
+              <a:buAutoNum type="alphaUcPeriod"/>
+            </a:pPr>
             <a:r>
-              <a:rPr lang="en-US" altLang="ko-KR" sz="1750" strike="sngStrike" dirty="0">
+              <a:rPr lang="ko-KR" altLang="en-US" sz="1950" dirty="0" err="1">
                 <a:solidFill>
                   <a:schemeClr val="tx1">
                     <a:lumMod val="95000"/>
@@ -39560,10 +40812,10 @@
                 <a:latin typeface="맑은 고딕" panose="020B0503020000020004" pitchFamily="50" charset="-127"/>
                 <a:ea typeface="맑은 고딕" panose="020B0503020000020004" pitchFamily="50" charset="-127"/>
               </a:rPr>
-              <a:t>/ </a:t>
+              <a:t>수호골램</a:t>
             </a:r>
             <a:r>
-              <a:rPr lang="ko-KR" altLang="en-US" sz="1750" strike="sngStrike" dirty="0">
+              <a:rPr lang="ko-KR" altLang="en-US" sz="1950" dirty="0">
                 <a:solidFill>
                   <a:schemeClr val="tx1">
                     <a:lumMod val="95000"/>
@@ -39580,10 +40832,10 @@
                 <a:latin typeface="맑은 고딕" panose="020B0503020000020004" pitchFamily="50" charset="-127"/>
                 <a:ea typeface="맑은 고딕" panose="020B0503020000020004" pitchFamily="50" charset="-127"/>
               </a:rPr>
-              <a:t>색상</a:t>
+              <a:t> 점령 후 </a:t>
             </a:r>
             <a:r>
-              <a:rPr lang="en-US" altLang="ko-KR" sz="1750" strike="sngStrike" dirty="0">
+              <a:rPr lang="en-US" altLang="ko-KR" sz="1950" dirty="0">
                 <a:solidFill>
                   <a:schemeClr val="tx1">
                     <a:lumMod val="95000"/>
@@ -39600,19 +40852,10 @@
                 <a:latin typeface="맑은 고딕" panose="020B0503020000020004" pitchFamily="50" charset="-127"/>
                 <a:ea typeface="맑은 고딕" panose="020B0503020000020004" pitchFamily="50" charset="-127"/>
               </a:rPr>
-              <a:t>)</a:t>
+              <a:t>FSM </a:t>
             </a:r>
-          </a:p>
-          <a:p>
-            <a:pPr marL="1330452" lvl="2" indent="-342900">
-              <a:lnSpc>
-                <a:spcPct val="160000"/>
-              </a:lnSpc>
-              <a:buFont typeface="+mj-lt"/>
-              <a:buAutoNum type="alphaUcPeriod"/>
-            </a:pPr>
             <a:r>
-              <a:rPr lang="ko-KR" altLang="en-US" sz="1750" strike="sngStrike" dirty="0">
+              <a:rPr lang="ko-KR" altLang="en-US" sz="1950" dirty="0">
                 <a:solidFill>
                   <a:schemeClr val="tx1">
                     <a:lumMod val="95000"/>
@@ -39629,267 +40872,9 @@
                 <a:latin typeface="맑은 고딕" panose="020B0503020000020004" pitchFamily="50" charset="-127"/>
                 <a:ea typeface="맑은 고딕" panose="020B0503020000020004" pitchFamily="50" charset="-127"/>
               </a:rPr>
-              <a:t>아이콘 </a:t>
+              <a:t>변화적용</a:t>
             </a:r>
-            <a:r>
-              <a:rPr lang="en-US" altLang="ko-KR" sz="1750" strike="sngStrike" dirty="0">
-                <a:solidFill>
-                  <a:schemeClr val="tx1">
-                    <a:lumMod val="95000"/>
-                    <a:lumOff val="5000"/>
-                  </a:schemeClr>
-                </a:solidFill>
-                <a:effectLst>
-                  <a:outerShdw blurRad="38100" dist="38100" dir="2700000" algn="tl">
-                    <a:srgbClr val="000000">
-                      <a:alpha val="43137"/>
-                    </a:srgbClr>
-                  </a:outerShdw>
-                </a:effectLst>
-                <a:latin typeface="맑은 고딕" panose="020B0503020000020004" pitchFamily="50" charset="-127"/>
-                <a:ea typeface="맑은 고딕" panose="020B0503020000020004" pitchFamily="50" charset="-127"/>
-              </a:rPr>
-              <a:t>(Minion </a:t>
-            </a:r>
-            <a:r>
-              <a:rPr lang="ko-KR" altLang="en-US" sz="1750" strike="sngStrike" dirty="0">
-                <a:solidFill>
-                  <a:schemeClr val="tx1">
-                    <a:lumMod val="95000"/>
-                    <a:lumOff val="5000"/>
-                  </a:schemeClr>
-                </a:solidFill>
-                <a:effectLst>
-                  <a:outerShdw blurRad="38100" dist="38100" dir="2700000" algn="tl">
-                    <a:srgbClr val="000000">
-                      <a:alpha val="43137"/>
-                    </a:srgbClr>
-                  </a:outerShdw>
-                </a:effectLst>
-                <a:latin typeface="맑은 고딕" panose="020B0503020000020004" pitchFamily="50" charset="-127"/>
-                <a:ea typeface="맑은 고딕" panose="020B0503020000020004" pitchFamily="50" charset="-127"/>
-              </a:rPr>
-              <a:t>팀 구별 </a:t>
-            </a:r>
-            <a:r>
-              <a:rPr lang="en-US" altLang="ko-KR" sz="1750" strike="sngStrike" dirty="0">
-                <a:solidFill>
-                  <a:schemeClr val="tx1">
-                    <a:lumMod val="95000"/>
-                    <a:lumOff val="5000"/>
-                  </a:schemeClr>
-                </a:solidFill>
-                <a:effectLst>
-                  <a:outerShdw blurRad="38100" dist="38100" dir="2700000" algn="tl">
-                    <a:srgbClr val="000000">
-                      <a:alpha val="43137"/>
-                    </a:srgbClr>
-                  </a:outerShdw>
-                </a:effectLst>
-                <a:latin typeface="맑은 고딕" panose="020B0503020000020004" pitchFamily="50" charset="-127"/>
-                <a:ea typeface="맑은 고딕" panose="020B0503020000020004" pitchFamily="50" charset="-127"/>
-              </a:rPr>
-              <a:t>/ </a:t>
-            </a:r>
-            <a:r>
-              <a:rPr lang="ko-KR" altLang="en-US" sz="1750" strike="sngStrike" dirty="0">
-                <a:solidFill>
-                  <a:schemeClr val="tx1">
-                    <a:lumMod val="95000"/>
-                    <a:lumOff val="5000"/>
-                  </a:schemeClr>
-                </a:solidFill>
-                <a:effectLst>
-                  <a:outerShdw blurRad="38100" dist="38100" dir="2700000" algn="tl">
-                    <a:srgbClr val="000000">
-                      <a:alpha val="43137"/>
-                    </a:srgbClr>
-                  </a:outerShdw>
-                </a:effectLst>
-                <a:latin typeface="맑은 고딕" panose="020B0503020000020004" pitchFamily="50" charset="-127"/>
-                <a:ea typeface="맑은 고딕" panose="020B0503020000020004" pitchFamily="50" charset="-127"/>
-              </a:rPr>
-              <a:t>색상</a:t>
-            </a:r>
-            <a:r>
-              <a:rPr lang="en-US" altLang="ko-KR" sz="1750" strike="sngStrike" dirty="0">
-                <a:solidFill>
-                  <a:schemeClr val="tx1">
-                    <a:lumMod val="95000"/>
-                    <a:lumOff val="5000"/>
-                  </a:schemeClr>
-                </a:solidFill>
-                <a:effectLst>
-                  <a:outerShdw blurRad="38100" dist="38100" dir="2700000" algn="tl">
-                    <a:srgbClr val="000000">
-                      <a:alpha val="43137"/>
-                    </a:srgbClr>
-                  </a:outerShdw>
-                </a:effectLst>
-                <a:latin typeface="맑은 고딕" panose="020B0503020000020004" pitchFamily="50" charset="-127"/>
-                <a:ea typeface="맑은 고딕" panose="020B0503020000020004" pitchFamily="50" charset="-127"/>
-              </a:rPr>
-              <a:t>)</a:t>
-            </a:r>
-          </a:p>
-          <a:p>
-            <a:pPr marL="1330452" lvl="2" indent="-342900">
-              <a:lnSpc>
-                <a:spcPct val="160000"/>
-              </a:lnSpc>
-              <a:buFont typeface="+mj-lt"/>
-              <a:buAutoNum type="alphaUcPeriod"/>
-            </a:pPr>
-            <a:r>
-              <a:rPr lang="ko-KR" altLang="en-US" sz="1750" dirty="0">
-                <a:solidFill>
-                  <a:schemeClr val="tx1">
-                    <a:lumMod val="95000"/>
-                    <a:lumOff val="5000"/>
-                  </a:schemeClr>
-                </a:solidFill>
-                <a:effectLst>
-                  <a:outerShdw blurRad="38100" dist="38100" dir="2700000" algn="tl">
-                    <a:srgbClr val="000000">
-                      <a:alpha val="43137"/>
-                    </a:srgbClr>
-                  </a:outerShdw>
-                </a:effectLst>
-                <a:latin typeface="맑은 고딕" panose="020B0503020000020004" pitchFamily="50" charset="-127"/>
-                <a:ea typeface="맑은 고딕" panose="020B0503020000020004" pitchFamily="50" charset="-127"/>
-              </a:rPr>
-              <a:t>아이콘 </a:t>
-            </a:r>
-            <a:r>
-              <a:rPr lang="en-US" altLang="ko-KR" sz="1750" dirty="0">
-                <a:solidFill>
-                  <a:schemeClr val="tx1">
-                    <a:lumMod val="95000"/>
-                    <a:lumOff val="5000"/>
-                  </a:schemeClr>
-                </a:solidFill>
-                <a:effectLst>
-                  <a:outerShdw blurRad="38100" dist="38100" dir="2700000" algn="tl">
-                    <a:srgbClr val="000000">
-                      <a:alpha val="43137"/>
-                    </a:srgbClr>
-                  </a:outerShdw>
-                </a:effectLst>
-                <a:latin typeface="맑은 고딕" panose="020B0503020000020004" pitchFamily="50" charset="-127"/>
-                <a:ea typeface="맑은 고딕" panose="020B0503020000020004" pitchFamily="50" charset="-127"/>
-              </a:rPr>
-              <a:t>(</a:t>
-            </a:r>
-            <a:r>
-              <a:rPr lang="ko-KR" altLang="en-US" sz="1750" dirty="0">
-                <a:solidFill>
-                  <a:schemeClr val="tx1">
-                    <a:lumMod val="95000"/>
-                    <a:lumOff val="5000"/>
-                  </a:schemeClr>
-                </a:solidFill>
-                <a:effectLst>
-                  <a:outerShdw blurRad="38100" dist="38100" dir="2700000" algn="tl">
-                    <a:srgbClr val="000000">
-                      <a:alpha val="43137"/>
-                    </a:srgbClr>
-                  </a:outerShdw>
-                </a:effectLst>
-                <a:latin typeface="맑은 고딕" panose="020B0503020000020004" pitchFamily="50" charset="-127"/>
-                <a:ea typeface="맑은 고딕" panose="020B0503020000020004" pitchFamily="50" charset="-127"/>
-              </a:rPr>
-              <a:t>정글 몬스터</a:t>
-            </a:r>
-            <a:r>
-              <a:rPr lang="en-US" altLang="ko-KR" sz="1750" dirty="0">
-                <a:solidFill>
-                  <a:schemeClr val="tx1">
-                    <a:lumMod val="95000"/>
-                    <a:lumOff val="5000"/>
-                  </a:schemeClr>
-                </a:solidFill>
-                <a:effectLst>
-                  <a:outerShdw blurRad="38100" dist="38100" dir="2700000" algn="tl">
-                    <a:srgbClr val="000000">
-                      <a:alpha val="43137"/>
-                    </a:srgbClr>
-                  </a:outerShdw>
-                </a:effectLst>
-                <a:latin typeface="맑은 고딕" panose="020B0503020000020004" pitchFamily="50" charset="-127"/>
-                <a:ea typeface="맑은 고딕" panose="020B0503020000020004" pitchFamily="50" charset="-127"/>
-              </a:rPr>
-              <a:t>)</a:t>
-            </a:r>
-          </a:p>
-          <a:p>
-            <a:pPr marL="1330452" lvl="2" indent="-342900">
-              <a:lnSpc>
-                <a:spcPct val="160000"/>
-              </a:lnSpc>
-              <a:buFont typeface="+mj-lt"/>
-              <a:buAutoNum type="alphaUcPeriod"/>
-            </a:pPr>
-            <a:r>
-              <a:rPr lang="ko-KR" altLang="en-US" sz="1750" strike="sngStrike" dirty="0">
-                <a:solidFill>
-                  <a:schemeClr val="tx1">
-                    <a:lumMod val="95000"/>
-                    <a:lumOff val="5000"/>
-                  </a:schemeClr>
-                </a:solidFill>
-                <a:effectLst>
-                  <a:outerShdw blurRad="38100" dist="38100" dir="2700000" algn="tl">
-                    <a:srgbClr val="000000">
-                      <a:alpha val="43137"/>
-                    </a:srgbClr>
-                  </a:outerShdw>
-                </a:effectLst>
-                <a:latin typeface="맑은 고딕" panose="020B0503020000020004" pitchFamily="50" charset="-127"/>
-                <a:ea typeface="맑은 고딕" panose="020B0503020000020004" pitchFamily="50" charset="-127"/>
-              </a:rPr>
-              <a:t>타워 아이콘 </a:t>
-            </a:r>
-            <a:r>
-              <a:rPr lang="en-US" altLang="ko-KR" sz="1750" strike="sngStrike" dirty="0">
-                <a:solidFill>
-                  <a:schemeClr val="tx1">
-                    <a:lumMod val="95000"/>
-                    <a:lumOff val="5000"/>
-                  </a:schemeClr>
-                </a:solidFill>
-                <a:effectLst>
-                  <a:outerShdw blurRad="38100" dist="38100" dir="2700000" algn="tl">
-                    <a:srgbClr val="000000">
-                      <a:alpha val="43137"/>
-                    </a:srgbClr>
-                  </a:outerShdw>
-                </a:effectLst>
-                <a:latin typeface="맑은 고딕" panose="020B0503020000020004" pitchFamily="50" charset="-127"/>
-                <a:ea typeface="맑은 고딕" panose="020B0503020000020004" pitchFamily="50" charset="-127"/>
-              </a:rPr>
-              <a:t>HP </a:t>
-            </a:r>
-            <a:r>
-              <a:rPr lang="ko-KR" altLang="en-US" sz="1750" strike="sngStrike" dirty="0">
-                <a:solidFill>
-                  <a:schemeClr val="tx1">
-                    <a:lumMod val="95000"/>
-                    <a:lumOff val="5000"/>
-                  </a:schemeClr>
-                </a:solidFill>
-                <a:effectLst>
-                  <a:outerShdw blurRad="38100" dist="38100" dir="2700000" algn="tl">
-                    <a:srgbClr val="000000">
-                      <a:alpha val="43137"/>
-                    </a:srgbClr>
-                  </a:outerShdw>
-                </a:effectLst>
-                <a:latin typeface="맑은 고딕" panose="020B0503020000020004" pitchFamily="50" charset="-127"/>
-                <a:ea typeface="맑은 고딕" panose="020B0503020000020004" pitchFamily="50" charset="-127"/>
-              </a:rPr>
-              <a:t>게이지 처럼 처리</a:t>
-            </a:r>
-            <a:endParaRPr lang="en-US" altLang="ko-KR" sz="1750" strike="sngStrike" dirty="0">
+            <a:endParaRPr lang="en-US" altLang="ko-KR" sz="1950" dirty="0">
               <a:solidFill>
                 <a:schemeClr val="tx1">
                   <a:lumMod val="95000"/>
@@ -39946,7 +40931,7 @@
     </p:spTree>
     <p:extLst>
       <p:ext uri="{BB962C8B-B14F-4D97-AF65-F5344CB8AC3E}">
-        <p14:creationId xmlns:p14="http://schemas.microsoft.com/office/powerpoint/2010/main" val="1316857700"/>
+        <p14:creationId xmlns:p14="http://schemas.microsoft.com/office/powerpoint/2010/main" val="1737903744"/>
       </p:ext>
     </p:extLst>
   </p:cSld>

--- a/진행사항.pptx
+++ b/진행사항.pptx
@@ -225,7 +225,7 @@
           <a:p>
             <a:fld id="{174CF4B6-C8D6-438C-8B7D-E8AF3EC6F65B}" type="datetimeFigureOut">
               <a:rPr lang="ko-KR" altLang="en-US" smtClean="0"/>
-              <a:t>2018-07-16</a:t>
+              <a:t>2018-08-01</a:t>
             </a:fld>
             <a:endParaRPr lang="ko-KR" altLang="en-US"/>
           </a:p>
@@ -661,7 +661,7 @@
           <a:p>
             <a:fld id="{997C0C2C-FB57-479D-BE7F-6EC34BF7043C}" type="datetime1">
               <a:rPr lang="en-US" altLang="ko-KR" smtClean="0"/>
-              <a:t>7/16/2018</a:t>
+              <a:t>8/1/2018</a:t>
             </a:fld>
             <a:endParaRPr lang="en-US" dirty="0"/>
           </a:p>
@@ -992,7 +992,7 @@
           <a:p>
             <a:fld id="{047308E6-C353-4980-BC35-3BA553F61D46}" type="datetime1">
               <a:rPr lang="en-US" altLang="ko-KR" smtClean="0"/>
-              <a:t>7/16/2018</a:t>
+              <a:t>8/1/2018</a:t>
             </a:fld>
             <a:endParaRPr lang="en-US" dirty="0"/>
           </a:p>
@@ -1172,7 +1172,7 @@
           <a:p>
             <a:fld id="{925E33ED-602B-46D4-AC4E-A3EC8D1FE08B}" type="datetime1">
               <a:rPr lang="en-US" altLang="ko-KR" smtClean="0"/>
-              <a:t>7/16/2018</a:t>
+              <a:t>8/1/2018</a:t>
             </a:fld>
             <a:endParaRPr lang="en-US" dirty="0"/>
           </a:p>
@@ -1342,7 +1342,7 @@
           <a:p>
             <a:fld id="{CDCA6F40-FDE7-4477-94C1-42AFCA093BA3}" type="datetime1">
               <a:rPr lang="en-US" altLang="ko-KR" smtClean="0"/>
-              <a:t>7/16/2018</a:t>
+              <a:t>8/1/2018</a:t>
             </a:fld>
             <a:endParaRPr lang="en-US" dirty="0"/>
           </a:p>
@@ -1620,7 +1620,7 @@
           <a:p>
             <a:fld id="{E5AD4DDD-EA1C-4615-97C2-D68EC457B4CF}" type="datetime1">
               <a:rPr lang="en-US" altLang="ko-KR" smtClean="0"/>
-              <a:t>7/16/2018</a:t>
+              <a:t>8/1/2018</a:t>
             </a:fld>
             <a:endParaRPr lang="en-US" dirty="0"/>
           </a:p>
@@ -2071,7 +2071,7 @@
           <a:p>
             <a:fld id="{CA0F03C5-1E3C-44BE-9E2F-087D284D2C5D}" type="datetime1">
               <a:rPr lang="en-US" altLang="ko-KR" smtClean="0"/>
-              <a:t>7/16/2018</a:t>
+              <a:t>8/1/2018</a:t>
             </a:fld>
             <a:endParaRPr lang="en-US" dirty="0"/>
           </a:p>
@@ -2548,7 +2548,7 @@
           <a:p>
             <a:fld id="{23CB4308-201A-4967-870E-1ACB91AA6D8E}" type="datetime1">
               <a:rPr lang="en-US" altLang="ko-KR" smtClean="0"/>
-              <a:t>7/16/2018</a:t>
+              <a:t>8/1/2018</a:t>
             </a:fld>
             <a:endParaRPr lang="en-US" dirty="0"/>
           </a:p>
@@ -2666,7 +2666,7 @@
           <a:p>
             <a:fld id="{2AE391EA-DA61-4C24-8C9E-58C8105C0CDC}" type="datetime1">
               <a:rPr lang="en-US" altLang="ko-KR" smtClean="0"/>
-              <a:t>7/16/2018</a:t>
+              <a:t>8/1/2018</a:t>
             </a:fld>
             <a:endParaRPr lang="en-US" dirty="0"/>
           </a:p>
@@ -2761,7 +2761,7 @@
           <a:p>
             <a:fld id="{14CF23BC-FE77-4485-B606-6CBA74C5D36E}" type="datetime1">
               <a:rPr lang="en-US" altLang="ko-KR" smtClean="0"/>
-              <a:t>7/16/2018</a:t>
+              <a:t>8/1/2018</a:t>
             </a:fld>
             <a:endParaRPr lang="en-US" dirty="0"/>
           </a:p>
@@ -3109,7 +3109,7 @@
           <a:p>
             <a:fld id="{808D6C14-1859-4DDA-AD38-00DE62AE1826}" type="datetime1">
               <a:rPr lang="en-US" altLang="ko-KR" smtClean="0"/>
-              <a:t>7/16/2018</a:t>
+              <a:t>8/1/2018</a:t>
             </a:fld>
             <a:endParaRPr lang="en-US" dirty="0"/>
           </a:p>
@@ -3538,7 +3538,7 @@
           <a:p>
             <a:fld id="{AE734E95-C037-429B-8B5F-D0FAB25DE16C}" type="datetime1">
               <a:rPr lang="en-US" altLang="ko-KR" smtClean="0"/>
-              <a:t>7/16/2018</a:t>
+              <a:t>8/1/2018</a:t>
             </a:fld>
             <a:endParaRPr lang="en-US" dirty="0"/>
           </a:p>
@@ -3855,7 +3855,7 @@
           <a:p>
             <a:fld id="{E0770D22-4CCF-46DD-9D25-F19CC4764808}" type="datetime1">
               <a:rPr lang="en-US" altLang="ko-KR" smtClean="0"/>
-              <a:t>7/16/2018</a:t>
+              <a:t>8/1/2018</a:t>
             </a:fld>
             <a:endParaRPr lang="en-US" dirty="0"/>
           </a:p>
@@ -6589,7 +6589,7 @@
               <a:buAutoNum type="alphaUcPeriod"/>
             </a:pPr>
             <a:r>
-              <a:rPr lang="ko-KR" altLang="en-US" sz="1750" dirty="0">
+              <a:rPr lang="ko-KR" altLang="en-US" sz="1750" strike="sngStrike" dirty="0">
                 <a:solidFill>
                   <a:schemeClr val="tx1">
                     <a:lumMod val="95000"/>
@@ -6609,7 +6609,7 @@
               <a:t>아이콘 </a:t>
             </a:r>
             <a:r>
-              <a:rPr lang="en-US" altLang="ko-KR" sz="1750" dirty="0">
+              <a:rPr lang="en-US" altLang="ko-KR" sz="1750" strike="sngStrike" dirty="0">
                 <a:solidFill>
                   <a:schemeClr val="tx1">
                     <a:lumMod val="95000"/>
@@ -6629,7 +6629,7 @@
               <a:t>(</a:t>
             </a:r>
             <a:r>
-              <a:rPr lang="ko-KR" altLang="en-US" sz="1750" dirty="0">
+              <a:rPr lang="ko-KR" altLang="en-US" sz="1750" strike="sngStrike" dirty="0">
                 <a:solidFill>
                   <a:schemeClr val="tx1">
                     <a:lumMod val="95000"/>
@@ -6649,7 +6649,7 @@
               <a:t>정글 몬스터</a:t>
             </a:r>
             <a:r>
-              <a:rPr lang="en-US" altLang="ko-KR" sz="1750" dirty="0">
+              <a:rPr lang="en-US" altLang="ko-KR" sz="1750" strike="sngStrike" dirty="0">
                 <a:solidFill>
                   <a:schemeClr val="tx1">
                     <a:lumMod val="95000"/>
@@ -7094,7 +7094,7 @@
               <a:buAutoNum type="alphaUcPeriod"/>
             </a:pPr>
             <a:r>
-              <a:rPr lang="ko-KR" altLang="en-US" sz="1550" dirty="0">
+              <a:rPr lang="ko-KR" altLang="en-US" sz="1550" strike="sngStrike" dirty="0">
                 <a:solidFill>
                   <a:schemeClr val="tx1">
                     <a:lumMod val="95000"/>
@@ -7113,7 +7113,7 @@
               </a:rPr>
               <a:t>특성 선택 아이콘</a:t>
             </a:r>
-            <a:endParaRPr lang="en-US" altLang="ko-KR" sz="1550" dirty="0">
+            <a:endParaRPr lang="en-US" altLang="ko-KR" sz="1550" strike="sngStrike" dirty="0">
               <a:solidFill>
                 <a:schemeClr val="tx1">
                   <a:lumMod val="95000"/>
@@ -7140,7 +7140,7 @@
               <a:buAutoNum type="alphaUcPeriod"/>
             </a:pPr>
             <a:r>
-              <a:rPr lang="ko-KR" altLang="en-US" sz="1550" dirty="0">
+              <a:rPr lang="ko-KR" altLang="en-US" sz="1550" strike="sngStrike" dirty="0">
                 <a:solidFill>
                   <a:schemeClr val="tx1">
                     <a:lumMod val="95000"/>
@@ -7160,7 +7160,7 @@
               <a:t>플레이어 </a:t>
             </a:r>
             <a:r>
-              <a:rPr lang="en-US" altLang="ko-KR" sz="1550" dirty="0">
+              <a:rPr lang="en-US" altLang="ko-KR" sz="1550" strike="sngStrike" dirty="0">
                 <a:solidFill>
                   <a:schemeClr val="tx1">
                     <a:lumMod val="95000"/>
@@ -7180,7 +7180,7 @@
               <a:t>Icon(HP)</a:t>
             </a:r>
             <a:r>
-              <a:rPr lang="ko-KR" altLang="en-US" sz="1550" dirty="0">
+              <a:rPr lang="ko-KR" altLang="en-US" sz="1550" strike="sngStrike" dirty="0">
                 <a:solidFill>
                   <a:schemeClr val="tx1">
                     <a:lumMod val="95000"/>
@@ -7200,7 +7200,7 @@
               <a:t>와 상호작용 </a:t>
             </a:r>
             <a:r>
-              <a:rPr lang="en-US" altLang="ko-KR" sz="1550" dirty="0">
+              <a:rPr lang="en-US" altLang="ko-KR" sz="1550" strike="sngStrike" dirty="0">
                 <a:solidFill>
                   <a:schemeClr val="tx1">
                     <a:lumMod val="95000"/>
@@ -7220,7 +7220,7 @@
               <a:t>(</a:t>
             </a:r>
             <a:r>
-              <a:rPr lang="ko-KR" altLang="en-US" sz="1550" dirty="0" err="1">
+              <a:rPr lang="ko-KR" altLang="en-US" sz="1550" strike="sngStrike" dirty="0" err="1">
                 <a:solidFill>
                   <a:schemeClr val="tx1">
                     <a:lumMod val="95000"/>
@@ -7240,7 +7240,7 @@
               <a:t>클릭시</a:t>
             </a:r>
             <a:r>
-              <a:rPr lang="ko-KR" altLang="en-US" sz="1550" dirty="0">
+              <a:rPr lang="ko-KR" altLang="en-US" sz="1550" strike="sngStrike" dirty="0">
                 <a:solidFill>
                   <a:schemeClr val="tx1">
                     <a:lumMod val="95000"/>
@@ -7260,7 +7260,7 @@
               <a:t> 등장</a:t>
             </a:r>
             <a:r>
-              <a:rPr lang="en-US" altLang="ko-KR" sz="1550" dirty="0">
+              <a:rPr lang="en-US" altLang="ko-KR" sz="1550" strike="sngStrike" dirty="0">
                 <a:solidFill>
                   <a:schemeClr val="tx1">
                     <a:lumMod val="95000"/>
@@ -8356,12 +8356,9 @@
               <a:buAutoNum type="alphaUcPeriod"/>
             </a:pPr>
             <a:r>
-              <a:rPr lang="en-US" altLang="ko-KR" sz="1550" dirty="0">
+              <a:rPr lang="en-US" altLang="ko-KR" sz="1550" strike="sngStrike" dirty="0">
                 <a:solidFill>
-                  <a:schemeClr val="tx1">
-                    <a:lumMod val="95000"/>
-                    <a:lumOff val="5000"/>
-                  </a:schemeClr>
+                  <a:srgbClr val="FF0000"/>
                 </a:solidFill>
                 <a:effectLst>
                   <a:outerShdw blurRad="38100" dist="38100" dir="2700000" algn="tl">
@@ -8376,12 +8373,9 @@
               <a:t>Scene </a:t>
             </a:r>
             <a:r>
-              <a:rPr lang="ko-KR" altLang="en-US" sz="1550" dirty="0">
+              <a:rPr lang="ko-KR" altLang="en-US" sz="1550" strike="sngStrike" dirty="0">
                 <a:solidFill>
-                  <a:schemeClr val="tx1">
-                    <a:lumMod val="95000"/>
-                    <a:lumOff val="5000"/>
-                  </a:schemeClr>
+                  <a:srgbClr val="FF0000"/>
                 </a:solidFill>
                 <a:effectLst>
                   <a:outerShdw blurRad="38100" dist="38100" dir="2700000" algn="tl">
@@ -8396,12 +8390,9 @@
               <a:t>구분 </a:t>
             </a:r>
             <a:r>
-              <a:rPr lang="en-US" altLang="ko-KR" sz="1550" dirty="0">
+              <a:rPr lang="en-US" altLang="ko-KR" sz="1550" strike="sngStrike" dirty="0">
                 <a:solidFill>
-                  <a:schemeClr val="tx1">
-                    <a:lumMod val="95000"/>
-                    <a:lumOff val="5000"/>
-                  </a:schemeClr>
+                  <a:srgbClr val="FF0000"/>
                 </a:solidFill>
                 <a:effectLst>
                   <a:outerShdw blurRad="38100" dist="38100" dir="2700000" algn="tl">
@@ -8416,12 +8407,9 @@
               <a:t>UI </a:t>
             </a:r>
             <a:r>
-              <a:rPr lang="ko-KR" altLang="en-US" sz="1550" dirty="0">
+              <a:rPr lang="ko-KR" altLang="en-US" sz="1550" strike="sngStrike" dirty="0">
                 <a:solidFill>
-                  <a:schemeClr val="tx1">
-                    <a:lumMod val="95000"/>
-                    <a:lumOff val="5000"/>
-                  </a:schemeClr>
+                  <a:srgbClr val="FF0000"/>
                 </a:solidFill>
                 <a:effectLst>
                   <a:outerShdw blurRad="38100" dist="38100" dir="2700000" algn="tl">
@@ -8433,25 +8421,59 @@
                 <a:latin typeface="맑은 고딕" panose="020B0503020000020004" pitchFamily="50" charset="-127"/>
                 <a:ea typeface="맑은 고딕" panose="020B0503020000020004" pitchFamily="50" charset="-127"/>
               </a:rPr>
-              <a:t>제작</a:t>
+              <a:t>제작 </a:t>
             </a:r>
-            <a:endParaRPr lang="en-US" altLang="ko-KR" sz="1550" dirty="0">
-              <a:solidFill>
-                <a:schemeClr val="tx1">
-                  <a:lumMod val="95000"/>
-                  <a:lumOff val="5000"/>
-                </a:schemeClr>
-              </a:solidFill>
-              <a:effectLst>
-                <a:outerShdw blurRad="38100" dist="38100" dir="2700000" algn="tl">
-                  <a:srgbClr val="000000">
-                    <a:alpha val="43137"/>
-                  </a:srgbClr>
-                </a:outerShdw>
-              </a:effectLst>
-              <a:latin typeface="맑은 고딕" panose="020B0503020000020004" pitchFamily="50" charset="-127"/>
-              <a:ea typeface="맑은 고딕" panose="020B0503020000020004" pitchFamily="50" charset="-127"/>
-            </a:endParaRPr>
+            <a:r>
+              <a:rPr lang="en-US" altLang="ko-KR" sz="1550" dirty="0">
+                <a:solidFill>
+                  <a:srgbClr val="FF0000"/>
+                </a:solidFill>
+                <a:effectLst>
+                  <a:outerShdw blurRad="38100" dist="38100" dir="2700000" algn="tl">
+                    <a:srgbClr val="000000">
+                      <a:alpha val="43137"/>
+                    </a:srgbClr>
+                  </a:outerShdw>
+                </a:effectLst>
+                <a:latin typeface="맑은 고딕" panose="020B0503020000020004" pitchFamily="50" charset="-127"/>
+                <a:ea typeface="맑은 고딕" panose="020B0503020000020004" pitchFamily="50" charset="-127"/>
+              </a:rPr>
+              <a:t>(</a:t>
+            </a:r>
+            <a:r>
+              <a:rPr lang="ko-KR" altLang="en-US" sz="1550" dirty="0">
+                <a:solidFill>
+                  <a:srgbClr val="FF0000"/>
+                </a:solidFill>
+                <a:effectLst>
+                  <a:outerShdw blurRad="38100" dist="38100" dir="2700000" algn="tl">
+                    <a:srgbClr val="000000">
+                      <a:alpha val="43137"/>
+                    </a:srgbClr>
+                  </a:outerShdw>
+                </a:effectLst>
+                <a:latin typeface="맑은 고딕" panose="020B0503020000020004" pitchFamily="50" charset="-127"/>
+                <a:ea typeface="맑은 고딕" panose="020B0503020000020004" pitchFamily="50" charset="-127"/>
+              </a:rPr>
+              <a:t>신 분할 </a:t>
+            </a:r>
+            <a:r>
+              <a:rPr lang="en-US" altLang="ko-KR" sz="1550" dirty="0">
+                <a:solidFill>
+                  <a:srgbClr val="FF0000"/>
+                </a:solidFill>
+                <a:effectLst>
+                  <a:outerShdw blurRad="38100" dist="38100" dir="2700000" algn="tl">
+                    <a:srgbClr val="000000">
+                      <a:alpha val="43137"/>
+                    </a:srgbClr>
+                  </a:outerShdw>
+                </a:effectLst>
+                <a:latin typeface="맑은 고딕" panose="020B0503020000020004" pitchFamily="50" charset="-127"/>
+                <a:ea typeface="맑은 고딕" panose="020B0503020000020004" pitchFamily="50" charset="-127"/>
+              </a:rPr>
+              <a:t>X)</a:t>
+            </a:r>
           </a:p>
         </p:txBody>
       </p:sp>
@@ -10520,7 +10542,7 @@
               <a:buAutoNum type="alphaUcPeriod"/>
             </a:pPr>
             <a:r>
-              <a:rPr lang="ko-KR" altLang="en-US" sz="800" dirty="0" err="1">
+              <a:rPr lang="ko-KR" altLang="en-US" sz="800" strike="sngStrike" dirty="0" err="1">
                 <a:solidFill>
                   <a:schemeClr val="tx1">
                     <a:lumMod val="95000"/>
@@ -10540,7 +10562,7 @@
               <a:t>저스트</a:t>
             </a:r>
             <a:r>
-              <a:rPr lang="ko-KR" altLang="en-US" sz="800" dirty="0">
+              <a:rPr lang="ko-KR" altLang="en-US" sz="800" strike="sngStrike" dirty="0">
                 <a:solidFill>
                   <a:schemeClr val="tx1">
                     <a:lumMod val="95000"/>
@@ -10560,7 +10582,7 @@
               <a:t> </a:t>
             </a:r>
             <a:r>
-              <a:rPr lang="ko-KR" altLang="en-US" sz="800" dirty="0" err="1">
+              <a:rPr lang="ko-KR" altLang="en-US" sz="800" strike="sngStrike" dirty="0" err="1">
                 <a:solidFill>
                   <a:schemeClr val="tx1">
                     <a:lumMod val="95000"/>
@@ -10579,7 +10601,7 @@
               </a:rPr>
               <a:t>두잇</a:t>
             </a:r>
-            <a:endParaRPr lang="en-US" altLang="ko-KR" sz="800" dirty="0">
+            <a:endParaRPr lang="en-US" altLang="ko-KR" sz="800" strike="sngStrike" dirty="0">
               <a:solidFill>
                 <a:schemeClr val="tx1">
                   <a:lumMod val="95000"/>
@@ -10652,7 +10674,7 @@
               <a:buAutoNum type="alphaUcPeriod"/>
             </a:pPr>
             <a:r>
-              <a:rPr lang="ko-KR" altLang="en-US" sz="800" dirty="0">
+              <a:rPr lang="ko-KR" altLang="en-US" sz="800" strike="sngStrike" dirty="0">
                 <a:solidFill>
                   <a:schemeClr val="tx1">
                     <a:lumMod val="95000"/>
@@ -10671,7 +10693,7 @@
               </a:rPr>
               <a:t>머플러</a:t>
             </a:r>
-            <a:endParaRPr lang="en-US" altLang="ko-KR" sz="800" dirty="0">
+            <a:endParaRPr lang="en-US" altLang="ko-KR" sz="800" strike="sngStrike" dirty="0">
               <a:solidFill>
                 <a:schemeClr val="tx1">
                   <a:lumMod val="95000"/>
@@ -10698,7 +10720,7 @@
               <a:buAutoNum type="alphaUcPeriod"/>
             </a:pPr>
             <a:r>
-              <a:rPr lang="ko-KR" altLang="en-US" sz="800" dirty="0">
+              <a:rPr lang="ko-KR" altLang="en-US" sz="800" strike="sngStrike" dirty="0">
                 <a:solidFill>
                   <a:schemeClr val="tx1">
                     <a:lumMod val="95000"/>
@@ -10717,7 +10739,7 @@
               </a:rPr>
               <a:t>링크의 옷</a:t>
             </a:r>
-            <a:endParaRPr lang="en-US" altLang="ko-KR" sz="800" dirty="0">
+            <a:endParaRPr lang="en-US" altLang="ko-KR" sz="800" strike="sngStrike" dirty="0">
               <a:solidFill>
                 <a:schemeClr val="tx1">
                   <a:lumMod val="95000"/>
@@ -10744,7 +10766,7 @@
               <a:buAutoNum type="alphaUcPeriod"/>
             </a:pPr>
             <a:r>
-              <a:rPr lang="ko-KR" altLang="en-US" sz="800" dirty="0" err="1">
+              <a:rPr lang="ko-KR" altLang="en-US" sz="800" strike="sngStrike" dirty="0" err="1">
                 <a:solidFill>
                   <a:schemeClr val="tx1">
                     <a:lumMod val="95000"/>
@@ -10763,7 +10785,7 @@
               </a:rPr>
               <a:t>삼선슬리퍼</a:t>
             </a:r>
-            <a:endParaRPr lang="en-US" altLang="ko-KR" sz="800" dirty="0">
+            <a:endParaRPr lang="en-US" altLang="ko-KR" sz="800" strike="sngStrike" dirty="0">
               <a:solidFill>
                 <a:schemeClr val="tx1">
                   <a:lumMod val="95000"/>
@@ -10790,7 +10812,7 @@
               <a:buAutoNum type="alphaUcPeriod"/>
             </a:pPr>
             <a:r>
-              <a:rPr lang="ko-KR" altLang="en-US" sz="800" dirty="0" err="1">
+              <a:rPr lang="ko-KR" altLang="en-US" sz="800" strike="sngStrike" dirty="0" err="1">
                 <a:solidFill>
                   <a:schemeClr val="tx1">
                     <a:lumMod val="95000"/>
@@ -10809,7 +10831,7 @@
               </a:rPr>
               <a:t>크로스헤어</a:t>
             </a:r>
-            <a:endParaRPr lang="en-US" altLang="ko-KR" sz="800" dirty="0">
+            <a:endParaRPr lang="en-US" altLang="ko-KR" sz="800" strike="sngStrike" dirty="0">
               <a:solidFill>
                 <a:schemeClr val="tx1">
                   <a:lumMod val="95000"/>
@@ -10836,7 +10858,7 @@
               <a:buAutoNum type="alphaUcPeriod"/>
             </a:pPr>
             <a:r>
-              <a:rPr lang="ko-KR" altLang="en-US" sz="800" dirty="0" err="1">
+              <a:rPr lang="ko-KR" altLang="en-US" sz="800" strike="sngStrike" dirty="0" err="1">
                 <a:solidFill>
                   <a:schemeClr val="tx1">
                     <a:lumMod val="95000"/>
@@ -10855,7 +10877,7 @@
               </a:rPr>
               <a:t>샤삭</a:t>
             </a:r>
-            <a:endParaRPr lang="en-US" altLang="ko-KR" sz="800" dirty="0">
+            <a:endParaRPr lang="en-US" altLang="ko-KR" sz="800" strike="sngStrike" dirty="0">
               <a:solidFill>
                 <a:schemeClr val="tx1">
                   <a:lumMod val="95000"/>
@@ -10882,7 +10904,7 @@
               <a:buAutoNum type="alphaUcPeriod"/>
             </a:pPr>
             <a:r>
-              <a:rPr lang="ko-KR" altLang="en-US" sz="800" dirty="0">
+              <a:rPr lang="ko-KR" altLang="en-US" sz="800" strike="sngStrike" dirty="0">
                 <a:solidFill>
                   <a:schemeClr val="tx1">
                     <a:lumMod val="95000"/>
@@ -10901,7 +10923,7 @@
               </a:rPr>
               <a:t>모기 코스튬</a:t>
             </a:r>
-            <a:endParaRPr lang="en-US" altLang="ko-KR" sz="800" dirty="0">
+            <a:endParaRPr lang="en-US" altLang="ko-KR" sz="800" strike="sngStrike" dirty="0">
               <a:solidFill>
                 <a:schemeClr val="tx1">
                   <a:lumMod val="95000"/>
@@ -10928,7 +10950,7 @@
               <a:buAutoNum type="alphaUcPeriod"/>
             </a:pPr>
             <a:r>
-              <a:rPr lang="ko-KR" altLang="en-US" sz="800" dirty="0">
+              <a:rPr lang="ko-KR" altLang="en-US" sz="800" strike="sngStrike" dirty="0">
                 <a:solidFill>
                   <a:schemeClr val="tx1">
                     <a:lumMod val="95000"/>
@@ -10947,7 +10969,7 @@
               </a:rPr>
               <a:t>스프링</a:t>
             </a:r>
-            <a:endParaRPr lang="en-US" altLang="ko-KR" sz="800" dirty="0">
+            <a:endParaRPr lang="en-US" altLang="ko-KR" sz="800" strike="sngStrike" dirty="0">
               <a:solidFill>
                 <a:schemeClr val="tx1">
                   <a:lumMod val="95000"/>
@@ -10974,7 +10996,7 @@
               <a:buAutoNum type="alphaUcPeriod"/>
             </a:pPr>
             <a:r>
-              <a:rPr lang="ko-KR" altLang="en-US" sz="800" dirty="0" err="1">
+              <a:rPr lang="ko-KR" altLang="en-US" sz="800" strike="sngStrike" dirty="0" err="1">
                 <a:solidFill>
                   <a:schemeClr val="tx1">
                     <a:lumMod val="95000"/>
@@ -10993,7 +11015,7 @@
               </a:rPr>
               <a:t>수혈팩</a:t>
             </a:r>
-            <a:endParaRPr lang="en-US" altLang="ko-KR" sz="800" dirty="0">
+            <a:endParaRPr lang="en-US" altLang="ko-KR" sz="800" strike="sngStrike" dirty="0">
               <a:solidFill>
                 <a:schemeClr val="tx1">
                   <a:lumMod val="95000"/>
@@ -11020,7 +11042,7 @@
               <a:buAutoNum type="alphaUcPeriod"/>
             </a:pPr>
             <a:r>
-              <a:rPr lang="ko-KR" altLang="en-US" sz="800" dirty="0" err="1">
+              <a:rPr lang="ko-KR" altLang="en-US" sz="800" strike="sngStrike" dirty="0" err="1">
                 <a:solidFill>
                   <a:schemeClr val="tx1">
                     <a:lumMod val="95000"/>
@@ -11040,7 +11062,7 @@
               <a:t>뿔테</a:t>
             </a:r>
             <a:r>
-              <a:rPr lang="ko-KR" altLang="en-US" sz="800" dirty="0">
+              <a:rPr lang="ko-KR" altLang="en-US" sz="800" strike="sngStrike" dirty="0">
                 <a:solidFill>
                   <a:schemeClr val="tx1">
                     <a:lumMod val="95000"/>
@@ -11059,7 +11081,7 @@
               </a:rPr>
               <a:t> 안경</a:t>
             </a:r>
-            <a:endParaRPr lang="en-US" altLang="ko-KR" sz="800" dirty="0">
+            <a:endParaRPr lang="en-US" altLang="ko-KR" sz="800" strike="sngStrike" dirty="0">
               <a:solidFill>
                 <a:schemeClr val="tx1">
                   <a:lumMod val="95000"/>
@@ -11086,7 +11108,7 @@
               <a:buAutoNum type="alphaUcPeriod"/>
             </a:pPr>
             <a:r>
-              <a:rPr lang="ko-KR" altLang="en-US" sz="800" dirty="0" err="1">
+              <a:rPr lang="ko-KR" altLang="en-US" sz="800" strike="sngStrike" dirty="0" err="1">
                 <a:solidFill>
                   <a:schemeClr val="tx1">
                     <a:lumMod val="95000"/>
@@ -11105,7 +11127,7 @@
               </a:rPr>
               <a:t>썬그라스</a:t>
             </a:r>
-            <a:endParaRPr lang="en-US" altLang="ko-KR" sz="800" dirty="0">
+            <a:endParaRPr lang="en-US" altLang="ko-KR" sz="800" strike="sngStrike" dirty="0">
               <a:solidFill>
                 <a:schemeClr val="tx1">
                   <a:lumMod val="95000"/>
@@ -11132,7 +11154,7 @@
               <a:buAutoNum type="alphaUcPeriod"/>
             </a:pPr>
             <a:r>
-              <a:rPr lang="ko-KR" altLang="en-US" sz="800" dirty="0">
+              <a:rPr lang="ko-KR" altLang="en-US" sz="800" strike="sngStrike" dirty="0">
                 <a:solidFill>
                   <a:schemeClr val="tx1">
                     <a:lumMod val="95000"/>
@@ -11151,7 +11173,7 @@
               </a:rPr>
               <a:t>장난감 태엽</a:t>
             </a:r>
-            <a:endParaRPr lang="en-US" altLang="ko-KR" sz="800" dirty="0">
+            <a:endParaRPr lang="en-US" altLang="ko-KR" sz="800" strike="sngStrike" dirty="0">
               <a:solidFill>
                 <a:schemeClr val="tx1">
                   <a:lumMod val="95000"/>
@@ -11178,7 +11200,7 @@
               <a:buAutoNum type="alphaUcPeriod"/>
             </a:pPr>
             <a:r>
-              <a:rPr lang="ko-KR" altLang="en-US" sz="800" dirty="0">
+              <a:rPr lang="ko-KR" altLang="en-US" sz="800" strike="sngStrike" dirty="0">
                 <a:solidFill>
                   <a:schemeClr val="tx1">
                     <a:lumMod val="95000"/>
@@ -11197,7 +11219,7 @@
               </a:rPr>
               <a:t>소프트콘</a:t>
             </a:r>
-            <a:endParaRPr lang="en-US" altLang="ko-KR" sz="800" dirty="0">
+            <a:endParaRPr lang="en-US" altLang="ko-KR" sz="800" strike="sngStrike" dirty="0">
               <a:solidFill>
                 <a:schemeClr val="tx1">
                   <a:lumMod val="95000"/>

--- a/진행사항.pptx
+++ b/진행사항.pptx
@@ -225,7 +225,7 @@
           <a:p>
             <a:fld id="{174CF4B6-C8D6-438C-8B7D-E8AF3EC6F65B}" type="datetimeFigureOut">
               <a:rPr lang="ko-KR" altLang="en-US" smtClean="0"/>
-              <a:t>2018-08-01</a:t>
+              <a:t>2018-08-04</a:t>
             </a:fld>
             <a:endParaRPr lang="ko-KR" altLang="en-US"/>
           </a:p>
@@ -661,7 +661,7 @@
           <a:p>
             <a:fld id="{997C0C2C-FB57-479D-BE7F-6EC34BF7043C}" type="datetime1">
               <a:rPr lang="en-US" altLang="ko-KR" smtClean="0"/>
-              <a:t>8/1/2018</a:t>
+              <a:t>8/4/2018</a:t>
             </a:fld>
             <a:endParaRPr lang="en-US" dirty="0"/>
           </a:p>
@@ -992,7 +992,7 @@
           <a:p>
             <a:fld id="{047308E6-C353-4980-BC35-3BA553F61D46}" type="datetime1">
               <a:rPr lang="en-US" altLang="ko-KR" smtClean="0"/>
-              <a:t>8/1/2018</a:t>
+              <a:t>8/4/2018</a:t>
             </a:fld>
             <a:endParaRPr lang="en-US" dirty="0"/>
           </a:p>
@@ -1172,7 +1172,7 @@
           <a:p>
             <a:fld id="{925E33ED-602B-46D4-AC4E-A3EC8D1FE08B}" type="datetime1">
               <a:rPr lang="en-US" altLang="ko-KR" smtClean="0"/>
-              <a:t>8/1/2018</a:t>
+              <a:t>8/4/2018</a:t>
             </a:fld>
             <a:endParaRPr lang="en-US" dirty="0"/>
           </a:p>
@@ -1342,7 +1342,7 @@
           <a:p>
             <a:fld id="{CDCA6F40-FDE7-4477-94C1-42AFCA093BA3}" type="datetime1">
               <a:rPr lang="en-US" altLang="ko-KR" smtClean="0"/>
-              <a:t>8/1/2018</a:t>
+              <a:t>8/4/2018</a:t>
             </a:fld>
             <a:endParaRPr lang="en-US" dirty="0"/>
           </a:p>
@@ -1620,7 +1620,7 @@
           <a:p>
             <a:fld id="{E5AD4DDD-EA1C-4615-97C2-D68EC457B4CF}" type="datetime1">
               <a:rPr lang="en-US" altLang="ko-KR" smtClean="0"/>
-              <a:t>8/1/2018</a:t>
+              <a:t>8/4/2018</a:t>
             </a:fld>
             <a:endParaRPr lang="en-US" dirty="0"/>
           </a:p>
@@ -2071,7 +2071,7 @@
           <a:p>
             <a:fld id="{CA0F03C5-1E3C-44BE-9E2F-087D284D2C5D}" type="datetime1">
               <a:rPr lang="en-US" altLang="ko-KR" smtClean="0"/>
-              <a:t>8/1/2018</a:t>
+              <a:t>8/4/2018</a:t>
             </a:fld>
             <a:endParaRPr lang="en-US" dirty="0"/>
           </a:p>
@@ -2548,7 +2548,7 @@
           <a:p>
             <a:fld id="{23CB4308-201A-4967-870E-1ACB91AA6D8E}" type="datetime1">
               <a:rPr lang="en-US" altLang="ko-KR" smtClean="0"/>
-              <a:t>8/1/2018</a:t>
+              <a:t>8/4/2018</a:t>
             </a:fld>
             <a:endParaRPr lang="en-US" dirty="0"/>
           </a:p>
@@ -2666,7 +2666,7 @@
           <a:p>
             <a:fld id="{2AE391EA-DA61-4C24-8C9E-58C8105C0CDC}" type="datetime1">
               <a:rPr lang="en-US" altLang="ko-KR" smtClean="0"/>
-              <a:t>8/1/2018</a:t>
+              <a:t>8/4/2018</a:t>
             </a:fld>
             <a:endParaRPr lang="en-US" dirty="0"/>
           </a:p>
@@ -2761,7 +2761,7 @@
           <a:p>
             <a:fld id="{14CF23BC-FE77-4485-B606-6CBA74C5D36E}" type="datetime1">
               <a:rPr lang="en-US" altLang="ko-KR" smtClean="0"/>
-              <a:t>8/1/2018</a:t>
+              <a:t>8/4/2018</a:t>
             </a:fld>
             <a:endParaRPr lang="en-US" dirty="0"/>
           </a:p>
@@ -3109,7 +3109,7 @@
           <a:p>
             <a:fld id="{808D6C14-1859-4DDA-AD38-00DE62AE1826}" type="datetime1">
               <a:rPr lang="en-US" altLang="ko-KR" smtClean="0"/>
-              <a:t>8/1/2018</a:t>
+              <a:t>8/4/2018</a:t>
             </a:fld>
             <a:endParaRPr lang="en-US" dirty="0"/>
           </a:p>
@@ -3538,7 +3538,7 @@
           <a:p>
             <a:fld id="{AE734E95-C037-429B-8B5F-D0FAB25DE16C}" type="datetime1">
               <a:rPr lang="en-US" altLang="ko-KR" smtClean="0"/>
-              <a:t>8/1/2018</a:t>
+              <a:t>8/4/2018</a:t>
             </a:fld>
             <a:endParaRPr lang="en-US" dirty="0"/>
           </a:p>
@@ -3855,7 +3855,7 @@
           <a:p>
             <a:fld id="{E0770D22-4CCF-46DD-9D25-F19CC4764808}" type="datetime1">
               <a:rPr lang="en-US" altLang="ko-KR" smtClean="0"/>
-              <a:t>8/1/2018</a:t>
+              <a:t>8/4/2018</a:t>
             </a:fld>
             <a:endParaRPr lang="en-US" dirty="0"/>
           </a:p>
@@ -12540,7 +12540,7 @@
           <p:nvPr>
             <p:extLst>
               <p:ext uri="{D42A27DB-BD31-4B8C-83A1-F6EECF244321}">
-                <p14:modId xmlns:p14="http://schemas.microsoft.com/office/powerpoint/2010/main" val="1757869731"/>
+                <p14:modId xmlns:p14="http://schemas.microsoft.com/office/powerpoint/2010/main" val="2937465583"/>
               </p:ext>
             </p:extLst>
           </p:nvPr>
@@ -14987,6 +14987,15 @@
                       <a:headEnd type="none" w="med" len="med"/>
                       <a:tailEnd type="none" w="med" len="med"/>
                     </a:lnB>
+                    <a:lnBlToTr w="12700" cap="flat" cmpd="sng" algn="ctr">
+                      <a:solidFill>
+                        <a:schemeClr val="tx1"/>
+                      </a:solidFill>
+                      <a:prstDash val="solid"/>
+                      <a:round/>
+                      <a:headEnd type="none" w="med" len="med"/>
+                      <a:tailEnd type="none" w="med" len="med"/>
+                    </a:lnBlToTr>
                     <a:solidFill>
                       <a:srgbClr val="FFC000"/>
                     </a:solidFill>
@@ -15038,6 +15047,15 @@
                       <a:headEnd type="none" w="med" len="med"/>
                       <a:tailEnd type="none" w="med" len="med"/>
                     </a:lnB>
+                    <a:lnBlToTr w="12700" cap="flat" cmpd="sng" algn="ctr">
+                      <a:solidFill>
+                        <a:schemeClr val="tx1"/>
+                      </a:solidFill>
+                      <a:prstDash val="solid"/>
+                      <a:round/>
+                      <a:headEnd type="none" w="med" len="med"/>
+                      <a:tailEnd type="none" w="med" len="med"/>
+                    </a:lnBlToTr>
                     <a:solidFill>
                       <a:srgbClr val="FFC000"/>
                     </a:solidFill>
@@ -15089,6 +15107,15 @@
                       <a:headEnd type="none" w="med" len="med"/>
                       <a:tailEnd type="none" w="med" len="med"/>
                     </a:lnB>
+                    <a:lnBlToTr w="12700" cap="flat" cmpd="sng" algn="ctr">
+                      <a:solidFill>
+                        <a:schemeClr val="tx1"/>
+                      </a:solidFill>
+                      <a:prstDash val="solid"/>
+                      <a:round/>
+                      <a:headEnd type="none" w="med" len="med"/>
+                      <a:tailEnd type="none" w="med" len="med"/>
+                    </a:lnBlToTr>
                     <a:solidFill>
                       <a:srgbClr val="FFC000"/>
                     </a:solidFill>
@@ -16486,6 +16513,15 @@
                       <a:headEnd type="none" w="med" len="med"/>
                       <a:tailEnd type="none" w="med" len="med"/>
                     </a:lnB>
+                    <a:lnBlToTr w="12700" cap="flat" cmpd="sng" algn="ctr">
+                      <a:solidFill>
+                        <a:schemeClr val="tx1"/>
+                      </a:solidFill>
+                      <a:prstDash val="solid"/>
+                      <a:round/>
+                      <a:headEnd type="none" w="med" len="med"/>
+                      <a:tailEnd type="none" w="med" len="med"/>
+                    </a:lnBlToTr>
                     <a:solidFill>
                       <a:srgbClr val="FFC000"/>
                     </a:solidFill>
@@ -29747,7 +29783,7 @@
           <p:nvPr>
             <p:extLst>
               <p:ext uri="{D42A27DB-BD31-4B8C-83A1-F6EECF244321}">
-                <p14:modId xmlns:p14="http://schemas.microsoft.com/office/powerpoint/2010/main" val="2415013622"/>
+                <p14:modId xmlns:p14="http://schemas.microsoft.com/office/powerpoint/2010/main" val="3372386334"/>
               </p:ext>
             </p:extLst>
           </p:nvPr>
@@ -36580,9 +36616,14 @@
                       <a:noFill/>
                       <a:prstDash val="solid"/>
                     </a:lnTlToBr>
-                    <a:lnBlToTr w="12700" cmpd="sng">
-                      <a:noFill/>
-                      <a:prstDash val="solid"/>
+                    <a:lnBlToTr w="12700" cap="flat" cmpd="sng" algn="ctr">
+                      <a:solidFill>
+                        <a:schemeClr val="tx1"/>
+                      </a:solidFill>
+                      <a:prstDash val="solid"/>
+                      <a:round/>
+                      <a:headEnd type="none" w="med" len="med"/>
+                      <a:tailEnd type="none" w="med" len="med"/>
                     </a:lnBlToTr>
                     <a:solidFill>
                       <a:srgbClr val="92D050"/>
@@ -36635,9 +36676,14 @@
                       <a:noFill/>
                       <a:prstDash val="solid"/>
                     </a:lnTlToBr>
-                    <a:lnBlToTr w="12700" cmpd="sng">
-                      <a:noFill/>
-                      <a:prstDash val="solid"/>
+                    <a:lnBlToTr w="12700" cap="flat" cmpd="sng" algn="ctr">
+                      <a:solidFill>
+                        <a:schemeClr val="tx1"/>
+                      </a:solidFill>
+                      <a:prstDash val="solid"/>
+                      <a:round/>
+                      <a:headEnd type="none" w="med" len="med"/>
+                      <a:tailEnd type="none" w="med" len="med"/>
                     </a:lnBlToTr>
                     <a:solidFill>
                       <a:srgbClr val="92D050"/>
@@ -36688,6 +36734,15 @@
                       <a:headEnd type="none" w="med" len="med"/>
                       <a:tailEnd type="none" w="med" len="med"/>
                     </a:lnB>
+                    <a:lnBlToTr w="12700" cap="flat" cmpd="sng" algn="ctr">
+                      <a:solidFill>
+                        <a:schemeClr val="tx1"/>
+                      </a:solidFill>
+                      <a:prstDash val="solid"/>
+                      <a:round/>
+                      <a:headEnd type="none" w="med" len="med"/>
+                      <a:tailEnd type="none" w="med" len="med"/>
+                    </a:lnBlToTr>
                     <a:solidFill>
                       <a:srgbClr val="92D050"/>
                     </a:solidFill>
@@ -36739,6 +36794,15 @@
                       <a:headEnd type="none" w="med" len="med"/>
                       <a:tailEnd type="none" w="med" len="med"/>
                     </a:lnB>
+                    <a:lnBlToTr w="12700" cap="flat" cmpd="sng" algn="ctr">
+                      <a:solidFill>
+                        <a:schemeClr val="tx1"/>
+                      </a:solidFill>
+                      <a:prstDash val="solid"/>
+                      <a:round/>
+                      <a:headEnd type="none" w="med" len="med"/>
+                      <a:tailEnd type="none" w="med" len="med"/>
+                    </a:lnBlToTr>
                     <a:solidFill>
                       <a:srgbClr val="92D050"/>
                     </a:solidFill>
@@ -36790,6 +36854,15 @@
                       <a:headEnd type="none" w="med" len="med"/>
                       <a:tailEnd type="none" w="med" len="med"/>
                     </a:lnB>
+                    <a:lnBlToTr w="12700" cap="flat" cmpd="sng" algn="ctr">
+                      <a:solidFill>
+                        <a:schemeClr val="tx1"/>
+                      </a:solidFill>
+                      <a:prstDash val="solid"/>
+                      <a:round/>
+                      <a:headEnd type="none" w="med" len="med"/>
+                      <a:tailEnd type="none" w="med" len="med"/>
+                    </a:lnBlToTr>
                     <a:solidFill>
                       <a:srgbClr val="92D050"/>
                     </a:solidFill>
@@ -36841,6 +36914,15 @@
                       <a:headEnd type="none" w="med" len="med"/>
                       <a:tailEnd type="none" w="med" len="med"/>
                     </a:lnB>
+                    <a:lnBlToTr w="12700" cap="flat" cmpd="sng" algn="ctr">
+                      <a:solidFill>
+                        <a:schemeClr val="tx1"/>
+                      </a:solidFill>
+                      <a:prstDash val="solid"/>
+                      <a:round/>
+                      <a:headEnd type="none" w="med" len="med"/>
+                      <a:tailEnd type="none" w="med" len="med"/>
+                    </a:lnBlToTr>
                     <a:solidFill>
                       <a:srgbClr val="92D050"/>
                     </a:solidFill>
@@ -36892,6 +36974,15 @@
                       <a:headEnd type="none" w="med" len="med"/>
                       <a:tailEnd type="none" w="med" len="med"/>
                     </a:lnB>
+                    <a:lnBlToTr w="12700" cap="flat" cmpd="sng" algn="ctr">
+                      <a:solidFill>
+                        <a:schemeClr val="tx1"/>
+                      </a:solidFill>
+                      <a:prstDash val="solid"/>
+                      <a:round/>
+                      <a:headEnd type="none" w="med" len="med"/>
+                      <a:tailEnd type="none" w="med" len="med"/>
+                    </a:lnBlToTr>
                     <a:solidFill>
                       <a:srgbClr val="92D050"/>
                     </a:solidFill>
@@ -36943,6 +37034,15 @@
                       <a:headEnd type="none" w="med" len="med"/>
                       <a:tailEnd type="none" w="med" len="med"/>
                     </a:lnB>
+                    <a:lnBlToTr w="12700" cap="flat" cmpd="sng" algn="ctr">
+                      <a:solidFill>
+                        <a:schemeClr val="tx1"/>
+                      </a:solidFill>
+                      <a:prstDash val="solid"/>
+                      <a:round/>
+                      <a:headEnd type="none" w="med" len="med"/>
+                      <a:tailEnd type="none" w="med" len="med"/>
+                    </a:lnBlToTr>
                     <a:solidFill>
                       <a:srgbClr val="92D050"/>
                     </a:solidFill>
@@ -36994,6 +37094,15 @@
                       <a:headEnd type="none" w="med" len="med"/>
                       <a:tailEnd type="none" w="med" len="med"/>
                     </a:lnB>
+                    <a:lnBlToTr w="12700" cap="flat" cmpd="sng" algn="ctr">
+                      <a:solidFill>
+                        <a:schemeClr val="tx1"/>
+                      </a:solidFill>
+                      <a:prstDash val="solid"/>
+                      <a:round/>
+                      <a:headEnd type="none" w="med" len="med"/>
+                      <a:tailEnd type="none" w="med" len="med"/>
+                    </a:lnBlToTr>
                     <a:solidFill>
                       <a:srgbClr val="92D050"/>
                     </a:solidFill>
@@ -37045,6 +37154,15 @@
                       <a:headEnd type="none" w="med" len="med"/>
                       <a:tailEnd type="none" w="med" len="med"/>
                     </a:lnB>
+                    <a:lnBlToTr w="12700" cap="flat" cmpd="sng" algn="ctr">
+                      <a:solidFill>
+                        <a:schemeClr val="tx1"/>
+                      </a:solidFill>
+                      <a:prstDash val="solid"/>
+                      <a:round/>
+                      <a:headEnd type="none" w="med" len="med"/>
+                      <a:tailEnd type="none" w="med" len="med"/>
+                    </a:lnBlToTr>
                     <a:solidFill>
                       <a:srgbClr val="92D050"/>
                     </a:solidFill>
@@ -37096,6 +37214,15 @@
                       <a:headEnd type="none" w="med" len="med"/>
                       <a:tailEnd type="none" w="med" len="med"/>
                     </a:lnB>
+                    <a:lnBlToTr w="12700" cap="flat" cmpd="sng" algn="ctr">
+                      <a:solidFill>
+                        <a:schemeClr val="tx1"/>
+                      </a:solidFill>
+                      <a:prstDash val="solid"/>
+                      <a:round/>
+                      <a:headEnd type="none" w="med" len="med"/>
+                      <a:tailEnd type="none" w="med" len="med"/>
+                    </a:lnBlToTr>
                     <a:solidFill>
                       <a:srgbClr val="92D050"/>
                     </a:solidFill>
@@ -37147,6 +37274,15 @@
                       <a:headEnd type="none" w="med" len="med"/>
                       <a:tailEnd type="none" w="med" len="med"/>
                     </a:lnB>
+                    <a:lnBlToTr w="12700" cap="flat" cmpd="sng" algn="ctr">
+                      <a:solidFill>
+                        <a:schemeClr val="tx1"/>
+                      </a:solidFill>
+                      <a:prstDash val="solid"/>
+                      <a:round/>
+                      <a:headEnd type="none" w="med" len="med"/>
+                      <a:tailEnd type="none" w="med" len="med"/>
+                    </a:lnBlToTr>
                     <a:solidFill>
                       <a:srgbClr val="92D050"/>
                     </a:solidFill>
@@ -39683,7 +39819,7 @@
               <a:buAutoNum type="alphaUcPeriod"/>
             </a:pPr>
             <a:r>
-              <a:rPr lang="ko-KR" altLang="en-US" sz="1950" dirty="0">
+              <a:rPr lang="ko-KR" altLang="en-US" sz="1950" strike="sngStrike" dirty="0">
                 <a:solidFill>
                   <a:schemeClr val="tx1">
                     <a:lumMod val="95000"/>
@@ -39703,7 +39839,7 @@
               <a:t>라인 몬스터 </a:t>
             </a:r>
             <a:r>
-              <a:rPr lang="en-US" altLang="ko-KR" sz="1950" dirty="0">
+              <a:rPr lang="en-US" altLang="ko-KR" sz="1950" strike="sngStrike" dirty="0">
                 <a:solidFill>
                   <a:schemeClr val="tx1">
                     <a:lumMod val="95000"/>
@@ -39723,7 +39859,7 @@
               <a:t>FSM </a:t>
             </a:r>
             <a:r>
-              <a:rPr lang="ko-KR" altLang="en-US" sz="1950" dirty="0">
+              <a:rPr lang="ko-KR" altLang="en-US" sz="1950" strike="sngStrike" dirty="0">
                 <a:solidFill>
                   <a:schemeClr val="tx1">
                     <a:lumMod val="95000"/>
@@ -39742,7 +39878,7 @@
               </a:rPr>
               <a:t>개선</a:t>
             </a:r>
-            <a:endParaRPr lang="en-US" altLang="ko-KR" sz="1950" dirty="0">
+            <a:endParaRPr lang="en-US" altLang="ko-KR" sz="1950" strike="sngStrike" dirty="0">
               <a:solidFill>
                 <a:schemeClr val="tx1">
                   <a:lumMod val="95000"/>
@@ -39769,7 +39905,7 @@
               <a:buAutoNum type="alphaUcPeriod"/>
             </a:pPr>
             <a:r>
-              <a:rPr lang="ko-KR" altLang="en-US" sz="1950" dirty="0">
+              <a:rPr lang="ko-KR" altLang="en-US" sz="1950" strike="sngStrike" dirty="0">
                 <a:solidFill>
                   <a:schemeClr val="tx1">
                     <a:lumMod val="95000"/>
@@ -39789,7 +39925,7 @@
               <a:t>중립 몬스터 </a:t>
             </a:r>
             <a:r>
-              <a:rPr lang="en-US" altLang="ko-KR" sz="1950" dirty="0">
+              <a:rPr lang="en-US" altLang="ko-KR" sz="1950" strike="sngStrike" dirty="0">
                 <a:solidFill>
                   <a:schemeClr val="tx1">
                     <a:lumMod val="95000"/>
@@ -39809,7 +39945,7 @@
               <a:t>FSM </a:t>
             </a:r>
             <a:r>
-              <a:rPr lang="ko-KR" altLang="en-US" sz="1950" dirty="0">
+              <a:rPr lang="ko-KR" altLang="en-US" sz="1950" strike="sngStrike" dirty="0">
                 <a:solidFill>
                   <a:schemeClr val="tx1">
                     <a:lumMod val="95000"/>
@@ -39828,7 +39964,7 @@
               </a:rPr>
               <a:t>제작</a:t>
             </a:r>
-            <a:endParaRPr lang="en-US" altLang="ko-KR" sz="1950" dirty="0">
+            <a:endParaRPr lang="en-US" altLang="ko-KR" sz="1950" strike="sngStrike" dirty="0">
               <a:solidFill>
                 <a:schemeClr val="tx1">
                   <a:lumMod val="95000"/>
@@ -40355,7 +40491,7 @@
               <a:buAutoNum type="alphaUcPeriod"/>
             </a:pPr>
             <a:r>
-              <a:rPr lang="ko-KR" altLang="en-US" sz="1950" dirty="0">
+              <a:rPr lang="ko-KR" altLang="en-US" sz="1950" strike="sngStrike" dirty="0">
                 <a:solidFill>
                   <a:schemeClr val="tx1">
                     <a:lumMod val="95000"/>
@@ -40375,7 +40511,7 @@
               <a:t>중립 몬스터 </a:t>
             </a:r>
             <a:r>
-              <a:rPr lang="en-US" altLang="ko-KR" sz="1950" dirty="0">
+              <a:rPr lang="en-US" altLang="ko-KR" sz="1950" strike="sngStrike" dirty="0">
                 <a:solidFill>
                   <a:schemeClr val="tx1">
                     <a:lumMod val="95000"/>
@@ -40395,7 +40531,7 @@
               <a:t>FSM </a:t>
             </a:r>
             <a:r>
-              <a:rPr lang="ko-KR" altLang="en-US" sz="1950" dirty="0">
+              <a:rPr lang="ko-KR" altLang="en-US" sz="1950" strike="sngStrike" dirty="0">
                 <a:solidFill>
                   <a:schemeClr val="tx1">
                     <a:lumMod val="95000"/>
@@ -40414,7 +40550,7 @@
               </a:rPr>
               <a:t>제작</a:t>
             </a:r>
-            <a:endParaRPr lang="en-US" altLang="ko-KR" sz="1950" dirty="0">
+            <a:endParaRPr lang="en-US" altLang="ko-KR" sz="1950" strike="sngStrike" dirty="0">
               <a:solidFill>
                 <a:schemeClr val="tx1">
                   <a:lumMod val="95000"/>
@@ -40441,7 +40577,7 @@
               <a:buAutoNum type="alphaUcPeriod"/>
             </a:pPr>
             <a:r>
-              <a:rPr lang="ko-KR" altLang="en-US" sz="1950" dirty="0" err="1">
+              <a:rPr lang="ko-KR" altLang="en-US" sz="1950" strike="sngStrike" dirty="0" err="1">
                 <a:solidFill>
                   <a:schemeClr val="tx1">
                     <a:lumMod val="95000"/>
@@ -40461,7 +40597,7 @@
               <a:t>로이더</a:t>
             </a:r>
             <a:r>
-              <a:rPr lang="ko-KR" altLang="en-US" sz="1950" dirty="0">
+              <a:rPr lang="ko-KR" altLang="en-US" sz="1950" strike="sngStrike" dirty="0">
                 <a:solidFill>
                   <a:schemeClr val="tx1">
                     <a:lumMod val="95000"/>
@@ -40481,7 +40617,7 @@
               <a:t> 근접 공격 </a:t>
             </a:r>
             <a:r>
-              <a:rPr lang="en-US" altLang="ko-KR" sz="1950" dirty="0">
+              <a:rPr lang="en-US" altLang="ko-KR" sz="1950" strike="sngStrike" dirty="0">
                 <a:solidFill>
                   <a:schemeClr val="tx1">
                     <a:lumMod val="95000"/>
@@ -40510,7 +40646,7 @@
               <a:buAutoNum type="alphaUcPeriod"/>
             </a:pPr>
             <a:r>
-              <a:rPr lang="ko-KR" altLang="en-US" sz="1950" dirty="0" err="1">
+              <a:rPr lang="ko-KR" altLang="en-US" sz="1950" strike="sngStrike" dirty="0" err="1">
                 <a:solidFill>
                   <a:schemeClr val="tx1">
                     <a:lumMod val="95000"/>
@@ -40530,7 +40666,7 @@
               <a:t>로이더</a:t>
             </a:r>
             <a:r>
-              <a:rPr lang="ko-KR" altLang="en-US" sz="1950" dirty="0">
+              <a:rPr lang="ko-KR" altLang="en-US" sz="1950" strike="sngStrike" dirty="0">
                 <a:solidFill>
                   <a:schemeClr val="tx1">
                     <a:lumMod val="95000"/>
@@ -40549,7 +40685,7 @@
               </a:rPr>
               <a:t> 원거리 공격 상태 추가</a:t>
             </a:r>
-            <a:endParaRPr lang="en-US" altLang="ko-KR" sz="1950" dirty="0">
+            <a:endParaRPr lang="en-US" altLang="ko-KR" sz="1950" strike="sngStrike" dirty="0">
               <a:solidFill>
                 <a:schemeClr val="tx1">
                   <a:lumMod val="95000"/>
@@ -40576,7 +40712,7 @@
               <a:buAutoNum type="alphaUcPeriod"/>
             </a:pPr>
             <a:r>
-              <a:rPr lang="ko-KR" altLang="en-US" sz="1950" dirty="0" err="1">
+              <a:rPr lang="ko-KR" altLang="en-US" sz="1950" strike="sngStrike" dirty="0" err="1">
                 <a:solidFill>
                   <a:schemeClr val="tx1">
                     <a:lumMod val="95000"/>
@@ -40596,7 +40732,7 @@
               <a:t>로이더</a:t>
             </a:r>
             <a:r>
-              <a:rPr lang="ko-KR" altLang="en-US" sz="1950" dirty="0">
+              <a:rPr lang="ko-KR" altLang="en-US" sz="1950" strike="sngStrike" dirty="0">
                 <a:solidFill>
                   <a:schemeClr val="tx1">
                     <a:lumMod val="95000"/>
@@ -40616,7 +40752,7 @@
               <a:t> 점령 후 </a:t>
             </a:r>
             <a:r>
-              <a:rPr lang="en-US" altLang="ko-KR" sz="1950" dirty="0">
+              <a:rPr lang="en-US" altLang="ko-KR" sz="1950" strike="sngStrike" dirty="0">
                 <a:solidFill>
                   <a:schemeClr val="tx1">
                     <a:lumMod val="95000"/>
@@ -40636,7 +40772,7 @@
               <a:t>FSM </a:t>
             </a:r>
             <a:r>
-              <a:rPr lang="ko-KR" altLang="en-US" sz="1950" dirty="0">
+              <a:rPr lang="ko-KR" altLang="en-US" sz="1950" strike="sngStrike" dirty="0">
                 <a:solidFill>
                   <a:schemeClr val="tx1">
                     <a:lumMod val="95000"/>
@@ -40655,7 +40791,7 @@
               </a:rPr>
               <a:t>변화 적용</a:t>
             </a:r>
-            <a:endParaRPr lang="en-US" altLang="ko-KR" sz="1950" dirty="0">
+            <a:endParaRPr lang="en-US" altLang="ko-KR" sz="1950" strike="sngStrike" dirty="0">
               <a:solidFill>
                 <a:schemeClr val="tx1">
                   <a:lumMod val="95000"/>
@@ -40682,7 +40818,7 @@
               <a:buAutoNum type="alphaUcPeriod"/>
             </a:pPr>
             <a:r>
-              <a:rPr lang="ko-KR" altLang="en-US" sz="1950" dirty="0" err="1">
+              <a:rPr lang="ko-KR" altLang="en-US" sz="1950" strike="sngStrike" dirty="0" err="1">
                 <a:solidFill>
                   <a:schemeClr val="tx1">
                     <a:lumMod val="95000"/>
@@ -40702,7 +40838,7 @@
               <a:t>수호골램</a:t>
             </a:r>
             <a:r>
-              <a:rPr lang="ko-KR" altLang="en-US" sz="1950" dirty="0">
+              <a:rPr lang="ko-KR" altLang="en-US" sz="1950" strike="sngStrike" dirty="0">
                 <a:solidFill>
                   <a:schemeClr val="tx1">
                     <a:lumMod val="95000"/>
@@ -40722,7 +40858,7 @@
               <a:t> 기본 </a:t>
             </a:r>
             <a:r>
-              <a:rPr lang="en-US" altLang="ko-KR" sz="1950" dirty="0">
+              <a:rPr lang="en-US" altLang="ko-KR" sz="1950" strike="sngStrike" dirty="0">
                 <a:solidFill>
                   <a:schemeClr val="tx1">
                     <a:lumMod val="95000"/>
@@ -40751,7 +40887,7 @@
               <a:buAutoNum type="alphaUcPeriod"/>
             </a:pPr>
             <a:r>
-              <a:rPr lang="ko-KR" altLang="en-US" sz="1950" dirty="0" err="1">
+              <a:rPr lang="ko-KR" altLang="en-US" sz="1950" strike="sngStrike" dirty="0" err="1">
                 <a:solidFill>
                   <a:schemeClr val="tx1">
                     <a:lumMod val="95000"/>
@@ -40771,7 +40907,7 @@
               <a:t>수호골램</a:t>
             </a:r>
             <a:r>
-              <a:rPr lang="ko-KR" altLang="en-US" sz="1950" dirty="0">
+              <a:rPr lang="ko-KR" altLang="en-US" sz="1950" strike="sngStrike" dirty="0">
                 <a:solidFill>
                   <a:schemeClr val="tx1">
                     <a:lumMod val="95000"/>
@@ -40790,7 +40926,7 @@
               </a:rPr>
               <a:t> 특수 공격 상태 추가</a:t>
             </a:r>
-            <a:endParaRPr lang="en-US" altLang="ko-KR" sz="1950" dirty="0">
+            <a:endParaRPr lang="en-US" altLang="ko-KR" sz="1950" strike="sngStrike" dirty="0">
               <a:solidFill>
                 <a:schemeClr val="tx1">
                   <a:lumMod val="95000"/>
@@ -40817,7 +40953,7 @@
               <a:buAutoNum type="alphaUcPeriod"/>
             </a:pPr>
             <a:r>
-              <a:rPr lang="ko-KR" altLang="en-US" sz="1950" dirty="0" err="1">
+              <a:rPr lang="ko-KR" altLang="en-US" sz="1950" strike="sngStrike" dirty="0" err="1">
                 <a:solidFill>
                   <a:schemeClr val="tx1">
                     <a:lumMod val="95000"/>
@@ -40837,7 +40973,7 @@
               <a:t>수호골램</a:t>
             </a:r>
             <a:r>
-              <a:rPr lang="ko-KR" altLang="en-US" sz="1950" dirty="0">
+              <a:rPr lang="ko-KR" altLang="en-US" sz="1950" strike="sngStrike" dirty="0">
                 <a:solidFill>
                   <a:schemeClr val="tx1">
                     <a:lumMod val="95000"/>
@@ -40857,7 +40993,7 @@
               <a:t> 점령 후 </a:t>
             </a:r>
             <a:r>
-              <a:rPr lang="en-US" altLang="ko-KR" sz="1950" dirty="0">
+              <a:rPr lang="en-US" altLang="ko-KR" sz="1950" strike="sngStrike" dirty="0">
                 <a:solidFill>
                   <a:schemeClr val="tx1">
                     <a:lumMod val="95000"/>
@@ -40877,7 +41013,7 @@
               <a:t>FSM </a:t>
             </a:r>
             <a:r>
-              <a:rPr lang="ko-KR" altLang="en-US" sz="1950" dirty="0">
+              <a:rPr lang="ko-KR" altLang="en-US" sz="1950" strike="sngStrike" dirty="0">
                 <a:solidFill>
                   <a:schemeClr val="tx1">
                     <a:lumMod val="95000"/>
@@ -40896,7 +41032,7 @@
               </a:rPr>
               <a:t>변화적용</a:t>
             </a:r>
-            <a:endParaRPr lang="en-US" altLang="ko-KR" sz="1950" dirty="0">
+            <a:endParaRPr lang="en-US" altLang="ko-KR" sz="1950" strike="sngStrike" dirty="0">
               <a:solidFill>
                 <a:schemeClr val="tx1">
                   <a:lumMod val="95000"/>

--- a/진행사항.pptx
+++ b/진행사항.pptx
@@ -225,7 +225,7 @@
           <a:p>
             <a:fld id="{174CF4B6-C8D6-438C-8B7D-E8AF3EC6F65B}" type="datetimeFigureOut">
               <a:rPr lang="ko-KR" altLang="en-US" smtClean="0"/>
-              <a:t>2018-08-04</a:t>
+              <a:t>2018-08-13</a:t>
             </a:fld>
             <a:endParaRPr lang="ko-KR" altLang="en-US"/>
           </a:p>
@@ -661,7 +661,7 @@
           <a:p>
             <a:fld id="{997C0C2C-FB57-479D-BE7F-6EC34BF7043C}" type="datetime1">
               <a:rPr lang="en-US" altLang="ko-KR" smtClean="0"/>
-              <a:t>8/4/2018</a:t>
+              <a:t>8/13/2018</a:t>
             </a:fld>
             <a:endParaRPr lang="en-US" dirty="0"/>
           </a:p>
@@ -992,7 +992,7 @@
           <a:p>
             <a:fld id="{047308E6-C353-4980-BC35-3BA553F61D46}" type="datetime1">
               <a:rPr lang="en-US" altLang="ko-KR" smtClean="0"/>
-              <a:t>8/4/2018</a:t>
+              <a:t>8/13/2018</a:t>
             </a:fld>
             <a:endParaRPr lang="en-US" dirty="0"/>
           </a:p>
@@ -1172,7 +1172,7 @@
           <a:p>
             <a:fld id="{925E33ED-602B-46D4-AC4E-A3EC8D1FE08B}" type="datetime1">
               <a:rPr lang="en-US" altLang="ko-KR" smtClean="0"/>
-              <a:t>8/4/2018</a:t>
+              <a:t>8/13/2018</a:t>
             </a:fld>
             <a:endParaRPr lang="en-US" dirty="0"/>
           </a:p>
@@ -1342,7 +1342,7 @@
           <a:p>
             <a:fld id="{CDCA6F40-FDE7-4477-94C1-42AFCA093BA3}" type="datetime1">
               <a:rPr lang="en-US" altLang="ko-KR" smtClean="0"/>
-              <a:t>8/4/2018</a:t>
+              <a:t>8/13/2018</a:t>
             </a:fld>
             <a:endParaRPr lang="en-US" dirty="0"/>
           </a:p>
@@ -1620,7 +1620,7 @@
           <a:p>
             <a:fld id="{E5AD4DDD-EA1C-4615-97C2-D68EC457B4CF}" type="datetime1">
               <a:rPr lang="en-US" altLang="ko-KR" smtClean="0"/>
-              <a:t>8/4/2018</a:t>
+              <a:t>8/13/2018</a:t>
             </a:fld>
             <a:endParaRPr lang="en-US" dirty="0"/>
           </a:p>
@@ -2071,7 +2071,7 @@
           <a:p>
             <a:fld id="{CA0F03C5-1E3C-44BE-9E2F-087D284D2C5D}" type="datetime1">
               <a:rPr lang="en-US" altLang="ko-KR" smtClean="0"/>
-              <a:t>8/4/2018</a:t>
+              <a:t>8/13/2018</a:t>
             </a:fld>
             <a:endParaRPr lang="en-US" dirty="0"/>
           </a:p>
@@ -2548,7 +2548,7 @@
           <a:p>
             <a:fld id="{23CB4308-201A-4967-870E-1ACB91AA6D8E}" type="datetime1">
               <a:rPr lang="en-US" altLang="ko-KR" smtClean="0"/>
-              <a:t>8/4/2018</a:t>
+              <a:t>8/13/2018</a:t>
             </a:fld>
             <a:endParaRPr lang="en-US" dirty="0"/>
           </a:p>
@@ -2666,7 +2666,7 @@
           <a:p>
             <a:fld id="{2AE391EA-DA61-4C24-8C9E-58C8105C0CDC}" type="datetime1">
               <a:rPr lang="en-US" altLang="ko-KR" smtClean="0"/>
-              <a:t>8/4/2018</a:t>
+              <a:t>8/13/2018</a:t>
             </a:fld>
             <a:endParaRPr lang="en-US" dirty="0"/>
           </a:p>
@@ -2761,7 +2761,7 @@
           <a:p>
             <a:fld id="{14CF23BC-FE77-4485-B606-6CBA74C5D36E}" type="datetime1">
               <a:rPr lang="en-US" altLang="ko-KR" smtClean="0"/>
-              <a:t>8/4/2018</a:t>
+              <a:t>8/13/2018</a:t>
             </a:fld>
             <a:endParaRPr lang="en-US" dirty="0"/>
           </a:p>
@@ -3109,7 +3109,7 @@
           <a:p>
             <a:fld id="{808D6C14-1859-4DDA-AD38-00DE62AE1826}" type="datetime1">
               <a:rPr lang="en-US" altLang="ko-KR" smtClean="0"/>
-              <a:t>8/4/2018</a:t>
+              <a:t>8/13/2018</a:t>
             </a:fld>
             <a:endParaRPr lang="en-US" dirty="0"/>
           </a:p>
@@ -3538,7 +3538,7 @@
           <a:p>
             <a:fld id="{AE734E95-C037-429B-8B5F-D0FAB25DE16C}" type="datetime1">
               <a:rPr lang="en-US" altLang="ko-KR" smtClean="0"/>
-              <a:t>8/4/2018</a:t>
+              <a:t>8/13/2018</a:t>
             </a:fld>
             <a:endParaRPr lang="en-US" dirty="0"/>
           </a:p>
@@ -3855,7 +3855,7 @@
           <a:p>
             <a:fld id="{E0770D22-4CCF-46DD-9D25-F19CC4764808}" type="datetime1">
               <a:rPr lang="en-US" altLang="ko-KR" smtClean="0"/>
-              <a:t>8/4/2018</a:t>
+              <a:t>8/13/2018</a:t>
             </a:fld>
             <a:endParaRPr lang="en-US" dirty="0"/>
           </a:p>
@@ -11397,7 +11397,7 @@
         </p:spPr>
         <p:txBody>
           <a:bodyPr>
-            <a:normAutofit/>
+            <a:normAutofit fontScale="92500" lnSpcReduction="20000"/>
           </a:bodyPr>
           <a:lstStyle/>
           <a:p>
@@ -11630,7 +11630,7 @@
               <a:buAutoNum type="alphaUcPeriod"/>
             </a:pPr>
             <a:r>
-              <a:rPr lang="ko-KR" altLang="en-US" sz="1550" dirty="0">
+              <a:rPr lang="ko-KR" altLang="en-US" sz="1550" strike="sngStrike" dirty="0">
                 <a:solidFill>
                   <a:schemeClr val="tx1">
                     <a:lumMod val="95000"/>
@@ -11650,7 +11650,7 @@
               <a:t>폭발 빌보드 </a:t>
             </a:r>
             <a:r>
-              <a:rPr lang="en-US" altLang="ko-KR" sz="1550" dirty="0">
+              <a:rPr lang="en-US" altLang="ko-KR" sz="1550" strike="sngStrike" dirty="0">
                 <a:solidFill>
                   <a:schemeClr val="tx1">
                     <a:lumMod val="95000"/>
@@ -11670,7 +11670,7 @@
               <a:t>(</a:t>
             </a:r>
             <a:r>
-              <a:rPr lang="ko-KR" altLang="en-US" sz="1550" dirty="0">
+              <a:rPr lang="ko-KR" altLang="en-US" sz="1550" strike="sngStrike" dirty="0">
                 <a:solidFill>
                   <a:schemeClr val="tx1">
                     <a:lumMod val="95000"/>
@@ -11690,7 +11690,7 @@
               <a:t>건물 파괴 용도</a:t>
             </a:r>
             <a:r>
-              <a:rPr lang="en-US" altLang="ko-KR" sz="1550" dirty="0">
+              <a:rPr lang="en-US" altLang="ko-KR" sz="1550" strike="sngStrike" dirty="0">
                 <a:solidFill>
                   <a:schemeClr val="tx1">
                     <a:lumMod val="95000"/>
@@ -11709,6 +11709,164 @@
               </a:rPr>
               <a:t>)</a:t>
             </a:r>
+          </a:p>
+          <a:p>
+            <a:pPr marL="1444752" lvl="2" indent="-457200">
+              <a:lnSpc>
+                <a:spcPct val="160000"/>
+              </a:lnSpc>
+              <a:buFont typeface="+mj-lt"/>
+              <a:buAutoNum type="alphaUcPeriod"/>
+            </a:pPr>
+            <a:r>
+              <a:rPr lang="ko-KR" altLang="en-US" sz="1550" strike="sngStrike" dirty="0">
+                <a:solidFill>
+                  <a:schemeClr val="tx1">
+                    <a:lumMod val="95000"/>
+                    <a:lumOff val="5000"/>
+                  </a:schemeClr>
+                </a:solidFill>
+                <a:effectLst>
+                  <a:outerShdw blurRad="38100" dist="38100" dir="2700000" algn="tl">
+                    <a:srgbClr val="000000">
+                      <a:alpha val="43137"/>
+                    </a:srgbClr>
+                  </a:outerShdw>
+                </a:effectLst>
+                <a:latin typeface="맑은 고딕" panose="020B0503020000020004" pitchFamily="50" charset="-127"/>
+                <a:ea typeface="맑은 고딕" panose="020B0503020000020004" pitchFamily="50" charset="-127"/>
+              </a:rPr>
+              <a:t>플레이어 스킬 이펙트</a:t>
+            </a:r>
+            <a:endParaRPr lang="en-US" altLang="ko-KR" sz="1550" strike="sngStrike" dirty="0">
+              <a:solidFill>
+                <a:schemeClr val="tx1">
+                  <a:lumMod val="95000"/>
+                  <a:lumOff val="5000"/>
+                </a:schemeClr>
+              </a:solidFill>
+              <a:effectLst>
+                <a:outerShdw blurRad="38100" dist="38100" dir="2700000" algn="tl">
+                  <a:srgbClr val="000000">
+                    <a:alpha val="43137"/>
+                  </a:srgbClr>
+                </a:outerShdw>
+              </a:effectLst>
+              <a:latin typeface="맑은 고딕" panose="020B0503020000020004" pitchFamily="50" charset="-127"/>
+              <a:ea typeface="맑은 고딕" panose="020B0503020000020004" pitchFamily="50" charset="-127"/>
+            </a:endParaRPr>
+          </a:p>
+          <a:p>
+            <a:pPr marL="1444752" lvl="2" indent="-457200">
+              <a:lnSpc>
+                <a:spcPct val="160000"/>
+              </a:lnSpc>
+              <a:buFont typeface="+mj-lt"/>
+              <a:buAutoNum type="alphaUcPeriod"/>
+            </a:pPr>
+            <a:r>
+              <a:rPr lang="ko-KR" altLang="en-US" sz="1550" strike="sngStrike" dirty="0" err="1">
+                <a:solidFill>
+                  <a:schemeClr val="tx1">
+                    <a:lumMod val="95000"/>
+                    <a:lumOff val="5000"/>
+                  </a:schemeClr>
+                </a:solidFill>
+                <a:effectLst>
+                  <a:outerShdw blurRad="38100" dist="38100" dir="2700000" algn="tl">
+                    <a:srgbClr val="000000">
+                      <a:alpha val="43137"/>
+                    </a:srgbClr>
+                  </a:outerShdw>
+                </a:effectLst>
+                <a:latin typeface="맑은 고딕" panose="020B0503020000020004" pitchFamily="50" charset="-127"/>
+                <a:ea typeface="맑은 고딕" panose="020B0503020000020004" pitchFamily="50" charset="-127"/>
+              </a:rPr>
+              <a:t>미니언</a:t>
+            </a:r>
+            <a:r>
+              <a:rPr lang="ko-KR" altLang="en-US" sz="1550" strike="sngStrike" dirty="0">
+                <a:solidFill>
+                  <a:schemeClr val="tx1">
+                    <a:lumMod val="95000"/>
+                    <a:lumOff val="5000"/>
+                  </a:schemeClr>
+                </a:solidFill>
+                <a:effectLst>
+                  <a:outerShdw blurRad="38100" dist="38100" dir="2700000" algn="tl">
+                    <a:srgbClr val="000000">
+                      <a:alpha val="43137"/>
+                    </a:srgbClr>
+                  </a:outerShdw>
+                </a:effectLst>
+                <a:latin typeface="맑은 고딕" panose="020B0503020000020004" pitchFamily="50" charset="-127"/>
+                <a:ea typeface="맑은 고딕" panose="020B0503020000020004" pitchFamily="50" charset="-127"/>
+              </a:rPr>
+              <a:t> 공격 이펙트</a:t>
+            </a:r>
+            <a:endParaRPr lang="en-US" altLang="ko-KR" sz="1550" strike="sngStrike" dirty="0">
+              <a:solidFill>
+                <a:schemeClr val="tx1">
+                  <a:lumMod val="95000"/>
+                  <a:lumOff val="5000"/>
+                </a:schemeClr>
+              </a:solidFill>
+              <a:effectLst>
+                <a:outerShdw blurRad="38100" dist="38100" dir="2700000" algn="tl">
+                  <a:srgbClr val="000000">
+                    <a:alpha val="43137"/>
+                  </a:srgbClr>
+                </a:outerShdw>
+              </a:effectLst>
+              <a:latin typeface="맑은 고딕" panose="020B0503020000020004" pitchFamily="50" charset="-127"/>
+              <a:ea typeface="맑은 고딕" panose="020B0503020000020004" pitchFamily="50" charset="-127"/>
+            </a:endParaRPr>
+          </a:p>
+          <a:p>
+            <a:pPr marL="1444752" lvl="2" indent="-457200">
+              <a:lnSpc>
+                <a:spcPct val="160000"/>
+              </a:lnSpc>
+              <a:buFont typeface="+mj-lt"/>
+              <a:buAutoNum type="alphaUcPeriod"/>
+            </a:pPr>
+            <a:r>
+              <a:rPr lang="ko-KR" altLang="en-US" sz="1550" strike="sngStrike" dirty="0">
+                <a:solidFill>
+                  <a:schemeClr val="tx1">
+                    <a:lumMod val="95000"/>
+                    <a:lumOff val="5000"/>
+                  </a:schemeClr>
+                </a:solidFill>
+                <a:effectLst>
+                  <a:outerShdw blurRad="38100" dist="38100" dir="2700000" algn="tl">
+                    <a:srgbClr val="000000">
+                      <a:alpha val="43137"/>
+                    </a:srgbClr>
+                  </a:outerShdw>
+                </a:effectLst>
+                <a:latin typeface="맑은 고딕" panose="020B0503020000020004" pitchFamily="50" charset="-127"/>
+                <a:ea typeface="맑은 고딕" panose="020B0503020000020004" pitchFamily="50" charset="-127"/>
+              </a:rPr>
+              <a:t>날아가는 오브젝트 이펙트</a:t>
+            </a:r>
+            <a:endParaRPr lang="en-US" altLang="ko-KR" sz="1550" strike="sngStrike" dirty="0">
+              <a:solidFill>
+                <a:schemeClr val="tx1">
+                  <a:lumMod val="95000"/>
+                  <a:lumOff val="5000"/>
+                </a:schemeClr>
+              </a:solidFill>
+              <a:effectLst>
+                <a:outerShdw blurRad="38100" dist="38100" dir="2700000" algn="tl">
+                  <a:srgbClr val="000000">
+                    <a:alpha val="43137"/>
+                  </a:srgbClr>
+                </a:outerShdw>
+              </a:effectLst>
+              <a:latin typeface="맑은 고딕" panose="020B0503020000020004" pitchFamily="50" charset="-127"/>
+              <a:ea typeface="맑은 고딕" panose="020B0503020000020004" pitchFamily="50" charset="-127"/>
+            </a:endParaRPr>
           </a:p>
           <a:p>
             <a:pPr marL="457200" indent="-457200">

--- a/진행사항.pptx
+++ b/진행사항.pptx
@@ -5,7 +5,7 @@
     <p:sldMasterId id="2147483660" r:id="rId1"/>
   </p:sldMasterIdLst>
   <p:notesMasterIdLst>
-    <p:notesMasterId r:id="rId20"/>
+    <p:notesMasterId r:id="rId21"/>
   </p:notesMasterIdLst>
   <p:sldIdLst>
     <p:sldId id="281" r:id="rId2"/>
@@ -17,15 +17,16 @@
     <p:sldId id="290" r:id="rId8"/>
     <p:sldId id="301" r:id="rId9"/>
     <p:sldId id="312" r:id="rId10"/>
-    <p:sldId id="302" r:id="rId11"/>
-    <p:sldId id="306" r:id="rId12"/>
-    <p:sldId id="307" r:id="rId13"/>
-    <p:sldId id="305" r:id="rId14"/>
-    <p:sldId id="309" r:id="rId15"/>
-    <p:sldId id="310" r:id="rId16"/>
-    <p:sldId id="311" r:id="rId17"/>
-    <p:sldId id="304" r:id="rId18"/>
-    <p:sldId id="303" r:id="rId19"/>
+    <p:sldId id="313" r:id="rId11"/>
+    <p:sldId id="302" r:id="rId12"/>
+    <p:sldId id="306" r:id="rId13"/>
+    <p:sldId id="307" r:id="rId14"/>
+    <p:sldId id="305" r:id="rId15"/>
+    <p:sldId id="309" r:id="rId16"/>
+    <p:sldId id="310" r:id="rId17"/>
+    <p:sldId id="311" r:id="rId18"/>
+    <p:sldId id="304" r:id="rId19"/>
+    <p:sldId id="303" r:id="rId20"/>
   </p:sldIdLst>
   <p:sldSz cx="9144000" cy="6858000" type="screen4x3"/>
   <p:notesSz cx="6858000" cy="9144000"/>
@@ -225,7 +226,7 @@
           <a:p>
             <a:fld id="{174CF4B6-C8D6-438C-8B7D-E8AF3EC6F65B}" type="datetimeFigureOut">
               <a:rPr lang="ko-KR" altLang="en-US" smtClean="0"/>
-              <a:t>2018-08-13</a:t>
+              <a:t>2018-08-18</a:t>
             </a:fld>
             <a:endParaRPr lang="ko-KR" altLang="en-US"/>
           </a:p>
@@ -661,7 +662,7 @@
           <a:p>
             <a:fld id="{997C0C2C-FB57-479D-BE7F-6EC34BF7043C}" type="datetime1">
               <a:rPr lang="en-US" altLang="ko-KR" smtClean="0"/>
-              <a:t>8/13/2018</a:t>
+              <a:t>8/18/2018</a:t>
             </a:fld>
             <a:endParaRPr lang="en-US" dirty="0"/>
           </a:p>
@@ -992,7 +993,7 @@
           <a:p>
             <a:fld id="{047308E6-C353-4980-BC35-3BA553F61D46}" type="datetime1">
               <a:rPr lang="en-US" altLang="ko-KR" smtClean="0"/>
-              <a:t>8/13/2018</a:t>
+              <a:t>8/18/2018</a:t>
             </a:fld>
             <a:endParaRPr lang="en-US" dirty="0"/>
           </a:p>
@@ -1172,7 +1173,7 @@
           <a:p>
             <a:fld id="{925E33ED-602B-46D4-AC4E-A3EC8D1FE08B}" type="datetime1">
               <a:rPr lang="en-US" altLang="ko-KR" smtClean="0"/>
-              <a:t>8/13/2018</a:t>
+              <a:t>8/18/2018</a:t>
             </a:fld>
             <a:endParaRPr lang="en-US" dirty="0"/>
           </a:p>
@@ -1342,7 +1343,7 @@
           <a:p>
             <a:fld id="{CDCA6F40-FDE7-4477-94C1-42AFCA093BA3}" type="datetime1">
               <a:rPr lang="en-US" altLang="ko-KR" smtClean="0"/>
-              <a:t>8/13/2018</a:t>
+              <a:t>8/18/2018</a:t>
             </a:fld>
             <a:endParaRPr lang="en-US" dirty="0"/>
           </a:p>
@@ -1620,7 +1621,7 @@
           <a:p>
             <a:fld id="{E5AD4DDD-EA1C-4615-97C2-D68EC457B4CF}" type="datetime1">
               <a:rPr lang="en-US" altLang="ko-KR" smtClean="0"/>
-              <a:t>8/13/2018</a:t>
+              <a:t>8/18/2018</a:t>
             </a:fld>
             <a:endParaRPr lang="en-US" dirty="0"/>
           </a:p>
@@ -2071,7 +2072,7 @@
           <a:p>
             <a:fld id="{CA0F03C5-1E3C-44BE-9E2F-087D284D2C5D}" type="datetime1">
               <a:rPr lang="en-US" altLang="ko-KR" smtClean="0"/>
-              <a:t>8/13/2018</a:t>
+              <a:t>8/18/2018</a:t>
             </a:fld>
             <a:endParaRPr lang="en-US" dirty="0"/>
           </a:p>
@@ -2548,7 +2549,7 @@
           <a:p>
             <a:fld id="{23CB4308-201A-4967-870E-1ACB91AA6D8E}" type="datetime1">
               <a:rPr lang="en-US" altLang="ko-KR" smtClean="0"/>
-              <a:t>8/13/2018</a:t>
+              <a:t>8/18/2018</a:t>
             </a:fld>
             <a:endParaRPr lang="en-US" dirty="0"/>
           </a:p>
@@ -2666,7 +2667,7 @@
           <a:p>
             <a:fld id="{2AE391EA-DA61-4C24-8C9E-58C8105C0CDC}" type="datetime1">
               <a:rPr lang="en-US" altLang="ko-KR" smtClean="0"/>
-              <a:t>8/13/2018</a:t>
+              <a:t>8/18/2018</a:t>
             </a:fld>
             <a:endParaRPr lang="en-US" dirty="0"/>
           </a:p>
@@ -2761,7 +2762,7 @@
           <a:p>
             <a:fld id="{14CF23BC-FE77-4485-B606-6CBA74C5D36E}" type="datetime1">
               <a:rPr lang="en-US" altLang="ko-KR" smtClean="0"/>
-              <a:t>8/13/2018</a:t>
+              <a:t>8/18/2018</a:t>
             </a:fld>
             <a:endParaRPr lang="en-US" dirty="0"/>
           </a:p>
@@ -3109,7 +3110,7 @@
           <a:p>
             <a:fld id="{808D6C14-1859-4DDA-AD38-00DE62AE1826}" type="datetime1">
               <a:rPr lang="en-US" altLang="ko-KR" smtClean="0"/>
-              <a:t>8/13/2018</a:t>
+              <a:t>8/18/2018</a:t>
             </a:fld>
             <a:endParaRPr lang="en-US" dirty="0"/>
           </a:p>
@@ -3538,7 +3539,7 @@
           <a:p>
             <a:fld id="{AE734E95-C037-429B-8B5F-D0FAB25DE16C}" type="datetime1">
               <a:rPr lang="en-US" altLang="ko-KR" smtClean="0"/>
-              <a:t>8/13/2018</a:t>
+              <a:t>8/18/2018</a:t>
             </a:fld>
             <a:endParaRPr lang="en-US" dirty="0"/>
           </a:p>
@@ -3855,7 +3856,7 @@
           <a:p>
             <a:fld id="{E0770D22-4CCF-46DD-9D25-F19CC4764808}" type="datetime1">
               <a:rPr lang="en-US" altLang="ko-KR" smtClean="0"/>
-              <a:t>8/13/2018</a:t>
+              <a:t>8/18/2018</a:t>
             </a:fld>
             <a:endParaRPr lang="en-US" dirty="0"/>
           </a:p>
@@ -6030,6 +6031,569 @@
               <a:t>- </a:t>
             </a:r>
             <a:r>
+              <a:rPr lang="ko-KR" altLang="en-US" sz="3600" b="1" dirty="0" err="1">
+                <a:solidFill>
+                  <a:schemeClr val="tx1">
+                    <a:lumMod val="95000"/>
+                    <a:lumOff val="5000"/>
+                  </a:schemeClr>
+                </a:solidFill>
+                <a:latin typeface="맑은 고딕" panose="020B0503020000020004" pitchFamily="50" charset="-127"/>
+                <a:ea typeface="맑은 고딕" panose="020B0503020000020004" pitchFamily="50" charset="-127"/>
+              </a:rPr>
+              <a:t>김나단</a:t>
+            </a:r>
+            <a:endParaRPr lang="ko-KR" altLang="en-US" sz="3600" b="1" dirty="0">
+              <a:solidFill>
+                <a:schemeClr val="tx1">
+                  <a:lumMod val="95000"/>
+                  <a:lumOff val="5000"/>
+                </a:schemeClr>
+              </a:solidFill>
+              <a:latin typeface="맑은 고딕" panose="020B0503020000020004" pitchFamily="50" charset="-127"/>
+              <a:ea typeface="맑은 고딕" panose="020B0503020000020004" pitchFamily="50" charset="-127"/>
+            </a:endParaRPr>
+          </a:p>
+        </p:txBody>
+      </p:sp>
+      <p:sp>
+        <p:nvSpPr>
+          <p:cNvPr id="5" name="내용 개체 틀 4">
+            <a:extLst>
+              <a:ext uri="{FF2B5EF4-FFF2-40B4-BE49-F238E27FC236}">
+                <a16:creationId xmlns:a16="http://schemas.microsoft.com/office/drawing/2014/main" id="{9FB52D98-533A-47D2-8523-BFFFB3E178F2}"/>
+              </a:ext>
+            </a:extLst>
+          </p:cNvPr>
+          <p:cNvSpPr>
+            <a:spLocks noGrp="1"/>
+          </p:cNvSpPr>
+          <p:nvPr>
+            <p:ph idx="1"/>
+          </p:nvPr>
+        </p:nvSpPr>
+        <p:spPr>
+          <a:xfrm>
+            <a:off x="1028700" y="1828626"/>
+            <a:ext cx="7200900" cy="4876974"/>
+          </a:xfrm>
+        </p:spPr>
+        <p:txBody>
+          <a:bodyPr>
+            <a:normAutofit/>
+          </a:bodyPr>
+          <a:lstStyle/>
+          <a:p>
+            <a:pPr marL="457200" indent="-457200">
+              <a:lnSpc>
+                <a:spcPct val="160000"/>
+              </a:lnSpc>
+              <a:buFont typeface="+mj-lt"/>
+              <a:buAutoNum type="alphaUcPeriod"/>
+            </a:pPr>
+            <a:r>
+              <a:rPr lang="en-US" altLang="ko-KR" sz="1950" strike="sngStrike" dirty="0">
+                <a:solidFill>
+                  <a:schemeClr val="tx1">
+                    <a:lumMod val="95000"/>
+                    <a:lumOff val="5000"/>
+                  </a:schemeClr>
+                </a:solidFill>
+                <a:effectLst>
+                  <a:outerShdw blurRad="38100" dist="38100" dir="2700000" algn="tl">
+                    <a:srgbClr val="000000">
+                      <a:alpha val="43137"/>
+                    </a:srgbClr>
+                  </a:outerShdw>
+                </a:effectLst>
+                <a:latin typeface="맑은 고딕" panose="020B0503020000020004" pitchFamily="50" charset="-127"/>
+                <a:ea typeface="맑은 고딕" panose="020B0503020000020004" pitchFamily="50" charset="-127"/>
+              </a:rPr>
+              <a:t>Terrain </a:t>
+            </a:r>
+            <a:r>
+              <a:rPr lang="ko-KR" altLang="en-US" sz="1950" strike="sngStrike" dirty="0">
+                <a:solidFill>
+                  <a:schemeClr val="tx1">
+                    <a:lumMod val="95000"/>
+                    <a:lumOff val="5000"/>
+                  </a:schemeClr>
+                </a:solidFill>
+                <a:effectLst>
+                  <a:outerShdw blurRad="38100" dist="38100" dir="2700000" algn="tl">
+                    <a:srgbClr val="000000">
+                      <a:alpha val="43137"/>
+                    </a:srgbClr>
+                  </a:outerShdw>
+                </a:effectLst>
+                <a:latin typeface="맑은 고딕" panose="020B0503020000020004" pitchFamily="50" charset="-127"/>
+                <a:ea typeface="맑은 고딕" panose="020B0503020000020004" pitchFamily="50" charset="-127"/>
+              </a:rPr>
+              <a:t>어둡게 나오는 문제 해결</a:t>
+            </a:r>
+            <a:endParaRPr lang="en-US" altLang="ko-KR" sz="1950" strike="sngStrike" dirty="0">
+              <a:solidFill>
+                <a:schemeClr val="tx1">
+                  <a:lumMod val="95000"/>
+                  <a:lumOff val="5000"/>
+                </a:schemeClr>
+              </a:solidFill>
+              <a:effectLst>
+                <a:outerShdw blurRad="38100" dist="38100" dir="2700000" algn="tl">
+                  <a:srgbClr val="000000">
+                    <a:alpha val="43137"/>
+                  </a:srgbClr>
+                </a:outerShdw>
+              </a:effectLst>
+              <a:latin typeface="맑은 고딕" panose="020B0503020000020004" pitchFamily="50" charset="-127"/>
+              <a:ea typeface="맑은 고딕" panose="020B0503020000020004" pitchFamily="50" charset="-127"/>
+            </a:endParaRPr>
+          </a:p>
+          <a:p>
+            <a:pPr marL="457200" indent="-457200">
+              <a:lnSpc>
+                <a:spcPct val="160000"/>
+              </a:lnSpc>
+              <a:buFont typeface="+mj-lt"/>
+              <a:buAutoNum type="alphaUcPeriod"/>
+            </a:pPr>
+            <a:r>
+              <a:rPr lang="en-US" altLang="ko-KR" sz="1950" dirty="0" err="1">
+                <a:solidFill>
+                  <a:schemeClr val="tx1">
+                    <a:lumMod val="95000"/>
+                    <a:lumOff val="5000"/>
+                  </a:schemeClr>
+                </a:solidFill>
+                <a:effectLst>
+                  <a:outerShdw blurRad="38100" dist="38100" dir="2700000" algn="tl">
+                    <a:srgbClr val="000000">
+                      <a:alpha val="43137"/>
+                    </a:srgbClr>
+                  </a:outerShdw>
+                </a:effectLst>
+                <a:latin typeface="맑은 고딕" panose="020B0503020000020004" pitchFamily="50" charset="-127"/>
+                <a:ea typeface="맑은 고딕" panose="020B0503020000020004" pitchFamily="50" charset="-127"/>
+              </a:rPr>
+              <a:t>Astar</a:t>
+            </a:r>
+            <a:r>
+              <a:rPr lang="ko-KR" altLang="en-US" sz="1950" dirty="0">
+                <a:solidFill>
+                  <a:schemeClr val="tx1">
+                    <a:lumMod val="95000"/>
+                    <a:lumOff val="5000"/>
+                  </a:schemeClr>
+                </a:solidFill>
+                <a:effectLst>
+                  <a:outerShdw blurRad="38100" dist="38100" dir="2700000" algn="tl">
+                    <a:srgbClr val="000000">
+                      <a:alpha val="43137"/>
+                    </a:srgbClr>
+                  </a:outerShdw>
+                </a:effectLst>
+                <a:latin typeface="맑은 고딕" panose="020B0503020000020004" pitchFamily="50" charset="-127"/>
+                <a:ea typeface="맑은 고딕" panose="020B0503020000020004" pitchFamily="50" charset="-127"/>
+              </a:rPr>
+              <a:t> 처리 시 레드 헤드셋 뚫는 버그 </a:t>
+            </a:r>
+            <a:r>
+              <a:rPr lang="ko-KR" altLang="en-US" sz="1950" dirty="0" err="1">
+                <a:solidFill>
+                  <a:schemeClr val="tx1">
+                    <a:lumMod val="95000"/>
+                    <a:lumOff val="5000"/>
+                  </a:schemeClr>
+                </a:solidFill>
+                <a:effectLst>
+                  <a:outerShdw blurRad="38100" dist="38100" dir="2700000" algn="tl">
+                    <a:srgbClr val="000000">
+                      <a:alpha val="43137"/>
+                    </a:srgbClr>
+                  </a:outerShdw>
+                </a:effectLst>
+                <a:latin typeface="맑은 고딕" panose="020B0503020000020004" pitchFamily="50" charset="-127"/>
+                <a:ea typeface="맑은 고딕" panose="020B0503020000020004" pitchFamily="50" charset="-127"/>
+              </a:rPr>
+              <a:t>픽스</a:t>
+            </a:r>
+            <a:endParaRPr lang="en-US" altLang="ko-KR" sz="1950" dirty="0">
+              <a:solidFill>
+                <a:schemeClr val="tx1">
+                  <a:lumMod val="95000"/>
+                  <a:lumOff val="5000"/>
+                </a:schemeClr>
+              </a:solidFill>
+              <a:effectLst>
+                <a:outerShdw blurRad="38100" dist="38100" dir="2700000" algn="tl">
+                  <a:srgbClr val="000000">
+                    <a:alpha val="43137"/>
+                  </a:srgbClr>
+                </a:outerShdw>
+              </a:effectLst>
+              <a:latin typeface="맑은 고딕" panose="020B0503020000020004" pitchFamily="50" charset="-127"/>
+              <a:ea typeface="맑은 고딕" panose="020B0503020000020004" pitchFamily="50" charset="-127"/>
+            </a:endParaRPr>
+          </a:p>
+          <a:p>
+            <a:pPr marL="457200" indent="-457200">
+              <a:lnSpc>
+                <a:spcPct val="160000"/>
+              </a:lnSpc>
+              <a:buFont typeface="+mj-lt"/>
+              <a:buAutoNum type="alphaUcPeriod"/>
+            </a:pPr>
+            <a:r>
+              <a:rPr lang="ko-KR" altLang="en-US" sz="1950" dirty="0" err="1">
+                <a:solidFill>
+                  <a:schemeClr val="tx1">
+                    <a:lumMod val="95000"/>
+                    <a:lumOff val="5000"/>
+                  </a:schemeClr>
+                </a:solidFill>
+                <a:effectLst>
+                  <a:outerShdw blurRad="38100" dist="38100" dir="2700000" algn="tl">
+                    <a:srgbClr val="000000">
+                      <a:alpha val="43137"/>
+                    </a:srgbClr>
+                  </a:outerShdw>
+                </a:effectLst>
+                <a:latin typeface="맑은 고딕" panose="020B0503020000020004" pitchFamily="50" charset="-127"/>
+                <a:ea typeface="맑은 고딕" panose="020B0503020000020004" pitchFamily="50" charset="-127"/>
+              </a:rPr>
+              <a:t>미니언</a:t>
+            </a:r>
+            <a:r>
+              <a:rPr lang="ko-KR" altLang="en-US" sz="1950" dirty="0">
+                <a:solidFill>
+                  <a:schemeClr val="tx1">
+                    <a:lumMod val="95000"/>
+                    <a:lumOff val="5000"/>
+                  </a:schemeClr>
+                </a:solidFill>
+                <a:effectLst>
+                  <a:outerShdw blurRad="38100" dist="38100" dir="2700000" algn="tl">
+                    <a:srgbClr val="000000">
+                      <a:alpha val="43137"/>
+                    </a:srgbClr>
+                  </a:outerShdw>
+                </a:effectLst>
+                <a:latin typeface="맑은 고딕" panose="020B0503020000020004" pitchFamily="50" charset="-127"/>
+                <a:ea typeface="맑은 고딕" panose="020B0503020000020004" pitchFamily="50" charset="-127"/>
+              </a:rPr>
+              <a:t> </a:t>
+            </a:r>
+            <a:r>
+              <a:rPr lang="ko-KR" altLang="en-US" sz="1950" dirty="0" err="1">
+                <a:solidFill>
+                  <a:schemeClr val="tx1">
+                    <a:lumMod val="95000"/>
+                    <a:lumOff val="5000"/>
+                  </a:schemeClr>
+                </a:solidFill>
+                <a:effectLst>
+                  <a:outerShdw blurRad="38100" dist="38100" dir="2700000" algn="tl">
+                    <a:srgbClr val="000000">
+                      <a:alpha val="43137"/>
+                    </a:srgbClr>
+                  </a:outerShdw>
+                </a:effectLst>
+                <a:latin typeface="맑은 고딕" panose="020B0503020000020004" pitchFamily="50" charset="-127"/>
+                <a:ea typeface="맑은 고딕" panose="020B0503020000020004" pitchFamily="50" charset="-127"/>
+              </a:rPr>
+              <a:t>인스턴싱</a:t>
+            </a:r>
+            <a:r>
+              <a:rPr lang="ko-KR" altLang="en-US" sz="1950" dirty="0">
+                <a:solidFill>
+                  <a:schemeClr val="tx1">
+                    <a:lumMod val="95000"/>
+                    <a:lumOff val="5000"/>
+                  </a:schemeClr>
+                </a:solidFill>
+                <a:effectLst>
+                  <a:outerShdw blurRad="38100" dist="38100" dir="2700000" algn="tl">
+                    <a:srgbClr val="000000">
+                      <a:alpha val="43137"/>
+                    </a:srgbClr>
+                  </a:outerShdw>
+                </a:effectLst>
+                <a:latin typeface="맑은 고딕" panose="020B0503020000020004" pitchFamily="50" charset="-127"/>
+                <a:ea typeface="맑은 고딕" panose="020B0503020000020004" pitchFamily="50" charset="-127"/>
+              </a:rPr>
+              <a:t> 적용</a:t>
+            </a:r>
+            <a:endParaRPr lang="en-US" altLang="ko-KR" sz="1950" dirty="0">
+              <a:solidFill>
+                <a:schemeClr val="tx1">
+                  <a:lumMod val="95000"/>
+                  <a:lumOff val="5000"/>
+                </a:schemeClr>
+              </a:solidFill>
+              <a:effectLst>
+                <a:outerShdw blurRad="38100" dist="38100" dir="2700000" algn="tl">
+                  <a:srgbClr val="000000">
+                    <a:alpha val="43137"/>
+                  </a:srgbClr>
+                </a:outerShdw>
+              </a:effectLst>
+              <a:latin typeface="맑은 고딕" panose="020B0503020000020004" pitchFamily="50" charset="-127"/>
+              <a:ea typeface="맑은 고딕" panose="020B0503020000020004" pitchFamily="50" charset="-127"/>
+            </a:endParaRPr>
+          </a:p>
+          <a:p>
+            <a:pPr marL="457200" indent="-457200">
+              <a:lnSpc>
+                <a:spcPct val="160000"/>
+              </a:lnSpc>
+              <a:buFont typeface="+mj-lt"/>
+              <a:buAutoNum type="alphaUcPeriod"/>
+            </a:pPr>
+            <a:r>
+              <a:rPr lang="ko-KR" altLang="en-US" sz="1950" dirty="0">
+                <a:solidFill>
+                  <a:schemeClr val="tx1">
+                    <a:lumMod val="95000"/>
+                    <a:lumOff val="5000"/>
+                  </a:schemeClr>
+                </a:solidFill>
+                <a:effectLst>
+                  <a:outerShdw blurRad="38100" dist="38100" dir="2700000" algn="tl">
+                    <a:srgbClr val="000000">
+                      <a:alpha val="43137"/>
+                    </a:srgbClr>
+                  </a:outerShdw>
+                </a:effectLst>
+                <a:latin typeface="맑은 고딕" panose="020B0503020000020004" pitchFamily="50" charset="-127"/>
+                <a:ea typeface="맑은 고딕" panose="020B0503020000020004" pitchFamily="50" charset="-127"/>
+              </a:rPr>
+              <a:t>카메라 위치 조정</a:t>
+            </a:r>
+            <a:endParaRPr lang="en-US" altLang="ko-KR" sz="1950" dirty="0">
+              <a:solidFill>
+                <a:schemeClr val="tx1">
+                  <a:lumMod val="95000"/>
+                  <a:lumOff val="5000"/>
+                </a:schemeClr>
+              </a:solidFill>
+              <a:effectLst>
+                <a:outerShdw blurRad="38100" dist="38100" dir="2700000" algn="tl">
+                  <a:srgbClr val="000000">
+                    <a:alpha val="43137"/>
+                  </a:srgbClr>
+                </a:outerShdw>
+              </a:effectLst>
+              <a:latin typeface="맑은 고딕" panose="020B0503020000020004" pitchFamily="50" charset="-127"/>
+              <a:ea typeface="맑은 고딕" panose="020B0503020000020004" pitchFamily="50" charset="-127"/>
+            </a:endParaRPr>
+          </a:p>
+          <a:p>
+            <a:pPr marL="457200" indent="-457200">
+              <a:lnSpc>
+                <a:spcPct val="160000"/>
+              </a:lnSpc>
+              <a:buFont typeface="+mj-lt"/>
+              <a:buAutoNum type="alphaUcPeriod"/>
+            </a:pPr>
+            <a:r>
+              <a:rPr lang="ko-KR" altLang="en-US" sz="1950" dirty="0">
+                <a:solidFill>
+                  <a:schemeClr val="tx1">
+                    <a:lumMod val="95000"/>
+                    <a:lumOff val="5000"/>
+                  </a:schemeClr>
+                </a:solidFill>
+                <a:effectLst>
+                  <a:outerShdw blurRad="38100" dist="38100" dir="2700000" algn="tl">
+                    <a:srgbClr val="000000">
+                      <a:alpha val="43137"/>
+                    </a:srgbClr>
+                  </a:outerShdw>
+                </a:effectLst>
+                <a:latin typeface="맑은 고딕" panose="020B0503020000020004" pitchFamily="50" charset="-127"/>
+                <a:ea typeface="맑은 고딕" panose="020B0503020000020004" pitchFamily="50" charset="-127"/>
+              </a:rPr>
+              <a:t>플레이어 </a:t>
+            </a:r>
+            <a:r>
+              <a:rPr lang="en-US" altLang="ko-KR" sz="1950" dirty="0">
+                <a:solidFill>
+                  <a:schemeClr val="tx1">
+                    <a:lumMod val="95000"/>
+                    <a:lumOff val="5000"/>
+                  </a:schemeClr>
+                </a:solidFill>
+                <a:effectLst>
+                  <a:outerShdw blurRad="38100" dist="38100" dir="2700000" algn="tl">
+                    <a:srgbClr val="000000">
+                      <a:alpha val="43137"/>
+                    </a:srgbClr>
+                  </a:outerShdw>
+                </a:effectLst>
+                <a:latin typeface="맑은 고딕" panose="020B0503020000020004" pitchFamily="50" charset="-127"/>
+                <a:ea typeface="맑은 고딕" panose="020B0503020000020004" pitchFamily="50" charset="-127"/>
+              </a:rPr>
+              <a:t>AI </a:t>
+            </a:r>
+            <a:r>
+              <a:rPr lang="ko-KR" altLang="en-US" sz="1950" dirty="0">
+                <a:solidFill>
+                  <a:schemeClr val="tx1">
+                    <a:lumMod val="95000"/>
+                    <a:lumOff val="5000"/>
+                  </a:schemeClr>
+                </a:solidFill>
+                <a:effectLst>
+                  <a:outerShdw blurRad="38100" dist="38100" dir="2700000" algn="tl">
+                    <a:srgbClr val="000000">
+                      <a:alpha val="43137"/>
+                    </a:srgbClr>
+                  </a:outerShdw>
+                </a:effectLst>
+                <a:latin typeface="맑은 고딕" panose="020B0503020000020004" pitchFamily="50" charset="-127"/>
+                <a:ea typeface="맑은 고딕" panose="020B0503020000020004" pitchFamily="50" charset="-127"/>
+              </a:rPr>
+              <a:t>제작</a:t>
+            </a:r>
+            <a:endParaRPr lang="en-US" altLang="ko-KR" sz="1950" dirty="0">
+              <a:solidFill>
+                <a:schemeClr val="tx1">
+                  <a:lumMod val="95000"/>
+                  <a:lumOff val="5000"/>
+                </a:schemeClr>
+              </a:solidFill>
+              <a:effectLst>
+                <a:outerShdw blurRad="38100" dist="38100" dir="2700000" algn="tl">
+                  <a:srgbClr val="000000">
+                    <a:alpha val="43137"/>
+                  </a:srgbClr>
+                </a:outerShdw>
+              </a:effectLst>
+              <a:latin typeface="맑은 고딕" panose="020B0503020000020004" pitchFamily="50" charset="-127"/>
+              <a:ea typeface="맑은 고딕" panose="020B0503020000020004" pitchFamily="50" charset="-127"/>
+            </a:endParaRPr>
+          </a:p>
+        </p:txBody>
+      </p:sp>
+      <p:sp>
+        <p:nvSpPr>
+          <p:cNvPr id="3" name="슬라이드 번호 개체 틀 2">
+            <a:extLst>
+              <a:ext uri="{FF2B5EF4-FFF2-40B4-BE49-F238E27FC236}">
+                <a16:creationId xmlns:a16="http://schemas.microsoft.com/office/drawing/2014/main" id="{36392628-7DF0-4B14-92FD-A5D98527D503}"/>
+              </a:ext>
+            </a:extLst>
+          </p:cNvPr>
+          <p:cNvSpPr>
+            <a:spLocks noGrp="1"/>
+          </p:cNvSpPr>
+          <p:nvPr>
+            <p:ph type="sldNum" sz="quarter" idx="12"/>
+          </p:nvPr>
+        </p:nvSpPr>
+        <p:spPr>
+          <a:xfrm>
+            <a:off x="7106400" y="6454800"/>
+            <a:ext cx="1198800" cy="403200"/>
+          </a:xfrm>
+        </p:spPr>
+        <p:txBody>
+          <a:bodyPr/>
+          <a:lstStyle/>
+          <a:p>
+            <a:fld id="{69E57DC2-970A-4B3E-BB1C-7A09969E49DF}" type="slidenum">
+              <a:rPr lang="en-US" smtClean="0"/>
+              <a:t>10</a:t>
+            </a:fld>
+            <a:endParaRPr lang="en-US" dirty="0"/>
+          </a:p>
+        </p:txBody>
+      </p:sp>
+    </p:spTree>
+    <p:extLst>
+      <p:ext uri="{BB962C8B-B14F-4D97-AF65-F5344CB8AC3E}">
+        <p14:creationId xmlns:p14="http://schemas.microsoft.com/office/powerpoint/2010/main" val="2578387072"/>
+      </p:ext>
+    </p:extLst>
+  </p:cSld>
+  <p:clrMapOvr>
+    <a:masterClrMapping/>
+  </p:clrMapOvr>
+</p:sld>
+</file>
+
+<file path=ppt/slides/slide11.xml><?xml version="1.0" encoding="utf-8"?>
+<p:sld xmlns:a="http://schemas.openxmlformats.org/drawingml/2006/main" xmlns:r="http://schemas.openxmlformats.org/officeDocument/2006/relationships" xmlns:p="http://schemas.openxmlformats.org/presentationml/2006/main">
+  <p:cSld>
+    <p:spTree>
+      <p:nvGrpSpPr>
+        <p:cNvPr id="1" name=""/>
+        <p:cNvGrpSpPr/>
+        <p:nvPr/>
+      </p:nvGrpSpPr>
+      <p:grpSpPr>
+        <a:xfrm>
+          <a:off x="0" y="0"/>
+          <a:ext cx="0" cy="0"/>
+          <a:chOff x="0" y="0"/>
+          <a:chExt cx="0" cy="0"/>
+        </a:xfrm>
+      </p:grpSpPr>
+      <p:sp>
+        <p:nvSpPr>
+          <p:cNvPr id="2" name="제목 1">
+            <a:extLst>
+              <a:ext uri="{FF2B5EF4-FFF2-40B4-BE49-F238E27FC236}">
+                <a16:creationId xmlns:a16="http://schemas.microsoft.com/office/drawing/2014/main" id="{1B2F03EE-71DD-491C-99CC-16E59ED95F65}"/>
+              </a:ext>
+            </a:extLst>
+          </p:cNvPr>
+          <p:cNvSpPr>
+            <a:spLocks noGrp="1"/>
+          </p:cNvSpPr>
+          <p:nvPr>
+            <p:ph type="title"/>
+          </p:nvPr>
+        </p:nvSpPr>
+        <p:spPr>
+          <a:xfrm>
+            <a:off x="1028700" y="651600"/>
+            <a:ext cx="7200900" cy="581025"/>
+          </a:xfrm>
+        </p:spPr>
+        <p:txBody>
+          <a:bodyPr>
+            <a:normAutofit/>
+          </a:bodyPr>
+          <a:lstStyle/>
+          <a:p>
+            <a:r>
+              <a:rPr lang="ko-KR" altLang="en-US" sz="3600" b="1" dirty="0">
+                <a:solidFill>
+                  <a:schemeClr val="tx1">
+                    <a:lumMod val="95000"/>
+                    <a:lumOff val="5000"/>
+                  </a:schemeClr>
+                </a:solidFill>
+                <a:latin typeface="맑은 고딕" panose="020B0503020000020004" pitchFamily="50" charset="-127"/>
+                <a:ea typeface="맑은 고딕" panose="020B0503020000020004" pitchFamily="50" charset="-127"/>
+              </a:rPr>
+              <a:t>보완 사항 및 앞으로 일정</a:t>
+            </a:r>
+            <a:r>
+              <a:rPr lang="en-US" altLang="ko-KR" sz="3600" b="1" dirty="0">
+                <a:solidFill>
+                  <a:schemeClr val="tx1">
+                    <a:lumMod val="95000"/>
+                    <a:lumOff val="5000"/>
+                  </a:schemeClr>
+                </a:solidFill>
+                <a:latin typeface="맑은 고딕" panose="020B0503020000020004" pitchFamily="50" charset="-127"/>
+                <a:ea typeface="맑은 고딕" panose="020B0503020000020004" pitchFamily="50" charset="-127"/>
+              </a:rPr>
+              <a:t>- </a:t>
+            </a:r>
+            <a:r>
               <a:rPr lang="ko-KR" altLang="en-US" sz="3600" b="1" dirty="0">
                 <a:solidFill>
                   <a:schemeClr val="tx1">
@@ -6785,7 +7349,7 @@
           <a:p>
             <a:fld id="{69E57DC2-970A-4B3E-BB1C-7A09969E49DF}" type="slidenum">
               <a:rPr lang="en-US" smtClean="0"/>
-              <a:t>10</a:t>
+              <a:t>11</a:t>
             </a:fld>
             <a:endParaRPr lang="en-US" dirty="0"/>
           </a:p>
@@ -6804,7 +7368,7 @@
 </p:sld>
 </file>
 
-<file path=ppt/slides/slide11.xml><?xml version="1.0" encoding="utf-8"?>
+<file path=ppt/slides/slide12.xml><?xml version="1.0" encoding="utf-8"?>
 <p:sld xmlns:a="http://schemas.openxmlformats.org/drawingml/2006/main" xmlns:r="http://schemas.openxmlformats.org/officeDocument/2006/relationships" xmlns:p="http://schemas.openxmlformats.org/presentationml/2006/main">
   <p:cSld>
     <p:spTree>
@@ -7385,7 +7949,7 @@
           <a:p>
             <a:fld id="{69E57DC2-970A-4B3E-BB1C-7A09969E49DF}" type="slidenum">
               <a:rPr lang="en-US" smtClean="0"/>
-              <a:t>11</a:t>
+              <a:t>12</a:t>
             </a:fld>
             <a:endParaRPr lang="en-US" dirty="0"/>
           </a:p>
@@ -7404,7 +7968,7 @@
 </p:sld>
 </file>
 
-<file path=ppt/slides/slide12.xml><?xml version="1.0" encoding="utf-8"?>
+<file path=ppt/slides/slide13.xml><?xml version="1.0" encoding="utf-8"?>
 <p:sld xmlns:a="http://schemas.openxmlformats.org/drawingml/2006/main" xmlns:r="http://schemas.openxmlformats.org/officeDocument/2006/relationships" xmlns:p="http://schemas.openxmlformats.org/presentationml/2006/main">
   <p:cSld>
     <p:spTree>
@@ -8505,7 +9069,7 @@
           <a:p>
             <a:fld id="{69E57DC2-970A-4B3E-BB1C-7A09969E49DF}" type="slidenum">
               <a:rPr lang="en-US" smtClean="0"/>
-              <a:t>12</a:t>
+              <a:t>13</a:t>
             </a:fld>
             <a:endParaRPr lang="en-US" dirty="0"/>
           </a:p>
@@ -8524,7 +9088,7 @@
 </p:sld>
 </file>
 
-<file path=ppt/slides/slide13.xml><?xml version="1.0" encoding="utf-8"?>
+<file path=ppt/slides/slide14.xml><?xml version="1.0" encoding="utf-8"?>
 <p:sld xmlns:a="http://schemas.openxmlformats.org/drawingml/2006/main" xmlns:r="http://schemas.openxmlformats.org/officeDocument/2006/relationships" xmlns:p="http://schemas.openxmlformats.org/presentationml/2006/main">
   <p:cSld>
     <p:spTree>
@@ -9128,7 +9692,7 @@
           <a:p>
             <a:fld id="{69E57DC2-970A-4B3E-BB1C-7A09969E49DF}" type="slidenum">
               <a:rPr lang="en-US" smtClean="0"/>
-              <a:t>13</a:t>
+              <a:t>14</a:t>
             </a:fld>
             <a:endParaRPr lang="en-US" dirty="0"/>
           </a:p>
@@ -9147,7 +9711,7 @@
 </p:sld>
 </file>
 
-<file path=ppt/slides/slide14.xml><?xml version="1.0" encoding="utf-8"?>
+<file path=ppt/slides/slide15.xml><?xml version="1.0" encoding="utf-8"?>
 <p:sld xmlns:a="http://schemas.openxmlformats.org/drawingml/2006/main" xmlns:r="http://schemas.openxmlformats.org/officeDocument/2006/relationships" xmlns:p="http://schemas.openxmlformats.org/presentationml/2006/main">
   <p:cSld>
     <p:spTree>
@@ -9616,7 +10180,7 @@
           <a:p>
             <a:fld id="{69E57DC2-970A-4B3E-BB1C-7A09969E49DF}" type="slidenum">
               <a:rPr lang="en-US" smtClean="0"/>
-              <a:t>14</a:t>
+              <a:t>15</a:t>
             </a:fld>
             <a:endParaRPr lang="en-US" dirty="0"/>
           </a:p>
@@ -9635,7 +10199,7 @@
 </p:sld>
 </file>
 
-<file path=ppt/slides/slide15.xml><?xml version="1.0" encoding="utf-8"?>
+<file path=ppt/slides/slide16.xml><?xml version="1.0" encoding="utf-8"?>
 <p:sld xmlns:a="http://schemas.openxmlformats.org/drawingml/2006/main" xmlns:r="http://schemas.openxmlformats.org/officeDocument/2006/relationships" xmlns:p="http://schemas.openxmlformats.org/presentationml/2006/main">
   <p:cSld>
     <p:spTree>
@@ -10084,7 +10648,7 @@
           <a:p>
             <a:fld id="{69E57DC2-970A-4B3E-BB1C-7A09969E49DF}" type="slidenum">
               <a:rPr lang="en-US" smtClean="0"/>
-              <a:t>15</a:t>
+              <a:t>16</a:t>
             </a:fld>
             <a:endParaRPr lang="en-US" dirty="0"/>
           </a:p>
@@ -10103,7 +10667,7 @@
 </p:sld>
 </file>
 
-<file path=ppt/slides/slide16.xml><?xml version="1.0" encoding="utf-8"?>
+<file path=ppt/slides/slide17.xml><?xml version="1.0" encoding="utf-8"?>
 <p:sld xmlns:a="http://schemas.openxmlformats.org/drawingml/2006/main" xmlns:r="http://schemas.openxmlformats.org/officeDocument/2006/relationships" xmlns:p="http://schemas.openxmlformats.org/presentationml/2006/main">
   <p:cSld>
     <p:spTree>
@@ -11267,7 +11831,7 @@
           <a:p>
             <a:fld id="{69E57DC2-970A-4B3E-BB1C-7A09969E49DF}" type="slidenum">
               <a:rPr lang="en-US" smtClean="0"/>
-              <a:t>16</a:t>
+              <a:t>17</a:t>
             </a:fld>
             <a:endParaRPr lang="en-US" dirty="0"/>
           </a:p>
@@ -11286,7 +11850,7 @@
 </p:sld>
 </file>
 
-<file path=ppt/slides/slide17.xml><?xml version="1.0" encoding="utf-8"?>
+<file path=ppt/slides/slide18.xml><?xml version="1.0" encoding="utf-8"?>
 <p:sld xmlns:a="http://schemas.openxmlformats.org/drawingml/2006/main" xmlns:r="http://schemas.openxmlformats.org/officeDocument/2006/relationships" xmlns:p="http://schemas.openxmlformats.org/presentationml/2006/main">
   <p:cSld>
     <p:spTree>
@@ -12062,7 +12626,7 @@
           <a:p>
             <a:fld id="{69E57DC2-970A-4B3E-BB1C-7A09969E49DF}" type="slidenum">
               <a:rPr lang="en-US" smtClean="0"/>
-              <a:t>17</a:t>
+              <a:t>18</a:t>
             </a:fld>
             <a:endParaRPr lang="en-US" dirty="0"/>
           </a:p>
@@ -12081,7 +12645,7 @@
 </p:sld>
 </file>
 
-<file path=ppt/slides/slide18.xml><?xml version="1.0" encoding="utf-8"?>
+<file path=ppt/slides/slide19.xml><?xml version="1.0" encoding="utf-8"?>
 <p:sld xmlns:a="http://schemas.openxmlformats.org/drawingml/2006/main" xmlns:r="http://schemas.openxmlformats.org/officeDocument/2006/relationships" xmlns:p="http://schemas.openxmlformats.org/presentationml/2006/main">
   <p:cSld>
     <p:spTree>
@@ -12459,7 +13023,7 @@
           <a:p>
             <a:fld id="{69E57DC2-970A-4B3E-BB1C-7A09969E49DF}" type="slidenum">
               <a:rPr lang="en-US" smtClean="0"/>
-              <a:t>18</a:t>
+              <a:t>19</a:t>
             </a:fld>
             <a:endParaRPr lang="en-US" dirty="0"/>
           </a:p>

--- a/진행사항.pptx
+++ b/진행사항.pptx
@@ -5,7 +5,7 @@
     <p:sldMasterId id="2147483660" r:id="rId1"/>
   </p:sldMasterIdLst>
   <p:notesMasterIdLst>
-    <p:notesMasterId r:id="rId20"/>
+    <p:notesMasterId r:id="rId22"/>
   </p:notesMasterIdLst>
   <p:sldIdLst>
     <p:sldId id="281" r:id="rId2"/>
@@ -25,7 +25,9 @@
     <p:sldId id="310" r:id="rId16"/>
     <p:sldId id="311" r:id="rId17"/>
     <p:sldId id="304" r:id="rId18"/>
-    <p:sldId id="303" r:id="rId19"/>
+    <p:sldId id="314" r:id="rId19"/>
+    <p:sldId id="313" r:id="rId20"/>
+    <p:sldId id="303" r:id="rId21"/>
   </p:sldIdLst>
   <p:sldSz cx="9144000" cy="6858000" type="screen4x3"/>
   <p:notesSz cx="6858000" cy="9144000"/>
@@ -225,7 +227,7 @@
           <a:p>
             <a:fld id="{174CF4B6-C8D6-438C-8B7D-E8AF3EC6F65B}" type="datetimeFigureOut">
               <a:rPr lang="ko-KR" altLang="en-US" smtClean="0"/>
-              <a:t>2018-08-13</a:t>
+              <a:t>2018-08-17</a:t>
             </a:fld>
             <a:endParaRPr lang="ko-KR" altLang="en-US"/>
           </a:p>
@@ -661,7 +663,7 @@
           <a:p>
             <a:fld id="{997C0C2C-FB57-479D-BE7F-6EC34BF7043C}" type="datetime1">
               <a:rPr lang="en-US" altLang="ko-KR" smtClean="0"/>
-              <a:t>8/13/2018</a:t>
+              <a:t>8/17/2018</a:t>
             </a:fld>
             <a:endParaRPr lang="en-US" dirty="0"/>
           </a:p>
@@ -992,7 +994,7 @@
           <a:p>
             <a:fld id="{047308E6-C353-4980-BC35-3BA553F61D46}" type="datetime1">
               <a:rPr lang="en-US" altLang="ko-KR" smtClean="0"/>
-              <a:t>8/13/2018</a:t>
+              <a:t>8/17/2018</a:t>
             </a:fld>
             <a:endParaRPr lang="en-US" dirty="0"/>
           </a:p>
@@ -1172,7 +1174,7 @@
           <a:p>
             <a:fld id="{925E33ED-602B-46D4-AC4E-A3EC8D1FE08B}" type="datetime1">
               <a:rPr lang="en-US" altLang="ko-KR" smtClean="0"/>
-              <a:t>8/13/2018</a:t>
+              <a:t>8/17/2018</a:t>
             </a:fld>
             <a:endParaRPr lang="en-US" dirty="0"/>
           </a:p>
@@ -1342,7 +1344,7 @@
           <a:p>
             <a:fld id="{CDCA6F40-FDE7-4477-94C1-42AFCA093BA3}" type="datetime1">
               <a:rPr lang="en-US" altLang="ko-KR" smtClean="0"/>
-              <a:t>8/13/2018</a:t>
+              <a:t>8/17/2018</a:t>
             </a:fld>
             <a:endParaRPr lang="en-US" dirty="0"/>
           </a:p>
@@ -1620,7 +1622,7 @@
           <a:p>
             <a:fld id="{E5AD4DDD-EA1C-4615-97C2-D68EC457B4CF}" type="datetime1">
               <a:rPr lang="en-US" altLang="ko-KR" smtClean="0"/>
-              <a:t>8/13/2018</a:t>
+              <a:t>8/17/2018</a:t>
             </a:fld>
             <a:endParaRPr lang="en-US" dirty="0"/>
           </a:p>
@@ -2071,7 +2073,7 @@
           <a:p>
             <a:fld id="{CA0F03C5-1E3C-44BE-9E2F-087D284D2C5D}" type="datetime1">
               <a:rPr lang="en-US" altLang="ko-KR" smtClean="0"/>
-              <a:t>8/13/2018</a:t>
+              <a:t>8/17/2018</a:t>
             </a:fld>
             <a:endParaRPr lang="en-US" dirty="0"/>
           </a:p>
@@ -2548,7 +2550,7 @@
           <a:p>
             <a:fld id="{23CB4308-201A-4967-870E-1ACB91AA6D8E}" type="datetime1">
               <a:rPr lang="en-US" altLang="ko-KR" smtClean="0"/>
-              <a:t>8/13/2018</a:t>
+              <a:t>8/17/2018</a:t>
             </a:fld>
             <a:endParaRPr lang="en-US" dirty="0"/>
           </a:p>
@@ -2666,7 +2668,7 @@
           <a:p>
             <a:fld id="{2AE391EA-DA61-4C24-8C9E-58C8105C0CDC}" type="datetime1">
               <a:rPr lang="en-US" altLang="ko-KR" smtClean="0"/>
-              <a:t>8/13/2018</a:t>
+              <a:t>8/17/2018</a:t>
             </a:fld>
             <a:endParaRPr lang="en-US" dirty="0"/>
           </a:p>
@@ -2761,7 +2763,7 @@
           <a:p>
             <a:fld id="{14CF23BC-FE77-4485-B606-6CBA74C5D36E}" type="datetime1">
               <a:rPr lang="en-US" altLang="ko-KR" smtClean="0"/>
-              <a:t>8/13/2018</a:t>
+              <a:t>8/17/2018</a:t>
             </a:fld>
             <a:endParaRPr lang="en-US" dirty="0"/>
           </a:p>
@@ -3109,7 +3111,7 @@
           <a:p>
             <a:fld id="{808D6C14-1859-4DDA-AD38-00DE62AE1826}" type="datetime1">
               <a:rPr lang="en-US" altLang="ko-KR" smtClean="0"/>
-              <a:t>8/13/2018</a:t>
+              <a:t>8/17/2018</a:t>
             </a:fld>
             <a:endParaRPr lang="en-US" dirty="0"/>
           </a:p>
@@ -3538,7 +3540,7 @@
           <a:p>
             <a:fld id="{AE734E95-C037-429B-8B5F-D0FAB25DE16C}" type="datetime1">
               <a:rPr lang="en-US" altLang="ko-KR" smtClean="0"/>
-              <a:t>8/13/2018</a:t>
+              <a:t>8/17/2018</a:t>
             </a:fld>
             <a:endParaRPr lang="en-US" dirty="0"/>
           </a:p>
@@ -3855,7 +3857,7 @@
           <a:p>
             <a:fld id="{E0770D22-4CCF-46DD-9D25-F19CC4764808}" type="datetime1">
               <a:rPr lang="en-US" altLang="ko-KR" smtClean="0"/>
-              <a:t>8/13/2018</a:t>
+              <a:t>8/17/2018</a:t>
             </a:fld>
             <a:endParaRPr lang="en-US" dirty="0"/>
           </a:p>
@@ -11923,7 +11925,7 @@
               <a:buAutoNum type="alphaUcPeriod"/>
             </a:pPr>
             <a:r>
-              <a:rPr lang="ko-KR" altLang="en-US" sz="1750" dirty="0">
+              <a:rPr lang="ko-KR" altLang="en-US" sz="1750" strike="sngStrike" dirty="0">
                 <a:solidFill>
                   <a:schemeClr val="tx1">
                     <a:lumMod val="95000"/>
@@ -11942,7 +11944,7 @@
               </a:rPr>
               <a:t>사운드 재생처리</a:t>
             </a:r>
-            <a:endParaRPr lang="en-US" altLang="ko-KR" sz="1750" dirty="0">
+            <a:endParaRPr lang="en-US" altLang="ko-KR" sz="1750" strike="sngStrike" dirty="0">
               <a:solidFill>
                 <a:schemeClr val="tx1">
                   <a:lumMod val="95000"/>
@@ -11969,7 +11971,7 @@
               <a:buAutoNum type="alphaUcPeriod"/>
             </a:pPr>
             <a:r>
-              <a:rPr lang="en-US" altLang="ko-KR" sz="1550" dirty="0" err="1">
+              <a:rPr lang="en-US" altLang="ko-KR" sz="1550" strike="sngStrike" dirty="0" err="1">
                 <a:solidFill>
                   <a:schemeClr val="tx1">
                     <a:lumMod val="95000"/>
@@ -11988,7 +11990,7 @@
               </a:rPr>
               <a:t>Fmod</a:t>
             </a:r>
-            <a:endParaRPr lang="en-US" altLang="ko-KR" sz="1550" dirty="0">
+            <a:endParaRPr lang="en-US" altLang="ko-KR" sz="1550" strike="sngStrike" dirty="0">
               <a:solidFill>
                 <a:schemeClr val="tx1">
                   <a:lumMod val="95000"/>
@@ -12153,7 +12155,7 @@
               <a:t>- </a:t>
             </a:r>
             <a:r>
-              <a:rPr lang="ko-KR" altLang="en-US" sz="3600" b="1" dirty="0" err="1">
+              <a:rPr lang="ko-KR" altLang="en-US" sz="3600" b="1" dirty="0">
                 <a:solidFill>
                   <a:schemeClr val="tx1">
                     <a:lumMod val="95000"/>
@@ -12163,18 +12165,8 @@
                 <a:latin typeface="맑은 고딕" panose="020B0503020000020004" pitchFamily="50" charset="-127"/>
                 <a:ea typeface="맑은 고딕" panose="020B0503020000020004" pitchFamily="50" charset="-127"/>
               </a:rPr>
-              <a:t>김선필</a:t>
+              <a:t>이용선</a:t>
             </a:r>
-            <a:endParaRPr lang="ko-KR" altLang="en-US" sz="3600" b="1" dirty="0">
-              <a:solidFill>
-                <a:schemeClr val="tx1">
-                  <a:lumMod val="95000"/>
-                  <a:lumOff val="5000"/>
-                </a:schemeClr>
-              </a:solidFill>
-              <a:latin typeface="맑은 고딕" panose="020B0503020000020004" pitchFamily="50" charset="-127"/>
-              <a:ea typeface="맑은 고딕" panose="020B0503020000020004" pitchFamily="50" charset="-127"/>
-            </a:endParaRPr>
           </a:p>
         </p:txBody>
       </p:sp>
@@ -12202,7 +12194,7 @@
         </p:spPr>
         <p:txBody>
           <a:bodyPr>
-            <a:normAutofit/>
+            <a:normAutofit fontScale="77500" lnSpcReduction="20000"/>
           </a:bodyPr>
           <a:lstStyle/>
           <a:p>
@@ -12214,7 +12206,7 @@
               <a:buAutoNum type="alphaUcPeriod"/>
             </a:pPr>
             <a:r>
-              <a:rPr lang="ko-KR" altLang="en-US" sz="2300" i="0" dirty="0">
+              <a:rPr lang="en-US" altLang="ko-KR" sz="1950" i="0" dirty="0">
                 <a:solidFill>
                   <a:schemeClr val="tx1">
                     <a:lumMod val="95000"/>
@@ -12231,10 +12223,19 @@
                 <a:latin typeface="맑은 고딕" panose="020B0503020000020004" pitchFamily="50" charset="-127"/>
                 <a:ea typeface="맑은 고딕" panose="020B0503020000020004" pitchFamily="50" charset="-127"/>
               </a:rPr>
-              <a:t>로비 서버 </a:t>
+              <a:t>Scene (Title / Room)</a:t>
             </a:r>
+          </a:p>
+          <a:p>
+            <a:pPr marL="987552" lvl="1" indent="-457200">
+              <a:lnSpc>
+                <a:spcPct val="160000"/>
+              </a:lnSpc>
+              <a:buFont typeface="+mj-lt"/>
+              <a:buAutoNum type="alphaUcPeriod"/>
+            </a:pPr>
             <a:r>
-              <a:rPr lang="en-US" altLang="ko-KR" sz="2300" i="0" dirty="0">
+              <a:rPr lang="ko-KR" altLang="en-US" sz="1750" dirty="0">
                 <a:solidFill>
                   <a:schemeClr val="tx1">
                     <a:lumMod val="95000"/>
@@ -12251,49 +12252,9 @@
                 <a:latin typeface="맑은 고딕" panose="020B0503020000020004" pitchFamily="50" charset="-127"/>
                 <a:ea typeface="맑은 고딕" panose="020B0503020000020004" pitchFamily="50" charset="-127"/>
               </a:rPr>
-              <a:t>/ </a:t>
+              <a:t>이미지 추가</a:t>
             </a:r>
-            <a:r>
-              <a:rPr lang="ko-KR" altLang="en-US" sz="2300" i="0" dirty="0">
-                <a:solidFill>
-                  <a:schemeClr val="tx1">
-                    <a:lumMod val="95000"/>
-                    <a:lumOff val="5000"/>
-                  </a:schemeClr>
-                </a:solidFill>
-                <a:effectLst>
-                  <a:outerShdw blurRad="38100" dist="38100" dir="2700000" algn="tl">
-                    <a:srgbClr val="000000">
-                      <a:alpha val="43137"/>
-                    </a:srgbClr>
-                  </a:outerShdw>
-                </a:effectLst>
-                <a:latin typeface="맑은 고딕" panose="020B0503020000020004" pitchFamily="50" charset="-127"/>
-                <a:ea typeface="맑은 고딕" panose="020B0503020000020004" pitchFamily="50" charset="-127"/>
-              </a:rPr>
-              <a:t>방 </a:t>
-            </a:r>
-            <a:r>
-              <a:rPr lang="ko-KR" altLang="en-US" sz="2300" i="0" dirty="0" err="1">
-                <a:solidFill>
-                  <a:schemeClr val="tx1">
-                    <a:lumMod val="95000"/>
-                    <a:lumOff val="5000"/>
-                  </a:schemeClr>
-                </a:solidFill>
-                <a:effectLst>
-                  <a:outerShdw blurRad="38100" dist="38100" dir="2700000" algn="tl">
-                    <a:srgbClr val="000000">
-                      <a:alpha val="43137"/>
-                    </a:srgbClr>
-                  </a:outerShdw>
-                </a:effectLst>
-                <a:latin typeface="맑은 고딕" panose="020B0503020000020004" pitchFamily="50" charset="-127"/>
-                <a:ea typeface="맑은 고딕" panose="020B0503020000020004" pitchFamily="50" charset="-127"/>
-              </a:rPr>
-              <a:t>만드는거</a:t>
-            </a:r>
-            <a:endParaRPr lang="en-US" altLang="ko-KR" sz="2300" dirty="0">
+            <a:endParaRPr lang="en-US" altLang="ko-KR" sz="1750" dirty="0">
               <a:solidFill>
                 <a:schemeClr val="tx1">
                   <a:lumMod val="95000"/>
@@ -12312,7 +12273,7 @@
             </a:endParaRPr>
           </a:p>
           <a:p>
-            <a:pPr marL="457200" indent="-457200">
+            <a:pPr marL="1444752" lvl="2" indent="-457200">
               <a:lnSpc>
                 <a:spcPct val="160000"/>
               </a:lnSpc>
@@ -12320,7 +12281,7 @@
               <a:buAutoNum type="alphaUcPeriod"/>
             </a:pPr>
             <a:r>
-              <a:rPr lang="ko-KR" altLang="en-US" sz="2300" i="0" dirty="0">
+              <a:rPr lang="ko-KR" altLang="en-US" sz="1550" dirty="0">
                 <a:solidFill>
                   <a:schemeClr val="tx1">
                     <a:lumMod val="95000"/>
@@ -12337,9 +12298,9 @@
                 <a:latin typeface="맑은 고딕" panose="020B0503020000020004" pitchFamily="50" charset="-127"/>
                 <a:ea typeface="맑은 고딕" panose="020B0503020000020004" pitchFamily="50" charset="-127"/>
               </a:rPr>
-              <a:t>기능 추가되는 것마다 서버와 동기화</a:t>
+              <a:t>게임접속</a:t>
             </a:r>
-            <a:endParaRPr lang="en-US" altLang="ko-KR" sz="2300" i="0" dirty="0">
+            <a:endParaRPr lang="en-US" altLang="ko-KR" sz="1550" dirty="0">
               <a:solidFill>
                 <a:schemeClr val="tx1">
                   <a:lumMod val="95000"/>
@@ -12358,7 +12319,7 @@
             </a:endParaRPr>
           </a:p>
           <a:p>
-            <a:pPr marL="457200" indent="-457200">
+            <a:pPr marL="1444752" lvl="2" indent="-457200">
               <a:lnSpc>
                 <a:spcPct val="160000"/>
               </a:lnSpc>
@@ -12366,7 +12327,7 @@
               <a:buAutoNum type="alphaUcPeriod"/>
             </a:pPr>
             <a:r>
-              <a:rPr lang="ko-KR" altLang="en-US" sz="2300" dirty="0">
+              <a:rPr lang="ko-KR" altLang="en-US" sz="1550" dirty="0">
                 <a:solidFill>
                   <a:schemeClr val="tx1">
                     <a:lumMod val="95000"/>
@@ -12383,9 +12344,58 @@
                 <a:latin typeface="맑은 고딕" panose="020B0503020000020004" pitchFamily="50" charset="-127"/>
                 <a:ea typeface="맑은 고딕" panose="020B0503020000020004" pitchFamily="50" charset="-127"/>
               </a:rPr>
-              <a:t>로그인</a:t>
+              <a:t>게임시작 </a:t>
             </a:r>
-            <a:endParaRPr lang="en-US" altLang="ko-KR" sz="2300" dirty="0">
+            <a:r>
+              <a:rPr lang="en-US" altLang="ko-KR" sz="1550" dirty="0">
+                <a:solidFill>
+                  <a:schemeClr val="tx1">
+                    <a:lumMod val="95000"/>
+                    <a:lumOff val="5000"/>
+                  </a:schemeClr>
+                </a:solidFill>
+                <a:effectLst>
+                  <a:outerShdw blurRad="38100" dist="38100" dir="2700000" algn="tl">
+                    <a:srgbClr val="000000">
+                      <a:alpha val="43137"/>
+                    </a:srgbClr>
+                  </a:outerShdw>
+                </a:effectLst>
+                <a:latin typeface="맑은 고딕" panose="020B0503020000020004" pitchFamily="50" charset="-127"/>
+                <a:ea typeface="맑은 고딕" panose="020B0503020000020004" pitchFamily="50" charset="-127"/>
+              </a:rPr>
+              <a:t>(ROOM)</a:t>
+            </a:r>
+          </a:p>
+          <a:p>
+            <a:pPr marL="1444752" lvl="2" indent="-457200">
+              <a:lnSpc>
+                <a:spcPct val="160000"/>
+              </a:lnSpc>
+              <a:buFont typeface="+mj-lt"/>
+              <a:buAutoNum type="alphaUcPeriod"/>
+            </a:pPr>
+            <a:r>
+              <a:rPr lang="ko-KR" altLang="en-US" sz="1550" dirty="0">
+                <a:solidFill>
+                  <a:schemeClr val="tx1">
+                    <a:lumMod val="95000"/>
+                    <a:lumOff val="5000"/>
+                  </a:schemeClr>
+                </a:solidFill>
+                <a:effectLst>
+                  <a:outerShdw blurRad="38100" dist="38100" dir="2700000" algn="tl">
+                    <a:srgbClr val="000000">
+                      <a:alpha val="43137"/>
+                    </a:srgbClr>
+                  </a:outerShdw>
+                </a:effectLst>
+                <a:latin typeface="맑은 고딕" panose="020B0503020000020004" pitchFamily="50" charset="-127"/>
+                <a:ea typeface="맑은 고딕" panose="020B0503020000020004" pitchFamily="50" charset="-127"/>
+              </a:rPr>
+              <a:t>게임종료</a:t>
+            </a:r>
+            <a:endParaRPr lang="en-US" altLang="ko-KR" sz="1550" dirty="0">
               <a:solidFill>
                 <a:schemeClr val="tx1">
                   <a:lumMod val="95000"/>
@@ -12404,6 +12414,55 @@
             </a:endParaRPr>
           </a:p>
           <a:p>
+            <a:pPr marL="1444752" lvl="2" indent="-457200">
+              <a:lnSpc>
+                <a:spcPct val="160000"/>
+              </a:lnSpc>
+              <a:buFont typeface="+mj-lt"/>
+              <a:buAutoNum type="alphaUcPeriod"/>
+            </a:pPr>
+            <a:r>
+              <a:rPr lang="ko-KR" altLang="en-US" sz="1550" dirty="0">
+                <a:solidFill>
+                  <a:schemeClr val="tx1">
+                    <a:lumMod val="95000"/>
+                    <a:lumOff val="5000"/>
+                  </a:schemeClr>
+                </a:solidFill>
+                <a:effectLst>
+                  <a:outerShdw blurRad="38100" dist="38100" dir="2700000" algn="tl">
+                    <a:srgbClr val="000000">
+                      <a:alpha val="43137"/>
+                    </a:srgbClr>
+                  </a:outerShdw>
+                </a:effectLst>
+                <a:latin typeface="맑은 고딕" panose="020B0503020000020004" pitchFamily="50" charset="-127"/>
+                <a:ea typeface="맑은 고딕" panose="020B0503020000020004" pitchFamily="50" charset="-127"/>
+              </a:rPr>
+              <a:t>접속 플레이어 표시 </a:t>
+            </a:r>
+            <a:r>
+              <a:rPr lang="en-US" altLang="ko-KR" sz="1550" dirty="0">
+                <a:solidFill>
+                  <a:schemeClr val="tx1">
+                    <a:lumMod val="95000"/>
+                    <a:lumOff val="5000"/>
+                  </a:schemeClr>
+                </a:solidFill>
+                <a:effectLst>
+                  <a:outerShdw blurRad="38100" dist="38100" dir="2700000" algn="tl">
+                    <a:srgbClr val="000000">
+                      <a:alpha val="43137"/>
+                    </a:srgbClr>
+                  </a:outerShdw>
+                </a:effectLst>
+                <a:latin typeface="맑은 고딕" panose="020B0503020000020004" pitchFamily="50" charset="-127"/>
+                <a:ea typeface="맑은 고딕" panose="020B0503020000020004" pitchFamily="50" charset="-127"/>
+              </a:rPr>
+              <a:t>(ROOM)</a:t>
+            </a:r>
+          </a:p>
+          <a:p>
             <a:pPr marL="457200" indent="-457200">
               <a:lnSpc>
                 <a:spcPct val="160000"/>
@@ -12411,7 +12470,300 @@
               <a:buFont typeface="+mj-lt"/>
               <a:buAutoNum type="alphaUcPeriod"/>
             </a:pPr>
-            <a:endParaRPr lang="en-US" altLang="ko-KR" sz="1950" i="0" dirty="0">
+            <a:r>
+              <a:rPr lang="ko-KR" altLang="en-US" sz="1750" dirty="0">
+                <a:solidFill>
+                  <a:schemeClr val="tx1">
+                    <a:lumMod val="95000"/>
+                    <a:lumOff val="5000"/>
+                  </a:schemeClr>
+                </a:solidFill>
+                <a:effectLst>
+                  <a:outerShdw blurRad="38100" dist="38100" dir="2700000" algn="tl">
+                    <a:srgbClr val="000000">
+                      <a:alpha val="43137"/>
+                    </a:srgbClr>
+                  </a:outerShdw>
+                </a:effectLst>
+                <a:latin typeface="맑은 고딕" panose="020B0503020000020004" pitchFamily="50" charset="-127"/>
+                <a:ea typeface="맑은 고딕" panose="020B0503020000020004" pitchFamily="50" charset="-127"/>
+              </a:rPr>
+              <a:t>그래픽</a:t>
+            </a:r>
+            <a:endParaRPr lang="en-US" altLang="ko-KR" sz="1750" dirty="0">
+              <a:solidFill>
+                <a:schemeClr val="tx1">
+                  <a:lumMod val="95000"/>
+                  <a:lumOff val="5000"/>
+                </a:schemeClr>
+              </a:solidFill>
+              <a:effectLst>
+                <a:outerShdw blurRad="38100" dist="38100" dir="2700000" algn="tl">
+                  <a:srgbClr val="000000">
+                    <a:alpha val="43137"/>
+                  </a:srgbClr>
+                </a:outerShdw>
+              </a:effectLst>
+              <a:latin typeface="맑은 고딕" panose="020B0503020000020004" pitchFamily="50" charset="-127"/>
+              <a:ea typeface="맑은 고딕" panose="020B0503020000020004" pitchFamily="50" charset="-127"/>
+            </a:endParaRPr>
+          </a:p>
+          <a:p>
+            <a:pPr marL="987552" lvl="1" indent="-457200">
+              <a:lnSpc>
+                <a:spcPct val="160000"/>
+              </a:lnSpc>
+              <a:buFont typeface="+mj-lt"/>
+              <a:buAutoNum type="alphaUcPeriod"/>
+            </a:pPr>
+            <a:r>
+              <a:rPr lang="ko-KR" altLang="en-US" sz="1750" i="0" dirty="0">
+                <a:solidFill>
+                  <a:schemeClr val="tx1">
+                    <a:lumMod val="95000"/>
+                    <a:lumOff val="5000"/>
+                  </a:schemeClr>
+                </a:solidFill>
+                <a:effectLst>
+                  <a:outerShdw blurRad="38100" dist="38100" dir="2700000" algn="tl">
+                    <a:srgbClr val="000000">
+                      <a:alpha val="43137"/>
+                    </a:srgbClr>
+                  </a:outerShdw>
+                </a:effectLst>
+                <a:latin typeface="맑은 고딕" panose="020B0503020000020004" pitchFamily="50" charset="-127"/>
+                <a:ea typeface="맑은 고딕" panose="020B0503020000020004" pitchFamily="50" charset="-127"/>
+              </a:rPr>
+              <a:t>플레이어 모델 크기 변경 </a:t>
+            </a:r>
+            <a:r>
+              <a:rPr lang="en-US" altLang="ko-KR" sz="1750" i="0" dirty="0">
+                <a:solidFill>
+                  <a:schemeClr val="tx1">
+                    <a:lumMod val="95000"/>
+                    <a:lumOff val="5000"/>
+                  </a:schemeClr>
+                </a:solidFill>
+                <a:effectLst>
+                  <a:outerShdw blurRad="38100" dist="38100" dir="2700000" algn="tl">
+                    <a:srgbClr val="000000">
+                      <a:alpha val="43137"/>
+                    </a:srgbClr>
+                  </a:outerShdw>
+                </a:effectLst>
+                <a:latin typeface="맑은 고딕" panose="020B0503020000020004" pitchFamily="50" charset="-127"/>
+                <a:ea typeface="맑은 고딕" panose="020B0503020000020004" pitchFamily="50" charset="-127"/>
+              </a:rPr>
+              <a:t>(1.5</a:t>
+            </a:r>
+            <a:r>
+              <a:rPr lang="ko-KR" altLang="en-US" sz="1750" i="0" dirty="0">
+                <a:solidFill>
+                  <a:schemeClr val="tx1">
+                    <a:lumMod val="95000"/>
+                    <a:lumOff val="5000"/>
+                  </a:schemeClr>
+                </a:solidFill>
+                <a:effectLst>
+                  <a:outerShdw blurRad="38100" dist="38100" dir="2700000" algn="tl">
+                    <a:srgbClr val="000000">
+                      <a:alpha val="43137"/>
+                    </a:srgbClr>
+                  </a:outerShdw>
+                </a:effectLst>
+                <a:latin typeface="맑은 고딕" panose="020B0503020000020004" pitchFamily="50" charset="-127"/>
+                <a:ea typeface="맑은 고딕" panose="020B0503020000020004" pitchFamily="50" charset="-127"/>
+              </a:rPr>
+              <a:t>배</a:t>
+            </a:r>
+            <a:r>
+              <a:rPr lang="en-US" altLang="ko-KR" sz="1750" i="0" dirty="0">
+                <a:solidFill>
+                  <a:schemeClr val="tx1">
+                    <a:lumMod val="95000"/>
+                    <a:lumOff val="5000"/>
+                  </a:schemeClr>
+                </a:solidFill>
+                <a:effectLst>
+                  <a:outerShdw blurRad="38100" dist="38100" dir="2700000" algn="tl">
+                    <a:srgbClr val="000000">
+                      <a:alpha val="43137"/>
+                    </a:srgbClr>
+                  </a:outerShdw>
+                </a:effectLst>
+                <a:latin typeface="맑은 고딕" panose="020B0503020000020004" pitchFamily="50" charset="-127"/>
+                <a:ea typeface="맑은 고딕" panose="020B0503020000020004" pitchFamily="50" charset="-127"/>
+              </a:rPr>
+              <a:t>)</a:t>
+            </a:r>
+          </a:p>
+          <a:p>
+            <a:pPr marL="1444752" lvl="2" indent="-457200">
+              <a:lnSpc>
+                <a:spcPct val="160000"/>
+              </a:lnSpc>
+              <a:buFont typeface="+mj-lt"/>
+              <a:buAutoNum type="alphaUcPeriod"/>
+            </a:pPr>
+            <a:r>
+              <a:rPr lang="ko-KR" altLang="en-US" sz="1550" i="0" dirty="0">
+                <a:solidFill>
+                  <a:schemeClr val="tx1">
+                    <a:lumMod val="95000"/>
+                    <a:lumOff val="5000"/>
+                  </a:schemeClr>
+                </a:solidFill>
+                <a:effectLst>
+                  <a:outerShdw blurRad="38100" dist="38100" dir="2700000" algn="tl">
+                    <a:srgbClr val="000000">
+                      <a:alpha val="43137"/>
+                    </a:srgbClr>
+                  </a:outerShdw>
+                </a:effectLst>
+                <a:latin typeface="맑은 고딕" panose="020B0503020000020004" pitchFamily="50" charset="-127"/>
+                <a:ea typeface="맑은 고딕" panose="020B0503020000020004" pitchFamily="50" charset="-127"/>
+              </a:rPr>
+              <a:t>무기</a:t>
+            </a:r>
+            <a:endParaRPr lang="en-US" altLang="ko-KR" sz="1550" i="0" dirty="0">
+              <a:solidFill>
+                <a:schemeClr val="tx1">
+                  <a:lumMod val="95000"/>
+                  <a:lumOff val="5000"/>
+                </a:schemeClr>
+              </a:solidFill>
+              <a:effectLst>
+                <a:outerShdw blurRad="38100" dist="38100" dir="2700000" algn="tl">
+                  <a:srgbClr val="000000">
+                    <a:alpha val="43137"/>
+                  </a:srgbClr>
+                </a:outerShdw>
+              </a:effectLst>
+              <a:latin typeface="맑은 고딕" panose="020B0503020000020004" pitchFamily="50" charset="-127"/>
+              <a:ea typeface="맑은 고딕" panose="020B0503020000020004" pitchFamily="50" charset="-127"/>
+            </a:endParaRPr>
+          </a:p>
+          <a:p>
+            <a:pPr marL="1444752" lvl="2" indent="-457200">
+              <a:lnSpc>
+                <a:spcPct val="160000"/>
+              </a:lnSpc>
+              <a:buFont typeface="+mj-lt"/>
+              <a:buAutoNum type="alphaUcPeriod"/>
+            </a:pPr>
+            <a:r>
+              <a:rPr lang="ko-KR" altLang="en-US" sz="1550" dirty="0" err="1">
+                <a:solidFill>
+                  <a:schemeClr val="tx1">
+                    <a:lumMod val="95000"/>
+                    <a:lumOff val="5000"/>
+                  </a:schemeClr>
+                </a:solidFill>
+                <a:effectLst>
+                  <a:outerShdw blurRad="38100" dist="38100" dir="2700000" algn="tl">
+                    <a:srgbClr val="000000">
+                      <a:alpha val="43137"/>
+                    </a:srgbClr>
+                  </a:outerShdw>
+                </a:effectLst>
+                <a:latin typeface="맑은 고딕" panose="020B0503020000020004" pitchFamily="50" charset="-127"/>
+                <a:ea typeface="맑은 고딕" panose="020B0503020000020004" pitchFamily="50" charset="-127"/>
+              </a:rPr>
+              <a:t>방어구</a:t>
+            </a:r>
+            <a:endParaRPr lang="en-US" altLang="ko-KR" sz="1550" dirty="0">
+              <a:solidFill>
+                <a:schemeClr val="tx1">
+                  <a:lumMod val="95000"/>
+                  <a:lumOff val="5000"/>
+                </a:schemeClr>
+              </a:solidFill>
+              <a:effectLst>
+                <a:outerShdw blurRad="38100" dist="38100" dir="2700000" algn="tl">
+                  <a:srgbClr val="000000">
+                    <a:alpha val="43137"/>
+                  </a:srgbClr>
+                </a:outerShdw>
+              </a:effectLst>
+              <a:latin typeface="맑은 고딕" panose="020B0503020000020004" pitchFamily="50" charset="-127"/>
+              <a:ea typeface="맑은 고딕" panose="020B0503020000020004" pitchFamily="50" charset="-127"/>
+            </a:endParaRPr>
+          </a:p>
+          <a:p>
+            <a:pPr marL="1444752" lvl="2" indent="-457200">
+              <a:lnSpc>
+                <a:spcPct val="160000"/>
+              </a:lnSpc>
+              <a:buFont typeface="+mj-lt"/>
+              <a:buAutoNum type="alphaUcPeriod"/>
+            </a:pPr>
+            <a:r>
+              <a:rPr lang="ko-KR" altLang="en-US" sz="1550" i="0" dirty="0" err="1">
+                <a:solidFill>
+                  <a:schemeClr val="tx1">
+                    <a:lumMod val="95000"/>
+                    <a:lumOff val="5000"/>
+                  </a:schemeClr>
+                </a:solidFill>
+                <a:effectLst>
+                  <a:outerShdw blurRad="38100" dist="38100" dir="2700000" algn="tl">
+                    <a:srgbClr val="000000">
+                      <a:alpha val="43137"/>
+                    </a:srgbClr>
+                  </a:outerShdw>
+                </a:effectLst>
+                <a:latin typeface="맑은 고딕" panose="020B0503020000020004" pitchFamily="50" charset="-127"/>
+                <a:ea typeface="맑은 고딕" panose="020B0503020000020004" pitchFamily="50" charset="-127"/>
+              </a:rPr>
+              <a:t>미니언</a:t>
+            </a:r>
+            <a:endParaRPr lang="en-US" altLang="ko-KR" sz="1550" i="0" dirty="0">
+              <a:solidFill>
+                <a:schemeClr val="tx1">
+                  <a:lumMod val="95000"/>
+                  <a:lumOff val="5000"/>
+                </a:schemeClr>
+              </a:solidFill>
+              <a:effectLst>
+                <a:outerShdw blurRad="38100" dist="38100" dir="2700000" algn="tl">
+                  <a:srgbClr val="000000">
+                    <a:alpha val="43137"/>
+                  </a:srgbClr>
+                </a:outerShdw>
+              </a:effectLst>
+              <a:latin typeface="맑은 고딕" panose="020B0503020000020004" pitchFamily="50" charset="-127"/>
+              <a:ea typeface="맑은 고딕" panose="020B0503020000020004" pitchFamily="50" charset="-127"/>
+            </a:endParaRPr>
+          </a:p>
+          <a:p>
+            <a:pPr marL="1444752" lvl="2" indent="-457200">
+              <a:lnSpc>
+                <a:spcPct val="160000"/>
+              </a:lnSpc>
+              <a:buFont typeface="+mj-lt"/>
+              <a:buAutoNum type="alphaUcPeriod"/>
+            </a:pPr>
+            <a:r>
+              <a:rPr lang="ko-KR" altLang="en-US" sz="1550" dirty="0" err="1">
+                <a:solidFill>
+                  <a:schemeClr val="tx1">
+                    <a:lumMod val="95000"/>
+                    <a:lumOff val="5000"/>
+                  </a:schemeClr>
+                </a:solidFill>
+                <a:effectLst>
+                  <a:outerShdw blurRad="38100" dist="38100" dir="2700000" algn="tl">
+                    <a:srgbClr val="000000">
+                      <a:alpha val="43137"/>
+                    </a:srgbClr>
+                  </a:outerShdw>
+                </a:effectLst>
+                <a:latin typeface="맑은 고딕" panose="020B0503020000020004" pitchFamily="50" charset="-127"/>
+                <a:ea typeface="맑은 고딕" panose="020B0503020000020004" pitchFamily="50" charset="-127"/>
+              </a:rPr>
+              <a:t>리깅</a:t>
+            </a:r>
+            <a:endParaRPr lang="en-US" altLang="ko-KR" sz="1550" i="0" dirty="0">
               <a:solidFill>
                 <a:schemeClr val="tx1">
                   <a:lumMod val="95000"/>
@@ -12468,7 +12820,508 @@
     </p:spTree>
     <p:extLst>
       <p:ext uri="{BB962C8B-B14F-4D97-AF65-F5344CB8AC3E}">
-        <p14:creationId xmlns:p14="http://schemas.microsoft.com/office/powerpoint/2010/main" val="2504229255"/>
+        <p14:creationId xmlns:p14="http://schemas.microsoft.com/office/powerpoint/2010/main" val="3771664722"/>
+      </p:ext>
+    </p:extLst>
+  </p:cSld>
+  <p:clrMapOvr>
+    <a:masterClrMapping/>
+  </p:clrMapOvr>
+</p:sld>
+</file>
+
+<file path=ppt/slides/slide19.xml><?xml version="1.0" encoding="utf-8"?>
+<p:sld xmlns:a="http://schemas.openxmlformats.org/drawingml/2006/main" xmlns:r="http://schemas.openxmlformats.org/officeDocument/2006/relationships" xmlns:p="http://schemas.openxmlformats.org/presentationml/2006/main">
+  <p:cSld>
+    <p:spTree>
+      <p:nvGrpSpPr>
+        <p:cNvPr id="1" name=""/>
+        <p:cNvGrpSpPr/>
+        <p:nvPr/>
+      </p:nvGrpSpPr>
+      <p:grpSpPr>
+        <a:xfrm>
+          <a:off x="0" y="0"/>
+          <a:ext cx="0" cy="0"/>
+          <a:chOff x="0" y="0"/>
+          <a:chExt cx="0" cy="0"/>
+        </a:xfrm>
+      </p:grpSpPr>
+      <p:sp>
+        <p:nvSpPr>
+          <p:cNvPr id="2" name="제목 1">
+            <a:extLst>
+              <a:ext uri="{FF2B5EF4-FFF2-40B4-BE49-F238E27FC236}">
+                <a16:creationId xmlns:a16="http://schemas.microsoft.com/office/drawing/2014/main" id="{1B2F03EE-71DD-491C-99CC-16E59ED95F65}"/>
+              </a:ext>
+            </a:extLst>
+          </p:cNvPr>
+          <p:cNvSpPr>
+            <a:spLocks noGrp="1"/>
+          </p:cNvSpPr>
+          <p:nvPr>
+            <p:ph type="title"/>
+          </p:nvPr>
+        </p:nvSpPr>
+        <p:spPr>
+          <a:xfrm>
+            <a:off x="1028700" y="651600"/>
+            <a:ext cx="7200900" cy="581025"/>
+          </a:xfrm>
+        </p:spPr>
+        <p:txBody>
+          <a:bodyPr>
+            <a:normAutofit/>
+          </a:bodyPr>
+          <a:lstStyle/>
+          <a:p>
+            <a:r>
+              <a:rPr lang="ko-KR" altLang="en-US" sz="3600" b="1" dirty="0">
+                <a:solidFill>
+                  <a:schemeClr val="tx1">
+                    <a:lumMod val="95000"/>
+                    <a:lumOff val="5000"/>
+                  </a:schemeClr>
+                </a:solidFill>
+                <a:latin typeface="맑은 고딕" panose="020B0503020000020004" pitchFamily="50" charset="-127"/>
+                <a:ea typeface="맑은 고딕" panose="020B0503020000020004" pitchFamily="50" charset="-127"/>
+              </a:rPr>
+              <a:t>보완 사항 및 앞으로 일정</a:t>
+            </a:r>
+            <a:r>
+              <a:rPr lang="en-US" altLang="ko-KR" sz="3600" b="1" dirty="0">
+                <a:solidFill>
+                  <a:schemeClr val="tx1">
+                    <a:lumMod val="95000"/>
+                    <a:lumOff val="5000"/>
+                  </a:schemeClr>
+                </a:solidFill>
+                <a:latin typeface="맑은 고딕" panose="020B0503020000020004" pitchFamily="50" charset="-127"/>
+                <a:ea typeface="맑은 고딕" panose="020B0503020000020004" pitchFamily="50" charset="-127"/>
+              </a:rPr>
+              <a:t>- </a:t>
+            </a:r>
+            <a:r>
+              <a:rPr lang="ko-KR" altLang="en-US" sz="3600" b="1" dirty="0">
+                <a:solidFill>
+                  <a:schemeClr val="tx1">
+                    <a:lumMod val="95000"/>
+                    <a:lumOff val="5000"/>
+                  </a:schemeClr>
+                </a:solidFill>
+                <a:latin typeface="맑은 고딕" panose="020B0503020000020004" pitchFamily="50" charset="-127"/>
+                <a:ea typeface="맑은 고딕" panose="020B0503020000020004" pitchFamily="50" charset="-127"/>
+              </a:rPr>
+              <a:t>이용선</a:t>
+            </a:r>
+          </a:p>
+        </p:txBody>
+      </p:sp>
+      <p:sp>
+        <p:nvSpPr>
+          <p:cNvPr id="5" name="내용 개체 틀 4">
+            <a:extLst>
+              <a:ext uri="{FF2B5EF4-FFF2-40B4-BE49-F238E27FC236}">
+                <a16:creationId xmlns:a16="http://schemas.microsoft.com/office/drawing/2014/main" id="{9FB52D98-533A-47D2-8523-BFFFB3E178F2}"/>
+              </a:ext>
+            </a:extLst>
+          </p:cNvPr>
+          <p:cNvSpPr>
+            <a:spLocks noGrp="1"/>
+          </p:cNvSpPr>
+          <p:nvPr>
+            <p:ph idx="1"/>
+          </p:nvPr>
+        </p:nvSpPr>
+        <p:spPr>
+          <a:xfrm>
+            <a:off x="1028700" y="1828626"/>
+            <a:ext cx="7200900" cy="4377774"/>
+          </a:xfrm>
+        </p:spPr>
+        <p:txBody>
+          <a:bodyPr>
+            <a:normAutofit fontScale="92500" lnSpcReduction="10000"/>
+          </a:bodyPr>
+          <a:lstStyle/>
+          <a:p>
+            <a:pPr marL="457200" indent="-457200">
+              <a:lnSpc>
+                <a:spcPct val="160000"/>
+              </a:lnSpc>
+              <a:buFont typeface="+mj-lt"/>
+              <a:buAutoNum type="alphaUcPeriod"/>
+            </a:pPr>
+            <a:r>
+              <a:rPr lang="ko-KR" altLang="en-US" sz="1950" i="0" dirty="0">
+                <a:solidFill>
+                  <a:schemeClr val="tx1">
+                    <a:lumMod val="95000"/>
+                    <a:lumOff val="5000"/>
+                  </a:schemeClr>
+                </a:solidFill>
+                <a:effectLst>
+                  <a:outerShdw blurRad="38100" dist="38100" dir="2700000" algn="tl">
+                    <a:srgbClr val="000000">
+                      <a:alpha val="43137"/>
+                    </a:srgbClr>
+                  </a:outerShdw>
+                </a:effectLst>
+                <a:latin typeface="맑은 고딕" panose="020B0503020000020004" pitchFamily="50" charset="-127"/>
+                <a:ea typeface="맑은 고딕" panose="020B0503020000020004" pitchFamily="50" charset="-127"/>
+              </a:rPr>
+              <a:t>이펙트</a:t>
+            </a:r>
+            <a:endParaRPr lang="en-US" altLang="ko-KR" sz="1950" i="0" dirty="0">
+              <a:solidFill>
+                <a:schemeClr val="tx1">
+                  <a:lumMod val="95000"/>
+                  <a:lumOff val="5000"/>
+                </a:schemeClr>
+              </a:solidFill>
+              <a:effectLst>
+                <a:outerShdw blurRad="38100" dist="38100" dir="2700000" algn="tl">
+                  <a:srgbClr val="000000">
+                    <a:alpha val="43137"/>
+                  </a:srgbClr>
+                </a:outerShdw>
+              </a:effectLst>
+              <a:latin typeface="맑은 고딕" panose="020B0503020000020004" pitchFamily="50" charset="-127"/>
+              <a:ea typeface="맑은 고딕" panose="020B0503020000020004" pitchFamily="50" charset="-127"/>
+            </a:endParaRPr>
+          </a:p>
+          <a:p>
+            <a:pPr marL="987552" lvl="1" indent="-457200">
+              <a:lnSpc>
+                <a:spcPct val="160000"/>
+              </a:lnSpc>
+              <a:buFont typeface="+mj-lt"/>
+              <a:buAutoNum type="alphaUcPeriod"/>
+            </a:pPr>
+            <a:r>
+              <a:rPr lang="en-US" altLang="ko-KR" sz="1750" dirty="0">
+                <a:solidFill>
+                  <a:schemeClr val="tx1">
+                    <a:lumMod val="95000"/>
+                    <a:lumOff val="5000"/>
+                  </a:schemeClr>
+                </a:solidFill>
+                <a:effectLst>
+                  <a:outerShdw blurRad="38100" dist="38100" dir="2700000" algn="tl">
+                    <a:srgbClr val="000000">
+                      <a:alpha val="43137"/>
+                    </a:srgbClr>
+                  </a:outerShdw>
+                </a:effectLst>
+                <a:latin typeface="맑은 고딕" panose="020B0503020000020004" pitchFamily="50" charset="-127"/>
+                <a:ea typeface="맑은 고딕" panose="020B0503020000020004" pitchFamily="50" charset="-127"/>
+              </a:rPr>
+              <a:t>Die</a:t>
+            </a:r>
+          </a:p>
+          <a:p>
+            <a:pPr marL="987552" lvl="1" indent="-457200">
+              <a:lnSpc>
+                <a:spcPct val="160000"/>
+              </a:lnSpc>
+              <a:buFont typeface="+mj-lt"/>
+              <a:buAutoNum type="alphaUcPeriod"/>
+            </a:pPr>
+            <a:r>
+              <a:rPr lang="en-US" altLang="ko-KR" sz="1750" dirty="0">
+                <a:solidFill>
+                  <a:schemeClr val="tx1">
+                    <a:lumMod val="95000"/>
+                    <a:lumOff val="5000"/>
+                  </a:schemeClr>
+                </a:solidFill>
+                <a:effectLst>
+                  <a:outerShdw blurRad="38100" dist="38100" dir="2700000" algn="tl">
+                    <a:srgbClr val="000000">
+                      <a:alpha val="43137"/>
+                    </a:srgbClr>
+                  </a:outerShdw>
+                </a:effectLst>
+                <a:latin typeface="맑은 고딕" panose="020B0503020000020004" pitchFamily="50" charset="-127"/>
+                <a:ea typeface="맑은 고딕" panose="020B0503020000020004" pitchFamily="50" charset="-127"/>
+              </a:rPr>
+              <a:t>Kill</a:t>
+            </a:r>
+          </a:p>
+          <a:p>
+            <a:pPr marL="987552" lvl="1" indent="-457200">
+              <a:lnSpc>
+                <a:spcPct val="160000"/>
+              </a:lnSpc>
+              <a:buFont typeface="+mj-lt"/>
+              <a:buAutoNum type="alphaUcPeriod"/>
+            </a:pPr>
+            <a:r>
+              <a:rPr lang="en-US" altLang="ko-KR" sz="1750" dirty="0">
+                <a:solidFill>
+                  <a:schemeClr val="tx1">
+                    <a:lumMod val="95000"/>
+                    <a:lumOff val="5000"/>
+                  </a:schemeClr>
+                </a:solidFill>
+                <a:effectLst>
+                  <a:outerShdw blurRad="38100" dist="38100" dir="2700000" algn="tl">
+                    <a:srgbClr val="000000">
+                      <a:alpha val="43137"/>
+                    </a:srgbClr>
+                  </a:outerShdw>
+                </a:effectLst>
+                <a:latin typeface="맑은 고딕" panose="020B0503020000020004" pitchFamily="50" charset="-127"/>
+                <a:ea typeface="맑은 고딕" panose="020B0503020000020004" pitchFamily="50" charset="-127"/>
+              </a:rPr>
+              <a:t>Win</a:t>
+            </a:r>
+          </a:p>
+          <a:p>
+            <a:pPr marL="987552" lvl="1" indent="-457200">
+              <a:lnSpc>
+                <a:spcPct val="160000"/>
+              </a:lnSpc>
+              <a:buFont typeface="+mj-lt"/>
+              <a:buAutoNum type="alphaUcPeriod"/>
+            </a:pPr>
+            <a:r>
+              <a:rPr lang="en-US" altLang="ko-KR" sz="1750" dirty="0">
+                <a:solidFill>
+                  <a:schemeClr val="tx1">
+                    <a:lumMod val="95000"/>
+                    <a:lumOff val="5000"/>
+                  </a:schemeClr>
+                </a:solidFill>
+                <a:effectLst>
+                  <a:outerShdw blurRad="38100" dist="38100" dir="2700000" algn="tl">
+                    <a:srgbClr val="000000">
+                      <a:alpha val="43137"/>
+                    </a:srgbClr>
+                  </a:outerShdw>
+                </a:effectLst>
+                <a:latin typeface="맑은 고딕" panose="020B0503020000020004" pitchFamily="50" charset="-127"/>
+                <a:ea typeface="맑은 고딕" panose="020B0503020000020004" pitchFamily="50" charset="-127"/>
+              </a:rPr>
+              <a:t>Lose</a:t>
+            </a:r>
+          </a:p>
+          <a:p>
+            <a:pPr marL="987552" lvl="1" indent="-457200">
+              <a:lnSpc>
+                <a:spcPct val="160000"/>
+              </a:lnSpc>
+              <a:buFont typeface="+mj-lt"/>
+              <a:buAutoNum type="alphaUcPeriod"/>
+            </a:pPr>
+            <a:r>
+              <a:rPr lang="ko-KR" altLang="en-US" sz="1750" dirty="0">
+                <a:solidFill>
+                  <a:schemeClr val="tx1">
+                    <a:lumMod val="95000"/>
+                    <a:lumOff val="5000"/>
+                  </a:schemeClr>
+                </a:solidFill>
+                <a:effectLst>
+                  <a:outerShdw blurRad="38100" dist="38100" dir="2700000" algn="tl">
+                    <a:srgbClr val="000000">
+                      <a:alpha val="43137"/>
+                    </a:srgbClr>
+                  </a:outerShdw>
+                </a:effectLst>
+                <a:latin typeface="맑은 고딕" panose="020B0503020000020004" pitchFamily="50" charset="-127"/>
+                <a:ea typeface="맑은 고딕" panose="020B0503020000020004" pitchFamily="50" charset="-127"/>
+              </a:rPr>
+              <a:t>특성 사용시 반짝이</a:t>
+            </a:r>
+            <a:endParaRPr lang="en-US" altLang="ko-KR" sz="1750" dirty="0">
+              <a:solidFill>
+                <a:schemeClr val="tx1">
+                  <a:lumMod val="95000"/>
+                  <a:lumOff val="5000"/>
+                </a:schemeClr>
+              </a:solidFill>
+              <a:effectLst>
+                <a:outerShdw blurRad="38100" dist="38100" dir="2700000" algn="tl">
+                  <a:srgbClr val="000000">
+                    <a:alpha val="43137"/>
+                  </a:srgbClr>
+                </a:outerShdw>
+              </a:effectLst>
+              <a:latin typeface="맑은 고딕" panose="020B0503020000020004" pitchFamily="50" charset="-127"/>
+              <a:ea typeface="맑은 고딕" panose="020B0503020000020004" pitchFamily="50" charset="-127"/>
+            </a:endParaRPr>
+          </a:p>
+          <a:p>
+            <a:pPr marL="457200" indent="-457200">
+              <a:lnSpc>
+                <a:spcPct val="160000"/>
+              </a:lnSpc>
+              <a:buFont typeface="+mj-lt"/>
+              <a:buAutoNum type="alphaUcPeriod"/>
+            </a:pPr>
+            <a:r>
+              <a:rPr lang="ko-KR" altLang="en-US" sz="1750" dirty="0">
+                <a:solidFill>
+                  <a:schemeClr val="tx1">
+                    <a:lumMod val="95000"/>
+                    <a:lumOff val="5000"/>
+                  </a:schemeClr>
+                </a:solidFill>
+                <a:effectLst>
+                  <a:outerShdw blurRad="38100" dist="38100" dir="2700000" algn="tl">
+                    <a:srgbClr val="000000">
+                      <a:alpha val="43137"/>
+                    </a:srgbClr>
+                  </a:outerShdw>
+                </a:effectLst>
+                <a:latin typeface="맑은 고딕" panose="020B0503020000020004" pitchFamily="50" charset="-127"/>
+                <a:ea typeface="맑은 고딕" panose="020B0503020000020004" pitchFamily="50" charset="-127"/>
+              </a:rPr>
+              <a:t>사운드</a:t>
+            </a:r>
+            <a:endParaRPr lang="en-US" altLang="ko-KR" sz="1750" dirty="0">
+              <a:solidFill>
+                <a:schemeClr val="tx1">
+                  <a:lumMod val="95000"/>
+                  <a:lumOff val="5000"/>
+                </a:schemeClr>
+              </a:solidFill>
+              <a:effectLst>
+                <a:outerShdw blurRad="38100" dist="38100" dir="2700000" algn="tl">
+                  <a:srgbClr val="000000">
+                    <a:alpha val="43137"/>
+                  </a:srgbClr>
+                </a:outerShdw>
+              </a:effectLst>
+              <a:latin typeface="맑은 고딕" panose="020B0503020000020004" pitchFamily="50" charset="-127"/>
+              <a:ea typeface="맑은 고딕" panose="020B0503020000020004" pitchFamily="50" charset="-127"/>
+            </a:endParaRPr>
+          </a:p>
+          <a:p>
+            <a:pPr marL="987552" lvl="1" indent="-457200">
+              <a:lnSpc>
+                <a:spcPct val="160000"/>
+              </a:lnSpc>
+              <a:buFont typeface="+mj-lt"/>
+              <a:buAutoNum type="alphaUcPeriod"/>
+            </a:pPr>
+            <a:r>
+              <a:rPr lang="en-US" altLang="ko-KR" sz="1750" dirty="0">
+                <a:solidFill>
+                  <a:schemeClr val="tx1">
+                    <a:lumMod val="95000"/>
+                    <a:lumOff val="5000"/>
+                  </a:schemeClr>
+                </a:solidFill>
+                <a:effectLst>
+                  <a:outerShdw blurRad="38100" dist="38100" dir="2700000" algn="tl">
+                    <a:srgbClr val="000000">
+                      <a:alpha val="43137"/>
+                    </a:srgbClr>
+                  </a:outerShdw>
+                </a:effectLst>
+                <a:latin typeface="맑은 고딕" panose="020B0503020000020004" pitchFamily="50" charset="-127"/>
+                <a:ea typeface="맑은 고딕" panose="020B0503020000020004" pitchFamily="50" charset="-127"/>
+              </a:rPr>
+              <a:t>WIN</a:t>
+            </a:r>
+          </a:p>
+          <a:p>
+            <a:pPr marL="987552" lvl="1" indent="-457200">
+              <a:lnSpc>
+                <a:spcPct val="160000"/>
+              </a:lnSpc>
+              <a:buFont typeface="+mj-lt"/>
+              <a:buAutoNum type="alphaUcPeriod"/>
+            </a:pPr>
+            <a:r>
+              <a:rPr lang="en-US" altLang="ko-KR" sz="1750" dirty="0">
+                <a:solidFill>
+                  <a:schemeClr val="tx1">
+                    <a:lumMod val="95000"/>
+                    <a:lumOff val="5000"/>
+                  </a:schemeClr>
+                </a:solidFill>
+                <a:effectLst>
+                  <a:outerShdw blurRad="38100" dist="38100" dir="2700000" algn="tl">
+                    <a:srgbClr val="000000">
+                      <a:alpha val="43137"/>
+                    </a:srgbClr>
+                  </a:outerShdw>
+                </a:effectLst>
+                <a:latin typeface="맑은 고딕" panose="020B0503020000020004" pitchFamily="50" charset="-127"/>
+                <a:ea typeface="맑은 고딕" panose="020B0503020000020004" pitchFamily="50" charset="-127"/>
+              </a:rPr>
+              <a:t>Lose</a:t>
+            </a:r>
+          </a:p>
+          <a:p>
+            <a:pPr marL="987552" lvl="1" indent="-457200">
+              <a:lnSpc>
+                <a:spcPct val="160000"/>
+              </a:lnSpc>
+              <a:buFont typeface="+mj-lt"/>
+              <a:buAutoNum type="alphaUcPeriod"/>
+            </a:pPr>
+            <a:endParaRPr lang="en-US" altLang="ko-KR" sz="1750" dirty="0">
+              <a:solidFill>
+                <a:schemeClr val="tx1">
+                  <a:lumMod val="95000"/>
+                  <a:lumOff val="5000"/>
+                </a:schemeClr>
+              </a:solidFill>
+              <a:effectLst>
+                <a:outerShdw blurRad="38100" dist="38100" dir="2700000" algn="tl">
+                  <a:srgbClr val="000000">
+                    <a:alpha val="43137"/>
+                  </a:srgbClr>
+                </a:outerShdw>
+              </a:effectLst>
+              <a:latin typeface="맑은 고딕" panose="020B0503020000020004" pitchFamily="50" charset="-127"/>
+              <a:ea typeface="맑은 고딕" panose="020B0503020000020004" pitchFamily="50" charset="-127"/>
+            </a:endParaRPr>
+          </a:p>
+        </p:txBody>
+      </p:sp>
+      <p:sp>
+        <p:nvSpPr>
+          <p:cNvPr id="3" name="슬라이드 번호 개체 틀 2">
+            <a:extLst>
+              <a:ext uri="{FF2B5EF4-FFF2-40B4-BE49-F238E27FC236}">
+                <a16:creationId xmlns:a16="http://schemas.microsoft.com/office/drawing/2014/main" id="{36392628-7DF0-4B14-92FD-A5D98527D503}"/>
+              </a:ext>
+            </a:extLst>
+          </p:cNvPr>
+          <p:cNvSpPr>
+            <a:spLocks noGrp="1"/>
+          </p:cNvSpPr>
+          <p:nvPr>
+            <p:ph type="sldNum" sz="quarter" idx="12"/>
+          </p:nvPr>
+        </p:nvSpPr>
+        <p:spPr>
+          <a:xfrm>
+            <a:off x="7106400" y="6454800"/>
+            <a:ext cx="1198800" cy="403200"/>
+          </a:xfrm>
+        </p:spPr>
+        <p:txBody>
+          <a:bodyPr/>
+          <a:lstStyle/>
+          <a:p>
+            <a:fld id="{69E57DC2-970A-4B3E-BB1C-7A09969E49DF}" type="slidenum">
+              <a:rPr lang="en-US" smtClean="0"/>
+              <a:t>19</a:t>
+            </a:fld>
+            <a:endParaRPr lang="en-US" dirty="0"/>
+          </a:p>
+        </p:txBody>
+      </p:sp>
+    </p:spTree>
+    <p:extLst>
+      <p:ext uri="{BB962C8B-B14F-4D97-AF65-F5344CB8AC3E}">
+        <p14:creationId xmlns:p14="http://schemas.microsoft.com/office/powerpoint/2010/main" val="3525948274"/>
       </p:ext>
     </p:extLst>
   </p:cSld>
@@ -22613,6 +23466,403 @@
     <p:extLst>
       <p:ext uri="{BB962C8B-B14F-4D97-AF65-F5344CB8AC3E}">
         <p14:creationId xmlns:p14="http://schemas.microsoft.com/office/powerpoint/2010/main" val="4122333093"/>
+      </p:ext>
+    </p:extLst>
+  </p:cSld>
+  <p:clrMapOvr>
+    <a:masterClrMapping/>
+  </p:clrMapOvr>
+</p:sld>
+</file>
+
+<file path=ppt/slides/slide20.xml><?xml version="1.0" encoding="utf-8"?>
+<p:sld xmlns:a="http://schemas.openxmlformats.org/drawingml/2006/main" xmlns:r="http://schemas.openxmlformats.org/officeDocument/2006/relationships" xmlns:p="http://schemas.openxmlformats.org/presentationml/2006/main">
+  <p:cSld>
+    <p:spTree>
+      <p:nvGrpSpPr>
+        <p:cNvPr id="1" name=""/>
+        <p:cNvGrpSpPr/>
+        <p:nvPr/>
+      </p:nvGrpSpPr>
+      <p:grpSpPr>
+        <a:xfrm>
+          <a:off x="0" y="0"/>
+          <a:ext cx="0" cy="0"/>
+          <a:chOff x="0" y="0"/>
+          <a:chExt cx="0" cy="0"/>
+        </a:xfrm>
+      </p:grpSpPr>
+      <p:sp>
+        <p:nvSpPr>
+          <p:cNvPr id="2" name="제목 1">
+            <a:extLst>
+              <a:ext uri="{FF2B5EF4-FFF2-40B4-BE49-F238E27FC236}">
+                <a16:creationId xmlns:a16="http://schemas.microsoft.com/office/drawing/2014/main" id="{1B2F03EE-71DD-491C-99CC-16E59ED95F65}"/>
+              </a:ext>
+            </a:extLst>
+          </p:cNvPr>
+          <p:cNvSpPr>
+            <a:spLocks noGrp="1"/>
+          </p:cNvSpPr>
+          <p:nvPr>
+            <p:ph type="title"/>
+          </p:nvPr>
+        </p:nvSpPr>
+        <p:spPr>
+          <a:xfrm>
+            <a:off x="1028700" y="651600"/>
+            <a:ext cx="7200900" cy="581025"/>
+          </a:xfrm>
+        </p:spPr>
+        <p:txBody>
+          <a:bodyPr>
+            <a:normAutofit/>
+          </a:bodyPr>
+          <a:lstStyle/>
+          <a:p>
+            <a:r>
+              <a:rPr lang="ko-KR" altLang="en-US" sz="3600" b="1" dirty="0">
+                <a:solidFill>
+                  <a:schemeClr val="tx1">
+                    <a:lumMod val="95000"/>
+                    <a:lumOff val="5000"/>
+                  </a:schemeClr>
+                </a:solidFill>
+                <a:latin typeface="맑은 고딕" panose="020B0503020000020004" pitchFamily="50" charset="-127"/>
+                <a:ea typeface="맑은 고딕" panose="020B0503020000020004" pitchFamily="50" charset="-127"/>
+              </a:rPr>
+              <a:t>보완 사항 및 앞으로 일정</a:t>
+            </a:r>
+            <a:r>
+              <a:rPr lang="en-US" altLang="ko-KR" sz="3600" b="1" dirty="0">
+                <a:solidFill>
+                  <a:schemeClr val="tx1">
+                    <a:lumMod val="95000"/>
+                    <a:lumOff val="5000"/>
+                  </a:schemeClr>
+                </a:solidFill>
+                <a:latin typeface="맑은 고딕" panose="020B0503020000020004" pitchFamily="50" charset="-127"/>
+                <a:ea typeface="맑은 고딕" panose="020B0503020000020004" pitchFamily="50" charset="-127"/>
+              </a:rPr>
+              <a:t>- </a:t>
+            </a:r>
+            <a:r>
+              <a:rPr lang="ko-KR" altLang="en-US" sz="3600" b="1" dirty="0" err="1">
+                <a:solidFill>
+                  <a:schemeClr val="tx1">
+                    <a:lumMod val="95000"/>
+                    <a:lumOff val="5000"/>
+                  </a:schemeClr>
+                </a:solidFill>
+                <a:latin typeface="맑은 고딕" panose="020B0503020000020004" pitchFamily="50" charset="-127"/>
+                <a:ea typeface="맑은 고딕" panose="020B0503020000020004" pitchFamily="50" charset="-127"/>
+              </a:rPr>
+              <a:t>김선필</a:t>
+            </a:r>
+            <a:endParaRPr lang="ko-KR" altLang="en-US" sz="3600" b="1" dirty="0">
+              <a:solidFill>
+                <a:schemeClr val="tx1">
+                  <a:lumMod val="95000"/>
+                  <a:lumOff val="5000"/>
+                </a:schemeClr>
+              </a:solidFill>
+              <a:latin typeface="맑은 고딕" panose="020B0503020000020004" pitchFamily="50" charset="-127"/>
+              <a:ea typeface="맑은 고딕" panose="020B0503020000020004" pitchFamily="50" charset="-127"/>
+            </a:endParaRPr>
+          </a:p>
+        </p:txBody>
+      </p:sp>
+      <p:sp>
+        <p:nvSpPr>
+          <p:cNvPr id="5" name="내용 개체 틀 4">
+            <a:extLst>
+              <a:ext uri="{FF2B5EF4-FFF2-40B4-BE49-F238E27FC236}">
+                <a16:creationId xmlns:a16="http://schemas.microsoft.com/office/drawing/2014/main" id="{9FB52D98-533A-47D2-8523-BFFFB3E178F2}"/>
+              </a:ext>
+            </a:extLst>
+          </p:cNvPr>
+          <p:cNvSpPr>
+            <a:spLocks noGrp="1"/>
+          </p:cNvSpPr>
+          <p:nvPr>
+            <p:ph idx="1"/>
+          </p:nvPr>
+        </p:nvSpPr>
+        <p:spPr>
+          <a:xfrm>
+            <a:off x="1028700" y="1828626"/>
+            <a:ext cx="7200900" cy="4377774"/>
+          </a:xfrm>
+        </p:spPr>
+        <p:txBody>
+          <a:bodyPr>
+            <a:normAutofit/>
+          </a:bodyPr>
+          <a:lstStyle/>
+          <a:p>
+            <a:pPr marL="457200" indent="-457200">
+              <a:lnSpc>
+                <a:spcPct val="160000"/>
+              </a:lnSpc>
+              <a:buFont typeface="+mj-lt"/>
+              <a:buAutoNum type="alphaUcPeriod"/>
+            </a:pPr>
+            <a:r>
+              <a:rPr lang="ko-KR" altLang="en-US" sz="2300" i="0" dirty="0">
+                <a:solidFill>
+                  <a:schemeClr val="tx1">
+                    <a:lumMod val="95000"/>
+                    <a:lumOff val="5000"/>
+                  </a:schemeClr>
+                </a:solidFill>
+                <a:effectLst>
+                  <a:outerShdw blurRad="38100" dist="38100" dir="2700000" algn="tl">
+                    <a:srgbClr val="000000">
+                      <a:alpha val="43137"/>
+                    </a:srgbClr>
+                  </a:outerShdw>
+                </a:effectLst>
+                <a:latin typeface="맑은 고딕" panose="020B0503020000020004" pitchFamily="50" charset="-127"/>
+                <a:ea typeface="맑은 고딕" panose="020B0503020000020004" pitchFamily="50" charset="-127"/>
+              </a:rPr>
+              <a:t>로비 서버 </a:t>
+            </a:r>
+            <a:r>
+              <a:rPr lang="en-US" altLang="ko-KR" sz="2300" i="0" dirty="0">
+                <a:solidFill>
+                  <a:schemeClr val="tx1">
+                    <a:lumMod val="95000"/>
+                    <a:lumOff val="5000"/>
+                  </a:schemeClr>
+                </a:solidFill>
+                <a:effectLst>
+                  <a:outerShdw blurRad="38100" dist="38100" dir="2700000" algn="tl">
+                    <a:srgbClr val="000000">
+                      <a:alpha val="43137"/>
+                    </a:srgbClr>
+                  </a:outerShdw>
+                </a:effectLst>
+                <a:latin typeface="맑은 고딕" panose="020B0503020000020004" pitchFamily="50" charset="-127"/>
+                <a:ea typeface="맑은 고딕" panose="020B0503020000020004" pitchFamily="50" charset="-127"/>
+              </a:rPr>
+              <a:t>/ </a:t>
+            </a:r>
+            <a:r>
+              <a:rPr lang="ko-KR" altLang="en-US" sz="2300" i="0" dirty="0">
+                <a:solidFill>
+                  <a:schemeClr val="tx1">
+                    <a:lumMod val="95000"/>
+                    <a:lumOff val="5000"/>
+                  </a:schemeClr>
+                </a:solidFill>
+                <a:effectLst>
+                  <a:outerShdw blurRad="38100" dist="38100" dir="2700000" algn="tl">
+                    <a:srgbClr val="000000">
+                      <a:alpha val="43137"/>
+                    </a:srgbClr>
+                  </a:outerShdw>
+                </a:effectLst>
+                <a:latin typeface="맑은 고딕" panose="020B0503020000020004" pitchFamily="50" charset="-127"/>
+                <a:ea typeface="맑은 고딕" panose="020B0503020000020004" pitchFamily="50" charset="-127"/>
+              </a:rPr>
+              <a:t>방 </a:t>
+            </a:r>
+            <a:r>
+              <a:rPr lang="ko-KR" altLang="en-US" sz="2300" i="0" dirty="0" err="1">
+                <a:solidFill>
+                  <a:schemeClr val="tx1">
+                    <a:lumMod val="95000"/>
+                    <a:lumOff val="5000"/>
+                  </a:schemeClr>
+                </a:solidFill>
+                <a:effectLst>
+                  <a:outerShdw blurRad="38100" dist="38100" dir="2700000" algn="tl">
+                    <a:srgbClr val="000000">
+                      <a:alpha val="43137"/>
+                    </a:srgbClr>
+                  </a:outerShdw>
+                </a:effectLst>
+                <a:latin typeface="맑은 고딕" panose="020B0503020000020004" pitchFamily="50" charset="-127"/>
+                <a:ea typeface="맑은 고딕" panose="020B0503020000020004" pitchFamily="50" charset="-127"/>
+              </a:rPr>
+              <a:t>만드는거</a:t>
+            </a:r>
+            <a:endParaRPr lang="en-US" altLang="ko-KR" sz="2300" dirty="0">
+              <a:solidFill>
+                <a:schemeClr val="tx1">
+                  <a:lumMod val="95000"/>
+                  <a:lumOff val="5000"/>
+                </a:schemeClr>
+              </a:solidFill>
+              <a:effectLst>
+                <a:outerShdw blurRad="38100" dist="38100" dir="2700000" algn="tl">
+                  <a:srgbClr val="000000">
+                    <a:alpha val="43137"/>
+                  </a:srgbClr>
+                </a:outerShdw>
+              </a:effectLst>
+              <a:latin typeface="맑은 고딕" panose="020B0503020000020004" pitchFamily="50" charset="-127"/>
+              <a:ea typeface="맑은 고딕" panose="020B0503020000020004" pitchFamily="50" charset="-127"/>
+            </a:endParaRPr>
+          </a:p>
+          <a:p>
+            <a:pPr marL="457200" indent="-457200">
+              <a:lnSpc>
+                <a:spcPct val="160000"/>
+              </a:lnSpc>
+              <a:buFont typeface="+mj-lt"/>
+              <a:buAutoNum type="alphaUcPeriod"/>
+            </a:pPr>
+            <a:r>
+              <a:rPr lang="ko-KR" altLang="en-US" sz="2300" i="0" dirty="0">
+                <a:solidFill>
+                  <a:schemeClr val="tx1">
+                    <a:lumMod val="95000"/>
+                    <a:lumOff val="5000"/>
+                  </a:schemeClr>
+                </a:solidFill>
+                <a:effectLst>
+                  <a:outerShdw blurRad="38100" dist="38100" dir="2700000" algn="tl">
+                    <a:srgbClr val="000000">
+                      <a:alpha val="43137"/>
+                    </a:srgbClr>
+                  </a:outerShdw>
+                </a:effectLst>
+                <a:latin typeface="맑은 고딕" panose="020B0503020000020004" pitchFamily="50" charset="-127"/>
+                <a:ea typeface="맑은 고딕" panose="020B0503020000020004" pitchFamily="50" charset="-127"/>
+              </a:rPr>
+              <a:t>기능 추가되는 것마다 서버와 동기화</a:t>
+            </a:r>
+            <a:endParaRPr lang="en-US" altLang="ko-KR" sz="2300" i="0" dirty="0">
+              <a:solidFill>
+                <a:schemeClr val="tx1">
+                  <a:lumMod val="95000"/>
+                  <a:lumOff val="5000"/>
+                </a:schemeClr>
+              </a:solidFill>
+              <a:effectLst>
+                <a:outerShdw blurRad="38100" dist="38100" dir="2700000" algn="tl">
+                  <a:srgbClr val="000000">
+                    <a:alpha val="43137"/>
+                  </a:srgbClr>
+                </a:outerShdw>
+              </a:effectLst>
+              <a:latin typeface="맑은 고딕" panose="020B0503020000020004" pitchFamily="50" charset="-127"/>
+              <a:ea typeface="맑은 고딕" panose="020B0503020000020004" pitchFamily="50" charset="-127"/>
+            </a:endParaRPr>
+          </a:p>
+          <a:p>
+            <a:pPr marL="457200" indent="-457200">
+              <a:lnSpc>
+                <a:spcPct val="160000"/>
+              </a:lnSpc>
+              <a:buFont typeface="+mj-lt"/>
+              <a:buAutoNum type="alphaUcPeriod"/>
+            </a:pPr>
+            <a:r>
+              <a:rPr lang="ko-KR" altLang="en-US" sz="2300" dirty="0">
+                <a:solidFill>
+                  <a:schemeClr val="tx1">
+                    <a:lumMod val="95000"/>
+                    <a:lumOff val="5000"/>
+                  </a:schemeClr>
+                </a:solidFill>
+                <a:effectLst>
+                  <a:outerShdw blurRad="38100" dist="38100" dir="2700000" algn="tl">
+                    <a:srgbClr val="000000">
+                      <a:alpha val="43137"/>
+                    </a:srgbClr>
+                  </a:outerShdw>
+                </a:effectLst>
+                <a:latin typeface="맑은 고딕" panose="020B0503020000020004" pitchFamily="50" charset="-127"/>
+                <a:ea typeface="맑은 고딕" panose="020B0503020000020004" pitchFamily="50" charset="-127"/>
+              </a:rPr>
+              <a:t>로그인</a:t>
+            </a:r>
+            <a:endParaRPr lang="en-US" altLang="ko-KR" sz="2300" dirty="0">
+              <a:solidFill>
+                <a:schemeClr val="tx1">
+                  <a:lumMod val="95000"/>
+                  <a:lumOff val="5000"/>
+                </a:schemeClr>
+              </a:solidFill>
+              <a:effectLst>
+                <a:outerShdw blurRad="38100" dist="38100" dir="2700000" algn="tl">
+                  <a:srgbClr val="000000">
+                    <a:alpha val="43137"/>
+                  </a:srgbClr>
+                </a:outerShdw>
+              </a:effectLst>
+              <a:latin typeface="맑은 고딕" panose="020B0503020000020004" pitchFamily="50" charset="-127"/>
+              <a:ea typeface="맑은 고딕" panose="020B0503020000020004" pitchFamily="50" charset="-127"/>
+            </a:endParaRPr>
+          </a:p>
+          <a:p>
+            <a:pPr marL="457200" indent="-457200">
+              <a:lnSpc>
+                <a:spcPct val="160000"/>
+              </a:lnSpc>
+              <a:buFont typeface="+mj-lt"/>
+              <a:buAutoNum type="alphaUcPeriod"/>
+            </a:pPr>
+            <a:endParaRPr lang="en-US" altLang="ko-KR" sz="1950" i="0" dirty="0">
+              <a:solidFill>
+                <a:schemeClr val="tx1">
+                  <a:lumMod val="95000"/>
+                  <a:lumOff val="5000"/>
+                </a:schemeClr>
+              </a:solidFill>
+              <a:effectLst>
+                <a:outerShdw blurRad="38100" dist="38100" dir="2700000" algn="tl">
+                  <a:srgbClr val="000000">
+                    <a:alpha val="43137"/>
+                  </a:srgbClr>
+                </a:outerShdw>
+              </a:effectLst>
+              <a:latin typeface="맑은 고딕" panose="020B0503020000020004" pitchFamily="50" charset="-127"/>
+              <a:ea typeface="맑은 고딕" panose="020B0503020000020004" pitchFamily="50" charset="-127"/>
+            </a:endParaRPr>
+          </a:p>
+        </p:txBody>
+      </p:sp>
+      <p:sp>
+        <p:nvSpPr>
+          <p:cNvPr id="3" name="슬라이드 번호 개체 틀 2">
+            <a:extLst>
+              <a:ext uri="{FF2B5EF4-FFF2-40B4-BE49-F238E27FC236}">
+                <a16:creationId xmlns:a16="http://schemas.microsoft.com/office/drawing/2014/main" id="{36392628-7DF0-4B14-92FD-A5D98527D503}"/>
+              </a:ext>
+            </a:extLst>
+          </p:cNvPr>
+          <p:cNvSpPr>
+            <a:spLocks noGrp="1"/>
+          </p:cNvSpPr>
+          <p:nvPr>
+            <p:ph type="sldNum" sz="quarter" idx="12"/>
+          </p:nvPr>
+        </p:nvSpPr>
+        <p:spPr>
+          <a:xfrm>
+            <a:off x="7106400" y="6454800"/>
+            <a:ext cx="1198800" cy="403200"/>
+          </a:xfrm>
+        </p:spPr>
+        <p:txBody>
+          <a:bodyPr/>
+          <a:lstStyle/>
+          <a:p>
+            <a:fld id="{69E57DC2-970A-4B3E-BB1C-7A09969E49DF}" type="slidenum">
+              <a:rPr lang="en-US" smtClean="0"/>
+              <a:t>20</a:t>
+            </a:fld>
+            <a:endParaRPr lang="en-US" dirty="0"/>
+          </a:p>
+        </p:txBody>
+      </p:sp>
+    </p:spTree>
+    <p:extLst>
+      <p:ext uri="{BB962C8B-B14F-4D97-AF65-F5344CB8AC3E}">
+        <p14:creationId xmlns:p14="http://schemas.microsoft.com/office/powerpoint/2010/main" val="2504229255"/>
       </p:ext>
     </p:extLst>
   </p:cSld>

--- a/진행사항.pptx
+++ b/진행사항.pptx
@@ -227,7 +227,7 @@
           <a:p>
             <a:fld id="{174CF4B6-C8D6-438C-8B7D-E8AF3EC6F65B}" type="datetimeFigureOut">
               <a:rPr lang="ko-KR" altLang="en-US" smtClean="0"/>
-              <a:t>2018-08-17</a:t>
+              <a:t>2018-08-22</a:t>
             </a:fld>
             <a:endParaRPr lang="ko-KR" altLang="en-US"/>
           </a:p>
@@ -663,7 +663,7 @@
           <a:p>
             <a:fld id="{997C0C2C-FB57-479D-BE7F-6EC34BF7043C}" type="datetime1">
               <a:rPr lang="en-US" altLang="ko-KR" smtClean="0"/>
-              <a:t>8/17/2018</a:t>
+              <a:t>8/22/2018</a:t>
             </a:fld>
             <a:endParaRPr lang="en-US" dirty="0"/>
           </a:p>
@@ -994,7 +994,7 @@
           <a:p>
             <a:fld id="{047308E6-C353-4980-BC35-3BA553F61D46}" type="datetime1">
               <a:rPr lang="en-US" altLang="ko-KR" smtClean="0"/>
-              <a:t>8/17/2018</a:t>
+              <a:t>8/22/2018</a:t>
             </a:fld>
             <a:endParaRPr lang="en-US" dirty="0"/>
           </a:p>
@@ -1174,7 +1174,7 @@
           <a:p>
             <a:fld id="{925E33ED-602B-46D4-AC4E-A3EC8D1FE08B}" type="datetime1">
               <a:rPr lang="en-US" altLang="ko-KR" smtClean="0"/>
-              <a:t>8/17/2018</a:t>
+              <a:t>8/22/2018</a:t>
             </a:fld>
             <a:endParaRPr lang="en-US" dirty="0"/>
           </a:p>
@@ -1344,7 +1344,7 @@
           <a:p>
             <a:fld id="{CDCA6F40-FDE7-4477-94C1-42AFCA093BA3}" type="datetime1">
               <a:rPr lang="en-US" altLang="ko-KR" smtClean="0"/>
-              <a:t>8/17/2018</a:t>
+              <a:t>8/22/2018</a:t>
             </a:fld>
             <a:endParaRPr lang="en-US" dirty="0"/>
           </a:p>
@@ -1622,7 +1622,7 @@
           <a:p>
             <a:fld id="{E5AD4DDD-EA1C-4615-97C2-D68EC457B4CF}" type="datetime1">
               <a:rPr lang="en-US" altLang="ko-KR" smtClean="0"/>
-              <a:t>8/17/2018</a:t>
+              <a:t>8/22/2018</a:t>
             </a:fld>
             <a:endParaRPr lang="en-US" dirty="0"/>
           </a:p>
@@ -2073,7 +2073,7 @@
           <a:p>
             <a:fld id="{CA0F03C5-1E3C-44BE-9E2F-087D284D2C5D}" type="datetime1">
               <a:rPr lang="en-US" altLang="ko-KR" smtClean="0"/>
-              <a:t>8/17/2018</a:t>
+              <a:t>8/22/2018</a:t>
             </a:fld>
             <a:endParaRPr lang="en-US" dirty="0"/>
           </a:p>
@@ -2550,7 +2550,7 @@
           <a:p>
             <a:fld id="{23CB4308-201A-4967-870E-1ACB91AA6D8E}" type="datetime1">
               <a:rPr lang="en-US" altLang="ko-KR" smtClean="0"/>
-              <a:t>8/17/2018</a:t>
+              <a:t>8/22/2018</a:t>
             </a:fld>
             <a:endParaRPr lang="en-US" dirty="0"/>
           </a:p>
@@ -2668,7 +2668,7 @@
           <a:p>
             <a:fld id="{2AE391EA-DA61-4C24-8C9E-58C8105C0CDC}" type="datetime1">
               <a:rPr lang="en-US" altLang="ko-KR" smtClean="0"/>
-              <a:t>8/17/2018</a:t>
+              <a:t>8/22/2018</a:t>
             </a:fld>
             <a:endParaRPr lang="en-US" dirty="0"/>
           </a:p>
@@ -2763,7 +2763,7 @@
           <a:p>
             <a:fld id="{14CF23BC-FE77-4485-B606-6CBA74C5D36E}" type="datetime1">
               <a:rPr lang="en-US" altLang="ko-KR" smtClean="0"/>
-              <a:t>8/17/2018</a:t>
+              <a:t>8/22/2018</a:t>
             </a:fld>
             <a:endParaRPr lang="en-US" dirty="0"/>
           </a:p>
@@ -3111,7 +3111,7 @@
           <a:p>
             <a:fld id="{808D6C14-1859-4DDA-AD38-00DE62AE1826}" type="datetime1">
               <a:rPr lang="en-US" altLang="ko-KR" smtClean="0"/>
-              <a:t>8/17/2018</a:t>
+              <a:t>8/22/2018</a:t>
             </a:fld>
             <a:endParaRPr lang="en-US" dirty="0"/>
           </a:p>
@@ -3540,7 +3540,7 @@
           <a:p>
             <a:fld id="{AE734E95-C037-429B-8B5F-D0FAB25DE16C}" type="datetime1">
               <a:rPr lang="en-US" altLang="ko-KR" smtClean="0"/>
-              <a:t>8/17/2018</a:t>
+              <a:t>8/22/2018</a:t>
             </a:fld>
             <a:endParaRPr lang="en-US" dirty="0"/>
           </a:p>
@@ -3857,7 +3857,7 @@
           <a:p>
             <a:fld id="{E0770D22-4CCF-46DD-9D25-F19CC4764808}" type="datetime1">
               <a:rPr lang="en-US" altLang="ko-KR" smtClean="0"/>
-              <a:t>8/17/2018</a:t>
+              <a:t>8/22/2018</a:t>
             </a:fld>
             <a:endParaRPr lang="en-US" dirty="0"/>
           </a:p>
@@ -10274,7 +10274,7 @@
               <a:buAutoNum type="alphaUcPeriod"/>
             </a:pPr>
             <a:r>
-              <a:rPr lang="ko-KR" altLang="en-US" sz="900" dirty="0" err="1">
+              <a:rPr lang="ko-KR" altLang="en-US" sz="900" dirty="0">
                 <a:solidFill>
                   <a:schemeClr val="tx1">
                     <a:lumMod val="95000"/>
@@ -12194,7 +12194,7 @@
         </p:spPr>
         <p:txBody>
           <a:bodyPr>
-            <a:normAutofit fontScale="77500" lnSpcReduction="20000"/>
+            <a:normAutofit fontScale="55000" lnSpcReduction="20000"/>
           </a:bodyPr>
           <a:lstStyle/>
           <a:p>
@@ -12281,7 +12281,7 @@
               <a:buAutoNum type="alphaUcPeriod"/>
             </a:pPr>
             <a:r>
-              <a:rPr lang="ko-KR" altLang="en-US" sz="1550" dirty="0">
+              <a:rPr lang="ko-KR" altLang="en-US" sz="1550" strike="sngStrike" dirty="0">
                 <a:solidFill>
                   <a:schemeClr val="tx1">
                     <a:lumMod val="95000"/>
@@ -12300,7 +12300,7 @@
               </a:rPr>
               <a:t>게임접속</a:t>
             </a:r>
-            <a:endParaRPr lang="en-US" altLang="ko-KR" sz="1550" dirty="0">
+            <a:endParaRPr lang="en-US" altLang="ko-KR" sz="1550" strike="sngStrike" dirty="0">
               <a:solidFill>
                 <a:schemeClr val="tx1">
                   <a:lumMod val="95000"/>
@@ -12327,7 +12327,7 @@
               <a:buAutoNum type="alphaUcPeriod"/>
             </a:pPr>
             <a:r>
-              <a:rPr lang="ko-KR" altLang="en-US" sz="1550" dirty="0">
+              <a:rPr lang="ko-KR" altLang="en-US" sz="1550" strike="sngStrike" dirty="0">
                 <a:solidFill>
                   <a:schemeClr val="tx1">
                     <a:lumMod val="95000"/>
@@ -12347,7 +12347,7 @@
               <a:t>게임시작 </a:t>
             </a:r>
             <a:r>
-              <a:rPr lang="en-US" altLang="ko-KR" sz="1550" dirty="0">
+              <a:rPr lang="en-US" altLang="ko-KR" sz="1550" strike="sngStrike" dirty="0">
                 <a:solidFill>
                   <a:schemeClr val="tx1">
                     <a:lumMod val="95000"/>
@@ -12376,7 +12376,7 @@
               <a:buAutoNum type="alphaUcPeriod"/>
             </a:pPr>
             <a:r>
-              <a:rPr lang="ko-KR" altLang="en-US" sz="1550" dirty="0">
+              <a:rPr lang="ko-KR" altLang="en-US" sz="1550" strike="sngStrike" dirty="0">
                 <a:solidFill>
                   <a:schemeClr val="tx1">
                     <a:lumMod val="95000"/>
@@ -12395,7 +12395,7 @@
               </a:rPr>
               <a:t>게임종료</a:t>
             </a:r>
-            <a:endParaRPr lang="en-US" altLang="ko-KR" sz="1550" dirty="0">
+            <a:endParaRPr lang="en-US" altLang="ko-KR" sz="1550" strike="sngStrike" dirty="0">
               <a:solidFill>
                 <a:schemeClr val="tx1">
                   <a:lumMod val="95000"/>
@@ -12422,6 +12422,167 @@
               <a:buAutoNum type="alphaUcPeriod"/>
             </a:pPr>
             <a:r>
+              <a:rPr lang="ko-KR" altLang="en-US" sz="1550" strike="sngStrike" dirty="0">
+                <a:solidFill>
+                  <a:schemeClr val="tx1">
+                    <a:lumMod val="95000"/>
+                    <a:lumOff val="5000"/>
+                  </a:schemeClr>
+                </a:solidFill>
+                <a:effectLst>
+                  <a:outerShdw blurRad="38100" dist="38100" dir="2700000" algn="tl">
+                    <a:srgbClr val="000000">
+                      <a:alpha val="43137"/>
+                    </a:srgbClr>
+                  </a:outerShdw>
+                </a:effectLst>
+                <a:latin typeface="맑은 고딕" panose="020B0503020000020004" pitchFamily="50" charset="-127"/>
+                <a:ea typeface="맑은 고딕" panose="020B0503020000020004" pitchFamily="50" charset="-127"/>
+              </a:rPr>
+              <a:t>나가기</a:t>
+            </a:r>
+            <a:endParaRPr lang="en-US" altLang="ko-KR" sz="1550" strike="sngStrike" dirty="0">
+              <a:solidFill>
+                <a:schemeClr val="tx1">
+                  <a:lumMod val="95000"/>
+                  <a:lumOff val="5000"/>
+                </a:schemeClr>
+              </a:solidFill>
+              <a:effectLst>
+                <a:outerShdw blurRad="38100" dist="38100" dir="2700000" algn="tl">
+                  <a:srgbClr val="000000">
+                    <a:alpha val="43137"/>
+                  </a:srgbClr>
+                </a:outerShdw>
+              </a:effectLst>
+              <a:latin typeface="맑은 고딕" panose="020B0503020000020004" pitchFamily="50" charset="-127"/>
+              <a:ea typeface="맑은 고딕" panose="020B0503020000020004" pitchFamily="50" charset="-127"/>
+            </a:endParaRPr>
+          </a:p>
+          <a:p>
+            <a:pPr marL="1444752" lvl="2" indent="-457200">
+              <a:lnSpc>
+                <a:spcPct val="160000"/>
+              </a:lnSpc>
+              <a:buFont typeface="+mj-lt"/>
+              <a:buAutoNum type="alphaUcPeriod"/>
+            </a:pPr>
+            <a:r>
+              <a:rPr lang="ko-KR" altLang="en-US" sz="1550" strike="sngStrike" dirty="0">
+                <a:solidFill>
+                  <a:schemeClr val="tx1">
+                    <a:lumMod val="95000"/>
+                    <a:lumOff val="5000"/>
+                  </a:schemeClr>
+                </a:solidFill>
+                <a:effectLst>
+                  <a:outerShdw blurRad="38100" dist="38100" dir="2700000" algn="tl">
+                    <a:srgbClr val="000000">
+                      <a:alpha val="43137"/>
+                    </a:srgbClr>
+                  </a:outerShdw>
+                </a:effectLst>
+                <a:latin typeface="맑은 고딕" panose="020B0503020000020004" pitchFamily="50" charset="-127"/>
+                <a:ea typeface="맑은 고딕" panose="020B0503020000020004" pitchFamily="50" charset="-127"/>
+              </a:rPr>
+              <a:t>접속 플레이어 표시 </a:t>
+            </a:r>
+            <a:r>
+              <a:rPr lang="en-US" altLang="ko-KR" sz="1550" strike="sngStrike" dirty="0">
+                <a:solidFill>
+                  <a:schemeClr val="tx1">
+                    <a:lumMod val="95000"/>
+                    <a:lumOff val="5000"/>
+                  </a:schemeClr>
+                </a:solidFill>
+                <a:effectLst>
+                  <a:outerShdw blurRad="38100" dist="38100" dir="2700000" algn="tl">
+                    <a:srgbClr val="000000">
+                      <a:alpha val="43137"/>
+                    </a:srgbClr>
+                  </a:outerShdw>
+                </a:effectLst>
+                <a:latin typeface="맑은 고딕" panose="020B0503020000020004" pitchFamily="50" charset="-127"/>
+                <a:ea typeface="맑은 고딕" panose="020B0503020000020004" pitchFamily="50" charset="-127"/>
+              </a:rPr>
+              <a:t>(ROOM)</a:t>
+            </a:r>
+          </a:p>
+          <a:p>
+            <a:pPr marL="1444752" lvl="2" indent="-457200">
+              <a:lnSpc>
+                <a:spcPct val="160000"/>
+              </a:lnSpc>
+              <a:buFont typeface="+mj-lt"/>
+              <a:buAutoNum type="alphaUcPeriod"/>
+            </a:pPr>
+            <a:r>
+              <a:rPr lang="en-US" altLang="ko-KR" sz="1550" strike="sngStrike" dirty="0">
+                <a:solidFill>
+                  <a:schemeClr val="tx1">
+                    <a:lumMod val="95000"/>
+                    <a:lumOff val="5000"/>
+                  </a:schemeClr>
+                </a:solidFill>
+                <a:effectLst>
+                  <a:outerShdw blurRad="38100" dist="38100" dir="2700000" algn="tl">
+                    <a:srgbClr val="000000">
+                      <a:alpha val="43137"/>
+                    </a:srgbClr>
+                  </a:outerShdw>
+                </a:effectLst>
+                <a:latin typeface="맑은 고딕" panose="020B0503020000020004" pitchFamily="50" charset="-127"/>
+                <a:ea typeface="맑은 고딕" panose="020B0503020000020004" pitchFamily="50" charset="-127"/>
+              </a:rPr>
+              <a:t>AI </a:t>
+            </a:r>
+            <a:r>
+              <a:rPr lang="ko-KR" altLang="en-US" sz="1550" strike="sngStrike" dirty="0">
+                <a:solidFill>
+                  <a:schemeClr val="tx1">
+                    <a:lumMod val="95000"/>
+                    <a:lumOff val="5000"/>
+                  </a:schemeClr>
+                </a:solidFill>
+                <a:effectLst>
+                  <a:outerShdw blurRad="38100" dist="38100" dir="2700000" algn="tl">
+                    <a:srgbClr val="000000">
+                      <a:alpha val="43137"/>
+                    </a:srgbClr>
+                  </a:outerShdw>
+                </a:effectLst>
+                <a:latin typeface="맑은 고딕" panose="020B0503020000020004" pitchFamily="50" charset="-127"/>
+                <a:ea typeface="맑은 고딕" panose="020B0503020000020004" pitchFamily="50" charset="-127"/>
+              </a:rPr>
+              <a:t>표시</a:t>
+            </a:r>
+            <a:endParaRPr lang="en-US" altLang="ko-KR" sz="1550" strike="sngStrike" dirty="0">
+              <a:solidFill>
+                <a:schemeClr val="tx1">
+                  <a:lumMod val="95000"/>
+                  <a:lumOff val="5000"/>
+                </a:schemeClr>
+              </a:solidFill>
+              <a:effectLst>
+                <a:outerShdw blurRad="38100" dist="38100" dir="2700000" algn="tl">
+                  <a:srgbClr val="000000">
+                    <a:alpha val="43137"/>
+                  </a:srgbClr>
+                </a:outerShdw>
+              </a:effectLst>
+              <a:latin typeface="맑은 고딕" panose="020B0503020000020004" pitchFamily="50" charset="-127"/>
+              <a:ea typeface="맑은 고딕" panose="020B0503020000020004" pitchFamily="50" charset="-127"/>
+            </a:endParaRPr>
+          </a:p>
+          <a:p>
+            <a:pPr marL="1444752" lvl="2" indent="-457200">
+              <a:lnSpc>
+                <a:spcPct val="160000"/>
+              </a:lnSpc>
+              <a:buFont typeface="+mj-lt"/>
+              <a:buAutoNum type="alphaUcPeriod"/>
+            </a:pPr>
+            <a:r>
               <a:rPr lang="ko-KR" altLang="en-US" sz="1550" dirty="0">
                 <a:solidFill>
                   <a:schemeClr val="tx1">
@@ -12439,28 +12600,25 @@
                 <a:latin typeface="맑은 고딕" panose="020B0503020000020004" pitchFamily="50" charset="-127"/>
                 <a:ea typeface="맑은 고딕" panose="020B0503020000020004" pitchFamily="50" charset="-127"/>
               </a:rPr>
-              <a:t>접속 플레이어 표시 </a:t>
-            </a:r>
-            <a:r>
-              <a:rPr lang="en-US" altLang="ko-KR" sz="1550" dirty="0">
-                <a:solidFill>
-                  <a:schemeClr val="tx1">
-                    <a:lumMod val="95000"/>
-                    <a:lumOff val="5000"/>
-                  </a:schemeClr>
-                </a:solidFill>
-                <a:effectLst>
-                  <a:outerShdw blurRad="38100" dist="38100" dir="2700000" algn="tl">
-                    <a:srgbClr val="000000">
-                      <a:alpha val="43137"/>
-                    </a:srgbClr>
-                  </a:outerShdw>
-                </a:effectLst>
-                <a:latin typeface="맑은 고딕" panose="020B0503020000020004" pitchFamily="50" charset="-127"/>
-                <a:ea typeface="맑은 고딕" panose="020B0503020000020004" pitchFamily="50" charset="-127"/>
-              </a:rPr>
-              <a:t>(ROOM)</a:t>
-            </a:r>
+              <a:t>로비 캐릭터 프레임</a:t>
+            </a:r>
+            <a:endParaRPr lang="en-US" altLang="ko-KR" sz="1550" dirty="0">
+              <a:solidFill>
+                <a:schemeClr val="tx1">
+                  <a:lumMod val="95000"/>
+                  <a:lumOff val="5000"/>
+                </a:schemeClr>
+              </a:solidFill>
+              <a:effectLst>
+                <a:outerShdw blurRad="38100" dist="38100" dir="2700000" algn="tl">
+                  <a:srgbClr val="000000">
+                    <a:alpha val="43137"/>
+                  </a:srgbClr>
+                </a:outerShdw>
+              </a:effectLst>
+              <a:latin typeface="맑은 고딕" panose="020B0503020000020004" pitchFamily="50" charset="-127"/>
+              <a:ea typeface="맑은 고딕" panose="020B0503020000020004" pitchFamily="50" charset="-127"/>
+            </a:endParaRPr>
           </a:p>
           <a:p>
             <a:pPr marL="457200" indent="-457200">
@@ -12554,7 +12712,7 @@
                 <a:latin typeface="맑은 고딕" panose="020B0503020000020004" pitchFamily="50" charset="-127"/>
                 <a:ea typeface="맑은 고딕" panose="020B0503020000020004" pitchFamily="50" charset="-127"/>
               </a:rPr>
-              <a:t>(1.5</a:t>
+              <a:t>(1.8</a:t>
             </a:r>
             <a:r>
               <a:rPr lang="ko-KR" altLang="en-US" sz="1750" i="0" dirty="0">
@@ -12606,7 +12764,7 @@
               <a:buAutoNum type="alphaUcPeriod"/>
             </a:pPr>
             <a:r>
-              <a:rPr lang="ko-KR" altLang="en-US" sz="1550" i="0" dirty="0">
+              <a:rPr lang="ko-KR" altLang="en-US" sz="1550" i="0" strike="sngStrike" dirty="0">
                 <a:solidFill>
                   <a:schemeClr val="tx1">
                     <a:lumMod val="95000"/>
@@ -12625,7 +12783,7 @@
               </a:rPr>
               <a:t>무기</a:t>
             </a:r>
-            <a:endParaRPr lang="en-US" altLang="ko-KR" sz="1550" i="0" dirty="0">
+            <a:endParaRPr lang="en-US" altLang="ko-KR" sz="1550" i="0" strike="sngStrike" dirty="0">
               <a:solidFill>
                 <a:schemeClr val="tx1">
                   <a:lumMod val="95000"/>
@@ -12652,7 +12810,7 @@
               <a:buAutoNum type="alphaUcPeriod"/>
             </a:pPr>
             <a:r>
-              <a:rPr lang="ko-KR" altLang="en-US" sz="1550" dirty="0" err="1">
+              <a:rPr lang="ko-KR" altLang="en-US" sz="1550" strike="sngStrike" dirty="0">
                 <a:solidFill>
                   <a:schemeClr val="tx1">
                     <a:lumMod val="95000"/>
@@ -12671,7 +12829,7 @@
               </a:rPr>
               <a:t>방어구</a:t>
             </a:r>
-            <a:endParaRPr lang="en-US" altLang="ko-KR" sz="1550" dirty="0">
+            <a:endParaRPr lang="en-US" altLang="ko-KR" sz="1550" strike="sngStrike" dirty="0">
               <a:solidFill>
                 <a:schemeClr val="tx1">
                   <a:lumMod val="95000"/>
@@ -12717,23 +12875,86 @@
               </a:rPr>
               <a:t>미니언</a:t>
             </a:r>
-            <a:endParaRPr lang="en-US" altLang="ko-KR" sz="1550" i="0" dirty="0">
-              <a:solidFill>
-                <a:schemeClr val="tx1">
-                  <a:lumMod val="95000"/>
-                  <a:lumOff val="5000"/>
-                </a:schemeClr>
-              </a:solidFill>
-              <a:effectLst>
-                <a:outerShdw blurRad="38100" dist="38100" dir="2700000" algn="tl">
-                  <a:srgbClr val="000000">
-                    <a:alpha val="43137"/>
-                  </a:srgbClr>
-                </a:outerShdw>
-              </a:effectLst>
-              <a:latin typeface="맑은 고딕" panose="020B0503020000020004" pitchFamily="50" charset="-127"/>
-              <a:ea typeface="맑은 고딕" panose="020B0503020000020004" pitchFamily="50" charset="-127"/>
-            </a:endParaRPr>
+            <a:r>
+              <a:rPr lang="ko-KR" altLang="en-US" sz="1550" i="0" dirty="0">
+                <a:solidFill>
+                  <a:schemeClr val="tx1">
+                    <a:lumMod val="95000"/>
+                    <a:lumOff val="5000"/>
+                  </a:schemeClr>
+                </a:solidFill>
+                <a:effectLst>
+                  <a:outerShdw blurRad="38100" dist="38100" dir="2700000" algn="tl">
+                    <a:srgbClr val="000000">
+                      <a:alpha val="43137"/>
+                    </a:srgbClr>
+                  </a:outerShdw>
+                </a:effectLst>
+                <a:latin typeface="맑은 고딕" panose="020B0503020000020004" pitchFamily="50" charset="-127"/>
+                <a:ea typeface="맑은 고딕" panose="020B0503020000020004" pitchFamily="50" charset="-127"/>
+              </a:rPr>
+              <a:t> </a:t>
+            </a:r>
+            <a:r>
+              <a:rPr lang="en-US" altLang="ko-KR" sz="1550" i="0" dirty="0">
+                <a:solidFill>
+                  <a:schemeClr val="tx1">
+                    <a:lumMod val="95000"/>
+                    <a:lumOff val="5000"/>
+                  </a:schemeClr>
+                </a:solidFill>
+                <a:effectLst>
+                  <a:outerShdw blurRad="38100" dist="38100" dir="2700000" algn="tl">
+                    <a:srgbClr val="000000">
+                      <a:alpha val="43137"/>
+                    </a:srgbClr>
+                  </a:outerShdw>
+                </a:effectLst>
+                <a:latin typeface="맑은 고딕" panose="020B0503020000020004" pitchFamily="50" charset="-127"/>
+                <a:ea typeface="맑은 고딕" panose="020B0503020000020004" pitchFamily="50" charset="-127"/>
+              </a:rPr>
+              <a:t>(1.3</a:t>
+            </a:r>
+            <a:r>
+              <a:rPr lang="ko-KR" altLang="en-US" sz="1550" i="0" dirty="0">
+                <a:solidFill>
+                  <a:schemeClr val="tx1">
+                    <a:lumMod val="95000"/>
+                    <a:lumOff val="5000"/>
+                  </a:schemeClr>
+                </a:solidFill>
+                <a:effectLst>
+                  <a:outerShdw blurRad="38100" dist="38100" dir="2700000" algn="tl">
+                    <a:srgbClr val="000000">
+                      <a:alpha val="43137"/>
+                    </a:srgbClr>
+                  </a:outerShdw>
+                </a:effectLst>
+                <a:latin typeface="맑은 고딕" panose="020B0503020000020004" pitchFamily="50" charset="-127"/>
+                <a:ea typeface="맑은 고딕" panose="020B0503020000020004" pitchFamily="50" charset="-127"/>
+              </a:rPr>
+              <a:t>배</a:t>
+            </a:r>
+            <a:r>
+              <a:rPr lang="en-US" altLang="ko-KR" sz="1550" i="0" dirty="0">
+                <a:solidFill>
+                  <a:schemeClr val="tx1">
+                    <a:lumMod val="95000"/>
+                    <a:lumOff val="5000"/>
+                  </a:schemeClr>
+                </a:solidFill>
+                <a:effectLst>
+                  <a:outerShdw blurRad="38100" dist="38100" dir="2700000" algn="tl">
+                    <a:srgbClr val="000000">
+                      <a:alpha val="43137"/>
+                    </a:srgbClr>
+                  </a:outerShdw>
+                </a:effectLst>
+                <a:latin typeface="맑은 고딕" panose="020B0503020000020004" pitchFamily="50" charset="-127"/>
+                <a:ea typeface="맑은 고딕" panose="020B0503020000020004" pitchFamily="50" charset="-127"/>
+              </a:rPr>
+              <a:t>)</a:t>
+            </a:r>
           </a:p>
           <a:p>
             <a:pPr marL="1444752" lvl="2" indent="-457200">

--- a/진행사항.pptx
+++ b/진행사항.pptx
@@ -229,7 +229,7 @@
           <a:p>
             <a:fld id="{174CF4B6-C8D6-438C-8B7D-E8AF3EC6F65B}" type="datetimeFigureOut">
               <a:rPr lang="ko-KR" altLang="en-US" smtClean="0"/>
-              <a:t>2018-08-22</a:t>
+              <a:t>2018-08-23</a:t>
             </a:fld>
             <a:endParaRPr lang="ko-KR" altLang="en-US"/>
           </a:p>
@@ -665,7 +665,7 @@
           <a:p>
             <a:fld id="{997C0C2C-FB57-479D-BE7F-6EC34BF7043C}" type="datetime1">
               <a:rPr lang="en-US" altLang="ko-KR" smtClean="0"/>
-              <a:t>8/22/2018</a:t>
+              <a:t>8/23/2018</a:t>
             </a:fld>
             <a:endParaRPr lang="en-US" dirty="0"/>
           </a:p>
@@ -996,7 +996,7 @@
           <a:p>
             <a:fld id="{047308E6-C353-4980-BC35-3BA553F61D46}" type="datetime1">
               <a:rPr lang="en-US" altLang="ko-KR" smtClean="0"/>
-              <a:t>8/22/2018</a:t>
+              <a:t>8/23/2018</a:t>
             </a:fld>
             <a:endParaRPr lang="en-US" dirty="0"/>
           </a:p>
@@ -1176,7 +1176,7 @@
           <a:p>
             <a:fld id="{925E33ED-602B-46D4-AC4E-A3EC8D1FE08B}" type="datetime1">
               <a:rPr lang="en-US" altLang="ko-KR" smtClean="0"/>
-              <a:t>8/22/2018</a:t>
+              <a:t>8/23/2018</a:t>
             </a:fld>
             <a:endParaRPr lang="en-US" dirty="0"/>
           </a:p>
@@ -1346,7 +1346,7 @@
           <a:p>
             <a:fld id="{CDCA6F40-FDE7-4477-94C1-42AFCA093BA3}" type="datetime1">
               <a:rPr lang="en-US" altLang="ko-KR" smtClean="0"/>
-              <a:t>8/22/2018</a:t>
+              <a:t>8/23/2018</a:t>
             </a:fld>
             <a:endParaRPr lang="en-US" dirty="0"/>
           </a:p>
@@ -1624,7 +1624,7 @@
           <a:p>
             <a:fld id="{E5AD4DDD-EA1C-4615-97C2-D68EC457B4CF}" type="datetime1">
               <a:rPr lang="en-US" altLang="ko-KR" smtClean="0"/>
-              <a:t>8/22/2018</a:t>
+              <a:t>8/23/2018</a:t>
             </a:fld>
             <a:endParaRPr lang="en-US" dirty="0"/>
           </a:p>
@@ -2075,7 +2075,7 @@
           <a:p>
             <a:fld id="{CA0F03C5-1E3C-44BE-9E2F-087D284D2C5D}" type="datetime1">
               <a:rPr lang="en-US" altLang="ko-KR" smtClean="0"/>
-              <a:t>8/22/2018</a:t>
+              <a:t>8/23/2018</a:t>
             </a:fld>
             <a:endParaRPr lang="en-US" dirty="0"/>
           </a:p>
@@ -2552,7 +2552,7 @@
           <a:p>
             <a:fld id="{23CB4308-201A-4967-870E-1ACB91AA6D8E}" type="datetime1">
               <a:rPr lang="en-US" altLang="ko-KR" smtClean="0"/>
-              <a:t>8/22/2018</a:t>
+              <a:t>8/23/2018</a:t>
             </a:fld>
             <a:endParaRPr lang="en-US" dirty="0"/>
           </a:p>
@@ -2670,7 +2670,7 @@
           <a:p>
             <a:fld id="{2AE391EA-DA61-4C24-8C9E-58C8105C0CDC}" type="datetime1">
               <a:rPr lang="en-US" altLang="ko-KR" smtClean="0"/>
-              <a:t>8/22/2018</a:t>
+              <a:t>8/23/2018</a:t>
             </a:fld>
             <a:endParaRPr lang="en-US" dirty="0"/>
           </a:p>
@@ -2765,7 +2765,7 @@
           <a:p>
             <a:fld id="{14CF23BC-FE77-4485-B606-6CBA74C5D36E}" type="datetime1">
               <a:rPr lang="en-US" altLang="ko-KR" smtClean="0"/>
-              <a:t>8/22/2018</a:t>
+              <a:t>8/23/2018</a:t>
             </a:fld>
             <a:endParaRPr lang="en-US" dirty="0"/>
           </a:p>
@@ -3113,7 +3113,7 @@
           <a:p>
             <a:fld id="{808D6C14-1859-4DDA-AD38-00DE62AE1826}" type="datetime1">
               <a:rPr lang="en-US" altLang="ko-KR" smtClean="0"/>
-              <a:t>8/22/2018</a:t>
+              <a:t>8/23/2018</a:t>
             </a:fld>
             <a:endParaRPr lang="en-US" dirty="0"/>
           </a:p>
@@ -3542,7 +3542,7 @@
           <a:p>
             <a:fld id="{AE734E95-C037-429B-8B5F-D0FAB25DE16C}" type="datetime1">
               <a:rPr lang="en-US" altLang="ko-KR" smtClean="0"/>
-              <a:t>8/22/2018</a:t>
+              <a:t>8/23/2018</a:t>
             </a:fld>
             <a:endParaRPr lang="en-US" dirty="0"/>
           </a:p>
@@ -3859,7 +3859,7 @@
           <a:p>
             <a:fld id="{E0770D22-4CCF-46DD-9D25-F19CC4764808}" type="datetime1">
               <a:rPr lang="en-US" altLang="ko-KR" smtClean="0"/>
-              <a:t>8/22/2018</a:t>
+              <a:t>8/23/2018</a:t>
             </a:fld>
             <a:endParaRPr lang="en-US" dirty="0"/>
           </a:p>
@@ -7031,7 +7031,7 @@
               <a:buAutoNum type="alphaUcPeriod"/>
             </a:pPr>
             <a:r>
-              <a:rPr lang="ko-KR" altLang="en-US" sz="1950" dirty="0">
+              <a:rPr lang="ko-KR" altLang="en-US" sz="1950" strike="sngStrike" dirty="0">
                 <a:solidFill>
                   <a:schemeClr val="tx1">
                     <a:lumMod val="95000"/>
@@ -7050,7 +7050,7 @@
               </a:rPr>
               <a:t>게임 시간 동기화</a:t>
             </a:r>
-            <a:endParaRPr lang="en-US" altLang="ko-KR" sz="1950" dirty="0">
+            <a:endParaRPr lang="en-US" altLang="ko-KR" sz="1950" strike="sngStrike" dirty="0">
               <a:solidFill>
                 <a:schemeClr val="tx1">
                   <a:lumMod val="95000"/>
@@ -7077,7 +7077,7 @@
               <a:buAutoNum type="alphaUcPeriod"/>
             </a:pPr>
             <a:r>
-              <a:rPr lang="ko-KR" altLang="en-US" sz="1950" dirty="0">
+              <a:rPr lang="ko-KR" altLang="en-US" sz="1950" strike="sngStrike" dirty="0">
                 <a:solidFill>
                   <a:schemeClr val="tx1">
                     <a:lumMod val="95000"/>
@@ -7096,7 +7096,7 @@
               </a:rPr>
               <a:t>넥서스 터뜨릴 때 모든 클라이언트가 동시에 다 죽는 버그</a:t>
             </a:r>
-            <a:endParaRPr lang="en-US" altLang="ko-KR" sz="1950" dirty="0">
+            <a:endParaRPr lang="en-US" altLang="ko-KR" sz="1950" strike="sngStrike" dirty="0">
               <a:solidFill>
                 <a:schemeClr val="tx1">
                   <a:lumMod val="95000"/>
@@ -7123,7 +7123,7 @@
               <a:buAutoNum type="alphaUcPeriod"/>
             </a:pPr>
             <a:r>
-              <a:rPr lang="ko-KR" altLang="en-US" sz="1950" dirty="0">
+              <a:rPr lang="ko-KR" altLang="en-US" sz="1950" strike="sngStrike" dirty="0">
                 <a:solidFill>
                   <a:schemeClr val="tx1">
                     <a:lumMod val="95000"/>
@@ -7143,7 +7143,7 @@
               <a:t>다른 팀과 동시에 </a:t>
             </a:r>
             <a:r>
-              <a:rPr lang="ko-KR" altLang="en-US" sz="1950" dirty="0" err="1">
+              <a:rPr lang="ko-KR" altLang="en-US" sz="1950" strike="sngStrike" dirty="0" err="1">
                 <a:solidFill>
                   <a:schemeClr val="tx1">
                     <a:lumMod val="95000"/>
@@ -7163,7 +7163,7 @@
               <a:t>레벨업</a:t>
             </a:r>
             <a:r>
-              <a:rPr lang="ko-KR" altLang="en-US" sz="1950" dirty="0">
+              <a:rPr lang="ko-KR" altLang="en-US" sz="1950" strike="sngStrike" dirty="0">
                 <a:solidFill>
                   <a:schemeClr val="tx1">
                     <a:lumMod val="95000"/>
@@ -7182,7 +7182,7 @@
               </a:rPr>
               <a:t> 할 때 죽는 버그</a:t>
             </a:r>
-            <a:endParaRPr lang="en-US" altLang="ko-KR" sz="1950" dirty="0">
+            <a:endParaRPr lang="en-US" altLang="ko-KR" sz="1950" strike="sngStrike" dirty="0">
               <a:solidFill>
                 <a:schemeClr val="tx1">
                   <a:lumMod val="95000"/>

--- a/진행사항.pptx
+++ b/진행사항.pptx
@@ -229,7 +229,7 @@
           <a:p>
             <a:fld id="{174CF4B6-C8D6-438C-8B7D-E8AF3EC6F65B}" type="datetimeFigureOut">
               <a:rPr lang="ko-KR" altLang="en-US" smtClean="0"/>
-              <a:t>2018-08-23</a:t>
+              <a:t>2018-08-29</a:t>
             </a:fld>
             <a:endParaRPr lang="ko-KR" altLang="en-US"/>
           </a:p>
@@ -665,7 +665,7 @@
           <a:p>
             <a:fld id="{997C0C2C-FB57-479D-BE7F-6EC34BF7043C}" type="datetime1">
               <a:rPr lang="en-US" altLang="ko-KR" smtClean="0"/>
-              <a:t>8/23/2018</a:t>
+              <a:t>8/29/2018</a:t>
             </a:fld>
             <a:endParaRPr lang="en-US" dirty="0"/>
           </a:p>
@@ -996,7 +996,7 @@
           <a:p>
             <a:fld id="{047308E6-C353-4980-BC35-3BA553F61D46}" type="datetime1">
               <a:rPr lang="en-US" altLang="ko-KR" smtClean="0"/>
-              <a:t>8/23/2018</a:t>
+              <a:t>8/29/2018</a:t>
             </a:fld>
             <a:endParaRPr lang="en-US" dirty="0"/>
           </a:p>
@@ -1176,7 +1176,7 @@
           <a:p>
             <a:fld id="{925E33ED-602B-46D4-AC4E-A3EC8D1FE08B}" type="datetime1">
               <a:rPr lang="en-US" altLang="ko-KR" smtClean="0"/>
-              <a:t>8/23/2018</a:t>
+              <a:t>8/29/2018</a:t>
             </a:fld>
             <a:endParaRPr lang="en-US" dirty="0"/>
           </a:p>
@@ -1346,7 +1346,7 @@
           <a:p>
             <a:fld id="{CDCA6F40-FDE7-4477-94C1-42AFCA093BA3}" type="datetime1">
               <a:rPr lang="en-US" altLang="ko-KR" smtClean="0"/>
-              <a:t>8/23/2018</a:t>
+              <a:t>8/29/2018</a:t>
             </a:fld>
             <a:endParaRPr lang="en-US" dirty="0"/>
           </a:p>
@@ -1624,7 +1624,7 @@
           <a:p>
             <a:fld id="{E5AD4DDD-EA1C-4615-97C2-D68EC457B4CF}" type="datetime1">
               <a:rPr lang="en-US" altLang="ko-KR" smtClean="0"/>
-              <a:t>8/23/2018</a:t>
+              <a:t>8/29/2018</a:t>
             </a:fld>
             <a:endParaRPr lang="en-US" dirty="0"/>
           </a:p>
@@ -2075,7 +2075,7 @@
           <a:p>
             <a:fld id="{CA0F03C5-1E3C-44BE-9E2F-087D284D2C5D}" type="datetime1">
               <a:rPr lang="en-US" altLang="ko-KR" smtClean="0"/>
-              <a:t>8/23/2018</a:t>
+              <a:t>8/29/2018</a:t>
             </a:fld>
             <a:endParaRPr lang="en-US" dirty="0"/>
           </a:p>
@@ -2552,7 +2552,7 @@
           <a:p>
             <a:fld id="{23CB4308-201A-4967-870E-1ACB91AA6D8E}" type="datetime1">
               <a:rPr lang="en-US" altLang="ko-KR" smtClean="0"/>
-              <a:t>8/23/2018</a:t>
+              <a:t>8/29/2018</a:t>
             </a:fld>
             <a:endParaRPr lang="en-US" dirty="0"/>
           </a:p>
@@ -2670,7 +2670,7 @@
           <a:p>
             <a:fld id="{2AE391EA-DA61-4C24-8C9E-58C8105C0CDC}" type="datetime1">
               <a:rPr lang="en-US" altLang="ko-KR" smtClean="0"/>
-              <a:t>8/23/2018</a:t>
+              <a:t>8/29/2018</a:t>
             </a:fld>
             <a:endParaRPr lang="en-US" dirty="0"/>
           </a:p>
@@ -2765,7 +2765,7 @@
           <a:p>
             <a:fld id="{14CF23BC-FE77-4485-B606-6CBA74C5D36E}" type="datetime1">
               <a:rPr lang="en-US" altLang="ko-KR" smtClean="0"/>
-              <a:t>8/23/2018</a:t>
+              <a:t>8/29/2018</a:t>
             </a:fld>
             <a:endParaRPr lang="en-US" dirty="0"/>
           </a:p>
@@ -3113,7 +3113,7 @@
           <a:p>
             <a:fld id="{808D6C14-1859-4DDA-AD38-00DE62AE1826}" type="datetime1">
               <a:rPr lang="en-US" altLang="ko-KR" smtClean="0"/>
-              <a:t>8/23/2018</a:t>
+              <a:t>8/29/2018</a:t>
             </a:fld>
             <a:endParaRPr lang="en-US" dirty="0"/>
           </a:p>
@@ -3542,7 +3542,7 @@
           <a:p>
             <a:fld id="{AE734E95-C037-429B-8B5F-D0FAB25DE16C}" type="datetime1">
               <a:rPr lang="en-US" altLang="ko-KR" smtClean="0"/>
-              <a:t>8/23/2018</a:t>
+              <a:t>8/29/2018</a:t>
             </a:fld>
             <a:endParaRPr lang="en-US" dirty="0"/>
           </a:p>
@@ -3859,7 +3859,7 @@
           <a:p>
             <a:fld id="{E0770D22-4CCF-46DD-9D25-F19CC4764808}" type="datetime1">
               <a:rPr lang="en-US" altLang="ko-KR" smtClean="0"/>
-              <a:t>8/23/2018</a:t>
+              <a:t>8/29/2018</a:t>
             </a:fld>
             <a:endParaRPr lang="en-US" dirty="0"/>
           </a:p>
@@ -7209,7 +7209,7 @@
               <a:buAutoNum type="alphaUcPeriod"/>
             </a:pPr>
             <a:r>
-              <a:rPr lang="ko-KR" altLang="en-US" sz="1950" dirty="0">
+              <a:rPr lang="ko-KR" altLang="en-US" sz="1950" strike="sngStrike" dirty="0">
                 <a:solidFill>
                   <a:schemeClr val="tx1">
                     <a:lumMod val="95000"/>
@@ -7228,7 +7228,7 @@
               </a:rPr>
               <a:t>서버 연결 시 이동 요청이 무시되는 버그</a:t>
             </a:r>
-            <a:endParaRPr lang="en-US" altLang="ko-KR" sz="1950" dirty="0">
+            <a:endParaRPr lang="en-US" altLang="ko-KR" sz="1950" strike="sngStrike" dirty="0">
               <a:solidFill>
                 <a:schemeClr val="tx1">
                   <a:lumMod val="95000"/>

--- a/진행사항.pptx
+++ b/진행사항.pptx
@@ -229,7 +229,7 @@
           <a:p>
             <a:fld id="{174CF4B6-C8D6-438C-8B7D-E8AF3EC6F65B}" type="datetimeFigureOut">
               <a:rPr lang="ko-KR" altLang="en-US" smtClean="0"/>
-              <a:t>2018-08-29</a:t>
+              <a:t>2018-08-31</a:t>
             </a:fld>
             <a:endParaRPr lang="ko-KR" altLang="en-US"/>
           </a:p>
@@ -665,7 +665,7 @@
           <a:p>
             <a:fld id="{997C0C2C-FB57-479D-BE7F-6EC34BF7043C}" type="datetime1">
               <a:rPr lang="en-US" altLang="ko-KR" smtClean="0"/>
-              <a:t>8/29/2018</a:t>
+              <a:t>8/31/2018</a:t>
             </a:fld>
             <a:endParaRPr lang="en-US" dirty="0"/>
           </a:p>
@@ -996,7 +996,7 @@
           <a:p>
             <a:fld id="{047308E6-C353-4980-BC35-3BA553F61D46}" type="datetime1">
               <a:rPr lang="en-US" altLang="ko-KR" smtClean="0"/>
-              <a:t>8/29/2018</a:t>
+              <a:t>8/31/2018</a:t>
             </a:fld>
             <a:endParaRPr lang="en-US" dirty="0"/>
           </a:p>
@@ -1176,7 +1176,7 @@
           <a:p>
             <a:fld id="{925E33ED-602B-46D4-AC4E-A3EC8D1FE08B}" type="datetime1">
               <a:rPr lang="en-US" altLang="ko-KR" smtClean="0"/>
-              <a:t>8/29/2018</a:t>
+              <a:t>8/31/2018</a:t>
             </a:fld>
             <a:endParaRPr lang="en-US" dirty="0"/>
           </a:p>
@@ -1346,7 +1346,7 @@
           <a:p>
             <a:fld id="{CDCA6F40-FDE7-4477-94C1-42AFCA093BA3}" type="datetime1">
               <a:rPr lang="en-US" altLang="ko-KR" smtClean="0"/>
-              <a:t>8/29/2018</a:t>
+              <a:t>8/31/2018</a:t>
             </a:fld>
             <a:endParaRPr lang="en-US" dirty="0"/>
           </a:p>
@@ -1624,7 +1624,7 @@
           <a:p>
             <a:fld id="{E5AD4DDD-EA1C-4615-97C2-D68EC457B4CF}" type="datetime1">
               <a:rPr lang="en-US" altLang="ko-KR" smtClean="0"/>
-              <a:t>8/29/2018</a:t>
+              <a:t>8/31/2018</a:t>
             </a:fld>
             <a:endParaRPr lang="en-US" dirty="0"/>
           </a:p>
@@ -2075,7 +2075,7 @@
           <a:p>
             <a:fld id="{CA0F03C5-1E3C-44BE-9E2F-087D284D2C5D}" type="datetime1">
               <a:rPr lang="en-US" altLang="ko-KR" smtClean="0"/>
-              <a:t>8/29/2018</a:t>
+              <a:t>8/31/2018</a:t>
             </a:fld>
             <a:endParaRPr lang="en-US" dirty="0"/>
           </a:p>
@@ -2552,7 +2552,7 @@
           <a:p>
             <a:fld id="{23CB4308-201A-4967-870E-1ACB91AA6D8E}" type="datetime1">
               <a:rPr lang="en-US" altLang="ko-KR" smtClean="0"/>
-              <a:t>8/29/2018</a:t>
+              <a:t>8/31/2018</a:t>
             </a:fld>
             <a:endParaRPr lang="en-US" dirty="0"/>
           </a:p>
@@ -2670,7 +2670,7 @@
           <a:p>
             <a:fld id="{2AE391EA-DA61-4C24-8C9E-58C8105C0CDC}" type="datetime1">
               <a:rPr lang="en-US" altLang="ko-KR" smtClean="0"/>
-              <a:t>8/29/2018</a:t>
+              <a:t>8/31/2018</a:t>
             </a:fld>
             <a:endParaRPr lang="en-US" dirty="0"/>
           </a:p>
@@ -2765,7 +2765,7 @@
           <a:p>
             <a:fld id="{14CF23BC-FE77-4485-B606-6CBA74C5D36E}" type="datetime1">
               <a:rPr lang="en-US" altLang="ko-KR" smtClean="0"/>
-              <a:t>8/29/2018</a:t>
+              <a:t>8/31/2018</a:t>
             </a:fld>
             <a:endParaRPr lang="en-US" dirty="0"/>
           </a:p>
@@ -3113,7 +3113,7 @@
           <a:p>
             <a:fld id="{808D6C14-1859-4DDA-AD38-00DE62AE1826}" type="datetime1">
               <a:rPr lang="en-US" altLang="ko-KR" smtClean="0"/>
-              <a:t>8/29/2018</a:t>
+              <a:t>8/31/2018</a:t>
             </a:fld>
             <a:endParaRPr lang="en-US" dirty="0"/>
           </a:p>
@@ -3542,7 +3542,7 @@
           <a:p>
             <a:fld id="{AE734E95-C037-429B-8B5F-D0FAB25DE16C}" type="datetime1">
               <a:rPr lang="en-US" altLang="ko-KR" smtClean="0"/>
-              <a:t>8/29/2018</a:t>
+              <a:t>8/31/2018</a:t>
             </a:fld>
             <a:endParaRPr lang="en-US" dirty="0"/>
           </a:p>
@@ -3859,7 +3859,7 @@
           <a:p>
             <a:fld id="{E0770D22-4CCF-46DD-9D25-F19CC4764808}" type="datetime1">
               <a:rPr lang="en-US" altLang="ko-KR" smtClean="0"/>
-              <a:t>8/29/2018</a:t>
+              <a:t>8/31/2018</a:t>
             </a:fld>
             <a:endParaRPr lang="en-US" dirty="0"/>
           </a:p>
@@ -7255,7 +7255,7 @@
               <a:buAutoNum type="alphaUcPeriod"/>
             </a:pPr>
             <a:r>
-              <a:rPr lang="ko-KR" altLang="en-US" sz="1950" dirty="0">
+              <a:rPr lang="ko-KR" altLang="en-US" sz="1950" strike="sngStrike" dirty="0">
                 <a:solidFill>
                   <a:schemeClr val="tx1">
                     <a:lumMod val="95000"/>
@@ -7274,7 +7274,7 @@
               </a:rPr>
               <a:t>스킬 한 번 눌렀는데 여러 번 써지는 버그</a:t>
             </a:r>
-            <a:endParaRPr lang="en-US" altLang="ko-KR" sz="1950" dirty="0">
+            <a:endParaRPr lang="en-US" altLang="ko-KR" sz="1950" strike="sngStrike" dirty="0">
               <a:solidFill>
                 <a:schemeClr val="tx1">
                   <a:lumMod val="95000"/>

--- a/진행사항.pptx
+++ b/진행사항.pptx
@@ -229,7 +229,7 @@
           <a:p>
             <a:fld id="{174CF4B6-C8D6-438C-8B7D-E8AF3EC6F65B}" type="datetimeFigureOut">
               <a:rPr lang="ko-KR" altLang="en-US" smtClean="0"/>
-              <a:t>2018-08-31</a:t>
+              <a:t>2018-09-05</a:t>
             </a:fld>
             <a:endParaRPr lang="ko-KR" altLang="en-US"/>
           </a:p>
@@ -665,7 +665,7 @@
           <a:p>
             <a:fld id="{997C0C2C-FB57-479D-BE7F-6EC34BF7043C}" type="datetime1">
               <a:rPr lang="en-US" altLang="ko-KR" smtClean="0"/>
-              <a:t>8/31/2018</a:t>
+              <a:t>9/5/2018</a:t>
             </a:fld>
             <a:endParaRPr lang="en-US" dirty="0"/>
           </a:p>
@@ -996,7 +996,7 @@
           <a:p>
             <a:fld id="{047308E6-C353-4980-BC35-3BA553F61D46}" type="datetime1">
               <a:rPr lang="en-US" altLang="ko-KR" smtClean="0"/>
-              <a:t>8/31/2018</a:t>
+              <a:t>9/5/2018</a:t>
             </a:fld>
             <a:endParaRPr lang="en-US" dirty="0"/>
           </a:p>
@@ -1176,7 +1176,7 @@
           <a:p>
             <a:fld id="{925E33ED-602B-46D4-AC4E-A3EC8D1FE08B}" type="datetime1">
               <a:rPr lang="en-US" altLang="ko-KR" smtClean="0"/>
-              <a:t>8/31/2018</a:t>
+              <a:t>9/5/2018</a:t>
             </a:fld>
             <a:endParaRPr lang="en-US" dirty="0"/>
           </a:p>
@@ -1346,7 +1346,7 @@
           <a:p>
             <a:fld id="{CDCA6F40-FDE7-4477-94C1-42AFCA093BA3}" type="datetime1">
               <a:rPr lang="en-US" altLang="ko-KR" smtClean="0"/>
-              <a:t>8/31/2018</a:t>
+              <a:t>9/5/2018</a:t>
             </a:fld>
             <a:endParaRPr lang="en-US" dirty="0"/>
           </a:p>
@@ -1624,7 +1624,7 @@
           <a:p>
             <a:fld id="{E5AD4DDD-EA1C-4615-97C2-D68EC457B4CF}" type="datetime1">
               <a:rPr lang="en-US" altLang="ko-KR" smtClean="0"/>
-              <a:t>8/31/2018</a:t>
+              <a:t>9/5/2018</a:t>
             </a:fld>
             <a:endParaRPr lang="en-US" dirty="0"/>
           </a:p>
@@ -2075,7 +2075,7 @@
           <a:p>
             <a:fld id="{CA0F03C5-1E3C-44BE-9E2F-087D284D2C5D}" type="datetime1">
               <a:rPr lang="en-US" altLang="ko-KR" smtClean="0"/>
-              <a:t>8/31/2018</a:t>
+              <a:t>9/5/2018</a:t>
             </a:fld>
             <a:endParaRPr lang="en-US" dirty="0"/>
           </a:p>
@@ -2552,7 +2552,7 @@
           <a:p>
             <a:fld id="{23CB4308-201A-4967-870E-1ACB91AA6D8E}" type="datetime1">
               <a:rPr lang="en-US" altLang="ko-KR" smtClean="0"/>
-              <a:t>8/31/2018</a:t>
+              <a:t>9/5/2018</a:t>
             </a:fld>
             <a:endParaRPr lang="en-US" dirty="0"/>
           </a:p>
@@ -2670,7 +2670,7 @@
           <a:p>
             <a:fld id="{2AE391EA-DA61-4C24-8C9E-58C8105C0CDC}" type="datetime1">
               <a:rPr lang="en-US" altLang="ko-KR" smtClean="0"/>
-              <a:t>8/31/2018</a:t>
+              <a:t>9/5/2018</a:t>
             </a:fld>
             <a:endParaRPr lang="en-US" dirty="0"/>
           </a:p>
@@ -2765,7 +2765,7 @@
           <a:p>
             <a:fld id="{14CF23BC-FE77-4485-B606-6CBA74C5D36E}" type="datetime1">
               <a:rPr lang="en-US" altLang="ko-KR" smtClean="0"/>
-              <a:t>8/31/2018</a:t>
+              <a:t>9/5/2018</a:t>
             </a:fld>
             <a:endParaRPr lang="en-US" dirty="0"/>
           </a:p>
@@ -3113,7 +3113,7 @@
           <a:p>
             <a:fld id="{808D6C14-1859-4DDA-AD38-00DE62AE1826}" type="datetime1">
               <a:rPr lang="en-US" altLang="ko-KR" smtClean="0"/>
-              <a:t>8/31/2018</a:t>
+              <a:t>9/5/2018</a:t>
             </a:fld>
             <a:endParaRPr lang="en-US" dirty="0"/>
           </a:p>
@@ -3542,7 +3542,7 @@
           <a:p>
             <a:fld id="{AE734E95-C037-429B-8B5F-D0FAB25DE16C}" type="datetime1">
               <a:rPr lang="en-US" altLang="ko-KR" smtClean="0"/>
-              <a:t>8/31/2018</a:t>
+              <a:t>9/5/2018</a:t>
             </a:fld>
             <a:endParaRPr lang="en-US" dirty="0"/>
           </a:p>
@@ -3859,7 +3859,7 @@
           <a:p>
             <a:fld id="{E0770D22-4CCF-46DD-9D25-F19CC4764808}" type="datetime1">
               <a:rPr lang="en-US" altLang="ko-KR" smtClean="0"/>
-              <a:t>8/31/2018</a:t>
+              <a:t>9/5/2018</a:t>
             </a:fld>
             <a:endParaRPr lang="en-US" dirty="0"/>
           </a:p>
@@ -6528,7 +6528,7 @@
               <a:buAutoNum type="alphaUcPeriod"/>
             </a:pPr>
             <a:r>
-              <a:rPr lang="ko-KR" altLang="en-US" sz="1950" dirty="0" err="1">
+              <a:rPr lang="ko-KR" altLang="en-US" sz="1950" strike="sngStrike" dirty="0" err="1">
                 <a:solidFill>
                   <a:schemeClr val="tx1">
                     <a:lumMod val="95000"/>
@@ -6548,7 +6548,7 @@
               <a:t>미니언</a:t>
             </a:r>
             <a:r>
-              <a:rPr lang="ko-KR" altLang="en-US" sz="1950" dirty="0">
+              <a:rPr lang="ko-KR" altLang="en-US" sz="1950" strike="sngStrike" dirty="0">
                 <a:solidFill>
                   <a:schemeClr val="tx1">
                     <a:lumMod val="95000"/>
@@ -6568,7 +6568,7 @@
               <a:t> </a:t>
             </a:r>
             <a:r>
-              <a:rPr lang="ko-KR" altLang="en-US" sz="1950" dirty="0" err="1">
+              <a:rPr lang="ko-KR" altLang="en-US" sz="1950" strike="sngStrike" dirty="0" err="1">
                 <a:solidFill>
                   <a:schemeClr val="tx1">
                     <a:lumMod val="95000"/>
@@ -6588,7 +6588,7 @@
               <a:t>스텟</a:t>
             </a:r>
             <a:r>
-              <a:rPr lang="ko-KR" altLang="en-US" sz="1950" dirty="0">
+              <a:rPr lang="ko-KR" altLang="en-US" sz="1950" strike="sngStrike" dirty="0">
                 <a:solidFill>
                   <a:schemeClr val="tx1">
                     <a:lumMod val="95000"/>
@@ -6607,7 +6607,7 @@
               </a:rPr>
               <a:t> 조정</a:t>
             </a:r>
-            <a:endParaRPr lang="en-US" altLang="ko-KR" sz="1950" dirty="0">
+            <a:endParaRPr lang="en-US" altLang="ko-KR" sz="1950" strike="sngStrike" dirty="0">
               <a:solidFill>
                 <a:schemeClr val="tx1">
                   <a:lumMod val="95000"/>

--- a/진행사항.pptx
+++ b/진행사항.pptx
@@ -229,7 +229,7 @@
           <a:p>
             <a:fld id="{174CF4B6-C8D6-438C-8B7D-E8AF3EC6F65B}" type="datetimeFigureOut">
               <a:rPr lang="ko-KR" altLang="en-US" smtClean="0"/>
-              <a:t>2018-09-05</a:t>
+              <a:t>2018-09-10</a:t>
             </a:fld>
             <a:endParaRPr lang="ko-KR" altLang="en-US"/>
           </a:p>
@@ -665,7 +665,7 @@
           <a:p>
             <a:fld id="{997C0C2C-FB57-479D-BE7F-6EC34BF7043C}" type="datetime1">
               <a:rPr lang="en-US" altLang="ko-KR" smtClean="0"/>
-              <a:t>9/5/2018</a:t>
+              <a:t>9/10/2018</a:t>
             </a:fld>
             <a:endParaRPr lang="en-US" dirty="0"/>
           </a:p>
@@ -996,7 +996,7 @@
           <a:p>
             <a:fld id="{047308E6-C353-4980-BC35-3BA553F61D46}" type="datetime1">
               <a:rPr lang="en-US" altLang="ko-KR" smtClean="0"/>
-              <a:t>9/5/2018</a:t>
+              <a:t>9/10/2018</a:t>
             </a:fld>
             <a:endParaRPr lang="en-US" dirty="0"/>
           </a:p>
@@ -1176,7 +1176,7 @@
           <a:p>
             <a:fld id="{925E33ED-602B-46D4-AC4E-A3EC8D1FE08B}" type="datetime1">
               <a:rPr lang="en-US" altLang="ko-KR" smtClean="0"/>
-              <a:t>9/5/2018</a:t>
+              <a:t>9/10/2018</a:t>
             </a:fld>
             <a:endParaRPr lang="en-US" dirty="0"/>
           </a:p>
@@ -1346,7 +1346,7 @@
           <a:p>
             <a:fld id="{CDCA6F40-FDE7-4477-94C1-42AFCA093BA3}" type="datetime1">
               <a:rPr lang="en-US" altLang="ko-KR" smtClean="0"/>
-              <a:t>9/5/2018</a:t>
+              <a:t>9/10/2018</a:t>
             </a:fld>
             <a:endParaRPr lang="en-US" dirty="0"/>
           </a:p>
@@ -1624,7 +1624,7 @@
           <a:p>
             <a:fld id="{E5AD4DDD-EA1C-4615-97C2-D68EC457B4CF}" type="datetime1">
               <a:rPr lang="en-US" altLang="ko-KR" smtClean="0"/>
-              <a:t>9/5/2018</a:t>
+              <a:t>9/10/2018</a:t>
             </a:fld>
             <a:endParaRPr lang="en-US" dirty="0"/>
           </a:p>
@@ -2075,7 +2075,7 @@
           <a:p>
             <a:fld id="{CA0F03C5-1E3C-44BE-9E2F-087D284D2C5D}" type="datetime1">
               <a:rPr lang="en-US" altLang="ko-KR" smtClean="0"/>
-              <a:t>9/5/2018</a:t>
+              <a:t>9/10/2018</a:t>
             </a:fld>
             <a:endParaRPr lang="en-US" dirty="0"/>
           </a:p>
@@ -2552,7 +2552,7 @@
           <a:p>
             <a:fld id="{23CB4308-201A-4967-870E-1ACB91AA6D8E}" type="datetime1">
               <a:rPr lang="en-US" altLang="ko-KR" smtClean="0"/>
-              <a:t>9/5/2018</a:t>
+              <a:t>9/10/2018</a:t>
             </a:fld>
             <a:endParaRPr lang="en-US" dirty="0"/>
           </a:p>
@@ -2670,7 +2670,7 @@
           <a:p>
             <a:fld id="{2AE391EA-DA61-4C24-8C9E-58C8105C0CDC}" type="datetime1">
               <a:rPr lang="en-US" altLang="ko-KR" smtClean="0"/>
-              <a:t>9/5/2018</a:t>
+              <a:t>9/10/2018</a:t>
             </a:fld>
             <a:endParaRPr lang="en-US" dirty="0"/>
           </a:p>
@@ -2765,7 +2765,7 @@
           <a:p>
             <a:fld id="{14CF23BC-FE77-4485-B606-6CBA74C5D36E}" type="datetime1">
               <a:rPr lang="en-US" altLang="ko-KR" smtClean="0"/>
-              <a:t>9/5/2018</a:t>
+              <a:t>9/10/2018</a:t>
             </a:fld>
             <a:endParaRPr lang="en-US" dirty="0"/>
           </a:p>
@@ -3113,7 +3113,7 @@
           <a:p>
             <a:fld id="{808D6C14-1859-4DDA-AD38-00DE62AE1826}" type="datetime1">
               <a:rPr lang="en-US" altLang="ko-KR" smtClean="0"/>
-              <a:t>9/5/2018</a:t>
+              <a:t>9/10/2018</a:t>
             </a:fld>
             <a:endParaRPr lang="en-US" dirty="0"/>
           </a:p>
@@ -3542,7 +3542,7 @@
           <a:p>
             <a:fld id="{AE734E95-C037-429B-8B5F-D0FAB25DE16C}" type="datetime1">
               <a:rPr lang="en-US" altLang="ko-KR" smtClean="0"/>
-              <a:t>9/5/2018</a:t>
+              <a:t>9/10/2018</a:t>
             </a:fld>
             <a:endParaRPr lang="en-US" dirty="0"/>
           </a:p>
@@ -3859,7 +3859,7 @@
           <a:p>
             <a:fld id="{E0770D22-4CCF-46DD-9D25-F19CC4764808}" type="datetime1">
               <a:rPr lang="en-US" altLang="ko-KR" smtClean="0"/>
-              <a:t>9/5/2018</a:t>
+              <a:t>9/10/2018</a:t>
             </a:fld>
             <a:endParaRPr lang="en-US" dirty="0"/>
           </a:p>
@@ -6634,7 +6634,7 @@
               <a:buAutoNum type="alphaUcPeriod"/>
             </a:pPr>
             <a:r>
-              <a:rPr lang="ko-KR" altLang="en-US" sz="1950" dirty="0">
+              <a:rPr lang="ko-KR" altLang="en-US" sz="1950" strike="sngStrike" dirty="0">
                 <a:solidFill>
                   <a:schemeClr val="tx1">
                     <a:lumMod val="95000"/>
@@ -6653,7 +6653,7 @@
               </a:rPr>
               <a:t>플레이어 특성 조정</a:t>
             </a:r>
-            <a:endParaRPr lang="en-US" altLang="ko-KR" sz="1950" dirty="0">
+            <a:endParaRPr lang="en-US" altLang="ko-KR" sz="1950" strike="sngStrike" dirty="0">
               <a:solidFill>
                 <a:schemeClr val="tx1">
                   <a:lumMod val="95000"/>
@@ -6680,7 +6680,7 @@
               <a:buAutoNum type="alphaUcPeriod"/>
             </a:pPr>
             <a:r>
-              <a:rPr lang="en-US" altLang="ko-KR" sz="1950" dirty="0">
+              <a:rPr lang="en-US" altLang="ko-KR" sz="1950" strike="sngStrike" dirty="0">
                 <a:solidFill>
                   <a:schemeClr val="tx1">
                     <a:lumMod val="95000"/>
@@ -6700,7 +6700,7 @@
               <a:t>HP </a:t>
             </a:r>
             <a:r>
-              <a:rPr lang="ko-KR" altLang="en-US" sz="1950" dirty="0">
+              <a:rPr lang="ko-KR" altLang="en-US" sz="1950" strike="sngStrike" dirty="0">
                 <a:solidFill>
                   <a:schemeClr val="tx1">
                     <a:lumMod val="95000"/>
@@ -6719,7 +6719,7 @@
               </a:rPr>
               <a:t>회복 시스템 추가</a:t>
             </a:r>
-            <a:endParaRPr lang="en-US" altLang="ko-KR" sz="1950" dirty="0">
+            <a:endParaRPr lang="en-US" altLang="ko-KR" sz="1950" strike="sngStrike" dirty="0">
               <a:solidFill>
                 <a:schemeClr val="tx1">
                   <a:lumMod val="95000"/>

--- a/진행사항.pptx
+++ b/진행사항.pptx
@@ -5,7 +5,7 @@
     <p:sldMasterId id="2147483660" r:id="rId1"/>
   </p:sldMasterIdLst>
   <p:notesMasterIdLst>
-    <p:notesMasterId r:id="rId24"/>
+    <p:notesMasterId r:id="rId25"/>
   </p:notesMasterIdLst>
   <p:sldIdLst>
     <p:sldId id="281" r:id="rId2"/>
@@ -19,17 +19,18 @@
     <p:sldId id="312" r:id="rId10"/>
     <p:sldId id="315" r:id="rId11"/>
     <p:sldId id="316" r:id="rId12"/>
-    <p:sldId id="302" r:id="rId13"/>
-    <p:sldId id="306" r:id="rId14"/>
-    <p:sldId id="307" r:id="rId15"/>
-    <p:sldId id="305" r:id="rId16"/>
-    <p:sldId id="309" r:id="rId17"/>
-    <p:sldId id="310" r:id="rId18"/>
-    <p:sldId id="311" r:id="rId19"/>
-    <p:sldId id="304" r:id="rId20"/>
-    <p:sldId id="314" r:id="rId21"/>
-    <p:sldId id="313" r:id="rId22"/>
-    <p:sldId id="303" r:id="rId23"/>
+    <p:sldId id="317" r:id="rId13"/>
+    <p:sldId id="302" r:id="rId14"/>
+    <p:sldId id="306" r:id="rId15"/>
+    <p:sldId id="307" r:id="rId16"/>
+    <p:sldId id="305" r:id="rId17"/>
+    <p:sldId id="309" r:id="rId18"/>
+    <p:sldId id="310" r:id="rId19"/>
+    <p:sldId id="311" r:id="rId20"/>
+    <p:sldId id="304" r:id="rId21"/>
+    <p:sldId id="314" r:id="rId22"/>
+    <p:sldId id="313" r:id="rId23"/>
+    <p:sldId id="303" r:id="rId24"/>
   </p:sldIdLst>
   <p:sldSz cx="9144000" cy="6858000" type="screen4x3"/>
   <p:notesSz cx="6858000" cy="9144000"/>
@@ -229,7 +230,7 @@
           <a:p>
             <a:fld id="{174CF4B6-C8D6-438C-8B7D-E8AF3EC6F65B}" type="datetimeFigureOut">
               <a:rPr lang="ko-KR" altLang="en-US" smtClean="0"/>
-              <a:t>2018-09-10</a:t>
+              <a:t>2018-09-15</a:t>
             </a:fld>
             <a:endParaRPr lang="ko-KR" altLang="en-US"/>
           </a:p>
@@ -665,7 +666,7 @@
           <a:p>
             <a:fld id="{997C0C2C-FB57-479D-BE7F-6EC34BF7043C}" type="datetime1">
               <a:rPr lang="en-US" altLang="ko-KR" smtClean="0"/>
-              <a:t>9/10/2018</a:t>
+              <a:t>9/15/2018</a:t>
             </a:fld>
             <a:endParaRPr lang="en-US" dirty="0"/>
           </a:p>
@@ -996,7 +997,7 @@
           <a:p>
             <a:fld id="{047308E6-C353-4980-BC35-3BA553F61D46}" type="datetime1">
               <a:rPr lang="en-US" altLang="ko-KR" smtClean="0"/>
-              <a:t>9/10/2018</a:t>
+              <a:t>9/15/2018</a:t>
             </a:fld>
             <a:endParaRPr lang="en-US" dirty="0"/>
           </a:p>
@@ -1176,7 +1177,7 @@
           <a:p>
             <a:fld id="{925E33ED-602B-46D4-AC4E-A3EC8D1FE08B}" type="datetime1">
               <a:rPr lang="en-US" altLang="ko-KR" smtClean="0"/>
-              <a:t>9/10/2018</a:t>
+              <a:t>9/15/2018</a:t>
             </a:fld>
             <a:endParaRPr lang="en-US" dirty="0"/>
           </a:p>
@@ -1346,7 +1347,7 @@
           <a:p>
             <a:fld id="{CDCA6F40-FDE7-4477-94C1-42AFCA093BA3}" type="datetime1">
               <a:rPr lang="en-US" altLang="ko-KR" smtClean="0"/>
-              <a:t>9/10/2018</a:t>
+              <a:t>9/15/2018</a:t>
             </a:fld>
             <a:endParaRPr lang="en-US" dirty="0"/>
           </a:p>
@@ -1624,7 +1625,7 @@
           <a:p>
             <a:fld id="{E5AD4DDD-EA1C-4615-97C2-D68EC457B4CF}" type="datetime1">
               <a:rPr lang="en-US" altLang="ko-KR" smtClean="0"/>
-              <a:t>9/10/2018</a:t>
+              <a:t>9/15/2018</a:t>
             </a:fld>
             <a:endParaRPr lang="en-US" dirty="0"/>
           </a:p>
@@ -2075,7 +2076,7 @@
           <a:p>
             <a:fld id="{CA0F03C5-1E3C-44BE-9E2F-087D284D2C5D}" type="datetime1">
               <a:rPr lang="en-US" altLang="ko-KR" smtClean="0"/>
-              <a:t>9/10/2018</a:t>
+              <a:t>9/15/2018</a:t>
             </a:fld>
             <a:endParaRPr lang="en-US" dirty="0"/>
           </a:p>
@@ -2552,7 +2553,7 @@
           <a:p>
             <a:fld id="{23CB4308-201A-4967-870E-1ACB91AA6D8E}" type="datetime1">
               <a:rPr lang="en-US" altLang="ko-KR" smtClean="0"/>
-              <a:t>9/10/2018</a:t>
+              <a:t>9/15/2018</a:t>
             </a:fld>
             <a:endParaRPr lang="en-US" dirty="0"/>
           </a:p>
@@ -2670,7 +2671,7 @@
           <a:p>
             <a:fld id="{2AE391EA-DA61-4C24-8C9E-58C8105C0CDC}" type="datetime1">
               <a:rPr lang="en-US" altLang="ko-KR" smtClean="0"/>
-              <a:t>9/10/2018</a:t>
+              <a:t>9/15/2018</a:t>
             </a:fld>
             <a:endParaRPr lang="en-US" dirty="0"/>
           </a:p>
@@ -2765,7 +2766,7 @@
           <a:p>
             <a:fld id="{14CF23BC-FE77-4485-B606-6CBA74C5D36E}" type="datetime1">
               <a:rPr lang="en-US" altLang="ko-KR" smtClean="0"/>
-              <a:t>9/10/2018</a:t>
+              <a:t>9/15/2018</a:t>
             </a:fld>
             <a:endParaRPr lang="en-US" dirty="0"/>
           </a:p>
@@ -3113,7 +3114,7 @@
           <a:p>
             <a:fld id="{808D6C14-1859-4DDA-AD38-00DE62AE1826}" type="datetime1">
               <a:rPr lang="en-US" altLang="ko-KR" smtClean="0"/>
-              <a:t>9/10/2018</a:t>
+              <a:t>9/15/2018</a:t>
             </a:fld>
             <a:endParaRPr lang="en-US" dirty="0"/>
           </a:p>
@@ -3542,7 +3543,7 @@
           <a:p>
             <a:fld id="{AE734E95-C037-429B-8B5F-D0FAB25DE16C}" type="datetime1">
               <a:rPr lang="en-US" altLang="ko-KR" smtClean="0"/>
-              <a:t>9/10/2018</a:t>
+              <a:t>9/15/2018</a:t>
             </a:fld>
             <a:endParaRPr lang="en-US" dirty="0"/>
           </a:p>
@@ -3859,7 +3860,7 @@
           <a:p>
             <a:fld id="{E0770D22-4CCF-46DD-9D25-F19CC4764808}" type="datetime1">
               <a:rPr lang="en-US" altLang="ko-KR" smtClean="0"/>
-              <a:t>9/10/2018</a:t>
+              <a:t>9/15/2018</a:t>
             </a:fld>
             <a:endParaRPr lang="en-US" dirty="0"/>
           </a:p>
@@ -6083,7 +6084,7 @@
         </p:spPr>
         <p:txBody>
           <a:bodyPr>
-            <a:normAutofit fontScale="92500" lnSpcReduction="10000"/>
+            <a:normAutofit/>
           </a:bodyPr>
           <a:lstStyle/>
           <a:p>
@@ -6482,7 +6483,7 @@
               <a:buAutoNum type="alphaUcPeriod"/>
             </a:pPr>
             <a:r>
-              <a:rPr lang="ko-KR" altLang="en-US" sz="1950" dirty="0">
+              <a:rPr lang="ko-KR" altLang="en-US" sz="1950" strike="sngStrike" dirty="0" err="1">
                 <a:solidFill>
                   <a:schemeClr val="tx1">
                     <a:lumMod val="95000"/>
@@ -6499,7 +6500,67 @@
                 <a:latin typeface="맑은 고딕" panose="020B0503020000020004" pitchFamily="50" charset="-127"/>
                 <a:ea typeface="맑은 고딕" panose="020B0503020000020004" pitchFamily="50" charset="-127"/>
               </a:rPr>
-              <a:t>카메라 위치 조정</a:t>
+              <a:t>미니언</a:t>
+            </a:r>
+            <a:r>
+              <a:rPr lang="ko-KR" altLang="en-US" sz="1950" strike="sngStrike" dirty="0">
+                <a:solidFill>
+                  <a:schemeClr val="tx1">
+                    <a:lumMod val="95000"/>
+                    <a:lumOff val="5000"/>
+                  </a:schemeClr>
+                </a:solidFill>
+                <a:effectLst>
+                  <a:outerShdw blurRad="38100" dist="38100" dir="2700000" algn="tl">
+                    <a:srgbClr val="000000">
+                      <a:alpha val="43137"/>
+                    </a:srgbClr>
+                  </a:outerShdw>
+                </a:effectLst>
+                <a:latin typeface="맑은 고딕" panose="020B0503020000020004" pitchFamily="50" charset="-127"/>
+                <a:ea typeface="맑은 고딕" panose="020B0503020000020004" pitchFamily="50" charset="-127"/>
+              </a:rPr>
+              <a:t> </a:t>
+            </a:r>
+            <a:r>
+              <a:rPr lang="ko-KR" altLang="en-US" sz="1950" strike="sngStrike" dirty="0" err="1">
+                <a:solidFill>
+                  <a:schemeClr val="tx1">
+                    <a:lumMod val="95000"/>
+                    <a:lumOff val="5000"/>
+                  </a:schemeClr>
+                </a:solidFill>
+                <a:effectLst>
+                  <a:outerShdw blurRad="38100" dist="38100" dir="2700000" algn="tl">
+                    <a:srgbClr val="000000">
+                      <a:alpha val="43137"/>
+                    </a:srgbClr>
+                  </a:outerShdw>
+                </a:effectLst>
+                <a:latin typeface="맑은 고딕" panose="020B0503020000020004" pitchFamily="50" charset="-127"/>
+                <a:ea typeface="맑은 고딕" panose="020B0503020000020004" pitchFamily="50" charset="-127"/>
+              </a:rPr>
+              <a:t>스텟</a:t>
+            </a:r>
+            <a:r>
+              <a:rPr lang="ko-KR" altLang="en-US" sz="1950" strike="sngStrike" dirty="0">
+                <a:solidFill>
+                  <a:schemeClr val="tx1">
+                    <a:lumMod val="95000"/>
+                    <a:lumOff val="5000"/>
+                  </a:schemeClr>
+                </a:solidFill>
+                <a:effectLst>
+                  <a:outerShdw blurRad="38100" dist="38100" dir="2700000" algn="tl">
+                    <a:srgbClr val="000000">
+                      <a:alpha val="43137"/>
+                    </a:srgbClr>
+                  </a:outerShdw>
+                </a:effectLst>
+                <a:latin typeface="맑은 고딕" panose="020B0503020000020004" pitchFamily="50" charset="-127"/>
+                <a:ea typeface="맑은 고딕" panose="020B0503020000020004" pitchFamily="50" charset="-127"/>
+              </a:rPr>
+              <a:t> 조정</a:t>
             </a:r>
             <a:endParaRPr lang="en-US" altLang="ko-KR" sz="1950" strike="sngStrike" dirty="0">
               <a:solidFill>
@@ -6528,7 +6589,7 @@
               <a:buAutoNum type="alphaUcPeriod"/>
             </a:pPr>
             <a:r>
-              <a:rPr lang="ko-KR" altLang="en-US" sz="1950" strike="sngStrike" dirty="0" err="1">
+              <a:rPr lang="ko-KR" altLang="en-US" sz="1950" strike="sngStrike" dirty="0">
                 <a:solidFill>
                   <a:schemeClr val="tx1">
                     <a:lumMod val="95000"/>
@@ -6545,67 +6606,7 @@
                 <a:latin typeface="맑은 고딕" panose="020B0503020000020004" pitchFamily="50" charset="-127"/>
                 <a:ea typeface="맑은 고딕" panose="020B0503020000020004" pitchFamily="50" charset="-127"/>
               </a:rPr>
-              <a:t>미니언</a:t>
-            </a:r>
-            <a:r>
-              <a:rPr lang="ko-KR" altLang="en-US" sz="1950" strike="sngStrike" dirty="0">
-                <a:solidFill>
-                  <a:schemeClr val="tx1">
-                    <a:lumMod val="95000"/>
-                    <a:lumOff val="5000"/>
-                  </a:schemeClr>
-                </a:solidFill>
-                <a:effectLst>
-                  <a:outerShdw blurRad="38100" dist="38100" dir="2700000" algn="tl">
-                    <a:srgbClr val="000000">
-                      <a:alpha val="43137"/>
-                    </a:srgbClr>
-                  </a:outerShdw>
-                </a:effectLst>
-                <a:latin typeface="맑은 고딕" panose="020B0503020000020004" pitchFamily="50" charset="-127"/>
-                <a:ea typeface="맑은 고딕" panose="020B0503020000020004" pitchFamily="50" charset="-127"/>
-              </a:rPr>
-              <a:t> </a:t>
-            </a:r>
-            <a:r>
-              <a:rPr lang="ko-KR" altLang="en-US" sz="1950" strike="sngStrike" dirty="0" err="1">
-                <a:solidFill>
-                  <a:schemeClr val="tx1">
-                    <a:lumMod val="95000"/>
-                    <a:lumOff val="5000"/>
-                  </a:schemeClr>
-                </a:solidFill>
-                <a:effectLst>
-                  <a:outerShdw blurRad="38100" dist="38100" dir="2700000" algn="tl">
-                    <a:srgbClr val="000000">
-                      <a:alpha val="43137"/>
-                    </a:srgbClr>
-                  </a:outerShdw>
-                </a:effectLst>
-                <a:latin typeface="맑은 고딕" panose="020B0503020000020004" pitchFamily="50" charset="-127"/>
-                <a:ea typeface="맑은 고딕" panose="020B0503020000020004" pitchFamily="50" charset="-127"/>
-              </a:rPr>
-              <a:t>스텟</a:t>
-            </a:r>
-            <a:r>
-              <a:rPr lang="ko-KR" altLang="en-US" sz="1950" strike="sngStrike" dirty="0">
-                <a:solidFill>
-                  <a:schemeClr val="tx1">
-                    <a:lumMod val="95000"/>
-                    <a:lumOff val="5000"/>
-                  </a:schemeClr>
-                </a:solidFill>
-                <a:effectLst>
-                  <a:outerShdw blurRad="38100" dist="38100" dir="2700000" algn="tl">
-                    <a:srgbClr val="000000">
-                      <a:alpha val="43137"/>
-                    </a:srgbClr>
-                  </a:outerShdw>
-                </a:effectLst>
-                <a:latin typeface="맑은 고딕" panose="020B0503020000020004" pitchFamily="50" charset="-127"/>
-                <a:ea typeface="맑은 고딕" panose="020B0503020000020004" pitchFamily="50" charset="-127"/>
-              </a:rPr>
-              <a:t> 조정</a:t>
+              <a:t>플레이어 특성 조정</a:t>
             </a:r>
             <a:endParaRPr lang="en-US" altLang="ko-KR" sz="1950" strike="sngStrike" dirty="0">
               <a:solidFill>
@@ -6634,52 +6635,6 @@
               <a:buAutoNum type="alphaUcPeriod"/>
             </a:pPr>
             <a:r>
-              <a:rPr lang="ko-KR" altLang="en-US" sz="1950" strike="sngStrike" dirty="0">
-                <a:solidFill>
-                  <a:schemeClr val="tx1">
-                    <a:lumMod val="95000"/>
-                    <a:lumOff val="5000"/>
-                  </a:schemeClr>
-                </a:solidFill>
-                <a:effectLst>
-                  <a:outerShdw blurRad="38100" dist="38100" dir="2700000" algn="tl">
-                    <a:srgbClr val="000000">
-                      <a:alpha val="43137"/>
-                    </a:srgbClr>
-                  </a:outerShdw>
-                </a:effectLst>
-                <a:latin typeface="맑은 고딕" panose="020B0503020000020004" pitchFamily="50" charset="-127"/>
-                <a:ea typeface="맑은 고딕" panose="020B0503020000020004" pitchFamily="50" charset="-127"/>
-              </a:rPr>
-              <a:t>플레이어 특성 조정</a:t>
-            </a:r>
-            <a:endParaRPr lang="en-US" altLang="ko-KR" sz="1950" strike="sngStrike" dirty="0">
-              <a:solidFill>
-                <a:schemeClr val="tx1">
-                  <a:lumMod val="95000"/>
-                  <a:lumOff val="5000"/>
-                </a:schemeClr>
-              </a:solidFill>
-              <a:effectLst>
-                <a:outerShdw blurRad="38100" dist="38100" dir="2700000" algn="tl">
-                  <a:srgbClr val="000000">
-                    <a:alpha val="43137"/>
-                  </a:srgbClr>
-                </a:outerShdw>
-              </a:effectLst>
-              <a:latin typeface="맑은 고딕" panose="020B0503020000020004" pitchFamily="50" charset="-127"/>
-              <a:ea typeface="맑은 고딕" panose="020B0503020000020004" pitchFamily="50" charset="-127"/>
-            </a:endParaRPr>
-          </a:p>
-          <a:p>
-            <a:pPr marL="457200" indent="-457200">
-              <a:lnSpc>
-                <a:spcPct val="160000"/>
-              </a:lnSpc>
-              <a:buFont typeface="+mj-lt"/>
-              <a:buAutoNum type="alphaUcPeriod"/>
-            </a:pPr>
-            <a:r>
               <a:rPr lang="en-US" altLang="ko-KR" sz="1950" strike="sngStrike" dirty="0">
                 <a:solidFill>
                   <a:schemeClr val="tx1">
@@ -6720,92 +6675,6 @@
               <a:t>회복 시스템 추가</a:t>
             </a:r>
             <a:endParaRPr lang="en-US" altLang="ko-KR" sz="1950" strike="sngStrike" dirty="0">
-              <a:solidFill>
-                <a:schemeClr val="tx1">
-                  <a:lumMod val="95000"/>
-                  <a:lumOff val="5000"/>
-                </a:schemeClr>
-              </a:solidFill>
-              <a:effectLst>
-                <a:outerShdw blurRad="38100" dist="38100" dir="2700000" algn="tl">
-                  <a:srgbClr val="000000">
-                    <a:alpha val="43137"/>
-                  </a:srgbClr>
-                </a:outerShdw>
-              </a:effectLst>
-              <a:latin typeface="맑은 고딕" panose="020B0503020000020004" pitchFamily="50" charset="-127"/>
-              <a:ea typeface="맑은 고딕" panose="020B0503020000020004" pitchFamily="50" charset="-127"/>
-            </a:endParaRPr>
-          </a:p>
-          <a:p>
-            <a:pPr marL="457200" indent="-457200">
-              <a:lnSpc>
-                <a:spcPct val="160000"/>
-              </a:lnSpc>
-              <a:buFont typeface="+mj-lt"/>
-              <a:buAutoNum type="alphaUcPeriod"/>
-            </a:pPr>
-            <a:r>
-              <a:rPr lang="ko-KR" altLang="en-US" sz="1950" dirty="0">
-                <a:solidFill>
-                  <a:schemeClr val="tx1">
-                    <a:lumMod val="95000"/>
-                    <a:lumOff val="5000"/>
-                  </a:schemeClr>
-                </a:solidFill>
-                <a:effectLst>
-                  <a:outerShdw blurRad="38100" dist="38100" dir="2700000" algn="tl">
-                    <a:srgbClr val="000000">
-                      <a:alpha val="43137"/>
-                    </a:srgbClr>
-                  </a:outerShdw>
-                </a:effectLst>
-                <a:latin typeface="맑은 고딕" panose="020B0503020000020004" pitchFamily="50" charset="-127"/>
-                <a:ea typeface="맑은 고딕" panose="020B0503020000020004" pitchFamily="50" charset="-127"/>
-              </a:rPr>
-              <a:t>플레이어 </a:t>
-            </a:r>
-            <a:r>
-              <a:rPr lang="en-US" altLang="ko-KR" sz="1950" dirty="0">
-                <a:solidFill>
-                  <a:schemeClr val="tx1">
-                    <a:lumMod val="95000"/>
-                    <a:lumOff val="5000"/>
-                  </a:schemeClr>
-                </a:solidFill>
-                <a:effectLst>
-                  <a:outerShdw blurRad="38100" dist="38100" dir="2700000" algn="tl">
-                    <a:srgbClr val="000000">
-                      <a:alpha val="43137"/>
-                    </a:srgbClr>
-                  </a:outerShdw>
-                </a:effectLst>
-                <a:latin typeface="맑은 고딕" panose="020B0503020000020004" pitchFamily="50" charset="-127"/>
-                <a:ea typeface="맑은 고딕" panose="020B0503020000020004" pitchFamily="50" charset="-127"/>
-              </a:rPr>
-              <a:t>AI </a:t>
-            </a:r>
-            <a:r>
-              <a:rPr lang="ko-KR" altLang="en-US" sz="1950" dirty="0">
-                <a:solidFill>
-                  <a:schemeClr val="tx1">
-                    <a:lumMod val="95000"/>
-                    <a:lumOff val="5000"/>
-                  </a:schemeClr>
-                </a:solidFill>
-                <a:effectLst>
-                  <a:outerShdw blurRad="38100" dist="38100" dir="2700000" algn="tl">
-                    <a:srgbClr val="000000">
-                      <a:alpha val="43137"/>
-                    </a:srgbClr>
-                  </a:outerShdw>
-                </a:effectLst>
-                <a:latin typeface="맑은 고딕" panose="020B0503020000020004" pitchFamily="50" charset="-127"/>
-                <a:ea typeface="맑은 고딕" panose="020B0503020000020004" pitchFamily="50" charset="-127"/>
-              </a:rPr>
-              <a:t>제작</a:t>
-            </a:r>
-            <a:endParaRPr lang="en-US" altLang="ko-KR" sz="1950" dirty="0">
               <a:solidFill>
                 <a:schemeClr val="tx1">
                   <a:lumMod val="95000"/>
@@ -7300,6 +7169,52 @@
               <a:buFont typeface="+mj-lt"/>
               <a:buAutoNum type="alphaUcPeriod"/>
             </a:pPr>
+            <a:r>
+              <a:rPr lang="ko-KR" altLang="en-US" sz="1950" dirty="0">
+                <a:solidFill>
+                  <a:schemeClr val="tx1">
+                    <a:lumMod val="95000"/>
+                    <a:lumOff val="5000"/>
+                  </a:schemeClr>
+                </a:solidFill>
+                <a:effectLst>
+                  <a:outerShdw blurRad="38100" dist="38100" dir="2700000" algn="tl">
+                    <a:srgbClr val="000000">
+                      <a:alpha val="43137"/>
+                    </a:srgbClr>
+                  </a:outerShdw>
+                </a:effectLst>
+                <a:latin typeface="맑은 고딕" panose="020B0503020000020004" pitchFamily="50" charset="-127"/>
+                <a:ea typeface="맑은 고딕" panose="020B0503020000020004" pitchFamily="50" charset="-127"/>
+              </a:rPr>
+              <a:t>멀티 씬 처리 가능하도록 서버 구조 변경</a:t>
+            </a:r>
+            <a:endParaRPr lang="en-US" altLang="ko-KR" sz="1950" dirty="0">
+              <a:solidFill>
+                <a:schemeClr val="tx1">
+                  <a:lumMod val="95000"/>
+                  <a:lumOff val="5000"/>
+                </a:schemeClr>
+              </a:solidFill>
+              <a:effectLst>
+                <a:outerShdw blurRad="38100" dist="38100" dir="2700000" algn="tl">
+                  <a:srgbClr val="000000">
+                    <a:alpha val="43137"/>
+                  </a:srgbClr>
+                </a:outerShdw>
+              </a:effectLst>
+              <a:latin typeface="맑은 고딕" panose="020B0503020000020004" pitchFamily="50" charset="-127"/>
+              <a:ea typeface="맑은 고딕" panose="020B0503020000020004" pitchFamily="50" charset="-127"/>
+            </a:endParaRPr>
+          </a:p>
+          <a:p>
+            <a:pPr marL="457200" indent="-457200">
+              <a:lnSpc>
+                <a:spcPct val="160000"/>
+              </a:lnSpc>
+              <a:buFont typeface="+mj-lt"/>
+              <a:buAutoNum type="alphaUcPeriod"/>
+            </a:pPr>
             <a:endParaRPr lang="en-US" altLang="ko-KR" sz="1950" dirty="0">
               <a:solidFill>
                 <a:schemeClr val="tx1">
@@ -7439,7 +7354,7 @@
               <a:t>- </a:t>
             </a:r>
             <a:r>
-              <a:rPr lang="ko-KR" altLang="en-US" sz="3600" b="1" dirty="0">
+              <a:rPr lang="ko-KR" altLang="en-US" sz="3600" b="1" dirty="0" err="1">
                 <a:solidFill>
                   <a:schemeClr val="tx1">
                     <a:lumMod val="95000"/>
@@ -7449,8 +7364,18 @@
                 <a:latin typeface="맑은 고딕" panose="020B0503020000020004" pitchFamily="50" charset="-127"/>
                 <a:ea typeface="맑은 고딕" panose="020B0503020000020004" pitchFamily="50" charset="-127"/>
               </a:rPr>
-              <a:t>이용선</a:t>
-            </a:r>
+              <a:t>김나단</a:t>
+            </a:r>
+            <a:endParaRPr lang="ko-KR" altLang="en-US" sz="3600" b="1" dirty="0">
+              <a:solidFill>
+                <a:schemeClr val="tx1">
+                  <a:lumMod val="95000"/>
+                  <a:lumOff val="5000"/>
+                </a:schemeClr>
+              </a:solidFill>
+              <a:latin typeface="맑은 고딕" panose="020B0503020000020004" pitchFamily="50" charset="-127"/>
+              <a:ea typeface="맑은 고딕" panose="020B0503020000020004" pitchFamily="50" charset="-127"/>
+            </a:endParaRPr>
           </a:p>
         </p:txBody>
       </p:sp>
@@ -7473,7 +7398,7 @@
         <p:spPr>
           <a:xfrm>
             <a:off x="1028700" y="1828626"/>
-            <a:ext cx="7200900" cy="4377774"/>
+            <a:ext cx="7200900" cy="4876974"/>
           </a:xfrm>
         </p:spPr>
         <p:txBody>
@@ -7490,7 +7415,7 @@
               <a:buAutoNum type="alphaUcPeriod"/>
             </a:pPr>
             <a:r>
-              <a:rPr lang="en-US" altLang="ko-KR" sz="1950" i="0" dirty="0">
+              <a:rPr lang="ko-KR" altLang="en-US" sz="1950" dirty="0">
                 <a:solidFill>
                   <a:schemeClr val="tx1">
                     <a:lumMod val="95000"/>
@@ -7507,38 +7432,9 @@
                 <a:latin typeface="맑은 고딕" panose="020B0503020000020004" pitchFamily="50" charset="-127"/>
                 <a:ea typeface="맑은 고딕" panose="020B0503020000020004" pitchFamily="50" charset="-127"/>
               </a:rPr>
-              <a:t>UI</a:t>
-            </a:r>
-          </a:p>
-          <a:p>
-            <a:pPr marL="987552" lvl="1" indent="-457200">
-              <a:lnSpc>
-                <a:spcPct val="160000"/>
-              </a:lnSpc>
-              <a:buFont typeface="+mj-lt"/>
-              <a:buAutoNum type="alphaUcPeriod"/>
-            </a:pPr>
-            <a:r>
-              <a:rPr lang="ko-KR" altLang="en-US" sz="1950" i="0" dirty="0" err="1">
-                <a:solidFill>
-                  <a:schemeClr val="tx1">
-                    <a:lumMod val="95000"/>
-                    <a:lumOff val="5000"/>
-                  </a:schemeClr>
-                </a:solidFill>
-                <a:effectLst>
-                  <a:outerShdw blurRad="38100" dist="38100" dir="2700000" algn="tl">
-                    <a:srgbClr val="000000">
-                      <a:alpha val="43137"/>
-                    </a:srgbClr>
-                  </a:outerShdw>
-                </a:effectLst>
-                <a:latin typeface="맑은 고딕" panose="020B0503020000020004" pitchFamily="50" charset="-127"/>
-                <a:ea typeface="맑은 고딕" panose="020B0503020000020004" pitchFamily="50" charset="-127"/>
-              </a:rPr>
-              <a:t>미니맵</a:t>
-            </a:r>
-            <a:endParaRPr lang="en-US" altLang="ko-KR" sz="1950" i="0" dirty="0">
+              <a:t>타이틀 씬 구현</a:t>
+            </a:r>
+            <a:endParaRPr lang="en-US" altLang="ko-KR" sz="1950" dirty="0">
               <a:solidFill>
                 <a:schemeClr val="tx1">
                   <a:lumMod val="95000"/>
@@ -7557,7 +7453,7 @@
             </a:endParaRPr>
           </a:p>
           <a:p>
-            <a:pPr marL="1330452" lvl="2" indent="-342900">
+            <a:pPr marL="457200" indent="-457200">
               <a:lnSpc>
                 <a:spcPct val="160000"/>
               </a:lnSpc>
@@ -7565,7 +7461,7 @@
               <a:buAutoNum type="alphaUcPeriod"/>
             </a:pPr>
             <a:r>
-              <a:rPr lang="ko-KR" altLang="en-US" sz="1750" i="0" strike="sngStrike" dirty="0">
+              <a:rPr lang="ko-KR" altLang="en-US" sz="1950" dirty="0">
                 <a:solidFill>
                   <a:schemeClr val="tx1">
                     <a:lumMod val="95000"/>
@@ -7582,9 +7478,9 @@
                 <a:latin typeface="맑은 고딕" panose="020B0503020000020004" pitchFamily="50" charset="-127"/>
                 <a:ea typeface="맑은 고딕" panose="020B0503020000020004" pitchFamily="50" charset="-127"/>
               </a:rPr>
-              <a:t>우측 클릭 이동</a:t>
-            </a:r>
-            <a:endParaRPr lang="en-US" altLang="ko-KR" sz="1750" i="0" strike="sngStrike" dirty="0">
+              <a:t>로비 씬 구현</a:t>
+            </a:r>
+            <a:endParaRPr lang="en-US" altLang="ko-KR" sz="1950" dirty="0">
               <a:solidFill>
                 <a:schemeClr val="tx1">
                   <a:lumMod val="95000"/>
@@ -7603,7 +7499,7 @@
             </a:endParaRPr>
           </a:p>
           <a:p>
-            <a:pPr marL="1330452" lvl="2" indent="-342900">
+            <a:pPr marL="457200" indent="-457200">
               <a:lnSpc>
                 <a:spcPct val="160000"/>
               </a:lnSpc>
@@ -7611,7 +7507,7 @@
               <a:buAutoNum type="alphaUcPeriod"/>
             </a:pPr>
             <a:r>
-              <a:rPr lang="ko-KR" altLang="en-US" sz="1750" strike="dblStrike" dirty="0">
+              <a:rPr lang="ko-KR" altLang="en-US" sz="1950" dirty="0">
                 <a:solidFill>
                   <a:schemeClr val="tx1">
                     <a:lumMod val="95000"/>
@@ -7628,10 +7524,36 @@
                 <a:latin typeface="맑은 고딕" panose="020B0503020000020004" pitchFamily="50" charset="-127"/>
                 <a:ea typeface="맑은 고딕" panose="020B0503020000020004" pitchFamily="50" charset="-127"/>
               </a:rPr>
-              <a:t>우측 클릭 이동 길 </a:t>
-            </a:r>
-            <a:r>
-              <a:rPr lang="ko-KR" altLang="en-US" sz="1750" strike="dblStrike" dirty="0" err="1">
+              <a:t>룸 씬 구현</a:t>
+            </a:r>
+            <a:endParaRPr lang="en-US" altLang="ko-KR" sz="1950" dirty="0">
+              <a:solidFill>
+                <a:schemeClr val="tx1">
+                  <a:lumMod val="95000"/>
+                  <a:lumOff val="5000"/>
+                </a:schemeClr>
+              </a:solidFill>
+              <a:effectLst>
+                <a:outerShdw blurRad="38100" dist="38100" dir="2700000" algn="tl">
+                  <a:srgbClr val="000000">
+                    <a:alpha val="43137"/>
+                  </a:srgbClr>
+                </a:outerShdw>
+              </a:effectLst>
+              <a:latin typeface="맑은 고딕" panose="020B0503020000020004" pitchFamily="50" charset="-127"/>
+              <a:ea typeface="맑은 고딕" panose="020B0503020000020004" pitchFamily="50" charset="-127"/>
+            </a:endParaRPr>
+          </a:p>
+          <a:p>
+            <a:pPr marL="457200" indent="-457200">
+              <a:lnSpc>
+                <a:spcPct val="160000"/>
+              </a:lnSpc>
+              <a:buFont typeface="+mj-lt"/>
+              <a:buAutoNum type="alphaUcPeriod"/>
+            </a:pPr>
+            <a:r>
+              <a:rPr lang="ko-KR" altLang="en-US" sz="1950" dirty="0">
                 <a:solidFill>
                   <a:schemeClr val="tx1">
                     <a:lumMod val="95000"/>
@@ -7648,10 +7570,10 @@
                 <a:latin typeface="맑은 고딕" panose="020B0503020000020004" pitchFamily="50" charset="-127"/>
                 <a:ea typeface="맑은 고딕" panose="020B0503020000020004" pitchFamily="50" charset="-127"/>
               </a:rPr>
-              <a:t>미니맵</a:t>
-            </a:r>
-            <a:r>
-              <a:rPr lang="ko-KR" altLang="en-US" sz="1750" strike="dblStrike" dirty="0">
+              <a:t>룸 씬 </a:t>
+            </a:r>
+            <a:r>
+              <a:rPr lang="en-US" altLang="ko-KR" sz="1950" dirty="0">
                 <a:solidFill>
                   <a:schemeClr val="tx1">
                     <a:lumMod val="95000"/>
@@ -7668,10 +7590,10 @@
                 <a:latin typeface="맑은 고딕" panose="020B0503020000020004" pitchFamily="50" charset="-127"/>
                 <a:ea typeface="맑은 고딕" panose="020B0503020000020004" pitchFamily="50" charset="-127"/>
               </a:rPr>
-              <a:t> 표시 </a:t>
-            </a:r>
-            <a:r>
-              <a:rPr lang="en-US" altLang="ko-KR" sz="1750" strike="dblStrike" dirty="0">
+              <a:t>-</a:t>
+            </a:r>
+            <a:r>
+              <a:rPr lang="ko-KR" altLang="en-US" sz="1950" dirty="0">
                 <a:solidFill>
                   <a:schemeClr val="tx1">
                     <a:lumMod val="95000"/>
@@ -7688,10 +7610,36 @@
                 <a:latin typeface="맑은 고딕" panose="020B0503020000020004" pitchFamily="50" charset="-127"/>
                 <a:ea typeface="맑은 고딕" panose="020B0503020000020004" pitchFamily="50" charset="-127"/>
               </a:rPr>
-              <a:t>(</a:t>
-            </a:r>
-            <a:r>
-              <a:rPr lang="ko-KR" altLang="en-US" sz="1750" strike="dblStrike" dirty="0">
+              <a:t> 팀 변경 기능 추가</a:t>
+            </a:r>
+            <a:endParaRPr lang="en-US" altLang="ko-KR" sz="1950" dirty="0">
+              <a:solidFill>
+                <a:schemeClr val="tx1">
+                  <a:lumMod val="95000"/>
+                  <a:lumOff val="5000"/>
+                </a:schemeClr>
+              </a:solidFill>
+              <a:effectLst>
+                <a:outerShdw blurRad="38100" dist="38100" dir="2700000" algn="tl">
+                  <a:srgbClr val="000000">
+                    <a:alpha val="43137"/>
+                  </a:srgbClr>
+                </a:outerShdw>
+              </a:effectLst>
+              <a:latin typeface="맑은 고딕" panose="020B0503020000020004" pitchFamily="50" charset="-127"/>
+              <a:ea typeface="맑은 고딕" panose="020B0503020000020004" pitchFamily="50" charset="-127"/>
+            </a:endParaRPr>
+          </a:p>
+          <a:p>
+            <a:pPr marL="457200" indent="-457200">
+              <a:lnSpc>
+                <a:spcPct val="160000"/>
+              </a:lnSpc>
+              <a:buFont typeface="+mj-lt"/>
+              <a:buAutoNum type="alphaUcPeriod"/>
+            </a:pPr>
+            <a:r>
+              <a:rPr lang="ko-KR" altLang="en-US" sz="1950" dirty="0">
                 <a:solidFill>
                   <a:schemeClr val="tx1">
                     <a:lumMod val="95000"/>
@@ -7708,10 +7656,36 @@
                 <a:latin typeface="맑은 고딕" panose="020B0503020000020004" pitchFamily="50" charset="-127"/>
                 <a:ea typeface="맑은 고딕" panose="020B0503020000020004" pitchFamily="50" charset="-127"/>
               </a:rPr>
-              <a:t>일단 보류</a:t>
-            </a:r>
-            <a:r>
-              <a:rPr lang="en-US" altLang="ko-KR" sz="1750" strike="dblStrike" dirty="0">
+              <a:t>모델 변경 및 그에 따른 밸런스 조정</a:t>
+            </a:r>
+            <a:endParaRPr lang="en-US" altLang="ko-KR" sz="1950" dirty="0">
+              <a:solidFill>
+                <a:schemeClr val="tx1">
+                  <a:lumMod val="95000"/>
+                  <a:lumOff val="5000"/>
+                </a:schemeClr>
+              </a:solidFill>
+              <a:effectLst>
+                <a:outerShdw blurRad="38100" dist="38100" dir="2700000" algn="tl">
+                  <a:srgbClr val="000000">
+                    <a:alpha val="43137"/>
+                  </a:srgbClr>
+                </a:outerShdw>
+              </a:effectLst>
+              <a:latin typeface="맑은 고딕" panose="020B0503020000020004" pitchFamily="50" charset="-127"/>
+              <a:ea typeface="맑은 고딕" panose="020B0503020000020004" pitchFamily="50" charset="-127"/>
+            </a:endParaRPr>
+          </a:p>
+          <a:p>
+            <a:pPr marL="457200" indent="-457200">
+              <a:lnSpc>
+                <a:spcPct val="160000"/>
+              </a:lnSpc>
+              <a:buFont typeface="+mj-lt"/>
+              <a:buAutoNum type="alphaUcPeriod"/>
+            </a:pPr>
+            <a:r>
+              <a:rPr lang="ko-KR" altLang="en-US" sz="1950" dirty="0">
                 <a:solidFill>
                   <a:schemeClr val="tx1">
                     <a:lumMod val="95000"/>
@@ -7728,11 +7702,28 @@
                 <a:latin typeface="맑은 고딕" panose="020B0503020000020004" pitchFamily="50" charset="-127"/>
                 <a:ea typeface="맑은 고딕" panose="020B0503020000020004" pitchFamily="50" charset="-127"/>
               </a:rPr>
-              <a:t>)</a:t>
-            </a:r>
+              <a:t>모델 변경 이후 카메라 조정</a:t>
+            </a:r>
+            <a:endParaRPr lang="en-US" altLang="ko-KR" sz="1950" dirty="0">
+              <a:solidFill>
+                <a:schemeClr val="tx1">
+                  <a:lumMod val="95000"/>
+                  <a:lumOff val="5000"/>
+                </a:schemeClr>
+              </a:solidFill>
+              <a:effectLst>
+                <a:outerShdw blurRad="38100" dist="38100" dir="2700000" algn="tl">
+                  <a:srgbClr val="000000">
+                    <a:alpha val="43137"/>
+                  </a:srgbClr>
+                </a:outerShdw>
+              </a:effectLst>
+              <a:latin typeface="맑은 고딕" panose="020B0503020000020004" pitchFamily="50" charset="-127"/>
+              <a:ea typeface="맑은 고딕" panose="020B0503020000020004" pitchFamily="50" charset="-127"/>
+            </a:endParaRPr>
           </a:p>
           <a:p>
-            <a:pPr marL="1330452" lvl="2" indent="-342900">
+            <a:pPr marL="457200" indent="-457200">
               <a:lnSpc>
                 <a:spcPct val="160000"/>
               </a:lnSpc>
@@ -7740,7 +7731,7 @@
               <a:buAutoNum type="alphaUcPeriod"/>
             </a:pPr>
             <a:r>
-              <a:rPr lang="ko-KR" altLang="en-US" sz="1750" strike="sngStrike" dirty="0">
+              <a:rPr lang="ko-KR" altLang="en-US" sz="1950" dirty="0">
                 <a:solidFill>
                   <a:schemeClr val="tx1">
                     <a:lumMod val="95000"/>
@@ -7757,10 +7748,10 @@
                 <a:latin typeface="맑은 고딕" panose="020B0503020000020004" pitchFamily="50" charset="-127"/>
                 <a:ea typeface="맑은 고딕" panose="020B0503020000020004" pitchFamily="50" charset="-127"/>
               </a:rPr>
-              <a:t>아이콘 </a:t>
-            </a:r>
-            <a:r>
-              <a:rPr lang="en-US" altLang="ko-KR" sz="1750" strike="sngStrike" dirty="0">
+              <a:t>플레이어 </a:t>
+            </a:r>
+            <a:r>
+              <a:rPr lang="en-US" altLang="ko-KR" sz="1950" dirty="0">
                 <a:solidFill>
                   <a:schemeClr val="tx1">
                     <a:lumMod val="95000"/>
@@ -7777,10 +7768,10 @@
                 <a:latin typeface="맑은 고딕" panose="020B0503020000020004" pitchFamily="50" charset="-127"/>
                 <a:ea typeface="맑은 고딕" panose="020B0503020000020004" pitchFamily="50" charset="-127"/>
               </a:rPr>
-              <a:t>(Player </a:t>
-            </a:r>
-            <a:r>
-              <a:rPr lang="ko-KR" altLang="en-US" sz="1750" strike="sngStrike" dirty="0">
+              <a:t>AI </a:t>
+            </a:r>
+            <a:r>
+              <a:rPr lang="ko-KR" altLang="en-US" sz="1950" dirty="0">
                 <a:solidFill>
                   <a:schemeClr val="tx1">
                     <a:lumMod val="95000"/>
@@ -7797,356 +7788,35 @@
                 <a:latin typeface="맑은 고딕" panose="020B0503020000020004" pitchFamily="50" charset="-127"/>
                 <a:ea typeface="맑은 고딕" panose="020B0503020000020004" pitchFamily="50" charset="-127"/>
               </a:rPr>
-              <a:t>팀 구별 </a:t>
-            </a:r>
-            <a:r>
-              <a:rPr lang="en-US" altLang="ko-KR" sz="1750" strike="sngStrike" dirty="0">
-                <a:solidFill>
-                  <a:schemeClr val="tx1">
-                    <a:lumMod val="95000"/>
-                    <a:lumOff val="5000"/>
-                  </a:schemeClr>
-                </a:solidFill>
-                <a:effectLst>
-                  <a:outerShdw blurRad="38100" dist="38100" dir="2700000" algn="tl">
-                    <a:srgbClr val="000000">
-                      <a:alpha val="43137"/>
-                    </a:srgbClr>
-                  </a:outerShdw>
-                </a:effectLst>
-                <a:latin typeface="맑은 고딕" panose="020B0503020000020004" pitchFamily="50" charset="-127"/>
-                <a:ea typeface="맑은 고딕" panose="020B0503020000020004" pitchFamily="50" charset="-127"/>
-              </a:rPr>
-              <a:t>/ </a:t>
-            </a:r>
-            <a:r>
-              <a:rPr lang="ko-KR" altLang="en-US" sz="1750" strike="sngStrike" dirty="0">
-                <a:solidFill>
-                  <a:schemeClr val="tx1">
-                    <a:lumMod val="95000"/>
-                    <a:lumOff val="5000"/>
-                  </a:schemeClr>
-                </a:solidFill>
-                <a:effectLst>
-                  <a:outerShdw blurRad="38100" dist="38100" dir="2700000" algn="tl">
-                    <a:srgbClr val="000000">
-                      <a:alpha val="43137"/>
-                    </a:srgbClr>
-                  </a:outerShdw>
-                </a:effectLst>
-                <a:latin typeface="맑은 고딕" panose="020B0503020000020004" pitchFamily="50" charset="-127"/>
-                <a:ea typeface="맑은 고딕" panose="020B0503020000020004" pitchFamily="50" charset="-127"/>
-              </a:rPr>
-              <a:t>색상</a:t>
-            </a:r>
-            <a:r>
-              <a:rPr lang="en-US" altLang="ko-KR" sz="1750" strike="sngStrike" dirty="0">
-                <a:solidFill>
-                  <a:schemeClr val="tx1">
-                    <a:lumMod val="95000"/>
-                    <a:lumOff val="5000"/>
-                  </a:schemeClr>
-                </a:solidFill>
-                <a:effectLst>
-                  <a:outerShdw blurRad="38100" dist="38100" dir="2700000" algn="tl">
-                    <a:srgbClr val="000000">
-                      <a:alpha val="43137"/>
-                    </a:srgbClr>
-                  </a:outerShdw>
-                </a:effectLst>
-                <a:latin typeface="맑은 고딕" panose="020B0503020000020004" pitchFamily="50" charset="-127"/>
-                <a:ea typeface="맑은 고딕" panose="020B0503020000020004" pitchFamily="50" charset="-127"/>
-              </a:rPr>
-              <a:t>)</a:t>
-            </a:r>
+              <a:t>연구 및 구현</a:t>
+            </a:r>
+            <a:endParaRPr lang="en-US" altLang="ko-KR" sz="1950" dirty="0">
+              <a:solidFill>
+                <a:schemeClr val="tx1">
+                  <a:lumMod val="95000"/>
+                  <a:lumOff val="5000"/>
+                </a:schemeClr>
+              </a:solidFill>
+              <a:effectLst>
+                <a:outerShdw blurRad="38100" dist="38100" dir="2700000" algn="tl">
+                  <a:srgbClr val="000000">
+                    <a:alpha val="43137"/>
+                  </a:srgbClr>
+                </a:outerShdw>
+              </a:effectLst>
+              <a:latin typeface="맑은 고딕" panose="020B0503020000020004" pitchFamily="50" charset="-127"/>
+              <a:ea typeface="맑은 고딕" panose="020B0503020000020004" pitchFamily="50" charset="-127"/>
+            </a:endParaRPr>
           </a:p>
           <a:p>
-            <a:pPr marL="1330452" lvl="2" indent="-342900">
+            <a:pPr marL="457200" indent="-457200">
               <a:lnSpc>
                 <a:spcPct val="160000"/>
               </a:lnSpc>
               <a:buFont typeface="+mj-lt"/>
               <a:buAutoNum type="alphaUcPeriod"/>
             </a:pPr>
-            <a:r>
-              <a:rPr lang="ko-KR" altLang="en-US" sz="1750" strike="sngStrike" dirty="0">
-                <a:solidFill>
-                  <a:schemeClr val="tx1">
-                    <a:lumMod val="95000"/>
-                    <a:lumOff val="5000"/>
-                  </a:schemeClr>
-                </a:solidFill>
-                <a:effectLst>
-                  <a:outerShdw blurRad="38100" dist="38100" dir="2700000" algn="tl">
-                    <a:srgbClr val="000000">
-                      <a:alpha val="43137"/>
-                    </a:srgbClr>
-                  </a:outerShdw>
-                </a:effectLst>
-                <a:latin typeface="맑은 고딕" panose="020B0503020000020004" pitchFamily="50" charset="-127"/>
-                <a:ea typeface="맑은 고딕" panose="020B0503020000020004" pitchFamily="50" charset="-127"/>
-              </a:rPr>
-              <a:t>아이콘 </a:t>
-            </a:r>
-            <a:r>
-              <a:rPr lang="en-US" altLang="ko-KR" sz="1750" strike="sngStrike" dirty="0">
-                <a:solidFill>
-                  <a:schemeClr val="tx1">
-                    <a:lumMod val="95000"/>
-                    <a:lumOff val="5000"/>
-                  </a:schemeClr>
-                </a:solidFill>
-                <a:effectLst>
-                  <a:outerShdw blurRad="38100" dist="38100" dir="2700000" algn="tl">
-                    <a:srgbClr val="000000">
-                      <a:alpha val="43137"/>
-                    </a:srgbClr>
-                  </a:outerShdw>
-                </a:effectLst>
-                <a:latin typeface="맑은 고딕" panose="020B0503020000020004" pitchFamily="50" charset="-127"/>
-                <a:ea typeface="맑은 고딕" panose="020B0503020000020004" pitchFamily="50" charset="-127"/>
-              </a:rPr>
-              <a:t>(Minion </a:t>
-            </a:r>
-            <a:r>
-              <a:rPr lang="ko-KR" altLang="en-US" sz="1750" strike="sngStrike" dirty="0">
-                <a:solidFill>
-                  <a:schemeClr val="tx1">
-                    <a:lumMod val="95000"/>
-                    <a:lumOff val="5000"/>
-                  </a:schemeClr>
-                </a:solidFill>
-                <a:effectLst>
-                  <a:outerShdw blurRad="38100" dist="38100" dir="2700000" algn="tl">
-                    <a:srgbClr val="000000">
-                      <a:alpha val="43137"/>
-                    </a:srgbClr>
-                  </a:outerShdw>
-                </a:effectLst>
-                <a:latin typeface="맑은 고딕" panose="020B0503020000020004" pitchFamily="50" charset="-127"/>
-                <a:ea typeface="맑은 고딕" panose="020B0503020000020004" pitchFamily="50" charset="-127"/>
-              </a:rPr>
-              <a:t>팀 구별 </a:t>
-            </a:r>
-            <a:r>
-              <a:rPr lang="en-US" altLang="ko-KR" sz="1750" strike="sngStrike" dirty="0">
-                <a:solidFill>
-                  <a:schemeClr val="tx1">
-                    <a:lumMod val="95000"/>
-                    <a:lumOff val="5000"/>
-                  </a:schemeClr>
-                </a:solidFill>
-                <a:effectLst>
-                  <a:outerShdw blurRad="38100" dist="38100" dir="2700000" algn="tl">
-                    <a:srgbClr val="000000">
-                      <a:alpha val="43137"/>
-                    </a:srgbClr>
-                  </a:outerShdw>
-                </a:effectLst>
-                <a:latin typeface="맑은 고딕" panose="020B0503020000020004" pitchFamily="50" charset="-127"/>
-                <a:ea typeface="맑은 고딕" panose="020B0503020000020004" pitchFamily="50" charset="-127"/>
-              </a:rPr>
-              <a:t>/ </a:t>
-            </a:r>
-            <a:r>
-              <a:rPr lang="ko-KR" altLang="en-US" sz="1750" strike="sngStrike" dirty="0">
-                <a:solidFill>
-                  <a:schemeClr val="tx1">
-                    <a:lumMod val="95000"/>
-                    <a:lumOff val="5000"/>
-                  </a:schemeClr>
-                </a:solidFill>
-                <a:effectLst>
-                  <a:outerShdw blurRad="38100" dist="38100" dir="2700000" algn="tl">
-                    <a:srgbClr val="000000">
-                      <a:alpha val="43137"/>
-                    </a:srgbClr>
-                  </a:outerShdw>
-                </a:effectLst>
-                <a:latin typeface="맑은 고딕" panose="020B0503020000020004" pitchFamily="50" charset="-127"/>
-                <a:ea typeface="맑은 고딕" panose="020B0503020000020004" pitchFamily="50" charset="-127"/>
-              </a:rPr>
-              <a:t>색상</a:t>
-            </a:r>
-            <a:r>
-              <a:rPr lang="en-US" altLang="ko-KR" sz="1750" strike="sngStrike" dirty="0">
-                <a:solidFill>
-                  <a:schemeClr val="tx1">
-                    <a:lumMod val="95000"/>
-                    <a:lumOff val="5000"/>
-                  </a:schemeClr>
-                </a:solidFill>
-                <a:effectLst>
-                  <a:outerShdw blurRad="38100" dist="38100" dir="2700000" algn="tl">
-                    <a:srgbClr val="000000">
-                      <a:alpha val="43137"/>
-                    </a:srgbClr>
-                  </a:outerShdw>
-                </a:effectLst>
-                <a:latin typeface="맑은 고딕" panose="020B0503020000020004" pitchFamily="50" charset="-127"/>
-                <a:ea typeface="맑은 고딕" panose="020B0503020000020004" pitchFamily="50" charset="-127"/>
-              </a:rPr>
-              <a:t>)</a:t>
-            </a:r>
-          </a:p>
-          <a:p>
-            <a:pPr marL="1330452" lvl="2" indent="-342900">
-              <a:lnSpc>
-                <a:spcPct val="160000"/>
-              </a:lnSpc>
-              <a:buFont typeface="+mj-lt"/>
-              <a:buAutoNum type="alphaUcPeriod"/>
-            </a:pPr>
-            <a:r>
-              <a:rPr lang="ko-KR" altLang="en-US" sz="1750" strike="sngStrike" dirty="0">
-                <a:solidFill>
-                  <a:schemeClr val="tx1">
-                    <a:lumMod val="95000"/>
-                    <a:lumOff val="5000"/>
-                  </a:schemeClr>
-                </a:solidFill>
-                <a:effectLst>
-                  <a:outerShdw blurRad="38100" dist="38100" dir="2700000" algn="tl">
-                    <a:srgbClr val="000000">
-                      <a:alpha val="43137"/>
-                    </a:srgbClr>
-                  </a:outerShdw>
-                </a:effectLst>
-                <a:latin typeface="맑은 고딕" panose="020B0503020000020004" pitchFamily="50" charset="-127"/>
-                <a:ea typeface="맑은 고딕" panose="020B0503020000020004" pitchFamily="50" charset="-127"/>
-              </a:rPr>
-              <a:t>아이콘 </a:t>
-            </a:r>
-            <a:r>
-              <a:rPr lang="en-US" altLang="ko-KR" sz="1750" strike="sngStrike" dirty="0">
-                <a:solidFill>
-                  <a:schemeClr val="tx1">
-                    <a:lumMod val="95000"/>
-                    <a:lumOff val="5000"/>
-                  </a:schemeClr>
-                </a:solidFill>
-                <a:effectLst>
-                  <a:outerShdw blurRad="38100" dist="38100" dir="2700000" algn="tl">
-                    <a:srgbClr val="000000">
-                      <a:alpha val="43137"/>
-                    </a:srgbClr>
-                  </a:outerShdw>
-                </a:effectLst>
-                <a:latin typeface="맑은 고딕" panose="020B0503020000020004" pitchFamily="50" charset="-127"/>
-                <a:ea typeface="맑은 고딕" panose="020B0503020000020004" pitchFamily="50" charset="-127"/>
-              </a:rPr>
-              <a:t>(</a:t>
-            </a:r>
-            <a:r>
-              <a:rPr lang="ko-KR" altLang="en-US" sz="1750" strike="sngStrike" dirty="0">
-                <a:solidFill>
-                  <a:schemeClr val="tx1">
-                    <a:lumMod val="95000"/>
-                    <a:lumOff val="5000"/>
-                  </a:schemeClr>
-                </a:solidFill>
-                <a:effectLst>
-                  <a:outerShdw blurRad="38100" dist="38100" dir="2700000" algn="tl">
-                    <a:srgbClr val="000000">
-                      <a:alpha val="43137"/>
-                    </a:srgbClr>
-                  </a:outerShdw>
-                </a:effectLst>
-                <a:latin typeface="맑은 고딕" panose="020B0503020000020004" pitchFamily="50" charset="-127"/>
-                <a:ea typeface="맑은 고딕" panose="020B0503020000020004" pitchFamily="50" charset="-127"/>
-              </a:rPr>
-              <a:t>정글 몬스터</a:t>
-            </a:r>
-            <a:r>
-              <a:rPr lang="en-US" altLang="ko-KR" sz="1750" strike="sngStrike" dirty="0">
-                <a:solidFill>
-                  <a:schemeClr val="tx1">
-                    <a:lumMod val="95000"/>
-                    <a:lumOff val="5000"/>
-                  </a:schemeClr>
-                </a:solidFill>
-                <a:effectLst>
-                  <a:outerShdw blurRad="38100" dist="38100" dir="2700000" algn="tl">
-                    <a:srgbClr val="000000">
-                      <a:alpha val="43137"/>
-                    </a:srgbClr>
-                  </a:outerShdw>
-                </a:effectLst>
-                <a:latin typeface="맑은 고딕" panose="020B0503020000020004" pitchFamily="50" charset="-127"/>
-                <a:ea typeface="맑은 고딕" panose="020B0503020000020004" pitchFamily="50" charset="-127"/>
-              </a:rPr>
-              <a:t>)</a:t>
-            </a:r>
-          </a:p>
-          <a:p>
-            <a:pPr marL="1330452" lvl="2" indent="-342900">
-              <a:lnSpc>
-                <a:spcPct val="160000"/>
-              </a:lnSpc>
-              <a:buFont typeface="+mj-lt"/>
-              <a:buAutoNum type="alphaUcPeriod"/>
-            </a:pPr>
-            <a:r>
-              <a:rPr lang="ko-KR" altLang="en-US" sz="1750" strike="sngStrike" dirty="0">
-                <a:solidFill>
-                  <a:schemeClr val="tx1">
-                    <a:lumMod val="95000"/>
-                    <a:lumOff val="5000"/>
-                  </a:schemeClr>
-                </a:solidFill>
-                <a:effectLst>
-                  <a:outerShdw blurRad="38100" dist="38100" dir="2700000" algn="tl">
-                    <a:srgbClr val="000000">
-                      <a:alpha val="43137"/>
-                    </a:srgbClr>
-                  </a:outerShdw>
-                </a:effectLst>
-                <a:latin typeface="맑은 고딕" panose="020B0503020000020004" pitchFamily="50" charset="-127"/>
-                <a:ea typeface="맑은 고딕" panose="020B0503020000020004" pitchFamily="50" charset="-127"/>
-              </a:rPr>
-              <a:t>타워 아이콘 </a:t>
-            </a:r>
-            <a:r>
-              <a:rPr lang="en-US" altLang="ko-KR" sz="1750" strike="sngStrike" dirty="0">
-                <a:solidFill>
-                  <a:schemeClr val="tx1">
-                    <a:lumMod val="95000"/>
-                    <a:lumOff val="5000"/>
-                  </a:schemeClr>
-                </a:solidFill>
-                <a:effectLst>
-                  <a:outerShdw blurRad="38100" dist="38100" dir="2700000" algn="tl">
-                    <a:srgbClr val="000000">
-                      <a:alpha val="43137"/>
-                    </a:srgbClr>
-                  </a:outerShdw>
-                </a:effectLst>
-                <a:latin typeface="맑은 고딕" panose="020B0503020000020004" pitchFamily="50" charset="-127"/>
-                <a:ea typeface="맑은 고딕" panose="020B0503020000020004" pitchFamily="50" charset="-127"/>
-              </a:rPr>
-              <a:t>HP </a:t>
-            </a:r>
-            <a:r>
-              <a:rPr lang="ko-KR" altLang="en-US" sz="1750" strike="sngStrike" dirty="0">
-                <a:solidFill>
-                  <a:schemeClr val="tx1">
-                    <a:lumMod val="95000"/>
-                    <a:lumOff val="5000"/>
-                  </a:schemeClr>
-                </a:solidFill>
-                <a:effectLst>
-                  <a:outerShdw blurRad="38100" dist="38100" dir="2700000" algn="tl">
-                    <a:srgbClr val="000000">
-                      <a:alpha val="43137"/>
-                    </a:srgbClr>
-                  </a:outerShdw>
-                </a:effectLst>
-                <a:latin typeface="맑은 고딕" panose="020B0503020000020004" pitchFamily="50" charset="-127"/>
-                <a:ea typeface="맑은 고딕" panose="020B0503020000020004" pitchFamily="50" charset="-127"/>
-              </a:rPr>
-              <a:t>게이지 처럼 처리</a:t>
-            </a:r>
-            <a:endParaRPr lang="en-US" altLang="ko-KR" sz="1750" strike="sngStrike" dirty="0">
+            <a:endParaRPr lang="en-US" altLang="ko-KR" sz="1950" dirty="0">
               <a:solidFill>
                 <a:schemeClr val="tx1">
                   <a:lumMod val="95000"/>
@@ -8203,7 +7873,7 @@
     </p:spTree>
     <p:extLst>
       <p:ext uri="{BB962C8B-B14F-4D97-AF65-F5344CB8AC3E}">
-        <p14:creationId xmlns:p14="http://schemas.microsoft.com/office/powerpoint/2010/main" val="1316857700"/>
+        <p14:creationId xmlns:p14="http://schemas.microsoft.com/office/powerpoint/2010/main" val="883439561"/>
       </p:ext>
     </p:extLst>
   </p:cSld>
@@ -8357,7 +8027,7 @@
             </a:r>
           </a:p>
           <a:p>
-            <a:pPr marL="873252" lvl="1" indent="-342900">
+            <a:pPr marL="987552" lvl="1" indent="-457200">
               <a:lnSpc>
                 <a:spcPct val="160000"/>
               </a:lnSpc>
@@ -8365,7 +8035,7 @@
               <a:buAutoNum type="alphaUcPeriod"/>
             </a:pPr>
             <a:r>
-              <a:rPr lang="ko-KR" altLang="en-US" sz="1750" i="0" dirty="0">
+              <a:rPr lang="ko-KR" altLang="en-US" sz="1950" i="0" dirty="0" err="1">
                 <a:solidFill>
                   <a:schemeClr val="tx1">
                     <a:lumMod val="95000"/>
@@ -8382,9 +8052,9 @@
                 <a:latin typeface="맑은 고딕" panose="020B0503020000020004" pitchFamily="50" charset="-127"/>
                 <a:ea typeface="맑은 고딕" panose="020B0503020000020004" pitchFamily="50" charset="-127"/>
               </a:rPr>
-              <a:t>스킬</a:t>
-            </a:r>
-            <a:endParaRPr lang="en-US" altLang="ko-KR" sz="1750" i="0" dirty="0">
+              <a:t>미니맵</a:t>
+            </a:r>
+            <a:endParaRPr lang="en-US" altLang="ko-KR" sz="1950" i="0" dirty="0">
               <a:solidFill>
                 <a:schemeClr val="tx1">
                   <a:lumMod val="95000"/>
@@ -8411,7 +8081,7 @@
               <a:buAutoNum type="alphaUcPeriod"/>
             </a:pPr>
             <a:r>
-              <a:rPr lang="ko-KR" altLang="en-US" sz="1550" strike="sngStrike" dirty="0">
+              <a:rPr lang="ko-KR" altLang="en-US" sz="1750" i="0" strike="sngStrike" dirty="0">
                 <a:solidFill>
                   <a:schemeClr val="tx1">
                     <a:lumMod val="95000"/>
@@ -8428,55 +8098,9 @@
                 <a:latin typeface="맑은 고딕" panose="020B0503020000020004" pitchFamily="50" charset="-127"/>
                 <a:ea typeface="맑은 고딕" panose="020B0503020000020004" pitchFamily="50" charset="-127"/>
               </a:rPr>
-              <a:t>스킬 아이콘</a:t>
-            </a:r>
-            <a:endParaRPr lang="en-US" altLang="ko-KR" sz="1550" strike="sngStrike" dirty="0">
-              <a:solidFill>
-                <a:schemeClr val="tx1">
-                  <a:lumMod val="95000"/>
-                  <a:lumOff val="5000"/>
-                </a:schemeClr>
-              </a:solidFill>
-              <a:effectLst>
-                <a:outerShdw blurRad="38100" dist="38100" dir="2700000" algn="tl">
-                  <a:srgbClr val="000000">
-                    <a:alpha val="43137"/>
-                  </a:srgbClr>
-                </a:outerShdw>
-              </a:effectLst>
-              <a:latin typeface="맑은 고딕" panose="020B0503020000020004" pitchFamily="50" charset="-127"/>
-              <a:ea typeface="맑은 고딕" panose="020B0503020000020004" pitchFamily="50" charset="-127"/>
-            </a:endParaRPr>
-          </a:p>
-          <a:p>
-            <a:pPr marL="873252" lvl="1" indent="-342900">
-              <a:lnSpc>
-                <a:spcPct val="160000"/>
-              </a:lnSpc>
-              <a:buFont typeface="+mj-lt"/>
-              <a:buAutoNum type="alphaUcPeriod"/>
-            </a:pPr>
-            <a:r>
-              <a:rPr lang="ko-KR" altLang="en-US" sz="1750" i="0" dirty="0">
-                <a:solidFill>
-                  <a:schemeClr val="tx1">
-                    <a:lumMod val="95000"/>
-                    <a:lumOff val="5000"/>
-                  </a:schemeClr>
-                </a:solidFill>
-                <a:effectLst>
-                  <a:outerShdw blurRad="38100" dist="38100" dir="2700000" algn="tl">
-                    <a:srgbClr val="000000">
-                      <a:alpha val="43137"/>
-                    </a:srgbClr>
-                  </a:outerShdw>
-                </a:effectLst>
-                <a:latin typeface="맑은 고딕" panose="020B0503020000020004" pitchFamily="50" charset="-127"/>
-                <a:ea typeface="맑은 고딕" panose="020B0503020000020004" pitchFamily="50" charset="-127"/>
-              </a:rPr>
-              <a:t>특성 선택창</a:t>
-            </a:r>
-            <a:endParaRPr lang="en-US" altLang="ko-KR" sz="1750" i="0" dirty="0">
+              <a:t>우측 클릭 이동</a:t>
+            </a:r>
+            <a:endParaRPr lang="en-US" altLang="ko-KR" sz="1750" i="0" strike="sngStrike" dirty="0">
               <a:solidFill>
                 <a:schemeClr val="tx1">
                   <a:lumMod val="95000"/>
@@ -8503,7 +8127,7 @@
               <a:buAutoNum type="alphaUcPeriod"/>
             </a:pPr>
             <a:r>
-              <a:rPr lang="ko-KR" altLang="en-US" sz="1550" strike="sngStrike" dirty="0">
+              <a:rPr lang="ko-KR" altLang="en-US" sz="1750" strike="dblStrike" dirty="0">
                 <a:solidFill>
                   <a:schemeClr val="tx1">
                     <a:lumMod val="95000"/>
@@ -8520,9 +8144,525 @@
                 <a:latin typeface="맑은 고딕" panose="020B0503020000020004" pitchFamily="50" charset="-127"/>
                 <a:ea typeface="맑은 고딕" panose="020B0503020000020004" pitchFamily="50" charset="-127"/>
               </a:rPr>
-              <a:t>특성 선택 아이콘</a:t>
-            </a:r>
-            <a:endParaRPr lang="en-US" altLang="ko-KR" sz="1550" strike="sngStrike" dirty="0">
+              <a:t>우측 클릭 이동 길 </a:t>
+            </a:r>
+            <a:r>
+              <a:rPr lang="ko-KR" altLang="en-US" sz="1750" strike="dblStrike" dirty="0" err="1">
+                <a:solidFill>
+                  <a:schemeClr val="tx1">
+                    <a:lumMod val="95000"/>
+                    <a:lumOff val="5000"/>
+                  </a:schemeClr>
+                </a:solidFill>
+                <a:effectLst>
+                  <a:outerShdw blurRad="38100" dist="38100" dir="2700000" algn="tl">
+                    <a:srgbClr val="000000">
+                      <a:alpha val="43137"/>
+                    </a:srgbClr>
+                  </a:outerShdw>
+                </a:effectLst>
+                <a:latin typeface="맑은 고딕" panose="020B0503020000020004" pitchFamily="50" charset="-127"/>
+                <a:ea typeface="맑은 고딕" panose="020B0503020000020004" pitchFamily="50" charset="-127"/>
+              </a:rPr>
+              <a:t>미니맵</a:t>
+            </a:r>
+            <a:r>
+              <a:rPr lang="ko-KR" altLang="en-US" sz="1750" strike="dblStrike" dirty="0">
+                <a:solidFill>
+                  <a:schemeClr val="tx1">
+                    <a:lumMod val="95000"/>
+                    <a:lumOff val="5000"/>
+                  </a:schemeClr>
+                </a:solidFill>
+                <a:effectLst>
+                  <a:outerShdw blurRad="38100" dist="38100" dir="2700000" algn="tl">
+                    <a:srgbClr val="000000">
+                      <a:alpha val="43137"/>
+                    </a:srgbClr>
+                  </a:outerShdw>
+                </a:effectLst>
+                <a:latin typeface="맑은 고딕" panose="020B0503020000020004" pitchFamily="50" charset="-127"/>
+                <a:ea typeface="맑은 고딕" panose="020B0503020000020004" pitchFamily="50" charset="-127"/>
+              </a:rPr>
+              <a:t> 표시 </a:t>
+            </a:r>
+            <a:r>
+              <a:rPr lang="en-US" altLang="ko-KR" sz="1750" strike="dblStrike" dirty="0">
+                <a:solidFill>
+                  <a:schemeClr val="tx1">
+                    <a:lumMod val="95000"/>
+                    <a:lumOff val="5000"/>
+                  </a:schemeClr>
+                </a:solidFill>
+                <a:effectLst>
+                  <a:outerShdw blurRad="38100" dist="38100" dir="2700000" algn="tl">
+                    <a:srgbClr val="000000">
+                      <a:alpha val="43137"/>
+                    </a:srgbClr>
+                  </a:outerShdw>
+                </a:effectLst>
+                <a:latin typeface="맑은 고딕" panose="020B0503020000020004" pitchFamily="50" charset="-127"/>
+                <a:ea typeface="맑은 고딕" panose="020B0503020000020004" pitchFamily="50" charset="-127"/>
+              </a:rPr>
+              <a:t>(</a:t>
+            </a:r>
+            <a:r>
+              <a:rPr lang="ko-KR" altLang="en-US" sz="1750" strike="dblStrike" dirty="0">
+                <a:solidFill>
+                  <a:schemeClr val="tx1">
+                    <a:lumMod val="95000"/>
+                    <a:lumOff val="5000"/>
+                  </a:schemeClr>
+                </a:solidFill>
+                <a:effectLst>
+                  <a:outerShdw blurRad="38100" dist="38100" dir="2700000" algn="tl">
+                    <a:srgbClr val="000000">
+                      <a:alpha val="43137"/>
+                    </a:srgbClr>
+                  </a:outerShdw>
+                </a:effectLst>
+                <a:latin typeface="맑은 고딕" panose="020B0503020000020004" pitchFamily="50" charset="-127"/>
+                <a:ea typeface="맑은 고딕" panose="020B0503020000020004" pitchFamily="50" charset="-127"/>
+              </a:rPr>
+              <a:t>일단 보류</a:t>
+            </a:r>
+            <a:r>
+              <a:rPr lang="en-US" altLang="ko-KR" sz="1750" strike="dblStrike" dirty="0">
+                <a:solidFill>
+                  <a:schemeClr val="tx1">
+                    <a:lumMod val="95000"/>
+                    <a:lumOff val="5000"/>
+                  </a:schemeClr>
+                </a:solidFill>
+                <a:effectLst>
+                  <a:outerShdw blurRad="38100" dist="38100" dir="2700000" algn="tl">
+                    <a:srgbClr val="000000">
+                      <a:alpha val="43137"/>
+                    </a:srgbClr>
+                  </a:outerShdw>
+                </a:effectLst>
+                <a:latin typeface="맑은 고딕" panose="020B0503020000020004" pitchFamily="50" charset="-127"/>
+                <a:ea typeface="맑은 고딕" panose="020B0503020000020004" pitchFamily="50" charset="-127"/>
+              </a:rPr>
+              <a:t>)</a:t>
+            </a:r>
+          </a:p>
+          <a:p>
+            <a:pPr marL="1330452" lvl="2" indent="-342900">
+              <a:lnSpc>
+                <a:spcPct val="160000"/>
+              </a:lnSpc>
+              <a:buFont typeface="+mj-lt"/>
+              <a:buAutoNum type="alphaUcPeriod"/>
+            </a:pPr>
+            <a:r>
+              <a:rPr lang="ko-KR" altLang="en-US" sz="1750" strike="sngStrike" dirty="0">
+                <a:solidFill>
+                  <a:schemeClr val="tx1">
+                    <a:lumMod val="95000"/>
+                    <a:lumOff val="5000"/>
+                  </a:schemeClr>
+                </a:solidFill>
+                <a:effectLst>
+                  <a:outerShdw blurRad="38100" dist="38100" dir="2700000" algn="tl">
+                    <a:srgbClr val="000000">
+                      <a:alpha val="43137"/>
+                    </a:srgbClr>
+                  </a:outerShdw>
+                </a:effectLst>
+                <a:latin typeface="맑은 고딕" panose="020B0503020000020004" pitchFamily="50" charset="-127"/>
+                <a:ea typeface="맑은 고딕" panose="020B0503020000020004" pitchFamily="50" charset="-127"/>
+              </a:rPr>
+              <a:t>아이콘 </a:t>
+            </a:r>
+            <a:r>
+              <a:rPr lang="en-US" altLang="ko-KR" sz="1750" strike="sngStrike" dirty="0">
+                <a:solidFill>
+                  <a:schemeClr val="tx1">
+                    <a:lumMod val="95000"/>
+                    <a:lumOff val="5000"/>
+                  </a:schemeClr>
+                </a:solidFill>
+                <a:effectLst>
+                  <a:outerShdw blurRad="38100" dist="38100" dir="2700000" algn="tl">
+                    <a:srgbClr val="000000">
+                      <a:alpha val="43137"/>
+                    </a:srgbClr>
+                  </a:outerShdw>
+                </a:effectLst>
+                <a:latin typeface="맑은 고딕" panose="020B0503020000020004" pitchFamily="50" charset="-127"/>
+                <a:ea typeface="맑은 고딕" panose="020B0503020000020004" pitchFamily="50" charset="-127"/>
+              </a:rPr>
+              <a:t>(Player </a:t>
+            </a:r>
+            <a:r>
+              <a:rPr lang="ko-KR" altLang="en-US" sz="1750" strike="sngStrike" dirty="0">
+                <a:solidFill>
+                  <a:schemeClr val="tx1">
+                    <a:lumMod val="95000"/>
+                    <a:lumOff val="5000"/>
+                  </a:schemeClr>
+                </a:solidFill>
+                <a:effectLst>
+                  <a:outerShdw blurRad="38100" dist="38100" dir="2700000" algn="tl">
+                    <a:srgbClr val="000000">
+                      <a:alpha val="43137"/>
+                    </a:srgbClr>
+                  </a:outerShdw>
+                </a:effectLst>
+                <a:latin typeface="맑은 고딕" panose="020B0503020000020004" pitchFamily="50" charset="-127"/>
+                <a:ea typeface="맑은 고딕" panose="020B0503020000020004" pitchFamily="50" charset="-127"/>
+              </a:rPr>
+              <a:t>팀 구별 </a:t>
+            </a:r>
+            <a:r>
+              <a:rPr lang="en-US" altLang="ko-KR" sz="1750" strike="sngStrike" dirty="0">
+                <a:solidFill>
+                  <a:schemeClr val="tx1">
+                    <a:lumMod val="95000"/>
+                    <a:lumOff val="5000"/>
+                  </a:schemeClr>
+                </a:solidFill>
+                <a:effectLst>
+                  <a:outerShdw blurRad="38100" dist="38100" dir="2700000" algn="tl">
+                    <a:srgbClr val="000000">
+                      <a:alpha val="43137"/>
+                    </a:srgbClr>
+                  </a:outerShdw>
+                </a:effectLst>
+                <a:latin typeface="맑은 고딕" panose="020B0503020000020004" pitchFamily="50" charset="-127"/>
+                <a:ea typeface="맑은 고딕" panose="020B0503020000020004" pitchFamily="50" charset="-127"/>
+              </a:rPr>
+              <a:t>/ </a:t>
+            </a:r>
+            <a:r>
+              <a:rPr lang="ko-KR" altLang="en-US" sz="1750" strike="sngStrike" dirty="0">
+                <a:solidFill>
+                  <a:schemeClr val="tx1">
+                    <a:lumMod val="95000"/>
+                    <a:lumOff val="5000"/>
+                  </a:schemeClr>
+                </a:solidFill>
+                <a:effectLst>
+                  <a:outerShdw blurRad="38100" dist="38100" dir="2700000" algn="tl">
+                    <a:srgbClr val="000000">
+                      <a:alpha val="43137"/>
+                    </a:srgbClr>
+                  </a:outerShdw>
+                </a:effectLst>
+                <a:latin typeface="맑은 고딕" panose="020B0503020000020004" pitchFamily="50" charset="-127"/>
+                <a:ea typeface="맑은 고딕" panose="020B0503020000020004" pitchFamily="50" charset="-127"/>
+              </a:rPr>
+              <a:t>색상</a:t>
+            </a:r>
+            <a:r>
+              <a:rPr lang="en-US" altLang="ko-KR" sz="1750" strike="sngStrike" dirty="0">
+                <a:solidFill>
+                  <a:schemeClr val="tx1">
+                    <a:lumMod val="95000"/>
+                    <a:lumOff val="5000"/>
+                  </a:schemeClr>
+                </a:solidFill>
+                <a:effectLst>
+                  <a:outerShdw blurRad="38100" dist="38100" dir="2700000" algn="tl">
+                    <a:srgbClr val="000000">
+                      <a:alpha val="43137"/>
+                    </a:srgbClr>
+                  </a:outerShdw>
+                </a:effectLst>
+                <a:latin typeface="맑은 고딕" panose="020B0503020000020004" pitchFamily="50" charset="-127"/>
+                <a:ea typeface="맑은 고딕" panose="020B0503020000020004" pitchFamily="50" charset="-127"/>
+              </a:rPr>
+              <a:t>)</a:t>
+            </a:r>
+          </a:p>
+          <a:p>
+            <a:pPr marL="1330452" lvl="2" indent="-342900">
+              <a:lnSpc>
+                <a:spcPct val="160000"/>
+              </a:lnSpc>
+              <a:buFont typeface="+mj-lt"/>
+              <a:buAutoNum type="alphaUcPeriod"/>
+            </a:pPr>
+            <a:r>
+              <a:rPr lang="ko-KR" altLang="en-US" sz="1750" strike="sngStrike" dirty="0">
+                <a:solidFill>
+                  <a:schemeClr val="tx1">
+                    <a:lumMod val="95000"/>
+                    <a:lumOff val="5000"/>
+                  </a:schemeClr>
+                </a:solidFill>
+                <a:effectLst>
+                  <a:outerShdw blurRad="38100" dist="38100" dir="2700000" algn="tl">
+                    <a:srgbClr val="000000">
+                      <a:alpha val="43137"/>
+                    </a:srgbClr>
+                  </a:outerShdw>
+                </a:effectLst>
+                <a:latin typeface="맑은 고딕" panose="020B0503020000020004" pitchFamily="50" charset="-127"/>
+                <a:ea typeface="맑은 고딕" panose="020B0503020000020004" pitchFamily="50" charset="-127"/>
+              </a:rPr>
+              <a:t>아이콘 </a:t>
+            </a:r>
+            <a:r>
+              <a:rPr lang="en-US" altLang="ko-KR" sz="1750" strike="sngStrike" dirty="0">
+                <a:solidFill>
+                  <a:schemeClr val="tx1">
+                    <a:lumMod val="95000"/>
+                    <a:lumOff val="5000"/>
+                  </a:schemeClr>
+                </a:solidFill>
+                <a:effectLst>
+                  <a:outerShdw blurRad="38100" dist="38100" dir="2700000" algn="tl">
+                    <a:srgbClr val="000000">
+                      <a:alpha val="43137"/>
+                    </a:srgbClr>
+                  </a:outerShdw>
+                </a:effectLst>
+                <a:latin typeface="맑은 고딕" panose="020B0503020000020004" pitchFamily="50" charset="-127"/>
+                <a:ea typeface="맑은 고딕" panose="020B0503020000020004" pitchFamily="50" charset="-127"/>
+              </a:rPr>
+              <a:t>(Minion </a:t>
+            </a:r>
+            <a:r>
+              <a:rPr lang="ko-KR" altLang="en-US" sz="1750" strike="sngStrike" dirty="0">
+                <a:solidFill>
+                  <a:schemeClr val="tx1">
+                    <a:lumMod val="95000"/>
+                    <a:lumOff val="5000"/>
+                  </a:schemeClr>
+                </a:solidFill>
+                <a:effectLst>
+                  <a:outerShdw blurRad="38100" dist="38100" dir="2700000" algn="tl">
+                    <a:srgbClr val="000000">
+                      <a:alpha val="43137"/>
+                    </a:srgbClr>
+                  </a:outerShdw>
+                </a:effectLst>
+                <a:latin typeface="맑은 고딕" panose="020B0503020000020004" pitchFamily="50" charset="-127"/>
+                <a:ea typeface="맑은 고딕" panose="020B0503020000020004" pitchFamily="50" charset="-127"/>
+              </a:rPr>
+              <a:t>팀 구별 </a:t>
+            </a:r>
+            <a:r>
+              <a:rPr lang="en-US" altLang="ko-KR" sz="1750" strike="sngStrike" dirty="0">
+                <a:solidFill>
+                  <a:schemeClr val="tx1">
+                    <a:lumMod val="95000"/>
+                    <a:lumOff val="5000"/>
+                  </a:schemeClr>
+                </a:solidFill>
+                <a:effectLst>
+                  <a:outerShdw blurRad="38100" dist="38100" dir="2700000" algn="tl">
+                    <a:srgbClr val="000000">
+                      <a:alpha val="43137"/>
+                    </a:srgbClr>
+                  </a:outerShdw>
+                </a:effectLst>
+                <a:latin typeface="맑은 고딕" panose="020B0503020000020004" pitchFamily="50" charset="-127"/>
+                <a:ea typeface="맑은 고딕" panose="020B0503020000020004" pitchFamily="50" charset="-127"/>
+              </a:rPr>
+              <a:t>/ </a:t>
+            </a:r>
+            <a:r>
+              <a:rPr lang="ko-KR" altLang="en-US" sz="1750" strike="sngStrike" dirty="0">
+                <a:solidFill>
+                  <a:schemeClr val="tx1">
+                    <a:lumMod val="95000"/>
+                    <a:lumOff val="5000"/>
+                  </a:schemeClr>
+                </a:solidFill>
+                <a:effectLst>
+                  <a:outerShdw blurRad="38100" dist="38100" dir="2700000" algn="tl">
+                    <a:srgbClr val="000000">
+                      <a:alpha val="43137"/>
+                    </a:srgbClr>
+                  </a:outerShdw>
+                </a:effectLst>
+                <a:latin typeface="맑은 고딕" panose="020B0503020000020004" pitchFamily="50" charset="-127"/>
+                <a:ea typeface="맑은 고딕" panose="020B0503020000020004" pitchFamily="50" charset="-127"/>
+              </a:rPr>
+              <a:t>색상</a:t>
+            </a:r>
+            <a:r>
+              <a:rPr lang="en-US" altLang="ko-KR" sz="1750" strike="sngStrike" dirty="0">
+                <a:solidFill>
+                  <a:schemeClr val="tx1">
+                    <a:lumMod val="95000"/>
+                    <a:lumOff val="5000"/>
+                  </a:schemeClr>
+                </a:solidFill>
+                <a:effectLst>
+                  <a:outerShdw blurRad="38100" dist="38100" dir="2700000" algn="tl">
+                    <a:srgbClr val="000000">
+                      <a:alpha val="43137"/>
+                    </a:srgbClr>
+                  </a:outerShdw>
+                </a:effectLst>
+                <a:latin typeface="맑은 고딕" panose="020B0503020000020004" pitchFamily="50" charset="-127"/>
+                <a:ea typeface="맑은 고딕" panose="020B0503020000020004" pitchFamily="50" charset="-127"/>
+              </a:rPr>
+              <a:t>)</a:t>
+            </a:r>
+          </a:p>
+          <a:p>
+            <a:pPr marL="1330452" lvl="2" indent="-342900">
+              <a:lnSpc>
+                <a:spcPct val="160000"/>
+              </a:lnSpc>
+              <a:buFont typeface="+mj-lt"/>
+              <a:buAutoNum type="alphaUcPeriod"/>
+            </a:pPr>
+            <a:r>
+              <a:rPr lang="ko-KR" altLang="en-US" sz="1750" strike="sngStrike" dirty="0">
+                <a:solidFill>
+                  <a:schemeClr val="tx1">
+                    <a:lumMod val="95000"/>
+                    <a:lumOff val="5000"/>
+                  </a:schemeClr>
+                </a:solidFill>
+                <a:effectLst>
+                  <a:outerShdw blurRad="38100" dist="38100" dir="2700000" algn="tl">
+                    <a:srgbClr val="000000">
+                      <a:alpha val="43137"/>
+                    </a:srgbClr>
+                  </a:outerShdw>
+                </a:effectLst>
+                <a:latin typeface="맑은 고딕" panose="020B0503020000020004" pitchFamily="50" charset="-127"/>
+                <a:ea typeface="맑은 고딕" panose="020B0503020000020004" pitchFamily="50" charset="-127"/>
+              </a:rPr>
+              <a:t>아이콘 </a:t>
+            </a:r>
+            <a:r>
+              <a:rPr lang="en-US" altLang="ko-KR" sz="1750" strike="sngStrike" dirty="0">
+                <a:solidFill>
+                  <a:schemeClr val="tx1">
+                    <a:lumMod val="95000"/>
+                    <a:lumOff val="5000"/>
+                  </a:schemeClr>
+                </a:solidFill>
+                <a:effectLst>
+                  <a:outerShdw blurRad="38100" dist="38100" dir="2700000" algn="tl">
+                    <a:srgbClr val="000000">
+                      <a:alpha val="43137"/>
+                    </a:srgbClr>
+                  </a:outerShdw>
+                </a:effectLst>
+                <a:latin typeface="맑은 고딕" panose="020B0503020000020004" pitchFamily="50" charset="-127"/>
+                <a:ea typeface="맑은 고딕" panose="020B0503020000020004" pitchFamily="50" charset="-127"/>
+              </a:rPr>
+              <a:t>(</a:t>
+            </a:r>
+            <a:r>
+              <a:rPr lang="ko-KR" altLang="en-US" sz="1750" strike="sngStrike" dirty="0">
+                <a:solidFill>
+                  <a:schemeClr val="tx1">
+                    <a:lumMod val="95000"/>
+                    <a:lumOff val="5000"/>
+                  </a:schemeClr>
+                </a:solidFill>
+                <a:effectLst>
+                  <a:outerShdw blurRad="38100" dist="38100" dir="2700000" algn="tl">
+                    <a:srgbClr val="000000">
+                      <a:alpha val="43137"/>
+                    </a:srgbClr>
+                  </a:outerShdw>
+                </a:effectLst>
+                <a:latin typeface="맑은 고딕" panose="020B0503020000020004" pitchFamily="50" charset="-127"/>
+                <a:ea typeface="맑은 고딕" panose="020B0503020000020004" pitchFamily="50" charset="-127"/>
+              </a:rPr>
+              <a:t>정글 몬스터</a:t>
+            </a:r>
+            <a:r>
+              <a:rPr lang="en-US" altLang="ko-KR" sz="1750" strike="sngStrike" dirty="0">
+                <a:solidFill>
+                  <a:schemeClr val="tx1">
+                    <a:lumMod val="95000"/>
+                    <a:lumOff val="5000"/>
+                  </a:schemeClr>
+                </a:solidFill>
+                <a:effectLst>
+                  <a:outerShdw blurRad="38100" dist="38100" dir="2700000" algn="tl">
+                    <a:srgbClr val="000000">
+                      <a:alpha val="43137"/>
+                    </a:srgbClr>
+                  </a:outerShdw>
+                </a:effectLst>
+                <a:latin typeface="맑은 고딕" panose="020B0503020000020004" pitchFamily="50" charset="-127"/>
+                <a:ea typeface="맑은 고딕" panose="020B0503020000020004" pitchFamily="50" charset="-127"/>
+              </a:rPr>
+              <a:t>)</a:t>
+            </a:r>
+          </a:p>
+          <a:p>
+            <a:pPr marL="1330452" lvl="2" indent="-342900">
+              <a:lnSpc>
+                <a:spcPct val="160000"/>
+              </a:lnSpc>
+              <a:buFont typeface="+mj-lt"/>
+              <a:buAutoNum type="alphaUcPeriod"/>
+            </a:pPr>
+            <a:r>
+              <a:rPr lang="ko-KR" altLang="en-US" sz="1750" strike="sngStrike" dirty="0">
+                <a:solidFill>
+                  <a:schemeClr val="tx1">
+                    <a:lumMod val="95000"/>
+                    <a:lumOff val="5000"/>
+                  </a:schemeClr>
+                </a:solidFill>
+                <a:effectLst>
+                  <a:outerShdw blurRad="38100" dist="38100" dir="2700000" algn="tl">
+                    <a:srgbClr val="000000">
+                      <a:alpha val="43137"/>
+                    </a:srgbClr>
+                  </a:outerShdw>
+                </a:effectLst>
+                <a:latin typeface="맑은 고딕" panose="020B0503020000020004" pitchFamily="50" charset="-127"/>
+                <a:ea typeface="맑은 고딕" panose="020B0503020000020004" pitchFamily="50" charset="-127"/>
+              </a:rPr>
+              <a:t>타워 아이콘 </a:t>
+            </a:r>
+            <a:r>
+              <a:rPr lang="en-US" altLang="ko-KR" sz="1750" strike="sngStrike" dirty="0">
+                <a:solidFill>
+                  <a:schemeClr val="tx1">
+                    <a:lumMod val="95000"/>
+                    <a:lumOff val="5000"/>
+                  </a:schemeClr>
+                </a:solidFill>
+                <a:effectLst>
+                  <a:outerShdw blurRad="38100" dist="38100" dir="2700000" algn="tl">
+                    <a:srgbClr val="000000">
+                      <a:alpha val="43137"/>
+                    </a:srgbClr>
+                  </a:outerShdw>
+                </a:effectLst>
+                <a:latin typeface="맑은 고딕" panose="020B0503020000020004" pitchFamily="50" charset="-127"/>
+                <a:ea typeface="맑은 고딕" panose="020B0503020000020004" pitchFamily="50" charset="-127"/>
+              </a:rPr>
+              <a:t>HP </a:t>
+            </a:r>
+            <a:r>
+              <a:rPr lang="ko-KR" altLang="en-US" sz="1750" strike="sngStrike" dirty="0">
+                <a:solidFill>
+                  <a:schemeClr val="tx1">
+                    <a:lumMod val="95000"/>
+                    <a:lumOff val="5000"/>
+                  </a:schemeClr>
+                </a:solidFill>
+                <a:effectLst>
+                  <a:outerShdw blurRad="38100" dist="38100" dir="2700000" algn="tl">
+                    <a:srgbClr val="000000">
+                      <a:alpha val="43137"/>
+                    </a:srgbClr>
+                  </a:outerShdw>
+                </a:effectLst>
+                <a:latin typeface="맑은 고딕" panose="020B0503020000020004" pitchFamily="50" charset="-127"/>
+                <a:ea typeface="맑은 고딕" panose="020B0503020000020004" pitchFamily="50" charset="-127"/>
+              </a:rPr>
+              <a:t>게이지 처럼 처리</a:t>
+            </a:r>
+            <a:endParaRPr lang="en-US" altLang="ko-KR" sz="1750" strike="sngStrike" dirty="0">
               <a:solidFill>
                 <a:schemeClr val="tx1">
                   <a:lumMod val="95000"/>
@@ -8539,230 +8679,6 @@
               <a:latin typeface="맑은 고딕" panose="020B0503020000020004" pitchFamily="50" charset="-127"/>
               <a:ea typeface="맑은 고딕" panose="020B0503020000020004" pitchFamily="50" charset="-127"/>
             </a:endParaRPr>
-          </a:p>
-          <a:p>
-            <a:pPr marL="1330452" lvl="2" indent="-342900">
-              <a:lnSpc>
-                <a:spcPct val="160000"/>
-              </a:lnSpc>
-              <a:buFont typeface="+mj-lt"/>
-              <a:buAutoNum type="alphaUcPeriod"/>
-            </a:pPr>
-            <a:r>
-              <a:rPr lang="ko-KR" altLang="en-US" sz="1550" strike="sngStrike" dirty="0">
-                <a:solidFill>
-                  <a:schemeClr val="tx1">
-                    <a:lumMod val="95000"/>
-                    <a:lumOff val="5000"/>
-                  </a:schemeClr>
-                </a:solidFill>
-                <a:effectLst>
-                  <a:outerShdw blurRad="38100" dist="38100" dir="2700000" algn="tl">
-                    <a:srgbClr val="000000">
-                      <a:alpha val="43137"/>
-                    </a:srgbClr>
-                  </a:outerShdw>
-                </a:effectLst>
-                <a:latin typeface="맑은 고딕" panose="020B0503020000020004" pitchFamily="50" charset="-127"/>
-                <a:ea typeface="맑은 고딕" panose="020B0503020000020004" pitchFamily="50" charset="-127"/>
-              </a:rPr>
-              <a:t>플레이어 </a:t>
-            </a:r>
-            <a:r>
-              <a:rPr lang="en-US" altLang="ko-KR" sz="1550" strike="sngStrike" dirty="0">
-                <a:solidFill>
-                  <a:schemeClr val="tx1">
-                    <a:lumMod val="95000"/>
-                    <a:lumOff val="5000"/>
-                  </a:schemeClr>
-                </a:solidFill>
-                <a:effectLst>
-                  <a:outerShdw blurRad="38100" dist="38100" dir="2700000" algn="tl">
-                    <a:srgbClr val="000000">
-                      <a:alpha val="43137"/>
-                    </a:srgbClr>
-                  </a:outerShdw>
-                </a:effectLst>
-                <a:latin typeface="맑은 고딕" panose="020B0503020000020004" pitchFamily="50" charset="-127"/>
-                <a:ea typeface="맑은 고딕" panose="020B0503020000020004" pitchFamily="50" charset="-127"/>
-              </a:rPr>
-              <a:t>Icon(HP)</a:t>
-            </a:r>
-            <a:r>
-              <a:rPr lang="ko-KR" altLang="en-US" sz="1550" strike="sngStrike" dirty="0">
-                <a:solidFill>
-                  <a:schemeClr val="tx1">
-                    <a:lumMod val="95000"/>
-                    <a:lumOff val="5000"/>
-                  </a:schemeClr>
-                </a:solidFill>
-                <a:effectLst>
-                  <a:outerShdw blurRad="38100" dist="38100" dir="2700000" algn="tl">
-                    <a:srgbClr val="000000">
-                      <a:alpha val="43137"/>
-                    </a:srgbClr>
-                  </a:outerShdw>
-                </a:effectLst>
-                <a:latin typeface="맑은 고딕" panose="020B0503020000020004" pitchFamily="50" charset="-127"/>
-                <a:ea typeface="맑은 고딕" panose="020B0503020000020004" pitchFamily="50" charset="-127"/>
-              </a:rPr>
-              <a:t>와 상호작용 </a:t>
-            </a:r>
-            <a:r>
-              <a:rPr lang="en-US" altLang="ko-KR" sz="1550" strike="sngStrike" dirty="0">
-                <a:solidFill>
-                  <a:schemeClr val="tx1">
-                    <a:lumMod val="95000"/>
-                    <a:lumOff val="5000"/>
-                  </a:schemeClr>
-                </a:solidFill>
-                <a:effectLst>
-                  <a:outerShdw blurRad="38100" dist="38100" dir="2700000" algn="tl">
-                    <a:srgbClr val="000000">
-                      <a:alpha val="43137"/>
-                    </a:srgbClr>
-                  </a:outerShdw>
-                </a:effectLst>
-                <a:latin typeface="맑은 고딕" panose="020B0503020000020004" pitchFamily="50" charset="-127"/>
-                <a:ea typeface="맑은 고딕" panose="020B0503020000020004" pitchFamily="50" charset="-127"/>
-              </a:rPr>
-              <a:t>(</a:t>
-            </a:r>
-            <a:r>
-              <a:rPr lang="ko-KR" altLang="en-US" sz="1550" strike="sngStrike" dirty="0" err="1">
-                <a:solidFill>
-                  <a:schemeClr val="tx1">
-                    <a:lumMod val="95000"/>
-                    <a:lumOff val="5000"/>
-                  </a:schemeClr>
-                </a:solidFill>
-                <a:effectLst>
-                  <a:outerShdw blurRad="38100" dist="38100" dir="2700000" algn="tl">
-                    <a:srgbClr val="000000">
-                      <a:alpha val="43137"/>
-                    </a:srgbClr>
-                  </a:outerShdw>
-                </a:effectLst>
-                <a:latin typeface="맑은 고딕" panose="020B0503020000020004" pitchFamily="50" charset="-127"/>
-                <a:ea typeface="맑은 고딕" panose="020B0503020000020004" pitchFamily="50" charset="-127"/>
-              </a:rPr>
-              <a:t>클릭시</a:t>
-            </a:r>
-            <a:r>
-              <a:rPr lang="ko-KR" altLang="en-US" sz="1550" strike="sngStrike" dirty="0">
-                <a:solidFill>
-                  <a:schemeClr val="tx1">
-                    <a:lumMod val="95000"/>
-                    <a:lumOff val="5000"/>
-                  </a:schemeClr>
-                </a:solidFill>
-                <a:effectLst>
-                  <a:outerShdw blurRad="38100" dist="38100" dir="2700000" algn="tl">
-                    <a:srgbClr val="000000">
-                      <a:alpha val="43137"/>
-                    </a:srgbClr>
-                  </a:outerShdw>
-                </a:effectLst>
-                <a:latin typeface="맑은 고딕" panose="020B0503020000020004" pitchFamily="50" charset="-127"/>
-                <a:ea typeface="맑은 고딕" panose="020B0503020000020004" pitchFamily="50" charset="-127"/>
-              </a:rPr>
-              <a:t> 등장</a:t>
-            </a:r>
-            <a:r>
-              <a:rPr lang="en-US" altLang="ko-KR" sz="1550" strike="sngStrike" dirty="0">
-                <a:solidFill>
-                  <a:schemeClr val="tx1">
-                    <a:lumMod val="95000"/>
-                    <a:lumOff val="5000"/>
-                  </a:schemeClr>
-                </a:solidFill>
-                <a:effectLst>
-                  <a:outerShdw blurRad="38100" dist="38100" dir="2700000" algn="tl">
-                    <a:srgbClr val="000000">
-                      <a:alpha val="43137"/>
-                    </a:srgbClr>
-                  </a:outerShdw>
-                </a:effectLst>
-                <a:latin typeface="맑은 고딕" panose="020B0503020000020004" pitchFamily="50" charset="-127"/>
-                <a:ea typeface="맑은 고딕" panose="020B0503020000020004" pitchFamily="50" charset="-127"/>
-              </a:rPr>
-              <a:t>)</a:t>
-            </a:r>
-          </a:p>
-          <a:p>
-            <a:pPr marL="1330452" lvl="2" indent="-342900">
-              <a:lnSpc>
-                <a:spcPct val="160000"/>
-              </a:lnSpc>
-              <a:buFont typeface="+mj-lt"/>
-              <a:buAutoNum type="alphaUcPeriod"/>
-            </a:pPr>
-            <a:r>
-              <a:rPr lang="ko-KR" altLang="en-US" sz="1550" strike="sngStrike" dirty="0">
-                <a:solidFill>
-                  <a:schemeClr val="tx1">
-                    <a:lumMod val="95000"/>
-                    <a:lumOff val="5000"/>
-                  </a:schemeClr>
-                </a:solidFill>
-                <a:effectLst>
-                  <a:outerShdw blurRad="38100" dist="38100" dir="2700000" algn="tl">
-                    <a:srgbClr val="000000">
-                      <a:alpha val="43137"/>
-                    </a:srgbClr>
-                  </a:outerShdw>
-                </a:effectLst>
-                <a:latin typeface="맑은 고딕" panose="020B0503020000020004" pitchFamily="50" charset="-127"/>
-                <a:ea typeface="맑은 고딕" panose="020B0503020000020004" pitchFamily="50" charset="-127"/>
-              </a:rPr>
-              <a:t>선택된 특성 확인</a:t>
-            </a:r>
-            <a:endParaRPr lang="en-US" altLang="ko-KR" sz="1550" strike="sngStrike" dirty="0">
-              <a:solidFill>
-                <a:schemeClr val="tx1">
-                  <a:lumMod val="95000"/>
-                  <a:lumOff val="5000"/>
-                </a:schemeClr>
-              </a:solidFill>
-              <a:effectLst>
-                <a:outerShdw blurRad="38100" dist="38100" dir="2700000" algn="tl">
-                  <a:srgbClr val="000000">
-                    <a:alpha val="43137"/>
-                  </a:srgbClr>
-                </a:outerShdw>
-              </a:effectLst>
-              <a:latin typeface="맑은 고딕" panose="020B0503020000020004" pitchFamily="50" charset="-127"/>
-              <a:ea typeface="맑은 고딕" panose="020B0503020000020004" pitchFamily="50" charset="-127"/>
-            </a:endParaRPr>
-          </a:p>
-          <a:p>
-            <a:pPr marL="873252" lvl="1" indent="-342900">
-              <a:lnSpc>
-                <a:spcPct val="160000"/>
-              </a:lnSpc>
-              <a:buFont typeface="+mj-lt"/>
-              <a:buAutoNum type="alphaUcPeriod"/>
-            </a:pPr>
-            <a:r>
-              <a:rPr lang="en-US" altLang="ko-KR" sz="1750" strike="sngStrike" dirty="0">
-                <a:solidFill>
-                  <a:schemeClr val="tx1">
-                    <a:lumMod val="95000"/>
-                    <a:lumOff val="5000"/>
-                  </a:schemeClr>
-                </a:solidFill>
-                <a:effectLst>
-                  <a:outerShdw blurRad="38100" dist="38100" dir="2700000" algn="tl">
-                    <a:srgbClr val="000000">
-                      <a:alpha val="43137"/>
-                    </a:srgbClr>
-                  </a:outerShdw>
-                </a:effectLst>
-                <a:latin typeface="맑은 고딕" panose="020B0503020000020004" pitchFamily="50" charset="-127"/>
-                <a:ea typeface="맑은 고딕" panose="020B0503020000020004" pitchFamily="50" charset="-127"/>
-              </a:rPr>
-              <a:t>HP, MP</a:t>
-            </a:r>
           </a:p>
         </p:txBody>
       </p:sp>
@@ -8803,7 +8719,7 @@
     </p:spTree>
     <p:extLst>
       <p:ext uri="{BB962C8B-B14F-4D97-AF65-F5344CB8AC3E}">
-        <p14:creationId xmlns:p14="http://schemas.microsoft.com/office/powerpoint/2010/main" val="1915953790"/>
+        <p14:creationId xmlns:p14="http://schemas.microsoft.com/office/powerpoint/2010/main" val="1316857700"/>
       </p:ext>
     </p:extLst>
   </p:cSld>
@@ -8924,7 +8840,7 @@
         </p:spPr>
         <p:txBody>
           <a:bodyPr>
-            <a:normAutofit fontScale="92500" lnSpcReduction="10000"/>
+            <a:normAutofit/>
           </a:bodyPr>
           <a:lstStyle/>
           <a:p>
@@ -8957,7 +8873,7 @@
             </a:r>
           </a:p>
           <a:p>
-            <a:pPr marL="987552" lvl="1" indent="-457200">
+            <a:pPr marL="873252" lvl="1" indent="-342900">
               <a:lnSpc>
                 <a:spcPct val="160000"/>
               </a:lnSpc>
@@ -8965,9 +8881,12 @@
               <a:buAutoNum type="alphaUcPeriod"/>
             </a:pPr>
             <a:r>
-              <a:rPr lang="ko-KR" altLang="en-US" sz="1750" i="0" strike="dblStrike" dirty="0" err="1">
-                <a:solidFill>
-                  <a:srgbClr val="FF0000"/>
+              <a:rPr lang="ko-KR" altLang="en-US" sz="1750" i="0" dirty="0">
+                <a:solidFill>
+                  <a:schemeClr val="tx1">
+                    <a:lumMod val="95000"/>
+                    <a:lumOff val="5000"/>
+                  </a:schemeClr>
                 </a:solidFill>
                 <a:effectLst>
                   <a:outerShdw blurRad="38100" dist="38100" dir="2700000" algn="tl">
@@ -8979,629 +8898,7 @@
                 <a:latin typeface="맑은 고딕" panose="020B0503020000020004" pitchFamily="50" charset="-127"/>
                 <a:ea typeface="맑은 고딕" panose="020B0503020000020004" pitchFamily="50" charset="-127"/>
               </a:rPr>
-              <a:t>스테이터스</a:t>
-            </a:r>
-            <a:r>
-              <a:rPr lang="ko-KR" altLang="en-US" sz="1750" i="0" dirty="0">
-                <a:solidFill>
-                  <a:srgbClr val="FF0000"/>
-                </a:solidFill>
-                <a:effectLst>
-                  <a:outerShdw blurRad="38100" dist="38100" dir="2700000" algn="tl">
-                    <a:srgbClr val="000000">
-                      <a:alpha val="43137"/>
-                    </a:srgbClr>
-                  </a:outerShdw>
-                </a:effectLst>
-                <a:latin typeface="맑은 고딕" panose="020B0503020000020004" pitchFamily="50" charset="-127"/>
-                <a:ea typeface="맑은 고딕" panose="020B0503020000020004" pitchFamily="50" charset="-127"/>
-              </a:rPr>
-              <a:t> </a:t>
-            </a:r>
-            <a:r>
-              <a:rPr lang="en-US" altLang="ko-KR" sz="1750" i="0" dirty="0">
-                <a:solidFill>
-                  <a:srgbClr val="FF0000"/>
-                </a:solidFill>
-                <a:effectLst>
-                  <a:outerShdw blurRad="38100" dist="38100" dir="2700000" algn="tl">
-                    <a:srgbClr val="000000">
-                      <a:alpha val="43137"/>
-                    </a:srgbClr>
-                  </a:outerShdw>
-                </a:effectLst>
-                <a:latin typeface="맑은 고딕" panose="020B0503020000020004" pitchFamily="50" charset="-127"/>
-                <a:ea typeface="맑은 고딕" panose="020B0503020000020004" pitchFamily="50" charset="-127"/>
-              </a:rPr>
-              <a:t>(</a:t>
-            </a:r>
-            <a:r>
-              <a:rPr lang="ko-KR" altLang="en-US" sz="1750" i="0" dirty="0">
-                <a:solidFill>
-                  <a:srgbClr val="FF0000"/>
-                </a:solidFill>
-                <a:effectLst>
-                  <a:outerShdw blurRad="38100" dist="38100" dir="2700000" algn="tl">
-                    <a:srgbClr val="000000">
-                      <a:alpha val="43137"/>
-                    </a:srgbClr>
-                  </a:outerShdw>
-                </a:effectLst>
-                <a:latin typeface="맑은 고딕" panose="020B0503020000020004" pitchFamily="50" charset="-127"/>
-                <a:ea typeface="맑은 고딕" panose="020B0503020000020004" pitchFamily="50" charset="-127"/>
-              </a:rPr>
-              <a:t>불필요 삭제</a:t>
-            </a:r>
-            <a:r>
-              <a:rPr lang="en-US" altLang="ko-KR" sz="1750" i="0" dirty="0">
-                <a:solidFill>
-                  <a:srgbClr val="FF0000"/>
-                </a:solidFill>
-                <a:effectLst>
-                  <a:outerShdw blurRad="38100" dist="38100" dir="2700000" algn="tl">
-                    <a:srgbClr val="000000">
-                      <a:alpha val="43137"/>
-                    </a:srgbClr>
-                  </a:outerShdw>
-                </a:effectLst>
-                <a:latin typeface="맑은 고딕" panose="020B0503020000020004" pitchFamily="50" charset="-127"/>
-                <a:ea typeface="맑은 고딕" panose="020B0503020000020004" pitchFamily="50" charset="-127"/>
-              </a:rPr>
-              <a:t>)</a:t>
-            </a:r>
-          </a:p>
-          <a:p>
-            <a:pPr marL="1444752" lvl="2" indent="-457200">
-              <a:lnSpc>
-                <a:spcPct val="160000"/>
-              </a:lnSpc>
-              <a:buFont typeface="+mj-lt"/>
-              <a:buAutoNum type="alphaUcPeriod"/>
-            </a:pPr>
-            <a:r>
-              <a:rPr lang="en-US" altLang="ko-KR" sz="1350" strike="dblStrike" dirty="0">
-                <a:solidFill>
-                  <a:srgbClr val="FF0000"/>
-                </a:solidFill>
-                <a:effectLst>
-                  <a:outerShdw blurRad="38100" dist="38100" dir="2700000" algn="tl">
-                    <a:srgbClr val="000000">
-                      <a:alpha val="43137"/>
-                    </a:srgbClr>
-                  </a:outerShdw>
-                </a:effectLst>
-                <a:latin typeface="맑은 고딕" panose="020B0503020000020004" pitchFamily="50" charset="-127"/>
-                <a:ea typeface="맑은 고딕" panose="020B0503020000020004" pitchFamily="50" charset="-127"/>
-              </a:rPr>
-              <a:t>HP</a:t>
-            </a:r>
-            <a:r>
-              <a:rPr lang="ko-KR" altLang="en-US" sz="1350" strike="dblStrike" dirty="0">
-                <a:solidFill>
-                  <a:srgbClr val="FF0000"/>
-                </a:solidFill>
-                <a:effectLst>
-                  <a:outerShdw blurRad="38100" dist="38100" dir="2700000" algn="tl">
-                    <a:srgbClr val="000000">
-                      <a:alpha val="43137"/>
-                    </a:srgbClr>
-                  </a:outerShdw>
-                </a:effectLst>
-                <a:latin typeface="맑은 고딕" panose="020B0503020000020004" pitchFamily="50" charset="-127"/>
-                <a:ea typeface="맑은 고딕" panose="020B0503020000020004" pitchFamily="50" charset="-127"/>
-              </a:rPr>
-              <a:t> 게이지</a:t>
-            </a:r>
-            <a:endParaRPr lang="en-US" altLang="ko-KR" sz="1350" strike="dblStrike" dirty="0">
-              <a:solidFill>
-                <a:srgbClr val="FF0000"/>
-              </a:solidFill>
-              <a:effectLst>
-                <a:outerShdw blurRad="38100" dist="38100" dir="2700000" algn="tl">
-                  <a:srgbClr val="000000">
-                    <a:alpha val="43137"/>
-                  </a:srgbClr>
-                </a:outerShdw>
-              </a:effectLst>
-              <a:latin typeface="맑은 고딕" panose="020B0503020000020004" pitchFamily="50" charset="-127"/>
-              <a:ea typeface="맑은 고딕" panose="020B0503020000020004" pitchFamily="50" charset="-127"/>
-            </a:endParaRPr>
-          </a:p>
-          <a:p>
-            <a:pPr marL="1444752" lvl="2" indent="-457200">
-              <a:lnSpc>
-                <a:spcPct val="160000"/>
-              </a:lnSpc>
-              <a:buFont typeface="+mj-lt"/>
-              <a:buAutoNum type="alphaUcPeriod"/>
-            </a:pPr>
-            <a:r>
-              <a:rPr lang="en-US" altLang="ko-KR" sz="1350" strike="dblStrike" dirty="0">
-                <a:solidFill>
-                  <a:srgbClr val="FF0000"/>
-                </a:solidFill>
-                <a:effectLst>
-                  <a:outerShdw blurRad="38100" dist="38100" dir="2700000" algn="tl">
-                    <a:srgbClr val="000000">
-                      <a:alpha val="43137"/>
-                    </a:srgbClr>
-                  </a:outerShdw>
-                </a:effectLst>
-                <a:latin typeface="맑은 고딕" panose="020B0503020000020004" pitchFamily="50" charset="-127"/>
-                <a:ea typeface="맑은 고딕" panose="020B0503020000020004" pitchFamily="50" charset="-127"/>
-              </a:rPr>
-              <a:t>MP </a:t>
-            </a:r>
-            <a:r>
-              <a:rPr lang="ko-KR" altLang="en-US" sz="1350" strike="dblStrike" dirty="0">
-                <a:solidFill>
-                  <a:srgbClr val="FF0000"/>
-                </a:solidFill>
-                <a:effectLst>
-                  <a:outerShdw blurRad="38100" dist="38100" dir="2700000" algn="tl">
-                    <a:srgbClr val="000000">
-                      <a:alpha val="43137"/>
-                    </a:srgbClr>
-                  </a:outerShdw>
-                </a:effectLst>
-                <a:latin typeface="맑은 고딕" panose="020B0503020000020004" pitchFamily="50" charset="-127"/>
-                <a:ea typeface="맑은 고딕" panose="020B0503020000020004" pitchFamily="50" charset="-127"/>
-              </a:rPr>
-              <a:t>게이지</a:t>
-            </a:r>
-            <a:endParaRPr lang="en-US" altLang="ko-KR" sz="1350" strike="dblStrike" dirty="0">
-              <a:solidFill>
-                <a:srgbClr val="FF0000"/>
-              </a:solidFill>
-              <a:effectLst>
-                <a:outerShdw blurRad="38100" dist="38100" dir="2700000" algn="tl">
-                  <a:srgbClr val="000000">
-                    <a:alpha val="43137"/>
-                  </a:srgbClr>
-                </a:outerShdw>
-              </a:effectLst>
-              <a:latin typeface="맑은 고딕" panose="020B0503020000020004" pitchFamily="50" charset="-127"/>
-              <a:ea typeface="맑은 고딕" panose="020B0503020000020004" pitchFamily="50" charset="-127"/>
-            </a:endParaRPr>
-          </a:p>
-          <a:p>
-            <a:pPr marL="1444752" lvl="2" indent="-457200">
-              <a:lnSpc>
-                <a:spcPct val="160000"/>
-              </a:lnSpc>
-              <a:buFont typeface="+mj-lt"/>
-              <a:buAutoNum type="alphaUcPeriod"/>
-            </a:pPr>
-            <a:r>
-              <a:rPr lang="ko-KR" altLang="en-US" sz="1350" strike="dblStrike" dirty="0" err="1">
-                <a:solidFill>
-                  <a:srgbClr val="FF0000"/>
-                </a:solidFill>
-                <a:effectLst>
-                  <a:outerShdw blurRad="38100" dist="38100" dir="2700000" algn="tl">
-                    <a:srgbClr val="000000">
-                      <a:alpha val="43137"/>
-                    </a:srgbClr>
-                  </a:outerShdw>
-                </a:effectLst>
-                <a:latin typeface="맑은 고딕" panose="020B0503020000020004" pitchFamily="50" charset="-127"/>
-                <a:ea typeface="맑은 고딕" panose="020B0503020000020004" pitchFamily="50" charset="-127"/>
-              </a:rPr>
-              <a:t>스테이터스</a:t>
-            </a:r>
-            <a:r>
-              <a:rPr lang="ko-KR" altLang="en-US" sz="1350" strike="dblStrike" dirty="0">
-                <a:solidFill>
-                  <a:srgbClr val="FF0000"/>
-                </a:solidFill>
-                <a:effectLst>
-                  <a:outerShdw blurRad="38100" dist="38100" dir="2700000" algn="tl">
-                    <a:srgbClr val="000000">
-                      <a:alpha val="43137"/>
-                    </a:srgbClr>
-                  </a:outerShdw>
-                </a:effectLst>
-                <a:latin typeface="맑은 고딕" panose="020B0503020000020004" pitchFamily="50" charset="-127"/>
-                <a:ea typeface="맑은 고딕" panose="020B0503020000020004" pitchFamily="50" charset="-127"/>
-              </a:rPr>
-              <a:t> 값 출력</a:t>
-            </a:r>
-            <a:endParaRPr lang="en-US" altLang="ko-KR" sz="1350" strike="dblStrike" dirty="0">
-              <a:solidFill>
-                <a:srgbClr val="FF0000"/>
-              </a:solidFill>
-              <a:effectLst>
-                <a:outerShdw blurRad="38100" dist="38100" dir="2700000" algn="tl">
-                  <a:srgbClr val="000000">
-                    <a:alpha val="43137"/>
-                  </a:srgbClr>
-                </a:outerShdw>
-              </a:effectLst>
-              <a:latin typeface="맑은 고딕" panose="020B0503020000020004" pitchFamily="50" charset="-127"/>
-              <a:ea typeface="맑은 고딕" panose="020B0503020000020004" pitchFamily="50" charset="-127"/>
-            </a:endParaRPr>
-          </a:p>
-          <a:p>
-            <a:pPr marL="1444752" lvl="2" indent="-457200">
-              <a:lnSpc>
-                <a:spcPct val="160000"/>
-              </a:lnSpc>
-              <a:buFont typeface="+mj-lt"/>
-              <a:buAutoNum type="alphaUcPeriod"/>
-            </a:pPr>
-            <a:r>
-              <a:rPr lang="ko-KR" altLang="en-US" sz="1350" strike="dblStrike" dirty="0">
-                <a:solidFill>
-                  <a:srgbClr val="FF0000"/>
-                </a:solidFill>
-                <a:effectLst>
-                  <a:outerShdw blurRad="38100" dist="38100" dir="2700000" algn="tl">
-                    <a:srgbClr val="000000">
-                      <a:alpha val="43137"/>
-                    </a:srgbClr>
-                  </a:outerShdw>
-                </a:effectLst>
-                <a:latin typeface="맑은 고딕" panose="020B0503020000020004" pitchFamily="50" charset="-127"/>
-                <a:ea typeface="맑은 고딕" panose="020B0503020000020004" pitchFamily="50" charset="-127"/>
-              </a:rPr>
-              <a:t>얼굴 </a:t>
-            </a:r>
-            <a:r>
-              <a:rPr lang="ko-KR" altLang="en-US" sz="1350" strike="dblStrike" dirty="0" err="1">
-                <a:solidFill>
-                  <a:srgbClr val="FF0000"/>
-                </a:solidFill>
-                <a:effectLst>
-                  <a:outerShdw blurRad="38100" dist="38100" dir="2700000" algn="tl">
-                    <a:srgbClr val="000000">
-                      <a:alpha val="43137"/>
-                    </a:srgbClr>
-                  </a:outerShdw>
-                </a:effectLst>
-                <a:latin typeface="맑은 고딕" panose="020B0503020000020004" pitchFamily="50" charset="-127"/>
-                <a:ea typeface="맑은 고딕" panose="020B0503020000020004" pitchFamily="50" charset="-127"/>
-              </a:rPr>
-              <a:t>텍스쳐</a:t>
-            </a:r>
-            <a:r>
-              <a:rPr lang="ko-KR" altLang="en-US" sz="1350" strike="dblStrike" dirty="0">
-                <a:solidFill>
-                  <a:srgbClr val="FF0000"/>
-                </a:solidFill>
-                <a:effectLst>
-                  <a:outerShdw blurRad="38100" dist="38100" dir="2700000" algn="tl">
-                    <a:srgbClr val="000000">
-                      <a:alpha val="43137"/>
-                    </a:srgbClr>
-                  </a:outerShdw>
-                </a:effectLst>
-                <a:latin typeface="맑은 고딕" panose="020B0503020000020004" pitchFamily="50" charset="-127"/>
-                <a:ea typeface="맑은 고딕" panose="020B0503020000020004" pitchFamily="50" charset="-127"/>
-              </a:rPr>
-              <a:t> </a:t>
-            </a:r>
-            <a:r>
-              <a:rPr lang="en-US" altLang="ko-KR" sz="1350" strike="dblStrike" dirty="0">
-                <a:solidFill>
-                  <a:srgbClr val="FF0000"/>
-                </a:solidFill>
-                <a:effectLst>
-                  <a:outerShdw blurRad="38100" dist="38100" dir="2700000" algn="tl">
-                    <a:srgbClr val="000000">
-                      <a:alpha val="43137"/>
-                    </a:srgbClr>
-                  </a:outerShdw>
-                </a:effectLst>
-                <a:latin typeface="맑은 고딕" panose="020B0503020000020004" pitchFamily="50" charset="-127"/>
-                <a:ea typeface="맑은 고딕" panose="020B0503020000020004" pitchFamily="50" charset="-127"/>
-              </a:rPr>
-              <a:t>(</a:t>
-            </a:r>
-            <a:r>
-              <a:rPr lang="ko-KR" altLang="en-US" sz="1350" strike="dblStrike" dirty="0">
-                <a:solidFill>
-                  <a:srgbClr val="FF0000"/>
-                </a:solidFill>
-                <a:effectLst>
-                  <a:outerShdw blurRad="38100" dist="38100" dir="2700000" algn="tl">
-                    <a:srgbClr val="000000">
-                      <a:alpha val="43137"/>
-                    </a:srgbClr>
-                  </a:outerShdw>
-                </a:effectLst>
-                <a:latin typeface="맑은 고딕" panose="020B0503020000020004" pitchFamily="50" charset="-127"/>
-                <a:ea typeface="맑은 고딕" panose="020B0503020000020004" pitchFamily="50" charset="-127"/>
-              </a:rPr>
-              <a:t>선택된 오브젝트의 </a:t>
-            </a:r>
-            <a:r>
-              <a:rPr lang="en-US" altLang="ko-KR" sz="1350" strike="dblStrike" dirty="0">
-                <a:solidFill>
-                  <a:srgbClr val="FF0000"/>
-                </a:solidFill>
-                <a:effectLst>
-                  <a:outerShdw blurRad="38100" dist="38100" dir="2700000" algn="tl">
-                    <a:srgbClr val="000000">
-                      <a:alpha val="43137"/>
-                    </a:srgbClr>
-                  </a:outerShdw>
-                </a:effectLst>
-                <a:latin typeface="맑은 고딕" panose="020B0503020000020004" pitchFamily="50" charset="-127"/>
-                <a:ea typeface="맑은 고딕" panose="020B0503020000020004" pitchFamily="50" charset="-127"/>
-              </a:rPr>
-              <a:t>Front </a:t>
-            </a:r>
-            <a:r>
-              <a:rPr lang="ko-KR" altLang="en-US" sz="1350" strike="dblStrike" dirty="0">
-                <a:solidFill>
-                  <a:srgbClr val="FF0000"/>
-                </a:solidFill>
-                <a:effectLst>
-                  <a:outerShdw blurRad="38100" dist="38100" dir="2700000" algn="tl">
-                    <a:srgbClr val="000000">
-                      <a:alpha val="43137"/>
-                    </a:srgbClr>
-                  </a:outerShdw>
-                </a:effectLst>
-                <a:latin typeface="맑은 고딕" panose="020B0503020000020004" pitchFamily="50" charset="-127"/>
-                <a:ea typeface="맑은 고딕" panose="020B0503020000020004" pitchFamily="50" charset="-127"/>
-              </a:rPr>
-              <a:t>샷 정보 </a:t>
-            </a:r>
-            <a:r>
-              <a:rPr lang="en-US" altLang="ko-KR" sz="1350" strike="dblStrike" dirty="0">
-                <a:solidFill>
-                  <a:srgbClr val="FF0000"/>
-                </a:solidFill>
-                <a:effectLst>
-                  <a:outerShdw blurRad="38100" dist="38100" dir="2700000" algn="tl">
-                    <a:srgbClr val="000000">
-                      <a:alpha val="43137"/>
-                    </a:srgbClr>
-                  </a:outerShdw>
-                </a:effectLst>
-                <a:latin typeface="맑은 고딕" panose="020B0503020000020004" pitchFamily="50" charset="-127"/>
-                <a:ea typeface="맑은 고딕" panose="020B0503020000020004" pitchFamily="50" charset="-127"/>
-              </a:rPr>
-              <a:t>)</a:t>
-            </a:r>
-          </a:p>
-          <a:p>
-            <a:pPr marL="987552" lvl="1" indent="-457200">
-              <a:lnSpc>
-                <a:spcPct val="160000"/>
-              </a:lnSpc>
-              <a:buFont typeface="+mj-lt"/>
-              <a:buAutoNum type="alphaUcPeriod"/>
-            </a:pPr>
-            <a:r>
-              <a:rPr lang="en-US" altLang="ko-KR" sz="1550" strike="sngStrike" dirty="0">
-                <a:solidFill>
-                  <a:schemeClr val="tx1">
-                    <a:lumMod val="95000"/>
-                    <a:lumOff val="5000"/>
-                  </a:schemeClr>
-                </a:solidFill>
-                <a:effectLst>
-                  <a:outerShdw blurRad="38100" dist="38100" dir="2700000" algn="tl">
-                    <a:srgbClr val="000000">
-                      <a:alpha val="43137"/>
-                    </a:srgbClr>
-                  </a:outerShdw>
-                </a:effectLst>
-                <a:latin typeface="맑은 고딕" panose="020B0503020000020004" pitchFamily="50" charset="-127"/>
-                <a:ea typeface="맑은 고딕" panose="020B0503020000020004" pitchFamily="50" charset="-127"/>
-              </a:rPr>
-              <a:t>KDA, </a:t>
-            </a:r>
-            <a:r>
-              <a:rPr lang="ko-KR" altLang="en-US" sz="1550" strike="sngStrike" dirty="0">
-                <a:solidFill>
-                  <a:schemeClr val="tx1">
-                    <a:lumMod val="95000"/>
-                    <a:lumOff val="5000"/>
-                  </a:schemeClr>
-                </a:solidFill>
-                <a:effectLst>
-                  <a:outerShdw blurRad="38100" dist="38100" dir="2700000" algn="tl">
-                    <a:srgbClr val="000000">
-                      <a:alpha val="43137"/>
-                    </a:srgbClr>
-                  </a:outerShdw>
-                </a:effectLst>
-                <a:latin typeface="맑은 고딕" panose="020B0503020000020004" pitchFamily="50" charset="-127"/>
-                <a:ea typeface="맑은 고딕" panose="020B0503020000020004" pitchFamily="50" charset="-127"/>
-              </a:rPr>
-              <a:t>시간</a:t>
-            </a:r>
-            <a:r>
-              <a:rPr lang="en-US" altLang="ko-KR" sz="1550" strike="sngStrike" dirty="0">
-                <a:solidFill>
-                  <a:schemeClr val="tx1">
-                    <a:lumMod val="95000"/>
-                    <a:lumOff val="5000"/>
-                  </a:schemeClr>
-                </a:solidFill>
-                <a:effectLst>
-                  <a:outerShdw blurRad="38100" dist="38100" dir="2700000" algn="tl">
-                    <a:srgbClr val="000000">
-                      <a:alpha val="43137"/>
-                    </a:srgbClr>
-                  </a:outerShdw>
-                </a:effectLst>
-                <a:latin typeface="맑은 고딕" panose="020B0503020000020004" pitchFamily="50" charset="-127"/>
-                <a:ea typeface="맑은 고딕" panose="020B0503020000020004" pitchFamily="50" charset="-127"/>
-              </a:rPr>
-              <a:t>, </a:t>
-            </a:r>
-            <a:r>
-              <a:rPr lang="ko-KR" altLang="en-US" sz="1550" strike="sngStrike" dirty="0">
-                <a:solidFill>
-                  <a:schemeClr val="tx1">
-                    <a:lumMod val="95000"/>
-                    <a:lumOff val="5000"/>
-                  </a:schemeClr>
-                </a:solidFill>
-                <a:effectLst>
-                  <a:outerShdw blurRad="38100" dist="38100" dir="2700000" algn="tl">
-                    <a:srgbClr val="000000">
-                      <a:alpha val="43137"/>
-                    </a:srgbClr>
-                  </a:outerShdw>
-                </a:effectLst>
-                <a:latin typeface="맑은 고딕" panose="020B0503020000020004" pitchFamily="50" charset="-127"/>
-                <a:ea typeface="맑은 고딕" panose="020B0503020000020004" pitchFamily="50" charset="-127"/>
-              </a:rPr>
-              <a:t>팀 전체 </a:t>
-            </a:r>
-            <a:r>
-              <a:rPr lang="ko-KR" altLang="en-US" sz="1550" strike="sngStrike" dirty="0" err="1">
-                <a:solidFill>
-                  <a:schemeClr val="tx1">
-                    <a:lumMod val="95000"/>
-                    <a:lumOff val="5000"/>
-                  </a:schemeClr>
-                </a:solidFill>
-                <a:effectLst>
-                  <a:outerShdw blurRad="38100" dist="38100" dir="2700000" algn="tl">
-                    <a:srgbClr val="000000">
-                      <a:alpha val="43137"/>
-                    </a:srgbClr>
-                  </a:outerShdw>
-                </a:effectLst>
-                <a:latin typeface="맑은 고딕" panose="020B0503020000020004" pitchFamily="50" charset="-127"/>
-                <a:ea typeface="맑은 고딕" panose="020B0503020000020004" pitchFamily="50" charset="-127"/>
-              </a:rPr>
-              <a:t>킬수</a:t>
-            </a:r>
-            <a:r>
-              <a:rPr lang="ko-KR" altLang="en-US" sz="1550" strike="sngStrike" dirty="0">
-                <a:solidFill>
-                  <a:schemeClr val="tx1">
-                    <a:lumMod val="95000"/>
-                    <a:lumOff val="5000"/>
-                  </a:schemeClr>
-                </a:solidFill>
-                <a:effectLst>
-                  <a:outerShdw blurRad="38100" dist="38100" dir="2700000" algn="tl">
-                    <a:srgbClr val="000000">
-                      <a:alpha val="43137"/>
-                    </a:srgbClr>
-                  </a:outerShdw>
-                </a:effectLst>
-                <a:latin typeface="맑은 고딕" panose="020B0503020000020004" pitchFamily="50" charset="-127"/>
-                <a:ea typeface="맑은 고딕" panose="020B0503020000020004" pitchFamily="50" charset="-127"/>
-              </a:rPr>
-              <a:t> 표시 </a:t>
-            </a:r>
-            <a:r>
-              <a:rPr lang="en-US" altLang="ko-KR" sz="1550" dirty="0">
-                <a:solidFill>
-                  <a:schemeClr val="tx1">
-                    <a:lumMod val="95000"/>
-                    <a:lumOff val="5000"/>
-                  </a:schemeClr>
-                </a:solidFill>
-                <a:effectLst>
-                  <a:outerShdw blurRad="38100" dist="38100" dir="2700000" algn="tl">
-                    <a:srgbClr val="000000">
-                      <a:alpha val="43137"/>
-                    </a:srgbClr>
-                  </a:outerShdw>
-                </a:effectLst>
-                <a:latin typeface="맑은 고딕" panose="020B0503020000020004" pitchFamily="50" charset="-127"/>
-                <a:ea typeface="맑은 고딕" panose="020B0503020000020004" pitchFamily="50" charset="-127"/>
-              </a:rPr>
-              <a:t>(</a:t>
-            </a:r>
-            <a:r>
-              <a:rPr lang="ko-KR" altLang="en-US" sz="1550" dirty="0">
-                <a:solidFill>
-                  <a:schemeClr val="tx1">
-                    <a:lumMod val="95000"/>
-                    <a:lumOff val="5000"/>
-                  </a:schemeClr>
-                </a:solidFill>
-                <a:effectLst>
-                  <a:outerShdw blurRad="38100" dist="38100" dir="2700000" algn="tl">
-                    <a:srgbClr val="000000">
-                      <a:alpha val="43137"/>
-                    </a:srgbClr>
-                  </a:outerShdw>
-                </a:effectLst>
-                <a:latin typeface="맑은 고딕" panose="020B0503020000020004" pitchFamily="50" charset="-127"/>
-                <a:ea typeface="맑은 고딕" panose="020B0503020000020004" pitchFamily="50" charset="-127"/>
-              </a:rPr>
-              <a:t>필요 추가</a:t>
-            </a:r>
-            <a:r>
-              <a:rPr lang="en-US" altLang="ko-KR" sz="1550" dirty="0">
-                <a:solidFill>
-                  <a:schemeClr val="tx1">
-                    <a:lumMod val="95000"/>
-                    <a:lumOff val="5000"/>
-                  </a:schemeClr>
-                </a:solidFill>
-                <a:effectLst>
-                  <a:outerShdw blurRad="38100" dist="38100" dir="2700000" algn="tl">
-                    <a:srgbClr val="000000">
-                      <a:alpha val="43137"/>
-                    </a:srgbClr>
-                  </a:outerShdw>
-                </a:effectLst>
-                <a:latin typeface="맑은 고딕" panose="020B0503020000020004" pitchFamily="50" charset="-127"/>
-                <a:ea typeface="맑은 고딕" panose="020B0503020000020004" pitchFamily="50" charset="-127"/>
-              </a:rPr>
-              <a:t>)</a:t>
-            </a:r>
-          </a:p>
-          <a:p>
-            <a:pPr marL="987552" lvl="1" indent="-457200">
-              <a:lnSpc>
-                <a:spcPct val="160000"/>
-              </a:lnSpc>
-              <a:buFont typeface="+mj-lt"/>
-              <a:buAutoNum type="alphaUcPeriod"/>
-            </a:pPr>
-            <a:r>
-              <a:rPr lang="en-US" altLang="ko-KR" sz="1750" i="0" dirty="0">
-                <a:solidFill>
-                  <a:schemeClr val="tx1">
-                    <a:lumMod val="95000"/>
-                    <a:lumOff val="5000"/>
-                  </a:schemeClr>
-                </a:solidFill>
-                <a:effectLst>
-                  <a:outerShdw blurRad="38100" dist="38100" dir="2700000" algn="tl">
-                    <a:srgbClr val="000000">
-                      <a:alpha val="43137"/>
-                    </a:srgbClr>
-                  </a:outerShdw>
-                </a:effectLst>
-                <a:latin typeface="맑은 고딕" panose="020B0503020000020004" pitchFamily="50" charset="-127"/>
-                <a:ea typeface="맑은 고딕" panose="020B0503020000020004" pitchFamily="50" charset="-127"/>
-              </a:rPr>
-              <a:t>AI </a:t>
-            </a:r>
-            <a:r>
-              <a:rPr lang="ko-KR" altLang="en-US" sz="1750" i="0" dirty="0">
-                <a:solidFill>
-                  <a:schemeClr val="tx1">
-                    <a:lumMod val="95000"/>
-                    <a:lumOff val="5000"/>
-                  </a:schemeClr>
-                </a:solidFill>
-                <a:effectLst>
-                  <a:outerShdw blurRad="38100" dist="38100" dir="2700000" algn="tl">
-                    <a:srgbClr val="000000">
-                      <a:alpha val="43137"/>
-                    </a:srgbClr>
-                  </a:outerShdw>
-                </a:effectLst>
-                <a:latin typeface="맑은 고딕" panose="020B0503020000020004" pitchFamily="50" charset="-127"/>
-                <a:ea typeface="맑은 고딕" panose="020B0503020000020004" pitchFamily="50" charset="-127"/>
-              </a:rPr>
-              <a:t>플레이어 가중치 표현</a:t>
+              <a:t>스킬</a:t>
             </a:r>
             <a:endParaRPr lang="en-US" altLang="ko-KR" sz="1750" i="0" dirty="0">
               <a:solidFill>
@@ -9622,7 +8919,7 @@
             </a:endParaRPr>
           </a:p>
           <a:p>
-            <a:pPr marL="1444752" lvl="2" indent="-457200">
+            <a:pPr marL="1330452" lvl="2" indent="-342900">
               <a:lnSpc>
                 <a:spcPct val="160000"/>
               </a:lnSpc>
@@ -9630,7 +8927,7 @@
               <a:buAutoNum type="alphaUcPeriod"/>
             </a:pPr>
             <a:r>
-              <a:rPr lang="ko-KR" altLang="en-US" sz="1350" dirty="0">
+              <a:rPr lang="ko-KR" altLang="en-US" sz="1550" strike="sngStrike" dirty="0">
                 <a:solidFill>
                   <a:schemeClr val="tx1">
                     <a:lumMod val="95000"/>
@@ -9647,49 +8944,9 @@
                 <a:latin typeface="맑은 고딕" panose="020B0503020000020004" pitchFamily="50" charset="-127"/>
                 <a:ea typeface="맑은 고딕" panose="020B0503020000020004" pitchFamily="50" charset="-127"/>
               </a:rPr>
-              <a:t>인공지능 가중치</a:t>
-            </a:r>
-            <a:r>
-              <a:rPr lang="en-US" altLang="ko-KR" sz="1350" dirty="0">
-                <a:solidFill>
-                  <a:schemeClr val="tx1">
-                    <a:lumMod val="95000"/>
-                    <a:lumOff val="5000"/>
-                  </a:schemeClr>
-                </a:solidFill>
-                <a:effectLst>
-                  <a:outerShdw blurRad="38100" dist="38100" dir="2700000" algn="tl">
-                    <a:srgbClr val="000000">
-                      <a:alpha val="43137"/>
-                    </a:srgbClr>
-                  </a:outerShdw>
-                </a:effectLst>
-                <a:latin typeface="맑은 고딕" panose="020B0503020000020004" pitchFamily="50" charset="-127"/>
-                <a:ea typeface="맑은 고딕" panose="020B0503020000020004" pitchFamily="50" charset="-127"/>
-              </a:rPr>
-              <a:t>(Utility)</a:t>
-            </a:r>
-            <a:r>
-              <a:rPr lang="ko-KR" altLang="en-US" sz="1350" dirty="0">
-                <a:solidFill>
-                  <a:schemeClr val="tx1">
-                    <a:lumMod val="95000"/>
-                    <a:lumOff val="5000"/>
-                  </a:schemeClr>
-                </a:solidFill>
-                <a:effectLst>
-                  <a:outerShdw blurRad="38100" dist="38100" dir="2700000" algn="tl">
-                    <a:srgbClr val="000000">
-                      <a:alpha val="43137"/>
-                    </a:srgbClr>
-                  </a:outerShdw>
-                </a:effectLst>
-                <a:latin typeface="맑은 고딕" panose="020B0503020000020004" pitchFamily="50" charset="-127"/>
-                <a:ea typeface="맑은 고딕" panose="020B0503020000020004" pitchFamily="50" charset="-127"/>
-              </a:rPr>
-              <a:t> 표현</a:t>
-            </a:r>
-            <a:endParaRPr lang="en-US" altLang="ko-KR" sz="1350" dirty="0">
+              <a:t>스킬 아이콘</a:t>
+            </a:r>
+            <a:endParaRPr lang="en-US" altLang="ko-KR" sz="1550" strike="sngStrike" dirty="0">
               <a:solidFill>
                 <a:schemeClr val="tx1">
                   <a:lumMod val="95000"/>
@@ -9708,7 +8965,7 @@
             </a:endParaRPr>
           </a:p>
           <a:p>
-            <a:pPr marL="1444752" lvl="2" indent="-457200">
+            <a:pPr marL="873252" lvl="1" indent="-342900">
               <a:lnSpc>
                 <a:spcPct val="160000"/>
               </a:lnSpc>
@@ -9716,7 +8973,7 @@
               <a:buAutoNum type="alphaUcPeriod"/>
             </a:pPr>
             <a:r>
-              <a:rPr lang="ko-KR" altLang="en-US" sz="1350" dirty="0">
+              <a:rPr lang="ko-KR" altLang="en-US" sz="1750" i="0" dirty="0">
                 <a:solidFill>
                   <a:schemeClr val="tx1">
                     <a:lumMod val="95000"/>
@@ -9733,10 +8990,36 @@
                 <a:latin typeface="맑은 고딕" panose="020B0503020000020004" pitchFamily="50" charset="-127"/>
                 <a:ea typeface="맑은 고딕" panose="020B0503020000020004" pitchFamily="50" charset="-127"/>
               </a:rPr>
-              <a:t>인공지능 플레이어의 목표</a:t>
-            </a:r>
-            <a:r>
-              <a:rPr lang="en-US" altLang="ko-KR" sz="1350" dirty="0">
+              <a:t>특성 선택창</a:t>
+            </a:r>
+            <a:endParaRPr lang="en-US" altLang="ko-KR" sz="1750" i="0" dirty="0">
+              <a:solidFill>
+                <a:schemeClr val="tx1">
+                  <a:lumMod val="95000"/>
+                  <a:lumOff val="5000"/>
+                </a:schemeClr>
+              </a:solidFill>
+              <a:effectLst>
+                <a:outerShdw blurRad="38100" dist="38100" dir="2700000" algn="tl">
+                  <a:srgbClr val="000000">
+                    <a:alpha val="43137"/>
+                  </a:srgbClr>
+                </a:outerShdw>
+              </a:effectLst>
+              <a:latin typeface="맑은 고딕" panose="020B0503020000020004" pitchFamily="50" charset="-127"/>
+              <a:ea typeface="맑은 고딕" panose="020B0503020000020004" pitchFamily="50" charset="-127"/>
+            </a:endParaRPr>
+          </a:p>
+          <a:p>
+            <a:pPr marL="1330452" lvl="2" indent="-342900">
+              <a:lnSpc>
+                <a:spcPct val="160000"/>
+              </a:lnSpc>
+              <a:buFont typeface="+mj-lt"/>
+              <a:buAutoNum type="alphaUcPeriod"/>
+            </a:pPr>
+            <a:r>
+              <a:rPr lang="ko-KR" altLang="en-US" sz="1550" strike="sngStrike" dirty="0">
                 <a:solidFill>
                   <a:schemeClr val="tx1">
                     <a:lumMod val="95000"/>
@@ -9753,11 +9036,28 @@
                 <a:latin typeface="맑은 고딕" panose="020B0503020000020004" pitchFamily="50" charset="-127"/>
                 <a:ea typeface="맑은 고딕" panose="020B0503020000020004" pitchFamily="50" charset="-127"/>
               </a:rPr>
-              <a:t>(Goal)</a:t>
-            </a:r>
+              <a:t>특성 선택 아이콘</a:t>
+            </a:r>
+            <a:endParaRPr lang="en-US" altLang="ko-KR" sz="1550" strike="sngStrike" dirty="0">
+              <a:solidFill>
+                <a:schemeClr val="tx1">
+                  <a:lumMod val="95000"/>
+                  <a:lumOff val="5000"/>
+                </a:schemeClr>
+              </a:solidFill>
+              <a:effectLst>
+                <a:outerShdw blurRad="38100" dist="38100" dir="2700000" algn="tl">
+                  <a:srgbClr val="000000">
+                    <a:alpha val="43137"/>
+                  </a:srgbClr>
+                </a:outerShdw>
+              </a:effectLst>
+              <a:latin typeface="맑은 고딕" panose="020B0503020000020004" pitchFamily="50" charset="-127"/>
+              <a:ea typeface="맑은 고딕" panose="020B0503020000020004" pitchFamily="50" charset="-127"/>
+            </a:endParaRPr>
           </a:p>
           <a:p>
-            <a:pPr marL="987552" lvl="1" indent="-457200">
+            <a:pPr marL="1330452" lvl="2" indent="-342900">
               <a:lnSpc>
                 <a:spcPct val="160000"/>
               </a:lnSpc>
@@ -9765,9 +9065,12 @@
               <a:buAutoNum type="alphaUcPeriod"/>
             </a:pPr>
             <a:r>
-              <a:rPr lang="en-US" altLang="ko-KR" sz="1550" strike="sngStrike" dirty="0">
-                <a:solidFill>
-                  <a:srgbClr val="FF0000"/>
+              <a:rPr lang="ko-KR" altLang="en-US" sz="1550" strike="sngStrike" dirty="0">
+                <a:solidFill>
+                  <a:schemeClr val="tx1">
+                    <a:lumMod val="95000"/>
+                    <a:lumOff val="5000"/>
+                  </a:schemeClr>
                 </a:solidFill>
                 <a:effectLst>
                   <a:outerShdw blurRad="38100" dist="38100" dir="2700000" algn="tl">
@@ -9779,12 +9082,15 @@
                 <a:latin typeface="맑은 고딕" panose="020B0503020000020004" pitchFamily="50" charset="-127"/>
                 <a:ea typeface="맑은 고딕" panose="020B0503020000020004" pitchFamily="50" charset="-127"/>
               </a:rPr>
-              <a:t>Scene </a:t>
-            </a:r>
-            <a:r>
-              <a:rPr lang="ko-KR" altLang="en-US" sz="1550" strike="sngStrike" dirty="0">
-                <a:solidFill>
-                  <a:srgbClr val="FF0000"/>
+              <a:t>플레이어 </a:t>
+            </a:r>
+            <a:r>
+              <a:rPr lang="en-US" altLang="ko-KR" sz="1550" strike="sngStrike" dirty="0">
+                <a:solidFill>
+                  <a:schemeClr val="tx1">
+                    <a:lumMod val="95000"/>
+                    <a:lumOff val="5000"/>
+                  </a:schemeClr>
                 </a:solidFill>
                 <a:effectLst>
                   <a:outerShdw blurRad="38100" dist="38100" dir="2700000" algn="tl">
@@ -9796,12 +9102,15 @@
                 <a:latin typeface="맑은 고딕" panose="020B0503020000020004" pitchFamily="50" charset="-127"/>
                 <a:ea typeface="맑은 고딕" panose="020B0503020000020004" pitchFamily="50" charset="-127"/>
               </a:rPr>
-              <a:t>구분 </a:t>
-            </a:r>
-            <a:r>
-              <a:rPr lang="en-US" altLang="ko-KR" sz="1550" strike="sngStrike" dirty="0">
-                <a:solidFill>
-                  <a:srgbClr val="FF0000"/>
+              <a:t>Icon(HP)</a:t>
+            </a:r>
+            <a:r>
+              <a:rPr lang="ko-KR" altLang="en-US" sz="1550" strike="sngStrike" dirty="0">
+                <a:solidFill>
+                  <a:schemeClr val="tx1">
+                    <a:lumMod val="95000"/>
+                    <a:lumOff val="5000"/>
+                  </a:schemeClr>
                 </a:solidFill>
                 <a:effectLst>
                   <a:outerShdw blurRad="38100" dist="38100" dir="2700000" algn="tl">
@@ -9813,29 +9122,15 @@
                 <a:latin typeface="맑은 고딕" panose="020B0503020000020004" pitchFamily="50" charset="-127"/>
                 <a:ea typeface="맑은 고딕" panose="020B0503020000020004" pitchFamily="50" charset="-127"/>
               </a:rPr>
-              <a:t>UI </a:t>
-            </a:r>
-            <a:r>
-              <a:rPr lang="ko-KR" altLang="en-US" sz="1550" strike="sngStrike" dirty="0">
-                <a:solidFill>
-                  <a:srgbClr val="FF0000"/>
-                </a:solidFill>
-                <a:effectLst>
-                  <a:outerShdw blurRad="38100" dist="38100" dir="2700000" algn="tl">
-                    <a:srgbClr val="000000">
-                      <a:alpha val="43137"/>
-                    </a:srgbClr>
-                  </a:outerShdw>
-                </a:effectLst>
-                <a:latin typeface="맑은 고딕" panose="020B0503020000020004" pitchFamily="50" charset="-127"/>
-                <a:ea typeface="맑은 고딕" panose="020B0503020000020004" pitchFamily="50" charset="-127"/>
-              </a:rPr>
-              <a:t>제작 </a:t>
-            </a:r>
-            <a:r>
-              <a:rPr lang="en-US" altLang="ko-KR" sz="1550" dirty="0">
-                <a:solidFill>
-                  <a:srgbClr val="FF0000"/>
+              <a:t>와 상호작용 </a:t>
+            </a:r>
+            <a:r>
+              <a:rPr lang="en-US" altLang="ko-KR" sz="1550" strike="sngStrike" dirty="0">
+                <a:solidFill>
+                  <a:schemeClr val="tx1">
+                    <a:lumMod val="95000"/>
+                    <a:lumOff val="5000"/>
+                  </a:schemeClr>
                 </a:solidFill>
                 <a:effectLst>
                   <a:outerShdw blurRad="38100" dist="38100" dir="2700000" algn="tl">
@@ -9850,9 +9145,12 @@
               <a:t>(</a:t>
             </a:r>
             <a:r>
-              <a:rPr lang="ko-KR" altLang="en-US" sz="1550" dirty="0">
-                <a:solidFill>
-                  <a:srgbClr val="FF0000"/>
+              <a:rPr lang="ko-KR" altLang="en-US" sz="1550" strike="sngStrike" dirty="0" err="1">
+                <a:solidFill>
+                  <a:schemeClr val="tx1">
+                    <a:lumMod val="95000"/>
+                    <a:lumOff val="5000"/>
+                  </a:schemeClr>
                 </a:solidFill>
                 <a:effectLst>
                   <a:outerShdw blurRad="38100" dist="38100" dir="2700000" algn="tl">
@@ -9864,12 +9162,15 @@
                 <a:latin typeface="맑은 고딕" panose="020B0503020000020004" pitchFamily="50" charset="-127"/>
                 <a:ea typeface="맑은 고딕" panose="020B0503020000020004" pitchFamily="50" charset="-127"/>
               </a:rPr>
-              <a:t>신 분할 </a:t>
-            </a:r>
-            <a:r>
-              <a:rPr lang="en-US" altLang="ko-KR" sz="1550" dirty="0">
-                <a:solidFill>
-                  <a:srgbClr val="FF0000"/>
+              <a:t>클릭시</a:t>
+            </a:r>
+            <a:r>
+              <a:rPr lang="ko-KR" altLang="en-US" sz="1550" strike="sngStrike" dirty="0">
+                <a:solidFill>
+                  <a:schemeClr val="tx1">
+                    <a:lumMod val="95000"/>
+                    <a:lumOff val="5000"/>
+                  </a:schemeClr>
                 </a:solidFill>
                 <a:effectLst>
                   <a:outerShdw blurRad="38100" dist="38100" dir="2700000" algn="tl">
@@ -9881,7 +9182,102 @@
                 <a:latin typeface="맑은 고딕" panose="020B0503020000020004" pitchFamily="50" charset="-127"/>
                 <a:ea typeface="맑은 고딕" panose="020B0503020000020004" pitchFamily="50" charset="-127"/>
               </a:rPr>
-              <a:t>X)</a:t>
+              <a:t> 등장</a:t>
+            </a:r>
+            <a:r>
+              <a:rPr lang="en-US" altLang="ko-KR" sz="1550" strike="sngStrike" dirty="0">
+                <a:solidFill>
+                  <a:schemeClr val="tx1">
+                    <a:lumMod val="95000"/>
+                    <a:lumOff val="5000"/>
+                  </a:schemeClr>
+                </a:solidFill>
+                <a:effectLst>
+                  <a:outerShdw blurRad="38100" dist="38100" dir="2700000" algn="tl">
+                    <a:srgbClr val="000000">
+                      <a:alpha val="43137"/>
+                    </a:srgbClr>
+                  </a:outerShdw>
+                </a:effectLst>
+                <a:latin typeface="맑은 고딕" panose="020B0503020000020004" pitchFamily="50" charset="-127"/>
+                <a:ea typeface="맑은 고딕" panose="020B0503020000020004" pitchFamily="50" charset="-127"/>
+              </a:rPr>
+              <a:t>)</a:t>
+            </a:r>
+          </a:p>
+          <a:p>
+            <a:pPr marL="1330452" lvl="2" indent="-342900">
+              <a:lnSpc>
+                <a:spcPct val="160000"/>
+              </a:lnSpc>
+              <a:buFont typeface="+mj-lt"/>
+              <a:buAutoNum type="alphaUcPeriod"/>
+            </a:pPr>
+            <a:r>
+              <a:rPr lang="ko-KR" altLang="en-US" sz="1550" strike="sngStrike" dirty="0">
+                <a:solidFill>
+                  <a:schemeClr val="tx1">
+                    <a:lumMod val="95000"/>
+                    <a:lumOff val="5000"/>
+                  </a:schemeClr>
+                </a:solidFill>
+                <a:effectLst>
+                  <a:outerShdw blurRad="38100" dist="38100" dir="2700000" algn="tl">
+                    <a:srgbClr val="000000">
+                      <a:alpha val="43137"/>
+                    </a:srgbClr>
+                  </a:outerShdw>
+                </a:effectLst>
+                <a:latin typeface="맑은 고딕" panose="020B0503020000020004" pitchFamily="50" charset="-127"/>
+                <a:ea typeface="맑은 고딕" panose="020B0503020000020004" pitchFamily="50" charset="-127"/>
+              </a:rPr>
+              <a:t>선택된 특성 확인</a:t>
+            </a:r>
+            <a:endParaRPr lang="en-US" altLang="ko-KR" sz="1550" strike="sngStrike" dirty="0">
+              <a:solidFill>
+                <a:schemeClr val="tx1">
+                  <a:lumMod val="95000"/>
+                  <a:lumOff val="5000"/>
+                </a:schemeClr>
+              </a:solidFill>
+              <a:effectLst>
+                <a:outerShdw blurRad="38100" dist="38100" dir="2700000" algn="tl">
+                  <a:srgbClr val="000000">
+                    <a:alpha val="43137"/>
+                  </a:srgbClr>
+                </a:outerShdw>
+              </a:effectLst>
+              <a:latin typeface="맑은 고딕" panose="020B0503020000020004" pitchFamily="50" charset="-127"/>
+              <a:ea typeface="맑은 고딕" panose="020B0503020000020004" pitchFamily="50" charset="-127"/>
+            </a:endParaRPr>
+          </a:p>
+          <a:p>
+            <a:pPr marL="873252" lvl="1" indent="-342900">
+              <a:lnSpc>
+                <a:spcPct val="160000"/>
+              </a:lnSpc>
+              <a:buFont typeface="+mj-lt"/>
+              <a:buAutoNum type="alphaUcPeriod"/>
+            </a:pPr>
+            <a:r>
+              <a:rPr lang="en-US" altLang="ko-KR" sz="1750" strike="sngStrike" dirty="0">
+                <a:solidFill>
+                  <a:schemeClr val="tx1">
+                    <a:lumMod val="95000"/>
+                    <a:lumOff val="5000"/>
+                  </a:schemeClr>
+                </a:solidFill>
+                <a:effectLst>
+                  <a:outerShdw blurRad="38100" dist="38100" dir="2700000" algn="tl">
+                    <a:srgbClr val="000000">
+                      <a:alpha val="43137"/>
+                    </a:srgbClr>
+                  </a:outerShdw>
+                </a:effectLst>
+                <a:latin typeface="맑은 고딕" panose="020B0503020000020004" pitchFamily="50" charset="-127"/>
+                <a:ea typeface="맑은 고딕" panose="020B0503020000020004" pitchFamily="50" charset="-127"/>
+              </a:rPr>
+              <a:t>HP, MP</a:t>
             </a:r>
           </a:p>
         </p:txBody>
@@ -9923,7 +9319,7 @@
     </p:spTree>
     <p:extLst>
       <p:ext uri="{BB962C8B-B14F-4D97-AF65-F5344CB8AC3E}">
-        <p14:creationId xmlns:p14="http://schemas.microsoft.com/office/powerpoint/2010/main" val="2279158325"/>
+        <p14:creationId xmlns:p14="http://schemas.microsoft.com/office/powerpoint/2010/main" val="1915953790"/>
       </p:ext>
     </p:extLst>
   </p:cSld>
@@ -10044,7 +9440,7 @@
         </p:spPr>
         <p:txBody>
           <a:bodyPr>
-            <a:normAutofit/>
+            <a:normAutofit fontScale="92500" lnSpcReduction="10000"/>
           </a:bodyPr>
           <a:lstStyle/>
           <a:p>
@@ -10056,7 +9452,7 @@
               <a:buAutoNum type="alphaUcPeriod"/>
             </a:pPr>
             <a:r>
-              <a:rPr lang="ko-KR" altLang="en-US" sz="1750" dirty="0">
+              <a:rPr lang="en-US" altLang="ko-KR" sz="1950" i="0" dirty="0">
                 <a:solidFill>
                   <a:schemeClr val="tx1">
                     <a:lumMod val="95000"/>
@@ -10073,14 +9469,148 @@
                 <a:latin typeface="맑은 고딕" panose="020B0503020000020004" pitchFamily="50" charset="-127"/>
                 <a:ea typeface="맑은 고딕" panose="020B0503020000020004" pitchFamily="50" charset="-127"/>
               </a:rPr>
-              <a:t>모델링</a:t>
-            </a:r>
-            <a:endParaRPr lang="en-US" altLang="ko-KR" sz="1750" dirty="0">
+              <a:t>UI</a:t>
+            </a:r>
+          </a:p>
+          <a:p>
+            <a:pPr marL="987552" lvl="1" indent="-457200">
+              <a:lnSpc>
+                <a:spcPct val="160000"/>
+              </a:lnSpc>
+              <a:buFont typeface="+mj-lt"/>
+              <a:buAutoNum type="alphaUcPeriod"/>
+            </a:pPr>
+            <a:r>
+              <a:rPr lang="ko-KR" altLang="en-US" sz="1750" i="0" strike="dblStrike" dirty="0" err="1">
+                <a:solidFill>
+                  <a:srgbClr val="FF0000"/>
+                </a:solidFill>
+                <a:effectLst>
+                  <a:outerShdw blurRad="38100" dist="38100" dir="2700000" algn="tl">
+                    <a:srgbClr val="000000">
+                      <a:alpha val="43137"/>
+                    </a:srgbClr>
+                  </a:outerShdw>
+                </a:effectLst>
+                <a:latin typeface="맑은 고딕" panose="020B0503020000020004" pitchFamily="50" charset="-127"/>
+                <a:ea typeface="맑은 고딕" panose="020B0503020000020004" pitchFamily="50" charset="-127"/>
+              </a:rPr>
+              <a:t>스테이터스</a:t>
+            </a:r>
+            <a:r>
+              <a:rPr lang="ko-KR" altLang="en-US" sz="1750" i="0" dirty="0">
+                <a:solidFill>
+                  <a:srgbClr val="FF0000"/>
+                </a:solidFill>
+                <a:effectLst>
+                  <a:outerShdw blurRad="38100" dist="38100" dir="2700000" algn="tl">
+                    <a:srgbClr val="000000">
+                      <a:alpha val="43137"/>
+                    </a:srgbClr>
+                  </a:outerShdw>
+                </a:effectLst>
+                <a:latin typeface="맑은 고딕" panose="020B0503020000020004" pitchFamily="50" charset="-127"/>
+                <a:ea typeface="맑은 고딕" panose="020B0503020000020004" pitchFamily="50" charset="-127"/>
+              </a:rPr>
+              <a:t> </a:t>
+            </a:r>
+            <a:r>
+              <a:rPr lang="en-US" altLang="ko-KR" sz="1750" i="0" dirty="0">
+                <a:solidFill>
+                  <a:srgbClr val="FF0000"/>
+                </a:solidFill>
+                <a:effectLst>
+                  <a:outerShdw blurRad="38100" dist="38100" dir="2700000" algn="tl">
+                    <a:srgbClr val="000000">
+                      <a:alpha val="43137"/>
+                    </a:srgbClr>
+                  </a:outerShdw>
+                </a:effectLst>
+                <a:latin typeface="맑은 고딕" panose="020B0503020000020004" pitchFamily="50" charset="-127"/>
+                <a:ea typeface="맑은 고딕" panose="020B0503020000020004" pitchFamily="50" charset="-127"/>
+              </a:rPr>
+              <a:t>(</a:t>
+            </a:r>
+            <a:r>
+              <a:rPr lang="ko-KR" altLang="en-US" sz="1750" i="0" dirty="0">
+                <a:solidFill>
+                  <a:srgbClr val="FF0000"/>
+                </a:solidFill>
+                <a:effectLst>
+                  <a:outerShdw blurRad="38100" dist="38100" dir="2700000" algn="tl">
+                    <a:srgbClr val="000000">
+                      <a:alpha val="43137"/>
+                    </a:srgbClr>
+                  </a:outerShdw>
+                </a:effectLst>
+                <a:latin typeface="맑은 고딕" panose="020B0503020000020004" pitchFamily="50" charset="-127"/>
+                <a:ea typeface="맑은 고딕" panose="020B0503020000020004" pitchFamily="50" charset="-127"/>
+              </a:rPr>
+              <a:t>불필요 삭제</a:t>
+            </a:r>
+            <a:r>
+              <a:rPr lang="en-US" altLang="ko-KR" sz="1750" i="0" dirty="0">
+                <a:solidFill>
+                  <a:srgbClr val="FF0000"/>
+                </a:solidFill>
+                <a:effectLst>
+                  <a:outerShdw blurRad="38100" dist="38100" dir="2700000" algn="tl">
+                    <a:srgbClr val="000000">
+                      <a:alpha val="43137"/>
+                    </a:srgbClr>
+                  </a:outerShdw>
+                </a:effectLst>
+                <a:latin typeface="맑은 고딕" panose="020B0503020000020004" pitchFamily="50" charset="-127"/>
+                <a:ea typeface="맑은 고딕" panose="020B0503020000020004" pitchFamily="50" charset="-127"/>
+              </a:rPr>
+              <a:t>)</a:t>
+            </a:r>
+          </a:p>
+          <a:p>
+            <a:pPr marL="1444752" lvl="2" indent="-457200">
+              <a:lnSpc>
+                <a:spcPct val="160000"/>
+              </a:lnSpc>
+              <a:buFont typeface="+mj-lt"/>
+              <a:buAutoNum type="alphaUcPeriod"/>
+            </a:pPr>
+            <a:r>
+              <a:rPr lang="en-US" altLang="ko-KR" sz="1350" strike="dblStrike" dirty="0">
+                <a:solidFill>
+                  <a:srgbClr val="FF0000"/>
+                </a:solidFill>
+                <a:effectLst>
+                  <a:outerShdw blurRad="38100" dist="38100" dir="2700000" algn="tl">
+                    <a:srgbClr val="000000">
+                      <a:alpha val="43137"/>
+                    </a:srgbClr>
+                  </a:outerShdw>
+                </a:effectLst>
+                <a:latin typeface="맑은 고딕" panose="020B0503020000020004" pitchFamily="50" charset="-127"/>
+                <a:ea typeface="맑은 고딕" panose="020B0503020000020004" pitchFamily="50" charset="-127"/>
+              </a:rPr>
+              <a:t>HP</a:t>
+            </a:r>
+            <a:r>
+              <a:rPr lang="ko-KR" altLang="en-US" sz="1350" strike="dblStrike" dirty="0">
+                <a:solidFill>
+                  <a:srgbClr val="FF0000"/>
+                </a:solidFill>
+                <a:effectLst>
+                  <a:outerShdw blurRad="38100" dist="38100" dir="2700000" algn="tl">
+                    <a:srgbClr val="000000">
+                      <a:alpha val="43137"/>
+                    </a:srgbClr>
+                  </a:outerShdw>
+                </a:effectLst>
+                <a:latin typeface="맑은 고딕" panose="020B0503020000020004" pitchFamily="50" charset="-127"/>
+                <a:ea typeface="맑은 고딕" panose="020B0503020000020004" pitchFamily="50" charset="-127"/>
+              </a:rPr>
+              <a:t> 게이지</a:t>
+            </a:r>
+            <a:endParaRPr lang="en-US" altLang="ko-KR" sz="1350" strike="dblStrike" dirty="0">
               <a:solidFill>
-                <a:schemeClr val="tx1">
-                  <a:lumMod val="95000"/>
-                  <a:lumOff val="5000"/>
-                </a:schemeClr>
+                <a:srgbClr val="FF0000"/>
               </a:solidFill>
               <a:effectLst>
                 <a:outerShdw blurRad="38100" dist="38100" dir="2700000" algn="tl">
@@ -10094,7 +9624,7 @@
             </a:endParaRPr>
           </a:p>
           <a:p>
-            <a:pPr marL="987552" lvl="1" indent="-457200">
+            <a:pPr marL="1444752" lvl="2" indent="-457200">
               <a:lnSpc>
                 <a:spcPct val="160000"/>
               </a:lnSpc>
@@ -10102,12 +9632,9 @@
               <a:buAutoNum type="alphaUcPeriod"/>
             </a:pPr>
             <a:r>
-              <a:rPr lang="ko-KR" altLang="en-US" sz="1750" dirty="0">
-                <a:solidFill>
-                  <a:schemeClr val="tx1">
-                    <a:lumMod val="95000"/>
-                    <a:lumOff val="5000"/>
-                  </a:schemeClr>
+              <a:rPr lang="en-US" altLang="ko-KR" sz="1350" strike="dblStrike" dirty="0">
+                <a:solidFill>
+                  <a:srgbClr val="FF0000"/>
                 </a:solidFill>
                 <a:effectLst>
                   <a:outerShdw blurRad="38100" dist="38100" dir="2700000" algn="tl">
@@ -10119,9 +9646,480 @@
                 <a:latin typeface="맑은 고딕" panose="020B0503020000020004" pitchFamily="50" charset="-127"/>
                 <a:ea typeface="맑은 고딕" panose="020B0503020000020004" pitchFamily="50" charset="-127"/>
               </a:rPr>
-              <a:t>무기</a:t>
-            </a:r>
-            <a:endParaRPr lang="en-US" altLang="ko-KR" sz="1750" dirty="0">
+              <a:t>MP </a:t>
+            </a:r>
+            <a:r>
+              <a:rPr lang="ko-KR" altLang="en-US" sz="1350" strike="dblStrike" dirty="0">
+                <a:solidFill>
+                  <a:srgbClr val="FF0000"/>
+                </a:solidFill>
+                <a:effectLst>
+                  <a:outerShdw blurRad="38100" dist="38100" dir="2700000" algn="tl">
+                    <a:srgbClr val="000000">
+                      <a:alpha val="43137"/>
+                    </a:srgbClr>
+                  </a:outerShdw>
+                </a:effectLst>
+                <a:latin typeface="맑은 고딕" panose="020B0503020000020004" pitchFamily="50" charset="-127"/>
+                <a:ea typeface="맑은 고딕" panose="020B0503020000020004" pitchFamily="50" charset="-127"/>
+              </a:rPr>
+              <a:t>게이지</a:t>
+            </a:r>
+            <a:endParaRPr lang="en-US" altLang="ko-KR" sz="1350" strike="dblStrike" dirty="0">
+              <a:solidFill>
+                <a:srgbClr val="FF0000"/>
+              </a:solidFill>
+              <a:effectLst>
+                <a:outerShdw blurRad="38100" dist="38100" dir="2700000" algn="tl">
+                  <a:srgbClr val="000000">
+                    <a:alpha val="43137"/>
+                  </a:srgbClr>
+                </a:outerShdw>
+              </a:effectLst>
+              <a:latin typeface="맑은 고딕" panose="020B0503020000020004" pitchFamily="50" charset="-127"/>
+              <a:ea typeface="맑은 고딕" panose="020B0503020000020004" pitchFamily="50" charset="-127"/>
+            </a:endParaRPr>
+          </a:p>
+          <a:p>
+            <a:pPr marL="1444752" lvl="2" indent="-457200">
+              <a:lnSpc>
+                <a:spcPct val="160000"/>
+              </a:lnSpc>
+              <a:buFont typeface="+mj-lt"/>
+              <a:buAutoNum type="alphaUcPeriod"/>
+            </a:pPr>
+            <a:r>
+              <a:rPr lang="ko-KR" altLang="en-US" sz="1350" strike="dblStrike" dirty="0" err="1">
+                <a:solidFill>
+                  <a:srgbClr val="FF0000"/>
+                </a:solidFill>
+                <a:effectLst>
+                  <a:outerShdw blurRad="38100" dist="38100" dir="2700000" algn="tl">
+                    <a:srgbClr val="000000">
+                      <a:alpha val="43137"/>
+                    </a:srgbClr>
+                  </a:outerShdw>
+                </a:effectLst>
+                <a:latin typeface="맑은 고딕" panose="020B0503020000020004" pitchFamily="50" charset="-127"/>
+                <a:ea typeface="맑은 고딕" panose="020B0503020000020004" pitchFamily="50" charset="-127"/>
+              </a:rPr>
+              <a:t>스테이터스</a:t>
+            </a:r>
+            <a:r>
+              <a:rPr lang="ko-KR" altLang="en-US" sz="1350" strike="dblStrike" dirty="0">
+                <a:solidFill>
+                  <a:srgbClr val="FF0000"/>
+                </a:solidFill>
+                <a:effectLst>
+                  <a:outerShdw blurRad="38100" dist="38100" dir="2700000" algn="tl">
+                    <a:srgbClr val="000000">
+                      <a:alpha val="43137"/>
+                    </a:srgbClr>
+                  </a:outerShdw>
+                </a:effectLst>
+                <a:latin typeface="맑은 고딕" panose="020B0503020000020004" pitchFamily="50" charset="-127"/>
+                <a:ea typeface="맑은 고딕" panose="020B0503020000020004" pitchFamily="50" charset="-127"/>
+              </a:rPr>
+              <a:t> 값 출력</a:t>
+            </a:r>
+            <a:endParaRPr lang="en-US" altLang="ko-KR" sz="1350" strike="dblStrike" dirty="0">
+              <a:solidFill>
+                <a:srgbClr val="FF0000"/>
+              </a:solidFill>
+              <a:effectLst>
+                <a:outerShdw blurRad="38100" dist="38100" dir="2700000" algn="tl">
+                  <a:srgbClr val="000000">
+                    <a:alpha val="43137"/>
+                  </a:srgbClr>
+                </a:outerShdw>
+              </a:effectLst>
+              <a:latin typeface="맑은 고딕" panose="020B0503020000020004" pitchFamily="50" charset="-127"/>
+              <a:ea typeface="맑은 고딕" panose="020B0503020000020004" pitchFamily="50" charset="-127"/>
+            </a:endParaRPr>
+          </a:p>
+          <a:p>
+            <a:pPr marL="1444752" lvl="2" indent="-457200">
+              <a:lnSpc>
+                <a:spcPct val="160000"/>
+              </a:lnSpc>
+              <a:buFont typeface="+mj-lt"/>
+              <a:buAutoNum type="alphaUcPeriod"/>
+            </a:pPr>
+            <a:r>
+              <a:rPr lang="ko-KR" altLang="en-US" sz="1350" strike="dblStrike" dirty="0">
+                <a:solidFill>
+                  <a:srgbClr val="FF0000"/>
+                </a:solidFill>
+                <a:effectLst>
+                  <a:outerShdw blurRad="38100" dist="38100" dir="2700000" algn="tl">
+                    <a:srgbClr val="000000">
+                      <a:alpha val="43137"/>
+                    </a:srgbClr>
+                  </a:outerShdw>
+                </a:effectLst>
+                <a:latin typeface="맑은 고딕" panose="020B0503020000020004" pitchFamily="50" charset="-127"/>
+                <a:ea typeface="맑은 고딕" panose="020B0503020000020004" pitchFamily="50" charset="-127"/>
+              </a:rPr>
+              <a:t>얼굴 </a:t>
+            </a:r>
+            <a:r>
+              <a:rPr lang="ko-KR" altLang="en-US" sz="1350" strike="dblStrike" dirty="0" err="1">
+                <a:solidFill>
+                  <a:srgbClr val="FF0000"/>
+                </a:solidFill>
+                <a:effectLst>
+                  <a:outerShdw blurRad="38100" dist="38100" dir="2700000" algn="tl">
+                    <a:srgbClr val="000000">
+                      <a:alpha val="43137"/>
+                    </a:srgbClr>
+                  </a:outerShdw>
+                </a:effectLst>
+                <a:latin typeface="맑은 고딕" panose="020B0503020000020004" pitchFamily="50" charset="-127"/>
+                <a:ea typeface="맑은 고딕" panose="020B0503020000020004" pitchFamily="50" charset="-127"/>
+              </a:rPr>
+              <a:t>텍스쳐</a:t>
+            </a:r>
+            <a:r>
+              <a:rPr lang="ko-KR" altLang="en-US" sz="1350" strike="dblStrike" dirty="0">
+                <a:solidFill>
+                  <a:srgbClr val="FF0000"/>
+                </a:solidFill>
+                <a:effectLst>
+                  <a:outerShdw blurRad="38100" dist="38100" dir="2700000" algn="tl">
+                    <a:srgbClr val="000000">
+                      <a:alpha val="43137"/>
+                    </a:srgbClr>
+                  </a:outerShdw>
+                </a:effectLst>
+                <a:latin typeface="맑은 고딕" panose="020B0503020000020004" pitchFamily="50" charset="-127"/>
+                <a:ea typeface="맑은 고딕" panose="020B0503020000020004" pitchFamily="50" charset="-127"/>
+              </a:rPr>
+              <a:t> </a:t>
+            </a:r>
+            <a:r>
+              <a:rPr lang="en-US" altLang="ko-KR" sz="1350" strike="dblStrike" dirty="0">
+                <a:solidFill>
+                  <a:srgbClr val="FF0000"/>
+                </a:solidFill>
+                <a:effectLst>
+                  <a:outerShdw blurRad="38100" dist="38100" dir="2700000" algn="tl">
+                    <a:srgbClr val="000000">
+                      <a:alpha val="43137"/>
+                    </a:srgbClr>
+                  </a:outerShdw>
+                </a:effectLst>
+                <a:latin typeface="맑은 고딕" panose="020B0503020000020004" pitchFamily="50" charset="-127"/>
+                <a:ea typeface="맑은 고딕" panose="020B0503020000020004" pitchFamily="50" charset="-127"/>
+              </a:rPr>
+              <a:t>(</a:t>
+            </a:r>
+            <a:r>
+              <a:rPr lang="ko-KR" altLang="en-US" sz="1350" strike="dblStrike" dirty="0">
+                <a:solidFill>
+                  <a:srgbClr val="FF0000"/>
+                </a:solidFill>
+                <a:effectLst>
+                  <a:outerShdw blurRad="38100" dist="38100" dir="2700000" algn="tl">
+                    <a:srgbClr val="000000">
+                      <a:alpha val="43137"/>
+                    </a:srgbClr>
+                  </a:outerShdw>
+                </a:effectLst>
+                <a:latin typeface="맑은 고딕" panose="020B0503020000020004" pitchFamily="50" charset="-127"/>
+                <a:ea typeface="맑은 고딕" panose="020B0503020000020004" pitchFamily="50" charset="-127"/>
+              </a:rPr>
+              <a:t>선택된 오브젝트의 </a:t>
+            </a:r>
+            <a:r>
+              <a:rPr lang="en-US" altLang="ko-KR" sz="1350" strike="dblStrike" dirty="0">
+                <a:solidFill>
+                  <a:srgbClr val="FF0000"/>
+                </a:solidFill>
+                <a:effectLst>
+                  <a:outerShdw blurRad="38100" dist="38100" dir="2700000" algn="tl">
+                    <a:srgbClr val="000000">
+                      <a:alpha val="43137"/>
+                    </a:srgbClr>
+                  </a:outerShdw>
+                </a:effectLst>
+                <a:latin typeface="맑은 고딕" panose="020B0503020000020004" pitchFamily="50" charset="-127"/>
+                <a:ea typeface="맑은 고딕" panose="020B0503020000020004" pitchFamily="50" charset="-127"/>
+              </a:rPr>
+              <a:t>Front </a:t>
+            </a:r>
+            <a:r>
+              <a:rPr lang="ko-KR" altLang="en-US" sz="1350" strike="dblStrike" dirty="0">
+                <a:solidFill>
+                  <a:srgbClr val="FF0000"/>
+                </a:solidFill>
+                <a:effectLst>
+                  <a:outerShdw blurRad="38100" dist="38100" dir="2700000" algn="tl">
+                    <a:srgbClr val="000000">
+                      <a:alpha val="43137"/>
+                    </a:srgbClr>
+                  </a:outerShdw>
+                </a:effectLst>
+                <a:latin typeface="맑은 고딕" panose="020B0503020000020004" pitchFamily="50" charset="-127"/>
+                <a:ea typeface="맑은 고딕" panose="020B0503020000020004" pitchFamily="50" charset="-127"/>
+              </a:rPr>
+              <a:t>샷 정보 </a:t>
+            </a:r>
+            <a:r>
+              <a:rPr lang="en-US" altLang="ko-KR" sz="1350" strike="dblStrike" dirty="0">
+                <a:solidFill>
+                  <a:srgbClr val="FF0000"/>
+                </a:solidFill>
+                <a:effectLst>
+                  <a:outerShdw blurRad="38100" dist="38100" dir="2700000" algn="tl">
+                    <a:srgbClr val="000000">
+                      <a:alpha val="43137"/>
+                    </a:srgbClr>
+                  </a:outerShdw>
+                </a:effectLst>
+                <a:latin typeface="맑은 고딕" panose="020B0503020000020004" pitchFamily="50" charset="-127"/>
+                <a:ea typeface="맑은 고딕" panose="020B0503020000020004" pitchFamily="50" charset="-127"/>
+              </a:rPr>
+              <a:t>)</a:t>
+            </a:r>
+          </a:p>
+          <a:p>
+            <a:pPr marL="987552" lvl="1" indent="-457200">
+              <a:lnSpc>
+                <a:spcPct val="160000"/>
+              </a:lnSpc>
+              <a:buFont typeface="+mj-lt"/>
+              <a:buAutoNum type="alphaUcPeriod"/>
+            </a:pPr>
+            <a:r>
+              <a:rPr lang="en-US" altLang="ko-KR" sz="1550" strike="sngStrike" dirty="0">
+                <a:solidFill>
+                  <a:schemeClr val="tx1">
+                    <a:lumMod val="95000"/>
+                    <a:lumOff val="5000"/>
+                  </a:schemeClr>
+                </a:solidFill>
+                <a:effectLst>
+                  <a:outerShdw blurRad="38100" dist="38100" dir="2700000" algn="tl">
+                    <a:srgbClr val="000000">
+                      <a:alpha val="43137"/>
+                    </a:srgbClr>
+                  </a:outerShdw>
+                </a:effectLst>
+                <a:latin typeface="맑은 고딕" panose="020B0503020000020004" pitchFamily="50" charset="-127"/>
+                <a:ea typeface="맑은 고딕" panose="020B0503020000020004" pitchFamily="50" charset="-127"/>
+              </a:rPr>
+              <a:t>KDA, </a:t>
+            </a:r>
+            <a:r>
+              <a:rPr lang="ko-KR" altLang="en-US" sz="1550" strike="sngStrike" dirty="0">
+                <a:solidFill>
+                  <a:schemeClr val="tx1">
+                    <a:lumMod val="95000"/>
+                    <a:lumOff val="5000"/>
+                  </a:schemeClr>
+                </a:solidFill>
+                <a:effectLst>
+                  <a:outerShdw blurRad="38100" dist="38100" dir="2700000" algn="tl">
+                    <a:srgbClr val="000000">
+                      <a:alpha val="43137"/>
+                    </a:srgbClr>
+                  </a:outerShdw>
+                </a:effectLst>
+                <a:latin typeface="맑은 고딕" panose="020B0503020000020004" pitchFamily="50" charset="-127"/>
+                <a:ea typeface="맑은 고딕" panose="020B0503020000020004" pitchFamily="50" charset="-127"/>
+              </a:rPr>
+              <a:t>시간</a:t>
+            </a:r>
+            <a:r>
+              <a:rPr lang="en-US" altLang="ko-KR" sz="1550" strike="sngStrike" dirty="0">
+                <a:solidFill>
+                  <a:schemeClr val="tx1">
+                    <a:lumMod val="95000"/>
+                    <a:lumOff val="5000"/>
+                  </a:schemeClr>
+                </a:solidFill>
+                <a:effectLst>
+                  <a:outerShdw blurRad="38100" dist="38100" dir="2700000" algn="tl">
+                    <a:srgbClr val="000000">
+                      <a:alpha val="43137"/>
+                    </a:srgbClr>
+                  </a:outerShdw>
+                </a:effectLst>
+                <a:latin typeface="맑은 고딕" panose="020B0503020000020004" pitchFamily="50" charset="-127"/>
+                <a:ea typeface="맑은 고딕" panose="020B0503020000020004" pitchFamily="50" charset="-127"/>
+              </a:rPr>
+              <a:t>, </a:t>
+            </a:r>
+            <a:r>
+              <a:rPr lang="ko-KR" altLang="en-US" sz="1550" strike="sngStrike" dirty="0">
+                <a:solidFill>
+                  <a:schemeClr val="tx1">
+                    <a:lumMod val="95000"/>
+                    <a:lumOff val="5000"/>
+                  </a:schemeClr>
+                </a:solidFill>
+                <a:effectLst>
+                  <a:outerShdw blurRad="38100" dist="38100" dir="2700000" algn="tl">
+                    <a:srgbClr val="000000">
+                      <a:alpha val="43137"/>
+                    </a:srgbClr>
+                  </a:outerShdw>
+                </a:effectLst>
+                <a:latin typeface="맑은 고딕" panose="020B0503020000020004" pitchFamily="50" charset="-127"/>
+                <a:ea typeface="맑은 고딕" panose="020B0503020000020004" pitchFamily="50" charset="-127"/>
+              </a:rPr>
+              <a:t>팀 전체 </a:t>
+            </a:r>
+            <a:r>
+              <a:rPr lang="ko-KR" altLang="en-US" sz="1550" strike="sngStrike" dirty="0" err="1">
+                <a:solidFill>
+                  <a:schemeClr val="tx1">
+                    <a:lumMod val="95000"/>
+                    <a:lumOff val="5000"/>
+                  </a:schemeClr>
+                </a:solidFill>
+                <a:effectLst>
+                  <a:outerShdw blurRad="38100" dist="38100" dir="2700000" algn="tl">
+                    <a:srgbClr val="000000">
+                      <a:alpha val="43137"/>
+                    </a:srgbClr>
+                  </a:outerShdw>
+                </a:effectLst>
+                <a:latin typeface="맑은 고딕" panose="020B0503020000020004" pitchFamily="50" charset="-127"/>
+                <a:ea typeface="맑은 고딕" panose="020B0503020000020004" pitchFamily="50" charset="-127"/>
+              </a:rPr>
+              <a:t>킬수</a:t>
+            </a:r>
+            <a:r>
+              <a:rPr lang="ko-KR" altLang="en-US" sz="1550" strike="sngStrike" dirty="0">
+                <a:solidFill>
+                  <a:schemeClr val="tx1">
+                    <a:lumMod val="95000"/>
+                    <a:lumOff val="5000"/>
+                  </a:schemeClr>
+                </a:solidFill>
+                <a:effectLst>
+                  <a:outerShdw blurRad="38100" dist="38100" dir="2700000" algn="tl">
+                    <a:srgbClr val="000000">
+                      <a:alpha val="43137"/>
+                    </a:srgbClr>
+                  </a:outerShdw>
+                </a:effectLst>
+                <a:latin typeface="맑은 고딕" panose="020B0503020000020004" pitchFamily="50" charset="-127"/>
+                <a:ea typeface="맑은 고딕" panose="020B0503020000020004" pitchFamily="50" charset="-127"/>
+              </a:rPr>
+              <a:t> 표시 </a:t>
+            </a:r>
+            <a:r>
+              <a:rPr lang="en-US" altLang="ko-KR" sz="1550" dirty="0">
+                <a:solidFill>
+                  <a:schemeClr val="tx1">
+                    <a:lumMod val="95000"/>
+                    <a:lumOff val="5000"/>
+                  </a:schemeClr>
+                </a:solidFill>
+                <a:effectLst>
+                  <a:outerShdw blurRad="38100" dist="38100" dir="2700000" algn="tl">
+                    <a:srgbClr val="000000">
+                      <a:alpha val="43137"/>
+                    </a:srgbClr>
+                  </a:outerShdw>
+                </a:effectLst>
+                <a:latin typeface="맑은 고딕" panose="020B0503020000020004" pitchFamily="50" charset="-127"/>
+                <a:ea typeface="맑은 고딕" panose="020B0503020000020004" pitchFamily="50" charset="-127"/>
+              </a:rPr>
+              <a:t>(</a:t>
+            </a:r>
+            <a:r>
+              <a:rPr lang="ko-KR" altLang="en-US" sz="1550" dirty="0">
+                <a:solidFill>
+                  <a:schemeClr val="tx1">
+                    <a:lumMod val="95000"/>
+                    <a:lumOff val="5000"/>
+                  </a:schemeClr>
+                </a:solidFill>
+                <a:effectLst>
+                  <a:outerShdw blurRad="38100" dist="38100" dir="2700000" algn="tl">
+                    <a:srgbClr val="000000">
+                      <a:alpha val="43137"/>
+                    </a:srgbClr>
+                  </a:outerShdw>
+                </a:effectLst>
+                <a:latin typeface="맑은 고딕" panose="020B0503020000020004" pitchFamily="50" charset="-127"/>
+                <a:ea typeface="맑은 고딕" panose="020B0503020000020004" pitchFamily="50" charset="-127"/>
+              </a:rPr>
+              <a:t>필요 추가</a:t>
+            </a:r>
+            <a:r>
+              <a:rPr lang="en-US" altLang="ko-KR" sz="1550" dirty="0">
+                <a:solidFill>
+                  <a:schemeClr val="tx1">
+                    <a:lumMod val="95000"/>
+                    <a:lumOff val="5000"/>
+                  </a:schemeClr>
+                </a:solidFill>
+                <a:effectLst>
+                  <a:outerShdw blurRad="38100" dist="38100" dir="2700000" algn="tl">
+                    <a:srgbClr val="000000">
+                      <a:alpha val="43137"/>
+                    </a:srgbClr>
+                  </a:outerShdw>
+                </a:effectLst>
+                <a:latin typeface="맑은 고딕" panose="020B0503020000020004" pitchFamily="50" charset="-127"/>
+                <a:ea typeface="맑은 고딕" panose="020B0503020000020004" pitchFamily="50" charset="-127"/>
+              </a:rPr>
+              <a:t>)</a:t>
+            </a:r>
+          </a:p>
+          <a:p>
+            <a:pPr marL="987552" lvl="1" indent="-457200">
+              <a:lnSpc>
+                <a:spcPct val="160000"/>
+              </a:lnSpc>
+              <a:buFont typeface="+mj-lt"/>
+              <a:buAutoNum type="alphaUcPeriod"/>
+            </a:pPr>
+            <a:r>
+              <a:rPr lang="en-US" altLang="ko-KR" sz="1750" i="0" dirty="0">
+                <a:solidFill>
+                  <a:schemeClr val="tx1">
+                    <a:lumMod val="95000"/>
+                    <a:lumOff val="5000"/>
+                  </a:schemeClr>
+                </a:solidFill>
+                <a:effectLst>
+                  <a:outerShdw blurRad="38100" dist="38100" dir="2700000" algn="tl">
+                    <a:srgbClr val="000000">
+                      <a:alpha val="43137"/>
+                    </a:srgbClr>
+                  </a:outerShdw>
+                </a:effectLst>
+                <a:latin typeface="맑은 고딕" panose="020B0503020000020004" pitchFamily="50" charset="-127"/>
+                <a:ea typeface="맑은 고딕" panose="020B0503020000020004" pitchFamily="50" charset="-127"/>
+              </a:rPr>
+              <a:t>AI </a:t>
+            </a:r>
+            <a:r>
+              <a:rPr lang="ko-KR" altLang="en-US" sz="1750" i="0" dirty="0">
+                <a:solidFill>
+                  <a:schemeClr val="tx1">
+                    <a:lumMod val="95000"/>
+                    <a:lumOff val="5000"/>
+                  </a:schemeClr>
+                </a:solidFill>
+                <a:effectLst>
+                  <a:outerShdw blurRad="38100" dist="38100" dir="2700000" algn="tl">
+                    <a:srgbClr val="000000">
+                      <a:alpha val="43137"/>
+                    </a:srgbClr>
+                  </a:outerShdw>
+                </a:effectLst>
+                <a:latin typeface="맑은 고딕" panose="020B0503020000020004" pitchFamily="50" charset="-127"/>
+                <a:ea typeface="맑은 고딕" panose="020B0503020000020004" pitchFamily="50" charset="-127"/>
+              </a:rPr>
+              <a:t>플레이어 가중치 표현</a:t>
+            </a:r>
+            <a:endParaRPr lang="en-US" altLang="ko-KR" sz="1750" i="0" dirty="0">
               <a:solidFill>
                 <a:schemeClr val="tx1">
                   <a:lumMod val="95000"/>
@@ -10148,7 +10146,7 @@
               <a:buAutoNum type="alphaUcPeriod"/>
             </a:pPr>
             <a:r>
-              <a:rPr lang="en-US" altLang="ko-KR" sz="1550" dirty="0">
+              <a:rPr lang="ko-KR" altLang="en-US" sz="1350" dirty="0">
                 <a:solidFill>
                   <a:schemeClr val="tx1">
                     <a:lumMod val="95000"/>
@@ -10165,19 +10163,10 @@
                 <a:latin typeface="맑은 고딕" panose="020B0503020000020004" pitchFamily="50" charset="-127"/>
                 <a:ea typeface="맑은 고딕" panose="020B0503020000020004" pitchFamily="50" charset="-127"/>
               </a:rPr>
-              <a:t>Sword</a:t>
-            </a:r>
-          </a:p>
-          <a:p>
-            <a:pPr marL="1901952" lvl="3" indent="-457200">
-              <a:lnSpc>
-                <a:spcPct val="160000"/>
-              </a:lnSpc>
-              <a:buFont typeface="+mj-lt"/>
-              <a:buAutoNum type="alphaUcPeriod"/>
-            </a:pPr>
-            <a:r>
-              <a:rPr lang="en-US" altLang="ko-KR" sz="1550" strike="sngStrike" dirty="0">
+              <a:t>인공지능 가중치</a:t>
+            </a:r>
+            <a:r>
+              <a:rPr lang="en-US" altLang="ko-KR" sz="1350" dirty="0">
                 <a:solidFill>
                   <a:schemeClr val="tx1">
                     <a:lumMod val="95000"/>
@@ -10194,19 +10183,10 @@
                 <a:latin typeface="맑은 고딕" panose="020B0503020000020004" pitchFamily="50" charset="-127"/>
                 <a:ea typeface="맑은 고딕" panose="020B0503020000020004" pitchFamily="50" charset="-127"/>
               </a:rPr>
-              <a:t>Mace</a:t>
-            </a:r>
-          </a:p>
-          <a:p>
-            <a:pPr marL="1901952" lvl="3" indent="-457200">
-              <a:lnSpc>
-                <a:spcPct val="160000"/>
-              </a:lnSpc>
-              <a:buFont typeface="+mj-lt"/>
-              <a:buAutoNum type="alphaUcPeriod"/>
-            </a:pPr>
-            <a:r>
-              <a:rPr lang="en-US" altLang="ko-KR" sz="1550" strike="sngStrike" dirty="0">
+              <a:t>(Utility)</a:t>
+            </a:r>
+            <a:r>
+              <a:rPr lang="ko-KR" altLang="en-US" sz="1350" dirty="0">
                 <a:solidFill>
                   <a:schemeClr val="tx1">
                     <a:lumMod val="95000"/>
@@ -10223,227 +10203,9 @@
                 <a:latin typeface="맑은 고딕" panose="020B0503020000020004" pitchFamily="50" charset="-127"/>
                 <a:ea typeface="맑은 고딕" panose="020B0503020000020004" pitchFamily="50" charset="-127"/>
               </a:rPr>
-              <a:t>BF Sword (</a:t>
-            </a:r>
-            <a:r>
-              <a:rPr lang="ko-KR" altLang="en-US" sz="1550" strike="sngStrike" dirty="0">
-                <a:solidFill>
-                  <a:schemeClr val="tx1">
-                    <a:lumMod val="95000"/>
-                    <a:lumOff val="5000"/>
-                  </a:schemeClr>
-                </a:solidFill>
-                <a:effectLst>
-                  <a:outerShdw blurRad="38100" dist="38100" dir="2700000" algn="tl">
-                    <a:srgbClr val="000000">
-                      <a:alpha val="43137"/>
-                    </a:srgbClr>
-                  </a:outerShdw>
-                </a:effectLst>
-                <a:latin typeface="맑은 고딕" panose="020B0503020000020004" pitchFamily="50" charset="-127"/>
-                <a:ea typeface="맑은 고딕" panose="020B0503020000020004" pitchFamily="50" charset="-127"/>
-              </a:rPr>
-              <a:t>기획서상 </a:t>
-            </a:r>
-            <a:r>
-              <a:rPr lang="ko-KR" altLang="en-US" sz="1550" strike="sngStrike" dirty="0" err="1">
-                <a:solidFill>
-                  <a:schemeClr val="tx1">
-                    <a:lumMod val="95000"/>
-                    <a:lumOff val="5000"/>
-                  </a:schemeClr>
-                </a:solidFill>
-                <a:effectLst>
-                  <a:outerShdw blurRad="38100" dist="38100" dir="2700000" algn="tl">
-                    <a:srgbClr val="000000">
-                      <a:alpha val="43137"/>
-                    </a:srgbClr>
-                  </a:outerShdw>
-                </a:effectLst>
-                <a:latin typeface="맑은 고딕" panose="020B0503020000020004" pitchFamily="50" charset="-127"/>
-                <a:ea typeface="맑은 고딕" panose="020B0503020000020004" pitchFamily="50" charset="-127"/>
-              </a:rPr>
-              <a:t>브로드</a:t>
-            </a:r>
-            <a:r>
-              <a:rPr lang="ko-KR" altLang="en-US" sz="1550" strike="sngStrike" dirty="0">
-                <a:solidFill>
-                  <a:schemeClr val="tx1">
-                    <a:lumMod val="95000"/>
-                    <a:lumOff val="5000"/>
-                  </a:schemeClr>
-                </a:solidFill>
-                <a:effectLst>
-                  <a:outerShdw blurRad="38100" dist="38100" dir="2700000" algn="tl">
-                    <a:srgbClr val="000000">
-                      <a:alpha val="43137"/>
-                    </a:srgbClr>
-                  </a:outerShdw>
-                </a:effectLst>
-                <a:latin typeface="맑은 고딕" panose="020B0503020000020004" pitchFamily="50" charset="-127"/>
-                <a:ea typeface="맑은 고딕" panose="020B0503020000020004" pitchFamily="50" charset="-127"/>
-              </a:rPr>
-              <a:t> </a:t>
-            </a:r>
-            <a:r>
-              <a:rPr lang="ko-KR" altLang="en-US" sz="1550" strike="sngStrike" dirty="0" err="1">
-                <a:solidFill>
-                  <a:schemeClr val="tx1">
-                    <a:lumMod val="95000"/>
-                    <a:lumOff val="5000"/>
-                  </a:schemeClr>
-                </a:solidFill>
-                <a:effectLst>
-                  <a:outerShdw blurRad="38100" dist="38100" dir="2700000" algn="tl">
-                    <a:srgbClr val="000000">
-                      <a:alpha val="43137"/>
-                    </a:srgbClr>
-                  </a:outerShdw>
-                </a:effectLst>
-                <a:latin typeface="맑은 고딕" panose="020B0503020000020004" pitchFamily="50" charset="-127"/>
-                <a:ea typeface="맑은 고딕" panose="020B0503020000020004" pitchFamily="50" charset="-127"/>
-              </a:rPr>
-              <a:t>소드</a:t>
-            </a:r>
-            <a:r>
-              <a:rPr lang="en-US" altLang="ko-KR" sz="1550" strike="sngStrike" dirty="0">
-                <a:solidFill>
-                  <a:schemeClr val="tx1">
-                    <a:lumMod val="95000"/>
-                    <a:lumOff val="5000"/>
-                  </a:schemeClr>
-                </a:solidFill>
-                <a:effectLst>
-                  <a:outerShdw blurRad="38100" dist="38100" dir="2700000" algn="tl">
-                    <a:srgbClr val="000000">
-                      <a:alpha val="43137"/>
-                    </a:srgbClr>
-                  </a:outerShdw>
-                </a:effectLst>
-                <a:latin typeface="맑은 고딕" panose="020B0503020000020004" pitchFamily="50" charset="-127"/>
-                <a:ea typeface="맑은 고딕" panose="020B0503020000020004" pitchFamily="50" charset="-127"/>
-              </a:rPr>
-              <a:t>)</a:t>
-            </a:r>
-          </a:p>
-          <a:p>
-            <a:pPr marL="1901952" lvl="3" indent="-457200">
-              <a:lnSpc>
-                <a:spcPct val="160000"/>
-              </a:lnSpc>
-              <a:buFont typeface="+mj-lt"/>
-              <a:buAutoNum type="alphaUcPeriod"/>
-            </a:pPr>
-            <a:r>
-              <a:rPr lang="en-US" altLang="ko-KR" sz="1550" strike="sngStrike" dirty="0" err="1">
-                <a:solidFill>
-                  <a:schemeClr val="tx1">
-                    <a:lumMod val="95000"/>
-                    <a:lumOff val="5000"/>
-                  </a:schemeClr>
-                </a:solidFill>
-                <a:effectLst>
-                  <a:outerShdw blurRad="38100" dist="38100" dir="2700000" algn="tl">
-                    <a:srgbClr val="000000">
-                      <a:alpha val="43137"/>
-                    </a:srgbClr>
-                  </a:outerShdw>
-                </a:effectLst>
-                <a:latin typeface="맑은 고딕" panose="020B0503020000020004" pitchFamily="50" charset="-127"/>
-                <a:ea typeface="맑은 고딕" panose="020B0503020000020004" pitchFamily="50" charset="-127"/>
-              </a:rPr>
-              <a:t>Estoc</a:t>
-            </a:r>
-            <a:r>
-              <a:rPr lang="en-US" altLang="ko-KR" sz="1550" strike="sngStrike" dirty="0">
-                <a:solidFill>
-                  <a:schemeClr val="tx1">
-                    <a:lumMod val="95000"/>
-                    <a:lumOff val="5000"/>
-                  </a:schemeClr>
-                </a:solidFill>
-                <a:effectLst>
-                  <a:outerShdw blurRad="38100" dist="38100" dir="2700000" algn="tl">
-                    <a:srgbClr val="000000">
-                      <a:alpha val="43137"/>
-                    </a:srgbClr>
-                  </a:outerShdw>
-                </a:effectLst>
-                <a:latin typeface="맑은 고딕" panose="020B0503020000020004" pitchFamily="50" charset="-127"/>
-                <a:ea typeface="맑은 고딕" panose="020B0503020000020004" pitchFamily="50" charset="-127"/>
-              </a:rPr>
-              <a:t>  (</a:t>
-            </a:r>
-            <a:r>
-              <a:rPr lang="ko-KR" altLang="en-US" sz="1550" strike="sngStrike" dirty="0">
-                <a:solidFill>
-                  <a:schemeClr val="tx1">
-                    <a:lumMod val="95000"/>
-                    <a:lumOff val="5000"/>
-                  </a:schemeClr>
-                </a:solidFill>
-                <a:effectLst>
-                  <a:outerShdw blurRad="38100" dist="38100" dir="2700000" algn="tl">
-                    <a:srgbClr val="000000">
-                      <a:alpha val="43137"/>
-                    </a:srgbClr>
-                  </a:outerShdw>
-                </a:effectLst>
-                <a:latin typeface="맑은 고딕" panose="020B0503020000020004" pitchFamily="50" charset="-127"/>
-                <a:ea typeface="맑은 고딕" panose="020B0503020000020004" pitchFamily="50" charset="-127"/>
-              </a:rPr>
-              <a:t>덤으로 제작</a:t>
-            </a:r>
-            <a:r>
-              <a:rPr lang="en-US" altLang="ko-KR" sz="1550" strike="sngStrike" dirty="0">
-                <a:solidFill>
-                  <a:schemeClr val="tx1">
-                    <a:lumMod val="95000"/>
-                    <a:lumOff val="5000"/>
-                  </a:schemeClr>
-                </a:solidFill>
-                <a:effectLst>
-                  <a:outerShdw blurRad="38100" dist="38100" dir="2700000" algn="tl">
-                    <a:srgbClr val="000000">
-                      <a:alpha val="43137"/>
-                    </a:srgbClr>
-                  </a:outerShdw>
-                </a:effectLst>
-                <a:latin typeface="맑은 고딕" panose="020B0503020000020004" pitchFamily="50" charset="-127"/>
-                <a:ea typeface="맑은 고딕" panose="020B0503020000020004" pitchFamily="50" charset="-127"/>
-              </a:rPr>
-              <a:t>)</a:t>
-            </a:r>
-          </a:p>
-          <a:p>
-            <a:pPr marL="1901952" lvl="3" indent="-457200">
-              <a:lnSpc>
-                <a:spcPct val="160000"/>
-              </a:lnSpc>
-              <a:buFont typeface="+mj-lt"/>
-              <a:buAutoNum type="alphaUcPeriod"/>
-            </a:pPr>
-            <a:r>
-              <a:rPr lang="ko-KR" altLang="en-US" sz="1550" strike="sngStrike" dirty="0">
-                <a:solidFill>
-                  <a:schemeClr val="tx1">
-                    <a:lumMod val="95000"/>
-                    <a:lumOff val="5000"/>
-                  </a:schemeClr>
-                </a:solidFill>
-                <a:effectLst>
-                  <a:outerShdw blurRad="38100" dist="38100" dir="2700000" algn="tl">
-                    <a:srgbClr val="000000">
-                      <a:alpha val="43137"/>
-                    </a:srgbClr>
-                  </a:outerShdw>
-                </a:effectLst>
-                <a:latin typeface="맑은 고딕" panose="020B0503020000020004" pitchFamily="50" charset="-127"/>
-                <a:ea typeface="맑은 고딕" panose="020B0503020000020004" pitchFamily="50" charset="-127"/>
-              </a:rPr>
-              <a:t>양날 톱</a:t>
-            </a:r>
-            <a:endParaRPr lang="en-US" altLang="ko-KR" sz="1550" strike="sngStrike" dirty="0">
+              <a:t> 표현</a:t>
+            </a:r>
+            <a:endParaRPr lang="en-US" altLang="ko-KR" sz="1350" dirty="0">
               <a:solidFill>
                 <a:schemeClr val="tx1">
                   <a:lumMod val="95000"/>
@@ -10462,7 +10224,7 @@
             </a:endParaRPr>
           </a:p>
           <a:p>
-            <a:pPr marL="1901952" lvl="3" indent="-457200">
+            <a:pPr marL="1444752" lvl="2" indent="-457200">
               <a:lnSpc>
                 <a:spcPct val="160000"/>
               </a:lnSpc>
@@ -10470,7 +10232,7 @@
               <a:buAutoNum type="alphaUcPeriod"/>
             </a:pPr>
             <a:r>
-              <a:rPr lang="ko-KR" altLang="en-US" sz="1550" strike="sngStrike" dirty="0">
+              <a:rPr lang="ko-KR" altLang="en-US" sz="1350" dirty="0">
                 <a:solidFill>
                   <a:schemeClr val="tx1">
                     <a:lumMod val="95000"/>
@@ -10487,25 +10249,156 @@
                 <a:latin typeface="맑은 고딕" panose="020B0503020000020004" pitchFamily="50" charset="-127"/>
                 <a:ea typeface="맑은 고딕" panose="020B0503020000020004" pitchFamily="50" charset="-127"/>
               </a:rPr>
-              <a:t>사브르</a:t>
-            </a:r>
-            <a:endParaRPr lang="en-US" altLang="ko-KR" sz="1550" strike="sngStrike" dirty="0">
-              <a:solidFill>
-                <a:schemeClr val="tx1">
-                  <a:lumMod val="95000"/>
-                  <a:lumOff val="5000"/>
-                </a:schemeClr>
-              </a:solidFill>
-              <a:effectLst>
-                <a:outerShdw blurRad="38100" dist="38100" dir="2700000" algn="tl">
-                  <a:srgbClr val="000000">
-                    <a:alpha val="43137"/>
-                  </a:srgbClr>
-                </a:outerShdw>
-              </a:effectLst>
-              <a:latin typeface="맑은 고딕" panose="020B0503020000020004" pitchFamily="50" charset="-127"/>
-              <a:ea typeface="맑은 고딕" panose="020B0503020000020004" pitchFamily="50" charset="-127"/>
-            </a:endParaRPr>
+              <a:t>인공지능 플레이어의 목표</a:t>
+            </a:r>
+            <a:r>
+              <a:rPr lang="en-US" altLang="ko-KR" sz="1350" dirty="0">
+                <a:solidFill>
+                  <a:schemeClr val="tx1">
+                    <a:lumMod val="95000"/>
+                    <a:lumOff val="5000"/>
+                  </a:schemeClr>
+                </a:solidFill>
+                <a:effectLst>
+                  <a:outerShdw blurRad="38100" dist="38100" dir="2700000" algn="tl">
+                    <a:srgbClr val="000000">
+                      <a:alpha val="43137"/>
+                    </a:srgbClr>
+                  </a:outerShdw>
+                </a:effectLst>
+                <a:latin typeface="맑은 고딕" panose="020B0503020000020004" pitchFamily="50" charset="-127"/>
+                <a:ea typeface="맑은 고딕" panose="020B0503020000020004" pitchFamily="50" charset="-127"/>
+              </a:rPr>
+              <a:t>(Goal)</a:t>
+            </a:r>
+          </a:p>
+          <a:p>
+            <a:pPr marL="987552" lvl="1" indent="-457200">
+              <a:lnSpc>
+                <a:spcPct val="160000"/>
+              </a:lnSpc>
+              <a:buFont typeface="+mj-lt"/>
+              <a:buAutoNum type="alphaUcPeriod"/>
+            </a:pPr>
+            <a:r>
+              <a:rPr lang="en-US" altLang="ko-KR" sz="1550" strike="sngStrike" dirty="0">
+                <a:solidFill>
+                  <a:srgbClr val="FF0000"/>
+                </a:solidFill>
+                <a:effectLst>
+                  <a:outerShdw blurRad="38100" dist="38100" dir="2700000" algn="tl">
+                    <a:srgbClr val="000000">
+                      <a:alpha val="43137"/>
+                    </a:srgbClr>
+                  </a:outerShdw>
+                </a:effectLst>
+                <a:latin typeface="맑은 고딕" panose="020B0503020000020004" pitchFamily="50" charset="-127"/>
+                <a:ea typeface="맑은 고딕" panose="020B0503020000020004" pitchFamily="50" charset="-127"/>
+              </a:rPr>
+              <a:t>Scene </a:t>
+            </a:r>
+            <a:r>
+              <a:rPr lang="ko-KR" altLang="en-US" sz="1550" strike="sngStrike" dirty="0">
+                <a:solidFill>
+                  <a:srgbClr val="FF0000"/>
+                </a:solidFill>
+                <a:effectLst>
+                  <a:outerShdw blurRad="38100" dist="38100" dir="2700000" algn="tl">
+                    <a:srgbClr val="000000">
+                      <a:alpha val="43137"/>
+                    </a:srgbClr>
+                  </a:outerShdw>
+                </a:effectLst>
+                <a:latin typeface="맑은 고딕" panose="020B0503020000020004" pitchFamily="50" charset="-127"/>
+                <a:ea typeface="맑은 고딕" panose="020B0503020000020004" pitchFamily="50" charset="-127"/>
+              </a:rPr>
+              <a:t>구분 </a:t>
+            </a:r>
+            <a:r>
+              <a:rPr lang="en-US" altLang="ko-KR" sz="1550" strike="sngStrike" dirty="0">
+                <a:solidFill>
+                  <a:srgbClr val="FF0000"/>
+                </a:solidFill>
+                <a:effectLst>
+                  <a:outerShdw blurRad="38100" dist="38100" dir="2700000" algn="tl">
+                    <a:srgbClr val="000000">
+                      <a:alpha val="43137"/>
+                    </a:srgbClr>
+                  </a:outerShdw>
+                </a:effectLst>
+                <a:latin typeface="맑은 고딕" panose="020B0503020000020004" pitchFamily="50" charset="-127"/>
+                <a:ea typeface="맑은 고딕" panose="020B0503020000020004" pitchFamily="50" charset="-127"/>
+              </a:rPr>
+              <a:t>UI </a:t>
+            </a:r>
+            <a:r>
+              <a:rPr lang="ko-KR" altLang="en-US" sz="1550" strike="sngStrike" dirty="0">
+                <a:solidFill>
+                  <a:srgbClr val="FF0000"/>
+                </a:solidFill>
+                <a:effectLst>
+                  <a:outerShdw blurRad="38100" dist="38100" dir="2700000" algn="tl">
+                    <a:srgbClr val="000000">
+                      <a:alpha val="43137"/>
+                    </a:srgbClr>
+                  </a:outerShdw>
+                </a:effectLst>
+                <a:latin typeface="맑은 고딕" panose="020B0503020000020004" pitchFamily="50" charset="-127"/>
+                <a:ea typeface="맑은 고딕" panose="020B0503020000020004" pitchFamily="50" charset="-127"/>
+              </a:rPr>
+              <a:t>제작 </a:t>
+            </a:r>
+            <a:r>
+              <a:rPr lang="en-US" altLang="ko-KR" sz="1550" dirty="0">
+                <a:solidFill>
+                  <a:srgbClr val="FF0000"/>
+                </a:solidFill>
+                <a:effectLst>
+                  <a:outerShdw blurRad="38100" dist="38100" dir="2700000" algn="tl">
+                    <a:srgbClr val="000000">
+                      <a:alpha val="43137"/>
+                    </a:srgbClr>
+                  </a:outerShdw>
+                </a:effectLst>
+                <a:latin typeface="맑은 고딕" panose="020B0503020000020004" pitchFamily="50" charset="-127"/>
+                <a:ea typeface="맑은 고딕" panose="020B0503020000020004" pitchFamily="50" charset="-127"/>
+              </a:rPr>
+              <a:t>(</a:t>
+            </a:r>
+            <a:r>
+              <a:rPr lang="ko-KR" altLang="en-US" sz="1550" dirty="0">
+                <a:solidFill>
+                  <a:srgbClr val="FF0000"/>
+                </a:solidFill>
+                <a:effectLst>
+                  <a:outerShdw blurRad="38100" dist="38100" dir="2700000" algn="tl">
+                    <a:srgbClr val="000000">
+                      <a:alpha val="43137"/>
+                    </a:srgbClr>
+                  </a:outerShdw>
+                </a:effectLst>
+                <a:latin typeface="맑은 고딕" panose="020B0503020000020004" pitchFamily="50" charset="-127"/>
+                <a:ea typeface="맑은 고딕" panose="020B0503020000020004" pitchFamily="50" charset="-127"/>
+              </a:rPr>
+              <a:t>신 분할 </a:t>
+            </a:r>
+            <a:r>
+              <a:rPr lang="en-US" altLang="ko-KR" sz="1550" dirty="0">
+                <a:solidFill>
+                  <a:srgbClr val="FF0000"/>
+                </a:solidFill>
+                <a:effectLst>
+                  <a:outerShdw blurRad="38100" dist="38100" dir="2700000" algn="tl">
+                    <a:srgbClr val="000000">
+                      <a:alpha val="43137"/>
+                    </a:srgbClr>
+                  </a:outerShdw>
+                </a:effectLst>
+                <a:latin typeface="맑은 고딕" panose="020B0503020000020004" pitchFamily="50" charset="-127"/>
+                <a:ea typeface="맑은 고딕" panose="020B0503020000020004" pitchFamily="50" charset="-127"/>
+              </a:rPr>
+              <a:t>X)</a:t>
+            </a:r>
           </a:p>
         </p:txBody>
       </p:sp>
@@ -10546,7 +10439,7 @@
     </p:spTree>
     <p:extLst>
       <p:ext uri="{BB962C8B-B14F-4D97-AF65-F5344CB8AC3E}">
-        <p14:creationId xmlns:p14="http://schemas.microsoft.com/office/powerpoint/2010/main" val="3489036986"/>
+        <p14:creationId xmlns:p14="http://schemas.microsoft.com/office/powerpoint/2010/main" val="2279158325"/>
       </p:ext>
     </p:extLst>
   </p:cSld>
@@ -10788,7 +10681,7 @@
                 <a:latin typeface="맑은 고딕" panose="020B0503020000020004" pitchFamily="50" charset="-127"/>
                 <a:ea typeface="맑은 고딕" panose="020B0503020000020004" pitchFamily="50" charset="-127"/>
               </a:rPr>
-              <a:t>Bow</a:t>
+              <a:t>Sword</a:t>
             </a:r>
           </a:p>
           <a:p>
@@ -10800,7 +10693,7 @@
               <a:buAutoNum type="alphaUcPeriod"/>
             </a:pPr>
             <a:r>
-              <a:rPr lang="ko-KR" altLang="en-US" sz="1550" strike="sngStrike" dirty="0">
+              <a:rPr lang="en-US" altLang="ko-KR" sz="1550" strike="sngStrike" dirty="0">
                 <a:solidFill>
                   <a:schemeClr val="tx1">
                     <a:lumMod val="95000"/>
@@ -10817,7 +10710,254 @@
                 <a:latin typeface="맑은 고딕" panose="020B0503020000020004" pitchFamily="50" charset="-127"/>
                 <a:ea typeface="맑은 고딕" panose="020B0503020000020004" pitchFamily="50" charset="-127"/>
               </a:rPr>
-              <a:t>컴파운드 보우</a:t>
+              <a:t>Mace</a:t>
+            </a:r>
+          </a:p>
+          <a:p>
+            <a:pPr marL="1901952" lvl="3" indent="-457200">
+              <a:lnSpc>
+                <a:spcPct val="160000"/>
+              </a:lnSpc>
+              <a:buFont typeface="+mj-lt"/>
+              <a:buAutoNum type="alphaUcPeriod"/>
+            </a:pPr>
+            <a:r>
+              <a:rPr lang="en-US" altLang="ko-KR" sz="1550" strike="sngStrike" dirty="0">
+                <a:solidFill>
+                  <a:schemeClr val="tx1">
+                    <a:lumMod val="95000"/>
+                    <a:lumOff val="5000"/>
+                  </a:schemeClr>
+                </a:solidFill>
+                <a:effectLst>
+                  <a:outerShdw blurRad="38100" dist="38100" dir="2700000" algn="tl">
+                    <a:srgbClr val="000000">
+                      <a:alpha val="43137"/>
+                    </a:srgbClr>
+                  </a:outerShdw>
+                </a:effectLst>
+                <a:latin typeface="맑은 고딕" panose="020B0503020000020004" pitchFamily="50" charset="-127"/>
+                <a:ea typeface="맑은 고딕" panose="020B0503020000020004" pitchFamily="50" charset="-127"/>
+              </a:rPr>
+              <a:t>BF Sword (</a:t>
+            </a:r>
+            <a:r>
+              <a:rPr lang="ko-KR" altLang="en-US" sz="1550" strike="sngStrike" dirty="0">
+                <a:solidFill>
+                  <a:schemeClr val="tx1">
+                    <a:lumMod val="95000"/>
+                    <a:lumOff val="5000"/>
+                  </a:schemeClr>
+                </a:solidFill>
+                <a:effectLst>
+                  <a:outerShdw blurRad="38100" dist="38100" dir="2700000" algn="tl">
+                    <a:srgbClr val="000000">
+                      <a:alpha val="43137"/>
+                    </a:srgbClr>
+                  </a:outerShdw>
+                </a:effectLst>
+                <a:latin typeface="맑은 고딕" panose="020B0503020000020004" pitchFamily="50" charset="-127"/>
+                <a:ea typeface="맑은 고딕" panose="020B0503020000020004" pitchFamily="50" charset="-127"/>
+              </a:rPr>
+              <a:t>기획서상 </a:t>
+            </a:r>
+            <a:r>
+              <a:rPr lang="ko-KR" altLang="en-US" sz="1550" strike="sngStrike" dirty="0" err="1">
+                <a:solidFill>
+                  <a:schemeClr val="tx1">
+                    <a:lumMod val="95000"/>
+                    <a:lumOff val="5000"/>
+                  </a:schemeClr>
+                </a:solidFill>
+                <a:effectLst>
+                  <a:outerShdw blurRad="38100" dist="38100" dir="2700000" algn="tl">
+                    <a:srgbClr val="000000">
+                      <a:alpha val="43137"/>
+                    </a:srgbClr>
+                  </a:outerShdw>
+                </a:effectLst>
+                <a:latin typeface="맑은 고딕" panose="020B0503020000020004" pitchFamily="50" charset="-127"/>
+                <a:ea typeface="맑은 고딕" panose="020B0503020000020004" pitchFamily="50" charset="-127"/>
+              </a:rPr>
+              <a:t>브로드</a:t>
+            </a:r>
+            <a:r>
+              <a:rPr lang="ko-KR" altLang="en-US" sz="1550" strike="sngStrike" dirty="0">
+                <a:solidFill>
+                  <a:schemeClr val="tx1">
+                    <a:lumMod val="95000"/>
+                    <a:lumOff val="5000"/>
+                  </a:schemeClr>
+                </a:solidFill>
+                <a:effectLst>
+                  <a:outerShdw blurRad="38100" dist="38100" dir="2700000" algn="tl">
+                    <a:srgbClr val="000000">
+                      <a:alpha val="43137"/>
+                    </a:srgbClr>
+                  </a:outerShdw>
+                </a:effectLst>
+                <a:latin typeface="맑은 고딕" panose="020B0503020000020004" pitchFamily="50" charset="-127"/>
+                <a:ea typeface="맑은 고딕" panose="020B0503020000020004" pitchFamily="50" charset="-127"/>
+              </a:rPr>
+              <a:t> </a:t>
+            </a:r>
+            <a:r>
+              <a:rPr lang="ko-KR" altLang="en-US" sz="1550" strike="sngStrike" dirty="0" err="1">
+                <a:solidFill>
+                  <a:schemeClr val="tx1">
+                    <a:lumMod val="95000"/>
+                    <a:lumOff val="5000"/>
+                  </a:schemeClr>
+                </a:solidFill>
+                <a:effectLst>
+                  <a:outerShdw blurRad="38100" dist="38100" dir="2700000" algn="tl">
+                    <a:srgbClr val="000000">
+                      <a:alpha val="43137"/>
+                    </a:srgbClr>
+                  </a:outerShdw>
+                </a:effectLst>
+                <a:latin typeface="맑은 고딕" panose="020B0503020000020004" pitchFamily="50" charset="-127"/>
+                <a:ea typeface="맑은 고딕" panose="020B0503020000020004" pitchFamily="50" charset="-127"/>
+              </a:rPr>
+              <a:t>소드</a:t>
+            </a:r>
+            <a:r>
+              <a:rPr lang="en-US" altLang="ko-KR" sz="1550" strike="sngStrike" dirty="0">
+                <a:solidFill>
+                  <a:schemeClr val="tx1">
+                    <a:lumMod val="95000"/>
+                    <a:lumOff val="5000"/>
+                  </a:schemeClr>
+                </a:solidFill>
+                <a:effectLst>
+                  <a:outerShdw blurRad="38100" dist="38100" dir="2700000" algn="tl">
+                    <a:srgbClr val="000000">
+                      <a:alpha val="43137"/>
+                    </a:srgbClr>
+                  </a:outerShdw>
+                </a:effectLst>
+                <a:latin typeface="맑은 고딕" panose="020B0503020000020004" pitchFamily="50" charset="-127"/>
+                <a:ea typeface="맑은 고딕" panose="020B0503020000020004" pitchFamily="50" charset="-127"/>
+              </a:rPr>
+              <a:t>)</a:t>
+            </a:r>
+          </a:p>
+          <a:p>
+            <a:pPr marL="1901952" lvl="3" indent="-457200">
+              <a:lnSpc>
+                <a:spcPct val="160000"/>
+              </a:lnSpc>
+              <a:buFont typeface="+mj-lt"/>
+              <a:buAutoNum type="alphaUcPeriod"/>
+            </a:pPr>
+            <a:r>
+              <a:rPr lang="en-US" altLang="ko-KR" sz="1550" strike="sngStrike" dirty="0" err="1">
+                <a:solidFill>
+                  <a:schemeClr val="tx1">
+                    <a:lumMod val="95000"/>
+                    <a:lumOff val="5000"/>
+                  </a:schemeClr>
+                </a:solidFill>
+                <a:effectLst>
+                  <a:outerShdw blurRad="38100" dist="38100" dir="2700000" algn="tl">
+                    <a:srgbClr val="000000">
+                      <a:alpha val="43137"/>
+                    </a:srgbClr>
+                  </a:outerShdw>
+                </a:effectLst>
+                <a:latin typeface="맑은 고딕" panose="020B0503020000020004" pitchFamily="50" charset="-127"/>
+                <a:ea typeface="맑은 고딕" panose="020B0503020000020004" pitchFamily="50" charset="-127"/>
+              </a:rPr>
+              <a:t>Estoc</a:t>
+            </a:r>
+            <a:r>
+              <a:rPr lang="en-US" altLang="ko-KR" sz="1550" strike="sngStrike" dirty="0">
+                <a:solidFill>
+                  <a:schemeClr val="tx1">
+                    <a:lumMod val="95000"/>
+                    <a:lumOff val="5000"/>
+                  </a:schemeClr>
+                </a:solidFill>
+                <a:effectLst>
+                  <a:outerShdw blurRad="38100" dist="38100" dir="2700000" algn="tl">
+                    <a:srgbClr val="000000">
+                      <a:alpha val="43137"/>
+                    </a:srgbClr>
+                  </a:outerShdw>
+                </a:effectLst>
+                <a:latin typeface="맑은 고딕" panose="020B0503020000020004" pitchFamily="50" charset="-127"/>
+                <a:ea typeface="맑은 고딕" panose="020B0503020000020004" pitchFamily="50" charset="-127"/>
+              </a:rPr>
+              <a:t>  (</a:t>
+            </a:r>
+            <a:r>
+              <a:rPr lang="ko-KR" altLang="en-US" sz="1550" strike="sngStrike" dirty="0">
+                <a:solidFill>
+                  <a:schemeClr val="tx1">
+                    <a:lumMod val="95000"/>
+                    <a:lumOff val="5000"/>
+                  </a:schemeClr>
+                </a:solidFill>
+                <a:effectLst>
+                  <a:outerShdw blurRad="38100" dist="38100" dir="2700000" algn="tl">
+                    <a:srgbClr val="000000">
+                      <a:alpha val="43137"/>
+                    </a:srgbClr>
+                  </a:outerShdw>
+                </a:effectLst>
+                <a:latin typeface="맑은 고딕" panose="020B0503020000020004" pitchFamily="50" charset="-127"/>
+                <a:ea typeface="맑은 고딕" panose="020B0503020000020004" pitchFamily="50" charset="-127"/>
+              </a:rPr>
+              <a:t>덤으로 제작</a:t>
+            </a:r>
+            <a:r>
+              <a:rPr lang="en-US" altLang="ko-KR" sz="1550" strike="sngStrike" dirty="0">
+                <a:solidFill>
+                  <a:schemeClr val="tx1">
+                    <a:lumMod val="95000"/>
+                    <a:lumOff val="5000"/>
+                  </a:schemeClr>
+                </a:solidFill>
+                <a:effectLst>
+                  <a:outerShdw blurRad="38100" dist="38100" dir="2700000" algn="tl">
+                    <a:srgbClr val="000000">
+                      <a:alpha val="43137"/>
+                    </a:srgbClr>
+                  </a:outerShdw>
+                </a:effectLst>
+                <a:latin typeface="맑은 고딕" panose="020B0503020000020004" pitchFamily="50" charset="-127"/>
+                <a:ea typeface="맑은 고딕" panose="020B0503020000020004" pitchFamily="50" charset="-127"/>
+              </a:rPr>
+              <a:t>)</a:t>
+            </a:r>
+          </a:p>
+          <a:p>
+            <a:pPr marL="1901952" lvl="3" indent="-457200">
+              <a:lnSpc>
+                <a:spcPct val="160000"/>
+              </a:lnSpc>
+              <a:buFont typeface="+mj-lt"/>
+              <a:buAutoNum type="alphaUcPeriod"/>
+            </a:pPr>
+            <a:r>
+              <a:rPr lang="ko-KR" altLang="en-US" sz="1550" strike="sngStrike" dirty="0">
+                <a:solidFill>
+                  <a:schemeClr val="tx1">
+                    <a:lumMod val="95000"/>
+                    <a:lumOff val="5000"/>
+                  </a:schemeClr>
+                </a:solidFill>
+                <a:effectLst>
+                  <a:outerShdw blurRad="38100" dist="38100" dir="2700000" algn="tl">
+                    <a:srgbClr val="000000">
+                      <a:alpha val="43137"/>
+                    </a:srgbClr>
+                  </a:outerShdw>
+                </a:effectLst>
+                <a:latin typeface="맑은 고딕" panose="020B0503020000020004" pitchFamily="50" charset="-127"/>
+                <a:ea typeface="맑은 고딕" panose="020B0503020000020004" pitchFamily="50" charset="-127"/>
+              </a:rPr>
+              <a:t>양날 톱</a:t>
             </a:r>
             <a:endParaRPr lang="en-US" altLang="ko-KR" sz="1550" strike="sngStrike" dirty="0">
               <a:solidFill>
@@ -10863,119 +11003,7 @@
                 <a:latin typeface="맑은 고딕" panose="020B0503020000020004" pitchFamily="50" charset="-127"/>
                 <a:ea typeface="맑은 고딕" panose="020B0503020000020004" pitchFamily="50" charset="-127"/>
               </a:rPr>
-              <a:t>비래골</a:t>
-            </a:r>
-            <a:endParaRPr lang="en-US" altLang="ko-KR" sz="1550" strike="sngStrike" dirty="0">
-              <a:solidFill>
-                <a:schemeClr val="tx1">
-                  <a:lumMod val="95000"/>
-                  <a:lumOff val="5000"/>
-                </a:schemeClr>
-              </a:solidFill>
-              <a:effectLst>
-                <a:outerShdw blurRad="38100" dist="38100" dir="2700000" algn="tl">
-                  <a:srgbClr val="000000">
-                    <a:alpha val="43137"/>
-                  </a:srgbClr>
-                </a:outerShdw>
-              </a:effectLst>
-              <a:latin typeface="맑은 고딕" panose="020B0503020000020004" pitchFamily="50" charset="-127"/>
-              <a:ea typeface="맑은 고딕" panose="020B0503020000020004" pitchFamily="50" charset="-127"/>
-            </a:endParaRPr>
-          </a:p>
-          <a:p>
-            <a:pPr marL="1901952" lvl="3" indent="-457200">
-              <a:lnSpc>
-                <a:spcPct val="160000"/>
-              </a:lnSpc>
-              <a:buFont typeface="+mj-lt"/>
-              <a:buAutoNum type="alphaUcPeriod"/>
-            </a:pPr>
-            <a:r>
-              <a:rPr lang="ko-KR" altLang="en-US" sz="1550" strike="sngStrike" dirty="0">
-                <a:solidFill>
-                  <a:schemeClr val="tx1">
-                    <a:lumMod val="95000"/>
-                    <a:lumOff val="5000"/>
-                  </a:schemeClr>
-                </a:solidFill>
-                <a:effectLst>
-                  <a:outerShdw blurRad="38100" dist="38100" dir="2700000" algn="tl">
-                    <a:srgbClr val="000000">
-                      <a:alpha val="43137"/>
-                    </a:srgbClr>
-                  </a:outerShdw>
-                </a:effectLst>
-                <a:latin typeface="맑은 고딕" panose="020B0503020000020004" pitchFamily="50" charset="-127"/>
-                <a:ea typeface="맑은 고딕" panose="020B0503020000020004" pitchFamily="50" charset="-127"/>
-              </a:rPr>
-              <a:t>바나나</a:t>
-            </a:r>
-            <a:endParaRPr lang="en-US" altLang="ko-KR" sz="1550" strike="sngStrike" dirty="0">
-              <a:solidFill>
-                <a:schemeClr val="tx1">
-                  <a:lumMod val="95000"/>
-                  <a:lumOff val="5000"/>
-                </a:schemeClr>
-              </a:solidFill>
-              <a:effectLst>
-                <a:outerShdw blurRad="38100" dist="38100" dir="2700000" algn="tl">
-                  <a:srgbClr val="000000">
-                    <a:alpha val="43137"/>
-                  </a:srgbClr>
-                </a:outerShdw>
-              </a:effectLst>
-              <a:latin typeface="맑은 고딕" panose="020B0503020000020004" pitchFamily="50" charset="-127"/>
-              <a:ea typeface="맑은 고딕" panose="020B0503020000020004" pitchFamily="50" charset="-127"/>
-            </a:endParaRPr>
-          </a:p>
-          <a:p>
-            <a:pPr marL="1901952" lvl="3" indent="-457200">
-              <a:lnSpc>
-                <a:spcPct val="160000"/>
-              </a:lnSpc>
-              <a:buFont typeface="+mj-lt"/>
-              <a:buAutoNum type="alphaUcPeriod"/>
-            </a:pPr>
-            <a:r>
-              <a:rPr lang="ko-KR" altLang="en-US" sz="1550" strike="sngStrike" dirty="0">
-                <a:solidFill>
-                  <a:schemeClr val="tx1">
-                    <a:lumMod val="95000"/>
-                    <a:lumOff val="5000"/>
-                  </a:schemeClr>
-                </a:solidFill>
-                <a:effectLst>
-                  <a:outerShdw blurRad="38100" dist="38100" dir="2700000" algn="tl">
-                    <a:srgbClr val="000000">
-                      <a:alpha val="43137"/>
-                    </a:srgbClr>
-                  </a:outerShdw>
-                </a:effectLst>
-                <a:latin typeface="맑은 고딕" panose="020B0503020000020004" pitchFamily="50" charset="-127"/>
-                <a:ea typeface="맑은 고딕" panose="020B0503020000020004" pitchFamily="50" charset="-127"/>
-              </a:rPr>
-              <a:t>아지노스의 </a:t>
-            </a:r>
-            <a:r>
-              <a:rPr lang="ko-KR" altLang="en-US" sz="1550" strike="sngStrike" dirty="0" err="1">
-                <a:solidFill>
-                  <a:schemeClr val="tx1">
-                    <a:lumMod val="95000"/>
-                    <a:lumOff val="5000"/>
-                  </a:schemeClr>
-                </a:solidFill>
-                <a:effectLst>
-                  <a:outerShdw blurRad="38100" dist="38100" dir="2700000" algn="tl">
-                    <a:srgbClr val="000000">
-                      <a:alpha val="43137"/>
-                    </a:srgbClr>
-                  </a:outerShdw>
-                </a:effectLst>
-                <a:latin typeface="맑은 고딕" panose="020B0503020000020004" pitchFamily="50" charset="-127"/>
-                <a:ea typeface="맑은 고딕" panose="020B0503020000020004" pitchFamily="50" charset="-127"/>
-              </a:rPr>
-              <a:t>전투검</a:t>
+              <a:t>사브르</a:t>
             </a:r>
             <a:endParaRPr lang="en-US" altLang="ko-KR" sz="1550" strike="sngStrike" dirty="0">
               <a:solidFill>
@@ -11034,7 +11062,7 @@
     </p:spTree>
     <p:extLst>
       <p:ext uri="{BB962C8B-B14F-4D97-AF65-F5344CB8AC3E}">
-        <p14:creationId xmlns:p14="http://schemas.microsoft.com/office/powerpoint/2010/main" val="776511413"/>
+        <p14:creationId xmlns:p14="http://schemas.microsoft.com/office/powerpoint/2010/main" val="3489036986"/>
       </p:ext>
     </p:extLst>
   </p:cSld>
@@ -11276,7 +11304,7 @@
                 <a:latin typeface="맑은 고딕" panose="020B0503020000020004" pitchFamily="50" charset="-127"/>
                 <a:ea typeface="맑은 고딕" panose="020B0503020000020004" pitchFamily="50" charset="-127"/>
               </a:rPr>
-              <a:t>Staff</a:t>
+              <a:t>Bow</a:t>
             </a:r>
           </a:p>
           <a:p>
@@ -11305,7 +11333,7 @@
                 <a:latin typeface="맑은 고딕" panose="020B0503020000020004" pitchFamily="50" charset="-127"/>
                 <a:ea typeface="맑은 고딕" panose="020B0503020000020004" pitchFamily="50" charset="-127"/>
               </a:rPr>
-              <a:t>긴 지우개 연필</a:t>
+              <a:t>컴파운드 보우</a:t>
             </a:r>
             <a:endParaRPr lang="en-US" altLang="ko-KR" sz="1550" strike="sngStrike" dirty="0">
               <a:solidFill>
@@ -11351,7 +11379,7 @@
                 <a:latin typeface="맑은 고딕" panose="020B0503020000020004" pitchFamily="50" charset="-127"/>
                 <a:ea typeface="맑은 고딕" panose="020B0503020000020004" pitchFamily="50" charset="-127"/>
               </a:rPr>
-              <a:t>번개</a:t>
+              <a:t>비래골</a:t>
             </a:r>
             <a:endParaRPr lang="en-US" altLang="ko-KR" sz="1550" strike="sngStrike" dirty="0">
               <a:solidFill>
@@ -11397,7 +11425,7 @@
                 <a:latin typeface="맑은 고딕" panose="020B0503020000020004" pitchFamily="50" charset="-127"/>
                 <a:ea typeface="맑은 고딕" panose="020B0503020000020004" pitchFamily="50" charset="-127"/>
               </a:rPr>
-              <a:t>시계탑</a:t>
+              <a:t>바나나</a:t>
             </a:r>
             <a:endParaRPr lang="en-US" altLang="ko-KR" sz="1550" strike="sngStrike" dirty="0">
               <a:solidFill>
@@ -11443,7 +11471,27 @@
                 <a:latin typeface="맑은 고딕" panose="020B0503020000020004" pitchFamily="50" charset="-127"/>
                 <a:ea typeface="맑은 고딕" panose="020B0503020000020004" pitchFamily="50" charset="-127"/>
               </a:rPr>
-              <a:t>롤리팝</a:t>
+              <a:t>아지노스의 </a:t>
+            </a:r>
+            <a:r>
+              <a:rPr lang="ko-KR" altLang="en-US" sz="1550" strike="sngStrike" dirty="0" err="1">
+                <a:solidFill>
+                  <a:schemeClr val="tx1">
+                    <a:lumMod val="95000"/>
+                    <a:lumOff val="5000"/>
+                  </a:schemeClr>
+                </a:solidFill>
+                <a:effectLst>
+                  <a:outerShdw blurRad="38100" dist="38100" dir="2700000" algn="tl">
+                    <a:srgbClr val="000000">
+                      <a:alpha val="43137"/>
+                    </a:srgbClr>
+                  </a:outerShdw>
+                </a:effectLst>
+                <a:latin typeface="맑은 고딕" panose="020B0503020000020004" pitchFamily="50" charset="-127"/>
+                <a:ea typeface="맑은 고딕" panose="020B0503020000020004" pitchFamily="50" charset="-127"/>
+              </a:rPr>
+              <a:t>전투검</a:t>
             </a:r>
             <a:endParaRPr lang="en-US" altLang="ko-KR" sz="1550" strike="sngStrike" dirty="0">
               <a:solidFill>
@@ -11502,7 +11550,7 @@
     </p:spTree>
     <p:extLst>
       <p:ext uri="{BB962C8B-B14F-4D97-AF65-F5344CB8AC3E}">
-        <p14:creationId xmlns:p14="http://schemas.microsoft.com/office/powerpoint/2010/main" val="391164095"/>
+        <p14:creationId xmlns:p14="http://schemas.microsoft.com/office/powerpoint/2010/main" val="776511413"/>
       </p:ext>
     </p:extLst>
   </p:cSld>
@@ -11617,13 +11665,13 @@
         </p:nvSpPr>
         <p:spPr>
           <a:xfrm>
-            <a:off x="1028700" y="1232625"/>
-            <a:ext cx="7200900" cy="4973775"/>
+            <a:off x="1028700" y="1828626"/>
+            <a:ext cx="7200900" cy="4377774"/>
           </a:xfrm>
         </p:spPr>
         <p:txBody>
           <a:bodyPr>
-            <a:normAutofit fontScale="92500"/>
+            <a:normAutofit/>
           </a:bodyPr>
           <a:lstStyle/>
           <a:p>
@@ -11635,7 +11683,7 @@
               <a:buAutoNum type="alphaUcPeriod"/>
             </a:pPr>
             <a:r>
-              <a:rPr lang="ko-KR" altLang="en-US" sz="900" dirty="0">
+              <a:rPr lang="ko-KR" altLang="en-US" sz="1750" dirty="0">
                 <a:solidFill>
                   <a:schemeClr val="tx1">
                     <a:lumMod val="95000"/>
@@ -11654,7 +11702,7 @@
               </a:rPr>
               <a:t>모델링</a:t>
             </a:r>
-            <a:endParaRPr lang="en-US" altLang="ko-KR" sz="900" dirty="0">
+            <a:endParaRPr lang="en-US" altLang="ko-KR" sz="1750" dirty="0">
               <a:solidFill>
                 <a:schemeClr val="tx1">
                   <a:lumMod val="95000"/>
@@ -11681,7 +11729,7 @@
               <a:buAutoNum type="alphaUcPeriod"/>
             </a:pPr>
             <a:r>
-              <a:rPr lang="ko-KR" altLang="en-US" sz="900" dirty="0">
+              <a:rPr lang="ko-KR" altLang="en-US" sz="1750" dirty="0">
                 <a:solidFill>
                   <a:schemeClr val="tx1">
                     <a:lumMod val="95000"/>
@@ -11698,9 +11746,9 @@
                 <a:latin typeface="맑은 고딕" panose="020B0503020000020004" pitchFamily="50" charset="-127"/>
                 <a:ea typeface="맑은 고딕" panose="020B0503020000020004" pitchFamily="50" charset="-127"/>
               </a:rPr>
-              <a:t>방어구</a:t>
-            </a:r>
-            <a:endParaRPr lang="en-US" altLang="ko-KR" sz="900" dirty="0">
+              <a:t>무기</a:t>
+            </a:r>
+            <a:endParaRPr lang="en-US" altLang="ko-KR" sz="1750" dirty="0">
               <a:solidFill>
                 <a:schemeClr val="tx1">
                   <a:lumMod val="95000"/>
@@ -11727,7 +11775,7 @@
               <a:buAutoNum type="alphaUcPeriod"/>
             </a:pPr>
             <a:r>
-              <a:rPr lang="en-US" altLang="ko-KR" sz="800" strike="sngStrike" dirty="0">
+              <a:rPr lang="en-US" altLang="ko-KR" sz="1550" dirty="0">
                 <a:solidFill>
                   <a:schemeClr val="tx1">
                     <a:lumMod val="95000"/>
@@ -11744,11 +11792,11 @@
                 <a:latin typeface="맑은 고딕" panose="020B0503020000020004" pitchFamily="50" charset="-127"/>
                 <a:ea typeface="맑은 고딕" panose="020B0503020000020004" pitchFamily="50" charset="-127"/>
               </a:rPr>
-              <a:t>Basic Armor</a:t>
+              <a:t>Staff</a:t>
             </a:r>
           </a:p>
           <a:p>
-            <a:pPr marL="1444752" lvl="2" indent="-457200">
+            <a:pPr marL="1901952" lvl="3" indent="-457200">
               <a:lnSpc>
                 <a:spcPct val="160000"/>
               </a:lnSpc>
@@ -11756,7 +11804,7 @@
               <a:buAutoNum type="alphaUcPeriod"/>
             </a:pPr>
             <a:r>
-              <a:rPr lang="ko-KR" altLang="en-US" sz="800" strike="sngStrike" dirty="0" err="1">
+              <a:rPr lang="ko-KR" altLang="en-US" sz="1550" strike="sngStrike" dirty="0">
                 <a:solidFill>
                   <a:schemeClr val="tx1">
                     <a:lumMod val="95000"/>
@@ -11773,158 +11821,9 @@
                 <a:latin typeface="맑은 고딕" panose="020B0503020000020004" pitchFamily="50" charset="-127"/>
                 <a:ea typeface="맑은 고딕" panose="020B0503020000020004" pitchFamily="50" charset="-127"/>
               </a:rPr>
-              <a:t>철견갑</a:t>
-            </a:r>
-            <a:r>
-              <a:rPr lang="ko-KR" altLang="en-US" sz="800" strike="sngStrike" dirty="0">
-                <a:solidFill>
-                  <a:schemeClr val="tx1">
-                    <a:lumMod val="95000"/>
-                    <a:lumOff val="5000"/>
-                  </a:schemeClr>
-                </a:solidFill>
-                <a:effectLst>
-                  <a:outerShdw blurRad="38100" dist="38100" dir="2700000" algn="tl">
-                    <a:srgbClr val="000000">
-                      <a:alpha val="43137"/>
-                    </a:srgbClr>
-                  </a:outerShdw>
-                </a:effectLst>
-                <a:latin typeface="맑은 고딕" panose="020B0503020000020004" pitchFamily="50" charset="-127"/>
-                <a:ea typeface="맑은 고딕" panose="020B0503020000020004" pitchFamily="50" charset="-127"/>
-              </a:rPr>
-              <a:t> </a:t>
-            </a:r>
-            <a:r>
-              <a:rPr lang="en-US" altLang="ko-KR" sz="800" strike="sngStrike" dirty="0">
-                <a:solidFill>
-                  <a:schemeClr val="tx1">
-                    <a:lumMod val="95000"/>
-                    <a:lumOff val="5000"/>
-                  </a:schemeClr>
-                </a:solidFill>
-                <a:effectLst>
-                  <a:outerShdw blurRad="38100" dist="38100" dir="2700000" algn="tl">
-                    <a:srgbClr val="000000">
-                      <a:alpha val="43137"/>
-                    </a:srgbClr>
-                  </a:outerShdw>
-                </a:effectLst>
-                <a:latin typeface="맑은 고딕" panose="020B0503020000020004" pitchFamily="50" charset="-127"/>
-                <a:ea typeface="맑은 고딕" panose="020B0503020000020004" pitchFamily="50" charset="-127"/>
-              </a:rPr>
-              <a:t>(</a:t>
-            </a:r>
-            <a:r>
-              <a:rPr lang="ko-KR" altLang="en-US" sz="800" strike="sngStrike" dirty="0">
-                <a:solidFill>
-                  <a:schemeClr val="tx1">
-                    <a:lumMod val="95000"/>
-                    <a:lumOff val="5000"/>
-                  </a:schemeClr>
-                </a:solidFill>
-                <a:effectLst>
-                  <a:outerShdw blurRad="38100" dist="38100" dir="2700000" algn="tl">
-                    <a:srgbClr val="000000">
-                      <a:alpha val="43137"/>
-                    </a:srgbClr>
-                  </a:outerShdw>
-                </a:effectLst>
-                <a:latin typeface="맑은 고딕" panose="020B0503020000020004" pitchFamily="50" charset="-127"/>
-                <a:ea typeface="맑은 고딕" panose="020B0503020000020004" pitchFamily="50" charset="-127"/>
-              </a:rPr>
-              <a:t>모델링</a:t>
-            </a:r>
-            <a:r>
-              <a:rPr lang="en-US" altLang="ko-KR" sz="800" strike="sngStrike" dirty="0">
-                <a:solidFill>
-                  <a:schemeClr val="tx1">
-                    <a:lumMod val="95000"/>
-                    <a:lumOff val="5000"/>
-                  </a:schemeClr>
-                </a:solidFill>
-                <a:effectLst>
-                  <a:outerShdw blurRad="38100" dist="38100" dir="2700000" algn="tl">
-                    <a:srgbClr val="000000">
-                      <a:alpha val="43137"/>
-                    </a:srgbClr>
-                  </a:outerShdw>
-                </a:effectLst>
-                <a:latin typeface="맑은 고딕" panose="020B0503020000020004" pitchFamily="50" charset="-127"/>
-                <a:ea typeface="맑은 고딕" panose="020B0503020000020004" pitchFamily="50" charset="-127"/>
-              </a:rPr>
-              <a:t>, </a:t>
-            </a:r>
-            <a:r>
-              <a:rPr lang="ko-KR" altLang="en-US" sz="800" dirty="0">
-                <a:solidFill>
-                  <a:schemeClr val="tx1">
-                    <a:lumMod val="95000"/>
-                    <a:lumOff val="5000"/>
-                  </a:schemeClr>
-                </a:solidFill>
-                <a:effectLst>
-                  <a:outerShdw blurRad="38100" dist="38100" dir="2700000" algn="tl">
-                    <a:srgbClr val="000000">
-                      <a:alpha val="43137"/>
-                    </a:srgbClr>
-                  </a:outerShdw>
-                </a:effectLst>
-                <a:latin typeface="맑은 고딕" panose="020B0503020000020004" pitchFamily="50" charset="-127"/>
-                <a:ea typeface="맑은 고딕" panose="020B0503020000020004" pitchFamily="50" charset="-127"/>
-              </a:rPr>
-              <a:t>텍스처</a:t>
-            </a:r>
-            <a:r>
-              <a:rPr lang="en-US" altLang="ko-KR" sz="800" strike="sngStrike" dirty="0">
-                <a:solidFill>
-                  <a:schemeClr val="tx1">
-                    <a:lumMod val="95000"/>
-                    <a:lumOff val="5000"/>
-                  </a:schemeClr>
-                </a:solidFill>
-                <a:effectLst>
-                  <a:outerShdw blurRad="38100" dist="38100" dir="2700000" algn="tl">
-                    <a:srgbClr val="000000">
-                      <a:alpha val="43137"/>
-                    </a:srgbClr>
-                  </a:outerShdw>
-                </a:effectLst>
-                <a:latin typeface="맑은 고딕" panose="020B0503020000020004" pitchFamily="50" charset="-127"/>
-                <a:ea typeface="맑은 고딕" panose="020B0503020000020004" pitchFamily="50" charset="-127"/>
-              </a:rPr>
-              <a:t>)</a:t>
-            </a:r>
-          </a:p>
-          <a:p>
-            <a:pPr marL="1444752" lvl="2" indent="-457200">
-              <a:lnSpc>
-                <a:spcPct val="160000"/>
-              </a:lnSpc>
-              <a:buFont typeface="+mj-lt"/>
-              <a:buAutoNum type="alphaUcPeriod"/>
-            </a:pPr>
-            <a:r>
-              <a:rPr lang="ko-KR" altLang="en-US" sz="800" strike="sngStrike" dirty="0">
-                <a:solidFill>
-                  <a:schemeClr val="tx1">
-                    <a:lumMod val="95000"/>
-                    <a:lumOff val="5000"/>
-                  </a:schemeClr>
-                </a:solidFill>
-                <a:effectLst>
-                  <a:outerShdw blurRad="38100" dist="38100" dir="2700000" algn="tl">
-                    <a:srgbClr val="000000">
-                      <a:alpha val="43137"/>
-                    </a:srgbClr>
-                  </a:outerShdw>
-                </a:effectLst>
-                <a:latin typeface="맑은 고딕" panose="020B0503020000020004" pitchFamily="50" charset="-127"/>
-                <a:ea typeface="맑은 고딕" panose="020B0503020000020004" pitchFamily="50" charset="-127"/>
-              </a:rPr>
-              <a:t>방탄조끼</a:t>
-            </a:r>
-            <a:endParaRPr lang="en-US" altLang="ko-KR" sz="800" strike="sngStrike" dirty="0">
+              <a:t>긴 지우개 연필</a:t>
+            </a:r>
+            <a:endParaRPr lang="en-US" altLang="ko-KR" sz="1550" strike="sngStrike" dirty="0">
               <a:solidFill>
                 <a:schemeClr val="tx1">
                   <a:lumMod val="95000"/>
@@ -11943,7 +11842,7 @@
             </a:endParaRPr>
           </a:p>
           <a:p>
-            <a:pPr marL="1444752" lvl="2" indent="-457200">
+            <a:pPr marL="1901952" lvl="3" indent="-457200">
               <a:lnSpc>
                 <a:spcPct val="160000"/>
               </a:lnSpc>
@@ -11951,7 +11850,7 @@
               <a:buAutoNum type="alphaUcPeriod"/>
             </a:pPr>
             <a:r>
-              <a:rPr lang="ko-KR" altLang="en-US" sz="800" strike="sngStrike" dirty="0" err="1">
+              <a:rPr lang="ko-KR" altLang="en-US" sz="1550" strike="sngStrike" dirty="0">
                 <a:solidFill>
                   <a:schemeClr val="tx1">
                     <a:lumMod val="95000"/>
@@ -11968,49 +11867,9 @@
                 <a:latin typeface="맑은 고딕" panose="020B0503020000020004" pitchFamily="50" charset="-127"/>
                 <a:ea typeface="맑은 고딕" panose="020B0503020000020004" pitchFamily="50" charset="-127"/>
               </a:rPr>
-              <a:t>저스트</a:t>
-            </a:r>
-            <a:r>
-              <a:rPr lang="ko-KR" altLang="en-US" sz="800" strike="sngStrike" dirty="0">
-                <a:solidFill>
-                  <a:schemeClr val="tx1">
-                    <a:lumMod val="95000"/>
-                    <a:lumOff val="5000"/>
-                  </a:schemeClr>
-                </a:solidFill>
-                <a:effectLst>
-                  <a:outerShdw blurRad="38100" dist="38100" dir="2700000" algn="tl">
-                    <a:srgbClr val="000000">
-                      <a:alpha val="43137"/>
-                    </a:srgbClr>
-                  </a:outerShdw>
-                </a:effectLst>
-                <a:latin typeface="맑은 고딕" panose="020B0503020000020004" pitchFamily="50" charset="-127"/>
-                <a:ea typeface="맑은 고딕" panose="020B0503020000020004" pitchFamily="50" charset="-127"/>
-              </a:rPr>
-              <a:t> </a:t>
-            </a:r>
-            <a:r>
-              <a:rPr lang="ko-KR" altLang="en-US" sz="800" strike="sngStrike" dirty="0" err="1">
-                <a:solidFill>
-                  <a:schemeClr val="tx1">
-                    <a:lumMod val="95000"/>
-                    <a:lumOff val="5000"/>
-                  </a:schemeClr>
-                </a:solidFill>
-                <a:effectLst>
-                  <a:outerShdw blurRad="38100" dist="38100" dir="2700000" algn="tl">
-                    <a:srgbClr val="000000">
-                      <a:alpha val="43137"/>
-                    </a:srgbClr>
-                  </a:outerShdw>
-                </a:effectLst>
-                <a:latin typeface="맑은 고딕" panose="020B0503020000020004" pitchFamily="50" charset="-127"/>
-                <a:ea typeface="맑은 고딕" panose="020B0503020000020004" pitchFamily="50" charset="-127"/>
-              </a:rPr>
-              <a:t>두잇</a:t>
-            </a:r>
-            <a:endParaRPr lang="en-US" altLang="ko-KR" sz="800" strike="sngStrike" dirty="0">
+              <a:t>번개</a:t>
+            </a:r>
+            <a:endParaRPr lang="en-US" altLang="ko-KR" sz="1550" strike="sngStrike" dirty="0">
               <a:solidFill>
                 <a:schemeClr val="tx1">
                   <a:lumMod val="95000"/>
@@ -12029,7 +11888,7 @@
             </a:endParaRPr>
           </a:p>
           <a:p>
-            <a:pPr marL="1444752" lvl="2" indent="-457200">
+            <a:pPr marL="1901952" lvl="3" indent="-457200">
               <a:lnSpc>
                 <a:spcPct val="160000"/>
               </a:lnSpc>
@@ -12037,7 +11896,7 @@
               <a:buAutoNum type="alphaUcPeriod"/>
             </a:pPr>
             <a:r>
-              <a:rPr lang="ko-KR" altLang="en-US" sz="800" strike="sngStrike" dirty="0">
+              <a:rPr lang="ko-KR" altLang="en-US" sz="1550" strike="sngStrike" dirty="0">
                 <a:solidFill>
                   <a:schemeClr val="tx1">
                     <a:lumMod val="95000"/>
@@ -12054,9 +11913,9 @@
                 <a:latin typeface="맑은 고딕" panose="020B0503020000020004" pitchFamily="50" charset="-127"/>
                 <a:ea typeface="맑은 고딕" panose="020B0503020000020004" pitchFamily="50" charset="-127"/>
               </a:rPr>
-              <a:t>구급상자</a:t>
-            </a:r>
-            <a:endParaRPr lang="en-US" altLang="ko-KR" sz="800" strike="sngStrike" dirty="0">
+              <a:t>시계탑</a:t>
+            </a:r>
+            <a:endParaRPr lang="en-US" altLang="ko-KR" sz="1550" strike="sngStrike" dirty="0">
               <a:solidFill>
                 <a:schemeClr val="tx1">
                   <a:lumMod val="95000"/>
@@ -12075,7 +11934,7 @@
             </a:endParaRPr>
           </a:p>
           <a:p>
-            <a:pPr marL="1444752" lvl="2" indent="-457200">
+            <a:pPr marL="1901952" lvl="3" indent="-457200">
               <a:lnSpc>
                 <a:spcPct val="160000"/>
               </a:lnSpc>
@@ -12083,7 +11942,7 @@
               <a:buAutoNum type="alphaUcPeriod"/>
             </a:pPr>
             <a:r>
-              <a:rPr lang="ko-KR" altLang="en-US" sz="800" strike="sngStrike" dirty="0">
+              <a:rPr lang="ko-KR" altLang="en-US" sz="1550" strike="sngStrike" dirty="0">
                 <a:solidFill>
                   <a:schemeClr val="tx1">
                     <a:lumMod val="95000"/>
@@ -12100,535 +11959,9 @@
                 <a:latin typeface="맑은 고딕" panose="020B0503020000020004" pitchFamily="50" charset="-127"/>
                 <a:ea typeface="맑은 고딕" panose="020B0503020000020004" pitchFamily="50" charset="-127"/>
               </a:rPr>
-              <a:t>머플러</a:t>
-            </a:r>
-            <a:endParaRPr lang="en-US" altLang="ko-KR" sz="800" strike="sngStrike" dirty="0">
-              <a:solidFill>
-                <a:schemeClr val="tx1">
-                  <a:lumMod val="95000"/>
-                  <a:lumOff val="5000"/>
-                </a:schemeClr>
-              </a:solidFill>
-              <a:effectLst>
-                <a:outerShdw blurRad="38100" dist="38100" dir="2700000" algn="tl">
-                  <a:srgbClr val="000000">
-                    <a:alpha val="43137"/>
-                  </a:srgbClr>
-                </a:outerShdw>
-              </a:effectLst>
-              <a:latin typeface="맑은 고딕" panose="020B0503020000020004" pitchFamily="50" charset="-127"/>
-              <a:ea typeface="맑은 고딕" panose="020B0503020000020004" pitchFamily="50" charset="-127"/>
-            </a:endParaRPr>
-          </a:p>
-          <a:p>
-            <a:pPr marL="1444752" lvl="2" indent="-457200">
-              <a:lnSpc>
-                <a:spcPct val="160000"/>
-              </a:lnSpc>
-              <a:buFont typeface="+mj-lt"/>
-              <a:buAutoNum type="alphaUcPeriod"/>
-            </a:pPr>
-            <a:r>
-              <a:rPr lang="ko-KR" altLang="en-US" sz="800" strike="sngStrike" dirty="0">
-                <a:solidFill>
-                  <a:schemeClr val="tx1">
-                    <a:lumMod val="95000"/>
-                    <a:lumOff val="5000"/>
-                  </a:schemeClr>
-                </a:solidFill>
-                <a:effectLst>
-                  <a:outerShdw blurRad="38100" dist="38100" dir="2700000" algn="tl">
-                    <a:srgbClr val="000000">
-                      <a:alpha val="43137"/>
-                    </a:srgbClr>
-                  </a:outerShdw>
-                </a:effectLst>
-                <a:latin typeface="맑은 고딕" panose="020B0503020000020004" pitchFamily="50" charset="-127"/>
-                <a:ea typeface="맑은 고딕" panose="020B0503020000020004" pitchFamily="50" charset="-127"/>
-              </a:rPr>
-              <a:t>링크의 옷</a:t>
-            </a:r>
-            <a:endParaRPr lang="en-US" altLang="ko-KR" sz="800" strike="sngStrike" dirty="0">
-              <a:solidFill>
-                <a:schemeClr val="tx1">
-                  <a:lumMod val="95000"/>
-                  <a:lumOff val="5000"/>
-                </a:schemeClr>
-              </a:solidFill>
-              <a:effectLst>
-                <a:outerShdw blurRad="38100" dist="38100" dir="2700000" algn="tl">
-                  <a:srgbClr val="000000">
-                    <a:alpha val="43137"/>
-                  </a:srgbClr>
-                </a:outerShdw>
-              </a:effectLst>
-              <a:latin typeface="맑은 고딕" panose="020B0503020000020004" pitchFamily="50" charset="-127"/>
-              <a:ea typeface="맑은 고딕" panose="020B0503020000020004" pitchFamily="50" charset="-127"/>
-            </a:endParaRPr>
-          </a:p>
-          <a:p>
-            <a:pPr marL="1444752" lvl="2" indent="-457200">
-              <a:lnSpc>
-                <a:spcPct val="160000"/>
-              </a:lnSpc>
-              <a:buFont typeface="+mj-lt"/>
-              <a:buAutoNum type="alphaUcPeriod"/>
-            </a:pPr>
-            <a:r>
-              <a:rPr lang="ko-KR" altLang="en-US" sz="800" strike="sngStrike" dirty="0" err="1">
-                <a:solidFill>
-                  <a:schemeClr val="tx1">
-                    <a:lumMod val="95000"/>
-                    <a:lumOff val="5000"/>
-                  </a:schemeClr>
-                </a:solidFill>
-                <a:effectLst>
-                  <a:outerShdw blurRad="38100" dist="38100" dir="2700000" algn="tl">
-                    <a:srgbClr val="000000">
-                      <a:alpha val="43137"/>
-                    </a:srgbClr>
-                  </a:outerShdw>
-                </a:effectLst>
-                <a:latin typeface="맑은 고딕" panose="020B0503020000020004" pitchFamily="50" charset="-127"/>
-                <a:ea typeface="맑은 고딕" panose="020B0503020000020004" pitchFamily="50" charset="-127"/>
-              </a:rPr>
-              <a:t>삼선슬리퍼</a:t>
-            </a:r>
-            <a:endParaRPr lang="en-US" altLang="ko-KR" sz="800" strike="sngStrike" dirty="0">
-              <a:solidFill>
-                <a:schemeClr val="tx1">
-                  <a:lumMod val="95000"/>
-                  <a:lumOff val="5000"/>
-                </a:schemeClr>
-              </a:solidFill>
-              <a:effectLst>
-                <a:outerShdw blurRad="38100" dist="38100" dir="2700000" algn="tl">
-                  <a:srgbClr val="000000">
-                    <a:alpha val="43137"/>
-                  </a:srgbClr>
-                </a:outerShdw>
-              </a:effectLst>
-              <a:latin typeface="맑은 고딕" panose="020B0503020000020004" pitchFamily="50" charset="-127"/>
-              <a:ea typeface="맑은 고딕" panose="020B0503020000020004" pitchFamily="50" charset="-127"/>
-            </a:endParaRPr>
-          </a:p>
-          <a:p>
-            <a:pPr marL="1444752" lvl="2" indent="-457200">
-              <a:lnSpc>
-                <a:spcPct val="160000"/>
-              </a:lnSpc>
-              <a:buFont typeface="+mj-lt"/>
-              <a:buAutoNum type="alphaUcPeriod"/>
-            </a:pPr>
-            <a:r>
-              <a:rPr lang="ko-KR" altLang="en-US" sz="800" strike="sngStrike" dirty="0" err="1">
-                <a:solidFill>
-                  <a:schemeClr val="tx1">
-                    <a:lumMod val="95000"/>
-                    <a:lumOff val="5000"/>
-                  </a:schemeClr>
-                </a:solidFill>
-                <a:effectLst>
-                  <a:outerShdw blurRad="38100" dist="38100" dir="2700000" algn="tl">
-                    <a:srgbClr val="000000">
-                      <a:alpha val="43137"/>
-                    </a:srgbClr>
-                  </a:outerShdw>
-                </a:effectLst>
-                <a:latin typeface="맑은 고딕" panose="020B0503020000020004" pitchFamily="50" charset="-127"/>
-                <a:ea typeface="맑은 고딕" panose="020B0503020000020004" pitchFamily="50" charset="-127"/>
-              </a:rPr>
-              <a:t>크로스헤어</a:t>
-            </a:r>
-            <a:endParaRPr lang="en-US" altLang="ko-KR" sz="800" strike="sngStrike" dirty="0">
-              <a:solidFill>
-                <a:schemeClr val="tx1">
-                  <a:lumMod val="95000"/>
-                  <a:lumOff val="5000"/>
-                </a:schemeClr>
-              </a:solidFill>
-              <a:effectLst>
-                <a:outerShdw blurRad="38100" dist="38100" dir="2700000" algn="tl">
-                  <a:srgbClr val="000000">
-                    <a:alpha val="43137"/>
-                  </a:srgbClr>
-                </a:outerShdw>
-              </a:effectLst>
-              <a:latin typeface="맑은 고딕" panose="020B0503020000020004" pitchFamily="50" charset="-127"/>
-              <a:ea typeface="맑은 고딕" panose="020B0503020000020004" pitchFamily="50" charset="-127"/>
-            </a:endParaRPr>
-          </a:p>
-          <a:p>
-            <a:pPr marL="1444752" lvl="2" indent="-457200">
-              <a:lnSpc>
-                <a:spcPct val="160000"/>
-              </a:lnSpc>
-              <a:buFont typeface="+mj-lt"/>
-              <a:buAutoNum type="alphaUcPeriod"/>
-            </a:pPr>
-            <a:r>
-              <a:rPr lang="ko-KR" altLang="en-US" sz="800" strike="sngStrike" dirty="0" err="1">
-                <a:solidFill>
-                  <a:schemeClr val="tx1">
-                    <a:lumMod val="95000"/>
-                    <a:lumOff val="5000"/>
-                  </a:schemeClr>
-                </a:solidFill>
-                <a:effectLst>
-                  <a:outerShdw blurRad="38100" dist="38100" dir="2700000" algn="tl">
-                    <a:srgbClr val="000000">
-                      <a:alpha val="43137"/>
-                    </a:srgbClr>
-                  </a:outerShdw>
-                </a:effectLst>
-                <a:latin typeface="맑은 고딕" panose="020B0503020000020004" pitchFamily="50" charset="-127"/>
-                <a:ea typeface="맑은 고딕" panose="020B0503020000020004" pitchFamily="50" charset="-127"/>
-              </a:rPr>
-              <a:t>샤삭</a:t>
-            </a:r>
-            <a:endParaRPr lang="en-US" altLang="ko-KR" sz="800" strike="sngStrike" dirty="0">
-              <a:solidFill>
-                <a:schemeClr val="tx1">
-                  <a:lumMod val="95000"/>
-                  <a:lumOff val="5000"/>
-                </a:schemeClr>
-              </a:solidFill>
-              <a:effectLst>
-                <a:outerShdw blurRad="38100" dist="38100" dir="2700000" algn="tl">
-                  <a:srgbClr val="000000">
-                    <a:alpha val="43137"/>
-                  </a:srgbClr>
-                </a:outerShdw>
-              </a:effectLst>
-              <a:latin typeface="맑은 고딕" panose="020B0503020000020004" pitchFamily="50" charset="-127"/>
-              <a:ea typeface="맑은 고딕" panose="020B0503020000020004" pitchFamily="50" charset="-127"/>
-            </a:endParaRPr>
-          </a:p>
-          <a:p>
-            <a:pPr marL="1444752" lvl="2" indent="-457200">
-              <a:lnSpc>
-                <a:spcPct val="160000"/>
-              </a:lnSpc>
-              <a:buFont typeface="+mj-lt"/>
-              <a:buAutoNum type="alphaUcPeriod"/>
-            </a:pPr>
-            <a:r>
-              <a:rPr lang="ko-KR" altLang="en-US" sz="800" strike="sngStrike" dirty="0">
-                <a:solidFill>
-                  <a:schemeClr val="tx1">
-                    <a:lumMod val="95000"/>
-                    <a:lumOff val="5000"/>
-                  </a:schemeClr>
-                </a:solidFill>
-                <a:effectLst>
-                  <a:outerShdw blurRad="38100" dist="38100" dir="2700000" algn="tl">
-                    <a:srgbClr val="000000">
-                      <a:alpha val="43137"/>
-                    </a:srgbClr>
-                  </a:outerShdw>
-                </a:effectLst>
-                <a:latin typeface="맑은 고딕" panose="020B0503020000020004" pitchFamily="50" charset="-127"/>
-                <a:ea typeface="맑은 고딕" panose="020B0503020000020004" pitchFamily="50" charset="-127"/>
-              </a:rPr>
-              <a:t>모기 코스튬</a:t>
-            </a:r>
-            <a:endParaRPr lang="en-US" altLang="ko-KR" sz="800" strike="sngStrike" dirty="0">
-              <a:solidFill>
-                <a:schemeClr val="tx1">
-                  <a:lumMod val="95000"/>
-                  <a:lumOff val="5000"/>
-                </a:schemeClr>
-              </a:solidFill>
-              <a:effectLst>
-                <a:outerShdw blurRad="38100" dist="38100" dir="2700000" algn="tl">
-                  <a:srgbClr val="000000">
-                    <a:alpha val="43137"/>
-                  </a:srgbClr>
-                </a:outerShdw>
-              </a:effectLst>
-              <a:latin typeface="맑은 고딕" panose="020B0503020000020004" pitchFamily="50" charset="-127"/>
-              <a:ea typeface="맑은 고딕" panose="020B0503020000020004" pitchFamily="50" charset="-127"/>
-            </a:endParaRPr>
-          </a:p>
-          <a:p>
-            <a:pPr marL="1444752" lvl="2" indent="-457200">
-              <a:lnSpc>
-                <a:spcPct val="160000"/>
-              </a:lnSpc>
-              <a:buFont typeface="+mj-lt"/>
-              <a:buAutoNum type="alphaUcPeriod"/>
-            </a:pPr>
-            <a:r>
-              <a:rPr lang="ko-KR" altLang="en-US" sz="800" strike="sngStrike" dirty="0">
-                <a:solidFill>
-                  <a:schemeClr val="tx1">
-                    <a:lumMod val="95000"/>
-                    <a:lumOff val="5000"/>
-                  </a:schemeClr>
-                </a:solidFill>
-                <a:effectLst>
-                  <a:outerShdw blurRad="38100" dist="38100" dir="2700000" algn="tl">
-                    <a:srgbClr val="000000">
-                      <a:alpha val="43137"/>
-                    </a:srgbClr>
-                  </a:outerShdw>
-                </a:effectLst>
-                <a:latin typeface="맑은 고딕" panose="020B0503020000020004" pitchFamily="50" charset="-127"/>
-                <a:ea typeface="맑은 고딕" panose="020B0503020000020004" pitchFamily="50" charset="-127"/>
-              </a:rPr>
-              <a:t>스프링</a:t>
-            </a:r>
-            <a:endParaRPr lang="en-US" altLang="ko-KR" sz="800" strike="sngStrike" dirty="0">
-              <a:solidFill>
-                <a:schemeClr val="tx1">
-                  <a:lumMod val="95000"/>
-                  <a:lumOff val="5000"/>
-                </a:schemeClr>
-              </a:solidFill>
-              <a:effectLst>
-                <a:outerShdw blurRad="38100" dist="38100" dir="2700000" algn="tl">
-                  <a:srgbClr val="000000">
-                    <a:alpha val="43137"/>
-                  </a:srgbClr>
-                </a:outerShdw>
-              </a:effectLst>
-              <a:latin typeface="맑은 고딕" panose="020B0503020000020004" pitchFamily="50" charset="-127"/>
-              <a:ea typeface="맑은 고딕" panose="020B0503020000020004" pitchFamily="50" charset="-127"/>
-            </a:endParaRPr>
-          </a:p>
-          <a:p>
-            <a:pPr marL="1444752" lvl="2" indent="-457200">
-              <a:lnSpc>
-                <a:spcPct val="160000"/>
-              </a:lnSpc>
-              <a:buFont typeface="+mj-lt"/>
-              <a:buAutoNum type="alphaUcPeriod"/>
-            </a:pPr>
-            <a:r>
-              <a:rPr lang="ko-KR" altLang="en-US" sz="800" strike="sngStrike" dirty="0" err="1">
-                <a:solidFill>
-                  <a:schemeClr val="tx1">
-                    <a:lumMod val="95000"/>
-                    <a:lumOff val="5000"/>
-                  </a:schemeClr>
-                </a:solidFill>
-                <a:effectLst>
-                  <a:outerShdw blurRad="38100" dist="38100" dir="2700000" algn="tl">
-                    <a:srgbClr val="000000">
-                      <a:alpha val="43137"/>
-                    </a:srgbClr>
-                  </a:outerShdw>
-                </a:effectLst>
-                <a:latin typeface="맑은 고딕" panose="020B0503020000020004" pitchFamily="50" charset="-127"/>
-                <a:ea typeface="맑은 고딕" panose="020B0503020000020004" pitchFamily="50" charset="-127"/>
-              </a:rPr>
-              <a:t>수혈팩</a:t>
-            </a:r>
-            <a:endParaRPr lang="en-US" altLang="ko-KR" sz="800" strike="sngStrike" dirty="0">
-              <a:solidFill>
-                <a:schemeClr val="tx1">
-                  <a:lumMod val="95000"/>
-                  <a:lumOff val="5000"/>
-                </a:schemeClr>
-              </a:solidFill>
-              <a:effectLst>
-                <a:outerShdw blurRad="38100" dist="38100" dir="2700000" algn="tl">
-                  <a:srgbClr val="000000">
-                    <a:alpha val="43137"/>
-                  </a:srgbClr>
-                </a:outerShdw>
-              </a:effectLst>
-              <a:latin typeface="맑은 고딕" panose="020B0503020000020004" pitchFamily="50" charset="-127"/>
-              <a:ea typeface="맑은 고딕" panose="020B0503020000020004" pitchFamily="50" charset="-127"/>
-            </a:endParaRPr>
-          </a:p>
-          <a:p>
-            <a:pPr marL="1444752" lvl="2" indent="-457200">
-              <a:lnSpc>
-                <a:spcPct val="160000"/>
-              </a:lnSpc>
-              <a:buFont typeface="+mj-lt"/>
-              <a:buAutoNum type="alphaUcPeriod"/>
-            </a:pPr>
-            <a:r>
-              <a:rPr lang="ko-KR" altLang="en-US" sz="800" strike="sngStrike" dirty="0" err="1">
-                <a:solidFill>
-                  <a:schemeClr val="tx1">
-                    <a:lumMod val="95000"/>
-                    <a:lumOff val="5000"/>
-                  </a:schemeClr>
-                </a:solidFill>
-                <a:effectLst>
-                  <a:outerShdw blurRad="38100" dist="38100" dir="2700000" algn="tl">
-                    <a:srgbClr val="000000">
-                      <a:alpha val="43137"/>
-                    </a:srgbClr>
-                  </a:outerShdw>
-                </a:effectLst>
-                <a:latin typeface="맑은 고딕" panose="020B0503020000020004" pitchFamily="50" charset="-127"/>
-                <a:ea typeface="맑은 고딕" panose="020B0503020000020004" pitchFamily="50" charset="-127"/>
-              </a:rPr>
-              <a:t>뿔테</a:t>
-            </a:r>
-            <a:r>
-              <a:rPr lang="ko-KR" altLang="en-US" sz="800" strike="sngStrike" dirty="0">
-                <a:solidFill>
-                  <a:schemeClr val="tx1">
-                    <a:lumMod val="95000"/>
-                    <a:lumOff val="5000"/>
-                  </a:schemeClr>
-                </a:solidFill>
-                <a:effectLst>
-                  <a:outerShdw blurRad="38100" dist="38100" dir="2700000" algn="tl">
-                    <a:srgbClr val="000000">
-                      <a:alpha val="43137"/>
-                    </a:srgbClr>
-                  </a:outerShdw>
-                </a:effectLst>
-                <a:latin typeface="맑은 고딕" panose="020B0503020000020004" pitchFamily="50" charset="-127"/>
-                <a:ea typeface="맑은 고딕" panose="020B0503020000020004" pitchFamily="50" charset="-127"/>
-              </a:rPr>
-              <a:t> 안경</a:t>
-            </a:r>
-            <a:endParaRPr lang="en-US" altLang="ko-KR" sz="800" strike="sngStrike" dirty="0">
-              <a:solidFill>
-                <a:schemeClr val="tx1">
-                  <a:lumMod val="95000"/>
-                  <a:lumOff val="5000"/>
-                </a:schemeClr>
-              </a:solidFill>
-              <a:effectLst>
-                <a:outerShdw blurRad="38100" dist="38100" dir="2700000" algn="tl">
-                  <a:srgbClr val="000000">
-                    <a:alpha val="43137"/>
-                  </a:srgbClr>
-                </a:outerShdw>
-              </a:effectLst>
-              <a:latin typeface="맑은 고딕" panose="020B0503020000020004" pitchFamily="50" charset="-127"/>
-              <a:ea typeface="맑은 고딕" panose="020B0503020000020004" pitchFamily="50" charset="-127"/>
-            </a:endParaRPr>
-          </a:p>
-          <a:p>
-            <a:pPr marL="1444752" lvl="2" indent="-457200">
-              <a:lnSpc>
-                <a:spcPct val="160000"/>
-              </a:lnSpc>
-              <a:buFont typeface="+mj-lt"/>
-              <a:buAutoNum type="alphaUcPeriod"/>
-            </a:pPr>
-            <a:r>
-              <a:rPr lang="ko-KR" altLang="en-US" sz="800" strike="sngStrike" dirty="0" err="1">
-                <a:solidFill>
-                  <a:schemeClr val="tx1">
-                    <a:lumMod val="95000"/>
-                    <a:lumOff val="5000"/>
-                  </a:schemeClr>
-                </a:solidFill>
-                <a:effectLst>
-                  <a:outerShdw blurRad="38100" dist="38100" dir="2700000" algn="tl">
-                    <a:srgbClr val="000000">
-                      <a:alpha val="43137"/>
-                    </a:srgbClr>
-                  </a:outerShdw>
-                </a:effectLst>
-                <a:latin typeface="맑은 고딕" panose="020B0503020000020004" pitchFamily="50" charset="-127"/>
-                <a:ea typeface="맑은 고딕" panose="020B0503020000020004" pitchFamily="50" charset="-127"/>
-              </a:rPr>
-              <a:t>썬그라스</a:t>
-            </a:r>
-            <a:endParaRPr lang="en-US" altLang="ko-KR" sz="800" strike="sngStrike" dirty="0">
-              <a:solidFill>
-                <a:schemeClr val="tx1">
-                  <a:lumMod val="95000"/>
-                  <a:lumOff val="5000"/>
-                </a:schemeClr>
-              </a:solidFill>
-              <a:effectLst>
-                <a:outerShdw blurRad="38100" dist="38100" dir="2700000" algn="tl">
-                  <a:srgbClr val="000000">
-                    <a:alpha val="43137"/>
-                  </a:srgbClr>
-                </a:outerShdw>
-              </a:effectLst>
-              <a:latin typeface="맑은 고딕" panose="020B0503020000020004" pitchFamily="50" charset="-127"/>
-              <a:ea typeface="맑은 고딕" panose="020B0503020000020004" pitchFamily="50" charset="-127"/>
-            </a:endParaRPr>
-          </a:p>
-          <a:p>
-            <a:pPr marL="1444752" lvl="2" indent="-457200">
-              <a:lnSpc>
-                <a:spcPct val="160000"/>
-              </a:lnSpc>
-              <a:buFont typeface="+mj-lt"/>
-              <a:buAutoNum type="alphaUcPeriod"/>
-            </a:pPr>
-            <a:r>
-              <a:rPr lang="ko-KR" altLang="en-US" sz="800" strike="sngStrike" dirty="0">
-                <a:solidFill>
-                  <a:schemeClr val="tx1">
-                    <a:lumMod val="95000"/>
-                    <a:lumOff val="5000"/>
-                  </a:schemeClr>
-                </a:solidFill>
-                <a:effectLst>
-                  <a:outerShdw blurRad="38100" dist="38100" dir="2700000" algn="tl">
-                    <a:srgbClr val="000000">
-                      <a:alpha val="43137"/>
-                    </a:srgbClr>
-                  </a:outerShdw>
-                </a:effectLst>
-                <a:latin typeface="맑은 고딕" panose="020B0503020000020004" pitchFamily="50" charset="-127"/>
-                <a:ea typeface="맑은 고딕" panose="020B0503020000020004" pitchFamily="50" charset="-127"/>
-              </a:rPr>
-              <a:t>장난감 태엽</a:t>
-            </a:r>
-            <a:endParaRPr lang="en-US" altLang="ko-KR" sz="800" strike="sngStrike" dirty="0">
-              <a:solidFill>
-                <a:schemeClr val="tx1">
-                  <a:lumMod val="95000"/>
-                  <a:lumOff val="5000"/>
-                </a:schemeClr>
-              </a:solidFill>
-              <a:effectLst>
-                <a:outerShdw blurRad="38100" dist="38100" dir="2700000" algn="tl">
-                  <a:srgbClr val="000000">
-                    <a:alpha val="43137"/>
-                  </a:srgbClr>
-                </a:outerShdw>
-              </a:effectLst>
-              <a:latin typeface="맑은 고딕" panose="020B0503020000020004" pitchFamily="50" charset="-127"/>
-              <a:ea typeface="맑은 고딕" panose="020B0503020000020004" pitchFamily="50" charset="-127"/>
-            </a:endParaRPr>
-          </a:p>
-          <a:p>
-            <a:pPr marL="1444752" lvl="2" indent="-457200">
-              <a:lnSpc>
-                <a:spcPct val="160000"/>
-              </a:lnSpc>
-              <a:buFont typeface="+mj-lt"/>
-              <a:buAutoNum type="alphaUcPeriod"/>
-            </a:pPr>
-            <a:r>
-              <a:rPr lang="ko-KR" altLang="en-US" sz="800" strike="sngStrike" dirty="0">
-                <a:solidFill>
-                  <a:schemeClr val="tx1">
-                    <a:lumMod val="95000"/>
-                    <a:lumOff val="5000"/>
-                  </a:schemeClr>
-                </a:solidFill>
-                <a:effectLst>
-                  <a:outerShdw blurRad="38100" dist="38100" dir="2700000" algn="tl">
-                    <a:srgbClr val="000000">
-                      <a:alpha val="43137"/>
-                    </a:srgbClr>
-                  </a:outerShdw>
-                </a:effectLst>
-                <a:latin typeface="맑은 고딕" panose="020B0503020000020004" pitchFamily="50" charset="-127"/>
-                <a:ea typeface="맑은 고딕" panose="020B0503020000020004" pitchFamily="50" charset="-127"/>
-              </a:rPr>
-              <a:t>소프트콘</a:t>
-            </a:r>
-            <a:endParaRPr lang="en-US" altLang="ko-KR" sz="800" strike="sngStrike" dirty="0">
+              <a:t>롤리팝</a:t>
+            </a:r>
+            <a:endParaRPr lang="en-US" altLang="ko-KR" sz="1550" strike="sngStrike" dirty="0">
               <a:solidFill>
                 <a:schemeClr val="tx1">
                   <a:lumMod val="95000"/>
@@ -12685,7 +12018,7 @@
     </p:spTree>
     <p:extLst>
       <p:ext uri="{BB962C8B-B14F-4D97-AF65-F5344CB8AC3E}">
-        <p14:creationId xmlns:p14="http://schemas.microsoft.com/office/powerpoint/2010/main" val="3898484190"/>
+        <p14:creationId xmlns:p14="http://schemas.microsoft.com/office/powerpoint/2010/main" val="391164095"/>
       </p:ext>
     </p:extLst>
   </p:cSld>
@@ -12800,13 +12133,13 @@
         </p:nvSpPr>
         <p:spPr>
           <a:xfrm>
-            <a:off x="1028700" y="1828626"/>
-            <a:ext cx="7200900" cy="4377774"/>
+            <a:off x="1028700" y="1232625"/>
+            <a:ext cx="7200900" cy="4973775"/>
           </a:xfrm>
         </p:spPr>
         <p:txBody>
           <a:bodyPr>
-            <a:normAutofit fontScale="92500" lnSpcReduction="20000"/>
+            <a:normAutofit fontScale="92500"/>
           </a:bodyPr>
           <a:lstStyle/>
           <a:p>
@@ -12818,7 +12151,7 @@
               <a:buAutoNum type="alphaUcPeriod"/>
             </a:pPr>
             <a:r>
-              <a:rPr lang="ko-KR" altLang="en-US" sz="1950" i="0" dirty="0">
+              <a:rPr lang="ko-KR" altLang="en-US" sz="900" dirty="0">
                 <a:solidFill>
                   <a:schemeClr val="tx1">
                     <a:lumMod val="95000"/>
@@ -12835,9 +12168,9 @@
                 <a:latin typeface="맑은 고딕" panose="020B0503020000020004" pitchFamily="50" charset="-127"/>
                 <a:ea typeface="맑은 고딕" panose="020B0503020000020004" pitchFamily="50" charset="-127"/>
               </a:rPr>
-              <a:t>이펙트</a:t>
-            </a:r>
-            <a:endParaRPr lang="en-US" altLang="ko-KR" sz="1950" i="0" dirty="0">
+              <a:t>모델링</a:t>
+            </a:r>
+            <a:endParaRPr lang="en-US" altLang="ko-KR" sz="900" dirty="0">
               <a:solidFill>
                 <a:schemeClr val="tx1">
                   <a:lumMod val="95000"/>
@@ -12864,7 +12197,7 @@
               <a:buAutoNum type="alphaUcPeriod"/>
             </a:pPr>
             <a:r>
-              <a:rPr lang="ko-KR" altLang="en-US" sz="1750" dirty="0">
+              <a:rPr lang="ko-KR" altLang="en-US" sz="900" dirty="0">
                 <a:solidFill>
                   <a:schemeClr val="tx1">
                     <a:lumMod val="95000"/>
@@ -12881,9 +12214,9 @@
                 <a:latin typeface="맑은 고딕" panose="020B0503020000020004" pitchFamily="50" charset="-127"/>
                 <a:ea typeface="맑은 고딕" panose="020B0503020000020004" pitchFamily="50" charset="-127"/>
               </a:rPr>
-              <a:t>빌보드 이펙트</a:t>
-            </a:r>
-            <a:endParaRPr lang="en-US" altLang="ko-KR" sz="1750" dirty="0">
+              <a:t>방어구</a:t>
+            </a:r>
+            <a:endParaRPr lang="en-US" altLang="ko-KR" sz="900" dirty="0">
               <a:solidFill>
                 <a:schemeClr val="tx1">
                   <a:lumMod val="95000"/>
@@ -12910,7 +12243,7 @@
               <a:buAutoNum type="alphaUcPeriod"/>
             </a:pPr>
             <a:r>
-              <a:rPr lang="ko-KR" altLang="en-US" sz="1550" strike="sngStrike" dirty="0">
+              <a:rPr lang="en-US" altLang="ko-KR" sz="800" strike="sngStrike" dirty="0">
                 <a:solidFill>
                   <a:schemeClr val="tx1">
                     <a:lumMod val="95000"/>
@@ -12927,10 +12260,59 @@
                 <a:latin typeface="맑은 고딕" panose="020B0503020000020004" pitchFamily="50" charset="-127"/>
                 <a:ea typeface="맑은 고딕" panose="020B0503020000020004" pitchFamily="50" charset="-127"/>
               </a:rPr>
-              <a:t>숫자 빌보드 </a:t>
-            </a:r>
-            <a:r>
-              <a:rPr lang="en-US" altLang="ko-KR" sz="1550" strike="sngStrike" dirty="0">
+              <a:t>Basic Armor</a:t>
+            </a:r>
+          </a:p>
+          <a:p>
+            <a:pPr marL="1444752" lvl="2" indent="-457200">
+              <a:lnSpc>
+                <a:spcPct val="160000"/>
+              </a:lnSpc>
+              <a:buFont typeface="+mj-lt"/>
+              <a:buAutoNum type="alphaUcPeriod"/>
+            </a:pPr>
+            <a:r>
+              <a:rPr lang="ko-KR" altLang="en-US" sz="800" strike="sngStrike" dirty="0" err="1">
+                <a:solidFill>
+                  <a:schemeClr val="tx1">
+                    <a:lumMod val="95000"/>
+                    <a:lumOff val="5000"/>
+                  </a:schemeClr>
+                </a:solidFill>
+                <a:effectLst>
+                  <a:outerShdw blurRad="38100" dist="38100" dir="2700000" algn="tl">
+                    <a:srgbClr val="000000">
+                      <a:alpha val="43137"/>
+                    </a:srgbClr>
+                  </a:outerShdw>
+                </a:effectLst>
+                <a:latin typeface="맑은 고딕" panose="020B0503020000020004" pitchFamily="50" charset="-127"/>
+                <a:ea typeface="맑은 고딕" panose="020B0503020000020004" pitchFamily="50" charset="-127"/>
+              </a:rPr>
+              <a:t>철견갑</a:t>
+            </a:r>
+            <a:r>
+              <a:rPr lang="ko-KR" altLang="en-US" sz="800" strike="sngStrike" dirty="0">
+                <a:solidFill>
+                  <a:schemeClr val="tx1">
+                    <a:lumMod val="95000"/>
+                    <a:lumOff val="5000"/>
+                  </a:schemeClr>
+                </a:solidFill>
+                <a:effectLst>
+                  <a:outerShdw blurRad="38100" dist="38100" dir="2700000" algn="tl">
+                    <a:srgbClr val="000000">
+                      <a:alpha val="43137"/>
+                    </a:srgbClr>
+                  </a:outerShdw>
+                </a:effectLst>
+                <a:latin typeface="맑은 고딕" panose="020B0503020000020004" pitchFamily="50" charset="-127"/>
+                <a:ea typeface="맑은 고딕" panose="020B0503020000020004" pitchFamily="50" charset="-127"/>
+              </a:rPr>
+              <a:t> </a:t>
+            </a:r>
+            <a:r>
+              <a:rPr lang="en-US" altLang="ko-KR" sz="800" strike="sngStrike" dirty="0">
                 <a:solidFill>
                   <a:schemeClr val="tx1">
                     <a:lumMod val="95000"/>
@@ -12950,7 +12332,7 @@
               <a:t>(</a:t>
             </a:r>
             <a:r>
-              <a:rPr lang="ko-KR" altLang="en-US" sz="1550" strike="sngStrike" dirty="0">
+              <a:rPr lang="ko-KR" altLang="en-US" sz="800" strike="sngStrike" dirty="0">
                 <a:solidFill>
                   <a:schemeClr val="tx1">
                     <a:lumMod val="95000"/>
@@ -12967,10 +12349,10 @@
                 <a:latin typeface="맑은 고딕" panose="020B0503020000020004" pitchFamily="50" charset="-127"/>
                 <a:ea typeface="맑은 고딕" panose="020B0503020000020004" pitchFamily="50" charset="-127"/>
               </a:rPr>
-              <a:t>데미지</a:t>
-            </a:r>
-            <a:r>
-              <a:rPr lang="en-US" altLang="ko-KR" sz="1550" strike="sngStrike" dirty="0">
+              <a:t>모델링</a:t>
+            </a:r>
+            <a:r>
+              <a:rPr lang="en-US" altLang="ko-KR" sz="800" strike="sngStrike" dirty="0">
                 <a:solidFill>
                   <a:schemeClr val="tx1">
                     <a:lumMod val="95000"/>
@@ -12987,10 +12369,10 @@
                 <a:latin typeface="맑은 고딕" panose="020B0503020000020004" pitchFamily="50" charset="-127"/>
                 <a:ea typeface="맑은 고딕" panose="020B0503020000020004" pitchFamily="50" charset="-127"/>
               </a:rPr>
-              <a:t>, KDA, </a:t>
-            </a:r>
-            <a:r>
-              <a:rPr lang="ko-KR" altLang="en-US" sz="1550" strike="sngStrike" dirty="0">
+              <a:t>, </a:t>
+            </a:r>
+            <a:r>
+              <a:rPr lang="ko-KR" altLang="en-US" sz="800" dirty="0">
                 <a:solidFill>
                   <a:schemeClr val="tx1">
                     <a:lumMod val="95000"/>
@@ -13007,10 +12389,10 @@
                 <a:latin typeface="맑은 고딕" panose="020B0503020000020004" pitchFamily="50" charset="-127"/>
                 <a:ea typeface="맑은 고딕" panose="020B0503020000020004" pitchFamily="50" charset="-127"/>
               </a:rPr>
-              <a:t>시간</a:t>
-            </a:r>
-            <a:r>
-              <a:rPr lang="en-US" altLang="ko-KR" sz="1550" strike="sngStrike" dirty="0">
+              <a:t>텍스처</a:t>
+            </a:r>
+            <a:r>
+              <a:rPr lang="en-US" altLang="ko-KR" sz="800" strike="sngStrike" dirty="0">
                 <a:solidFill>
                   <a:schemeClr val="tx1">
                     <a:lumMod val="95000"/>
@@ -13039,7 +12421,7 @@
               <a:buAutoNum type="alphaUcPeriod"/>
             </a:pPr>
             <a:r>
-              <a:rPr lang="ko-KR" altLang="en-US" sz="1550" strike="sngStrike" dirty="0">
+              <a:rPr lang="ko-KR" altLang="en-US" sz="800" strike="sngStrike" dirty="0">
                 <a:solidFill>
                   <a:schemeClr val="tx1">
                     <a:lumMod val="95000"/>
@@ -13056,98 +12438,9 @@
                 <a:latin typeface="맑은 고딕" panose="020B0503020000020004" pitchFamily="50" charset="-127"/>
                 <a:ea typeface="맑은 고딕" panose="020B0503020000020004" pitchFamily="50" charset="-127"/>
               </a:rPr>
-              <a:t>폭발 빌보드 </a:t>
-            </a:r>
-            <a:r>
-              <a:rPr lang="en-US" altLang="ko-KR" sz="1550" strike="sngStrike" dirty="0">
-                <a:solidFill>
-                  <a:schemeClr val="tx1">
-                    <a:lumMod val="95000"/>
-                    <a:lumOff val="5000"/>
-                  </a:schemeClr>
-                </a:solidFill>
-                <a:effectLst>
-                  <a:outerShdw blurRad="38100" dist="38100" dir="2700000" algn="tl">
-                    <a:srgbClr val="000000">
-                      <a:alpha val="43137"/>
-                    </a:srgbClr>
-                  </a:outerShdw>
-                </a:effectLst>
-                <a:latin typeface="맑은 고딕" panose="020B0503020000020004" pitchFamily="50" charset="-127"/>
-                <a:ea typeface="맑은 고딕" panose="020B0503020000020004" pitchFamily="50" charset="-127"/>
-              </a:rPr>
-              <a:t>(</a:t>
-            </a:r>
-            <a:r>
-              <a:rPr lang="ko-KR" altLang="en-US" sz="1550" strike="sngStrike" dirty="0">
-                <a:solidFill>
-                  <a:schemeClr val="tx1">
-                    <a:lumMod val="95000"/>
-                    <a:lumOff val="5000"/>
-                  </a:schemeClr>
-                </a:solidFill>
-                <a:effectLst>
-                  <a:outerShdw blurRad="38100" dist="38100" dir="2700000" algn="tl">
-                    <a:srgbClr val="000000">
-                      <a:alpha val="43137"/>
-                    </a:srgbClr>
-                  </a:outerShdw>
-                </a:effectLst>
-                <a:latin typeface="맑은 고딕" panose="020B0503020000020004" pitchFamily="50" charset="-127"/>
-                <a:ea typeface="맑은 고딕" panose="020B0503020000020004" pitchFamily="50" charset="-127"/>
-              </a:rPr>
-              <a:t>건물 파괴 용도</a:t>
-            </a:r>
-            <a:r>
-              <a:rPr lang="en-US" altLang="ko-KR" sz="1550" strike="sngStrike" dirty="0">
-                <a:solidFill>
-                  <a:schemeClr val="tx1">
-                    <a:lumMod val="95000"/>
-                    <a:lumOff val="5000"/>
-                  </a:schemeClr>
-                </a:solidFill>
-                <a:effectLst>
-                  <a:outerShdw blurRad="38100" dist="38100" dir="2700000" algn="tl">
-                    <a:srgbClr val="000000">
-                      <a:alpha val="43137"/>
-                    </a:srgbClr>
-                  </a:outerShdw>
-                </a:effectLst>
-                <a:latin typeface="맑은 고딕" panose="020B0503020000020004" pitchFamily="50" charset="-127"/>
-                <a:ea typeface="맑은 고딕" panose="020B0503020000020004" pitchFamily="50" charset="-127"/>
-              </a:rPr>
-              <a:t>)</a:t>
-            </a:r>
-          </a:p>
-          <a:p>
-            <a:pPr marL="1444752" lvl="2" indent="-457200">
-              <a:lnSpc>
-                <a:spcPct val="160000"/>
-              </a:lnSpc>
-              <a:buFont typeface="+mj-lt"/>
-              <a:buAutoNum type="alphaUcPeriod"/>
-            </a:pPr>
-            <a:r>
-              <a:rPr lang="ko-KR" altLang="en-US" sz="1550" strike="sngStrike" dirty="0">
-                <a:solidFill>
-                  <a:schemeClr val="tx1">
-                    <a:lumMod val="95000"/>
-                    <a:lumOff val="5000"/>
-                  </a:schemeClr>
-                </a:solidFill>
-                <a:effectLst>
-                  <a:outerShdw blurRad="38100" dist="38100" dir="2700000" algn="tl">
-                    <a:srgbClr val="000000">
-                      <a:alpha val="43137"/>
-                    </a:srgbClr>
-                  </a:outerShdw>
-                </a:effectLst>
-                <a:latin typeface="맑은 고딕" panose="020B0503020000020004" pitchFamily="50" charset="-127"/>
-                <a:ea typeface="맑은 고딕" panose="020B0503020000020004" pitchFamily="50" charset="-127"/>
-              </a:rPr>
-              <a:t>플레이어 스킬 이펙트</a:t>
-            </a:r>
-            <a:endParaRPr lang="en-US" altLang="ko-KR" sz="1550" strike="sngStrike" dirty="0">
+              <a:t>방탄조끼</a:t>
+            </a:r>
+            <a:endParaRPr lang="en-US" altLang="ko-KR" sz="800" strike="sngStrike" dirty="0">
               <a:solidFill>
                 <a:schemeClr val="tx1">
                   <a:lumMod val="95000"/>
@@ -13174,7 +12467,7 @@
               <a:buAutoNum type="alphaUcPeriod"/>
             </a:pPr>
             <a:r>
-              <a:rPr lang="ko-KR" altLang="en-US" sz="1550" strike="sngStrike" dirty="0" err="1">
+              <a:rPr lang="ko-KR" altLang="en-US" sz="800" strike="sngStrike" dirty="0" err="1">
                 <a:solidFill>
                   <a:schemeClr val="tx1">
                     <a:lumMod val="95000"/>
@@ -13191,10 +12484,10 @@
                 <a:latin typeface="맑은 고딕" panose="020B0503020000020004" pitchFamily="50" charset="-127"/>
                 <a:ea typeface="맑은 고딕" panose="020B0503020000020004" pitchFamily="50" charset="-127"/>
               </a:rPr>
-              <a:t>미니언</a:t>
-            </a:r>
-            <a:r>
-              <a:rPr lang="ko-KR" altLang="en-US" sz="1550" strike="sngStrike" dirty="0">
+              <a:t>저스트</a:t>
+            </a:r>
+            <a:r>
+              <a:rPr lang="ko-KR" altLang="en-US" sz="800" strike="sngStrike" dirty="0">
                 <a:solidFill>
                   <a:schemeClr val="tx1">
                     <a:lumMod val="95000"/>
@@ -13211,9 +12504,29 @@
                 <a:latin typeface="맑은 고딕" panose="020B0503020000020004" pitchFamily="50" charset="-127"/>
                 <a:ea typeface="맑은 고딕" panose="020B0503020000020004" pitchFamily="50" charset="-127"/>
               </a:rPr>
-              <a:t> 공격 이펙트</a:t>
-            </a:r>
-            <a:endParaRPr lang="en-US" altLang="ko-KR" sz="1550" strike="sngStrike" dirty="0">
+              <a:t> </a:t>
+            </a:r>
+            <a:r>
+              <a:rPr lang="ko-KR" altLang="en-US" sz="800" strike="sngStrike" dirty="0" err="1">
+                <a:solidFill>
+                  <a:schemeClr val="tx1">
+                    <a:lumMod val="95000"/>
+                    <a:lumOff val="5000"/>
+                  </a:schemeClr>
+                </a:solidFill>
+                <a:effectLst>
+                  <a:outerShdw blurRad="38100" dist="38100" dir="2700000" algn="tl">
+                    <a:srgbClr val="000000">
+                      <a:alpha val="43137"/>
+                    </a:srgbClr>
+                  </a:outerShdw>
+                </a:effectLst>
+                <a:latin typeface="맑은 고딕" panose="020B0503020000020004" pitchFamily="50" charset="-127"/>
+                <a:ea typeface="맑은 고딕" panose="020B0503020000020004" pitchFamily="50" charset="-127"/>
+              </a:rPr>
+              <a:t>두잇</a:t>
+            </a:r>
+            <a:endParaRPr lang="en-US" altLang="ko-KR" sz="800" strike="sngStrike" dirty="0">
               <a:solidFill>
                 <a:schemeClr val="tx1">
                   <a:lumMod val="95000"/>
@@ -13240,7 +12553,7 @@
               <a:buAutoNum type="alphaUcPeriod"/>
             </a:pPr>
             <a:r>
-              <a:rPr lang="ko-KR" altLang="en-US" sz="1550" strike="sngStrike" dirty="0">
+              <a:rPr lang="ko-KR" altLang="en-US" sz="800" strike="sngStrike" dirty="0">
                 <a:solidFill>
                   <a:schemeClr val="tx1">
                     <a:lumMod val="95000"/>
@@ -13257,101 +12570,9 @@
                 <a:latin typeface="맑은 고딕" panose="020B0503020000020004" pitchFamily="50" charset="-127"/>
                 <a:ea typeface="맑은 고딕" panose="020B0503020000020004" pitchFamily="50" charset="-127"/>
               </a:rPr>
-              <a:t>날아가는 오브젝트 이펙트</a:t>
-            </a:r>
-            <a:endParaRPr lang="en-US" altLang="ko-KR" sz="1550" strike="sngStrike" dirty="0">
-              <a:solidFill>
-                <a:schemeClr val="tx1">
-                  <a:lumMod val="95000"/>
-                  <a:lumOff val="5000"/>
-                </a:schemeClr>
-              </a:solidFill>
-              <a:effectLst>
-                <a:outerShdw blurRad="38100" dist="38100" dir="2700000" algn="tl">
-                  <a:srgbClr val="000000">
-                    <a:alpha val="43137"/>
-                  </a:srgbClr>
-                </a:outerShdw>
-              </a:effectLst>
-              <a:latin typeface="맑은 고딕" panose="020B0503020000020004" pitchFamily="50" charset="-127"/>
-              <a:ea typeface="맑은 고딕" panose="020B0503020000020004" pitchFamily="50" charset="-127"/>
-            </a:endParaRPr>
-          </a:p>
-          <a:p>
-            <a:pPr marL="457200" indent="-457200">
-              <a:lnSpc>
-                <a:spcPct val="160000"/>
-              </a:lnSpc>
-              <a:buFont typeface="+mj-lt"/>
-              <a:buAutoNum type="alphaUcPeriod"/>
-            </a:pPr>
-            <a:r>
-              <a:rPr lang="ko-KR" altLang="en-US" sz="1750" dirty="0">
-                <a:solidFill>
-                  <a:schemeClr val="tx1">
-                    <a:lumMod val="95000"/>
-                    <a:lumOff val="5000"/>
-                  </a:schemeClr>
-                </a:solidFill>
-                <a:effectLst>
-                  <a:outerShdw blurRad="38100" dist="38100" dir="2700000" algn="tl">
-                    <a:srgbClr val="000000">
-                      <a:alpha val="43137"/>
-                    </a:srgbClr>
-                  </a:outerShdw>
-                </a:effectLst>
-                <a:latin typeface="맑은 고딕" panose="020B0503020000020004" pitchFamily="50" charset="-127"/>
-                <a:ea typeface="맑은 고딕" panose="020B0503020000020004" pitchFamily="50" charset="-127"/>
-              </a:rPr>
-              <a:t>사운드</a:t>
-            </a:r>
-            <a:endParaRPr lang="en-US" altLang="ko-KR" sz="1750" dirty="0">
-              <a:solidFill>
-                <a:schemeClr val="tx1">
-                  <a:lumMod val="95000"/>
-                  <a:lumOff val="5000"/>
-                </a:schemeClr>
-              </a:solidFill>
-              <a:effectLst>
-                <a:outerShdw blurRad="38100" dist="38100" dir="2700000" algn="tl">
-                  <a:srgbClr val="000000">
-                    <a:alpha val="43137"/>
-                  </a:srgbClr>
-                </a:outerShdw>
-              </a:effectLst>
-              <a:latin typeface="맑은 고딕" panose="020B0503020000020004" pitchFamily="50" charset="-127"/>
-              <a:ea typeface="맑은 고딕" panose="020B0503020000020004" pitchFamily="50" charset="-127"/>
-            </a:endParaRPr>
-          </a:p>
-          <a:p>
-            <a:pPr marL="987552" lvl="1" indent="-457200">
-              <a:lnSpc>
-                <a:spcPct val="160000"/>
-              </a:lnSpc>
-              <a:buFont typeface="+mj-lt"/>
-              <a:buAutoNum type="alphaUcPeriod"/>
-            </a:pPr>
-            <a:r>
-              <a:rPr lang="ko-KR" altLang="en-US" sz="1750" strike="sngStrike" dirty="0">
-                <a:solidFill>
-                  <a:schemeClr val="tx1">
-                    <a:lumMod val="95000"/>
-                    <a:lumOff val="5000"/>
-                  </a:schemeClr>
-                </a:solidFill>
-                <a:effectLst>
-                  <a:outerShdw blurRad="38100" dist="38100" dir="2700000" algn="tl">
-                    <a:srgbClr val="000000">
-                      <a:alpha val="43137"/>
-                    </a:srgbClr>
-                  </a:outerShdw>
-                </a:effectLst>
-                <a:latin typeface="맑은 고딕" panose="020B0503020000020004" pitchFamily="50" charset="-127"/>
-                <a:ea typeface="맑은 고딕" panose="020B0503020000020004" pitchFamily="50" charset="-127"/>
-              </a:rPr>
-              <a:t>사운드 재생처리</a:t>
-            </a:r>
-            <a:endParaRPr lang="en-US" altLang="ko-KR" sz="1750" strike="sngStrike" dirty="0">
+              <a:t>구급상자</a:t>
+            </a:r>
+            <a:endParaRPr lang="en-US" altLang="ko-KR" sz="800" strike="sngStrike" dirty="0">
               <a:solidFill>
                 <a:schemeClr val="tx1">
                   <a:lumMod val="95000"/>
@@ -13378,7 +12599,7 @@
               <a:buAutoNum type="alphaUcPeriod"/>
             </a:pPr>
             <a:r>
-              <a:rPr lang="en-US" altLang="ko-KR" sz="1550" strike="sngStrike" dirty="0" err="1">
+              <a:rPr lang="ko-KR" altLang="en-US" sz="800" strike="sngStrike" dirty="0">
                 <a:solidFill>
                   <a:schemeClr val="tx1">
                     <a:lumMod val="95000"/>
@@ -13395,9 +12616,9 @@
                 <a:latin typeface="맑은 고딕" panose="020B0503020000020004" pitchFamily="50" charset="-127"/>
                 <a:ea typeface="맑은 고딕" panose="020B0503020000020004" pitchFamily="50" charset="-127"/>
               </a:rPr>
-              <a:t>Fmod</a:t>
-            </a:r>
-            <a:endParaRPr lang="en-US" altLang="ko-KR" sz="1550" strike="sngStrike" dirty="0">
+              <a:t>머플러</a:t>
+            </a:r>
+            <a:endParaRPr lang="en-US" altLang="ko-KR" sz="800" strike="sngStrike" dirty="0">
               <a:solidFill>
                 <a:schemeClr val="tx1">
                   <a:lumMod val="95000"/>
@@ -13416,14 +12637,514 @@
             </a:endParaRPr>
           </a:p>
           <a:p>
-            <a:pPr marL="987552" lvl="1" indent="-457200">
+            <a:pPr marL="1444752" lvl="2" indent="-457200">
               <a:lnSpc>
                 <a:spcPct val="160000"/>
               </a:lnSpc>
               <a:buFont typeface="+mj-lt"/>
               <a:buAutoNum type="alphaUcPeriod"/>
             </a:pPr>
-            <a:endParaRPr lang="en-US" altLang="ko-KR" sz="1750" dirty="0">
+            <a:r>
+              <a:rPr lang="ko-KR" altLang="en-US" sz="800" strike="sngStrike" dirty="0">
+                <a:solidFill>
+                  <a:schemeClr val="tx1">
+                    <a:lumMod val="95000"/>
+                    <a:lumOff val="5000"/>
+                  </a:schemeClr>
+                </a:solidFill>
+                <a:effectLst>
+                  <a:outerShdw blurRad="38100" dist="38100" dir="2700000" algn="tl">
+                    <a:srgbClr val="000000">
+                      <a:alpha val="43137"/>
+                    </a:srgbClr>
+                  </a:outerShdw>
+                </a:effectLst>
+                <a:latin typeface="맑은 고딕" panose="020B0503020000020004" pitchFamily="50" charset="-127"/>
+                <a:ea typeface="맑은 고딕" panose="020B0503020000020004" pitchFamily="50" charset="-127"/>
+              </a:rPr>
+              <a:t>링크의 옷</a:t>
+            </a:r>
+            <a:endParaRPr lang="en-US" altLang="ko-KR" sz="800" strike="sngStrike" dirty="0">
+              <a:solidFill>
+                <a:schemeClr val="tx1">
+                  <a:lumMod val="95000"/>
+                  <a:lumOff val="5000"/>
+                </a:schemeClr>
+              </a:solidFill>
+              <a:effectLst>
+                <a:outerShdw blurRad="38100" dist="38100" dir="2700000" algn="tl">
+                  <a:srgbClr val="000000">
+                    <a:alpha val="43137"/>
+                  </a:srgbClr>
+                </a:outerShdw>
+              </a:effectLst>
+              <a:latin typeface="맑은 고딕" panose="020B0503020000020004" pitchFamily="50" charset="-127"/>
+              <a:ea typeface="맑은 고딕" panose="020B0503020000020004" pitchFamily="50" charset="-127"/>
+            </a:endParaRPr>
+          </a:p>
+          <a:p>
+            <a:pPr marL="1444752" lvl="2" indent="-457200">
+              <a:lnSpc>
+                <a:spcPct val="160000"/>
+              </a:lnSpc>
+              <a:buFont typeface="+mj-lt"/>
+              <a:buAutoNum type="alphaUcPeriod"/>
+            </a:pPr>
+            <a:r>
+              <a:rPr lang="ko-KR" altLang="en-US" sz="800" strike="sngStrike" dirty="0" err="1">
+                <a:solidFill>
+                  <a:schemeClr val="tx1">
+                    <a:lumMod val="95000"/>
+                    <a:lumOff val="5000"/>
+                  </a:schemeClr>
+                </a:solidFill>
+                <a:effectLst>
+                  <a:outerShdw blurRad="38100" dist="38100" dir="2700000" algn="tl">
+                    <a:srgbClr val="000000">
+                      <a:alpha val="43137"/>
+                    </a:srgbClr>
+                  </a:outerShdw>
+                </a:effectLst>
+                <a:latin typeface="맑은 고딕" panose="020B0503020000020004" pitchFamily="50" charset="-127"/>
+                <a:ea typeface="맑은 고딕" panose="020B0503020000020004" pitchFamily="50" charset="-127"/>
+              </a:rPr>
+              <a:t>삼선슬리퍼</a:t>
+            </a:r>
+            <a:endParaRPr lang="en-US" altLang="ko-KR" sz="800" strike="sngStrike" dirty="0">
+              <a:solidFill>
+                <a:schemeClr val="tx1">
+                  <a:lumMod val="95000"/>
+                  <a:lumOff val="5000"/>
+                </a:schemeClr>
+              </a:solidFill>
+              <a:effectLst>
+                <a:outerShdw blurRad="38100" dist="38100" dir="2700000" algn="tl">
+                  <a:srgbClr val="000000">
+                    <a:alpha val="43137"/>
+                  </a:srgbClr>
+                </a:outerShdw>
+              </a:effectLst>
+              <a:latin typeface="맑은 고딕" panose="020B0503020000020004" pitchFamily="50" charset="-127"/>
+              <a:ea typeface="맑은 고딕" panose="020B0503020000020004" pitchFamily="50" charset="-127"/>
+            </a:endParaRPr>
+          </a:p>
+          <a:p>
+            <a:pPr marL="1444752" lvl="2" indent="-457200">
+              <a:lnSpc>
+                <a:spcPct val="160000"/>
+              </a:lnSpc>
+              <a:buFont typeface="+mj-lt"/>
+              <a:buAutoNum type="alphaUcPeriod"/>
+            </a:pPr>
+            <a:r>
+              <a:rPr lang="ko-KR" altLang="en-US" sz="800" strike="sngStrike" dirty="0" err="1">
+                <a:solidFill>
+                  <a:schemeClr val="tx1">
+                    <a:lumMod val="95000"/>
+                    <a:lumOff val="5000"/>
+                  </a:schemeClr>
+                </a:solidFill>
+                <a:effectLst>
+                  <a:outerShdw blurRad="38100" dist="38100" dir="2700000" algn="tl">
+                    <a:srgbClr val="000000">
+                      <a:alpha val="43137"/>
+                    </a:srgbClr>
+                  </a:outerShdw>
+                </a:effectLst>
+                <a:latin typeface="맑은 고딕" panose="020B0503020000020004" pitchFamily="50" charset="-127"/>
+                <a:ea typeface="맑은 고딕" panose="020B0503020000020004" pitchFamily="50" charset="-127"/>
+              </a:rPr>
+              <a:t>크로스헤어</a:t>
+            </a:r>
+            <a:endParaRPr lang="en-US" altLang="ko-KR" sz="800" strike="sngStrike" dirty="0">
+              <a:solidFill>
+                <a:schemeClr val="tx1">
+                  <a:lumMod val="95000"/>
+                  <a:lumOff val="5000"/>
+                </a:schemeClr>
+              </a:solidFill>
+              <a:effectLst>
+                <a:outerShdw blurRad="38100" dist="38100" dir="2700000" algn="tl">
+                  <a:srgbClr val="000000">
+                    <a:alpha val="43137"/>
+                  </a:srgbClr>
+                </a:outerShdw>
+              </a:effectLst>
+              <a:latin typeface="맑은 고딕" panose="020B0503020000020004" pitchFamily="50" charset="-127"/>
+              <a:ea typeface="맑은 고딕" panose="020B0503020000020004" pitchFamily="50" charset="-127"/>
+            </a:endParaRPr>
+          </a:p>
+          <a:p>
+            <a:pPr marL="1444752" lvl="2" indent="-457200">
+              <a:lnSpc>
+                <a:spcPct val="160000"/>
+              </a:lnSpc>
+              <a:buFont typeface="+mj-lt"/>
+              <a:buAutoNum type="alphaUcPeriod"/>
+            </a:pPr>
+            <a:r>
+              <a:rPr lang="ko-KR" altLang="en-US" sz="800" strike="sngStrike" dirty="0" err="1">
+                <a:solidFill>
+                  <a:schemeClr val="tx1">
+                    <a:lumMod val="95000"/>
+                    <a:lumOff val="5000"/>
+                  </a:schemeClr>
+                </a:solidFill>
+                <a:effectLst>
+                  <a:outerShdw blurRad="38100" dist="38100" dir="2700000" algn="tl">
+                    <a:srgbClr val="000000">
+                      <a:alpha val="43137"/>
+                    </a:srgbClr>
+                  </a:outerShdw>
+                </a:effectLst>
+                <a:latin typeface="맑은 고딕" panose="020B0503020000020004" pitchFamily="50" charset="-127"/>
+                <a:ea typeface="맑은 고딕" panose="020B0503020000020004" pitchFamily="50" charset="-127"/>
+              </a:rPr>
+              <a:t>샤삭</a:t>
+            </a:r>
+            <a:endParaRPr lang="en-US" altLang="ko-KR" sz="800" strike="sngStrike" dirty="0">
+              <a:solidFill>
+                <a:schemeClr val="tx1">
+                  <a:lumMod val="95000"/>
+                  <a:lumOff val="5000"/>
+                </a:schemeClr>
+              </a:solidFill>
+              <a:effectLst>
+                <a:outerShdw blurRad="38100" dist="38100" dir="2700000" algn="tl">
+                  <a:srgbClr val="000000">
+                    <a:alpha val="43137"/>
+                  </a:srgbClr>
+                </a:outerShdw>
+              </a:effectLst>
+              <a:latin typeface="맑은 고딕" panose="020B0503020000020004" pitchFamily="50" charset="-127"/>
+              <a:ea typeface="맑은 고딕" panose="020B0503020000020004" pitchFamily="50" charset="-127"/>
+            </a:endParaRPr>
+          </a:p>
+          <a:p>
+            <a:pPr marL="1444752" lvl="2" indent="-457200">
+              <a:lnSpc>
+                <a:spcPct val="160000"/>
+              </a:lnSpc>
+              <a:buFont typeface="+mj-lt"/>
+              <a:buAutoNum type="alphaUcPeriod"/>
+            </a:pPr>
+            <a:r>
+              <a:rPr lang="ko-KR" altLang="en-US" sz="800" strike="sngStrike" dirty="0">
+                <a:solidFill>
+                  <a:schemeClr val="tx1">
+                    <a:lumMod val="95000"/>
+                    <a:lumOff val="5000"/>
+                  </a:schemeClr>
+                </a:solidFill>
+                <a:effectLst>
+                  <a:outerShdw blurRad="38100" dist="38100" dir="2700000" algn="tl">
+                    <a:srgbClr val="000000">
+                      <a:alpha val="43137"/>
+                    </a:srgbClr>
+                  </a:outerShdw>
+                </a:effectLst>
+                <a:latin typeface="맑은 고딕" panose="020B0503020000020004" pitchFamily="50" charset="-127"/>
+                <a:ea typeface="맑은 고딕" panose="020B0503020000020004" pitchFamily="50" charset="-127"/>
+              </a:rPr>
+              <a:t>모기 코스튬</a:t>
+            </a:r>
+            <a:endParaRPr lang="en-US" altLang="ko-KR" sz="800" strike="sngStrike" dirty="0">
+              <a:solidFill>
+                <a:schemeClr val="tx1">
+                  <a:lumMod val="95000"/>
+                  <a:lumOff val="5000"/>
+                </a:schemeClr>
+              </a:solidFill>
+              <a:effectLst>
+                <a:outerShdw blurRad="38100" dist="38100" dir="2700000" algn="tl">
+                  <a:srgbClr val="000000">
+                    <a:alpha val="43137"/>
+                  </a:srgbClr>
+                </a:outerShdw>
+              </a:effectLst>
+              <a:latin typeface="맑은 고딕" panose="020B0503020000020004" pitchFamily="50" charset="-127"/>
+              <a:ea typeface="맑은 고딕" panose="020B0503020000020004" pitchFamily="50" charset="-127"/>
+            </a:endParaRPr>
+          </a:p>
+          <a:p>
+            <a:pPr marL="1444752" lvl="2" indent="-457200">
+              <a:lnSpc>
+                <a:spcPct val="160000"/>
+              </a:lnSpc>
+              <a:buFont typeface="+mj-lt"/>
+              <a:buAutoNum type="alphaUcPeriod"/>
+            </a:pPr>
+            <a:r>
+              <a:rPr lang="ko-KR" altLang="en-US" sz="800" strike="sngStrike" dirty="0">
+                <a:solidFill>
+                  <a:schemeClr val="tx1">
+                    <a:lumMod val="95000"/>
+                    <a:lumOff val="5000"/>
+                  </a:schemeClr>
+                </a:solidFill>
+                <a:effectLst>
+                  <a:outerShdw blurRad="38100" dist="38100" dir="2700000" algn="tl">
+                    <a:srgbClr val="000000">
+                      <a:alpha val="43137"/>
+                    </a:srgbClr>
+                  </a:outerShdw>
+                </a:effectLst>
+                <a:latin typeface="맑은 고딕" panose="020B0503020000020004" pitchFamily="50" charset="-127"/>
+                <a:ea typeface="맑은 고딕" panose="020B0503020000020004" pitchFamily="50" charset="-127"/>
+              </a:rPr>
+              <a:t>스프링</a:t>
+            </a:r>
+            <a:endParaRPr lang="en-US" altLang="ko-KR" sz="800" strike="sngStrike" dirty="0">
+              <a:solidFill>
+                <a:schemeClr val="tx1">
+                  <a:lumMod val="95000"/>
+                  <a:lumOff val="5000"/>
+                </a:schemeClr>
+              </a:solidFill>
+              <a:effectLst>
+                <a:outerShdw blurRad="38100" dist="38100" dir="2700000" algn="tl">
+                  <a:srgbClr val="000000">
+                    <a:alpha val="43137"/>
+                  </a:srgbClr>
+                </a:outerShdw>
+              </a:effectLst>
+              <a:latin typeface="맑은 고딕" panose="020B0503020000020004" pitchFamily="50" charset="-127"/>
+              <a:ea typeface="맑은 고딕" panose="020B0503020000020004" pitchFamily="50" charset="-127"/>
+            </a:endParaRPr>
+          </a:p>
+          <a:p>
+            <a:pPr marL="1444752" lvl="2" indent="-457200">
+              <a:lnSpc>
+                <a:spcPct val="160000"/>
+              </a:lnSpc>
+              <a:buFont typeface="+mj-lt"/>
+              <a:buAutoNum type="alphaUcPeriod"/>
+            </a:pPr>
+            <a:r>
+              <a:rPr lang="ko-KR" altLang="en-US" sz="800" strike="sngStrike" dirty="0" err="1">
+                <a:solidFill>
+                  <a:schemeClr val="tx1">
+                    <a:lumMod val="95000"/>
+                    <a:lumOff val="5000"/>
+                  </a:schemeClr>
+                </a:solidFill>
+                <a:effectLst>
+                  <a:outerShdw blurRad="38100" dist="38100" dir="2700000" algn="tl">
+                    <a:srgbClr val="000000">
+                      <a:alpha val="43137"/>
+                    </a:srgbClr>
+                  </a:outerShdw>
+                </a:effectLst>
+                <a:latin typeface="맑은 고딕" panose="020B0503020000020004" pitchFamily="50" charset="-127"/>
+                <a:ea typeface="맑은 고딕" panose="020B0503020000020004" pitchFamily="50" charset="-127"/>
+              </a:rPr>
+              <a:t>수혈팩</a:t>
+            </a:r>
+            <a:endParaRPr lang="en-US" altLang="ko-KR" sz="800" strike="sngStrike" dirty="0">
+              <a:solidFill>
+                <a:schemeClr val="tx1">
+                  <a:lumMod val="95000"/>
+                  <a:lumOff val="5000"/>
+                </a:schemeClr>
+              </a:solidFill>
+              <a:effectLst>
+                <a:outerShdw blurRad="38100" dist="38100" dir="2700000" algn="tl">
+                  <a:srgbClr val="000000">
+                    <a:alpha val="43137"/>
+                  </a:srgbClr>
+                </a:outerShdw>
+              </a:effectLst>
+              <a:latin typeface="맑은 고딕" panose="020B0503020000020004" pitchFamily="50" charset="-127"/>
+              <a:ea typeface="맑은 고딕" panose="020B0503020000020004" pitchFamily="50" charset="-127"/>
+            </a:endParaRPr>
+          </a:p>
+          <a:p>
+            <a:pPr marL="1444752" lvl="2" indent="-457200">
+              <a:lnSpc>
+                <a:spcPct val="160000"/>
+              </a:lnSpc>
+              <a:buFont typeface="+mj-lt"/>
+              <a:buAutoNum type="alphaUcPeriod"/>
+            </a:pPr>
+            <a:r>
+              <a:rPr lang="ko-KR" altLang="en-US" sz="800" strike="sngStrike" dirty="0" err="1">
+                <a:solidFill>
+                  <a:schemeClr val="tx1">
+                    <a:lumMod val="95000"/>
+                    <a:lumOff val="5000"/>
+                  </a:schemeClr>
+                </a:solidFill>
+                <a:effectLst>
+                  <a:outerShdw blurRad="38100" dist="38100" dir="2700000" algn="tl">
+                    <a:srgbClr val="000000">
+                      <a:alpha val="43137"/>
+                    </a:srgbClr>
+                  </a:outerShdw>
+                </a:effectLst>
+                <a:latin typeface="맑은 고딕" panose="020B0503020000020004" pitchFamily="50" charset="-127"/>
+                <a:ea typeface="맑은 고딕" panose="020B0503020000020004" pitchFamily="50" charset="-127"/>
+              </a:rPr>
+              <a:t>뿔테</a:t>
+            </a:r>
+            <a:r>
+              <a:rPr lang="ko-KR" altLang="en-US" sz="800" strike="sngStrike" dirty="0">
+                <a:solidFill>
+                  <a:schemeClr val="tx1">
+                    <a:lumMod val="95000"/>
+                    <a:lumOff val="5000"/>
+                  </a:schemeClr>
+                </a:solidFill>
+                <a:effectLst>
+                  <a:outerShdw blurRad="38100" dist="38100" dir="2700000" algn="tl">
+                    <a:srgbClr val="000000">
+                      <a:alpha val="43137"/>
+                    </a:srgbClr>
+                  </a:outerShdw>
+                </a:effectLst>
+                <a:latin typeface="맑은 고딕" panose="020B0503020000020004" pitchFamily="50" charset="-127"/>
+                <a:ea typeface="맑은 고딕" panose="020B0503020000020004" pitchFamily="50" charset="-127"/>
+              </a:rPr>
+              <a:t> 안경</a:t>
+            </a:r>
+            <a:endParaRPr lang="en-US" altLang="ko-KR" sz="800" strike="sngStrike" dirty="0">
+              <a:solidFill>
+                <a:schemeClr val="tx1">
+                  <a:lumMod val="95000"/>
+                  <a:lumOff val="5000"/>
+                </a:schemeClr>
+              </a:solidFill>
+              <a:effectLst>
+                <a:outerShdw blurRad="38100" dist="38100" dir="2700000" algn="tl">
+                  <a:srgbClr val="000000">
+                    <a:alpha val="43137"/>
+                  </a:srgbClr>
+                </a:outerShdw>
+              </a:effectLst>
+              <a:latin typeface="맑은 고딕" panose="020B0503020000020004" pitchFamily="50" charset="-127"/>
+              <a:ea typeface="맑은 고딕" panose="020B0503020000020004" pitchFamily="50" charset="-127"/>
+            </a:endParaRPr>
+          </a:p>
+          <a:p>
+            <a:pPr marL="1444752" lvl="2" indent="-457200">
+              <a:lnSpc>
+                <a:spcPct val="160000"/>
+              </a:lnSpc>
+              <a:buFont typeface="+mj-lt"/>
+              <a:buAutoNum type="alphaUcPeriod"/>
+            </a:pPr>
+            <a:r>
+              <a:rPr lang="ko-KR" altLang="en-US" sz="800" strike="sngStrike" dirty="0" err="1">
+                <a:solidFill>
+                  <a:schemeClr val="tx1">
+                    <a:lumMod val="95000"/>
+                    <a:lumOff val="5000"/>
+                  </a:schemeClr>
+                </a:solidFill>
+                <a:effectLst>
+                  <a:outerShdw blurRad="38100" dist="38100" dir="2700000" algn="tl">
+                    <a:srgbClr val="000000">
+                      <a:alpha val="43137"/>
+                    </a:srgbClr>
+                  </a:outerShdw>
+                </a:effectLst>
+                <a:latin typeface="맑은 고딕" panose="020B0503020000020004" pitchFamily="50" charset="-127"/>
+                <a:ea typeface="맑은 고딕" panose="020B0503020000020004" pitchFamily="50" charset="-127"/>
+              </a:rPr>
+              <a:t>썬그라스</a:t>
+            </a:r>
+            <a:endParaRPr lang="en-US" altLang="ko-KR" sz="800" strike="sngStrike" dirty="0">
+              <a:solidFill>
+                <a:schemeClr val="tx1">
+                  <a:lumMod val="95000"/>
+                  <a:lumOff val="5000"/>
+                </a:schemeClr>
+              </a:solidFill>
+              <a:effectLst>
+                <a:outerShdw blurRad="38100" dist="38100" dir="2700000" algn="tl">
+                  <a:srgbClr val="000000">
+                    <a:alpha val="43137"/>
+                  </a:srgbClr>
+                </a:outerShdw>
+              </a:effectLst>
+              <a:latin typeface="맑은 고딕" panose="020B0503020000020004" pitchFamily="50" charset="-127"/>
+              <a:ea typeface="맑은 고딕" panose="020B0503020000020004" pitchFamily="50" charset="-127"/>
+            </a:endParaRPr>
+          </a:p>
+          <a:p>
+            <a:pPr marL="1444752" lvl="2" indent="-457200">
+              <a:lnSpc>
+                <a:spcPct val="160000"/>
+              </a:lnSpc>
+              <a:buFont typeface="+mj-lt"/>
+              <a:buAutoNum type="alphaUcPeriod"/>
+            </a:pPr>
+            <a:r>
+              <a:rPr lang="ko-KR" altLang="en-US" sz="800" strike="sngStrike" dirty="0">
+                <a:solidFill>
+                  <a:schemeClr val="tx1">
+                    <a:lumMod val="95000"/>
+                    <a:lumOff val="5000"/>
+                  </a:schemeClr>
+                </a:solidFill>
+                <a:effectLst>
+                  <a:outerShdw blurRad="38100" dist="38100" dir="2700000" algn="tl">
+                    <a:srgbClr val="000000">
+                      <a:alpha val="43137"/>
+                    </a:srgbClr>
+                  </a:outerShdw>
+                </a:effectLst>
+                <a:latin typeface="맑은 고딕" panose="020B0503020000020004" pitchFamily="50" charset="-127"/>
+                <a:ea typeface="맑은 고딕" panose="020B0503020000020004" pitchFamily="50" charset="-127"/>
+              </a:rPr>
+              <a:t>장난감 태엽</a:t>
+            </a:r>
+            <a:endParaRPr lang="en-US" altLang="ko-KR" sz="800" strike="sngStrike" dirty="0">
+              <a:solidFill>
+                <a:schemeClr val="tx1">
+                  <a:lumMod val="95000"/>
+                  <a:lumOff val="5000"/>
+                </a:schemeClr>
+              </a:solidFill>
+              <a:effectLst>
+                <a:outerShdw blurRad="38100" dist="38100" dir="2700000" algn="tl">
+                  <a:srgbClr val="000000">
+                    <a:alpha val="43137"/>
+                  </a:srgbClr>
+                </a:outerShdw>
+              </a:effectLst>
+              <a:latin typeface="맑은 고딕" panose="020B0503020000020004" pitchFamily="50" charset="-127"/>
+              <a:ea typeface="맑은 고딕" panose="020B0503020000020004" pitchFamily="50" charset="-127"/>
+            </a:endParaRPr>
+          </a:p>
+          <a:p>
+            <a:pPr marL="1444752" lvl="2" indent="-457200">
+              <a:lnSpc>
+                <a:spcPct val="160000"/>
+              </a:lnSpc>
+              <a:buFont typeface="+mj-lt"/>
+              <a:buAutoNum type="alphaUcPeriod"/>
+            </a:pPr>
+            <a:r>
+              <a:rPr lang="ko-KR" altLang="en-US" sz="800" strike="sngStrike" dirty="0">
+                <a:solidFill>
+                  <a:schemeClr val="tx1">
+                    <a:lumMod val="95000"/>
+                    <a:lumOff val="5000"/>
+                  </a:schemeClr>
+                </a:solidFill>
+                <a:effectLst>
+                  <a:outerShdw blurRad="38100" dist="38100" dir="2700000" algn="tl">
+                    <a:srgbClr val="000000">
+                      <a:alpha val="43137"/>
+                    </a:srgbClr>
+                  </a:outerShdw>
+                </a:effectLst>
+                <a:latin typeface="맑은 고딕" panose="020B0503020000020004" pitchFamily="50" charset="-127"/>
+                <a:ea typeface="맑은 고딕" panose="020B0503020000020004" pitchFamily="50" charset="-127"/>
+              </a:rPr>
+              <a:t>소프트콘</a:t>
+            </a:r>
+            <a:endParaRPr lang="en-US" altLang="ko-KR" sz="800" strike="sngStrike" dirty="0">
               <a:solidFill>
                 <a:schemeClr val="tx1">
                   <a:lumMod val="95000"/>
@@ -13480,7 +13201,7 @@
     </p:spTree>
     <p:extLst>
       <p:ext uri="{BB962C8B-B14F-4D97-AF65-F5344CB8AC3E}">
-        <p14:creationId xmlns:p14="http://schemas.microsoft.com/office/powerpoint/2010/main" val="3375830909"/>
+        <p14:creationId xmlns:p14="http://schemas.microsoft.com/office/powerpoint/2010/main" val="3898484190"/>
       </p:ext>
     </p:extLst>
   </p:cSld>
@@ -23745,7 +23466,7 @@
         </p:spPr>
         <p:txBody>
           <a:bodyPr>
-            <a:normAutofit fontScale="55000" lnSpcReduction="20000"/>
+            <a:normAutofit fontScale="92500" lnSpcReduction="20000"/>
           </a:bodyPr>
           <a:lstStyle/>
           <a:p>
@@ -23757,7 +23478,7 @@
               <a:buAutoNum type="alphaUcPeriod"/>
             </a:pPr>
             <a:r>
-              <a:rPr lang="en-US" altLang="ko-KR" sz="1950" i="0" dirty="0">
+              <a:rPr lang="ko-KR" altLang="en-US" sz="1950" i="0" dirty="0">
                 <a:solidFill>
                   <a:schemeClr val="tx1">
                     <a:lumMod val="95000"/>
@@ -23774,8 +23495,25 @@
                 <a:latin typeface="맑은 고딕" panose="020B0503020000020004" pitchFamily="50" charset="-127"/>
                 <a:ea typeface="맑은 고딕" panose="020B0503020000020004" pitchFamily="50" charset="-127"/>
               </a:rPr>
-              <a:t>Scene (Title / Room)</a:t>
-            </a:r>
+              <a:t>이펙트</a:t>
+            </a:r>
+            <a:endParaRPr lang="en-US" altLang="ko-KR" sz="1950" i="0" dirty="0">
+              <a:solidFill>
+                <a:schemeClr val="tx1">
+                  <a:lumMod val="95000"/>
+                  <a:lumOff val="5000"/>
+                </a:schemeClr>
+              </a:solidFill>
+              <a:effectLst>
+                <a:outerShdw blurRad="38100" dist="38100" dir="2700000" algn="tl">
+                  <a:srgbClr val="000000">
+                    <a:alpha val="43137"/>
+                  </a:srgbClr>
+                </a:outerShdw>
+              </a:effectLst>
+              <a:latin typeface="맑은 고딕" panose="020B0503020000020004" pitchFamily="50" charset="-127"/>
+              <a:ea typeface="맑은 고딕" panose="020B0503020000020004" pitchFamily="50" charset="-127"/>
+            </a:endParaRPr>
           </a:p>
           <a:p>
             <a:pPr marL="987552" lvl="1" indent="-457200">
@@ -23803,7 +23541,7 @@
                 <a:latin typeface="맑은 고딕" panose="020B0503020000020004" pitchFamily="50" charset="-127"/>
                 <a:ea typeface="맑은 고딕" panose="020B0503020000020004" pitchFamily="50" charset="-127"/>
               </a:rPr>
-              <a:t>이미지 추가</a:t>
+              <a:t>빌보드 이펙트</a:t>
             </a:r>
             <a:endParaRPr lang="en-US" altLang="ko-KR" sz="1750" dirty="0">
               <a:solidFill>
@@ -23849,7 +23587,225 @@
                 <a:latin typeface="맑은 고딕" panose="020B0503020000020004" pitchFamily="50" charset="-127"/>
                 <a:ea typeface="맑은 고딕" panose="020B0503020000020004" pitchFamily="50" charset="-127"/>
               </a:rPr>
-              <a:t>게임접속</a:t>
+              <a:t>숫자 빌보드 </a:t>
+            </a:r>
+            <a:r>
+              <a:rPr lang="en-US" altLang="ko-KR" sz="1550" strike="sngStrike" dirty="0">
+                <a:solidFill>
+                  <a:schemeClr val="tx1">
+                    <a:lumMod val="95000"/>
+                    <a:lumOff val="5000"/>
+                  </a:schemeClr>
+                </a:solidFill>
+                <a:effectLst>
+                  <a:outerShdw blurRad="38100" dist="38100" dir="2700000" algn="tl">
+                    <a:srgbClr val="000000">
+                      <a:alpha val="43137"/>
+                    </a:srgbClr>
+                  </a:outerShdw>
+                </a:effectLst>
+                <a:latin typeface="맑은 고딕" panose="020B0503020000020004" pitchFamily="50" charset="-127"/>
+                <a:ea typeface="맑은 고딕" panose="020B0503020000020004" pitchFamily="50" charset="-127"/>
+              </a:rPr>
+              <a:t>(</a:t>
+            </a:r>
+            <a:r>
+              <a:rPr lang="ko-KR" altLang="en-US" sz="1550" strike="sngStrike" dirty="0">
+                <a:solidFill>
+                  <a:schemeClr val="tx1">
+                    <a:lumMod val="95000"/>
+                    <a:lumOff val="5000"/>
+                  </a:schemeClr>
+                </a:solidFill>
+                <a:effectLst>
+                  <a:outerShdw blurRad="38100" dist="38100" dir="2700000" algn="tl">
+                    <a:srgbClr val="000000">
+                      <a:alpha val="43137"/>
+                    </a:srgbClr>
+                  </a:outerShdw>
+                </a:effectLst>
+                <a:latin typeface="맑은 고딕" panose="020B0503020000020004" pitchFamily="50" charset="-127"/>
+                <a:ea typeface="맑은 고딕" panose="020B0503020000020004" pitchFamily="50" charset="-127"/>
+              </a:rPr>
+              <a:t>데미지</a:t>
+            </a:r>
+            <a:r>
+              <a:rPr lang="en-US" altLang="ko-KR" sz="1550" strike="sngStrike" dirty="0">
+                <a:solidFill>
+                  <a:schemeClr val="tx1">
+                    <a:lumMod val="95000"/>
+                    <a:lumOff val="5000"/>
+                  </a:schemeClr>
+                </a:solidFill>
+                <a:effectLst>
+                  <a:outerShdw blurRad="38100" dist="38100" dir="2700000" algn="tl">
+                    <a:srgbClr val="000000">
+                      <a:alpha val="43137"/>
+                    </a:srgbClr>
+                  </a:outerShdw>
+                </a:effectLst>
+                <a:latin typeface="맑은 고딕" panose="020B0503020000020004" pitchFamily="50" charset="-127"/>
+                <a:ea typeface="맑은 고딕" panose="020B0503020000020004" pitchFamily="50" charset="-127"/>
+              </a:rPr>
+              <a:t>, KDA, </a:t>
+            </a:r>
+            <a:r>
+              <a:rPr lang="ko-KR" altLang="en-US" sz="1550" strike="sngStrike" dirty="0">
+                <a:solidFill>
+                  <a:schemeClr val="tx1">
+                    <a:lumMod val="95000"/>
+                    <a:lumOff val="5000"/>
+                  </a:schemeClr>
+                </a:solidFill>
+                <a:effectLst>
+                  <a:outerShdw blurRad="38100" dist="38100" dir="2700000" algn="tl">
+                    <a:srgbClr val="000000">
+                      <a:alpha val="43137"/>
+                    </a:srgbClr>
+                  </a:outerShdw>
+                </a:effectLst>
+                <a:latin typeface="맑은 고딕" panose="020B0503020000020004" pitchFamily="50" charset="-127"/>
+                <a:ea typeface="맑은 고딕" panose="020B0503020000020004" pitchFamily="50" charset="-127"/>
+              </a:rPr>
+              <a:t>시간</a:t>
+            </a:r>
+            <a:r>
+              <a:rPr lang="en-US" altLang="ko-KR" sz="1550" strike="sngStrike" dirty="0">
+                <a:solidFill>
+                  <a:schemeClr val="tx1">
+                    <a:lumMod val="95000"/>
+                    <a:lumOff val="5000"/>
+                  </a:schemeClr>
+                </a:solidFill>
+                <a:effectLst>
+                  <a:outerShdw blurRad="38100" dist="38100" dir="2700000" algn="tl">
+                    <a:srgbClr val="000000">
+                      <a:alpha val="43137"/>
+                    </a:srgbClr>
+                  </a:outerShdw>
+                </a:effectLst>
+                <a:latin typeface="맑은 고딕" panose="020B0503020000020004" pitchFamily="50" charset="-127"/>
+                <a:ea typeface="맑은 고딕" panose="020B0503020000020004" pitchFamily="50" charset="-127"/>
+              </a:rPr>
+              <a:t>)</a:t>
+            </a:r>
+          </a:p>
+          <a:p>
+            <a:pPr marL="1444752" lvl="2" indent="-457200">
+              <a:lnSpc>
+                <a:spcPct val="160000"/>
+              </a:lnSpc>
+              <a:buFont typeface="+mj-lt"/>
+              <a:buAutoNum type="alphaUcPeriod"/>
+            </a:pPr>
+            <a:r>
+              <a:rPr lang="ko-KR" altLang="en-US" sz="1550" strike="sngStrike" dirty="0">
+                <a:solidFill>
+                  <a:schemeClr val="tx1">
+                    <a:lumMod val="95000"/>
+                    <a:lumOff val="5000"/>
+                  </a:schemeClr>
+                </a:solidFill>
+                <a:effectLst>
+                  <a:outerShdw blurRad="38100" dist="38100" dir="2700000" algn="tl">
+                    <a:srgbClr val="000000">
+                      <a:alpha val="43137"/>
+                    </a:srgbClr>
+                  </a:outerShdw>
+                </a:effectLst>
+                <a:latin typeface="맑은 고딕" panose="020B0503020000020004" pitchFamily="50" charset="-127"/>
+                <a:ea typeface="맑은 고딕" panose="020B0503020000020004" pitchFamily="50" charset="-127"/>
+              </a:rPr>
+              <a:t>폭발 빌보드 </a:t>
+            </a:r>
+            <a:r>
+              <a:rPr lang="en-US" altLang="ko-KR" sz="1550" strike="sngStrike" dirty="0">
+                <a:solidFill>
+                  <a:schemeClr val="tx1">
+                    <a:lumMod val="95000"/>
+                    <a:lumOff val="5000"/>
+                  </a:schemeClr>
+                </a:solidFill>
+                <a:effectLst>
+                  <a:outerShdw blurRad="38100" dist="38100" dir="2700000" algn="tl">
+                    <a:srgbClr val="000000">
+                      <a:alpha val="43137"/>
+                    </a:srgbClr>
+                  </a:outerShdw>
+                </a:effectLst>
+                <a:latin typeface="맑은 고딕" panose="020B0503020000020004" pitchFamily="50" charset="-127"/>
+                <a:ea typeface="맑은 고딕" panose="020B0503020000020004" pitchFamily="50" charset="-127"/>
+              </a:rPr>
+              <a:t>(</a:t>
+            </a:r>
+            <a:r>
+              <a:rPr lang="ko-KR" altLang="en-US" sz="1550" strike="sngStrike" dirty="0">
+                <a:solidFill>
+                  <a:schemeClr val="tx1">
+                    <a:lumMod val="95000"/>
+                    <a:lumOff val="5000"/>
+                  </a:schemeClr>
+                </a:solidFill>
+                <a:effectLst>
+                  <a:outerShdw blurRad="38100" dist="38100" dir="2700000" algn="tl">
+                    <a:srgbClr val="000000">
+                      <a:alpha val="43137"/>
+                    </a:srgbClr>
+                  </a:outerShdw>
+                </a:effectLst>
+                <a:latin typeface="맑은 고딕" panose="020B0503020000020004" pitchFamily="50" charset="-127"/>
+                <a:ea typeface="맑은 고딕" panose="020B0503020000020004" pitchFamily="50" charset="-127"/>
+              </a:rPr>
+              <a:t>건물 파괴 용도</a:t>
+            </a:r>
+            <a:r>
+              <a:rPr lang="en-US" altLang="ko-KR" sz="1550" strike="sngStrike" dirty="0">
+                <a:solidFill>
+                  <a:schemeClr val="tx1">
+                    <a:lumMod val="95000"/>
+                    <a:lumOff val="5000"/>
+                  </a:schemeClr>
+                </a:solidFill>
+                <a:effectLst>
+                  <a:outerShdw blurRad="38100" dist="38100" dir="2700000" algn="tl">
+                    <a:srgbClr val="000000">
+                      <a:alpha val="43137"/>
+                    </a:srgbClr>
+                  </a:outerShdw>
+                </a:effectLst>
+                <a:latin typeface="맑은 고딕" panose="020B0503020000020004" pitchFamily="50" charset="-127"/>
+                <a:ea typeface="맑은 고딕" panose="020B0503020000020004" pitchFamily="50" charset="-127"/>
+              </a:rPr>
+              <a:t>)</a:t>
+            </a:r>
+          </a:p>
+          <a:p>
+            <a:pPr marL="1444752" lvl="2" indent="-457200">
+              <a:lnSpc>
+                <a:spcPct val="160000"/>
+              </a:lnSpc>
+              <a:buFont typeface="+mj-lt"/>
+              <a:buAutoNum type="alphaUcPeriod"/>
+            </a:pPr>
+            <a:r>
+              <a:rPr lang="ko-KR" altLang="en-US" sz="1550" strike="sngStrike" dirty="0">
+                <a:solidFill>
+                  <a:schemeClr val="tx1">
+                    <a:lumMod val="95000"/>
+                    <a:lumOff val="5000"/>
+                  </a:schemeClr>
+                </a:solidFill>
+                <a:effectLst>
+                  <a:outerShdw blurRad="38100" dist="38100" dir="2700000" algn="tl">
+                    <a:srgbClr val="000000">
+                      <a:alpha val="43137"/>
+                    </a:srgbClr>
+                  </a:outerShdw>
+                </a:effectLst>
+                <a:latin typeface="맑은 고딕" panose="020B0503020000020004" pitchFamily="50" charset="-127"/>
+                <a:ea typeface="맑은 고딕" panose="020B0503020000020004" pitchFamily="50" charset="-127"/>
+              </a:rPr>
+              <a:t>플레이어 스킬 이펙트</a:t>
             </a:r>
             <a:endParaRPr lang="en-US" altLang="ko-KR" sz="1550" strike="sngStrike" dirty="0">
               <a:solidFill>
@@ -23878,7 +23834,7 @@
               <a:buAutoNum type="alphaUcPeriod"/>
             </a:pPr>
             <a:r>
-              <a:rPr lang="ko-KR" altLang="en-US" sz="1550" strike="sngStrike" dirty="0">
+              <a:rPr lang="ko-KR" altLang="en-US" sz="1550" strike="sngStrike" dirty="0" err="1">
                 <a:solidFill>
                   <a:schemeClr val="tx1">
                     <a:lumMod val="95000"/>
@@ -23895,10 +23851,10 @@
                 <a:latin typeface="맑은 고딕" panose="020B0503020000020004" pitchFamily="50" charset="-127"/>
                 <a:ea typeface="맑은 고딕" panose="020B0503020000020004" pitchFamily="50" charset="-127"/>
               </a:rPr>
-              <a:t>게임시작 </a:t>
-            </a:r>
-            <a:r>
-              <a:rPr lang="en-US" altLang="ko-KR" sz="1550" strike="sngStrike" dirty="0">
+              <a:t>미니언</a:t>
+            </a:r>
+            <a:r>
+              <a:rPr lang="ko-KR" altLang="en-US" sz="1550" strike="sngStrike" dirty="0">
                 <a:solidFill>
                   <a:schemeClr val="tx1">
                     <a:lumMod val="95000"/>
@@ -23915,36 +23871,7 @@
                 <a:latin typeface="맑은 고딕" panose="020B0503020000020004" pitchFamily="50" charset="-127"/>
                 <a:ea typeface="맑은 고딕" panose="020B0503020000020004" pitchFamily="50" charset="-127"/>
               </a:rPr>
-              <a:t>(ROOM)</a:t>
-            </a:r>
-          </a:p>
-          <a:p>
-            <a:pPr marL="1444752" lvl="2" indent="-457200">
-              <a:lnSpc>
-                <a:spcPct val="160000"/>
-              </a:lnSpc>
-              <a:buFont typeface="+mj-lt"/>
-              <a:buAutoNum type="alphaUcPeriod"/>
-            </a:pPr>
-            <a:r>
-              <a:rPr lang="ko-KR" altLang="en-US" sz="1550" strike="sngStrike" dirty="0">
-                <a:solidFill>
-                  <a:schemeClr val="tx1">
-                    <a:lumMod val="95000"/>
-                    <a:lumOff val="5000"/>
-                  </a:schemeClr>
-                </a:solidFill>
-                <a:effectLst>
-                  <a:outerShdw blurRad="38100" dist="38100" dir="2700000" algn="tl">
-                    <a:srgbClr val="000000">
-                      <a:alpha val="43137"/>
-                    </a:srgbClr>
-                  </a:outerShdw>
-                </a:effectLst>
-                <a:latin typeface="맑은 고딕" panose="020B0503020000020004" pitchFamily="50" charset="-127"/>
-                <a:ea typeface="맑은 고딕" panose="020B0503020000020004" pitchFamily="50" charset="-127"/>
-              </a:rPr>
-              <a:t>게임종료</a:t>
+              <a:t> 공격 이펙트</a:t>
             </a:r>
             <a:endParaRPr lang="en-US" altLang="ko-KR" sz="1550" strike="sngStrike" dirty="0">
               <a:solidFill>
@@ -23990,170 +23917,9 @@
                 <a:latin typeface="맑은 고딕" panose="020B0503020000020004" pitchFamily="50" charset="-127"/>
                 <a:ea typeface="맑은 고딕" panose="020B0503020000020004" pitchFamily="50" charset="-127"/>
               </a:rPr>
-              <a:t>나가기</a:t>
+              <a:t>날아가는 오브젝트 이펙트</a:t>
             </a:r>
             <a:endParaRPr lang="en-US" altLang="ko-KR" sz="1550" strike="sngStrike" dirty="0">
-              <a:solidFill>
-                <a:schemeClr val="tx1">
-                  <a:lumMod val="95000"/>
-                  <a:lumOff val="5000"/>
-                </a:schemeClr>
-              </a:solidFill>
-              <a:effectLst>
-                <a:outerShdw blurRad="38100" dist="38100" dir="2700000" algn="tl">
-                  <a:srgbClr val="000000">
-                    <a:alpha val="43137"/>
-                  </a:srgbClr>
-                </a:outerShdw>
-              </a:effectLst>
-              <a:latin typeface="맑은 고딕" panose="020B0503020000020004" pitchFamily="50" charset="-127"/>
-              <a:ea typeface="맑은 고딕" panose="020B0503020000020004" pitchFamily="50" charset="-127"/>
-            </a:endParaRPr>
-          </a:p>
-          <a:p>
-            <a:pPr marL="1444752" lvl="2" indent="-457200">
-              <a:lnSpc>
-                <a:spcPct val="160000"/>
-              </a:lnSpc>
-              <a:buFont typeface="+mj-lt"/>
-              <a:buAutoNum type="alphaUcPeriod"/>
-            </a:pPr>
-            <a:r>
-              <a:rPr lang="ko-KR" altLang="en-US" sz="1550" strike="sngStrike" dirty="0">
-                <a:solidFill>
-                  <a:schemeClr val="tx1">
-                    <a:lumMod val="95000"/>
-                    <a:lumOff val="5000"/>
-                  </a:schemeClr>
-                </a:solidFill>
-                <a:effectLst>
-                  <a:outerShdw blurRad="38100" dist="38100" dir="2700000" algn="tl">
-                    <a:srgbClr val="000000">
-                      <a:alpha val="43137"/>
-                    </a:srgbClr>
-                  </a:outerShdw>
-                </a:effectLst>
-                <a:latin typeface="맑은 고딕" panose="020B0503020000020004" pitchFamily="50" charset="-127"/>
-                <a:ea typeface="맑은 고딕" panose="020B0503020000020004" pitchFamily="50" charset="-127"/>
-              </a:rPr>
-              <a:t>접속 플레이어 표시 </a:t>
-            </a:r>
-            <a:r>
-              <a:rPr lang="en-US" altLang="ko-KR" sz="1550" strike="sngStrike" dirty="0">
-                <a:solidFill>
-                  <a:schemeClr val="tx1">
-                    <a:lumMod val="95000"/>
-                    <a:lumOff val="5000"/>
-                  </a:schemeClr>
-                </a:solidFill>
-                <a:effectLst>
-                  <a:outerShdw blurRad="38100" dist="38100" dir="2700000" algn="tl">
-                    <a:srgbClr val="000000">
-                      <a:alpha val="43137"/>
-                    </a:srgbClr>
-                  </a:outerShdw>
-                </a:effectLst>
-                <a:latin typeface="맑은 고딕" panose="020B0503020000020004" pitchFamily="50" charset="-127"/>
-                <a:ea typeface="맑은 고딕" panose="020B0503020000020004" pitchFamily="50" charset="-127"/>
-              </a:rPr>
-              <a:t>(ROOM)</a:t>
-            </a:r>
-          </a:p>
-          <a:p>
-            <a:pPr marL="1444752" lvl="2" indent="-457200">
-              <a:lnSpc>
-                <a:spcPct val="160000"/>
-              </a:lnSpc>
-              <a:buFont typeface="+mj-lt"/>
-              <a:buAutoNum type="alphaUcPeriod"/>
-            </a:pPr>
-            <a:r>
-              <a:rPr lang="en-US" altLang="ko-KR" sz="1550" strike="sngStrike" dirty="0">
-                <a:solidFill>
-                  <a:schemeClr val="tx1">
-                    <a:lumMod val="95000"/>
-                    <a:lumOff val="5000"/>
-                  </a:schemeClr>
-                </a:solidFill>
-                <a:effectLst>
-                  <a:outerShdw blurRad="38100" dist="38100" dir="2700000" algn="tl">
-                    <a:srgbClr val="000000">
-                      <a:alpha val="43137"/>
-                    </a:srgbClr>
-                  </a:outerShdw>
-                </a:effectLst>
-                <a:latin typeface="맑은 고딕" panose="020B0503020000020004" pitchFamily="50" charset="-127"/>
-                <a:ea typeface="맑은 고딕" panose="020B0503020000020004" pitchFamily="50" charset="-127"/>
-              </a:rPr>
-              <a:t>AI </a:t>
-            </a:r>
-            <a:r>
-              <a:rPr lang="ko-KR" altLang="en-US" sz="1550" strike="sngStrike" dirty="0">
-                <a:solidFill>
-                  <a:schemeClr val="tx1">
-                    <a:lumMod val="95000"/>
-                    <a:lumOff val="5000"/>
-                  </a:schemeClr>
-                </a:solidFill>
-                <a:effectLst>
-                  <a:outerShdw blurRad="38100" dist="38100" dir="2700000" algn="tl">
-                    <a:srgbClr val="000000">
-                      <a:alpha val="43137"/>
-                    </a:srgbClr>
-                  </a:outerShdw>
-                </a:effectLst>
-                <a:latin typeface="맑은 고딕" panose="020B0503020000020004" pitchFamily="50" charset="-127"/>
-                <a:ea typeface="맑은 고딕" panose="020B0503020000020004" pitchFamily="50" charset="-127"/>
-              </a:rPr>
-              <a:t>표시</a:t>
-            </a:r>
-            <a:endParaRPr lang="en-US" altLang="ko-KR" sz="1550" strike="sngStrike" dirty="0">
-              <a:solidFill>
-                <a:schemeClr val="tx1">
-                  <a:lumMod val="95000"/>
-                  <a:lumOff val="5000"/>
-                </a:schemeClr>
-              </a:solidFill>
-              <a:effectLst>
-                <a:outerShdw blurRad="38100" dist="38100" dir="2700000" algn="tl">
-                  <a:srgbClr val="000000">
-                    <a:alpha val="43137"/>
-                  </a:srgbClr>
-                </a:outerShdw>
-              </a:effectLst>
-              <a:latin typeface="맑은 고딕" panose="020B0503020000020004" pitchFamily="50" charset="-127"/>
-              <a:ea typeface="맑은 고딕" panose="020B0503020000020004" pitchFamily="50" charset="-127"/>
-            </a:endParaRPr>
-          </a:p>
-          <a:p>
-            <a:pPr marL="1444752" lvl="2" indent="-457200">
-              <a:lnSpc>
-                <a:spcPct val="160000"/>
-              </a:lnSpc>
-              <a:buFont typeface="+mj-lt"/>
-              <a:buAutoNum type="alphaUcPeriod"/>
-            </a:pPr>
-            <a:r>
-              <a:rPr lang="ko-KR" altLang="en-US" sz="1550" dirty="0">
-                <a:solidFill>
-                  <a:schemeClr val="tx1">
-                    <a:lumMod val="95000"/>
-                    <a:lumOff val="5000"/>
-                  </a:schemeClr>
-                </a:solidFill>
-                <a:effectLst>
-                  <a:outerShdw blurRad="38100" dist="38100" dir="2700000" algn="tl">
-                    <a:srgbClr val="000000">
-                      <a:alpha val="43137"/>
-                    </a:srgbClr>
-                  </a:outerShdw>
-                </a:effectLst>
-                <a:latin typeface="맑은 고딕" panose="020B0503020000020004" pitchFamily="50" charset="-127"/>
-                <a:ea typeface="맑은 고딕" panose="020B0503020000020004" pitchFamily="50" charset="-127"/>
-              </a:rPr>
-              <a:t>로비 캐릭터 프레임</a:t>
-            </a:r>
-            <a:endParaRPr lang="en-US" altLang="ko-KR" sz="1550" dirty="0">
               <a:solidFill>
                 <a:schemeClr val="tx1">
                   <a:lumMod val="95000"/>
@@ -24197,7 +23963,7 @@
                 <a:latin typeface="맑은 고딕" panose="020B0503020000020004" pitchFamily="50" charset="-127"/>
                 <a:ea typeface="맑은 고딕" panose="020B0503020000020004" pitchFamily="50" charset="-127"/>
               </a:rPr>
-              <a:t>그래픽</a:t>
+              <a:t>사운드</a:t>
             </a:r>
             <a:endParaRPr lang="en-US" altLang="ko-KR" sz="1750" dirty="0">
               <a:solidFill>
@@ -24226,7 +23992,7 @@
               <a:buAutoNum type="alphaUcPeriod"/>
             </a:pPr>
             <a:r>
-              <a:rPr lang="ko-KR" altLang="en-US" sz="1750" i="0" dirty="0">
+              <a:rPr lang="ko-KR" altLang="en-US" sz="1750" strike="sngStrike" dirty="0">
                 <a:solidFill>
                   <a:schemeClr val="tx1">
                     <a:lumMod val="95000"/>
@@ -24243,98 +24009,9 @@
                 <a:latin typeface="맑은 고딕" panose="020B0503020000020004" pitchFamily="50" charset="-127"/>
                 <a:ea typeface="맑은 고딕" panose="020B0503020000020004" pitchFamily="50" charset="-127"/>
               </a:rPr>
-              <a:t>플레이어 모델 크기 변경 </a:t>
-            </a:r>
-            <a:r>
-              <a:rPr lang="en-US" altLang="ko-KR" sz="1750" i="0" dirty="0">
-                <a:solidFill>
-                  <a:schemeClr val="tx1">
-                    <a:lumMod val="95000"/>
-                    <a:lumOff val="5000"/>
-                  </a:schemeClr>
-                </a:solidFill>
-                <a:effectLst>
-                  <a:outerShdw blurRad="38100" dist="38100" dir="2700000" algn="tl">
-                    <a:srgbClr val="000000">
-                      <a:alpha val="43137"/>
-                    </a:srgbClr>
-                  </a:outerShdw>
-                </a:effectLst>
-                <a:latin typeface="맑은 고딕" panose="020B0503020000020004" pitchFamily="50" charset="-127"/>
-                <a:ea typeface="맑은 고딕" panose="020B0503020000020004" pitchFamily="50" charset="-127"/>
-              </a:rPr>
-              <a:t>(1.8</a:t>
-            </a:r>
-            <a:r>
-              <a:rPr lang="ko-KR" altLang="en-US" sz="1750" i="0" dirty="0">
-                <a:solidFill>
-                  <a:schemeClr val="tx1">
-                    <a:lumMod val="95000"/>
-                    <a:lumOff val="5000"/>
-                  </a:schemeClr>
-                </a:solidFill>
-                <a:effectLst>
-                  <a:outerShdw blurRad="38100" dist="38100" dir="2700000" algn="tl">
-                    <a:srgbClr val="000000">
-                      <a:alpha val="43137"/>
-                    </a:srgbClr>
-                  </a:outerShdw>
-                </a:effectLst>
-                <a:latin typeface="맑은 고딕" panose="020B0503020000020004" pitchFamily="50" charset="-127"/>
-                <a:ea typeface="맑은 고딕" panose="020B0503020000020004" pitchFamily="50" charset="-127"/>
-              </a:rPr>
-              <a:t>배</a:t>
-            </a:r>
-            <a:r>
-              <a:rPr lang="en-US" altLang="ko-KR" sz="1750" i="0" dirty="0">
-                <a:solidFill>
-                  <a:schemeClr val="tx1">
-                    <a:lumMod val="95000"/>
-                    <a:lumOff val="5000"/>
-                  </a:schemeClr>
-                </a:solidFill>
-                <a:effectLst>
-                  <a:outerShdw blurRad="38100" dist="38100" dir="2700000" algn="tl">
-                    <a:srgbClr val="000000">
-                      <a:alpha val="43137"/>
-                    </a:srgbClr>
-                  </a:outerShdw>
-                </a:effectLst>
-                <a:latin typeface="맑은 고딕" panose="020B0503020000020004" pitchFamily="50" charset="-127"/>
-                <a:ea typeface="맑은 고딕" panose="020B0503020000020004" pitchFamily="50" charset="-127"/>
-              </a:rPr>
-              <a:t>)</a:t>
-            </a:r>
-          </a:p>
-          <a:p>
-            <a:pPr marL="1444752" lvl="2" indent="-457200">
-              <a:lnSpc>
-                <a:spcPct val="160000"/>
-              </a:lnSpc>
-              <a:buFont typeface="+mj-lt"/>
-              <a:buAutoNum type="alphaUcPeriod"/>
-            </a:pPr>
-            <a:r>
-              <a:rPr lang="ko-KR" altLang="en-US" sz="1550" i="0" strike="sngStrike" dirty="0">
-                <a:solidFill>
-                  <a:schemeClr val="tx1">
-                    <a:lumMod val="95000"/>
-                    <a:lumOff val="5000"/>
-                  </a:schemeClr>
-                </a:solidFill>
-                <a:effectLst>
-                  <a:outerShdw blurRad="38100" dist="38100" dir="2700000" algn="tl">
-                    <a:srgbClr val="000000">
-                      <a:alpha val="43137"/>
-                    </a:srgbClr>
-                  </a:outerShdw>
-                </a:effectLst>
-                <a:latin typeface="맑은 고딕" panose="020B0503020000020004" pitchFamily="50" charset="-127"/>
-                <a:ea typeface="맑은 고딕" panose="020B0503020000020004" pitchFamily="50" charset="-127"/>
-              </a:rPr>
-              <a:t>무기</a:t>
-            </a:r>
-            <a:endParaRPr lang="en-US" altLang="ko-KR" sz="1550" i="0" strike="sngStrike" dirty="0">
+              <a:t>사운드 재생처리</a:t>
+            </a:r>
+            <a:endParaRPr lang="en-US" altLang="ko-KR" sz="1750" strike="sngStrike" dirty="0">
               <a:solidFill>
                 <a:schemeClr val="tx1">
                   <a:lumMod val="95000"/>
@@ -24361,7 +24038,7 @@
               <a:buAutoNum type="alphaUcPeriod"/>
             </a:pPr>
             <a:r>
-              <a:rPr lang="ko-KR" altLang="en-US" sz="1550" strike="sngStrike" dirty="0">
+              <a:rPr lang="en-US" altLang="ko-KR" sz="1550" strike="sngStrike" dirty="0" err="1">
                 <a:solidFill>
                   <a:schemeClr val="tx1">
                     <a:lumMod val="95000"/>
@@ -24378,7 +24055,7 @@
                 <a:latin typeface="맑은 고딕" panose="020B0503020000020004" pitchFamily="50" charset="-127"/>
                 <a:ea typeface="맑은 고딕" panose="020B0503020000020004" pitchFamily="50" charset="-127"/>
               </a:rPr>
-              <a:t>방어구</a:t>
+              <a:t>Fmod</a:t>
             </a:r>
             <a:endParaRPr lang="en-US" altLang="ko-KR" sz="1550" strike="sngStrike" dirty="0">
               <a:solidFill>
@@ -24397,636 +24074,6 @@
               <a:latin typeface="맑은 고딕" panose="020B0503020000020004" pitchFamily="50" charset="-127"/>
               <a:ea typeface="맑은 고딕" panose="020B0503020000020004" pitchFamily="50" charset="-127"/>
             </a:endParaRPr>
-          </a:p>
-          <a:p>
-            <a:pPr marL="1444752" lvl="2" indent="-457200">
-              <a:lnSpc>
-                <a:spcPct val="160000"/>
-              </a:lnSpc>
-              <a:buFont typeface="+mj-lt"/>
-              <a:buAutoNum type="alphaUcPeriod"/>
-            </a:pPr>
-            <a:r>
-              <a:rPr lang="ko-KR" altLang="en-US" sz="1550" i="0" dirty="0" err="1">
-                <a:solidFill>
-                  <a:schemeClr val="tx1">
-                    <a:lumMod val="95000"/>
-                    <a:lumOff val="5000"/>
-                  </a:schemeClr>
-                </a:solidFill>
-                <a:effectLst>
-                  <a:outerShdw blurRad="38100" dist="38100" dir="2700000" algn="tl">
-                    <a:srgbClr val="000000">
-                      <a:alpha val="43137"/>
-                    </a:srgbClr>
-                  </a:outerShdw>
-                </a:effectLst>
-                <a:latin typeface="맑은 고딕" panose="020B0503020000020004" pitchFamily="50" charset="-127"/>
-                <a:ea typeface="맑은 고딕" panose="020B0503020000020004" pitchFamily="50" charset="-127"/>
-              </a:rPr>
-              <a:t>미니언</a:t>
-            </a:r>
-            <a:r>
-              <a:rPr lang="ko-KR" altLang="en-US" sz="1550" i="0" dirty="0">
-                <a:solidFill>
-                  <a:schemeClr val="tx1">
-                    <a:lumMod val="95000"/>
-                    <a:lumOff val="5000"/>
-                  </a:schemeClr>
-                </a:solidFill>
-                <a:effectLst>
-                  <a:outerShdw blurRad="38100" dist="38100" dir="2700000" algn="tl">
-                    <a:srgbClr val="000000">
-                      <a:alpha val="43137"/>
-                    </a:srgbClr>
-                  </a:outerShdw>
-                </a:effectLst>
-                <a:latin typeface="맑은 고딕" panose="020B0503020000020004" pitchFamily="50" charset="-127"/>
-                <a:ea typeface="맑은 고딕" panose="020B0503020000020004" pitchFamily="50" charset="-127"/>
-              </a:rPr>
-              <a:t> </a:t>
-            </a:r>
-            <a:r>
-              <a:rPr lang="en-US" altLang="ko-KR" sz="1550" i="0" dirty="0">
-                <a:solidFill>
-                  <a:schemeClr val="tx1">
-                    <a:lumMod val="95000"/>
-                    <a:lumOff val="5000"/>
-                  </a:schemeClr>
-                </a:solidFill>
-                <a:effectLst>
-                  <a:outerShdw blurRad="38100" dist="38100" dir="2700000" algn="tl">
-                    <a:srgbClr val="000000">
-                      <a:alpha val="43137"/>
-                    </a:srgbClr>
-                  </a:outerShdw>
-                </a:effectLst>
-                <a:latin typeface="맑은 고딕" panose="020B0503020000020004" pitchFamily="50" charset="-127"/>
-                <a:ea typeface="맑은 고딕" panose="020B0503020000020004" pitchFamily="50" charset="-127"/>
-              </a:rPr>
-              <a:t>(1.3</a:t>
-            </a:r>
-            <a:r>
-              <a:rPr lang="ko-KR" altLang="en-US" sz="1550" i="0" dirty="0">
-                <a:solidFill>
-                  <a:schemeClr val="tx1">
-                    <a:lumMod val="95000"/>
-                    <a:lumOff val="5000"/>
-                  </a:schemeClr>
-                </a:solidFill>
-                <a:effectLst>
-                  <a:outerShdw blurRad="38100" dist="38100" dir="2700000" algn="tl">
-                    <a:srgbClr val="000000">
-                      <a:alpha val="43137"/>
-                    </a:srgbClr>
-                  </a:outerShdw>
-                </a:effectLst>
-                <a:latin typeface="맑은 고딕" panose="020B0503020000020004" pitchFamily="50" charset="-127"/>
-                <a:ea typeface="맑은 고딕" panose="020B0503020000020004" pitchFamily="50" charset="-127"/>
-              </a:rPr>
-              <a:t>배</a:t>
-            </a:r>
-            <a:r>
-              <a:rPr lang="en-US" altLang="ko-KR" sz="1550" i="0" dirty="0">
-                <a:solidFill>
-                  <a:schemeClr val="tx1">
-                    <a:lumMod val="95000"/>
-                    <a:lumOff val="5000"/>
-                  </a:schemeClr>
-                </a:solidFill>
-                <a:effectLst>
-                  <a:outerShdw blurRad="38100" dist="38100" dir="2700000" algn="tl">
-                    <a:srgbClr val="000000">
-                      <a:alpha val="43137"/>
-                    </a:srgbClr>
-                  </a:outerShdw>
-                </a:effectLst>
-                <a:latin typeface="맑은 고딕" panose="020B0503020000020004" pitchFamily="50" charset="-127"/>
-                <a:ea typeface="맑은 고딕" panose="020B0503020000020004" pitchFamily="50" charset="-127"/>
-              </a:rPr>
-              <a:t>)</a:t>
-            </a:r>
-          </a:p>
-          <a:p>
-            <a:pPr marL="1444752" lvl="2" indent="-457200">
-              <a:lnSpc>
-                <a:spcPct val="160000"/>
-              </a:lnSpc>
-              <a:buFont typeface="+mj-lt"/>
-              <a:buAutoNum type="alphaUcPeriod"/>
-            </a:pPr>
-            <a:r>
-              <a:rPr lang="ko-KR" altLang="en-US" sz="1550" dirty="0" err="1">
-                <a:solidFill>
-                  <a:schemeClr val="tx1">
-                    <a:lumMod val="95000"/>
-                    <a:lumOff val="5000"/>
-                  </a:schemeClr>
-                </a:solidFill>
-                <a:effectLst>
-                  <a:outerShdw blurRad="38100" dist="38100" dir="2700000" algn="tl">
-                    <a:srgbClr val="000000">
-                      <a:alpha val="43137"/>
-                    </a:srgbClr>
-                  </a:outerShdw>
-                </a:effectLst>
-                <a:latin typeface="맑은 고딕" panose="020B0503020000020004" pitchFamily="50" charset="-127"/>
-                <a:ea typeface="맑은 고딕" panose="020B0503020000020004" pitchFamily="50" charset="-127"/>
-              </a:rPr>
-              <a:t>리깅</a:t>
-            </a:r>
-            <a:endParaRPr lang="en-US" altLang="ko-KR" sz="1550" i="0" dirty="0">
-              <a:solidFill>
-                <a:schemeClr val="tx1">
-                  <a:lumMod val="95000"/>
-                  <a:lumOff val="5000"/>
-                </a:schemeClr>
-              </a:solidFill>
-              <a:effectLst>
-                <a:outerShdw blurRad="38100" dist="38100" dir="2700000" algn="tl">
-                  <a:srgbClr val="000000">
-                    <a:alpha val="43137"/>
-                  </a:srgbClr>
-                </a:outerShdw>
-              </a:effectLst>
-              <a:latin typeface="맑은 고딕" panose="020B0503020000020004" pitchFamily="50" charset="-127"/>
-              <a:ea typeface="맑은 고딕" panose="020B0503020000020004" pitchFamily="50" charset="-127"/>
-            </a:endParaRPr>
-          </a:p>
-        </p:txBody>
-      </p:sp>
-      <p:sp>
-        <p:nvSpPr>
-          <p:cNvPr id="3" name="슬라이드 번호 개체 틀 2">
-            <a:extLst>
-              <a:ext uri="{FF2B5EF4-FFF2-40B4-BE49-F238E27FC236}">
-                <a16:creationId xmlns:a16="http://schemas.microsoft.com/office/drawing/2014/main" id="{36392628-7DF0-4B14-92FD-A5D98527D503}"/>
-              </a:ext>
-            </a:extLst>
-          </p:cNvPr>
-          <p:cNvSpPr>
-            <a:spLocks noGrp="1"/>
-          </p:cNvSpPr>
-          <p:nvPr>
-            <p:ph type="sldNum" sz="quarter" idx="12"/>
-          </p:nvPr>
-        </p:nvSpPr>
-        <p:spPr>
-          <a:xfrm>
-            <a:off x="7106400" y="6454800"/>
-            <a:ext cx="1198800" cy="403200"/>
-          </a:xfrm>
-        </p:spPr>
-        <p:txBody>
-          <a:bodyPr/>
-          <a:lstStyle/>
-          <a:p>
-            <a:fld id="{69E57DC2-970A-4B3E-BB1C-7A09969E49DF}" type="slidenum">
-              <a:rPr lang="en-US" smtClean="0"/>
-              <a:t>20</a:t>
-            </a:fld>
-            <a:endParaRPr lang="en-US" dirty="0"/>
-          </a:p>
-        </p:txBody>
-      </p:sp>
-    </p:spTree>
-    <p:extLst>
-      <p:ext uri="{BB962C8B-B14F-4D97-AF65-F5344CB8AC3E}">
-        <p14:creationId xmlns:p14="http://schemas.microsoft.com/office/powerpoint/2010/main" val="3771664722"/>
-      </p:ext>
-    </p:extLst>
-  </p:cSld>
-  <p:clrMapOvr>
-    <a:masterClrMapping/>
-  </p:clrMapOvr>
-</p:sld>
-</file>
-
-<file path=ppt/slides/slide21.xml><?xml version="1.0" encoding="utf-8"?>
-<p:sld xmlns:a="http://schemas.openxmlformats.org/drawingml/2006/main" xmlns:r="http://schemas.openxmlformats.org/officeDocument/2006/relationships" xmlns:p="http://schemas.openxmlformats.org/presentationml/2006/main">
-  <p:cSld>
-    <p:spTree>
-      <p:nvGrpSpPr>
-        <p:cNvPr id="1" name=""/>
-        <p:cNvGrpSpPr/>
-        <p:nvPr/>
-      </p:nvGrpSpPr>
-      <p:grpSpPr>
-        <a:xfrm>
-          <a:off x="0" y="0"/>
-          <a:ext cx="0" cy="0"/>
-          <a:chOff x="0" y="0"/>
-          <a:chExt cx="0" cy="0"/>
-        </a:xfrm>
-      </p:grpSpPr>
-      <p:sp>
-        <p:nvSpPr>
-          <p:cNvPr id="2" name="제목 1">
-            <a:extLst>
-              <a:ext uri="{FF2B5EF4-FFF2-40B4-BE49-F238E27FC236}">
-                <a16:creationId xmlns:a16="http://schemas.microsoft.com/office/drawing/2014/main" id="{1B2F03EE-71DD-491C-99CC-16E59ED95F65}"/>
-              </a:ext>
-            </a:extLst>
-          </p:cNvPr>
-          <p:cNvSpPr>
-            <a:spLocks noGrp="1"/>
-          </p:cNvSpPr>
-          <p:nvPr>
-            <p:ph type="title"/>
-          </p:nvPr>
-        </p:nvSpPr>
-        <p:spPr>
-          <a:xfrm>
-            <a:off x="1028700" y="651600"/>
-            <a:ext cx="7200900" cy="581025"/>
-          </a:xfrm>
-        </p:spPr>
-        <p:txBody>
-          <a:bodyPr>
-            <a:normAutofit/>
-          </a:bodyPr>
-          <a:lstStyle/>
-          <a:p>
-            <a:r>
-              <a:rPr lang="ko-KR" altLang="en-US" sz="3600" b="1" dirty="0">
-                <a:solidFill>
-                  <a:schemeClr val="tx1">
-                    <a:lumMod val="95000"/>
-                    <a:lumOff val="5000"/>
-                  </a:schemeClr>
-                </a:solidFill>
-                <a:latin typeface="맑은 고딕" panose="020B0503020000020004" pitchFamily="50" charset="-127"/>
-                <a:ea typeface="맑은 고딕" panose="020B0503020000020004" pitchFamily="50" charset="-127"/>
-              </a:rPr>
-              <a:t>보완 사항 및 앞으로 일정</a:t>
-            </a:r>
-            <a:r>
-              <a:rPr lang="en-US" altLang="ko-KR" sz="3600" b="1" dirty="0">
-                <a:solidFill>
-                  <a:schemeClr val="tx1">
-                    <a:lumMod val="95000"/>
-                    <a:lumOff val="5000"/>
-                  </a:schemeClr>
-                </a:solidFill>
-                <a:latin typeface="맑은 고딕" panose="020B0503020000020004" pitchFamily="50" charset="-127"/>
-                <a:ea typeface="맑은 고딕" panose="020B0503020000020004" pitchFamily="50" charset="-127"/>
-              </a:rPr>
-              <a:t>- </a:t>
-            </a:r>
-            <a:r>
-              <a:rPr lang="ko-KR" altLang="en-US" sz="3600" b="1" dirty="0">
-                <a:solidFill>
-                  <a:schemeClr val="tx1">
-                    <a:lumMod val="95000"/>
-                    <a:lumOff val="5000"/>
-                  </a:schemeClr>
-                </a:solidFill>
-                <a:latin typeface="맑은 고딕" panose="020B0503020000020004" pitchFamily="50" charset="-127"/>
-                <a:ea typeface="맑은 고딕" panose="020B0503020000020004" pitchFamily="50" charset="-127"/>
-              </a:rPr>
-              <a:t>이용선</a:t>
-            </a:r>
-          </a:p>
-        </p:txBody>
-      </p:sp>
-      <p:sp>
-        <p:nvSpPr>
-          <p:cNvPr id="5" name="내용 개체 틀 4">
-            <a:extLst>
-              <a:ext uri="{FF2B5EF4-FFF2-40B4-BE49-F238E27FC236}">
-                <a16:creationId xmlns:a16="http://schemas.microsoft.com/office/drawing/2014/main" id="{9FB52D98-533A-47D2-8523-BFFFB3E178F2}"/>
-              </a:ext>
-            </a:extLst>
-          </p:cNvPr>
-          <p:cNvSpPr>
-            <a:spLocks noGrp="1"/>
-          </p:cNvSpPr>
-          <p:nvPr>
-            <p:ph idx="1"/>
-          </p:nvPr>
-        </p:nvSpPr>
-        <p:spPr>
-          <a:xfrm>
-            <a:off x="1028700" y="1828626"/>
-            <a:ext cx="7200900" cy="4377774"/>
-          </a:xfrm>
-        </p:spPr>
-        <p:txBody>
-          <a:bodyPr>
-            <a:normAutofit fontScale="92500" lnSpcReduction="10000"/>
-          </a:bodyPr>
-          <a:lstStyle/>
-          <a:p>
-            <a:pPr marL="457200" indent="-457200">
-              <a:lnSpc>
-                <a:spcPct val="160000"/>
-              </a:lnSpc>
-              <a:buFont typeface="+mj-lt"/>
-              <a:buAutoNum type="alphaUcPeriod"/>
-            </a:pPr>
-            <a:r>
-              <a:rPr lang="ko-KR" altLang="en-US" sz="1950" i="0" dirty="0">
-                <a:solidFill>
-                  <a:schemeClr val="tx1">
-                    <a:lumMod val="95000"/>
-                    <a:lumOff val="5000"/>
-                  </a:schemeClr>
-                </a:solidFill>
-                <a:effectLst>
-                  <a:outerShdw blurRad="38100" dist="38100" dir="2700000" algn="tl">
-                    <a:srgbClr val="000000">
-                      <a:alpha val="43137"/>
-                    </a:srgbClr>
-                  </a:outerShdw>
-                </a:effectLst>
-                <a:latin typeface="맑은 고딕" panose="020B0503020000020004" pitchFamily="50" charset="-127"/>
-                <a:ea typeface="맑은 고딕" panose="020B0503020000020004" pitchFamily="50" charset="-127"/>
-              </a:rPr>
-              <a:t>이펙트</a:t>
-            </a:r>
-            <a:endParaRPr lang="en-US" altLang="ko-KR" sz="1950" i="0" dirty="0">
-              <a:solidFill>
-                <a:schemeClr val="tx1">
-                  <a:lumMod val="95000"/>
-                  <a:lumOff val="5000"/>
-                </a:schemeClr>
-              </a:solidFill>
-              <a:effectLst>
-                <a:outerShdw blurRad="38100" dist="38100" dir="2700000" algn="tl">
-                  <a:srgbClr val="000000">
-                    <a:alpha val="43137"/>
-                  </a:srgbClr>
-                </a:outerShdw>
-              </a:effectLst>
-              <a:latin typeface="맑은 고딕" panose="020B0503020000020004" pitchFamily="50" charset="-127"/>
-              <a:ea typeface="맑은 고딕" panose="020B0503020000020004" pitchFamily="50" charset="-127"/>
-            </a:endParaRPr>
-          </a:p>
-          <a:p>
-            <a:pPr marL="987552" lvl="1" indent="-457200">
-              <a:lnSpc>
-                <a:spcPct val="160000"/>
-              </a:lnSpc>
-              <a:buFont typeface="+mj-lt"/>
-              <a:buAutoNum type="alphaUcPeriod"/>
-            </a:pPr>
-            <a:r>
-              <a:rPr lang="en-US" altLang="ko-KR" sz="1750" dirty="0">
-                <a:solidFill>
-                  <a:schemeClr val="tx1">
-                    <a:lumMod val="95000"/>
-                    <a:lumOff val="5000"/>
-                  </a:schemeClr>
-                </a:solidFill>
-                <a:effectLst>
-                  <a:outerShdw blurRad="38100" dist="38100" dir="2700000" algn="tl">
-                    <a:srgbClr val="000000">
-                      <a:alpha val="43137"/>
-                    </a:srgbClr>
-                  </a:outerShdw>
-                </a:effectLst>
-                <a:latin typeface="맑은 고딕" panose="020B0503020000020004" pitchFamily="50" charset="-127"/>
-                <a:ea typeface="맑은 고딕" panose="020B0503020000020004" pitchFamily="50" charset="-127"/>
-              </a:rPr>
-              <a:t>Die</a:t>
-            </a:r>
-          </a:p>
-          <a:p>
-            <a:pPr marL="987552" lvl="1" indent="-457200">
-              <a:lnSpc>
-                <a:spcPct val="160000"/>
-              </a:lnSpc>
-              <a:buFont typeface="+mj-lt"/>
-              <a:buAutoNum type="alphaUcPeriod"/>
-            </a:pPr>
-            <a:r>
-              <a:rPr lang="en-US" altLang="ko-KR" sz="1750" dirty="0">
-                <a:solidFill>
-                  <a:schemeClr val="tx1">
-                    <a:lumMod val="95000"/>
-                    <a:lumOff val="5000"/>
-                  </a:schemeClr>
-                </a:solidFill>
-                <a:effectLst>
-                  <a:outerShdw blurRad="38100" dist="38100" dir="2700000" algn="tl">
-                    <a:srgbClr val="000000">
-                      <a:alpha val="43137"/>
-                    </a:srgbClr>
-                  </a:outerShdw>
-                </a:effectLst>
-                <a:latin typeface="맑은 고딕" panose="020B0503020000020004" pitchFamily="50" charset="-127"/>
-                <a:ea typeface="맑은 고딕" panose="020B0503020000020004" pitchFamily="50" charset="-127"/>
-              </a:rPr>
-              <a:t>Kill</a:t>
-            </a:r>
-          </a:p>
-          <a:p>
-            <a:pPr marL="987552" lvl="1" indent="-457200">
-              <a:lnSpc>
-                <a:spcPct val="160000"/>
-              </a:lnSpc>
-              <a:buFont typeface="+mj-lt"/>
-              <a:buAutoNum type="alphaUcPeriod"/>
-            </a:pPr>
-            <a:r>
-              <a:rPr lang="en-US" altLang="ko-KR" sz="1750" dirty="0">
-                <a:solidFill>
-                  <a:schemeClr val="tx1">
-                    <a:lumMod val="95000"/>
-                    <a:lumOff val="5000"/>
-                  </a:schemeClr>
-                </a:solidFill>
-                <a:effectLst>
-                  <a:outerShdw blurRad="38100" dist="38100" dir="2700000" algn="tl">
-                    <a:srgbClr val="000000">
-                      <a:alpha val="43137"/>
-                    </a:srgbClr>
-                  </a:outerShdw>
-                </a:effectLst>
-                <a:latin typeface="맑은 고딕" panose="020B0503020000020004" pitchFamily="50" charset="-127"/>
-                <a:ea typeface="맑은 고딕" panose="020B0503020000020004" pitchFamily="50" charset="-127"/>
-              </a:rPr>
-              <a:t>Win</a:t>
-            </a:r>
-          </a:p>
-          <a:p>
-            <a:pPr marL="987552" lvl="1" indent="-457200">
-              <a:lnSpc>
-                <a:spcPct val="160000"/>
-              </a:lnSpc>
-              <a:buFont typeface="+mj-lt"/>
-              <a:buAutoNum type="alphaUcPeriod"/>
-            </a:pPr>
-            <a:r>
-              <a:rPr lang="en-US" altLang="ko-KR" sz="1750" dirty="0">
-                <a:solidFill>
-                  <a:schemeClr val="tx1">
-                    <a:lumMod val="95000"/>
-                    <a:lumOff val="5000"/>
-                  </a:schemeClr>
-                </a:solidFill>
-                <a:effectLst>
-                  <a:outerShdw blurRad="38100" dist="38100" dir="2700000" algn="tl">
-                    <a:srgbClr val="000000">
-                      <a:alpha val="43137"/>
-                    </a:srgbClr>
-                  </a:outerShdw>
-                </a:effectLst>
-                <a:latin typeface="맑은 고딕" panose="020B0503020000020004" pitchFamily="50" charset="-127"/>
-                <a:ea typeface="맑은 고딕" panose="020B0503020000020004" pitchFamily="50" charset="-127"/>
-              </a:rPr>
-              <a:t>Lose</a:t>
-            </a:r>
-          </a:p>
-          <a:p>
-            <a:pPr marL="987552" lvl="1" indent="-457200">
-              <a:lnSpc>
-                <a:spcPct val="160000"/>
-              </a:lnSpc>
-              <a:buFont typeface="+mj-lt"/>
-              <a:buAutoNum type="alphaUcPeriod"/>
-            </a:pPr>
-            <a:r>
-              <a:rPr lang="ko-KR" altLang="en-US" sz="1750" dirty="0">
-                <a:solidFill>
-                  <a:schemeClr val="tx1">
-                    <a:lumMod val="95000"/>
-                    <a:lumOff val="5000"/>
-                  </a:schemeClr>
-                </a:solidFill>
-                <a:effectLst>
-                  <a:outerShdw blurRad="38100" dist="38100" dir="2700000" algn="tl">
-                    <a:srgbClr val="000000">
-                      <a:alpha val="43137"/>
-                    </a:srgbClr>
-                  </a:outerShdw>
-                </a:effectLst>
-                <a:latin typeface="맑은 고딕" panose="020B0503020000020004" pitchFamily="50" charset="-127"/>
-                <a:ea typeface="맑은 고딕" panose="020B0503020000020004" pitchFamily="50" charset="-127"/>
-              </a:rPr>
-              <a:t>특성 사용시 반짝이</a:t>
-            </a:r>
-            <a:endParaRPr lang="en-US" altLang="ko-KR" sz="1750" dirty="0">
-              <a:solidFill>
-                <a:schemeClr val="tx1">
-                  <a:lumMod val="95000"/>
-                  <a:lumOff val="5000"/>
-                </a:schemeClr>
-              </a:solidFill>
-              <a:effectLst>
-                <a:outerShdw blurRad="38100" dist="38100" dir="2700000" algn="tl">
-                  <a:srgbClr val="000000">
-                    <a:alpha val="43137"/>
-                  </a:srgbClr>
-                </a:outerShdw>
-              </a:effectLst>
-              <a:latin typeface="맑은 고딕" panose="020B0503020000020004" pitchFamily="50" charset="-127"/>
-              <a:ea typeface="맑은 고딕" panose="020B0503020000020004" pitchFamily="50" charset="-127"/>
-            </a:endParaRPr>
-          </a:p>
-          <a:p>
-            <a:pPr marL="457200" indent="-457200">
-              <a:lnSpc>
-                <a:spcPct val="160000"/>
-              </a:lnSpc>
-              <a:buFont typeface="+mj-lt"/>
-              <a:buAutoNum type="alphaUcPeriod"/>
-            </a:pPr>
-            <a:r>
-              <a:rPr lang="ko-KR" altLang="en-US" sz="1750" dirty="0">
-                <a:solidFill>
-                  <a:schemeClr val="tx1">
-                    <a:lumMod val="95000"/>
-                    <a:lumOff val="5000"/>
-                  </a:schemeClr>
-                </a:solidFill>
-                <a:effectLst>
-                  <a:outerShdw blurRad="38100" dist="38100" dir="2700000" algn="tl">
-                    <a:srgbClr val="000000">
-                      <a:alpha val="43137"/>
-                    </a:srgbClr>
-                  </a:outerShdw>
-                </a:effectLst>
-                <a:latin typeface="맑은 고딕" panose="020B0503020000020004" pitchFamily="50" charset="-127"/>
-                <a:ea typeface="맑은 고딕" panose="020B0503020000020004" pitchFamily="50" charset="-127"/>
-              </a:rPr>
-              <a:t>사운드</a:t>
-            </a:r>
-            <a:endParaRPr lang="en-US" altLang="ko-KR" sz="1750" dirty="0">
-              <a:solidFill>
-                <a:schemeClr val="tx1">
-                  <a:lumMod val="95000"/>
-                  <a:lumOff val="5000"/>
-                </a:schemeClr>
-              </a:solidFill>
-              <a:effectLst>
-                <a:outerShdw blurRad="38100" dist="38100" dir="2700000" algn="tl">
-                  <a:srgbClr val="000000">
-                    <a:alpha val="43137"/>
-                  </a:srgbClr>
-                </a:outerShdw>
-              </a:effectLst>
-              <a:latin typeface="맑은 고딕" panose="020B0503020000020004" pitchFamily="50" charset="-127"/>
-              <a:ea typeface="맑은 고딕" panose="020B0503020000020004" pitchFamily="50" charset="-127"/>
-            </a:endParaRPr>
-          </a:p>
-          <a:p>
-            <a:pPr marL="987552" lvl="1" indent="-457200">
-              <a:lnSpc>
-                <a:spcPct val="160000"/>
-              </a:lnSpc>
-              <a:buFont typeface="+mj-lt"/>
-              <a:buAutoNum type="alphaUcPeriod"/>
-            </a:pPr>
-            <a:r>
-              <a:rPr lang="en-US" altLang="ko-KR" sz="1750" dirty="0">
-                <a:solidFill>
-                  <a:schemeClr val="tx1">
-                    <a:lumMod val="95000"/>
-                    <a:lumOff val="5000"/>
-                  </a:schemeClr>
-                </a:solidFill>
-                <a:effectLst>
-                  <a:outerShdw blurRad="38100" dist="38100" dir="2700000" algn="tl">
-                    <a:srgbClr val="000000">
-                      <a:alpha val="43137"/>
-                    </a:srgbClr>
-                  </a:outerShdw>
-                </a:effectLst>
-                <a:latin typeface="맑은 고딕" panose="020B0503020000020004" pitchFamily="50" charset="-127"/>
-                <a:ea typeface="맑은 고딕" panose="020B0503020000020004" pitchFamily="50" charset="-127"/>
-              </a:rPr>
-              <a:t>WIN</a:t>
-            </a:r>
-          </a:p>
-          <a:p>
-            <a:pPr marL="987552" lvl="1" indent="-457200">
-              <a:lnSpc>
-                <a:spcPct val="160000"/>
-              </a:lnSpc>
-              <a:buFont typeface="+mj-lt"/>
-              <a:buAutoNum type="alphaUcPeriod"/>
-            </a:pPr>
-            <a:r>
-              <a:rPr lang="en-US" altLang="ko-KR" sz="1750" dirty="0">
-                <a:solidFill>
-                  <a:schemeClr val="tx1">
-                    <a:lumMod val="95000"/>
-                    <a:lumOff val="5000"/>
-                  </a:schemeClr>
-                </a:solidFill>
-                <a:effectLst>
-                  <a:outerShdw blurRad="38100" dist="38100" dir="2700000" algn="tl">
-                    <a:srgbClr val="000000">
-                      <a:alpha val="43137"/>
-                    </a:srgbClr>
-                  </a:outerShdw>
-                </a:effectLst>
-                <a:latin typeface="맑은 고딕" panose="020B0503020000020004" pitchFamily="50" charset="-127"/>
-                <a:ea typeface="맑은 고딕" panose="020B0503020000020004" pitchFamily="50" charset="-127"/>
-              </a:rPr>
-              <a:t>Lose</a:t>
-            </a:r>
           </a:p>
           <a:p>
             <a:pPr marL="987552" lvl="1" indent="-457200">
@@ -25084,7 +24131,1476 @@
           <a:p>
             <a:fld id="{69E57DC2-970A-4B3E-BB1C-7A09969E49DF}" type="slidenum">
               <a:rPr lang="en-US" smtClean="0"/>
+              <a:t>20</a:t>
+            </a:fld>
+            <a:endParaRPr lang="en-US" dirty="0"/>
+          </a:p>
+        </p:txBody>
+      </p:sp>
+    </p:spTree>
+    <p:extLst>
+      <p:ext uri="{BB962C8B-B14F-4D97-AF65-F5344CB8AC3E}">
+        <p14:creationId xmlns:p14="http://schemas.microsoft.com/office/powerpoint/2010/main" val="3375830909"/>
+      </p:ext>
+    </p:extLst>
+  </p:cSld>
+  <p:clrMapOvr>
+    <a:masterClrMapping/>
+  </p:clrMapOvr>
+</p:sld>
+</file>
+
+<file path=ppt/slides/slide21.xml><?xml version="1.0" encoding="utf-8"?>
+<p:sld xmlns:a="http://schemas.openxmlformats.org/drawingml/2006/main" xmlns:r="http://schemas.openxmlformats.org/officeDocument/2006/relationships" xmlns:p="http://schemas.openxmlformats.org/presentationml/2006/main">
+  <p:cSld>
+    <p:spTree>
+      <p:nvGrpSpPr>
+        <p:cNvPr id="1" name=""/>
+        <p:cNvGrpSpPr/>
+        <p:nvPr/>
+      </p:nvGrpSpPr>
+      <p:grpSpPr>
+        <a:xfrm>
+          <a:off x="0" y="0"/>
+          <a:ext cx="0" cy="0"/>
+          <a:chOff x="0" y="0"/>
+          <a:chExt cx="0" cy="0"/>
+        </a:xfrm>
+      </p:grpSpPr>
+      <p:sp>
+        <p:nvSpPr>
+          <p:cNvPr id="2" name="제목 1">
+            <a:extLst>
+              <a:ext uri="{FF2B5EF4-FFF2-40B4-BE49-F238E27FC236}">
+                <a16:creationId xmlns:a16="http://schemas.microsoft.com/office/drawing/2014/main" id="{1B2F03EE-71DD-491C-99CC-16E59ED95F65}"/>
+              </a:ext>
+            </a:extLst>
+          </p:cNvPr>
+          <p:cNvSpPr>
+            <a:spLocks noGrp="1"/>
+          </p:cNvSpPr>
+          <p:nvPr>
+            <p:ph type="title"/>
+          </p:nvPr>
+        </p:nvSpPr>
+        <p:spPr>
+          <a:xfrm>
+            <a:off x="1028700" y="651600"/>
+            <a:ext cx="7200900" cy="581025"/>
+          </a:xfrm>
+        </p:spPr>
+        <p:txBody>
+          <a:bodyPr>
+            <a:normAutofit/>
+          </a:bodyPr>
+          <a:lstStyle/>
+          <a:p>
+            <a:r>
+              <a:rPr lang="ko-KR" altLang="en-US" sz="3600" b="1" dirty="0">
+                <a:solidFill>
+                  <a:schemeClr val="tx1">
+                    <a:lumMod val="95000"/>
+                    <a:lumOff val="5000"/>
+                  </a:schemeClr>
+                </a:solidFill>
+                <a:latin typeface="맑은 고딕" panose="020B0503020000020004" pitchFamily="50" charset="-127"/>
+                <a:ea typeface="맑은 고딕" panose="020B0503020000020004" pitchFamily="50" charset="-127"/>
+              </a:rPr>
+              <a:t>보완 사항 및 앞으로 일정</a:t>
+            </a:r>
+            <a:r>
+              <a:rPr lang="en-US" altLang="ko-KR" sz="3600" b="1" dirty="0">
+                <a:solidFill>
+                  <a:schemeClr val="tx1">
+                    <a:lumMod val="95000"/>
+                    <a:lumOff val="5000"/>
+                  </a:schemeClr>
+                </a:solidFill>
+                <a:latin typeface="맑은 고딕" panose="020B0503020000020004" pitchFamily="50" charset="-127"/>
+                <a:ea typeface="맑은 고딕" panose="020B0503020000020004" pitchFamily="50" charset="-127"/>
+              </a:rPr>
+              <a:t>- </a:t>
+            </a:r>
+            <a:r>
+              <a:rPr lang="ko-KR" altLang="en-US" sz="3600" b="1" dirty="0">
+                <a:solidFill>
+                  <a:schemeClr val="tx1">
+                    <a:lumMod val="95000"/>
+                    <a:lumOff val="5000"/>
+                  </a:schemeClr>
+                </a:solidFill>
+                <a:latin typeface="맑은 고딕" panose="020B0503020000020004" pitchFamily="50" charset="-127"/>
+                <a:ea typeface="맑은 고딕" panose="020B0503020000020004" pitchFamily="50" charset="-127"/>
+              </a:rPr>
+              <a:t>이용선</a:t>
+            </a:r>
+          </a:p>
+        </p:txBody>
+      </p:sp>
+      <p:sp>
+        <p:nvSpPr>
+          <p:cNvPr id="5" name="내용 개체 틀 4">
+            <a:extLst>
+              <a:ext uri="{FF2B5EF4-FFF2-40B4-BE49-F238E27FC236}">
+                <a16:creationId xmlns:a16="http://schemas.microsoft.com/office/drawing/2014/main" id="{9FB52D98-533A-47D2-8523-BFFFB3E178F2}"/>
+              </a:ext>
+            </a:extLst>
+          </p:cNvPr>
+          <p:cNvSpPr>
+            <a:spLocks noGrp="1"/>
+          </p:cNvSpPr>
+          <p:nvPr>
+            <p:ph idx="1"/>
+          </p:nvPr>
+        </p:nvSpPr>
+        <p:spPr>
+          <a:xfrm>
+            <a:off x="1028700" y="1828626"/>
+            <a:ext cx="7200900" cy="4377774"/>
+          </a:xfrm>
+        </p:spPr>
+        <p:txBody>
+          <a:bodyPr>
+            <a:normAutofit fontScale="55000" lnSpcReduction="20000"/>
+          </a:bodyPr>
+          <a:lstStyle/>
+          <a:p>
+            <a:pPr marL="457200" indent="-457200">
+              <a:lnSpc>
+                <a:spcPct val="160000"/>
+              </a:lnSpc>
+              <a:buFont typeface="+mj-lt"/>
+              <a:buAutoNum type="alphaUcPeriod"/>
+            </a:pPr>
+            <a:r>
+              <a:rPr lang="en-US" altLang="ko-KR" sz="1950" i="0" dirty="0">
+                <a:solidFill>
+                  <a:schemeClr val="tx1">
+                    <a:lumMod val="95000"/>
+                    <a:lumOff val="5000"/>
+                  </a:schemeClr>
+                </a:solidFill>
+                <a:effectLst>
+                  <a:outerShdw blurRad="38100" dist="38100" dir="2700000" algn="tl">
+                    <a:srgbClr val="000000">
+                      <a:alpha val="43137"/>
+                    </a:srgbClr>
+                  </a:outerShdw>
+                </a:effectLst>
+                <a:latin typeface="맑은 고딕" panose="020B0503020000020004" pitchFamily="50" charset="-127"/>
+                <a:ea typeface="맑은 고딕" panose="020B0503020000020004" pitchFamily="50" charset="-127"/>
+              </a:rPr>
+              <a:t>Scene (Title / Room)</a:t>
+            </a:r>
+          </a:p>
+          <a:p>
+            <a:pPr marL="987552" lvl="1" indent="-457200">
+              <a:lnSpc>
+                <a:spcPct val="160000"/>
+              </a:lnSpc>
+              <a:buFont typeface="+mj-lt"/>
+              <a:buAutoNum type="alphaUcPeriod"/>
+            </a:pPr>
+            <a:r>
+              <a:rPr lang="ko-KR" altLang="en-US" sz="1750" dirty="0">
+                <a:solidFill>
+                  <a:schemeClr val="tx1">
+                    <a:lumMod val="95000"/>
+                    <a:lumOff val="5000"/>
+                  </a:schemeClr>
+                </a:solidFill>
+                <a:effectLst>
+                  <a:outerShdw blurRad="38100" dist="38100" dir="2700000" algn="tl">
+                    <a:srgbClr val="000000">
+                      <a:alpha val="43137"/>
+                    </a:srgbClr>
+                  </a:outerShdw>
+                </a:effectLst>
+                <a:latin typeface="맑은 고딕" panose="020B0503020000020004" pitchFamily="50" charset="-127"/>
+                <a:ea typeface="맑은 고딕" panose="020B0503020000020004" pitchFamily="50" charset="-127"/>
+              </a:rPr>
+              <a:t>이미지 추가</a:t>
+            </a:r>
+            <a:endParaRPr lang="en-US" altLang="ko-KR" sz="1750" dirty="0">
+              <a:solidFill>
+                <a:schemeClr val="tx1">
+                  <a:lumMod val="95000"/>
+                  <a:lumOff val="5000"/>
+                </a:schemeClr>
+              </a:solidFill>
+              <a:effectLst>
+                <a:outerShdw blurRad="38100" dist="38100" dir="2700000" algn="tl">
+                  <a:srgbClr val="000000">
+                    <a:alpha val="43137"/>
+                  </a:srgbClr>
+                </a:outerShdw>
+              </a:effectLst>
+              <a:latin typeface="맑은 고딕" panose="020B0503020000020004" pitchFamily="50" charset="-127"/>
+              <a:ea typeface="맑은 고딕" panose="020B0503020000020004" pitchFamily="50" charset="-127"/>
+            </a:endParaRPr>
+          </a:p>
+          <a:p>
+            <a:pPr marL="1444752" lvl="2" indent="-457200">
+              <a:lnSpc>
+                <a:spcPct val="160000"/>
+              </a:lnSpc>
+              <a:buFont typeface="+mj-lt"/>
+              <a:buAutoNum type="alphaUcPeriod"/>
+            </a:pPr>
+            <a:r>
+              <a:rPr lang="ko-KR" altLang="en-US" sz="1550" strike="sngStrike" dirty="0">
+                <a:solidFill>
+                  <a:schemeClr val="tx1">
+                    <a:lumMod val="95000"/>
+                    <a:lumOff val="5000"/>
+                  </a:schemeClr>
+                </a:solidFill>
+                <a:effectLst>
+                  <a:outerShdw blurRad="38100" dist="38100" dir="2700000" algn="tl">
+                    <a:srgbClr val="000000">
+                      <a:alpha val="43137"/>
+                    </a:srgbClr>
+                  </a:outerShdw>
+                </a:effectLst>
+                <a:latin typeface="맑은 고딕" panose="020B0503020000020004" pitchFamily="50" charset="-127"/>
+                <a:ea typeface="맑은 고딕" panose="020B0503020000020004" pitchFamily="50" charset="-127"/>
+              </a:rPr>
+              <a:t>게임접속</a:t>
+            </a:r>
+            <a:endParaRPr lang="en-US" altLang="ko-KR" sz="1550" strike="sngStrike" dirty="0">
+              <a:solidFill>
+                <a:schemeClr val="tx1">
+                  <a:lumMod val="95000"/>
+                  <a:lumOff val="5000"/>
+                </a:schemeClr>
+              </a:solidFill>
+              <a:effectLst>
+                <a:outerShdw blurRad="38100" dist="38100" dir="2700000" algn="tl">
+                  <a:srgbClr val="000000">
+                    <a:alpha val="43137"/>
+                  </a:srgbClr>
+                </a:outerShdw>
+              </a:effectLst>
+              <a:latin typeface="맑은 고딕" panose="020B0503020000020004" pitchFamily="50" charset="-127"/>
+              <a:ea typeface="맑은 고딕" panose="020B0503020000020004" pitchFamily="50" charset="-127"/>
+            </a:endParaRPr>
+          </a:p>
+          <a:p>
+            <a:pPr marL="1444752" lvl="2" indent="-457200">
+              <a:lnSpc>
+                <a:spcPct val="160000"/>
+              </a:lnSpc>
+              <a:buFont typeface="+mj-lt"/>
+              <a:buAutoNum type="alphaUcPeriod"/>
+            </a:pPr>
+            <a:r>
+              <a:rPr lang="ko-KR" altLang="en-US" sz="1550" strike="sngStrike" dirty="0">
+                <a:solidFill>
+                  <a:schemeClr val="tx1">
+                    <a:lumMod val="95000"/>
+                    <a:lumOff val="5000"/>
+                  </a:schemeClr>
+                </a:solidFill>
+                <a:effectLst>
+                  <a:outerShdw blurRad="38100" dist="38100" dir="2700000" algn="tl">
+                    <a:srgbClr val="000000">
+                      <a:alpha val="43137"/>
+                    </a:srgbClr>
+                  </a:outerShdw>
+                </a:effectLst>
+                <a:latin typeface="맑은 고딕" panose="020B0503020000020004" pitchFamily="50" charset="-127"/>
+                <a:ea typeface="맑은 고딕" panose="020B0503020000020004" pitchFamily="50" charset="-127"/>
+              </a:rPr>
+              <a:t>게임시작 </a:t>
+            </a:r>
+            <a:r>
+              <a:rPr lang="en-US" altLang="ko-KR" sz="1550" strike="sngStrike" dirty="0">
+                <a:solidFill>
+                  <a:schemeClr val="tx1">
+                    <a:lumMod val="95000"/>
+                    <a:lumOff val="5000"/>
+                  </a:schemeClr>
+                </a:solidFill>
+                <a:effectLst>
+                  <a:outerShdw blurRad="38100" dist="38100" dir="2700000" algn="tl">
+                    <a:srgbClr val="000000">
+                      <a:alpha val="43137"/>
+                    </a:srgbClr>
+                  </a:outerShdw>
+                </a:effectLst>
+                <a:latin typeface="맑은 고딕" panose="020B0503020000020004" pitchFamily="50" charset="-127"/>
+                <a:ea typeface="맑은 고딕" panose="020B0503020000020004" pitchFamily="50" charset="-127"/>
+              </a:rPr>
+              <a:t>(ROOM)</a:t>
+            </a:r>
+          </a:p>
+          <a:p>
+            <a:pPr marL="1444752" lvl="2" indent="-457200">
+              <a:lnSpc>
+                <a:spcPct val="160000"/>
+              </a:lnSpc>
+              <a:buFont typeface="+mj-lt"/>
+              <a:buAutoNum type="alphaUcPeriod"/>
+            </a:pPr>
+            <a:r>
+              <a:rPr lang="ko-KR" altLang="en-US" sz="1550" strike="sngStrike" dirty="0">
+                <a:solidFill>
+                  <a:schemeClr val="tx1">
+                    <a:lumMod val="95000"/>
+                    <a:lumOff val="5000"/>
+                  </a:schemeClr>
+                </a:solidFill>
+                <a:effectLst>
+                  <a:outerShdw blurRad="38100" dist="38100" dir="2700000" algn="tl">
+                    <a:srgbClr val="000000">
+                      <a:alpha val="43137"/>
+                    </a:srgbClr>
+                  </a:outerShdw>
+                </a:effectLst>
+                <a:latin typeface="맑은 고딕" panose="020B0503020000020004" pitchFamily="50" charset="-127"/>
+                <a:ea typeface="맑은 고딕" panose="020B0503020000020004" pitchFamily="50" charset="-127"/>
+              </a:rPr>
+              <a:t>게임종료</a:t>
+            </a:r>
+            <a:endParaRPr lang="en-US" altLang="ko-KR" sz="1550" strike="sngStrike" dirty="0">
+              <a:solidFill>
+                <a:schemeClr val="tx1">
+                  <a:lumMod val="95000"/>
+                  <a:lumOff val="5000"/>
+                </a:schemeClr>
+              </a:solidFill>
+              <a:effectLst>
+                <a:outerShdw blurRad="38100" dist="38100" dir="2700000" algn="tl">
+                  <a:srgbClr val="000000">
+                    <a:alpha val="43137"/>
+                  </a:srgbClr>
+                </a:outerShdw>
+              </a:effectLst>
+              <a:latin typeface="맑은 고딕" panose="020B0503020000020004" pitchFamily="50" charset="-127"/>
+              <a:ea typeface="맑은 고딕" panose="020B0503020000020004" pitchFamily="50" charset="-127"/>
+            </a:endParaRPr>
+          </a:p>
+          <a:p>
+            <a:pPr marL="1444752" lvl="2" indent="-457200">
+              <a:lnSpc>
+                <a:spcPct val="160000"/>
+              </a:lnSpc>
+              <a:buFont typeface="+mj-lt"/>
+              <a:buAutoNum type="alphaUcPeriod"/>
+            </a:pPr>
+            <a:r>
+              <a:rPr lang="ko-KR" altLang="en-US" sz="1550" strike="sngStrike" dirty="0">
+                <a:solidFill>
+                  <a:schemeClr val="tx1">
+                    <a:lumMod val="95000"/>
+                    <a:lumOff val="5000"/>
+                  </a:schemeClr>
+                </a:solidFill>
+                <a:effectLst>
+                  <a:outerShdw blurRad="38100" dist="38100" dir="2700000" algn="tl">
+                    <a:srgbClr val="000000">
+                      <a:alpha val="43137"/>
+                    </a:srgbClr>
+                  </a:outerShdw>
+                </a:effectLst>
+                <a:latin typeface="맑은 고딕" panose="020B0503020000020004" pitchFamily="50" charset="-127"/>
+                <a:ea typeface="맑은 고딕" panose="020B0503020000020004" pitchFamily="50" charset="-127"/>
+              </a:rPr>
+              <a:t>나가기</a:t>
+            </a:r>
+            <a:endParaRPr lang="en-US" altLang="ko-KR" sz="1550" strike="sngStrike" dirty="0">
+              <a:solidFill>
+                <a:schemeClr val="tx1">
+                  <a:lumMod val="95000"/>
+                  <a:lumOff val="5000"/>
+                </a:schemeClr>
+              </a:solidFill>
+              <a:effectLst>
+                <a:outerShdw blurRad="38100" dist="38100" dir="2700000" algn="tl">
+                  <a:srgbClr val="000000">
+                    <a:alpha val="43137"/>
+                  </a:srgbClr>
+                </a:outerShdw>
+              </a:effectLst>
+              <a:latin typeface="맑은 고딕" panose="020B0503020000020004" pitchFamily="50" charset="-127"/>
+              <a:ea typeface="맑은 고딕" panose="020B0503020000020004" pitchFamily="50" charset="-127"/>
+            </a:endParaRPr>
+          </a:p>
+          <a:p>
+            <a:pPr marL="1444752" lvl="2" indent="-457200">
+              <a:lnSpc>
+                <a:spcPct val="160000"/>
+              </a:lnSpc>
+              <a:buFont typeface="+mj-lt"/>
+              <a:buAutoNum type="alphaUcPeriod"/>
+            </a:pPr>
+            <a:r>
+              <a:rPr lang="ko-KR" altLang="en-US" sz="1550" strike="sngStrike" dirty="0">
+                <a:solidFill>
+                  <a:schemeClr val="tx1">
+                    <a:lumMod val="95000"/>
+                    <a:lumOff val="5000"/>
+                  </a:schemeClr>
+                </a:solidFill>
+                <a:effectLst>
+                  <a:outerShdw blurRad="38100" dist="38100" dir="2700000" algn="tl">
+                    <a:srgbClr val="000000">
+                      <a:alpha val="43137"/>
+                    </a:srgbClr>
+                  </a:outerShdw>
+                </a:effectLst>
+                <a:latin typeface="맑은 고딕" panose="020B0503020000020004" pitchFamily="50" charset="-127"/>
+                <a:ea typeface="맑은 고딕" panose="020B0503020000020004" pitchFamily="50" charset="-127"/>
+              </a:rPr>
+              <a:t>접속 플레이어 표시 </a:t>
+            </a:r>
+            <a:r>
+              <a:rPr lang="en-US" altLang="ko-KR" sz="1550" strike="sngStrike" dirty="0">
+                <a:solidFill>
+                  <a:schemeClr val="tx1">
+                    <a:lumMod val="95000"/>
+                    <a:lumOff val="5000"/>
+                  </a:schemeClr>
+                </a:solidFill>
+                <a:effectLst>
+                  <a:outerShdw blurRad="38100" dist="38100" dir="2700000" algn="tl">
+                    <a:srgbClr val="000000">
+                      <a:alpha val="43137"/>
+                    </a:srgbClr>
+                  </a:outerShdw>
+                </a:effectLst>
+                <a:latin typeface="맑은 고딕" panose="020B0503020000020004" pitchFamily="50" charset="-127"/>
+                <a:ea typeface="맑은 고딕" panose="020B0503020000020004" pitchFamily="50" charset="-127"/>
+              </a:rPr>
+              <a:t>(ROOM)</a:t>
+            </a:r>
+          </a:p>
+          <a:p>
+            <a:pPr marL="1444752" lvl="2" indent="-457200">
+              <a:lnSpc>
+                <a:spcPct val="160000"/>
+              </a:lnSpc>
+              <a:buFont typeface="+mj-lt"/>
+              <a:buAutoNum type="alphaUcPeriod"/>
+            </a:pPr>
+            <a:r>
+              <a:rPr lang="en-US" altLang="ko-KR" sz="1550" strike="sngStrike" dirty="0">
+                <a:solidFill>
+                  <a:schemeClr val="tx1">
+                    <a:lumMod val="95000"/>
+                    <a:lumOff val="5000"/>
+                  </a:schemeClr>
+                </a:solidFill>
+                <a:effectLst>
+                  <a:outerShdw blurRad="38100" dist="38100" dir="2700000" algn="tl">
+                    <a:srgbClr val="000000">
+                      <a:alpha val="43137"/>
+                    </a:srgbClr>
+                  </a:outerShdw>
+                </a:effectLst>
+                <a:latin typeface="맑은 고딕" panose="020B0503020000020004" pitchFamily="50" charset="-127"/>
+                <a:ea typeface="맑은 고딕" panose="020B0503020000020004" pitchFamily="50" charset="-127"/>
+              </a:rPr>
+              <a:t>AI </a:t>
+            </a:r>
+            <a:r>
+              <a:rPr lang="ko-KR" altLang="en-US" sz="1550" strike="sngStrike" dirty="0">
+                <a:solidFill>
+                  <a:schemeClr val="tx1">
+                    <a:lumMod val="95000"/>
+                    <a:lumOff val="5000"/>
+                  </a:schemeClr>
+                </a:solidFill>
+                <a:effectLst>
+                  <a:outerShdw blurRad="38100" dist="38100" dir="2700000" algn="tl">
+                    <a:srgbClr val="000000">
+                      <a:alpha val="43137"/>
+                    </a:srgbClr>
+                  </a:outerShdw>
+                </a:effectLst>
+                <a:latin typeface="맑은 고딕" panose="020B0503020000020004" pitchFamily="50" charset="-127"/>
+                <a:ea typeface="맑은 고딕" panose="020B0503020000020004" pitchFamily="50" charset="-127"/>
+              </a:rPr>
+              <a:t>표시</a:t>
+            </a:r>
+            <a:endParaRPr lang="en-US" altLang="ko-KR" sz="1550" strike="sngStrike" dirty="0">
+              <a:solidFill>
+                <a:schemeClr val="tx1">
+                  <a:lumMod val="95000"/>
+                  <a:lumOff val="5000"/>
+                </a:schemeClr>
+              </a:solidFill>
+              <a:effectLst>
+                <a:outerShdw blurRad="38100" dist="38100" dir="2700000" algn="tl">
+                  <a:srgbClr val="000000">
+                    <a:alpha val="43137"/>
+                  </a:srgbClr>
+                </a:outerShdw>
+              </a:effectLst>
+              <a:latin typeface="맑은 고딕" panose="020B0503020000020004" pitchFamily="50" charset="-127"/>
+              <a:ea typeface="맑은 고딕" panose="020B0503020000020004" pitchFamily="50" charset="-127"/>
+            </a:endParaRPr>
+          </a:p>
+          <a:p>
+            <a:pPr marL="1444752" lvl="2" indent="-457200">
+              <a:lnSpc>
+                <a:spcPct val="160000"/>
+              </a:lnSpc>
+              <a:buFont typeface="+mj-lt"/>
+              <a:buAutoNum type="alphaUcPeriod"/>
+            </a:pPr>
+            <a:r>
+              <a:rPr lang="ko-KR" altLang="en-US" sz="1550" dirty="0">
+                <a:solidFill>
+                  <a:schemeClr val="tx1">
+                    <a:lumMod val="95000"/>
+                    <a:lumOff val="5000"/>
+                  </a:schemeClr>
+                </a:solidFill>
+                <a:effectLst>
+                  <a:outerShdw blurRad="38100" dist="38100" dir="2700000" algn="tl">
+                    <a:srgbClr val="000000">
+                      <a:alpha val="43137"/>
+                    </a:srgbClr>
+                  </a:outerShdw>
+                </a:effectLst>
+                <a:latin typeface="맑은 고딕" panose="020B0503020000020004" pitchFamily="50" charset="-127"/>
+                <a:ea typeface="맑은 고딕" panose="020B0503020000020004" pitchFamily="50" charset="-127"/>
+              </a:rPr>
+              <a:t>로비 캐릭터 프레임</a:t>
+            </a:r>
+            <a:endParaRPr lang="en-US" altLang="ko-KR" sz="1550" dirty="0">
+              <a:solidFill>
+                <a:schemeClr val="tx1">
+                  <a:lumMod val="95000"/>
+                  <a:lumOff val="5000"/>
+                </a:schemeClr>
+              </a:solidFill>
+              <a:effectLst>
+                <a:outerShdw blurRad="38100" dist="38100" dir="2700000" algn="tl">
+                  <a:srgbClr val="000000">
+                    <a:alpha val="43137"/>
+                  </a:srgbClr>
+                </a:outerShdw>
+              </a:effectLst>
+              <a:latin typeface="맑은 고딕" panose="020B0503020000020004" pitchFamily="50" charset="-127"/>
+              <a:ea typeface="맑은 고딕" panose="020B0503020000020004" pitchFamily="50" charset="-127"/>
+            </a:endParaRPr>
+          </a:p>
+          <a:p>
+            <a:pPr marL="457200" indent="-457200">
+              <a:lnSpc>
+                <a:spcPct val="160000"/>
+              </a:lnSpc>
+              <a:buFont typeface="+mj-lt"/>
+              <a:buAutoNum type="alphaUcPeriod"/>
+            </a:pPr>
+            <a:r>
+              <a:rPr lang="ko-KR" altLang="en-US" sz="1750" dirty="0">
+                <a:solidFill>
+                  <a:schemeClr val="tx1">
+                    <a:lumMod val="95000"/>
+                    <a:lumOff val="5000"/>
+                  </a:schemeClr>
+                </a:solidFill>
+                <a:effectLst>
+                  <a:outerShdw blurRad="38100" dist="38100" dir="2700000" algn="tl">
+                    <a:srgbClr val="000000">
+                      <a:alpha val="43137"/>
+                    </a:srgbClr>
+                  </a:outerShdw>
+                </a:effectLst>
+                <a:latin typeface="맑은 고딕" panose="020B0503020000020004" pitchFamily="50" charset="-127"/>
+                <a:ea typeface="맑은 고딕" panose="020B0503020000020004" pitchFamily="50" charset="-127"/>
+              </a:rPr>
+              <a:t>그래픽</a:t>
+            </a:r>
+            <a:endParaRPr lang="en-US" altLang="ko-KR" sz="1750" dirty="0">
+              <a:solidFill>
+                <a:schemeClr val="tx1">
+                  <a:lumMod val="95000"/>
+                  <a:lumOff val="5000"/>
+                </a:schemeClr>
+              </a:solidFill>
+              <a:effectLst>
+                <a:outerShdw blurRad="38100" dist="38100" dir="2700000" algn="tl">
+                  <a:srgbClr val="000000">
+                    <a:alpha val="43137"/>
+                  </a:srgbClr>
+                </a:outerShdw>
+              </a:effectLst>
+              <a:latin typeface="맑은 고딕" panose="020B0503020000020004" pitchFamily="50" charset="-127"/>
+              <a:ea typeface="맑은 고딕" panose="020B0503020000020004" pitchFamily="50" charset="-127"/>
+            </a:endParaRPr>
+          </a:p>
+          <a:p>
+            <a:pPr marL="987552" lvl="1" indent="-457200">
+              <a:lnSpc>
+                <a:spcPct val="160000"/>
+              </a:lnSpc>
+              <a:buFont typeface="+mj-lt"/>
+              <a:buAutoNum type="alphaUcPeriod"/>
+            </a:pPr>
+            <a:r>
+              <a:rPr lang="ko-KR" altLang="en-US" sz="1750" i="0" dirty="0">
+                <a:solidFill>
+                  <a:schemeClr val="tx1">
+                    <a:lumMod val="95000"/>
+                    <a:lumOff val="5000"/>
+                  </a:schemeClr>
+                </a:solidFill>
+                <a:effectLst>
+                  <a:outerShdw blurRad="38100" dist="38100" dir="2700000" algn="tl">
+                    <a:srgbClr val="000000">
+                      <a:alpha val="43137"/>
+                    </a:srgbClr>
+                  </a:outerShdw>
+                </a:effectLst>
+                <a:latin typeface="맑은 고딕" panose="020B0503020000020004" pitchFamily="50" charset="-127"/>
+                <a:ea typeface="맑은 고딕" panose="020B0503020000020004" pitchFamily="50" charset="-127"/>
+              </a:rPr>
+              <a:t>플레이어 모델 크기 변경 </a:t>
+            </a:r>
+            <a:r>
+              <a:rPr lang="en-US" altLang="ko-KR" sz="1750" i="0" dirty="0">
+                <a:solidFill>
+                  <a:schemeClr val="tx1">
+                    <a:lumMod val="95000"/>
+                    <a:lumOff val="5000"/>
+                  </a:schemeClr>
+                </a:solidFill>
+                <a:effectLst>
+                  <a:outerShdw blurRad="38100" dist="38100" dir="2700000" algn="tl">
+                    <a:srgbClr val="000000">
+                      <a:alpha val="43137"/>
+                    </a:srgbClr>
+                  </a:outerShdw>
+                </a:effectLst>
+                <a:latin typeface="맑은 고딕" panose="020B0503020000020004" pitchFamily="50" charset="-127"/>
+                <a:ea typeface="맑은 고딕" panose="020B0503020000020004" pitchFamily="50" charset="-127"/>
+              </a:rPr>
+              <a:t>(1.8</a:t>
+            </a:r>
+            <a:r>
+              <a:rPr lang="ko-KR" altLang="en-US" sz="1750" i="0" dirty="0">
+                <a:solidFill>
+                  <a:schemeClr val="tx1">
+                    <a:lumMod val="95000"/>
+                    <a:lumOff val="5000"/>
+                  </a:schemeClr>
+                </a:solidFill>
+                <a:effectLst>
+                  <a:outerShdw blurRad="38100" dist="38100" dir="2700000" algn="tl">
+                    <a:srgbClr val="000000">
+                      <a:alpha val="43137"/>
+                    </a:srgbClr>
+                  </a:outerShdw>
+                </a:effectLst>
+                <a:latin typeface="맑은 고딕" panose="020B0503020000020004" pitchFamily="50" charset="-127"/>
+                <a:ea typeface="맑은 고딕" panose="020B0503020000020004" pitchFamily="50" charset="-127"/>
+              </a:rPr>
+              <a:t>배</a:t>
+            </a:r>
+            <a:r>
+              <a:rPr lang="en-US" altLang="ko-KR" sz="1750" i="0" dirty="0">
+                <a:solidFill>
+                  <a:schemeClr val="tx1">
+                    <a:lumMod val="95000"/>
+                    <a:lumOff val="5000"/>
+                  </a:schemeClr>
+                </a:solidFill>
+                <a:effectLst>
+                  <a:outerShdw blurRad="38100" dist="38100" dir="2700000" algn="tl">
+                    <a:srgbClr val="000000">
+                      <a:alpha val="43137"/>
+                    </a:srgbClr>
+                  </a:outerShdw>
+                </a:effectLst>
+                <a:latin typeface="맑은 고딕" panose="020B0503020000020004" pitchFamily="50" charset="-127"/>
+                <a:ea typeface="맑은 고딕" panose="020B0503020000020004" pitchFamily="50" charset="-127"/>
+              </a:rPr>
+              <a:t>)</a:t>
+            </a:r>
+          </a:p>
+          <a:p>
+            <a:pPr marL="1444752" lvl="2" indent="-457200">
+              <a:lnSpc>
+                <a:spcPct val="160000"/>
+              </a:lnSpc>
+              <a:buFont typeface="+mj-lt"/>
+              <a:buAutoNum type="alphaUcPeriod"/>
+            </a:pPr>
+            <a:r>
+              <a:rPr lang="ko-KR" altLang="en-US" sz="1550" i="0" strike="sngStrike" dirty="0">
+                <a:solidFill>
+                  <a:schemeClr val="tx1">
+                    <a:lumMod val="95000"/>
+                    <a:lumOff val="5000"/>
+                  </a:schemeClr>
+                </a:solidFill>
+                <a:effectLst>
+                  <a:outerShdw blurRad="38100" dist="38100" dir="2700000" algn="tl">
+                    <a:srgbClr val="000000">
+                      <a:alpha val="43137"/>
+                    </a:srgbClr>
+                  </a:outerShdw>
+                </a:effectLst>
+                <a:latin typeface="맑은 고딕" panose="020B0503020000020004" pitchFamily="50" charset="-127"/>
+                <a:ea typeface="맑은 고딕" panose="020B0503020000020004" pitchFamily="50" charset="-127"/>
+              </a:rPr>
+              <a:t>무기</a:t>
+            </a:r>
+            <a:endParaRPr lang="en-US" altLang="ko-KR" sz="1550" i="0" strike="sngStrike" dirty="0">
+              <a:solidFill>
+                <a:schemeClr val="tx1">
+                  <a:lumMod val="95000"/>
+                  <a:lumOff val="5000"/>
+                </a:schemeClr>
+              </a:solidFill>
+              <a:effectLst>
+                <a:outerShdw blurRad="38100" dist="38100" dir="2700000" algn="tl">
+                  <a:srgbClr val="000000">
+                    <a:alpha val="43137"/>
+                  </a:srgbClr>
+                </a:outerShdw>
+              </a:effectLst>
+              <a:latin typeface="맑은 고딕" panose="020B0503020000020004" pitchFamily="50" charset="-127"/>
+              <a:ea typeface="맑은 고딕" panose="020B0503020000020004" pitchFamily="50" charset="-127"/>
+            </a:endParaRPr>
+          </a:p>
+          <a:p>
+            <a:pPr marL="1444752" lvl="2" indent="-457200">
+              <a:lnSpc>
+                <a:spcPct val="160000"/>
+              </a:lnSpc>
+              <a:buFont typeface="+mj-lt"/>
+              <a:buAutoNum type="alphaUcPeriod"/>
+            </a:pPr>
+            <a:r>
+              <a:rPr lang="ko-KR" altLang="en-US" sz="1550" strike="sngStrike" dirty="0">
+                <a:solidFill>
+                  <a:schemeClr val="tx1">
+                    <a:lumMod val="95000"/>
+                    <a:lumOff val="5000"/>
+                  </a:schemeClr>
+                </a:solidFill>
+                <a:effectLst>
+                  <a:outerShdw blurRad="38100" dist="38100" dir="2700000" algn="tl">
+                    <a:srgbClr val="000000">
+                      <a:alpha val="43137"/>
+                    </a:srgbClr>
+                  </a:outerShdw>
+                </a:effectLst>
+                <a:latin typeface="맑은 고딕" panose="020B0503020000020004" pitchFamily="50" charset="-127"/>
+                <a:ea typeface="맑은 고딕" panose="020B0503020000020004" pitchFamily="50" charset="-127"/>
+              </a:rPr>
+              <a:t>방어구</a:t>
+            </a:r>
+            <a:endParaRPr lang="en-US" altLang="ko-KR" sz="1550" strike="sngStrike" dirty="0">
+              <a:solidFill>
+                <a:schemeClr val="tx1">
+                  <a:lumMod val="95000"/>
+                  <a:lumOff val="5000"/>
+                </a:schemeClr>
+              </a:solidFill>
+              <a:effectLst>
+                <a:outerShdw blurRad="38100" dist="38100" dir="2700000" algn="tl">
+                  <a:srgbClr val="000000">
+                    <a:alpha val="43137"/>
+                  </a:srgbClr>
+                </a:outerShdw>
+              </a:effectLst>
+              <a:latin typeface="맑은 고딕" panose="020B0503020000020004" pitchFamily="50" charset="-127"/>
+              <a:ea typeface="맑은 고딕" panose="020B0503020000020004" pitchFamily="50" charset="-127"/>
+            </a:endParaRPr>
+          </a:p>
+          <a:p>
+            <a:pPr marL="1444752" lvl="2" indent="-457200">
+              <a:lnSpc>
+                <a:spcPct val="160000"/>
+              </a:lnSpc>
+              <a:buFont typeface="+mj-lt"/>
+              <a:buAutoNum type="alphaUcPeriod"/>
+            </a:pPr>
+            <a:r>
+              <a:rPr lang="ko-KR" altLang="en-US" sz="1550" i="0" dirty="0" err="1">
+                <a:solidFill>
+                  <a:schemeClr val="tx1">
+                    <a:lumMod val="95000"/>
+                    <a:lumOff val="5000"/>
+                  </a:schemeClr>
+                </a:solidFill>
+                <a:effectLst>
+                  <a:outerShdw blurRad="38100" dist="38100" dir="2700000" algn="tl">
+                    <a:srgbClr val="000000">
+                      <a:alpha val="43137"/>
+                    </a:srgbClr>
+                  </a:outerShdw>
+                </a:effectLst>
+                <a:latin typeface="맑은 고딕" panose="020B0503020000020004" pitchFamily="50" charset="-127"/>
+                <a:ea typeface="맑은 고딕" panose="020B0503020000020004" pitchFamily="50" charset="-127"/>
+              </a:rPr>
+              <a:t>미니언</a:t>
+            </a:r>
+            <a:r>
+              <a:rPr lang="ko-KR" altLang="en-US" sz="1550" i="0" dirty="0">
+                <a:solidFill>
+                  <a:schemeClr val="tx1">
+                    <a:lumMod val="95000"/>
+                    <a:lumOff val="5000"/>
+                  </a:schemeClr>
+                </a:solidFill>
+                <a:effectLst>
+                  <a:outerShdw blurRad="38100" dist="38100" dir="2700000" algn="tl">
+                    <a:srgbClr val="000000">
+                      <a:alpha val="43137"/>
+                    </a:srgbClr>
+                  </a:outerShdw>
+                </a:effectLst>
+                <a:latin typeface="맑은 고딕" panose="020B0503020000020004" pitchFamily="50" charset="-127"/>
+                <a:ea typeface="맑은 고딕" panose="020B0503020000020004" pitchFamily="50" charset="-127"/>
+              </a:rPr>
+              <a:t> </a:t>
+            </a:r>
+            <a:r>
+              <a:rPr lang="en-US" altLang="ko-KR" sz="1550" i="0" dirty="0">
+                <a:solidFill>
+                  <a:schemeClr val="tx1">
+                    <a:lumMod val="95000"/>
+                    <a:lumOff val="5000"/>
+                  </a:schemeClr>
+                </a:solidFill>
+                <a:effectLst>
+                  <a:outerShdw blurRad="38100" dist="38100" dir="2700000" algn="tl">
+                    <a:srgbClr val="000000">
+                      <a:alpha val="43137"/>
+                    </a:srgbClr>
+                  </a:outerShdw>
+                </a:effectLst>
+                <a:latin typeface="맑은 고딕" panose="020B0503020000020004" pitchFamily="50" charset="-127"/>
+                <a:ea typeface="맑은 고딕" panose="020B0503020000020004" pitchFamily="50" charset="-127"/>
+              </a:rPr>
+              <a:t>(1.3</a:t>
+            </a:r>
+            <a:r>
+              <a:rPr lang="ko-KR" altLang="en-US" sz="1550" i="0" dirty="0">
+                <a:solidFill>
+                  <a:schemeClr val="tx1">
+                    <a:lumMod val="95000"/>
+                    <a:lumOff val="5000"/>
+                  </a:schemeClr>
+                </a:solidFill>
+                <a:effectLst>
+                  <a:outerShdw blurRad="38100" dist="38100" dir="2700000" algn="tl">
+                    <a:srgbClr val="000000">
+                      <a:alpha val="43137"/>
+                    </a:srgbClr>
+                  </a:outerShdw>
+                </a:effectLst>
+                <a:latin typeface="맑은 고딕" panose="020B0503020000020004" pitchFamily="50" charset="-127"/>
+                <a:ea typeface="맑은 고딕" panose="020B0503020000020004" pitchFamily="50" charset="-127"/>
+              </a:rPr>
+              <a:t>배</a:t>
+            </a:r>
+            <a:r>
+              <a:rPr lang="en-US" altLang="ko-KR" sz="1550" i="0" dirty="0">
+                <a:solidFill>
+                  <a:schemeClr val="tx1">
+                    <a:lumMod val="95000"/>
+                    <a:lumOff val="5000"/>
+                  </a:schemeClr>
+                </a:solidFill>
+                <a:effectLst>
+                  <a:outerShdw blurRad="38100" dist="38100" dir="2700000" algn="tl">
+                    <a:srgbClr val="000000">
+                      <a:alpha val="43137"/>
+                    </a:srgbClr>
+                  </a:outerShdw>
+                </a:effectLst>
+                <a:latin typeface="맑은 고딕" panose="020B0503020000020004" pitchFamily="50" charset="-127"/>
+                <a:ea typeface="맑은 고딕" panose="020B0503020000020004" pitchFamily="50" charset="-127"/>
+              </a:rPr>
+              <a:t>)</a:t>
+            </a:r>
+          </a:p>
+          <a:p>
+            <a:pPr marL="1444752" lvl="2" indent="-457200">
+              <a:lnSpc>
+                <a:spcPct val="160000"/>
+              </a:lnSpc>
+              <a:buFont typeface="+mj-lt"/>
+              <a:buAutoNum type="alphaUcPeriod"/>
+            </a:pPr>
+            <a:r>
+              <a:rPr lang="ko-KR" altLang="en-US" sz="1550" dirty="0" err="1">
+                <a:solidFill>
+                  <a:schemeClr val="tx1">
+                    <a:lumMod val="95000"/>
+                    <a:lumOff val="5000"/>
+                  </a:schemeClr>
+                </a:solidFill>
+                <a:effectLst>
+                  <a:outerShdw blurRad="38100" dist="38100" dir="2700000" algn="tl">
+                    <a:srgbClr val="000000">
+                      <a:alpha val="43137"/>
+                    </a:srgbClr>
+                  </a:outerShdw>
+                </a:effectLst>
+                <a:latin typeface="맑은 고딕" panose="020B0503020000020004" pitchFamily="50" charset="-127"/>
+                <a:ea typeface="맑은 고딕" panose="020B0503020000020004" pitchFamily="50" charset="-127"/>
+              </a:rPr>
+              <a:t>리깅</a:t>
+            </a:r>
+            <a:endParaRPr lang="en-US" altLang="ko-KR" sz="1550" i="0" dirty="0">
+              <a:solidFill>
+                <a:schemeClr val="tx1">
+                  <a:lumMod val="95000"/>
+                  <a:lumOff val="5000"/>
+                </a:schemeClr>
+              </a:solidFill>
+              <a:effectLst>
+                <a:outerShdw blurRad="38100" dist="38100" dir="2700000" algn="tl">
+                  <a:srgbClr val="000000">
+                    <a:alpha val="43137"/>
+                  </a:srgbClr>
+                </a:outerShdw>
+              </a:effectLst>
+              <a:latin typeface="맑은 고딕" panose="020B0503020000020004" pitchFamily="50" charset="-127"/>
+              <a:ea typeface="맑은 고딕" panose="020B0503020000020004" pitchFamily="50" charset="-127"/>
+            </a:endParaRPr>
+          </a:p>
+        </p:txBody>
+      </p:sp>
+      <p:sp>
+        <p:nvSpPr>
+          <p:cNvPr id="3" name="슬라이드 번호 개체 틀 2">
+            <a:extLst>
+              <a:ext uri="{FF2B5EF4-FFF2-40B4-BE49-F238E27FC236}">
+                <a16:creationId xmlns:a16="http://schemas.microsoft.com/office/drawing/2014/main" id="{36392628-7DF0-4B14-92FD-A5D98527D503}"/>
+              </a:ext>
+            </a:extLst>
+          </p:cNvPr>
+          <p:cNvSpPr>
+            <a:spLocks noGrp="1"/>
+          </p:cNvSpPr>
+          <p:nvPr>
+            <p:ph type="sldNum" sz="quarter" idx="12"/>
+          </p:nvPr>
+        </p:nvSpPr>
+        <p:spPr>
+          <a:xfrm>
+            <a:off x="7106400" y="6454800"/>
+            <a:ext cx="1198800" cy="403200"/>
+          </a:xfrm>
+        </p:spPr>
+        <p:txBody>
+          <a:bodyPr/>
+          <a:lstStyle/>
+          <a:p>
+            <a:fld id="{69E57DC2-970A-4B3E-BB1C-7A09969E49DF}" type="slidenum">
+              <a:rPr lang="en-US" smtClean="0"/>
               <a:t>21</a:t>
+            </a:fld>
+            <a:endParaRPr lang="en-US" dirty="0"/>
+          </a:p>
+        </p:txBody>
+      </p:sp>
+    </p:spTree>
+    <p:extLst>
+      <p:ext uri="{BB962C8B-B14F-4D97-AF65-F5344CB8AC3E}">
+        <p14:creationId xmlns:p14="http://schemas.microsoft.com/office/powerpoint/2010/main" val="3771664722"/>
+      </p:ext>
+    </p:extLst>
+  </p:cSld>
+  <p:clrMapOvr>
+    <a:masterClrMapping/>
+  </p:clrMapOvr>
+</p:sld>
+</file>
+
+<file path=ppt/slides/slide22.xml><?xml version="1.0" encoding="utf-8"?>
+<p:sld xmlns:a="http://schemas.openxmlformats.org/drawingml/2006/main" xmlns:r="http://schemas.openxmlformats.org/officeDocument/2006/relationships" xmlns:p="http://schemas.openxmlformats.org/presentationml/2006/main">
+  <p:cSld>
+    <p:spTree>
+      <p:nvGrpSpPr>
+        <p:cNvPr id="1" name=""/>
+        <p:cNvGrpSpPr/>
+        <p:nvPr/>
+      </p:nvGrpSpPr>
+      <p:grpSpPr>
+        <a:xfrm>
+          <a:off x="0" y="0"/>
+          <a:ext cx="0" cy="0"/>
+          <a:chOff x="0" y="0"/>
+          <a:chExt cx="0" cy="0"/>
+        </a:xfrm>
+      </p:grpSpPr>
+      <p:sp>
+        <p:nvSpPr>
+          <p:cNvPr id="2" name="제목 1">
+            <a:extLst>
+              <a:ext uri="{FF2B5EF4-FFF2-40B4-BE49-F238E27FC236}">
+                <a16:creationId xmlns:a16="http://schemas.microsoft.com/office/drawing/2014/main" id="{1B2F03EE-71DD-491C-99CC-16E59ED95F65}"/>
+              </a:ext>
+            </a:extLst>
+          </p:cNvPr>
+          <p:cNvSpPr>
+            <a:spLocks noGrp="1"/>
+          </p:cNvSpPr>
+          <p:nvPr>
+            <p:ph type="title"/>
+          </p:nvPr>
+        </p:nvSpPr>
+        <p:spPr>
+          <a:xfrm>
+            <a:off x="1028700" y="651600"/>
+            <a:ext cx="7200900" cy="581025"/>
+          </a:xfrm>
+        </p:spPr>
+        <p:txBody>
+          <a:bodyPr>
+            <a:normAutofit/>
+          </a:bodyPr>
+          <a:lstStyle/>
+          <a:p>
+            <a:r>
+              <a:rPr lang="ko-KR" altLang="en-US" sz="3600" b="1" dirty="0">
+                <a:solidFill>
+                  <a:schemeClr val="tx1">
+                    <a:lumMod val="95000"/>
+                    <a:lumOff val="5000"/>
+                  </a:schemeClr>
+                </a:solidFill>
+                <a:latin typeface="맑은 고딕" panose="020B0503020000020004" pitchFamily="50" charset="-127"/>
+                <a:ea typeface="맑은 고딕" panose="020B0503020000020004" pitchFamily="50" charset="-127"/>
+              </a:rPr>
+              <a:t>보완 사항 및 앞으로 일정</a:t>
+            </a:r>
+            <a:r>
+              <a:rPr lang="en-US" altLang="ko-KR" sz="3600" b="1" dirty="0">
+                <a:solidFill>
+                  <a:schemeClr val="tx1">
+                    <a:lumMod val="95000"/>
+                    <a:lumOff val="5000"/>
+                  </a:schemeClr>
+                </a:solidFill>
+                <a:latin typeface="맑은 고딕" panose="020B0503020000020004" pitchFamily="50" charset="-127"/>
+                <a:ea typeface="맑은 고딕" panose="020B0503020000020004" pitchFamily="50" charset="-127"/>
+              </a:rPr>
+              <a:t>- </a:t>
+            </a:r>
+            <a:r>
+              <a:rPr lang="ko-KR" altLang="en-US" sz="3600" b="1" dirty="0">
+                <a:solidFill>
+                  <a:schemeClr val="tx1">
+                    <a:lumMod val="95000"/>
+                    <a:lumOff val="5000"/>
+                  </a:schemeClr>
+                </a:solidFill>
+                <a:latin typeface="맑은 고딕" panose="020B0503020000020004" pitchFamily="50" charset="-127"/>
+                <a:ea typeface="맑은 고딕" panose="020B0503020000020004" pitchFamily="50" charset="-127"/>
+              </a:rPr>
+              <a:t>이용선</a:t>
+            </a:r>
+          </a:p>
+        </p:txBody>
+      </p:sp>
+      <p:sp>
+        <p:nvSpPr>
+          <p:cNvPr id="5" name="내용 개체 틀 4">
+            <a:extLst>
+              <a:ext uri="{FF2B5EF4-FFF2-40B4-BE49-F238E27FC236}">
+                <a16:creationId xmlns:a16="http://schemas.microsoft.com/office/drawing/2014/main" id="{9FB52D98-533A-47D2-8523-BFFFB3E178F2}"/>
+              </a:ext>
+            </a:extLst>
+          </p:cNvPr>
+          <p:cNvSpPr>
+            <a:spLocks noGrp="1"/>
+          </p:cNvSpPr>
+          <p:nvPr>
+            <p:ph idx="1"/>
+          </p:nvPr>
+        </p:nvSpPr>
+        <p:spPr>
+          <a:xfrm>
+            <a:off x="1028700" y="1828626"/>
+            <a:ext cx="7200900" cy="4377774"/>
+          </a:xfrm>
+        </p:spPr>
+        <p:txBody>
+          <a:bodyPr>
+            <a:normAutofit fontScale="92500" lnSpcReduction="10000"/>
+          </a:bodyPr>
+          <a:lstStyle/>
+          <a:p>
+            <a:pPr marL="457200" indent="-457200">
+              <a:lnSpc>
+                <a:spcPct val="160000"/>
+              </a:lnSpc>
+              <a:buFont typeface="+mj-lt"/>
+              <a:buAutoNum type="alphaUcPeriod"/>
+            </a:pPr>
+            <a:r>
+              <a:rPr lang="ko-KR" altLang="en-US" sz="1950" i="0" dirty="0">
+                <a:solidFill>
+                  <a:schemeClr val="tx1">
+                    <a:lumMod val="95000"/>
+                    <a:lumOff val="5000"/>
+                  </a:schemeClr>
+                </a:solidFill>
+                <a:effectLst>
+                  <a:outerShdw blurRad="38100" dist="38100" dir="2700000" algn="tl">
+                    <a:srgbClr val="000000">
+                      <a:alpha val="43137"/>
+                    </a:srgbClr>
+                  </a:outerShdw>
+                </a:effectLst>
+                <a:latin typeface="맑은 고딕" panose="020B0503020000020004" pitchFamily="50" charset="-127"/>
+                <a:ea typeface="맑은 고딕" panose="020B0503020000020004" pitchFamily="50" charset="-127"/>
+              </a:rPr>
+              <a:t>이펙트</a:t>
+            </a:r>
+            <a:endParaRPr lang="en-US" altLang="ko-KR" sz="1950" i="0" dirty="0">
+              <a:solidFill>
+                <a:schemeClr val="tx1">
+                  <a:lumMod val="95000"/>
+                  <a:lumOff val="5000"/>
+                </a:schemeClr>
+              </a:solidFill>
+              <a:effectLst>
+                <a:outerShdw blurRad="38100" dist="38100" dir="2700000" algn="tl">
+                  <a:srgbClr val="000000">
+                    <a:alpha val="43137"/>
+                  </a:srgbClr>
+                </a:outerShdw>
+              </a:effectLst>
+              <a:latin typeface="맑은 고딕" panose="020B0503020000020004" pitchFamily="50" charset="-127"/>
+              <a:ea typeface="맑은 고딕" panose="020B0503020000020004" pitchFamily="50" charset="-127"/>
+            </a:endParaRPr>
+          </a:p>
+          <a:p>
+            <a:pPr marL="987552" lvl="1" indent="-457200">
+              <a:lnSpc>
+                <a:spcPct val="160000"/>
+              </a:lnSpc>
+              <a:buFont typeface="+mj-lt"/>
+              <a:buAutoNum type="alphaUcPeriod"/>
+            </a:pPr>
+            <a:r>
+              <a:rPr lang="en-US" altLang="ko-KR" sz="1750" dirty="0">
+                <a:solidFill>
+                  <a:schemeClr val="tx1">
+                    <a:lumMod val="95000"/>
+                    <a:lumOff val="5000"/>
+                  </a:schemeClr>
+                </a:solidFill>
+                <a:effectLst>
+                  <a:outerShdw blurRad="38100" dist="38100" dir="2700000" algn="tl">
+                    <a:srgbClr val="000000">
+                      <a:alpha val="43137"/>
+                    </a:srgbClr>
+                  </a:outerShdw>
+                </a:effectLst>
+                <a:latin typeface="맑은 고딕" panose="020B0503020000020004" pitchFamily="50" charset="-127"/>
+                <a:ea typeface="맑은 고딕" panose="020B0503020000020004" pitchFamily="50" charset="-127"/>
+              </a:rPr>
+              <a:t>Die</a:t>
+            </a:r>
+          </a:p>
+          <a:p>
+            <a:pPr marL="987552" lvl="1" indent="-457200">
+              <a:lnSpc>
+                <a:spcPct val="160000"/>
+              </a:lnSpc>
+              <a:buFont typeface="+mj-lt"/>
+              <a:buAutoNum type="alphaUcPeriod"/>
+            </a:pPr>
+            <a:r>
+              <a:rPr lang="en-US" altLang="ko-KR" sz="1750" dirty="0">
+                <a:solidFill>
+                  <a:schemeClr val="tx1">
+                    <a:lumMod val="95000"/>
+                    <a:lumOff val="5000"/>
+                  </a:schemeClr>
+                </a:solidFill>
+                <a:effectLst>
+                  <a:outerShdw blurRad="38100" dist="38100" dir="2700000" algn="tl">
+                    <a:srgbClr val="000000">
+                      <a:alpha val="43137"/>
+                    </a:srgbClr>
+                  </a:outerShdw>
+                </a:effectLst>
+                <a:latin typeface="맑은 고딕" panose="020B0503020000020004" pitchFamily="50" charset="-127"/>
+                <a:ea typeface="맑은 고딕" panose="020B0503020000020004" pitchFamily="50" charset="-127"/>
+              </a:rPr>
+              <a:t>Kill</a:t>
+            </a:r>
+          </a:p>
+          <a:p>
+            <a:pPr marL="987552" lvl="1" indent="-457200">
+              <a:lnSpc>
+                <a:spcPct val="160000"/>
+              </a:lnSpc>
+              <a:buFont typeface="+mj-lt"/>
+              <a:buAutoNum type="alphaUcPeriod"/>
+            </a:pPr>
+            <a:r>
+              <a:rPr lang="en-US" altLang="ko-KR" sz="1750" dirty="0">
+                <a:solidFill>
+                  <a:schemeClr val="tx1">
+                    <a:lumMod val="95000"/>
+                    <a:lumOff val="5000"/>
+                  </a:schemeClr>
+                </a:solidFill>
+                <a:effectLst>
+                  <a:outerShdw blurRad="38100" dist="38100" dir="2700000" algn="tl">
+                    <a:srgbClr val="000000">
+                      <a:alpha val="43137"/>
+                    </a:srgbClr>
+                  </a:outerShdw>
+                </a:effectLst>
+                <a:latin typeface="맑은 고딕" panose="020B0503020000020004" pitchFamily="50" charset="-127"/>
+                <a:ea typeface="맑은 고딕" panose="020B0503020000020004" pitchFamily="50" charset="-127"/>
+              </a:rPr>
+              <a:t>Win</a:t>
+            </a:r>
+          </a:p>
+          <a:p>
+            <a:pPr marL="987552" lvl="1" indent="-457200">
+              <a:lnSpc>
+                <a:spcPct val="160000"/>
+              </a:lnSpc>
+              <a:buFont typeface="+mj-lt"/>
+              <a:buAutoNum type="alphaUcPeriod"/>
+            </a:pPr>
+            <a:r>
+              <a:rPr lang="en-US" altLang="ko-KR" sz="1750" dirty="0">
+                <a:solidFill>
+                  <a:schemeClr val="tx1">
+                    <a:lumMod val="95000"/>
+                    <a:lumOff val="5000"/>
+                  </a:schemeClr>
+                </a:solidFill>
+                <a:effectLst>
+                  <a:outerShdw blurRad="38100" dist="38100" dir="2700000" algn="tl">
+                    <a:srgbClr val="000000">
+                      <a:alpha val="43137"/>
+                    </a:srgbClr>
+                  </a:outerShdw>
+                </a:effectLst>
+                <a:latin typeface="맑은 고딕" panose="020B0503020000020004" pitchFamily="50" charset="-127"/>
+                <a:ea typeface="맑은 고딕" panose="020B0503020000020004" pitchFamily="50" charset="-127"/>
+              </a:rPr>
+              <a:t>Lose</a:t>
+            </a:r>
+          </a:p>
+          <a:p>
+            <a:pPr marL="987552" lvl="1" indent="-457200">
+              <a:lnSpc>
+                <a:spcPct val="160000"/>
+              </a:lnSpc>
+              <a:buFont typeface="+mj-lt"/>
+              <a:buAutoNum type="alphaUcPeriod"/>
+            </a:pPr>
+            <a:r>
+              <a:rPr lang="ko-KR" altLang="en-US" sz="1750" dirty="0">
+                <a:solidFill>
+                  <a:schemeClr val="tx1">
+                    <a:lumMod val="95000"/>
+                    <a:lumOff val="5000"/>
+                  </a:schemeClr>
+                </a:solidFill>
+                <a:effectLst>
+                  <a:outerShdw blurRad="38100" dist="38100" dir="2700000" algn="tl">
+                    <a:srgbClr val="000000">
+                      <a:alpha val="43137"/>
+                    </a:srgbClr>
+                  </a:outerShdw>
+                </a:effectLst>
+                <a:latin typeface="맑은 고딕" panose="020B0503020000020004" pitchFamily="50" charset="-127"/>
+                <a:ea typeface="맑은 고딕" panose="020B0503020000020004" pitchFamily="50" charset="-127"/>
+              </a:rPr>
+              <a:t>특성 사용시 반짝이</a:t>
+            </a:r>
+            <a:endParaRPr lang="en-US" altLang="ko-KR" sz="1750" dirty="0">
+              <a:solidFill>
+                <a:schemeClr val="tx1">
+                  <a:lumMod val="95000"/>
+                  <a:lumOff val="5000"/>
+                </a:schemeClr>
+              </a:solidFill>
+              <a:effectLst>
+                <a:outerShdw blurRad="38100" dist="38100" dir="2700000" algn="tl">
+                  <a:srgbClr val="000000">
+                    <a:alpha val="43137"/>
+                  </a:srgbClr>
+                </a:outerShdw>
+              </a:effectLst>
+              <a:latin typeface="맑은 고딕" panose="020B0503020000020004" pitchFamily="50" charset="-127"/>
+              <a:ea typeface="맑은 고딕" panose="020B0503020000020004" pitchFamily="50" charset="-127"/>
+            </a:endParaRPr>
+          </a:p>
+          <a:p>
+            <a:pPr marL="457200" indent="-457200">
+              <a:lnSpc>
+                <a:spcPct val="160000"/>
+              </a:lnSpc>
+              <a:buFont typeface="+mj-lt"/>
+              <a:buAutoNum type="alphaUcPeriod"/>
+            </a:pPr>
+            <a:r>
+              <a:rPr lang="ko-KR" altLang="en-US" sz="1750" dirty="0">
+                <a:solidFill>
+                  <a:schemeClr val="tx1">
+                    <a:lumMod val="95000"/>
+                    <a:lumOff val="5000"/>
+                  </a:schemeClr>
+                </a:solidFill>
+                <a:effectLst>
+                  <a:outerShdw blurRad="38100" dist="38100" dir="2700000" algn="tl">
+                    <a:srgbClr val="000000">
+                      <a:alpha val="43137"/>
+                    </a:srgbClr>
+                  </a:outerShdw>
+                </a:effectLst>
+                <a:latin typeface="맑은 고딕" panose="020B0503020000020004" pitchFamily="50" charset="-127"/>
+                <a:ea typeface="맑은 고딕" panose="020B0503020000020004" pitchFamily="50" charset="-127"/>
+              </a:rPr>
+              <a:t>사운드</a:t>
+            </a:r>
+            <a:endParaRPr lang="en-US" altLang="ko-KR" sz="1750" dirty="0">
+              <a:solidFill>
+                <a:schemeClr val="tx1">
+                  <a:lumMod val="95000"/>
+                  <a:lumOff val="5000"/>
+                </a:schemeClr>
+              </a:solidFill>
+              <a:effectLst>
+                <a:outerShdw blurRad="38100" dist="38100" dir="2700000" algn="tl">
+                  <a:srgbClr val="000000">
+                    <a:alpha val="43137"/>
+                  </a:srgbClr>
+                </a:outerShdw>
+              </a:effectLst>
+              <a:latin typeface="맑은 고딕" panose="020B0503020000020004" pitchFamily="50" charset="-127"/>
+              <a:ea typeface="맑은 고딕" panose="020B0503020000020004" pitchFamily="50" charset="-127"/>
+            </a:endParaRPr>
+          </a:p>
+          <a:p>
+            <a:pPr marL="987552" lvl="1" indent="-457200">
+              <a:lnSpc>
+                <a:spcPct val="160000"/>
+              </a:lnSpc>
+              <a:buFont typeface="+mj-lt"/>
+              <a:buAutoNum type="alphaUcPeriod"/>
+            </a:pPr>
+            <a:r>
+              <a:rPr lang="en-US" altLang="ko-KR" sz="1750" dirty="0">
+                <a:solidFill>
+                  <a:schemeClr val="tx1">
+                    <a:lumMod val="95000"/>
+                    <a:lumOff val="5000"/>
+                  </a:schemeClr>
+                </a:solidFill>
+                <a:effectLst>
+                  <a:outerShdw blurRad="38100" dist="38100" dir="2700000" algn="tl">
+                    <a:srgbClr val="000000">
+                      <a:alpha val="43137"/>
+                    </a:srgbClr>
+                  </a:outerShdw>
+                </a:effectLst>
+                <a:latin typeface="맑은 고딕" panose="020B0503020000020004" pitchFamily="50" charset="-127"/>
+                <a:ea typeface="맑은 고딕" panose="020B0503020000020004" pitchFamily="50" charset="-127"/>
+              </a:rPr>
+              <a:t>WIN</a:t>
+            </a:r>
+          </a:p>
+          <a:p>
+            <a:pPr marL="987552" lvl="1" indent="-457200">
+              <a:lnSpc>
+                <a:spcPct val="160000"/>
+              </a:lnSpc>
+              <a:buFont typeface="+mj-lt"/>
+              <a:buAutoNum type="alphaUcPeriod"/>
+            </a:pPr>
+            <a:r>
+              <a:rPr lang="en-US" altLang="ko-KR" sz="1750" dirty="0">
+                <a:solidFill>
+                  <a:schemeClr val="tx1">
+                    <a:lumMod val="95000"/>
+                    <a:lumOff val="5000"/>
+                  </a:schemeClr>
+                </a:solidFill>
+                <a:effectLst>
+                  <a:outerShdw blurRad="38100" dist="38100" dir="2700000" algn="tl">
+                    <a:srgbClr val="000000">
+                      <a:alpha val="43137"/>
+                    </a:srgbClr>
+                  </a:outerShdw>
+                </a:effectLst>
+                <a:latin typeface="맑은 고딕" panose="020B0503020000020004" pitchFamily="50" charset="-127"/>
+                <a:ea typeface="맑은 고딕" panose="020B0503020000020004" pitchFamily="50" charset="-127"/>
+              </a:rPr>
+              <a:t>Lose</a:t>
+            </a:r>
+          </a:p>
+          <a:p>
+            <a:pPr marL="987552" lvl="1" indent="-457200">
+              <a:lnSpc>
+                <a:spcPct val="160000"/>
+              </a:lnSpc>
+              <a:buFont typeface="+mj-lt"/>
+              <a:buAutoNum type="alphaUcPeriod"/>
+            </a:pPr>
+            <a:endParaRPr lang="en-US" altLang="ko-KR" sz="1750" dirty="0">
+              <a:solidFill>
+                <a:schemeClr val="tx1">
+                  <a:lumMod val="95000"/>
+                  <a:lumOff val="5000"/>
+                </a:schemeClr>
+              </a:solidFill>
+              <a:effectLst>
+                <a:outerShdw blurRad="38100" dist="38100" dir="2700000" algn="tl">
+                  <a:srgbClr val="000000">
+                    <a:alpha val="43137"/>
+                  </a:srgbClr>
+                </a:outerShdw>
+              </a:effectLst>
+              <a:latin typeface="맑은 고딕" panose="020B0503020000020004" pitchFamily="50" charset="-127"/>
+              <a:ea typeface="맑은 고딕" panose="020B0503020000020004" pitchFamily="50" charset="-127"/>
+            </a:endParaRPr>
+          </a:p>
+        </p:txBody>
+      </p:sp>
+      <p:sp>
+        <p:nvSpPr>
+          <p:cNvPr id="3" name="슬라이드 번호 개체 틀 2">
+            <a:extLst>
+              <a:ext uri="{FF2B5EF4-FFF2-40B4-BE49-F238E27FC236}">
+                <a16:creationId xmlns:a16="http://schemas.microsoft.com/office/drawing/2014/main" id="{36392628-7DF0-4B14-92FD-A5D98527D503}"/>
+              </a:ext>
+            </a:extLst>
+          </p:cNvPr>
+          <p:cNvSpPr>
+            <a:spLocks noGrp="1"/>
+          </p:cNvSpPr>
+          <p:nvPr>
+            <p:ph type="sldNum" sz="quarter" idx="12"/>
+          </p:nvPr>
+        </p:nvSpPr>
+        <p:spPr>
+          <a:xfrm>
+            <a:off x="7106400" y="6454800"/>
+            <a:ext cx="1198800" cy="403200"/>
+          </a:xfrm>
+        </p:spPr>
+        <p:txBody>
+          <a:bodyPr/>
+          <a:lstStyle/>
+          <a:p>
+            <a:fld id="{69E57DC2-970A-4B3E-BB1C-7A09969E49DF}" type="slidenum">
+              <a:rPr lang="en-US" smtClean="0"/>
+              <a:t>22</a:t>
             </a:fld>
             <a:endParaRPr lang="en-US" dirty="0"/>
           </a:p>
@@ -25103,7 +25619,7 @@
 </p:sld>
 </file>
 
-<file path=ppt/slides/slide22.xml><?xml version="1.0" encoding="utf-8"?>
+<file path=ppt/slides/slide23.xml><?xml version="1.0" encoding="utf-8"?>
 <p:sld xmlns:a="http://schemas.openxmlformats.org/drawingml/2006/main" xmlns:r="http://schemas.openxmlformats.org/officeDocument/2006/relationships" xmlns:p="http://schemas.openxmlformats.org/presentationml/2006/main">
   <p:cSld>
     <p:spTree>
@@ -25481,7 +25997,7 @@
           <a:p>
             <a:fld id="{69E57DC2-970A-4B3E-BB1C-7A09969E49DF}" type="slidenum">
               <a:rPr lang="en-US" smtClean="0"/>
-              <a:t>22</a:t>
+              <a:t>23</a:t>
             </a:fld>
             <a:endParaRPr lang="en-US" dirty="0"/>
           </a:p>

--- a/진행사항.pptx
+++ b/진행사항.pptx
@@ -230,7 +230,7 @@
           <a:p>
             <a:fld id="{174CF4B6-C8D6-438C-8B7D-E8AF3EC6F65B}" type="datetimeFigureOut">
               <a:rPr lang="ko-KR" altLang="en-US" smtClean="0"/>
-              <a:t>2018-09-15</a:t>
+              <a:t>2018-09-16</a:t>
             </a:fld>
             <a:endParaRPr lang="ko-KR" altLang="en-US"/>
           </a:p>
@@ -666,7 +666,7 @@
           <a:p>
             <a:fld id="{997C0C2C-FB57-479D-BE7F-6EC34BF7043C}" type="datetime1">
               <a:rPr lang="en-US" altLang="ko-KR" smtClean="0"/>
-              <a:t>9/15/2018</a:t>
+              <a:t>9/16/2018</a:t>
             </a:fld>
             <a:endParaRPr lang="en-US" dirty="0"/>
           </a:p>
@@ -997,7 +997,7 @@
           <a:p>
             <a:fld id="{047308E6-C353-4980-BC35-3BA553F61D46}" type="datetime1">
               <a:rPr lang="en-US" altLang="ko-KR" smtClean="0"/>
-              <a:t>9/15/2018</a:t>
+              <a:t>9/16/2018</a:t>
             </a:fld>
             <a:endParaRPr lang="en-US" dirty="0"/>
           </a:p>
@@ -1177,7 +1177,7 @@
           <a:p>
             <a:fld id="{925E33ED-602B-46D4-AC4E-A3EC8D1FE08B}" type="datetime1">
               <a:rPr lang="en-US" altLang="ko-KR" smtClean="0"/>
-              <a:t>9/15/2018</a:t>
+              <a:t>9/16/2018</a:t>
             </a:fld>
             <a:endParaRPr lang="en-US" dirty="0"/>
           </a:p>
@@ -1347,7 +1347,7 @@
           <a:p>
             <a:fld id="{CDCA6F40-FDE7-4477-94C1-42AFCA093BA3}" type="datetime1">
               <a:rPr lang="en-US" altLang="ko-KR" smtClean="0"/>
-              <a:t>9/15/2018</a:t>
+              <a:t>9/16/2018</a:t>
             </a:fld>
             <a:endParaRPr lang="en-US" dirty="0"/>
           </a:p>
@@ -1625,7 +1625,7 @@
           <a:p>
             <a:fld id="{E5AD4DDD-EA1C-4615-97C2-D68EC457B4CF}" type="datetime1">
               <a:rPr lang="en-US" altLang="ko-KR" smtClean="0"/>
-              <a:t>9/15/2018</a:t>
+              <a:t>9/16/2018</a:t>
             </a:fld>
             <a:endParaRPr lang="en-US" dirty="0"/>
           </a:p>
@@ -2076,7 +2076,7 @@
           <a:p>
             <a:fld id="{CA0F03C5-1E3C-44BE-9E2F-087D284D2C5D}" type="datetime1">
               <a:rPr lang="en-US" altLang="ko-KR" smtClean="0"/>
-              <a:t>9/15/2018</a:t>
+              <a:t>9/16/2018</a:t>
             </a:fld>
             <a:endParaRPr lang="en-US" dirty="0"/>
           </a:p>
@@ -2553,7 +2553,7 @@
           <a:p>
             <a:fld id="{23CB4308-201A-4967-870E-1ACB91AA6D8E}" type="datetime1">
               <a:rPr lang="en-US" altLang="ko-KR" smtClean="0"/>
-              <a:t>9/15/2018</a:t>
+              <a:t>9/16/2018</a:t>
             </a:fld>
             <a:endParaRPr lang="en-US" dirty="0"/>
           </a:p>
@@ -2671,7 +2671,7 @@
           <a:p>
             <a:fld id="{2AE391EA-DA61-4C24-8C9E-58C8105C0CDC}" type="datetime1">
               <a:rPr lang="en-US" altLang="ko-KR" smtClean="0"/>
-              <a:t>9/15/2018</a:t>
+              <a:t>9/16/2018</a:t>
             </a:fld>
             <a:endParaRPr lang="en-US" dirty="0"/>
           </a:p>
@@ -2766,7 +2766,7 @@
           <a:p>
             <a:fld id="{14CF23BC-FE77-4485-B606-6CBA74C5D36E}" type="datetime1">
               <a:rPr lang="en-US" altLang="ko-KR" smtClean="0"/>
-              <a:t>9/15/2018</a:t>
+              <a:t>9/16/2018</a:t>
             </a:fld>
             <a:endParaRPr lang="en-US" dirty="0"/>
           </a:p>
@@ -3114,7 +3114,7 @@
           <a:p>
             <a:fld id="{808D6C14-1859-4DDA-AD38-00DE62AE1826}" type="datetime1">
               <a:rPr lang="en-US" altLang="ko-KR" smtClean="0"/>
-              <a:t>9/15/2018</a:t>
+              <a:t>9/16/2018</a:t>
             </a:fld>
             <a:endParaRPr lang="en-US" dirty="0"/>
           </a:p>
@@ -3543,7 +3543,7 @@
           <a:p>
             <a:fld id="{AE734E95-C037-429B-8B5F-D0FAB25DE16C}" type="datetime1">
               <a:rPr lang="en-US" altLang="ko-KR" smtClean="0"/>
-              <a:t>9/15/2018</a:t>
+              <a:t>9/16/2018</a:t>
             </a:fld>
             <a:endParaRPr lang="en-US" dirty="0"/>
           </a:p>
@@ -3860,7 +3860,7 @@
           <a:p>
             <a:fld id="{E0770D22-4CCF-46DD-9D25-F19CC4764808}" type="datetime1">
               <a:rPr lang="en-US" altLang="ko-KR" smtClean="0"/>
-              <a:t>9/15/2018</a:t>
+              <a:t>9/16/2018</a:t>
             </a:fld>
             <a:endParaRPr lang="en-US" dirty="0"/>
           </a:p>
@@ -7415,7 +7415,7 @@
               <a:buAutoNum type="alphaUcPeriod"/>
             </a:pPr>
             <a:r>
-              <a:rPr lang="ko-KR" altLang="en-US" sz="1950" dirty="0">
+              <a:rPr lang="ko-KR" altLang="en-US" sz="1950" strike="sngStrike" dirty="0">
                 <a:solidFill>
                   <a:schemeClr val="tx1">
                     <a:lumMod val="95000"/>
@@ -7432,9 +7432,9 @@
                 <a:latin typeface="맑은 고딕" panose="020B0503020000020004" pitchFamily="50" charset="-127"/>
                 <a:ea typeface="맑은 고딕" panose="020B0503020000020004" pitchFamily="50" charset="-127"/>
               </a:rPr>
-              <a:t>타이틀 씬 구현</a:t>
-            </a:r>
-            <a:endParaRPr lang="en-US" altLang="ko-KR" sz="1950" dirty="0">
+              <a:t>로고 씬 구현</a:t>
+            </a:r>
+            <a:endParaRPr lang="en-US" altLang="ko-KR" sz="1950" strike="sngStrike" dirty="0">
               <a:solidFill>
                 <a:schemeClr val="tx1">
                   <a:lumMod val="95000"/>
@@ -7478,7 +7478,7 @@
                 <a:latin typeface="맑은 고딕" panose="020B0503020000020004" pitchFamily="50" charset="-127"/>
                 <a:ea typeface="맑은 고딕" panose="020B0503020000020004" pitchFamily="50" charset="-127"/>
               </a:rPr>
-              <a:t>로비 씬 구현</a:t>
+              <a:t>타이틀 씬 구현</a:t>
             </a:r>
             <a:endParaRPr lang="en-US" altLang="ko-KR" sz="1950" dirty="0">
               <a:solidFill>

--- a/진행사항.pptx
+++ b/진행사항.pptx
@@ -230,7 +230,7 @@
           <a:p>
             <a:fld id="{174CF4B6-C8D6-438C-8B7D-E8AF3EC6F65B}" type="datetimeFigureOut">
               <a:rPr lang="ko-KR" altLang="en-US" smtClean="0"/>
-              <a:t>2018-09-16</a:t>
+              <a:t>2018-09-19</a:t>
             </a:fld>
             <a:endParaRPr lang="ko-KR" altLang="en-US"/>
           </a:p>
@@ -666,7 +666,7 @@
           <a:p>
             <a:fld id="{997C0C2C-FB57-479D-BE7F-6EC34BF7043C}" type="datetime1">
               <a:rPr lang="en-US" altLang="ko-KR" smtClean="0"/>
-              <a:t>9/16/2018</a:t>
+              <a:t>9/19/2018</a:t>
             </a:fld>
             <a:endParaRPr lang="en-US" dirty="0"/>
           </a:p>
@@ -997,7 +997,7 @@
           <a:p>
             <a:fld id="{047308E6-C353-4980-BC35-3BA553F61D46}" type="datetime1">
               <a:rPr lang="en-US" altLang="ko-KR" smtClean="0"/>
-              <a:t>9/16/2018</a:t>
+              <a:t>9/19/2018</a:t>
             </a:fld>
             <a:endParaRPr lang="en-US" dirty="0"/>
           </a:p>
@@ -1177,7 +1177,7 @@
           <a:p>
             <a:fld id="{925E33ED-602B-46D4-AC4E-A3EC8D1FE08B}" type="datetime1">
               <a:rPr lang="en-US" altLang="ko-KR" smtClean="0"/>
-              <a:t>9/16/2018</a:t>
+              <a:t>9/19/2018</a:t>
             </a:fld>
             <a:endParaRPr lang="en-US" dirty="0"/>
           </a:p>
@@ -1347,7 +1347,7 @@
           <a:p>
             <a:fld id="{CDCA6F40-FDE7-4477-94C1-42AFCA093BA3}" type="datetime1">
               <a:rPr lang="en-US" altLang="ko-KR" smtClean="0"/>
-              <a:t>9/16/2018</a:t>
+              <a:t>9/19/2018</a:t>
             </a:fld>
             <a:endParaRPr lang="en-US" dirty="0"/>
           </a:p>
@@ -1625,7 +1625,7 @@
           <a:p>
             <a:fld id="{E5AD4DDD-EA1C-4615-97C2-D68EC457B4CF}" type="datetime1">
               <a:rPr lang="en-US" altLang="ko-KR" smtClean="0"/>
-              <a:t>9/16/2018</a:t>
+              <a:t>9/19/2018</a:t>
             </a:fld>
             <a:endParaRPr lang="en-US" dirty="0"/>
           </a:p>
@@ -2076,7 +2076,7 @@
           <a:p>
             <a:fld id="{CA0F03C5-1E3C-44BE-9E2F-087D284D2C5D}" type="datetime1">
               <a:rPr lang="en-US" altLang="ko-KR" smtClean="0"/>
-              <a:t>9/16/2018</a:t>
+              <a:t>9/19/2018</a:t>
             </a:fld>
             <a:endParaRPr lang="en-US" dirty="0"/>
           </a:p>
@@ -2553,7 +2553,7 @@
           <a:p>
             <a:fld id="{23CB4308-201A-4967-870E-1ACB91AA6D8E}" type="datetime1">
               <a:rPr lang="en-US" altLang="ko-KR" smtClean="0"/>
-              <a:t>9/16/2018</a:t>
+              <a:t>9/19/2018</a:t>
             </a:fld>
             <a:endParaRPr lang="en-US" dirty="0"/>
           </a:p>
@@ -2671,7 +2671,7 @@
           <a:p>
             <a:fld id="{2AE391EA-DA61-4C24-8C9E-58C8105C0CDC}" type="datetime1">
               <a:rPr lang="en-US" altLang="ko-KR" smtClean="0"/>
-              <a:t>9/16/2018</a:t>
+              <a:t>9/19/2018</a:t>
             </a:fld>
             <a:endParaRPr lang="en-US" dirty="0"/>
           </a:p>
@@ -2766,7 +2766,7 @@
           <a:p>
             <a:fld id="{14CF23BC-FE77-4485-B606-6CBA74C5D36E}" type="datetime1">
               <a:rPr lang="en-US" altLang="ko-KR" smtClean="0"/>
-              <a:t>9/16/2018</a:t>
+              <a:t>9/19/2018</a:t>
             </a:fld>
             <a:endParaRPr lang="en-US" dirty="0"/>
           </a:p>
@@ -3114,7 +3114,7 @@
           <a:p>
             <a:fld id="{808D6C14-1859-4DDA-AD38-00DE62AE1826}" type="datetime1">
               <a:rPr lang="en-US" altLang="ko-KR" smtClean="0"/>
-              <a:t>9/16/2018</a:t>
+              <a:t>9/19/2018</a:t>
             </a:fld>
             <a:endParaRPr lang="en-US" dirty="0"/>
           </a:p>
@@ -3543,7 +3543,7 @@
           <a:p>
             <a:fld id="{AE734E95-C037-429B-8B5F-D0FAB25DE16C}" type="datetime1">
               <a:rPr lang="en-US" altLang="ko-KR" smtClean="0"/>
-              <a:t>9/16/2018</a:t>
+              <a:t>9/19/2018</a:t>
             </a:fld>
             <a:endParaRPr lang="en-US" dirty="0"/>
           </a:p>
@@ -3860,7 +3860,7 @@
           <a:p>
             <a:fld id="{E0770D22-4CCF-46DD-9D25-F19CC4764808}" type="datetime1">
               <a:rPr lang="en-US" altLang="ko-KR" smtClean="0"/>
-              <a:t>9/16/2018</a:t>
+              <a:t>9/19/2018</a:t>
             </a:fld>
             <a:endParaRPr lang="en-US" dirty="0"/>
           </a:p>
@@ -7461,7 +7461,7 @@
               <a:buAutoNum type="alphaUcPeriod"/>
             </a:pPr>
             <a:r>
-              <a:rPr lang="ko-KR" altLang="en-US" sz="1950" dirty="0">
+              <a:rPr lang="ko-KR" altLang="en-US" sz="1950" strike="sngStrike" dirty="0">
                 <a:solidFill>
                   <a:schemeClr val="tx1">
                     <a:lumMod val="95000"/>
@@ -7480,7 +7480,7 @@
               </a:rPr>
               <a:t>타이틀 씬 구현</a:t>
             </a:r>
-            <a:endParaRPr lang="en-US" altLang="ko-KR" sz="1950" dirty="0">
+            <a:endParaRPr lang="en-US" altLang="ko-KR" sz="1950" strike="sngStrike" dirty="0">
               <a:solidFill>
                 <a:schemeClr val="tx1">
                   <a:lumMod val="95000"/>
@@ -7507,7 +7507,7 @@
               <a:buAutoNum type="alphaUcPeriod"/>
             </a:pPr>
             <a:r>
-              <a:rPr lang="ko-KR" altLang="en-US" sz="1950" dirty="0">
+              <a:rPr lang="ko-KR" altLang="en-US" sz="1950" strike="sngStrike" dirty="0">
                 <a:solidFill>
                   <a:schemeClr val="tx1">
                     <a:lumMod val="95000"/>
@@ -7526,7 +7526,7 @@
               </a:rPr>
               <a:t>룸 씬 구현</a:t>
             </a:r>
-            <a:endParaRPr lang="en-US" altLang="ko-KR" sz="1950" dirty="0">
+            <a:endParaRPr lang="en-US" altLang="ko-KR" sz="1950" strike="sngStrike" dirty="0">
               <a:solidFill>
                 <a:schemeClr val="tx1">
                   <a:lumMod val="95000"/>
@@ -7553,7 +7553,7 @@
               <a:buAutoNum type="alphaUcPeriod"/>
             </a:pPr>
             <a:r>
-              <a:rPr lang="ko-KR" altLang="en-US" sz="1950" dirty="0">
+              <a:rPr lang="ko-KR" altLang="en-US" sz="1950" strike="sngStrike" dirty="0">
                 <a:solidFill>
                   <a:schemeClr val="tx1">
                     <a:lumMod val="95000"/>
@@ -7573,7 +7573,7 @@
               <a:t>룸 씬 </a:t>
             </a:r>
             <a:r>
-              <a:rPr lang="en-US" altLang="ko-KR" sz="1950" dirty="0">
+              <a:rPr lang="en-US" altLang="ko-KR" sz="1950" strike="sngStrike" dirty="0">
                 <a:solidFill>
                   <a:schemeClr val="tx1">
                     <a:lumMod val="95000"/>
@@ -7593,7 +7593,7 @@
               <a:t>-</a:t>
             </a:r>
             <a:r>
-              <a:rPr lang="ko-KR" altLang="en-US" sz="1950" dirty="0">
+              <a:rPr lang="ko-KR" altLang="en-US" sz="1950" strike="sngStrike" dirty="0">
                 <a:solidFill>
                   <a:schemeClr val="tx1">
                     <a:lumMod val="95000"/>
@@ -7612,7 +7612,7 @@
               </a:rPr>
               <a:t> 팀 변경 기능 추가</a:t>
             </a:r>
-            <a:endParaRPr lang="en-US" altLang="ko-KR" sz="1950" dirty="0">
+            <a:endParaRPr lang="en-US" altLang="ko-KR" sz="1950" strike="sngStrike" dirty="0">
               <a:solidFill>
                 <a:schemeClr val="tx1">
                   <a:lumMod val="95000"/>

--- a/진행사항.pptx
+++ b/진행사항.pptx
@@ -230,7 +230,7 @@
           <a:p>
             <a:fld id="{174CF4B6-C8D6-438C-8B7D-E8AF3EC6F65B}" type="datetimeFigureOut">
               <a:rPr lang="ko-KR" altLang="en-US" smtClean="0"/>
-              <a:t>2018-09-19</a:t>
+              <a:t>2018-09-20</a:t>
             </a:fld>
             <a:endParaRPr lang="ko-KR" altLang="en-US"/>
           </a:p>
@@ -666,7 +666,7 @@
           <a:p>
             <a:fld id="{997C0C2C-FB57-479D-BE7F-6EC34BF7043C}" type="datetime1">
               <a:rPr lang="en-US" altLang="ko-KR" smtClean="0"/>
-              <a:t>9/19/2018</a:t>
+              <a:t>9/20/2018</a:t>
             </a:fld>
             <a:endParaRPr lang="en-US" dirty="0"/>
           </a:p>
@@ -997,7 +997,7 @@
           <a:p>
             <a:fld id="{047308E6-C353-4980-BC35-3BA553F61D46}" type="datetime1">
               <a:rPr lang="en-US" altLang="ko-KR" smtClean="0"/>
-              <a:t>9/19/2018</a:t>
+              <a:t>9/20/2018</a:t>
             </a:fld>
             <a:endParaRPr lang="en-US" dirty="0"/>
           </a:p>
@@ -1177,7 +1177,7 @@
           <a:p>
             <a:fld id="{925E33ED-602B-46D4-AC4E-A3EC8D1FE08B}" type="datetime1">
               <a:rPr lang="en-US" altLang="ko-KR" smtClean="0"/>
-              <a:t>9/19/2018</a:t>
+              <a:t>9/20/2018</a:t>
             </a:fld>
             <a:endParaRPr lang="en-US" dirty="0"/>
           </a:p>
@@ -1347,7 +1347,7 @@
           <a:p>
             <a:fld id="{CDCA6F40-FDE7-4477-94C1-42AFCA093BA3}" type="datetime1">
               <a:rPr lang="en-US" altLang="ko-KR" smtClean="0"/>
-              <a:t>9/19/2018</a:t>
+              <a:t>9/20/2018</a:t>
             </a:fld>
             <a:endParaRPr lang="en-US" dirty="0"/>
           </a:p>
@@ -1625,7 +1625,7 @@
           <a:p>
             <a:fld id="{E5AD4DDD-EA1C-4615-97C2-D68EC457B4CF}" type="datetime1">
               <a:rPr lang="en-US" altLang="ko-KR" smtClean="0"/>
-              <a:t>9/19/2018</a:t>
+              <a:t>9/20/2018</a:t>
             </a:fld>
             <a:endParaRPr lang="en-US" dirty="0"/>
           </a:p>
@@ -2076,7 +2076,7 @@
           <a:p>
             <a:fld id="{CA0F03C5-1E3C-44BE-9E2F-087D284D2C5D}" type="datetime1">
               <a:rPr lang="en-US" altLang="ko-KR" smtClean="0"/>
-              <a:t>9/19/2018</a:t>
+              <a:t>9/20/2018</a:t>
             </a:fld>
             <a:endParaRPr lang="en-US" dirty="0"/>
           </a:p>
@@ -2553,7 +2553,7 @@
           <a:p>
             <a:fld id="{23CB4308-201A-4967-870E-1ACB91AA6D8E}" type="datetime1">
               <a:rPr lang="en-US" altLang="ko-KR" smtClean="0"/>
-              <a:t>9/19/2018</a:t>
+              <a:t>9/20/2018</a:t>
             </a:fld>
             <a:endParaRPr lang="en-US" dirty="0"/>
           </a:p>
@@ -2671,7 +2671,7 @@
           <a:p>
             <a:fld id="{2AE391EA-DA61-4C24-8C9E-58C8105C0CDC}" type="datetime1">
               <a:rPr lang="en-US" altLang="ko-KR" smtClean="0"/>
-              <a:t>9/19/2018</a:t>
+              <a:t>9/20/2018</a:t>
             </a:fld>
             <a:endParaRPr lang="en-US" dirty="0"/>
           </a:p>
@@ -2766,7 +2766,7 @@
           <a:p>
             <a:fld id="{14CF23BC-FE77-4485-B606-6CBA74C5D36E}" type="datetime1">
               <a:rPr lang="en-US" altLang="ko-KR" smtClean="0"/>
-              <a:t>9/19/2018</a:t>
+              <a:t>9/20/2018</a:t>
             </a:fld>
             <a:endParaRPr lang="en-US" dirty="0"/>
           </a:p>
@@ -3114,7 +3114,7 @@
           <a:p>
             <a:fld id="{808D6C14-1859-4DDA-AD38-00DE62AE1826}" type="datetime1">
               <a:rPr lang="en-US" altLang="ko-KR" smtClean="0"/>
-              <a:t>9/19/2018</a:t>
+              <a:t>9/20/2018</a:t>
             </a:fld>
             <a:endParaRPr lang="en-US" dirty="0"/>
           </a:p>
@@ -3543,7 +3543,7 @@
           <a:p>
             <a:fld id="{AE734E95-C037-429B-8B5F-D0FAB25DE16C}" type="datetime1">
               <a:rPr lang="en-US" altLang="ko-KR" smtClean="0"/>
-              <a:t>9/19/2018</a:t>
+              <a:t>9/20/2018</a:t>
             </a:fld>
             <a:endParaRPr lang="en-US" dirty="0"/>
           </a:p>
@@ -3860,7 +3860,7 @@
           <a:p>
             <a:fld id="{E0770D22-4CCF-46DD-9D25-F19CC4764808}" type="datetime1">
               <a:rPr lang="en-US" altLang="ko-KR" smtClean="0"/>
-              <a:t>9/19/2018</a:t>
+              <a:t>9/20/2018</a:t>
             </a:fld>
             <a:endParaRPr lang="en-US" dirty="0"/>
           </a:p>
@@ -7170,7 +7170,7 @@
               <a:buAutoNum type="alphaUcPeriod"/>
             </a:pPr>
             <a:r>
-              <a:rPr lang="ko-KR" altLang="en-US" sz="1950" dirty="0">
+              <a:rPr lang="ko-KR" altLang="en-US" sz="1950" strike="sngStrike" dirty="0">
                 <a:solidFill>
                   <a:schemeClr val="tx1">
                     <a:lumMod val="95000"/>
@@ -7189,7 +7189,7 @@
               </a:rPr>
               <a:t>멀티 씬 처리 가능하도록 서버 구조 변경</a:t>
             </a:r>
-            <a:endParaRPr lang="en-US" altLang="ko-KR" sz="1950" dirty="0">
+            <a:endParaRPr lang="en-US" altLang="ko-KR" sz="1950" strike="sngStrike" dirty="0">
               <a:solidFill>
                 <a:schemeClr val="tx1">
                   <a:lumMod val="95000"/>

--- a/진행사항.pptx
+++ b/진행사항.pptx
@@ -230,7 +230,7 @@
           <a:p>
             <a:fld id="{174CF4B6-C8D6-438C-8B7D-E8AF3EC6F65B}" type="datetimeFigureOut">
               <a:rPr lang="ko-KR" altLang="en-US" smtClean="0"/>
-              <a:t>2018-09-20</a:t>
+              <a:t>2018-09-29</a:t>
             </a:fld>
             <a:endParaRPr lang="ko-KR" altLang="en-US"/>
           </a:p>
@@ -666,7 +666,7 @@
           <a:p>
             <a:fld id="{997C0C2C-FB57-479D-BE7F-6EC34BF7043C}" type="datetime1">
               <a:rPr lang="en-US" altLang="ko-KR" smtClean="0"/>
-              <a:t>9/20/2018</a:t>
+              <a:t>9/29/2018</a:t>
             </a:fld>
             <a:endParaRPr lang="en-US" dirty="0"/>
           </a:p>
@@ -997,7 +997,7 @@
           <a:p>
             <a:fld id="{047308E6-C353-4980-BC35-3BA553F61D46}" type="datetime1">
               <a:rPr lang="en-US" altLang="ko-KR" smtClean="0"/>
-              <a:t>9/20/2018</a:t>
+              <a:t>9/29/2018</a:t>
             </a:fld>
             <a:endParaRPr lang="en-US" dirty="0"/>
           </a:p>
@@ -1177,7 +1177,7 @@
           <a:p>
             <a:fld id="{925E33ED-602B-46D4-AC4E-A3EC8D1FE08B}" type="datetime1">
               <a:rPr lang="en-US" altLang="ko-KR" smtClean="0"/>
-              <a:t>9/20/2018</a:t>
+              <a:t>9/29/2018</a:t>
             </a:fld>
             <a:endParaRPr lang="en-US" dirty="0"/>
           </a:p>
@@ -1347,7 +1347,7 @@
           <a:p>
             <a:fld id="{CDCA6F40-FDE7-4477-94C1-42AFCA093BA3}" type="datetime1">
               <a:rPr lang="en-US" altLang="ko-KR" smtClean="0"/>
-              <a:t>9/20/2018</a:t>
+              <a:t>9/29/2018</a:t>
             </a:fld>
             <a:endParaRPr lang="en-US" dirty="0"/>
           </a:p>
@@ -1625,7 +1625,7 @@
           <a:p>
             <a:fld id="{E5AD4DDD-EA1C-4615-97C2-D68EC457B4CF}" type="datetime1">
               <a:rPr lang="en-US" altLang="ko-KR" smtClean="0"/>
-              <a:t>9/20/2018</a:t>
+              <a:t>9/29/2018</a:t>
             </a:fld>
             <a:endParaRPr lang="en-US" dirty="0"/>
           </a:p>
@@ -2076,7 +2076,7 @@
           <a:p>
             <a:fld id="{CA0F03C5-1E3C-44BE-9E2F-087D284D2C5D}" type="datetime1">
               <a:rPr lang="en-US" altLang="ko-KR" smtClean="0"/>
-              <a:t>9/20/2018</a:t>
+              <a:t>9/29/2018</a:t>
             </a:fld>
             <a:endParaRPr lang="en-US" dirty="0"/>
           </a:p>
@@ -2553,7 +2553,7 @@
           <a:p>
             <a:fld id="{23CB4308-201A-4967-870E-1ACB91AA6D8E}" type="datetime1">
               <a:rPr lang="en-US" altLang="ko-KR" smtClean="0"/>
-              <a:t>9/20/2018</a:t>
+              <a:t>9/29/2018</a:t>
             </a:fld>
             <a:endParaRPr lang="en-US" dirty="0"/>
           </a:p>
@@ -2671,7 +2671,7 @@
           <a:p>
             <a:fld id="{2AE391EA-DA61-4C24-8C9E-58C8105C0CDC}" type="datetime1">
               <a:rPr lang="en-US" altLang="ko-KR" smtClean="0"/>
-              <a:t>9/20/2018</a:t>
+              <a:t>9/29/2018</a:t>
             </a:fld>
             <a:endParaRPr lang="en-US" dirty="0"/>
           </a:p>
@@ -2766,7 +2766,7 @@
           <a:p>
             <a:fld id="{14CF23BC-FE77-4485-B606-6CBA74C5D36E}" type="datetime1">
               <a:rPr lang="en-US" altLang="ko-KR" smtClean="0"/>
-              <a:t>9/20/2018</a:t>
+              <a:t>9/29/2018</a:t>
             </a:fld>
             <a:endParaRPr lang="en-US" dirty="0"/>
           </a:p>
@@ -3114,7 +3114,7 @@
           <a:p>
             <a:fld id="{808D6C14-1859-4DDA-AD38-00DE62AE1826}" type="datetime1">
               <a:rPr lang="en-US" altLang="ko-KR" smtClean="0"/>
-              <a:t>9/20/2018</a:t>
+              <a:t>9/29/2018</a:t>
             </a:fld>
             <a:endParaRPr lang="en-US" dirty="0"/>
           </a:p>
@@ -3543,7 +3543,7 @@
           <a:p>
             <a:fld id="{AE734E95-C037-429B-8B5F-D0FAB25DE16C}" type="datetime1">
               <a:rPr lang="en-US" altLang="ko-KR" smtClean="0"/>
-              <a:t>9/20/2018</a:t>
+              <a:t>9/29/2018</a:t>
             </a:fld>
             <a:endParaRPr lang="en-US" dirty="0"/>
           </a:p>
@@ -3860,7 +3860,7 @@
           <a:p>
             <a:fld id="{E0770D22-4CCF-46DD-9D25-F19CC4764808}" type="datetime1">
               <a:rPr lang="en-US" altLang="ko-KR" smtClean="0"/>
-              <a:t>9/20/2018</a:t>
+              <a:t>9/29/2018</a:t>
             </a:fld>
             <a:endParaRPr lang="en-US" dirty="0"/>
           </a:p>
@@ -7685,7 +7685,7 @@
               <a:buAutoNum type="alphaUcPeriod"/>
             </a:pPr>
             <a:r>
-              <a:rPr lang="ko-KR" altLang="en-US" sz="1950" dirty="0">
+              <a:rPr lang="ko-KR" altLang="en-US" sz="1950" strike="sngStrike" dirty="0">
                 <a:solidFill>
                   <a:schemeClr val="tx1">
                     <a:lumMod val="95000"/>
@@ -7704,7 +7704,7 @@
               </a:rPr>
               <a:t>모델 변경 이후 카메라 조정</a:t>
             </a:r>
-            <a:endParaRPr lang="en-US" altLang="ko-KR" sz="1950" dirty="0">
+            <a:endParaRPr lang="en-US" altLang="ko-KR" sz="1950" strike="sngStrike" dirty="0">
               <a:solidFill>
                 <a:schemeClr val="tx1">
                   <a:lumMod val="95000"/>
